--- a/защита/презентация.pptx
+++ b/защита/презентация.pptx
@@ -2,30 +2,32 @@
 <file path=ppt/presentation.xml><?xml version="1.0" encoding="utf-8"?>
 <p:presentation xmlns:a="http://schemas.openxmlformats.org/drawingml/2006/main" xmlns:r="http://schemas.openxmlformats.org/officeDocument/2006/relationships" xmlns:p="http://schemas.openxmlformats.org/presentationml/2006/main" saveSubsetFonts="1">
   <p:sldMasterIdLst>
-    <p:sldMasterId id="2147483695" r:id="rId1"/>
+    <p:sldMasterId id="2147483731" r:id="rId1"/>
   </p:sldMasterIdLst>
   <p:notesMasterIdLst>
-    <p:notesMasterId r:id="rId17"/>
+    <p:notesMasterId r:id="rId19"/>
   </p:notesMasterIdLst>
   <p:handoutMasterIdLst>
-    <p:handoutMasterId r:id="rId18"/>
+    <p:handoutMasterId r:id="rId20"/>
   </p:handoutMasterIdLst>
   <p:sldIdLst>
     <p:sldId id="256" r:id="rId2"/>
     <p:sldId id="257" r:id="rId3"/>
-    <p:sldId id="259" r:id="rId4"/>
-    <p:sldId id="262" r:id="rId5"/>
-    <p:sldId id="261" r:id="rId6"/>
-    <p:sldId id="263" r:id="rId7"/>
-    <p:sldId id="260" r:id="rId8"/>
-    <p:sldId id="264" r:id="rId9"/>
-    <p:sldId id="267" r:id="rId10"/>
-    <p:sldId id="269" r:id="rId11"/>
-    <p:sldId id="266" r:id="rId12"/>
-    <p:sldId id="268" r:id="rId13"/>
-    <p:sldId id="265" r:id="rId14"/>
-    <p:sldId id="270" r:id="rId15"/>
-    <p:sldId id="258" r:id="rId16"/>
+    <p:sldId id="271" r:id="rId4"/>
+    <p:sldId id="272" r:id="rId5"/>
+    <p:sldId id="259" r:id="rId6"/>
+    <p:sldId id="262" r:id="rId7"/>
+    <p:sldId id="261" r:id="rId8"/>
+    <p:sldId id="263" r:id="rId9"/>
+    <p:sldId id="260" r:id="rId10"/>
+    <p:sldId id="264" r:id="rId11"/>
+    <p:sldId id="267" r:id="rId12"/>
+    <p:sldId id="269" r:id="rId13"/>
+    <p:sldId id="266" r:id="rId14"/>
+    <p:sldId id="268" r:id="rId15"/>
+    <p:sldId id="265" r:id="rId16"/>
+    <p:sldId id="270" r:id="rId17"/>
+    <p:sldId id="258" r:id="rId18"/>
   </p:sldIdLst>
   <p:sldSz cx="12192000" cy="6858000"/>
   <p:notesSz cx="6858000" cy="9144000"/>
@@ -135,6 +137,8 @@
         <p14:section name="Введение" id="{ABC5657D-B2CD-4967-9760-FE30DFFDADBD}">
           <p14:sldIdLst>
             <p14:sldId id="257"/>
+            <p14:sldId id="271"/>
+            <p14:sldId id="272"/>
           </p14:sldIdLst>
         </p14:section>
         <p14:section name="Формулировка решаемой задачи" id="{F41F6C40-B162-4DFC-A34E-17BA14469416}">
@@ -175,6 +179,9 @@
           </p14:sldIdLst>
         </p14:section>
       </p14:sectionLst>
+    </p:ext>
+    <p:ext uri="{EFAFB233-063F-42B5-8137-9DF3F51BA10A}">
+      <p15:sldGuideLst xmlns:p15="http://schemas.microsoft.com/office/powerpoint/2012/main"/>
     </p:ext>
   </p:extLst>
 </p:presentation>
@@ -762,7 +769,7 @@
           <a:p>
             <a:fld id="{DD920320-9A63-49AD-8486-C17DAEB4E8BC}" type="slidenum">
               <a:rPr lang="ru-RU" smtClean="0"/>
-              <a:t>4</a:t>
+              <a:t>6</a:t>
             </a:fld>
             <a:endParaRPr lang="ru-RU"/>
           </a:p>
@@ -783,15 +790,7 @@
 
 <file path=ppt/slideLayouts/slideLayout1.xml><?xml version="1.0" encoding="utf-8"?>
 <p:sldLayout xmlns:a="http://schemas.openxmlformats.org/drawingml/2006/main" xmlns:r="http://schemas.openxmlformats.org/officeDocument/2006/relationships" xmlns:p="http://schemas.openxmlformats.org/presentationml/2006/main" showMasterSp="0" type="title" preserve="1">
-  <p:cSld name="Title Slide">
-    <p:bg>
-      <p:bgPr>
-        <a:solidFill>
-          <a:schemeClr val="bg2"/>
-        </a:solidFill>
-        <a:effectLst/>
-      </p:bgPr>
-    </p:bg>
+  <p:cSld name="Титульный слайд">
     <p:spTree>
       <p:nvGrpSpPr>
         <p:cNvPr id="1" name=""/>
@@ -808,367 +807,464 @@
       </p:grpSpPr>
       <p:sp>
         <p:nvSpPr>
-          <p:cNvPr id="2" name="Title 1"/>
-          <p:cNvSpPr>
-            <a:spLocks noGrp="1"/>
-          </p:cNvSpPr>
-          <p:nvPr>
-            <p:ph type="ctrTitle"/>
-          </p:nvPr>
+          <p:cNvPr id="7" name="Rectangle 6"/>
+          <p:cNvSpPr/>
+          <p:nvPr/>
         </p:nvSpPr>
         <p:spPr>
           <a:xfrm>
-            <a:off x="1915128" y="1788454"/>
-            <a:ext cx="8361229" cy="2098226"/>
+            <a:off x="920834" y="1346946"/>
+            <a:ext cx="10222992" cy="80683"/>
           </a:xfrm>
+          <a:prstGeom prst="rect">
+            <a:avLst/>
+          </a:prstGeom>
+          <a:blipFill dpi="0" rotWithShape="1">
+            <a:blip r:embed="rId2">
+              <a:alphaModFix amt="85000"/>
+              <a:lum bright="70000" contrast="-70000"/>
+              <a:extLst>
+                <a:ext uri="{BEBA8EAE-BF5A-486C-A8C5-ECC9F3942E4B}">
+                  <a14:imgProps xmlns:a14="http://schemas.microsoft.com/office/drawing/2010/main">
+                    <a14:imgLayer r:embed="rId3">
+                      <a14:imgEffect>
+                        <a14:sharpenSoften amount="61000"/>
+                      </a14:imgEffect>
+                    </a14:imgLayer>
+                  </a14:imgProps>
+                </a:ext>
+                <a:ext uri="{28A0092B-C50C-407E-A947-70E740481C1C}">
+                  <a14:useLocalDpi xmlns:a14="http://schemas.microsoft.com/office/drawing/2010/main" val="0"/>
+                </a:ext>
+              </a:extLst>
+            </a:blip>
+            <a:srcRect/>
+            <a:tile tx="0" ty="-762000" sx="92000" sy="89000" flip="xy" algn="ctr"/>
+          </a:blipFill>
+          <a:ln>
+            <a:noFill/>
+          </a:ln>
         </p:spPr>
-        <p:txBody>
-          <a:bodyPr anchor="b">
-            <a:noAutofit/>
-          </a:bodyPr>
-          <a:lstStyle>
-            <a:lvl1pPr algn="ctr">
-              <a:defRPr sz="7200" cap="all" baseline="0">
-                <a:solidFill>
-                  <a:schemeClr val="tx2"/>
-                </a:solidFill>
-              </a:defRPr>
-            </a:lvl1pPr>
-          </a:lstStyle>
-          <a:p>
-            <a:r>
-              <a:rPr lang="en-US" smtClean="0"/>
-              <a:t>Click to edit Master title style</a:t>
-            </a:r>
-            <a:endParaRPr lang="en-US" dirty="0"/>
-          </a:p>
-        </p:txBody>
-      </p:sp>
-      <p:sp>
-        <p:nvSpPr>
-          <p:cNvPr id="3" name="Subtitle 2"/>
-          <p:cNvSpPr>
-            <a:spLocks noGrp="1"/>
-          </p:cNvSpPr>
-          <p:nvPr>
-            <p:ph type="subTitle" idx="1"/>
-          </p:nvPr>
+        <p:style>
+          <a:lnRef idx="2">
+            <a:schemeClr val="accent1">
+              <a:shade val="50000"/>
+            </a:schemeClr>
+          </a:lnRef>
+          <a:fillRef idx="1">
+            <a:schemeClr val="accent1"/>
+          </a:fillRef>
+          <a:effectRef idx="0">
+            <a:schemeClr val="accent1"/>
+          </a:effectRef>
+          <a:fontRef idx="minor">
+            <a:schemeClr val="lt1"/>
+          </a:fontRef>
+        </p:style>
+      </p:sp>
+      <p:sp>
+        <p:nvSpPr>
+          <p:cNvPr id="8" name="Rectangle 7"/>
+          <p:cNvSpPr/>
+          <p:nvPr/>
         </p:nvSpPr>
         <p:spPr>
           <a:xfrm>
-            <a:off x="2679906" y="3956279"/>
-            <a:ext cx="6831673" cy="1086237"/>
+            <a:off x="920834" y="4299696"/>
+            <a:ext cx="10222992" cy="80683"/>
           </a:xfrm>
+          <a:prstGeom prst="rect">
+            <a:avLst/>
+          </a:prstGeom>
+          <a:blipFill dpi="0" rotWithShape="1">
+            <a:blip r:embed="rId2">
+              <a:alphaModFix amt="85000"/>
+              <a:lum bright="70000" contrast="-70000"/>
+              <a:extLst>
+                <a:ext uri="{BEBA8EAE-BF5A-486C-A8C5-ECC9F3942E4B}">
+                  <a14:imgProps xmlns:a14="http://schemas.microsoft.com/office/drawing/2010/main">
+                    <a14:imgLayer r:embed="rId3">
+                      <a14:imgEffect>
+                        <a14:sharpenSoften amount="61000"/>
+                      </a14:imgEffect>
+                    </a14:imgLayer>
+                  </a14:imgProps>
+                </a:ext>
+                <a:ext uri="{28A0092B-C50C-407E-A947-70E740481C1C}">
+                  <a14:useLocalDpi xmlns:a14="http://schemas.microsoft.com/office/drawing/2010/main" val="0"/>
+                </a:ext>
+              </a:extLst>
+            </a:blip>
+            <a:srcRect/>
+            <a:tile tx="0" ty="-717550" sx="92000" sy="89000" flip="xy" algn="ctr"/>
+          </a:blipFill>
+          <a:ln>
+            <a:noFill/>
+          </a:ln>
         </p:spPr>
-        <p:txBody>
-          <a:bodyPr>
-            <a:normAutofit/>
-          </a:bodyPr>
-          <a:lstStyle>
-            <a:lvl1pPr marL="0" indent="0" algn="ctr">
-              <a:lnSpc>
-                <a:spcPct val="112000"/>
-              </a:lnSpc>
-              <a:spcBef>
-                <a:spcPts val="0"/>
-              </a:spcBef>
-              <a:spcAft>
-                <a:spcPts val="0"/>
-              </a:spcAft>
-              <a:buNone/>
-              <a:defRPr sz="2300"/>
-            </a:lvl1pPr>
-            <a:lvl2pPr marL="457200" indent="0" algn="ctr">
-              <a:buNone/>
-              <a:defRPr sz="2000"/>
-            </a:lvl2pPr>
-            <a:lvl3pPr marL="914400" indent="0" algn="ctr">
-              <a:buNone/>
-              <a:defRPr sz="1800"/>
-            </a:lvl3pPr>
-            <a:lvl4pPr marL="1371600" indent="0" algn="ctr">
-              <a:buNone/>
-              <a:defRPr sz="1600"/>
-            </a:lvl4pPr>
-            <a:lvl5pPr marL="1828800" indent="0" algn="ctr">
-              <a:buNone/>
-              <a:defRPr sz="1600"/>
-            </a:lvl5pPr>
-            <a:lvl6pPr marL="2286000" indent="0" algn="ctr">
-              <a:buNone/>
-              <a:defRPr sz="1600"/>
-            </a:lvl6pPr>
-            <a:lvl7pPr marL="2743200" indent="0" algn="ctr">
-              <a:buNone/>
-              <a:defRPr sz="1600"/>
-            </a:lvl7pPr>
-            <a:lvl8pPr marL="3200400" indent="0" algn="ctr">
-              <a:buNone/>
-              <a:defRPr sz="1600"/>
-            </a:lvl8pPr>
-            <a:lvl9pPr marL="3657600" indent="0" algn="ctr">
-              <a:buNone/>
-              <a:defRPr sz="1600"/>
-            </a:lvl9pPr>
-          </a:lstStyle>
-          <a:p>
-            <a:r>
-              <a:rPr lang="en-US" smtClean="0"/>
-              <a:t>Click to edit Master subtitle style</a:t>
-            </a:r>
-            <a:endParaRPr lang="en-US" dirty="0"/>
-          </a:p>
-        </p:txBody>
-      </p:sp>
-      <p:sp>
-        <p:nvSpPr>
-          <p:cNvPr id="4" name="Date Placeholder 3"/>
-          <p:cNvSpPr>
-            <a:spLocks noGrp="1"/>
-          </p:cNvSpPr>
-          <p:nvPr>
-            <p:ph type="dt" sz="half" idx="10"/>
-          </p:nvPr>
+        <p:style>
+          <a:lnRef idx="2">
+            <a:schemeClr val="accent1">
+              <a:shade val="50000"/>
+            </a:schemeClr>
+          </a:lnRef>
+          <a:fillRef idx="1">
+            <a:schemeClr val="accent1"/>
+          </a:fillRef>
+          <a:effectRef idx="0">
+            <a:schemeClr val="accent1"/>
+          </a:effectRef>
+          <a:fontRef idx="minor">
+            <a:schemeClr val="lt1"/>
+          </a:fontRef>
+        </p:style>
+      </p:sp>
+      <p:sp>
+        <p:nvSpPr>
+          <p:cNvPr id="9" name="Rectangle 8"/>
+          <p:cNvSpPr/>
+          <p:nvPr/>
         </p:nvSpPr>
         <p:spPr>
           <a:xfrm>
-            <a:off x="752858" y="6453386"/>
-            <a:ext cx="1607944" cy="404614"/>
+            <a:off x="920834" y="1484779"/>
+            <a:ext cx="10222992" cy="2743200"/>
           </a:xfrm>
+          <a:prstGeom prst="rect">
+            <a:avLst/>
+          </a:prstGeom>
+          <a:blipFill dpi="0" rotWithShape="1">
+            <a:blip r:embed="rId2">
+              <a:alphaModFix amt="85000"/>
+              <a:lum bright="70000" contrast="-70000"/>
+              <a:extLst>
+                <a:ext uri="{BEBA8EAE-BF5A-486C-A8C5-ECC9F3942E4B}">
+                  <a14:imgProps xmlns:a14="http://schemas.microsoft.com/office/drawing/2010/main">
+                    <a14:imgLayer r:embed="rId3">
+                      <a14:imgEffect>
+                        <a14:sharpenSoften amount="61000"/>
+                      </a14:imgEffect>
+                    </a14:imgLayer>
+                  </a14:imgProps>
+                </a:ext>
+                <a:ext uri="{28A0092B-C50C-407E-A947-70E740481C1C}">
+                  <a14:useLocalDpi xmlns:a14="http://schemas.microsoft.com/office/drawing/2010/main" val="0"/>
+                </a:ext>
+              </a:extLst>
+            </a:blip>
+            <a:srcRect/>
+            <a:tile tx="0" ty="-704850" sx="92000" sy="89000" flip="xy" algn="ctr"/>
+          </a:blipFill>
+          <a:ln>
+            <a:noFill/>
+          </a:ln>
         </p:spPr>
-        <p:txBody>
-          <a:bodyPr/>
-          <a:lstStyle>
-            <a:lvl1pPr>
-              <a:defRPr baseline="0">
-                <a:solidFill>
-                  <a:schemeClr val="tx2"/>
-                </a:solidFill>
-              </a:defRPr>
-            </a:lvl1pPr>
-          </a:lstStyle>
-          <a:p>
-            <a:fld id="{CE64A4BC-8740-4B00-A30D-FF016E173F11}" type="datetime1">
-              <a:rPr lang="ru-RU" smtClean="0"/>
-              <a:t>17.06.2019</a:t>
-            </a:fld>
-            <a:endParaRPr lang="ru-RU"/>
-          </a:p>
-        </p:txBody>
-      </p:sp>
-      <p:sp>
-        <p:nvSpPr>
-          <p:cNvPr id="5" name="Footer Placeholder 4"/>
-          <p:cNvSpPr>
-            <a:spLocks noGrp="1"/>
-          </p:cNvSpPr>
-          <p:nvPr>
-            <p:ph type="ftr" sz="quarter" idx="11"/>
-          </p:nvPr>
-        </p:nvSpPr>
-        <p:spPr>
-          <a:xfrm>
-            <a:off x="2584054" y="6453386"/>
-            <a:ext cx="7023377" cy="404614"/>
-          </a:xfrm>
-        </p:spPr>
-        <p:txBody>
-          <a:bodyPr/>
-          <a:lstStyle>
-            <a:lvl1pPr algn="ctr">
-              <a:defRPr baseline="0">
-                <a:solidFill>
-                  <a:schemeClr val="tx2"/>
-                </a:solidFill>
-              </a:defRPr>
-            </a:lvl1pPr>
-          </a:lstStyle>
-          <a:p>
-            <a:endParaRPr lang="ru-RU"/>
-          </a:p>
-        </p:txBody>
-      </p:sp>
-      <p:sp>
-        <p:nvSpPr>
-          <p:cNvPr id="6" name="Slide Number Placeholder 5"/>
-          <p:cNvSpPr>
-            <a:spLocks noGrp="1"/>
-          </p:cNvSpPr>
-          <p:nvPr>
-            <p:ph type="sldNum" sz="quarter" idx="12"/>
-          </p:nvPr>
-        </p:nvSpPr>
-        <p:spPr>
-          <a:xfrm>
-            <a:off x="9830683" y="6453386"/>
-            <a:ext cx="1596292" cy="404614"/>
-          </a:xfrm>
-        </p:spPr>
-        <p:txBody>
-          <a:bodyPr/>
-          <a:lstStyle>
-            <a:lvl1pPr>
-              <a:defRPr baseline="0">
-                <a:solidFill>
-                  <a:schemeClr val="tx2"/>
-                </a:solidFill>
-              </a:defRPr>
-            </a:lvl1pPr>
-          </a:lstStyle>
-          <a:p>
-            <a:fld id="{D1A40677-FD44-493F-9950-230061FFD32D}" type="slidenum">
-              <a:rPr lang="ru-RU" smtClean="0"/>
-              <a:t>‹#›</a:t>
-            </a:fld>
-            <a:endParaRPr lang="ru-RU"/>
-          </a:p>
-        </p:txBody>
+        <p:style>
+          <a:lnRef idx="2">
+            <a:schemeClr val="accent1">
+              <a:shade val="50000"/>
+            </a:schemeClr>
+          </a:lnRef>
+          <a:fillRef idx="1">
+            <a:schemeClr val="accent1"/>
+          </a:fillRef>
+          <a:effectRef idx="0">
+            <a:schemeClr val="accent1"/>
+          </a:effectRef>
+          <a:fontRef idx="minor">
+            <a:schemeClr val="lt1"/>
+          </a:fontRef>
+        </p:style>
       </p:sp>
       <p:grpSp>
         <p:nvGrpSpPr>
-          <p:cNvPr id="7" name="Group 6"/>
+          <p:cNvPr id="10" name="Group 9"/>
           <p:cNvGrpSpPr/>
           <p:nvPr/>
         </p:nvGrpSpPr>
         <p:grpSpPr>
           <a:xfrm>
-            <a:off x="752858" y="744469"/>
-            <a:ext cx="10674117" cy="5349671"/>
-            <a:chOff x="752858" y="744469"/>
-            <a:chExt cx="10674117" cy="5349671"/>
+            <a:off x="9649215" y="4068923"/>
+            <a:ext cx="1080904" cy="1080902"/>
+            <a:chOff x="9685338" y="4460675"/>
+            <a:chExt cx="1080904" cy="1080902"/>
           </a:xfrm>
         </p:grpSpPr>
         <p:sp>
           <p:nvSpPr>
-            <p:cNvPr id="11" name="Freeform 6"/>
+            <p:cNvPr id="11" name="Oval 10"/>
             <p:cNvSpPr/>
             <p:nvPr/>
           </p:nvSpPr>
-          <p:spPr bwMode="auto">
+          <p:spPr>
             <a:xfrm>
-              <a:off x="8151962" y="1685652"/>
-              <a:ext cx="3275013" cy="4408488"/>
+              <a:off x="9685338" y="4460675"/>
+              <a:ext cx="1080904" cy="1080902"/>
             </a:xfrm>
-            <a:custGeom>
+            <a:prstGeom prst="ellipse">
               <a:avLst/>
-              <a:gdLst/>
-              <a:ahLst/>
-              <a:cxnLst/>
-              <a:rect l="l" t="t" r="r" b="b"/>
-              <a:pathLst>
-                <a:path w="10000" h="10000">
-                  <a:moveTo>
-                    <a:pt x="8761" y="0"/>
-                  </a:moveTo>
-                  <a:lnTo>
-                    <a:pt x="10000" y="0"/>
-                  </a:lnTo>
-                  <a:lnTo>
-                    <a:pt x="10000" y="10000"/>
-                  </a:lnTo>
-                  <a:lnTo>
-                    <a:pt x="0" y="10000"/>
-                  </a:lnTo>
-                  <a:lnTo>
-                    <a:pt x="0" y="9126"/>
-                  </a:lnTo>
-                  <a:lnTo>
-                    <a:pt x="8761" y="9127"/>
-                  </a:lnTo>
-                  <a:lnTo>
-                    <a:pt x="8761" y="0"/>
-                  </a:lnTo>
-                  <a:close/>
-                </a:path>
-              </a:pathLst>
-            </a:custGeom>
-            <a:solidFill>
-              <a:schemeClr val="tx2"/>
-            </a:solidFill>
-            <a:ln w="0">
+            </a:prstGeom>
+            <a:blipFill dpi="0" rotWithShape="1">
+              <a:blip r:embed="rId4">
+                <a:duotone>
+                  <a:schemeClr val="accent1">
+                    <a:shade val="45000"/>
+                    <a:satMod val="135000"/>
+                  </a:schemeClr>
+                  <a:prstClr val="white"/>
+                </a:duotone>
+                <a:extLst>
+                  <a:ext uri="{BEBA8EAE-BF5A-486C-A8C5-ECC9F3942E4B}">
+                    <a14:imgProps xmlns:a14="http://schemas.microsoft.com/office/drawing/2010/main">
+                      <a14:imgLayer r:embed="rId5">
+                        <a14:imgEffect>
+                          <a14:saturation sat="95000"/>
+                        </a14:imgEffect>
+                      </a14:imgLayer>
+                    </a14:imgProps>
+                  </a:ext>
+                </a:extLst>
+              </a:blip>
+              <a:srcRect/>
+              <a:tile tx="0" ty="0" sx="85000" sy="85000" flip="none" algn="tl"/>
+            </a:blipFill>
+            <a:ln w="25400" cap="flat" cmpd="sng" algn="ctr">
               <a:noFill/>
               <a:prstDash val="solid"/>
-              <a:round/>
-              <a:headEnd/>
-              <a:tailEnd/>
             </a:ln>
+            <a:effectLst/>
           </p:spPr>
         </p:sp>
         <p:sp>
           <p:nvSpPr>
-            <p:cNvPr id="14" name="Freeform 6"/>
+            <p:cNvPr id="12" name="Oval 11"/>
             <p:cNvSpPr/>
             <p:nvPr/>
           </p:nvSpPr>
-          <p:spPr bwMode="auto">
-            <a:xfrm flipH="1" flipV="1">
-              <a:off x="752858" y="744469"/>
-              <a:ext cx="3275668" cy="4408488"/>
+          <p:spPr>
+            <a:xfrm>
+              <a:off x="9793429" y="4568765"/>
+              <a:ext cx="864723" cy="864722"/>
             </a:xfrm>
-            <a:custGeom>
+            <a:prstGeom prst="ellipse">
               <a:avLst/>
-              <a:gdLst/>
-              <a:ahLst/>
-              <a:cxnLst/>
-              <a:rect l="l" t="t" r="r" b="b"/>
-              <a:pathLst>
-                <a:path w="10002" h="10000">
-                  <a:moveTo>
-                    <a:pt x="8763" y="0"/>
-                  </a:moveTo>
-                  <a:lnTo>
-                    <a:pt x="10002" y="0"/>
-                  </a:lnTo>
-                  <a:lnTo>
-                    <a:pt x="10002" y="10000"/>
-                  </a:lnTo>
-                  <a:lnTo>
-                    <a:pt x="2" y="10000"/>
-                  </a:lnTo>
-                  <a:cubicBezTo>
-                    <a:pt x="-2" y="9698"/>
-                    <a:pt x="4" y="9427"/>
-                    <a:pt x="0" y="9125"/>
-                  </a:cubicBezTo>
-                  <a:lnTo>
-                    <a:pt x="8763" y="9128"/>
-                  </a:lnTo>
-                  <a:lnTo>
-                    <a:pt x="8763" y="0"/>
-                  </a:lnTo>
-                  <a:close/>
-                </a:path>
-              </a:pathLst>
-            </a:custGeom>
-            <a:solidFill>
-              <a:schemeClr val="tx2"/>
-            </a:solidFill>
-            <a:ln w="0">
-              <a:noFill/>
+            </a:prstGeom>
+            <a:noFill/>
+            <a:ln w="25400" cap="flat" cmpd="sng" algn="ctr">
+              <a:solidFill>
+                <a:sysClr val="window" lastClr="FFFFFF"/>
+              </a:solidFill>
               <a:prstDash val="solid"/>
-              <a:round/>
-              <a:headEnd/>
-              <a:tailEnd/>
             </a:ln>
+            <a:effectLst/>
           </p:spPr>
         </p:sp>
       </p:grpSp>
+      <p:sp>
+        <p:nvSpPr>
+          <p:cNvPr id="2" name="Title 1"/>
+          <p:cNvSpPr>
+            <a:spLocks noGrp="1"/>
+          </p:cNvSpPr>
+          <p:nvPr>
+            <p:ph type="ctrTitle"/>
+          </p:nvPr>
+        </p:nvSpPr>
+        <p:spPr>
+          <a:xfrm>
+            <a:off x="1051560" y="1432223"/>
+            <a:ext cx="9966960" cy="3035808"/>
+          </a:xfrm>
+        </p:spPr>
+        <p:txBody>
+          <a:bodyPr anchor="ctr">
+            <a:noAutofit/>
+          </a:bodyPr>
+          <a:lstStyle>
+            <a:lvl1pPr algn="l">
+              <a:lnSpc>
+                <a:spcPct val="80000"/>
+              </a:lnSpc>
+              <a:defRPr sz="9600" cap="all" baseline="0">
+                <a:blipFill dpi="0" rotWithShape="1">
+                  <a:blip r:embed="rId4"/>
+                  <a:srcRect/>
+                  <a:tile tx="6350" ty="-127000" sx="65000" sy="64000" flip="none" algn="tl"/>
+                </a:blipFill>
+              </a:defRPr>
+            </a:lvl1pPr>
+          </a:lstStyle>
+          <a:p>
+            <a:r>
+              <a:rPr lang="ru-RU" smtClean="0"/>
+              <a:t>Образец заголовка</a:t>
+            </a:r>
+            <a:endParaRPr lang="en-US" dirty="0"/>
+          </a:p>
+        </p:txBody>
+      </p:sp>
+      <p:sp>
+        <p:nvSpPr>
+          <p:cNvPr id="3" name="Subtitle 2"/>
+          <p:cNvSpPr>
+            <a:spLocks noGrp="1"/>
+          </p:cNvSpPr>
+          <p:nvPr>
+            <p:ph type="subTitle" idx="1"/>
+          </p:nvPr>
+        </p:nvSpPr>
+        <p:spPr>
+          <a:xfrm>
+            <a:off x="1069848" y="4389120"/>
+            <a:ext cx="7891272" cy="1069848"/>
+          </a:xfrm>
+        </p:spPr>
+        <p:txBody>
+          <a:bodyPr>
+            <a:normAutofit/>
+          </a:bodyPr>
+          <a:lstStyle>
+            <a:lvl1pPr marL="0" indent="0" algn="l">
+              <a:buNone/>
+              <a:defRPr sz="2200">
+                <a:solidFill>
+                  <a:schemeClr val="tx1"/>
+                </a:solidFill>
+              </a:defRPr>
+            </a:lvl1pPr>
+            <a:lvl2pPr marL="457200" indent="0" algn="ctr">
+              <a:buNone/>
+              <a:defRPr sz="2200"/>
+            </a:lvl2pPr>
+            <a:lvl3pPr marL="914400" indent="0" algn="ctr">
+              <a:buNone/>
+              <a:defRPr sz="2200"/>
+            </a:lvl3pPr>
+            <a:lvl4pPr marL="1371600" indent="0" algn="ctr">
+              <a:buNone/>
+              <a:defRPr sz="2000"/>
+            </a:lvl4pPr>
+            <a:lvl5pPr marL="1828800" indent="0" algn="ctr">
+              <a:buNone/>
+              <a:defRPr sz="2000"/>
+            </a:lvl5pPr>
+            <a:lvl6pPr marL="2286000" indent="0" algn="ctr">
+              <a:buNone/>
+              <a:defRPr sz="2000"/>
+            </a:lvl6pPr>
+            <a:lvl7pPr marL="2743200" indent="0" algn="ctr">
+              <a:buNone/>
+              <a:defRPr sz="2000"/>
+            </a:lvl7pPr>
+            <a:lvl8pPr marL="3200400" indent="0" algn="ctr">
+              <a:buNone/>
+              <a:defRPr sz="2000"/>
+            </a:lvl8pPr>
+            <a:lvl9pPr marL="3657600" indent="0" algn="ctr">
+              <a:buNone/>
+              <a:defRPr sz="2000"/>
+            </a:lvl9pPr>
+          </a:lstStyle>
+          <a:p>
+            <a:r>
+              <a:rPr lang="ru-RU" smtClean="0"/>
+              <a:t>Образец подзаголовка</a:t>
+            </a:r>
+            <a:endParaRPr lang="en-US" dirty="0"/>
+          </a:p>
+        </p:txBody>
+      </p:sp>
+      <p:sp>
+        <p:nvSpPr>
+          <p:cNvPr id="4" name="Date Placeholder 3"/>
+          <p:cNvSpPr>
+            <a:spLocks noGrp="1"/>
+          </p:cNvSpPr>
+          <p:nvPr>
+            <p:ph type="dt" sz="half" idx="10"/>
+          </p:nvPr>
+        </p:nvSpPr>
+        <p:spPr/>
+        <p:txBody>
+          <a:bodyPr/>
+          <a:lstStyle/>
+          <a:p>
+            <a:fld id="{D30C6BFB-7CA1-4523-987B-212D6E1DD8E8}" type="datetime1">
+              <a:rPr lang="ru-RU" smtClean="0"/>
+              <a:t>17.06.2019</a:t>
+            </a:fld>
+            <a:endParaRPr lang="ru-RU"/>
+          </a:p>
+        </p:txBody>
+      </p:sp>
+      <p:sp>
+        <p:nvSpPr>
+          <p:cNvPr id="5" name="Footer Placeholder 4"/>
+          <p:cNvSpPr>
+            <a:spLocks noGrp="1"/>
+          </p:cNvSpPr>
+          <p:nvPr>
+            <p:ph type="ftr" sz="quarter" idx="11"/>
+          </p:nvPr>
+        </p:nvSpPr>
+        <p:spPr/>
+        <p:txBody>
+          <a:bodyPr/>
+          <a:lstStyle/>
+          <a:p>
+            <a:endParaRPr lang="ru-RU"/>
+          </a:p>
+        </p:txBody>
+      </p:sp>
+      <p:sp>
+        <p:nvSpPr>
+          <p:cNvPr id="6" name="Slide Number Placeholder 5"/>
+          <p:cNvSpPr>
+            <a:spLocks noGrp="1"/>
+          </p:cNvSpPr>
+          <p:nvPr>
+            <p:ph type="sldNum" sz="quarter" idx="12"/>
+          </p:nvPr>
+        </p:nvSpPr>
+        <p:spPr>
+          <a:xfrm>
+            <a:off x="9592733" y="4289334"/>
+            <a:ext cx="1193868" cy="640080"/>
+          </a:xfrm>
+        </p:spPr>
+        <p:txBody>
+          <a:bodyPr/>
+          <a:lstStyle>
+            <a:lvl1pPr>
+              <a:defRPr sz="2800"/>
+            </a:lvl1pPr>
+          </a:lstStyle>
+          <a:p>
+            <a:fld id="{D1A40677-FD44-493F-9950-230061FFD32D}" type="slidenum">
+              <a:rPr lang="ru-RU" smtClean="0"/>
+              <a:t>‹#›</a:t>
+            </a:fld>
+            <a:endParaRPr lang="ru-RU"/>
+          </a:p>
+        </p:txBody>
+      </p:sp>
     </p:spTree>
     <p:extLst>
       <p:ext uri="{BB962C8B-B14F-4D97-AF65-F5344CB8AC3E}">
-        <p14:creationId xmlns:p14="http://schemas.microsoft.com/office/powerpoint/2010/main" val="3915196034"/>
+        <p14:creationId xmlns:p14="http://schemas.microsoft.com/office/powerpoint/2010/main" val="4030917707"/>
       </p:ext>
     </p:extLst>
   </p:cSld>
   <p:clrMapOvr>
-    <a:overrideClrMapping bg1="lt1" tx1="dk1" bg2="lt2" tx2="dk2" accent1="accent1" accent2="accent2" accent3="accent3" accent4="accent4" accent5="accent5" accent6="accent6" hlink="hlink" folHlink="folHlink"/>
+    <a:masterClrMapping/>
   </p:clrMapOvr>
+  <p:hf hdr="0" ftr="0" dt="0"/>
 </p:sldLayout>
 </file>
 
 <file path=ppt/slideLayouts/slideLayout10.xml><?xml version="1.0" encoding="utf-8"?>
 <p:sldLayout xmlns:a="http://schemas.openxmlformats.org/drawingml/2006/main" xmlns:r="http://schemas.openxmlformats.org/officeDocument/2006/relationships" xmlns:p="http://schemas.openxmlformats.org/presentationml/2006/main" type="vertTx" preserve="1">
-  <p:cSld name="Title and Vertical Text">
+  <p:cSld name="Заголовок и вертикальный текст">
     <p:spTree>
       <p:nvGrpSpPr>
         <p:cNvPr id="1" name=""/>
@@ -1199,8 +1295,8 @@
           <a:lstStyle/>
           <a:p>
             <a:r>
-              <a:rPr lang="en-US" smtClean="0"/>
-              <a:t>Click to edit Master title style</a:t>
+              <a:rPr lang="ru-RU" smtClean="0"/>
+              <a:t>Образец заголовка</a:t>
             </a:r>
             <a:endParaRPr lang="en-US" dirty="0"/>
           </a:p>
@@ -1216,48 +1312,43 @@
             <p:ph type="body" orient="vert" idx="1"/>
           </p:nvPr>
         </p:nvSpPr>
-        <p:spPr>
-          <a:xfrm>
-            <a:off x="1371600" y="2295525"/>
-            <a:ext cx="9601200" cy="3571875"/>
-          </a:xfrm>
-        </p:spPr>
+        <p:spPr/>
         <p:txBody>
           <a:bodyPr vert="eaVert"/>
           <a:lstStyle/>
           <a:p>
             <a:pPr lvl="0"/>
             <a:r>
-              <a:rPr lang="en-US" smtClean="0"/>
-              <a:t>Click to edit Master text styles</a:t>
+              <a:rPr lang="ru-RU" smtClean="0"/>
+              <a:t>Образец текста</a:t>
             </a:r>
           </a:p>
           <a:p>
             <a:pPr lvl="1"/>
             <a:r>
-              <a:rPr lang="en-US" smtClean="0"/>
-              <a:t>Second level</a:t>
+              <a:rPr lang="ru-RU" smtClean="0"/>
+              <a:t>Второй уровень</a:t>
             </a:r>
           </a:p>
           <a:p>
             <a:pPr lvl="2"/>
             <a:r>
-              <a:rPr lang="en-US" smtClean="0"/>
-              <a:t>Third level</a:t>
+              <a:rPr lang="ru-RU" smtClean="0"/>
+              <a:t>Третий уровень</a:t>
             </a:r>
           </a:p>
           <a:p>
             <a:pPr lvl="3"/>
             <a:r>
-              <a:rPr lang="en-US" smtClean="0"/>
-              <a:t>Fourth level</a:t>
+              <a:rPr lang="ru-RU" smtClean="0"/>
+              <a:t>Четвертый уровень</a:t>
             </a:r>
           </a:p>
           <a:p>
             <a:pPr lvl="4"/>
             <a:r>
-              <a:rPr lang="en-US" smtClean="0"/>
-              <a:t>Fifth level</a:t>
+              <a:rPr lang="ru-RU" smtClean="0"/>
+              <a:t>Пятый уровень</a:t>
             </a:r>
             <a:endParaRPr lang="en-US" dirty="0"/>
           </a:p>
@@ -1278,7 +1369,7 @@
           <a:bodyPr/>
           <a:lstStyle/>
           <a:p>
-            <a:fld id="{28AD174A-2448-4A93-A2BE-FEC0865C2D25}" type="datetime1">
+            <a:fld id="{D30C6BFB-7CA1-4523-987B-212D6E1DD8E8}" type="datetime1">
               <a:rPr lang="ru-RU" smtClean="0"/>
               <a:t>17.06.2019</a:t>
             </a:fld>
@@ -1331,19 +1422,20 @@
     </p:spTree>
     <p:extLst>
       <p:ext uri="{BB962C8B-B14F-4D97-AF65-F5344CB8AC3E}">
-        <p14:creationId xmlns:p14="http://schemas.microsoft.com/office/powerpoint/2010/main" val="533341388"/>
+        <p14:creationId xmlns:p14="http://schemas.microsoft.com/office/powerpoint/2010/main" val="1401076980"/>
       </p:ext>
     </p:extLst>
   </p:cSld>
   <p:clrMapOvr>
     <a:masterClrMapping/>
   </p:clrMapOvr>
+  <p:hf hdr="0" ftr="0" dt="0"/>
 </p:sldLayout>
 </file>
 
 <file path=ppt/slideLayouts/slideLayout11.xml><?xml version="1.0" encoding="utf-8"?>
 <p:sldLayout xmlns:a="http://schemas.openxmlformats.org/drawingml/2006/main" xmlns:r="http://schemas.openxmlformats.org/officeDocument/2006/relationships" xmlns:p="http://schemas.openxmlformats.org/presentationml/2006/main" type="vertTitleAndTx" preserve="1">
-  <p:cSld name="Vertical Title and Text">
+  <p:cSld name="Вертикальный заголовок и текст">
     <p:spTree>
       <p:nvGrpSpPr>
         <p:cNvPr id="1" name=""/>
@@ -1370,8 +1462,8 @@
         </p:nvSpPr>
         <p:spPr>
           <a:xfrm>
-            <a:off x="9596561" y="624156"/>
-            <a:ext cx="1565766" cy="5243244"/>
+            <a:off x="8724900" y="533400"/>
+            <a:ext cx="2552700" cy="5638800"/>
           </a:xfrm>
         </p:spPr>
         <p:txBody>
@@ -1379,8 +1471,8 @@
           <a:lstStyle/>
           <a:p>
             <a:r>
-              <a:rPr lang="en-US" smtClean="0"/>
-              <a:t>Click to edit Master title style</a:t>
+              <a:rPr lang="ru-RU" smtClean="0"/>
+              <a:t>Образец заголовка</a:t>
             </a:r>
             <a:endParaRPr lang="en-US" dirty="0"/>
           </a:p>
@@ -1398,8 +1490,8 @@
         </p:nvSpPr>
         <p:spPr>
           <a:xfrm>
-            <a:off x="1371600" y="624156"/>
-            <a:ext cx="8179641" cy="5243244"/>
+            <a:off x="1066800" y="533400"/>
+            <a:ext cx="7505700" cy="5638800"/>
           </a:xfrm>
         </p:spPr>
         <p:txBody>
@@ -1408,36 +1500,36 @@
           <a:p>
             <a:pPr lvl="0"/>
             <a:r>
-              <a:rPr lang="en-US" smtClean="0"/>
-              <a:t>Click to edit Master text styles</a:t>
+              <a:rPr lang="ru-RU" smtClean="0"/>
+              <a:t>Образец текста</a:t>
             </a:r>
           </a:p>
           <a:p>
             <a:pPr lvl="1"/>
             <a:r>
-              <a:rPr lang="en-US" smtClean="0"/>
-              <a:t>Second level</a:t>
+              <a:rPr lang="ru-RU" smtClean="0"/>
+              <a:t>Второй уровень</a:t>
             </a:r>
           </a:p>
           <a:p>
             <a:pPr lvl="2"/>
             <a:r>
-              <a:rPr lang="en-US" smtClean="0"/>
-              <a:t>Third level</a:t>
+              <a:rPr lang="ru-RU" smtClean="0"/>
+              <a:t>Третий уровень</a:t>
             </a:r>
           </a:p>
           <a:p>
             <a:pPr lvl="3"/>
             <a:r>
-              <a:rPr lang="en-US" smtClean="0"/>
-              <a:t>Fourth level</a:t>
+              <a:rPr lang="ru-RU" smtClean="0"/>
+              <a:t>Четвертый уровень</a:t>
             </a:r>
           </a:p>
           <a:p>
             <a:pPr lvl="4"/>
             <a:r>
-              <a:rPr lang="en-US" smtClean="0"/>
-              <a:t>Fifth level</a:t>
+              <a:rPr lang="ru-RU" smtClean="0"/>
+              <a:t>Пятый уровень</a:t>
             </a:r>
             <a:endParaRPr lang="en-US" dirty="0"/>
           </a:p>
@@ -1458,7 +1550,7 @@
           <a:bodyPr/>
           <a:lstStyle/>
           <a:p>
-            <a:fld id="{83C3ED82-93E9-4DF9-8839-65FD02F20AFE}" type="datetime1">
+            <a:fld id="{D30C6BFB-7CA1-4523-987B-212D6E1DD8E8}" type="datetime1">
               <a:rPr lang="ru-RU" smtClean="0"/>
               <a:t>17.06.2019</a:t>
             </a:fld>
@@ -1511,19 +1603,20 @@
     </p:spTree>
     <p:extLst>
       <p:ext uri="{BB962C8B-B14F-4D97-AF65-F5344CB8AC3E}">
-        <p14:creationId xmlns:p14="http://schemas.microsoft.com/office/powerpoint/2010/main" val="3387112452"/>
+        <p14:creationId xmlns:p14="http://schemas.microsoft.com/office/powerpoint/2010/main" val="2207782824"/>
       </p:ext>
     </p:extLst>
   </p:cSld>
   <p:clrMapOvr>
     <a:masterClrMapping/>
   </p:clrMapOvr>
+  <p:hf hdr="0" ftr="0" dt="0"/>
 </p:sldLayout>
 </file>
 
 <file path=ppt/slideLayouts/slideLayout2.xml><?xml version="1.0" encoding="utf-8"?>
 <p:sldLayout xmlns:a="http://schemas.openxmlformats.org/drawingml/2006/main" xmlns:r="http://schemas.openxmlformats.org/officeDocument/2006/relationships" xmlns:p="http://schemas.openxmlformats.org/presentationml/2006/main" type="obj" preserve="1">
-  <p:cSld name="Title and Content">
+  <p:cSld name="Заголовок и объект">
     <p:spTree>
       <p:nvGrpSpPr>
         <p:cNvPr id="1" name=""/>
@@ -1554,8 +1647,8 @@
           <a:lstStyle/>
           <a:p>
             <a:r>
-              <a:rPr lang="en-US" smtClean="0"/>
-              <a:t>Click to edit Master title style</a:t>
+              <a:rPr lang="ru-RU" smtClean="0"/>
+              <a:t>Образец заголовка</a:t>
             </a:r>
             <a:endParaRPr lang="en-US" dirty="0"/>
           </a:p>
@@ -1578,36 +1671,36 @@
           <a:p>
             <a:pPr lvl="0"/>
             <a:r>
-              <a:rPr lang="en-US" smtClean="0"/>
-              <a:t>Click to edit Master text styles</a:t>
+              <a:rPr lang="ru-RU" smtClean="0"/>
+              <a:t>Образец текста</a:t>
             </a:r>
           </a:p>
           <a:p>
             <a:pPr lvl="1"/>
             <a:r>
-              <a:rPr lang="en-US" smtClean="0"/>
-              <a:t>Second level</a:t>
+              <a:rPr lang="ru-RU" smtClean="0"/>
+              <a:t>Второй уровень</a:t>
             </a:r>
           </a:p>
           <a:p>
             <a:pPr lvl="2"/>
             <a:r>
-              <a:rPr lang="en-US" smtClean="0"/>
-              <a:t>Third level</a:t>
+              <a:rPr lang="ru-RU" smtClean="0"/>
+              <a:t>Третий уровень</a:t>
             </a:r>
           </a:p>
           <a:p>
             <a:pPr lvl="3"/>
             <a:r>
-              <a:rPr lang="en-US" smtClean="0"/>
-              <a:t>Fourth level</a:t>
+              <a:rPr lang="ru-RU" smtClean="0"/>
+              <a:t>Четвертый уровень</a:t>
             </a:r>
           </a:p>
           <a:p>
             <a:pPr lvl="4"/>
             <a:r>
-              <a:rPr lang="en-US" smtClean="0"/>
-              <a:t>Fifth level</a:t>
+              <a:rPr lang="ru-RU" smtClean="0"/>
+              <a:t>Пятый уровень</a:t>
             </a:r>
             <a:endParaRPr lang="en-US" dirty="0"/>
           </a:p>
@@ -1628,7 +1721,7 @@
           <a:bodyPr/>
           <a:lstStyle/>
           <a:p>
-            <a:fld id="{564DE1CD-A81F-48A5-918B-60053BDBD72A}" type="datetime1">
+            <a:fld id="{D30C6BFB-7CA1-4523-987B-212D6E1DD8E8}" type="datetime1">
               <a:rPr lang="ru-RU" smtClean="0"/>
               <a:t>17.06.2019</a:t>
             </a:fld>
@@ -1681,24 +1774,20 @@
     </p:spTree>
     <p:extLst>
       <p:ext uri="{BB962C8B-B14F-4D97-AF65-F5344CB8AC3E}">
-        <p14:creationId xmlns:p14="http://schemas.microsoft.com/office/powerpoint/2010/main" val="4165796660"/>
+        <p14:creationId xmlns:p14="http://schemas.microsoft.com/office/powerpoint/2010/main" val="3593902902"/>
       </p:ext>
     </p:extLst>
   </p:cSld>
   <p:clrMapOvr>
     <a:masterClrMapping/>
   </p:clrMapOvr>
+  <p:hf hdr="0" ftr="0" dt="0"/>
 </p:sldLayout>
 </file>
 
 <file path=ppt/slideLayouts/slideLayout3.xml><?xml version="1.0" encoding="utf-8"?>
 <p:sldLayout xmlns:a="http://schemas.openxmlformats.org/drawingml/2006/main" xmlns:r="http://schemas.openxmlformats.org/officeDocument/2006/relationships" xmlns:p="http://schemas.openxmlformats.org/presentationml/2006/main" showMasterSp="0" type="secHead" preserve="1">
-  <p:cSld name="Section Header">
-    <p:bg>
-      <p:bgRef idx="1001">
-        <a:schemeClr val="bg2"/>
-      </p:bgRef>
-    </p:bg>
+  <p:cSld name="Заголовок раздела">
     <p:spTree>
       <p:nvGrpSpPr>
         <p:cNvPr id="1" name=""/>
@@ -1715,37 +1804,93 @@
       </p:grpSpPr>
       <p:sp>
         <p:nvSpPr>
-          <p:cNvPr id="2" name="Title 1"/>
-          <p:cNvSpPr>
-            <a:spLocks noGrp="1"/>
-          </p:cNvSpPr>
-          <p:nvPr>
-            <p:ph type="title"/>
-          </p:nvPr>
+          <p:cNvPr id="7" name="Rectangle 6"/>
+          <p:cNvSpPr/>
+          <p:nvPr/>
         </p:nvSpPr>
         <p:spPr>
           <a:xfrm>
-            <a:off x="765025" y="1301360"/>
-            <a:ext cx="9612971" cy="2852737"/>
+            <a:off x="0" y="4917989"/>
+            <a:ext cx="12192000" cy="1940010"/>
+          </a:xfrm>
+          <a:prstGeom prst="rect">
+            <a:avLst/>
+          </a:prstGeom>
+          <a:blipFill dpi="0" rotWithShape="1">
+            <a:blip r:embed="rId2">
+              <a:alphaModFix amt="85000"/>
+              <a:lum bright="70000" contrast="-70000"/>
+              <a:extLst>
+                <a:ext uri="{BEBA8EAE-BF5A-486C-A8C5-ECC9F3942E4B}">
+                  <a14:imgProps xmlns:a14="http://schemas.microsoft.com/office/drawing/2010/main">
+                    <a14:imgLayer r:embed="rId3">
+                      <a14:imgEffect>
+                        <a14:sharpenSoften amount="61000"/>
+                      </a14:imgEffect>
+                    </a14:imgLayer>
+                  </a14:imgProps>
+                </a:ext>
+                <a:ext uri="{28A0092B-C50C-407E-A947-70E740481C1C}">
+                  <a14:useLocalDpi xmlns:a14="http://schemas.microsoft.com/office/drawing/2010/main" val="0"/>
+                </a:ext>
+              </a:extLst>
+            </a:blip>
+            <a:srcRect/>
+            <a:tile tx="0" ty="-704850" sx="92000" sy="89000" flip="xy" algn="ctr"/>
+          </a:blipFill>
+          <a:ln>
+            <a:noFill/>
+          </a:ln>
+        </p:spPr>
+        <p:style>
+          <a:lnRef idx="2">
+            <a:schemeClr val="accent1">
+              <a:shade val="50000"/>
+            </a:schemeClr>
+          </a:lnRef>
+          <a:fillRef idx="1">
+            <a:schemeClr val="accent1"/>
+          </a:fillRef>
+          <a:effectRef idx="0">
+            <a:schemeClr val="accent1"/>
+          </a:effectRef>
+          <a:fontRef idx="minor">
+            <a:schemeClr val="lt1"/>
+          </a:fontRef>
+        </p:style>
+      </p:sp>
+      <p:sp>
+        <p:nvSpPr>
+          <p:cNvPr id="2" name="Title 1"/>
+          <p:cNvSpPr>
+            <a:spLocks noGrp="1"/>
+          </p:cNvSpPr>
+          <p:nvPr>
+            <p:ph type="title"/>
+          </p:nvPr>
+        </p:nvSpPr>
+        <p:spPr>
+          <a:xfrm>
+            <a:off x="2167128" y="1225296"/>
+            <a:ext cx="9281160" cy="3520440"/>
           </a:xfrm>
         </p:spPr>
         <p:txBody>
-          <a:bodyPr anchor="b">
+          <a:bodyPr anchor="ctr">
             <a:normAutofit/>
           </a:bodyPr>
           <a:lstStyle>
-            <a:lvl1pPr algn="r">
-              <a:defRPr sz="7200" cap="all" baseline="0">
-                <a:solidFill>
-                  <a:schemeClr val="tx2"/>
-                </a:solidFill>
-              </a:defRPr>
+            <a:lvl1pPr>
+              <a:lnSpc>
+                <a:spcPct val="80000"/>
+              </a:lnSpc>
+              <a:defRPr sz="8000" b="0"/>
             </a:lvl1pPr>
           </a:lstStyle>
           <a:p>
             <a:r>
-              <a:rPr lang="en-US" smtClean="0"/>
-              <a:t>Click to edit Master title style</a:t>
+              <a:rPr lang="ru-RU" smtClean="0"/>
+              <a:t>Образец заголовка</a:t>
             </a:r>
             <a:endParaRPr lang="en-US" dirty="0"/>
           </a:p>
@@ -1763,33 +1908,26 @@
         </p:nvSpPr>
         <p:spPr>
           <a:xfrm>
-            <a:off x="765025" y="4216328"/>
-            <a:ext cx="9612971" cy="1143324"/>
+            <a:off x="2165774" y="5020056"/>
+            <a:ext cx="9052560" cy="1066800"/>
           </a:xfrm>
         </p:spPr>
         <p:txBody>
-          <a:bodyPr/>
+          <a:bodyPr anchor="t">
+            <a:normAutofit/>
+          </a:bodyPr>
           <a:lstStyle>
-            <a:lvl1pPr marL="0" indent="0" algn="r">
-              <a:lnSpc>
-                <a:spcPct val="112000"/>
-              </a:lnSpc>
-              <a:spcBef>
-                <a:spcPts val="0"/>
-              </a:spcBef>
-              <a:spcAft>
-                <a:spcPts val="0"/>
-              </a:spcAft>
+            <a:lvl1pPr marL="0" indent="0">
               <a:buNone/>
-              <a:defRPr sz="2400">
+              <a:defRPr sz="2000">
                 <a:solidFill>
-                  <a:schemeClr val="tx2"/>
+                  <a:schemeClr val="tx1"/>
                 </a:solidFill>
               </a:defRPr>
             </a:lvl1pPr>
             <a:lvl2pPr marL="457200" indent="0">
               <a:buNone/>
-              <a:defRPr sz="2000">
+              <a:defRPr sz="1800">
                 <a:solidFill>
                   <a:schemeClr val="tx1">
                     <a:tint val="75000"/>
@@ -1799,7 +1937,7 @@
             </a:lvl2pPr>
             <a:lvl3pPr marL="914400" indent="0">
               <a:buNone/>
-              <a:defRPr sz="1800">
+              <a:defRPr sz="1600">
                 <a:solidFill>
                   <a:schemeClr val="tx1">
                     <a:tint val="75000"/>
@@ -1809,7 +1947,7 @@
             </a:lvl3pPr>
             <a:lvl4pPr marL="1371600" indent="0">
               <a:buNone/>
-              <a:defRPr sz="1600">
+              <a:defRPr sz="1400">
                 <a:solidFill>
                   <a:schemeClr val="tx1">
                     <a:tint val="75000"/>
@@ -1819,7 +1957,7 @@
             </a:lvl4pPr>
             <a:lvl5pPr marL="1828800" indent="0">
               <a:buNone/>
-              <a:defRPr sz="1600">
+              <a:defRPr sz="1400">
                 <a:solidFill>
                   <a:schemeClr val="tx1">
                     <a:tint val="75000"/>
@@ -1829,7 +1967,7 @@
             </a:lvl5pPr>
             <a:lvl6pPr marL="2286000" indent="0">
               <a:buNone/>
-              <a:defRPr sz="1600">
+              <a:defRPr sz="1400">
                 <a:solidFill>
                   <a:schemeClr val="tx1">
                     <a:tint val="75000"/>
@@ -1839,7 +1977,7 @@
             </a:lvl6pPr>
             <a:lvl7pPr marL="2743200" indent="0">
               <a:buNone/>
-              <a:defRPr sz="1600">
+              <a:defRPr sz="1400">
                 <a:solidFill>
                   <a:schemeClr val="tx1">
                     <a:tint val="75000"/>
@@ -1849,7 +1987,7 @@
             </a:lvl7pPr>
             <a:lvl8pPr marL="3200400" indent="0">
               <a:buNone/>
-              <a:defRPr sz="1600">
+              <a:defRPr sz="1400">
                 <a:solidFill>
                   <a:schemeClr val="tx1">
                     <a:tint val="75000"/>
@@ -1859,7 +1997,7 @@
             </a:lvl8pPr>
             <a:lvl9pPr marL="3657600" indent="0">
               <a:buNone/>
-              <a:defRPr sz="1600">
+              <a:defRPr sz="1400">
                 <a:solidFill>
                   <a:schemeClr val="tx1">
                     <a:tint val="75000"/>
@@ -1871,8 +2009,8 @@
           <a:p>
             <a:pPr lvl="0"/>
             <a:r>
-              <a:rPr lang="en-US" smtClean="0"/>
-              <a:t>Click to edit Master text styles</a:t>
+              <a:rPr lang="ru-RU" smtClean="0"/>
+              <a:t>Образец текста</a:t>
             </a:r>
           </a:p>
         </p:txBody>
@@ -1889,87 +2027,151 @@
         </p:nvSpPr>
         <p:spPr>
           <a:xfrm>
-            <a:off x="738908" y="6453386"/>
-            <a:ext cx="1622409" cy="404614"/>
+            <a:off x="8593667" y="6272784"/>
+            <a:ext cx="2644309" cy="365125"/>
+          </a:xfrm>
+        </p:spPr>
+        <p:txBody>
+          <a:bodyPr/>
+          <a:lstStyle/>
+          <a:p>
+            <a:fld id="{D30C6BFB-7CA1-4523-987B-212D6E1DD8E8}" type="datetime1">
+              <a:rPr lang="ru-RU" smtClean="0"/>
+              <a:t>17.06.2019</a:t>
+            </a:fld>
+            <a:endParaRPr lang="ru-RU"/>
+          </a:p>
+        </p:txBody>
+      </p:sp>
+      <p:sp>
+        <p:nvSpPr>
+          <p:cNvPr id="5" name="Footer Placeholder 4"/>
+          <p:cNvSpPr>
+            <a:spLocks noGrp="1"/>
+          </p:cNvSpPr>
+          <p:nvPr>
+            <p:ph type="ftr" sz="quarter" idx="11"/>
+          </p:nvPr>
+        </p:nvSpPr>
+        <p:spPr>
+          <a:xfrm>
+            <a:off x="2182708" y="6272784"/>
+            <a:ext cx="6327648" cy="365125"/>
+          </a:xfrm>
+        </p:spPr>
+        <p:txBody>
+          <a:bodyPr/>
+          <a:lstStyle/>
+          <a:p>
+            <a:endParaRPr lang="ru-RU"/>
+          </a:p>
+        </p:txBody>
+      </p:sp>
+      <p:grpSp>
+        <p:nvGrpSpPr>
+          <p:cNvPr id="8" name="Group 7"/>
+          <p:cNvGrpSpPr/>
+          <p:nvPr/>
+        </p:nvGrpSpPr>
+        <p:grpSpPr>
+          <a:xfrm>
+            <a:off x="897399" y="2325848"/>
+            <a:ext cx="1080904" cy="1080902"/>
+            <a:chOff x="9685338" y="4460675"/>
+            <a:chExt cx="1080904" cy="1080902"/>
+          </a:xfrm>
+        </p:grpSpPr>
+        <p:sp>
+          <p:nvSpPr>
+            <p:cNvPr id="9" name="Oval 8"/>
+            <p:cNvSpPr/>
+            <p:nvPr/>
+          </p:nvSpPr>
+          <p:spPr>
+            <a:xfrm>
+              <a:off x="9685338" y="4460675"/>
+              <a:ext cx="1080904" cy="1080902"/>
+            </a:xfrm>
+            <a:prstGeom prst="ellipse">
+              <a:avLst/>
+            </a:prstGeom>
+            <a:blipFill dpi="0" rotWithShape="1">
+              <a:blip r:embed="rId4">
+                <a:duotone>
+                  <a:schemeClr val="accent1">
+                    <a:shade val="45000"/>
+                    <a:satMod val="135000"/>
+                  </a:schemeClr>
+                  <a:prstClr val="white"/>
+                </a:duotone>
+                <a:extLst>
+                  <a:ext uri="{BEBA8EAE-BF5A-486C-A8C5-ECC9F3942E4B}">
+                    <a14:imgProps xmlns:a14="http://schemas.microsoft.com/office/drawing/2010/main">
+                      <a14:imgLayer r:embed="rId5">
+                        <a14:imgEffect>
+                          <a14:saturation sat="95000"/>
+                        </a14:imgEffect>
+                      </a14:imgLayer>
+                    </a14:imgProps>
+                  </a:ext>
+                </a:extLst>
+              </a:blip>
+              <a:srcRect/>
+              <a:tile tx="0" ty="0" sx="85000" sy="85000" flip="none" algn="tl"/>
+            </a:blipFill>
+            <a:ln w="25400" cap="flat" cmpd="sng" algn="ctr">
+              <a:noFill/>
+              <a:prstDash val="solid"/>
+            </a:ln>
+            <a:effectLst/>
+          </p:spPr>
+        </p:sp>
+        <p:sp>
+          <p:nvSpPr>
+            <p:cNvPr id="10" name="Oval 9"/>
+            <p:cNvSpPr/>
+            <p:nvPr/>
+          </p:nvSpPr>
+          <p:spPr>
+            <a:xfrm>
+              <a:off x="9793429" y="4568765"/>
+              <a:ext cx="864723" cy="864722"/>
+            </a:xfrm>
+            <a:prstGeom prst="ellipse">
+              <a:avLst/>
+            </a:prstGeom>
+            <a:noFill/>
+            <a:ln w="25400" cap="flat" cmpd="sng" algn="ctr">
+              <a:solidFill>
+                <a:sysClr val="window" lastClr="FFFFFF"/>
+              </a:solidFill>
+              <a:prstDash val="solid"/>
+            </a:ln>
+            <a:effectLst/>
+          </p:spPr>
+        </p:sp>
+      </p:grpSp>
+      <p:sp>
+        <p:nvSpPr>
+          <p:cNvPr id="6" name="Slide Number Placeholder 5"/>
+          <p:cNvSpPr>
+            <a:spLocks noGrp="1"/>
+          </p:cNvSpPr>
+          <p:nvPr>
+            <p:ph type="sldNum" sz="quarter" idx="12"/>
+          </p:nvPr>
+        </p:nvSpPr>
+        <p:spPr>
+          <a:xfrm>
+            <a:off x="843702" y="2506133"/>
+            <a:ext cx="1188298" cy="720332"/>
           </a:xfrm>
         </p:spPr>
         <p:txBody>
           <a:bodyPr/>
           <a:lstStyle>
             <a:lvl1pPr>
-              <a:defRPr>
-                <a:solidFill>
-                  <a:schemeClr val="tx2"/>
-                </a:solidFill>
-              </a:defRPr>
-            </a:lvl1pPr>
-          </a:lstStyle>
-          <a:p>
-            <a:fld id="{78A6CCAD-CD9C-4B3A-A86C-315DCC01CB8B}" type="datetime1">
-              <a:rPr lang="ru-RU" smtClean="0"/>
-              <a:t>17.06.2019</a:t>
-            </a:fld>
-            <a:endParaRPr lang="ru-RU"/>
-          </a:p>
-        </p:txBody>
-      </p:sp>
-      <p:sp>
-        <p:nvSpPr>
-          <p:cNvPr id="5" name="Footer Placeholder 4"/>
-          <p:cNvSpPr>
-            <a:spLocks noGrp="1"/>
-          </p:cNvSpPr>
-          <p:nvPr>
-            <p:ph type="ftr" sz="quarter" idx="11"/>
-          </p:nvPr>
-        </p:nvSpPr>
-        <p:spPr>
-          <a:xfrm>
-            <a:off x="2584312" y="6453386"/>
-            <a:ext cx="7023377" cy="404614"/>
-          </a:xfrm>
-        </p:spPr>
-        <p:txBody>
-          <a:bodyPr/>
-          <a:lstStyle>
-            <a:lvl1pPr algn="ctr">
-              <a:defRPr>
-                <a:solidFill>
-                  <a:schemeClr val="tx2"/>
-                </a:solidFill>
-              </a:defRPr>
-            </a:lvl1pPr>
-          </a:lstStyle>
-          <a:p>
-            <a:endParaRPr lang="ru-RU"/>
-          </a:p>
-        </p:txBody>
-      </p:sp>
-      <p:sp>
-        <p:nvSpPr>
-          <p:cNvPr id="6" name="Slide Number Placeholder 5"/>
-          <p:cNvSpPr>
-            <a:spLocks noGrp="1"/>
-          </p:cNvSpPr>
-          <p:nvPr>
-            <p:ph type="sldNum" sz="quarter" idx="12"/>
-          </p:nvPr>
-        </p:nvSpPr>
-        <p:spPr>
-          <a:xfrm>
-            <a:off x="9830683" y="6453386"/>
-            <a:ext cx="1596292" cy="404614"/>
-          </a:xfrm>
-        </p:spPr>
-        <p:txBody>
-          <a:bodyPr/>
-          <a:lstStyle>
-            <a:lvl1pPr>
-              <a:defRPr>
-                <a:solidFill>
-                  <a:schemeClr val="tx2"/>
-                </a:solidFill>
-              </a:defRPr>
+              <a:defRPr sz="2800"/>
             </a:lvl1pPr>
           </a:lstStyle>
           <a:p>
@@ -1981,78 +2183,23 @@
           </a:p>
         </p:txBody>
       </p:sp>
-      <p:sp>
-        <p:nvSpPr>
-          <p:cNvPr id="7" name="Freeform 6" title="Crop Mark"/>
-          <p:cNvSpPr/>
-          <p:nvPr/>
-        </p:nvSpPr>
-        <p:spPr bwMode="auto">
-          <a:xfrm>
-            <a:off x="8151962" y="1685652"/>
-            <a:ext cx="3275013" cy="4408488"/>
-          </a:xfrm>
-          <a:custGeom>
-            <a:avLst/>
-            <a:gdLst/>
-            <a:ahLst/>
-            <a:cxnLst/>
-            <a:rect l="0" t="0" r="r" b="b"/>
-            <a:pathLst>
-              <a:path w="4125" h="5554">
-                <a:moveTo>
-                  <a:pt x="3614" y="0"/>
-                </a:moveTo>
-                <a:lnTo>
-                  <a:pt x="4125" y="0"/>
-                </a:lnTo>
-                <a:lnTo>
-                  <a:pt x="4125" y="5554"/>
-                </a:lnTo>
-                <a:lnTo>
-                  <a:pt x="0" y="5554"/>
-                </a:lnTo>
-                <a:lnTo>
-                  <a:pt x="0" y="5074"/>
-                </a:lnTo>
-                <a:lnTo>
-                  <a:pt x="3614" y="5074"/>
-                </a:lnTo>
-                <a:lnTo>
-                  <a:pt x="3614" y="0"/>
-                </a:lnTo>
-                <a:close/>
-              </a:path>
-            </a:pathLst>
-          </a:custGeom>
-          <a:solidFill>
-            <a:schemeClr val="tx2"/>
-          </a:solidFill>
-          <a:ln w="0">
-            <a:noFill/>
-            <a:prstDash val="solid"/>
-            <a:round/>
-            <a:headEnd/>
-            <a:tailEnd/>
-          </a:ln>
-        </p:spPr>
-      </p:sp>
     </p:spTree>
     <p:extLst>
       <p:ext uri="{BB962C8B-B14F-4D97-AF65-F5344CB8AC3E}">
-        <p14:creationId xmlns:p14="http://schemas.microsoft.com/office/powerpoint/2010/main" val="775508973"/>
+        <p14:creationId xmlns:p14="http://schemas.microsoft.com/office/powerpoint/2010/main" val="1334737874"/>
       </p:ext>
     </p:extLst>
   </p:cSld>
   <p:clrMapOvr>
-    <a:overrideClrMapping bg1="dk1" tx1="lt1" bg2="dk2" tx2="lt2" accent1="accent1" accent2="accent2" accent3="accent3" accent4="accent4" accent5="accent5" accent6="accent6" hlink="hlink" folHlink="folHlink"/>
+    <a:masterClrMapping/>
   </p:clrMapOvr>
+  <p:hf hdr="0" ftr="0" dt="0"/>
 </p:sldLayout>
 </file>
 
 <file path=ppt/slideLayouts/slideLayout4.xml><?xml version="1.0" encoding="utf-8"?>
 <p:sldLayout xmlns:a="http://schemas.openxmlformats.org/drawingml/2006/main" xmlns:r="http://schemas.openxmlformats.org/officeDocument/2006/relationships" xmlns:p="http://schemas.openxmlformats.org/presentationml/2006/main" type="twoObj" preserve="1">
-  <p:cSld name="Two Content">
+  <p:cSld name="Два объекта">
     <p:spTree>
       <p:nvGrpSpPr>
         <p:cNvPr id="1" name=""/>
@@ -2080,19 +2227,11 @@
         <p:spPr/>
         <p:txBody>
           <a:bodyPr/>
-          <a:lstStyle>
-            <a:lvl1pPr>
-              <a:defRPr>
-                <a:solidFill>
-                  <a:schemeClr val="tx2"/>
-                </a:solidFill>
-              </a:defRPr>
-            </a:lvl1pPr>
-          </a:lstStyle>
-          <a:p>
-            <a:r>
-              <a:rPr lang="en-US" smtClean="0"/>
-              <a:t>Click to edit Master title style</a:t>
+          <a:lstStyle/>
+          <a:p>
+            <a:r>
+              <a:rPr lang="ru-RU" smtClean="0"/>
+              <a:t>Образец заголовка</a:t>
             </a:r>
             <a:endParaRPr lang="en-US" dirty="0"/>
           </a:p>
@@ -2110,82 +2249,74 @@
         </p:nvSpPr>
         <p:spPr>
           <a:xfrm>
-            <a:off x="1371600" y="2285999"/>
-            <a:ext cx="4447786" cy="3581401"/>
+            <a:off x="1069848" y="2194560"/>
+            <a:ext cx="4754880" cy="3977640"/>
           </a:xfrm>
         </p:spPr>
         <p:txBody>
           <a:bodyPr/>
           <a:lstStyle>
             <a:lvl1pPr>
-              <a:defRPr baseline="0">
-                <a:solidFill>
-                  <a:schemeClr val="tx2"/>
-                </a:solidFill>
-              </a:defRPr>
+              <a:defRPr sz="2000"/>
             </a:lvl1pPr>
             <a:lvl2pPr>
-              <a:defRPr baseline="0">
-                <a:solidFill>
-                  <a:schemeClr val="tx2"/>
-                </a:solidFill>
-              </a:defRPr>
+              <a:defRPr sz="1800"/>
             </a:lvl2pPr>
             <a:lvl3pPr>
-              <a:defRPr baseline="0">
-                <a:solidFill>
-                  <a:schemeClr val="tx2"/>
-                </a:solidFill>
-              </a:defRPr>
+              <a:defRPr sz="1600"/>
             </a:lvl3pPr>
             <a:lvl4pPr>
-              <a:defRPr baseline="0">
-                <a:solidFill>
-                  <a:schemeClr val="tx2"/>
-                </a:solidFill>
-              </a:defRPr>
+              <a:defRPr sz="1600"/>
             </a:lvl4pPr>
             <a:lvl5pPr>
-              <a:defRPr baseline="0">
-                <a:solidFill>
-                  <a:schemeClr val="tx2"/>
-                </a:solidFill>
-              </a:defRPr>
+              <a:defRPr sz="1600"/>
             </a:lvl5pPr>
+            <a:lvl6pPr>
+              <a:defRPr sz="1600"/>
+            </a:lvl6pPr>
+            <a:lvl7pPr>
+              <a:defRPr sz="1600"/>
+            </a:lvl7pPr>
+            <a:lvl8pPr>
+              <a:defRPr sz="1600"/>
+            </a:lvl8pPr>
+            <a:lvl9pPr>
+              <a:defRPr sz="1600"/>
+            </a:lvl9pPr>
           </a:lstStyle>
           <a:p>
             <a:pPr lvl="0"/>
             <a:r>
-              <a:rPr lang="en-US" smtClean="0"/>
-              <a:t>Click to edit Master text styles</a:t>
+              <a:rPr lang="ru-RU" smtClean="0"/>
+              <a:t>Образец текста</a:t>
             </a:r>
           </a:p>
           <a:p>
             <a:pPr lvl="1"/>
             <a:r>
-              <a:rPr lang="en-US" smtClean="0"/>
-              <a:t>Second level</a:t>
+              <a:rPr lang="ru-RU" smtClean="0"/>
+              <a:t>Второй уровень</a:t>
             </a:r>
           </a:p>
           <a:p>
             <a:pPr lvl="2"/>
             <a:r>
-              <a:rPr lang="en-US" smtClean="0"/>
-              <a:t>Third level</a:t>
+              <a:rPr lang="ru-RU" smtClean="0"/>
+              <a:t>Третий уровень</a:t>
             </a:r>
           </a:p>
           <a:p>
             <a:pPr lvl="3"/>
             <a:r>
-              <a:rPr lang="en-US" smtClean="0"/>
-              <a:t>Fourth level</a:t>
+              <a:rPr lang="ru-RU" smtClean="0"/>
+              <a:t>Четвертый уровень</a:t>
             </a:r>
           </a:p>
           <a:p>
             <a:pPr lvl="4"/>
             <a:r>
-              <a:rPr lang="en-US" smtClean="0"/>
-              <a:t>Fifth level</a:t>
+              <a:rPr lang="ru-RU" smtClean="0"/>
+              <a:t>Пятый уровень</a:t>
             </a:r>
             <a:endParaRPr lang="en-US" dirty="0"/>
           </a:p>
@@ -2203,82 +2334,74 @@
         </p:nvSpPr>
         <p:spPr>
           <a:xfrm>
-            <a:off x="6525403" y="2285999"/>
-            <a:ext cx="4447786" cy="3581401"/>
+            <a:off x="6364224" y="2194560"/>
+            <a:ext cx="4754880" cy="3977640"/>
           </a:xfrm>
         </p:spPr>
         <p:txBody>
           <a:bodyPr/>
           <a:lstStyle>
             <a:lvl1pPr>
-              <a:defRPr>
-                <a:solidFill>
-                  <a:schemeClr val="tx2"/>
-                </a:solidFill>
-              </a:defRPr>
+              <a:defRPr sz="2000"/>
             </a:lvl1pPr>
             <a:lvl2pPr>
-              <a:defRPr>
-                <a:solidFill>
-                  <a:schemeClr val="tx2"/>
-                </a:solidFill>
-              </a:defRPr>
+              <a:defRPr sz="1800"/>
             </a:lvl2pPr>
             <a:lvl3pPr>
-              <a:defRPr>
-                <a:solidFill>
-                  <a:schemeClr val="tx2"/>
-                </a:solidFill>
-              </a:defRPr>
+              <a:defRPr sz="1600"/>
             </a:lvl3pPr>
             <a:lvl4pPr>
-              <a:defRPr>
-                <a:solidFill>
-                  <a:schemeClr val="tx2"/>
-                </a:solidFill>
-              </a:defRPr>
+              <a:defRPr sz="1600"/>
             </a:lvl4pPr>
             <a:lvl5pPr>
-              <a:defRPr>
-                <a:solidFill>
-                  <a:schemeClr val="tx2"/>
-                </a:solidFill>
-              </a:defRPr>
+              <a:defRPr sz="1600"/>
             </a:lvl5pPr>
+            <a:lvl6pPr>
+              <a:defRPr sz="1600"/>
+            </a:lvl6pPr>
+            <a:lvl7pPr>
+              <a:defRPr sz="1600"/>
+            </a:lvl7pPr>
+            <a:lvl8pPr>
+              <a:defRPr sz="1600"/>
+            </a:lvl8pPr>
+            <a:lvl9pPr>
+              <a:defRPr sz="1600"/>
+            </a:lvl9pPr>
           </a:lstStyle>
           <a:p>
             <a:pPr lvl="0"/>
             <a:r>
-              <a:rPr lang="en-US" smtClean="0"/>
-              <a:t>Click to edit Master text styles</a:t>
+              <a:rPr lang="ru-RU" smtClean="0"/>
+              <a:t>Образец текста</a:t>
             </a:r>
           </a:p>
           <a:p>
             <a:pPr lvl="1"/>
             <a:r>
-              <a:rPr lang="en-US" smtClean="0"/>
-              <a:t>Second level</a:t>
+              <a:rPr lang="ru-RU" smtClean="0"/>
+              <a:t>Второй уровень</a:t>
             </a:r>
           </a:p>
           <a:p>
             <a:pPr lvl="2"/>
             <a:r>
-              <a:rPr lang="en-US" smtClean="0"/>
-              <a:t>Third level</a:t>
+              <a:rPr lang="ru-RU" smtClean="0"/>
+              <a:t>Третий уровень</a:t>
             </a:r>
           </a:p>
           <a:p>
             <a:pPr lvl="3"/>
             <a:r>
-              <a:rPr lang="en-US" smtClean="0"/>
-              <a:t>Fourth level</a:t>
+              <a:rPr lang="ru-RU" smtClean="0"/>
+              <a:t>Четвертый уровень</a:t>
             </a:r>
           </a:p>
           <a:p>
             <a:pPr lvl="4"/>
             <a:r>
-              <a:rPr lang="en-US" smtClean="0"/>
-              <a:t>Fifth level</a:t>
+              <a:rPr lang="ru-RU" smtClean="0"/>
+              <a:t>Пятый уровень</a:t>
             </a:r>
             <a:endParaRPr lang="en-US" dirty="0"/>
           </a:p>
@@ -2299,7 +2422,7 @@
           <a:bodyPr/>
           <a:lstStyle/>
           <a:p>
-            <a:fld id="{931BD9D8-11CF-45BD-8792-924BCE52A630}" type="datetime1">
+            <a:fld id="{D30C6BFB-7CA1-4523-987B-212D6E1DD8E8}" type="datetime1">
               <a:rPr lang="ru-RU" smtClean="0"/>
               <a:t>17.06.2019</a:t>
             </a:fld>
@@ -2352,19 +2475,20 @@
     </p:spTree>
     <p:extLst>
       <p:ext uri="{BB962C8B-B14F-4D97-AF65-F5344CB8AC3E}">
-        <p14:creationId xmlns:p14="http://schemas.microsoft.com/office/powerpoint/2010/main" val="2727186557"/>
+        <p14:creationId xmlns:p14="http://schemas.microsoft.com/office/powerpoint/2010/main" val="2077124814"/>
       </p:ext>
     </p:extLst>
   </p:cSld>
   <p:clrMapOvr>
     <a:masterClrMapping/>
   </p:clrMapOvr>
+  <p:hf hdr="0" ftr="0" dt="0"/>
 </p:sldLayout>
 </file>
 
 <file path=ppt/slideLayouts/slideLayout5.xml><?xml version="1.0" encoding="utf-8"?>
 <p:sldLayout xmlns:a="http://schemas.openxmlformats.org/drawingml/2006/main" xmlns:r="http://schemas.openxmlformats.org/officeDocument/2006/relationships" xmlns:p="http://schemas.openxmlformats.org/presentationml/2006/main" type="twoTxTwoObj" preserve="1">
-  <p:cSld name="Comparison">
+  <p:cSld name="Сравнение">
     <p:spTree>
       <p:nvGrpSpPr>
         <p:cNvPr id="1" name=""/>
@@ -2381,75 +2505,55 @@
       </p:grpSpPr>
       <p:sp>
         <p:nvSpPr>
-          <p:cNvPr id="2" name="Title 1"/>
+          <p:cNvPr id="10" name="Title 9"/>
           <p:cNvSpPr>
             <a:spLocks noGrp="1"/>
           </p:cNvSpPr>
           <p:nvPr>
             <p:ph type="title"/>
+          </p:nvPr>
+        </p:nvSpPr>
+        <p:spPr/>
+        <p:txBody>
+          <a:bodyPr/>
+          <a:lstStyle/>
+          <a:p>
+            <a:r>
+              <a:rPr lang="ru-RU" smtClean="0"/>
+              <a:t>Образец заголовка</a:t>
+            </a:r>
+            <a:endParaRPr lang="en-US" dirty="0"/>
+          </a:p>
+        </p:txBody>
+      </p:sp>
+      <p:sp>
+        <p:nvSpPr>
+          <p:cNvPr id="3" name="Text Placeholder 2"/>
+          <p:cNvSpPr>
+            <a:spLocks noGrp="1"/>
+          </p:cNvSpPr>
+          <p:nvPr>
+            <p:ph type="body" idx="1"/>
           </p:nvPr>
         </p:nvSpPr>
         <p:spPr>
           <a:xfrm>
-            <a:off x="1371600" y="685800"/>
-            <a:ext cx="9601200" cy="1485900"/>
+            <a:off x="1066800" y="2048256"/>
+            <a:ext cx="4754880" cy="640080"/>
           </a:xfrm>
         </p:spPr>
         <p:txBody>
-          <a:bodyPr/>
-          <a:lstStyle>
-            <a:lvl1pPr>
-              <a:defRPr>
-                <a:solidFill>
-                  <a:schemeClr val="tx2"/>
-                </a:solidFill>
-              </a:defRPr>
-            </a:lvl1pPr>
-          </a:lstStyle>
-          <a:p>
-            <a:r>
-              <a:rPr lang="en-US" smtClean="0"/>
-              <a:t>Click to edit Master title style</a:t>
-            </a:r>
-            <a:endParaRPr lang="en-US" dirty="0"/>
-          </a:p>
-        </p:txBody>
-      </p:sp>
-      <p:sp>
-        <p:nvSpPr>
-          <p:cNvPr id="3" name="Text Placeholder 2"/>
-          <p:cNvSpPr>
-            <a:spLocks noGrp="1"/>
-          </p:cNvSpPr>
-          <p:nvPr>
-            <p:ph type="body" idx="1"/>
-          </p:nvPr>
-        </p:nvSpPr>
-        <p:spPr>
-          <a:xfrm>
-            <a:off x="1371600" y="2340864"/>
-            <a:ext cx="4443984" cy="823912"/>
-          </a:xfrm>
-        </p:spPr>
-        <p:txBody>
-          <a:bodyPr anchor="b">
-            <a:noAutofit/>
+          <a:bodyPr anchor="ctr">
+            <a:normAutofit/>
           </a:bodyPr>
           <a:lstStyle>
             <a:lvl1pPr marL="0" indent="0">
-              <a:lnSpc>
-                <a:spcPct val="84000"/>
-              </a:lnSpc>
-              <a:spcBef>
-                <a:spcPts val="0"/>
-              </a:spcBef>
-              <a:spcAft>
-                <a:spcPts val="0"/>
-              </a:spcAft>
               <a:buNone/>
-              <a:defRPr sz="3000" b="0" baseline="0">
+              <a:defRPr sz="2000" b="1">
                 <a:solidFill>
-                  <a:schemeClr val="tx2"/>
+                  <a:schemeClr val="accent1">
+                    <a:lumMod val="75000"/>
+                  </a:schemeClr>
                 </a:solidFill>
               </a:defRPr>
             </a:lvl1pPr>
@@ -2489,8 +2593,8 @@
           <a:p>
             <a:pPr lvl="0"/>
             <a:r>
-              <a:rPr lang="en-US" smtClean="0"/>
-              <a:t>Click to edit Master text styles</a:t>
+              <a:rPr lang="ru-RU" smtClean="0"/>
+              <a:t>Образец текста</a:t>
             </a:r>
           </a:p>
         </p:txBody>
@@ -2507,82 +2611,74 @@
         </p:nvSpPr>
         <p:spPr>
           <a:xfrm>
-            <a:off x="1371600" y="3305207"/>
-            <a:ext cx="4443984" cy="2562193"/>
+            <a:off x="1069848" y="2743200"/>
+            <a:ext cx="4754880" cy="3291840"/>
           </a:xfrm>
         </p:spPr>
         <p:txBody>
           <a:bodyPr/>
           <a:lstStyle>
             <a:lvl1pPr>
-              <a:defRPr baseline="0">
-                <a:solidFill>
-                  <a:schemeClr val="tx2"/>
-                </a:solidFill>
-              </a:defRPr>
+              <a:defRPr sz="2000"/>
             </a:lvl1pPr>
             <a:lvl2pPr>
-              <a:defRPr baseline="0">
-                <a:solidFill>
-                  <a:schemeClr val="tx2"/>
-                </a:solidFill>
-              </a:defRPr>
+              <a:defRPr sz="1800"/>
             </a:lvl2pPr>
             <a:lvl3pPr>
-              <a:defRPr baseline="0">
-                <a:solidFill>
-                  <a:schemeClr val="tx2"/>
-                </a:solidFill>
-              </a:defRPr>
+              <a:defRPr sz="1600"/>
             </a:lvl3pPr>
             <a:lvl4pPr>
-              <a:defRPr baseline="0">
-                <a:solidFill>
-                  <a:schemeClr val="tx2"/>
-                </a:solidFill>
-              </a:defRPr>
+              <a:defRPr sz="1600"/>
             </a:lvl4pPr>
             <a:lvl5pPr>
-              <a:defRPr baseline="0">
-                <a:solidFill>
-                  <a:schemeClr val="tx2"/>
-                </a:solidFill>
-              </a:defRPr>
+              <a:defRPr sz="1600"/>
             </a:lvl5pPr>
+            <a:lvl6pPr>
+              <a:defRPr sz="1600"/>
+            </a:lvl6pPr>
+            <a:lvl7pPr>
+              <a:defRPr sz="1600"/>
+            </a:lvl7pPr>
+            <a:lvl8pPr>
+              <a:defRPr sz="1600"/>
+            </a:lvl8pPr>
+            <a:lvl9pPr>
+              <a:defRPr sz="1600"/>
+            </a:lvl9pPr>
           </a:lstStyle>
           <a:p>
             <a:pPr lvl="0"/>
             <a:r>
-              <a:rPr lang="en-US" smtClean="0"/>
-              <a:t>Click to edit Master text styles</a:t>
+              <a:rPr lang="ru-RU" smtClean="0"/>
+              <a:t>Образец текста</a:t>
             </a:r>
           </a:p>
           <a:p>
             <a:pPr lvl="1"/>
             <a:r>
-              <a:rPr lang="en-US" smtClean="0"/>
-              <a:t>Second level</a:t>
+              <a:rPr lang="ru-RU" smtClean="0"/>
+              <a:t>Второй уровень</a:t>
             </a:r>
           </a:p>
           <a:p>
             <a:pPr lvl="2"/>
             <a:r>
-              <a:rPr lang="en-US" smtClean="0"/>
-              <a:t>Third level</a:t>
+              <a:rPr lang="ru-RU" smtClean="0"/>
+              <a:t>Третий уровень</a:t>
             </a:r>
           </a:p>
           <a:p>
             <a:pPr lvl="3"/>
             <a:r>
-              <a:rPr lang="en-US" smtClean="0"/>
-              <a:t>Fourth level</a:t>
+              <a:rPr lang="ru-RU" smtClean="0"/>
+              <a:t>Четвертый уровень</a:t>
             </a:r>
           </a:p>
           <a:p>
             <a:pPr lvl="4"/>
             <a:r>
-              <a:rPr lang="en-US" smtClean="0"/>
-              <a:t>Fifth level</a:t>
+              <a:rPr lang="ru-RU" smtClean="0"/>
+              <a:t>Пятый уровень</a:t>
             </a:r>
             <a:endParaRPr lang="en-US" dirty="0"/>
           </a:p>
@@ -2600,29 +2696,22 @@
         </p:nvSpPr>
         <p:spPr>
           <a:xfrm>
-            <a:off x="6525014" y="2340864"/>
-            <a:ext cx="4443984" cy="823912"/>
+            <a:off x="6364224" y="2048256"/>
+            <a:ext cx="4754880" cy="640080"/>
           </a:xfrm>
         </p:spPr>
         <p:txBody>
-          <a:bodyPr anchor="b">
-            <a:noAutofit/>
+          <a:bodyPr anchor="ctr">
+            <a:normAutofit/>
           </a:bodyPr>
           <a:lstStyle>
             <a:lvl1pPr marL="0" indent="0">
-              <a:lnSpc>
-                <a:spcPct val="84000"/>
-              </a:lnSpc>
-              <a:spcBef>
-                <a:spcPts val="0"/>
-              </a:spcBef>
-              <a:spcAft>
-                <a:spcPts val="0"/>
-              </a:spcAft>
               <a:buNone/>
-              <a:defRPr sz="3000" b="0" baseline="0">
+              <a:defRPr sz="2000" b="1">
                 <a:solidFill>
-                  <a:schemeClr val="tx2"/>
+                  <a:schemeClr val="accent1">
+                    <a:lumMod val="75000"/>
+                  </a:schemeClr>
                 </a:solidFill>
               </a:defRPr>
             </a:lvl1pPr>
@@ -2662,8 +2751,8 @@
           <a:p>
             <a:pPr lvl="0"/>
             <a:r>
-              <a:rPr lang="en-US" smtClean="0"/>
-              <a:t>Click to edit Master text styles</a:t>
+              <a:rPr lang="ru-RU" smtClean="0"/>
+              <a:t>Образец текста</a:t>
             </a:r>
           </a:p>
         </p:txBody>
@@ -2680,82 +2769,74 @@
         </p:nvSpPr>
         <p:spPr>
           <a:xfrm>
-            <a:off x="6525014" y="3305207"/>
-            <a:ext cx="4443984" cy="2562193"/>
+            <a:off x="6364224" y="2743200"/>
+            <a:ext cx="4754880" cy="3291840"/>
           </a:xfrm>
         </p:spPr>
         <p:txBody>
           <a:bodyPr/>
           <a:lstStyle>
             <a:lvl1pPr>
-              <a:defRPr baseline="0">
-                <a:solidFill>
-                  <a:schemeClr val="tx2"/>
-                </a:solidFill>
-              </a:defRPr>
+              <a:defRPr sz="2000"/>
             </a:lvl1pPr>
             <a:lvl2pPr>
-              <a:defRPr baseline="0">
-                <a:solidFill>
-                  <a:schemeClr val="tx2"/>
-                </a:solidFill>
-              </a:defRPr>
+              <a:defRPr sz="1800"/>
             </a:lvl2pPr>
             <a:lvl3pPr>
-              <a:defRPr baseline="0">
-                <a:solidFill>
-                  <a:schemeClr val="tx2"/>
-                </a:solidFill>
-              </a:defRPr>
+              <a:defRPr sz="1600"/>
             </a:lvl3pPr>
             <a:lvl4pPr>
-              <a:defRPr baseline="0">
-                <a:solidFill>
-                  <a:schemeClr val="tx2"/>
-                </a:solidFill>
-              </a:defRPr>
+              <a:defRPr sz="1600"/>
             </a:lvl4pPr>
             <a:lvl5pPr>
-              <a:defRPr baseline="0">
-                <a:solidFill>
-                  <a:schemeClr val="tx2"/>
-                </a:solidFill>
-              </a:defRPr>
+              <a:defRPr sz="1600"/>
             </a:lvl5pPr>
+            <a:lvl6pPr>
+              <a:defRPr sz="1600"/>
+            </a:lvl6pPr>
+            <a:lvl7pPr>
+              <a:defRPr sz="1600"/>
+            </a:lvl7pPr>
+            <a:lvl8pPr>
+              <a:defRPr sz="1600"/>
+            </a:lvl8pPr>
+            <a:lvl9pPr>
+              <a:defRPr sz="1600"/>
+            </a:lvl9pPr>
           </a:lstStyle>
           <a:p>
             <a:pPr lvl="0"/>
             <a:r>
-              <a:rPr lang="en-US" smtClean="0"/>
-              <a:t>Click to edit Master text styles</a:t>
+              <a:rPr lang="ru-RU" smtClean="0"/>
+              <a:t>Образец текста</a:t>
             </a:r>
           </a:p>
           <a:p>
             <a:pPr lvl="1"/>
             <a:r>
-              <a:rPr lang="en-US" smtClean="0"/>
-              <a:t>Second level</a:t>
+              <a:rPr lang="ru-RU" smtClean="0"/>
+              <a:t>Второй уровень</a:t>
             </a:r>
           </a:p>
           <a:p>
             <a:pPr lvl="2"/>
             <a:r>
-              <a:rPr lang="en-US" smtClean="0"/>
-              <a:t>Third level</a:t>
+              <a:rPr lang="ru-RU" smtClean="0"/>
+              <a:t>Третий уровень</a:t>
             </a:r>
           </a:p>
           <a:p>
             <a:pPr lvl="3"/>
             <a:r>
-              <a:rPr lang="en-US" smtClean="0"/>
-              <a:t>Fourth level</a:t>
+              <a:rPr lang="ru-RU" smtClean="0"/>
+              <a:t>Четвертый уровень</a:t>
             </a:r>
           </a:p>
           <a:p>
             <a:pPr lvl="4"/>
             <a:r>
-              <a:rPr lang="en-US" smtClean="0"/>
-              <a:t>Fifth level</a:t>
+              <a:rPr lang="ru-RU" smtClean="0"/>
+              <a:t>Пятый уровень</a:t>
             </a:r>
             <a:endParaRPr lang="en-US" dirty="0"/>
           </a:p>
@@ -2776,7 +2857,7 @@
           <a:bodyPr/>
           <a:lstStyle/>
           <a:p>
-            <a:fld id="{7F1A5E57-2F8F-43B5-9EAD-371F2C56FBBD}" type="datetime1">
+            <a:fld id="{D30C6BFB-7CA1-4523-987B-212D6E1DD8E8}" type="datetime1">
               <a:rPr lang="ru-RU" smtClean="0"/>
               <a:t>17.06.2019</a:t>
             </a:fld>
@@ -2829,19 +2910,20 @@
     </p:spTree>
     <p:extLst>
       <p:ext uri="{BB962C8B-B14F-4D97-AF65-F5344CB8AC3E}">
-        <p14:creationId xmlns:p14="http://schemas.microsoft.com/office/powerpoint/2010/main" val="1114476362"/>
+        <p14:creationId xmlns:p14="http://schemas.microsoft.com/office/powerpoint/2010/main" val="3975985785"/>
       </p:ext>
     </p:extLst>
   </p:cSld>
   <p:clrMapOvr>
     <a:masterClrMapping/>
   </p:clrMapOvr>
+  <p:hf hdr="0" ftr="0" dt="0"/>
 </p:sldLayout>
 </file>
 
 <file path=ppt/slideLayouts/slideLayout6.xml><?xml version="1.0" encoding="utf-8"?>
 <p:sldLayout xmlns:a="http://schemas.openxmlformats.org/drawingml/2006/main" xmlns:r="http://schemas.openxmlformats.org/officeDocument/2006/relationships" xmlns:p="http://schemas.openxmlformats.org/presentationml/2006/main" type="titleOnly" preserve="1">
-  <p:cSld name="Title Only">
+  <p:cSld name="Только заголовок">
     <p:spTree>
       <p:nvGrpSpPr>
         <p:cNvPr id="1" name=""/>
@@ -2858,7 +2940,7 @@
       </p:grpSpPr>
       <p:sp>
         <p:nvSpPr>
-          <p:cNvPr id="2" name="Title 1"/>
+          <p:cNvPr id="6" name="Title 5"/>
           <p:cNvSpPr>
             <a:spLocks noGrp="1"/>
           </p:cNvSpPr>
@@ -2872,8 +2954,8 @@
           <a:lstStyle/>
           <a:p>
             <a:r>
-              <a:rPr lang="en-US" smtClean="0"/>
-              <a:t>Click to edit Master title style</a:t>
+              <a:rPr lang="ru-RU" smtClean="0"/>
+              <a:t>Образец заголовка</a:t>
             </a:r>
             <a:endParaRPr lang="en-US" dirty="0"/>
           </a:p>
@@ -2894,7 +2976,7 @@
           <a:bodyPr/>
           <a:lstStyle/>
           <a:p>
-            <a:fld id="{9CF4827F-76DF-4ADB-A338-7FECEE394B60}" type="datetime1">
+            <a:fld id="{D30C6BFB-7CA1-4523-987B-212D6E1DD8E8}" type="datetime1">
               <a:rPr lang="ru-RU" smtClean="0"/>
               <a:t>17.06.2019</a:t>
             </a:fld>
@@ -2947,19 +3029,20 @@
     </p:spTree>
     <p:extLst>
       <p:ext uri="{BB962C8B-B14F-4D97-AF65-F5344CB8AC3E}">
-        <p14:creationId xmlns:p14="http://schemas.microsoft.com/office/powerpoint/2010/main" val="2018093461"/>
+        <p14:creationId xmlns:p14="http://schemas.microsoft.com/office/powerpoint/2010/main" val="1536303589"/>
       </p:ext>
     </p:extLst>
   </p:cSld>
   <p:clrMapOvr>
     <a:masterClrMapping/>
   </p:clrMapOvr>
+  <p:hf hdr="0" ftr="0" dt="0"/>
 </p:sldLayout>
 </file>
 
 <file path=ppt/slideLayouts/slideLayout7.xml><?xml version="1.0" encoding="utf-8"?>
 <p:sldLayout xmlns:a="http://schemas.openxmlformats.org/drawingml/2006/main" xmlns:r="http://schemas.openxmlformats.org/officeDocument/2006/relationships" xmlns:p="http://schemas.openxmlformats.org/presentationml/2006/main" type="blank" preserve="1">
-  <p:cSld name="Blank">
+  <p:cSld name="Пустой слайд">
     <p:spTree>
       <p:nvGrpSpPr>
         <p:cNvPr id="1" name=""/>
@@ -2989,7 +3072,7 @@
           <a:bodyPr/>
           <a:lstStyle/>
           <a:p>
-            <a:fld id="{FCEB6222-46C7-4B80-9DC5-E28901552B5F}" type="datetime1">
+            <a:fld id="{D30C6BFB-7CA1-4523-987B-212D6E1DD8E8}" type="datetime1">
               <a:rPr lang="ru-RU" smtClean="0"/>
               <a:t>17.06.2019</a:t>
             </a:fld>
@@ -3042,19 +3125,20 @@
     </p:spTree>
     <p:extLst>
       <p:ext uri="{BB962C8B-B14F-4D97-AF65-F5344CB8AC3E}">
-        <p14:creationId xmlns:p14="http://schemas.microsoft.com/office/powerpoint/2010/main" val="381789656"/>
+        <p14:creationId xmlns:p14="http://schemas.microsoft.com/office/powerpoint/2010/main" val="122315493"/>
       </p:ext>
     </p:extLst>
   </p:cSld>
   <p:clrMapOvr>
     <a:masterClrMapping/>
   </p:clrMapOvr>
+  <p:hf hdr="0" ftr="0" dt="0"/>
 </p:sldLayout>
 </file>
 
 <file path=ppt/slideLayouts/slideLayout8.xml><?xml version="1.0" encoding="utf-8"?>
 <p:sldLayout xmlns:a="http://schemas.openxmlformats.org/drawingml/2006/main" xmlns:r="http://schemas.openxmlformats.org/officeDocument/2006/relationships" xmlns:p="http://schemas.openxmlformats.org/presentationml/2006/main" showMasterSp="0" type="objTx" preserve="1">
-  <p:cSld name="Content with Caption">
+  <p:cSld name="Объект с подписью">
     <p:spTree>
       <p:nvGrpSpPr>
         <p:cNvPr id="1" name=""/>
@@ -3071,21 +3155,40 @@
       </p:grpSpPr>
       <p:sp>
         <p:nvSpPr>
-          <p:cNvPr id="8" name="Rectangle 7" title="Background Shape"/>
+          <p:cNvPr id="8" name="Rectangle 7"/>
           <p:cNvSpPr/>
           <p:nvPr/>
         </p:nvSpPr>
         <p:spPr>
           <a:xfrm>
-            <a:off x="0" y="376"/>
-            <a:ext cx="5303520" cy="6857624"/>
+            <a:off x="8303740" y="0"/>
+            <a:ext cx="3888259" cy="6857999"/>
           </a:xfrm>
           <a:prstGeom prst="rect">
             <a:avLst/>
           </a:prstGeom>
-          <a:solidFill>
-            <a:schemeClr val="accent1"/>
-          </a:solidFill>
+          <a:blipFill dpi="0" rotWithShape="1">
+            <a:blip r:embed="rId2">
+              <a:alphaModFix amt="60000"/>
+              <a:lum bright="70000" contrast="-70000"/>
+              <a:extLst>
+                <a:ext uri="{BEBA8EAE-BF5A-486C-A8C5-ECC9F3942E4B}">
+                  <a14:imgProps xmlns:a14="http://schemas.microsoft.com/office/drawing/2010/main">
+                    <a14:imgLayer r:embed="rId3">
+                      <a14:imgEffect>
+                        <a14:sharpenSoften amount="61000"/>
+                      </a14:imgEffect>
+                    </a14:imgLayer>
+                  </a14:imgProps>
+                </a:ext>
+                <a:ext uri="{28A0092B-C50C-407E-A947-70E740481C1C}">
+                  <a14:useLocalDpi xmlns:a14="http://schemas.microsoft.com/office/drawing/2010/main" val="0"/>
+                </a:ext>
+              </a:extLst>
+            </a:blip>
+            <a:srcRect/>
+            <a:tile tx="0" ty="-704850" sx="92000" sy="89000" flip="xy" algn="ctr"/>
+          </a:blipFill>
           <a:ln>
             <a:noFill/>
           </a:ln>
@@ -3119,30 +3222,23 @@
         </p:nvSpPr>
         <p:spPr>
           <a:xfrm>
-            <a:off x="723900" y="685800"/>
-            <a:ext cx="3855720" cy="2157884"/>
+            <a:off x="8549640" y="685800"/>
+            <a:ext cx="3200400" cy="1737360"/>
           </a:xfrm>
         </p:spPr>
         <p:txBody>
-          <a:bodyPr anchor="t">
-            <a:noAutofit/>
+          <a:bodyPr anchor="b">
+            <a:normAutofit/>
           </a:bodyPr>
           <a:lstStyle>
             <a:lvl1pPr>
-              <a:lnSpc>
-                <a:spcPct val="84000"/>
-              </a:lnSpc>
-              <a:defRPr sz="4800" baseline="0">
-                <a:solidFill>
-                  <a:schemeClr val="tx2"/>
-                </a:solidFill>
-              </a:defRPr>
+              <a:defRPr sz="3200" b="1"/>
             </a:lvl1pPr>
           </a:lstStyle>
           <a:p>
             <a:r>
-              <a:rPr lang="en-US" smtClean="0"/>
-              <a:t>Click to edit Master title style</a:t>
+              <a:rPr lang="ru-RU" smtClean="0"/>
+              <a:t>Образец заголовка</a:t>
             </a:r>
             <a:endParaRPr lang="en-US" dirty="0"/>
           </a:p>
@@ -3160,8 +3256,8 @@
         </p:nvSpPr>
         <p:spPr>
           <a:xfrm>
-            <a:off x="6256020" y="685801"/>
-            <a:ext cx="5212080" cy="5175250"/>
+            <a:off x="838200" y="685800"/>
+            <a:ext cx="6711696" cy="5020056"/>
           </a:xfrm>
         </p:spPr>
         <p:txBody>
@@ -3171,13 +3267,13 @@
               <a:defRPr sz="2000"/>
             </a:lvl1pPr>
             <a:lvl2pPr>
-              <a:defRPr sz="2000"/>
+              <a:defRPr sz="1800"/>
             </a:lvl2pPr>
             <a:lvl3pPr>
-              <a:defRPr sz="1800"/>
+              <a:defRPr sz="1600"/>
             </a:lvl3pPr>
             <a:lvl4pPr>
-              <a:defRPr sz="1800"/>
+              <a:defRPr sz="1600"/>
             </a:lvl4pPr>
             <a:lvl5pPr>
               <a:defRPr sz="1600"/>
@@ -3198,36 +3294,36 @@
           <a:p>
             <a:pPr lvl="0"/>
             <a:r>
-              <a:rPr lang="en-US" smtClean="0"/>
-              <a:t>Click to edit Master text styles</a:t>
+              <a:rPr lang="ru-RU" smtClean="0"/>
+              <a:t>Образец текста</a:t>
             </a:r>
           </a:p>
           <a:p>
             <a:pPr lvl="1"/>
             <a:r>
-              <a:rPr lang="en-US" smtClean="0"/>
-              <a:t>Second level</a:t>
+              <a:rPr lang="ru-RU" smtClean="0"/>
+              <a:t>Второй уровень</a:t>
             </a:r>
           </a:p>
           <a:p>
             <a:pPr lvl="2"/>
             <a:r>
-              <a:rPr lang="en-US" smtClean="0"/>
-              <a:t>Third level</a:t>
+              <a:rPr lang="ru-RU" smtClean="0"/>
+              <a:t>Третий уровень</a:t>
             </a:r>
           </a:p>
           <a:p>
             <a:pPr lvl="3"/>
             <a:r>
-              <a:rPr lang="en-US" smtClean="0"/>
-              <a:t>Fourth level</a:t>
+              <a:rPr lang="ru-RU" smtClean="0"/>
+              <a:t>Четвертый уровень</a:t>
             </a:r>
           </a:p>
           <a:p>
             <a:pPr lvl="4"/>
             <a:r>
-              <a:rPr lang="en-US" smtClean="0"/>
-              <a:t>Fifth level</a:t>
+              <a:rPr lang="ru-RU" smtClean="0"/>
+              <a:t>Пятый уровень</a:t>
             </a:r>
             <a:endParaRPr lang="en-US" dirty="0"/>
           </a:p>
@@ -3245,64 +3341,69 @@
         </p:nvSpPr>
         <p:spPr>
           <a:xfrm>
-            <a:off x="723900" y="2856344"/>
-            <a:ext cx="3855720" cy="3011056"/>
+            <a:off x="8549640" y="2423160"/>
+            <a:ext cx="3200400" cy="3291840"/>
           </a:xfrm>
         </p:spPr>
         <p:txBody>
-          <a:bodyPr/>
+          <a:bodyPr>
+            <a:normAutofit/>
+          </a:bodyPr>
           <a:lstStyle>
             <a:lvl1pPr marL="0" indent="0">
               <a:lnSpc>
-                <a:spcPct val="113000"/>
+                <a:spcPct val="100000"/>
               </a:lnSpc>
               <a:spcBef>
-                <a:spcPts val="0"/>
+                <a:spcPts val="1000"/>
               </a:spcBef>
-              <a:spcAft>
-                <a:spcPts val="1500"/>
-              </a:spcAft>
               <a:buNone/>
-              <a:defRPr sz="1600"/>
+              <a:defRPr sz="1400">
+                <a:solidFill>
+                  <a:schemeClr val="accent1">
+                    <a:lumMod val="75000"/>
+                  </a:schemeClr>
+                </a:solidFill>
+              </a:defRPr>
             </a:lvl1pPr>
             <a:lvl2pPr marL="457200" indent="0">
               <a:buNone/>
-              <a:defRPr sz="1400"/>
+              <a:defRPr sz="1200"/>
             </a:lvl2pPr>
             <a:lvl3pPr marL="914400" indent="0">
               <a:buNone/>
-              <a:defRPr sz="1200"/>
+              <a:defRPr sz="1000"/>
             </a:lvl3pPr>
             <a:lvl4pPr marL="1371600" indent="0">
               <a:buNone/>
-              <a:defRPr sz="1000"/>
+              <a:defRPr sz="900"/>
             </a:lvl4pPr>
             <a:lvl5pPr marL="1828800" indent="0">
               <a:buNone/>
-              <a:defRPr sz="1000"/>
+              <a:defRPr sz="900"/>
             </a:lvl5pPr>
             <a:lvl6pPr marL="2286000" indent="0">
               <a:buNone/>
-              <a:defRPr sz="1000"/>
+              <a:defRPr sz="900"/>
             </a:lvl6pPr>
             <a:lvl7pPr marL="2743200" indent="0">
               <a:buNone/>
-              <a:defRPr sz="1000"/>
+              <a:defRPr sz="900"/>
             </a:lvl7pPr>
             <a:lvl8pPr marL="3200400" indent="0">
               <a:buNone/>
-              <a:defRPr sz="1000"/>
+              <a:defRPr sz="900"/>
             </a:lvl8pPr>
             <a:lvl9pPr marL="3657600" indent="0">
               <a:buNone/>
-              <a:defRPr sz="1000"/>
+              <a:defRPr sz="900"/>
             </a:lvl9pPr>
           </a:lstStyle>
           <a:p>
             <a:pPr lvl="0"/>
             <a:r>
-              <a:rPr lang="en-US" smtClean="0"/>
-              <a:t>Click to edit Master text styles</a:t>
+              <a:rPr lang="ru-RU" smtClean="0"/>
+              <a:t>Образец текста</a:t>
             </a:r>
           </a:p>
         </p:txBody>
@@ -3317,25 +3418,12 @@
             <p:ph type="dt" sz="half" idx="10"/>
           </p:nvPr>
         </p:nvSpPr>
-        <p:spPr>
-          <a:xfrm>
-            <a:off x="723900" y="6453386"/>
-            <a:ext cx="1204572" cy="404614"/>
-          </a:xfrm>
-        </p:spPr>
+        <p:spPr/>
         <p:txBody>
           <a:bodyPr/>
-          <a:lstStyle>
-            <a:lvl1pPr>
-              <a:defRPr>
-                <a:solidFill>
-                  <a:schemeClr val="tx2"/>
-                </a:solidFill>
-              </a:defRPr>
-            </a:lvl1pPr>
-          </a:lstStyle>
-          <a:p>
-            <a:fld id="{6E551258-E544-4793-A3FA-AEDA267A8DF0}" type="datetime1">
+          <a:lstStyle/>
+          <a:p>
+            <a:fld id="{D30C6BFB-7CA1-4523-987B-212D6E1DD8E8}" type="datetime1">
               <a:rPr lang="ru-RU" smtClean="0"/>
               <a:t>17.06.2019</a:t>
             </a:fld>
@@ -3353,55 +3441,118 @@
             <p:ph type="ftr" sz="quarter" idx="11"/>
           </p:nvPr>
         </p:nvSpPr>
-        <p:spPr>
+        <p:spPr/>
+        <p:txBody>
+          <a:bodyPr/>
+          <a:lstStyle/>
+          <a:p>
+            <a:endParaRPr lang="ru-RU"/>
+          </a:p>
+        </p:txBody>
+      </p:sp>
+      <p:grpSp>
+        <p:nvGrpSpPr>
+          <p:cNvPr id="9" name="Group 8"/>
+          <p:cNvGrpSpPr>
+            <a:grpSpLocks noChangeAspect="1"/>
+          </p:cNvGrpSpPr>
+          <p:nvPr/>
+        </p:nvGrpSpPr>
+        <p:grpSpPr>
           <a:xfrm>
-            <a:off x="2205945" y="6453386"/>
-            <a:ext cx="2373675" cy="404614"/>
+            <a:off x="11401725" y="6229681"/>
+            <a:ext cx="457200" cy="457200"/>
+            <a:chOff x="11361456" y="6195813"/>
+            <a:chExt cx="548640" cy="548640"/>
           </a:xfrm>
-        </p:spPr>
+        </p:grpSpPr>
+        <p:sp>
+          <p:nvSpPr>
+            <p:cNvPr id="10" name="Oval 9"/>
+            <p:cNvSpPr/>
+            <p:nvPr/>
+          </p:nvSpPr>
+          <p:spPr>
+            <a:xfrm>
+              <a:off x="11361456" y="6195813"/>
+              <a:ext cx="548640" cy="548640"/>
+            </a:xfrm>
+            <a:prstGeom prst="ellipse">
+              <a:avLst/>
+            </a:prstGeom>
+            <a:blipFill dpi="0" rotWithShape="1">
+              <a:blip r:embed="rId4">
+                <a:duotone>
+                  <a:schemeClr val="accent1">
+                    <a:shade val="45000"/>
+                    <a:satMod val="135000"/>
+                  </a:schemeClr>
+                  <a:prstClr val="white"/>
+                </a:duotone>
+                <a:extLst>
+                  <a:ext uri="{BEBA8EAE-BF5A-486C-A8C5-ECC9F3942E4B}">
+                    <a14:imgProps xmlns:a14="http://schemas.microsoft.com/office/drawing/2010/main">
+                      <a14:imgLayer r:embed="rId5">
+                        <a14:imgEffect>
+                          <a14:saturation sat="95000"/>
+                        </a14:imgEffect>
+                        <a14:imgEffect>
+                          <a14:brightnessContrast bright="-40000" contrast="20000"/>
+                        </a14:imgEffect>
+                      </a14:imgLayer>
+                    </a14:imgProps>
+                  </a:ext>
+                </a:extLst>
+              </a:blip>
+              <a:srcRect/>
+              <a:tile tx="50800" ty="0" sx="85000" sy="85000" flip="none" algn="tl"/>
+            </a:blipFill>
+            <a:ln w="25400" cap="flat" cmpd="sng" algn="ctr">
+              <a:noFill/>
+              <a:prstDash val="solid"/>
+            </a:ln>
+            <a:effectLst/>
+          </p:spPr>
+        </p:sp>
+        <p:sp>
+          <p:nvSpPr>
+            <p:cNvPr id="11" name="Oval 10"/>
+            <p:cNvSpPr/>
+            <p:nvPr/>
+          </p:nvSpPr>
+          <p:spPr>
+            <a:xfrm>
+              <a:off x="11396488" y="6230844"/>
+              <a:ext cx="478576" cy="478578"/>
+            </a:xfrm>
+            <a:prstGeom prst="ellipse">
+              <a:avLst/>
+            </a:prstGeom>
+            <a:noFill/>
+            <a:ln w="12700" cap="flat" cmpd="sng" algn="ctr">
+              <a:solidFill>
+                <a:sysClr val="window" lastClr="FFFFFF"/>
+              </a:solidFill>
+              <a:prstDash val="solid"/>
+            </a:ln>
+            <a:effectLst/>
+          </p:spPr>
+        </p:sp>
+      </p:grpSp>
+      <p:sp>
+        <p:nvSpPr>
+          <p:cNvPr id="7" name="Slide Number Placeholder 6"/>
+          <p:cNvSpPr>
+            <a:spLocks noGrp="1"/>
+          </p:cNvSpPr>
+          <p:nvPr>
+            <p:ph type="sldNum" sz="quarter" idx="12"/>
+          </p:nvPr>
+        </p:nvSpPr>
+        <p:spPr/>
         <p:txBody>
           <a:bodyPr/>
-          <a:lstStyle>
-            <a:lvl1pPr>
-              <a:defRPr>
-                <a:solidFill>
-                  <a:schemeClr val="tx2"/>
-                </a:solidFill>
-              </a:defRPr>
-            </a:lvl1pPr>
-          </a:lstStyle>
-          <a:p>
-            <a:endParaRPr lang="ru-RU"/>
-          </a:p>
-        </p:txBody>
-      </p:sp>
-      <p:sp>
-        <p:nvSpPr>
-          <p:cNvPr id="7" name="Slide Number Placeholder 6"/>
-          <p:cNvSpPr>
-            <a:spLocks noGrp="1"/>
-          </p:cNvSpPr>
-          <p:nvPr>
-            <p:ph type="sldNum" sz="quarter" idx="12"/>
-          </p:nvPr>
-        </p:nvSpPr>
-        <p:spPr>
-          <a:xfrm>
-            <a:off x="9883140" y="6453386"/>
-            <a:ext cx="1596292" cy="404614"/>
-          </a:xfrm>
-        </p:spPr>
-        <p:txBody>
-          <a:bodyPr/>
-          <a:lstStyle>
-            <a:lvl1pPr>
-              <a:defRPr>
-                <a:solidFill>
-                  <a:schemeClr val="tx2"/>
-                </a:solidFill>
-              </a:defRPr>
-            </a:lvl1pPr>
-          </a:lstStyle>
+          <a:lstStyle/>
           <a:p>
             <a:fld id="{D1A40677-FD44-493F-9950-230061FFD32D}" type="slidenum">
               <a:rPr lang="ru-RU" smtClean="0"/>
@@ -3411,23 +3562,73 @@
           </a:p>
         </p:txBody>
       </p:sp>
-      <p:sp>
-        <p:nvSpPr>
-          <p:cNvPr id="9" name="Rectangle 8" title="Divider Bar"/>
+    </p:spTree>
+    <p:extLst>
+      <p:ext uri="{BB962C8B-B14F-4D97-AF65-F5344CB8AC3E}">
+        <p14:creationId xmlns:p14="http://schemas.microsoft.com/office/powerpoint/2010/main" val="2316248213"/>
+      </p:ext>
+    </p:extLst>
+  </p:cSld>
+  <p:clrMapOvr>
+    <a:masterClrMapping/>
+  </p:clrMapOvr>
+  <p:hf hdr="0" ftr="0" dt="0"/>
+</p:sldLayout>
+</file>
+
+<file path=ppt/slideLayouts/slideLayout9.xml><?xml version="1.0" encoding="utf-8"?>
+<p:sldLayout xmlns:a="http://schemas.openxmlformats.org/drawingml/2006/main" xmlns:r="http://schemas.openxmlformats.org/officeDocument/2006/relationships" xmlns:p="http://schemas.openxmlformats.org/presentationml/2006/main" showMasterSp="0" type="picTx" preserve="1">
+  <p:cSld name="Рисунок с подписью">
+    <p:spTree>
+      <p:nvGrpSpPr>
+        <p:cNvPr id="1" name=""/>
+        <p:cNvGrpSpPr/>
+        <p:nvPr/>
+      </p:nvGrpSpPr>
+      <p:grpSpPr>
+        <a:xfrm>
+          <a:off x="0" y="0"/>
+          <a:ext cx="0" cy="0"/>
+          <a:chOff x="0" y="0"/>
+          <a:chExt cx="0" cy="0"/>
+        </a:xfrm>
+      </p:grpSpPr>
+      <p:sp>
+        <p:nvSpPr>
+          <p:cNvPr id="11" name="Rectangle 10"/>
           <p:cNvSpPr/>
           <p:nvPr/>
         </p:nvSpPr>
         <p:spPr>
           <a:xfrm>
-            <a:off x="5303520" y="376"/>
-            <a:ext cx="228600" cy="6858000"/>
+            <a:off x="8303740" y="0"/>
+            <a:ext cx="3888259" cy="6857999"/>
           </a:xfrm>
           <a:prstGeom prst="rect">
             <a:avLst/>
           </a:prstGeom>
-          <a:solidFill>
-            <a:schemeClr val="tx2"/>
-          </a:solidFill>
+          <a:blipFill dpi="0" rotWithShape="1">
+            <a:blip r:embed="rId2">
+              <a:alphaModFix amt="60000"/>
+              <a:lum bright="70000" contrast="-70000"/>
+              <a:extLst>
+                <a:ext uri="{BEBA8EAE-BF5A-486C-A8C5-ECC9F3942E4B}">
+                  <a14:imgProps xmlns:a14="http://schemas.microsoft.com/office/drawing/2010/main">
+                    <a14:imgLayer r:embed="rId3">
+                      <a14:imgEffect>
+                        <a14:sharpenSoften amount="61000"/>
+                      </a14:imgEffect>
+                    </a14:imgLayer>
+                  </a14:imgProps>
+                </a:ext>
+                <a:ext uri="{28A0092B-C50C-407E-A947-70E740481C1C}">
+                  <a14:useLocalDpi xmlns:a14="http://schemas.microsoft.com/office/drawing/2010/main" val="0"/>
+                </a:ext>
+              </a:extLst>
+            </a:blip>
+            <a:srcRect/>
+            <a:tile tx="0" ty="-704850" sx="92000" sy="89000" flip="xy" algn="ctr"/>
+          </a:blipFill>
           <a:ln>
             <a:noFill/>
           </a:ln>
@@ -3449,106 +3650,35 @@
           </a:fontRef>
         </p:style>
       </p:sp>
-    </p:spTree>
-    <p:extLst>
-      <p:ext uri="{BB962C8B-B14F-4D97-AF65-F5344CB8AC3E}">
-        <p14:creationId xmlns:p14="http://schemas.microsoft.com/office/powerpoint/2010/main" val="937597274"/>
-      </p:ext>
-    </p:extLst>
-  </p:cSld>
-  <p:clrMapOvr>
-    <a:masterClrMapping/>
-  </p:clrMapOvr>
-</p:sldLayout>
-</file>
-
-<file path=ppt/slideLayouts/slideLayout9.xml><?xml version="1.0" encoding="utf-8"?>
-<p:sldLayout xmlns:a="http://schemas.openxmlformats.org/drawingml/2006/main" xmlns:r="http://schemas.openxmlformats.org/officeDocument/2006/relationships" xmlns:p="http://schemas.openxmlformats.org/presentationml/2006/main" showMasterSp="0" type="picTx" preserve="1">
-  <p:cSld name="Picture with Caption">
-    <p:spTree>
-      <p:nvGrpSpPr>
-        <p:cNvPr id="1" name=""/>
-        <p:cNvGrpSpPr/>
-        <p:nvPr/>
-      </p:nvGrpSpPr>
-      <p:grpSpPr>
-        <a:xfrm>
-          <a:off x="0" y="0"/>
-          <a:ext cx="0" cy="0"/>
-          <a:chOff x="0" y="0"/>
-          <a:chExt cx="0" cy="0"/>
-        </a:xfrm>
-      </p:grpSpPr>
-      <p:sp>
-        <p:nvSpPr>
-          <p:cNvPr id="8" name="Rectangle 7" title="Background Shape"/>
-          <p:cNvSpPr/>
-          <p:nvPr/>
+      <p:sp>
+        <p:nvSpPr>
+          <p:cNvPr id="2" name="Title 1"/>
+          <p:cNvSpPr>
+            <a:spLocks noGrp="1"/>
+          </p:cNvSpPr>
+          <p:nvPr>
+            <p:ph type="title"/>
+          </p:nvPr>
         </p:nvSpPr>
         <p:spPr>
           <a:xfrm>
-            <a:off x="0" y="376"/>
-            <a:ext cx="5303520" cy="6857624"/>
-          </a:xfrm>
-          <a:prstGeom prst="rect">
-            <a:avLst/>
-          </a:prstGeom>
-          <a:solidFill>
-            <a:schemeClr val="accent1"/>
-          </a:solidFill>
-          <a:ln>
-            <a:noFill/>
-          </a:ln>
-        </p:spPr>
-        <p:style>
-          <a:lnRef idx="2">
-            <a:schemeClr val="accent1">
-              <a:shade val="50000"/>
-            </a:schemeClr>
-          </a:lnRef>
-          <a:fillRef idx="1">
-            <a:schemeClr val="accent1"/>
-          </a:fillRef>
-          <a:effectRef idx="0">
-            <a:schemeClr val="accent1"/>
-          </a:effectRef>
-          <a:fontRef idx="minor">
-            <a:schemeClr val="lt1"/>
-          </a:fontRef>
-        </p:style>
-      </p:sp>
-      <p:sp>
-        <p:nvSpPr>
-          <p:cNvPr id="2" name="Title 1"/>
-          <p:cNvSpPr>
-            <a:spLocks noGrp="1"/>
-          </p:cNvSpPr>
-          <p:nvPr>
-            <p:ph type="title"/>
-          </p:nvPr>
-        </p:nvSpPr>
-        <p:spPr>
-          <a:xfrm>
-            <a:off x="723900" y="685800"/>
-            <a:ext cx="3855720" cy="2157884"/>
+            <a:off x="8549640" y="685800"/>
+            <a:ext cx="3200400" cy="1737360"/>
           </a:xfrm>
         </p:spPr>
         <p:txBody>
-          <a:bodyPr anchor="t">
+          <a:bodyPr anchor="b">
             <a:normAutofit/>
           </a:bodyPr>
           <a:lstStyle>
             <a:lvl1pPr>
-              <a:lnSpc>
-                <a:spcPct val="84000"/>
-              </a:lnSpc>
-              <a:defRPr sz="4800" baseline="0"/>
+              <a:defRPr sz="3200" b="1"/>
             </a:lvl1pPr>
           </a:lstStyle>
           <a:p>
             <a:r>
-              <a:rPr lang="en-US" smtClean="0"/>
-              <a:t>Click to edit Master title style</a:t>
+              <a:rPr lang="ru-RU" smtClean="0"/>
+              <a:t>Образец заголовка</a:t>
             </a:r>
             <a:endParaRPr lang="en-US" dirty="0"/>
           </a:p>
@@ -3566,26 +3696,30 @@
         </p:nvSpPr>
         <p:spPr>
           <a:xfrm>
-            <a:off x="5532120" y="0"/>
-            <a:ext cx="6659880" cy="6857999"/>
+            <a:off x="0" y="0"/>
+            <a:ext cx="8303740" cy="6858000"/>
           </a:xfrm>
+          <a:solidFill>
+            <a:schemeClr val="tx2">
+              <a:lumMod val="20000"/>
+              <a:lumOff val="80000"/>
+            </a:schemeClr>
+          </a:solidFill>
         </p:spPr>
         <p:txBody>
-          <a:bodyPr anchor="t">
-            <a:normAutofit/>
-          </a:bodyPr>
+          <a:bodyPr anchor="t"/>
           <a:lstStyle>
             <a:lvl1pPr marL="0" indent="0">
               <a:buNone/>
-              <a:defRPr sz="2000"/>
+              <a:defRPr sz="3200"/>
             </a:lvl1pPr>
             <a:lvl2pPr marL="457200" indent="0">
               <a:buNone/>
-              <a:defRPr sz="2000"/>
+              <a:defRPr sz="2800"/>
             </a:lvl2pPr>
             <a:lvl3pPr marL="914400" indent="0">
               <a:buNone/>
-              <a:defRPr sz="2000"/>
+              <a:defRPr sz="2400"/>
             </a:lvl3pPr>
             <a:lvl4pPr marL="1371600" indent="0">
               <a:buNone/>
@@ -3614,8 +3748,8 @@
           </a:lstStyle>
           <a:p>
             <a:r>
-              <a:rPr lang="en-US" smtClean="0"/>
-              <a:t>Click icon to add picture</a:t>
+              <a:rPr lang="ru-RU" smtClean="0"/>
+              <a:t>Вставка рисунка</a:t>
             </a:r>
             <a:endParaRPr lang="en-US" dirty="0"/>
           </a:p>
@@ -3633,64 +3767,69 @@
         </p:nvSpPr>
         <p:spPr>
           <a:xfrm>
-            <a:off x="723900" y="2855968"/>
-            <a:ext cx="3855720" cy="3011432"/>
+            <a:off x="8549640" y="2423160"/>
+            <a:ext cx="3200400" cy="3291840"/>
           </a:xfrm>
         </p:spPr>
         <p:txBody>
-          <a:bodyPr/>
+          <a:bodyPr>
+            <a:normAutofit/>
+          </a:bodyPr>
           <a:lstStyle>
             <a:lvl1pPr marL="0" indent="0">
               <a:lnSpc>
-                <a:spcPct val="113000"/>
+                <a:spcPct val="100000"/>
               </a:lnSpc>
               <a:spcBef>
-                <a:spcPts val="0"/>
+                <a:spcPts val="1000"/>
               </a:spcBef>
-              <a:spcAft>
-                <a:spcPts val="1500"/>
-              </a:spcAft>
               <a:buNone/>
-              <a:defRPr sz="1600"/>
+              <a:defRPr sz="1400">
+                <a:solidFill>
+                  <a:schemeClr val="accent1">
+                    <a:lumMod val="75000"/>
+                  </a:schemeClr>
+                </a:solidFill>
+              </a:defRPr>
             </a:lvl1pPr>
             <a:lvl2pPr marL="457200" indent="0">
               <a:buNone/>
-              <a:defRPr sz="1400"/>
+              <a:defRPr sz="1200"/>
             </a:lvl2pPr>
             <a:lvl3pPr marL="914400" indent="0">
               <a:buNone/>
-              <a:defRPr sz="1200"/>
+              <a:defRPr sz="1000"/>
             </a:lvl3pPr>
             <a:lvl4pPr marL="1371600" indent="0">
               <a:buNone/>
-              <a:defRPr sz="1000"/>
+              <a:defRPr sz="900"/>
             </a:lvl4pPr>
             <a:lvl5pPr marL="1828800" indent="0">
               <a:buNone/>
-              <a:defRPr sz="1000"/>
+              <a:defRPr sz="900"/>
             </a:lvl5pPr>
             <a:lvl6pPr marL="2286000" indent="0">
               <a:buNone/>
-              <a:defRPr sz="1000"/>
+              <a:defRPr sz="900"/>
             </a:lvl6pPr>
             <a:lvl7pPr marL="2743200" indent="0">
               <a:buNone/>
-              <a:defRPr sz="1000"/>
+              <a:defRPr sz="900"/>
             </a:lvl7pPr>
             <a:lvl8pPr marL="3200400" indent="0">
               <a:buNone/>
-              <a:defRPr sz="1000"/>
+              <a:defRPr sz="900"/>
             </a:lvl8pPr>
             <a:lvl9pPr marL="3657600" indent="0">
               <a:buNone/>
-              <a:defRPr sz="1000"/>
+              <a:defRPr sz="900"/>
             </a:lvl9pPr>
           </a:lstStyle>
           <a:p>
             <a:pPr lvl="0"/>
             <a:r>
-              <a:rPr lang="en-US" smtClean="0"/>
-              <a:t>Click to edit Master text styles</a:t>
+              <a:rPr lang="ru-RU" smtClean="0"/>
+              <a:t>Образец текста</a:t>
             </a:r>
           </a:p>
         </p:txBody>
@@ -3705,25 +3844,12 @@
             <p:ph type="dt" sz="half" idx="10"/>
           </p:nvPr>
         </p:nvSpPr>
-        <p:spPr>
-          <a:xfrm>
-            <a:off x="723900" y="6453386"/>
-            <a:ext cx="1204572" cy="404614"/>
-          </a:xfrm>
-        </p:spPr>
+        <p:spPr/>
         <p:txBody>
           <a:bodyPr/>
-          <a:lstStyle>
-            <a:lvl1pPr>
-              <a:defRPr>
-                <a:solidFill>
-                  <a:schemeClr val="tx2"/>
-                </a:solidFill>
-              </a:defRPr>
-            </a:lvl1pPr>
-          </a:lstStyle>
-          <a:p>
-            <a:fld id="{0D6B5E35-01DC-48EA-8DDE-5B43C9074E02}" type="datetime1">
+          <a:lstStyle/>
+          <a:p>
+            <a:fld id="{D30C6BFB-7CA1-4523-987B-212D6E1DD8E8}" type="datetime1">
               <a:rPr lang="ru-RU" smtClean="0"/>
               <a:t>17.06.2019</a:t>
             </a:fld>
@@ -3731,65 +3857,109 @@
           </a:p>
         </p:txBody>
       </p:sp>
-      <p:sp>
-        <p:nvSpPr>
-          <p:cNvPr id="6" name="Footer Placeholder 5"/>
-          <p:cNvSpPr>
-            <a:spLocks noGrp="1"/>
-          </p:cNvSpPr>
-          <p:nvPr>
-            <p:ph type="ftr" sz="quarter" idx="11"/>
-          </p:nvPr>
-        </p:nvSpPr>
-        <p:spPr>
+      <p:grpSp>
+        <p:nvGrpSpPr>
+          <p:cNvPr id="8" name="Group 7"/>
+          <p:cNvGrpSpPr>
+            <a:grpSpLocks noChangeAspect="1"/>
+          </p:cNvGrpSpPr>
+          <p:nvPr/>
+        </p:nvGrpSpPr>
+        <p:grpSpPr>
           <a:xfrm>
-            <a:off x="2205945" y="6453386"/>
-            <a:ext cx="2373675" cy="404614"/>
+            <a:off x="11401725" y="6229681"/>
+            <a:ext cx="457200" cy="457200"/>
+            <a:chOff x="11361456" y="6195813"/>
+            <a:chExt cx="548640" cy="548640"/>
           </a:xfrm>
-        </p:spPr>
+        </p:grpSpPr>
+        <p:sp>
+          <p:nvSpPr>
+            <p:cNvPr id="9" name="Oval 8"/>
+            <p:cNvSpPr/>
+            <p:nvPr/>
+          </p:nvSpPr>
+          <p:spPr>
+            <a:xfrm>
+              <a:off x="11361456" y="6195813"/>
+              <a:ext cx="548640" cy="548640"/>
+            </a:xfrm>
+            <a:prstGeom prst="ellipse">
+              <a:avLst/>
+            </a:prstGeom>
+            <a:blipFill dpi="0" rotWithShape="1">
+              <a:blip r:embed="rId4">
+                <a:duotone>
+                  <a:schemeClr val="accent1">
+                    <a:shade val="45000"/>
+                    <a:satMod val="135000"/>
+                  </a:schemeClr>
+                  <a:prstClr val="white"/>
+                </a:duotone>
+                <a:extLst>
+                  <a:ext uri="{BEBA8EAE-BF5A-486C-A8C5-ECC9F3942E4B}">
+                    <a14:imgProps xmlns:a14="http://schemas.microsoft.com/office/drawing/2010/main">
+                      <a14:imgLayer r:embed="rId5">
+                        <a14:imgEffect>
+                          <a14:saturation sat="95000"/>
+                        </a14:imgEffect>
+                        <a14:imgEffect>
+                          <a14:brightnessContrast bright="-40000" contrast="20000"/>
+                        </a14:imgEffect>
+                      </a14:imgLayer>
+                    </a14:imgProps>
+                  </a:ext>
+                </a:extLst>
+              </a:blip>
+              <a:srcRect/>
+              <a:tile tx="50800" ty="0" sx="85000" sy="85000" flip="none" algn="tl"/>
+            </a:blipFill>
+            <a:ln w="25400" cap="flat" cmpd="sng" algn="ctr">
+              <a:noFill/>
+              <a:prstDash val="solid"/>
+            </a:ln>
+            <a:effectLst/>
+          </p:spPr>
+        </p:sp>
+        <p:sp>
+          <p:nvSpPr>
+            <p:cNvPr id="10" name="Oval 9"/>
+            <p:cNvSpPr/>
+            <p:nvPr/>
+          </p:nvSpPr>
+          <p:spPr>
+            <a:xfrm>
+              <a:off x="11396488" y="6230844"/>
+              <a:ext cx="478576" cy="478578"/>
+            </a:xfrm>
+            <a:prstGeom prst="ellipse">
+              <a:avLst/>
+            </a:prstGeom>
+            <a:noFill/>
+            <a:ln w="12700" cap="flat" cmpd="sng" algn="ctr">
+              <a:solidFill>
+                <a:sysClr val="window" lastClr="FFFFFF"/>
+              </a:solidFill>
+              <a:prstDash val="solid"/>
+            </a:ln>
+            <a:effectLst/>
+          </p:spPr>
+        </p:sp>
+      </p:grpSp>
+      <p:sp>
+        <p:nvSpPr>
+          <p:cNvPr id="7" name="Slide Number Placeholder 6"/>
+          <p:cNvSpPr>
+            <a:spLocks noGrp="1"/>
+          </p:cNvSpPr>
+          <p:nvPr>
+            <p:ph type="sldNum" sz="quarter" idx="12"/>
+          </p:nvPr>
+        </p:nvSpPr>
+        <p:spPr/>
         <p:txBody>
           <a:bodyPr/>
-          <a:lstStyle>
-            <a:lvl1pPr>
-              <a:defRPr>
-                <a:solidFill>
-                  <a:schemeClr val="tx2"/>
-                </a:solidFill>
-              </a:defRPr>
-            </a:lvl1pPr>
-          </a:lstStyle>
-          <a:p>
-            <a:endParaRPr lang="ru-RU"/>
-          </a:p>
-        </p:txBody>
-      </p:sp>
-      <p:sp>
-        <p:nvSpPr>
-          <p:cNvPr id="7" name="Slide Number Placeholder 6"/>
-          <p:cNvSpPr>
-            <a:spLocks noGrp="1"/>
-          </p:cNvSpPr>
-          <p:nvPr>
-            <p:ph type="sldNum" sz="quarter" idx="12"/>
-          </p:nvPr>
-        </p:nvSpPr>
-        <p:spPr>
-          <a:xfrm>
-            <a:off x="9883140" y="6453386"/>
-            <a:ext cx="1596292" cy="404614"/>
-          </a:xfrm>
-        </p:spPr>
-        <p:txBody>
-          <a:bodyPr/>
-          <a:lstStyle>
-            <a:lvl1pPr>
-              <a:defRPr>
-                <a:solidFill>
-                  <a:schemeClr val="tx2"/>
-                </a:solidFill>
-              </a:defRPr>
-            </a:lvl1pPr>
-          </a:lstStyle>
+          <a:lstStyle/>
           <a:p>
             <a:fld id="{D1A40677-FD44-493F-9950-230061FFD32D}" type="slidenum">
               <a:rPr lang="ru-RU" smtClean="0"/>
@@ -3799,54 +3969,17 @@
           </a:p>
         </p:txBody>
       </p:sp>
-      <p:sp>
-        <p:nvSpPr>
-          <p:cNvPr id="9" name="Rectangle 8" title="Divider Bar"/>
-          <p:cNvSpPr/>
-          <p:nvPr/>
-        </p:nvSpPr>
-        <p:spPr>
-          <a:xfrm>
-            <a:off x="5303520" y="376"/>
-            <a:ext cx="228600" cy="6858000"/>
-          </a:xfrm>
-          <a:prstGeom prst="rect">
-            <a:avLst/>
-          </a:prstGeom>
-          <a:solidFill>
-            <a:schemeClr val="tx2"/>
-          </a:solidFill>
-          <a:ln>
-            <a:noFill/>
-          </a:ln>
-        </p:spPr>
-        <p:style>
-          <a:lnRef idx="2">
-            <a:schemeClr val="accent1">
-              <a:shade val="50000"/>
-            </a:schemeClr>
-          </a:lnRef>
-          <a:fillRef idx="1">
-            <a:schemeClr val="accent1"/>
-          </a:fillRef>
-          <a:effectRef idx="0">
-            <a:schemeClr val="accent1"/>
-          </a:effectRef>
-          <a:fontRef idx="minor">
-            <a:schemeClr val="lt1"/>
-          </a:fontRef>
-        </p:style>
-      </p:sp>
     </p:spTree>
     <p:extLst>
       <p:ext uri="{BB962C8B-B14F-4D97-AF65-F5344CB8AC3E}">
-        <p14:creationId xmlns:p14="http://schemas.microsoft.com/office/powerpoint/2010/main" val="2311372772"/>
+        <p14:creationId xmlns:p14="http://schemas.microsoft.com/office/powerpoint/2010/main" val="3847799751"/>
       </p:ext>
     </p:extLst>
   </p:cSld>
   <p:clrMapOvr>
     <a:masterClrMapping/>
   </p:clrMapOvr>
+  <p:hf hdr="0" ftr="0" dt="0"/>
 </p:sldLayout>
 </file>
 
@@ -3854,12 +3987,9 @@
 <p:sldMaster xmlns:a="http://schemas.openxmlformats.org/drawingml/2006/main" xmlns:r="http://schemas.openxmlformats.org/officeDocument/2006/relationships" xmlns:p="http://schemas.openxmlformats.org/presentationml/2006/main">
   <p:cSld>
     <p:bg>
-      <p:bgPr>
-        <a:solidFill>
-          <a:schemeClr val="bg2"/>
-        </a:solidFill>
-        <a:effectLst/>
-      </p:bgPr>
+      <p:bgRef idx="1001">
+        <a:schemeClr val="bg1"/>
+      </p:bgRef>
     </p:bg>
     <p:spTree>
       <p:nvGrpSpPr>
@@ -3887,22 +4017,22 @@
         </p:nvSpPr>
         <p:spPr>
           <a:xfrm>
-            <a:off x="1371600" y="685800"/>
-            <a:ext cx="9601200" cy="1485900"/>
+            <a:off x="1069848" y="484632"/>
+            <a:ext cx="10058400" cy="1609344"/>
           </a:xfrm>
           <a:prstGeom prst="rect">
             <a:avLst/>
           </a:prstGeom>
         </p:spPr>
         <p:txBody>
-          <a:bodyPr vert="horz" lIns="91440" tIns="45720" rIns="91440" bIns="45720" rtlCol="0" anchor="t">
+          <a:bodyPr vert="horz" lIns="91440" tIns="45720" rIns="91440" bIns="45720" rtlCol="0" anchor="ctr">
             <a:normAutofit/>
           </a:bodyPr>
           <a:lstStyle/>
           <a:p>
             <a:r>
-              <a:rPr lang="en-US" smtClean="0"/>
-              <a:t>Click to edit Master title style</a:t>
+              <a:rPr lang="ru-RU" smtClean="0"/>
+              <a:t>Образец заголовка</a:t>
             </a:r>
             <a:endParaRPr lang="en-US" dirty="0"/>
           </a:p>
@@ -3920,8 +4050,8 @@
         </p:nvSpPr>
         <p:spPr>
           <a:xfrm>
-            <a:off x="1371600" y="2286000"/>
-            <a:ext cx="9601200" cy="3581400"/>
+            <a:off x="1069848" y="2121408"/>
+            <a:ext cx="10058400" cy="4050792"/>
           </a:xfrm>
           <a:prstGeom prst="rect">
             <a:avLst/>
@@ -3935,36 +4065,36 @@
           <a:p>
             <a:pPr lvl="0"/>
             <a:r>
-              <a:rPr lang="en-US" smtClean="0"/>
-              <a:t>Click to edit Master text styles</a:t>
+              <a:rPr lang="ru-RU" smtClean="0"/>
+              <a:t>Образец текста</a:t>
             </a:r>
           </a:p>
           <a:p>
             <a:pPr lvl="1"/>
             <a:r>
-              <a:rPr lang="en-US" smtClean="0"/>
-              <a:t>Second level</a:t>
+              <a:rPr lang="ru-RU" smtClean="0"/>
+              <a:t>Второй уровень</a:t>
             </a:r>
           </a:p>
           <a:p>
             <a:pPr lvl="2"/>
             <a:r>
-              <a:rPr lang="en-US" smtClean="0"/>
-              <a:t>Third level</a:t>
+              <a:rPr lang="ru-RU" smtClean="0"/>
+              <a:t>Третий уровень</a:t>
             </a:r>
           </a:p>
           <a:p>
             <a:pPr lvl="3"/>
             <a:r>
-              <a:rPr lang="en-US" smtClean="0"/>
-              <a:t>Fourth level</a:t>
+              <a:rPr lang="ru-RU" smtClean="0"/>
+              <a:t>Четвертый уровень</a:t>
             </a:r>
           </a:p>
           <a:p>
             <a:pPr lvl="4"/>
             <a:r>
-              <a:rPr lang="en-US" smtClean="0"/>
-              <a:t>Fifth level</a:t>
+              <a:rPr lang="ru-RU" smtClean="0"/>
+              <a:t>Пятый уровень</a:t>
             </a:r>
             <a:endParaRPr lang="en-US" dirty="0"/>
           </a:p>
@@ -3982,8 +4112,8 @@
         </p:nvSpPr>
         <p:spPr>
           <a:xfrm>
-            <a:off x="1390650" y="6453386"/>
-            <a:ext cx="1204572" cy="404614"/>
+            <a:off x="7964424" y="6272784"/>
+            <a:ext cx="3273552" cy="365125"/>
           </a:xfrm>
           <a:prstGeom prst="rect">
             <a:avLst/>
@@ -3992,8 +4122,8 @@
         <p:txBody>
           <a:bodyPr vert="horz" lIns="91440" tIns="45720" rIns="91440" bIns="45720" rtlCol="0" anchor="ctr"/>
           <a:lstStyle>
-            <a:lvl1pPr algn="l">
-              <a:defRPr sz="1200" baseline="0">
+            <a:lvl1pPr algn="r">
+              <a:defRPr sz="1100">
                 <a:solidFill>
                   <a:schemeClr val="tx2"/>
                 </a:solidFill>
@@ -4021,8 +4151,8 @@
         </p:nvSpPr>
         <p:spPr>
           <a:xfrm>
-            <a:off x="2893564" y="6453386"/>
-            <a:ext cx="6280830" cy="404614"/>
+            <a:off x="1088136" y="6272784"/>
+            <a:ext cx="6327648" cy="365125"/>
           </a:xfrm>
           <a:prstGeom prst="rect">
             <a:avLst/>
@@ -4032,7 +4162,7 @@
           <a:bodyPr vert="horz" lIns="91440" tIns="45720" rIns="91440" bIns="45720" rtlCol="0" anchor="ctr"/>
           <a:lstStyle>
             <a:lvl1pPr algn="l">
-              <a:defRPr sz="1200" baseline="0">
+              <a:defRPr sz="1100">
                 <a:solidFill>
                   <a:schemeClr val="tx2"/>
                 </a:solidFill>
@@ -4044,6 +4174,95 @@
           </a:p>
         </p:txBody>
       </p:sp>
+      <p:grpSp>
+        <p:nvGrpSpPr>
+          <p:cNvPr id="7" name="Group 6"/>
+          <p:cNvGrpSpPr>
+            <a:grpSpLocks noChangeAspect="1"/>
+          </p:cNvGrpSpPr>
+          <p:nvPr/>
+        </p:nvGrpSpPr>
+        <p:grpSpPr>
+          <a:xfrm>
+            <a:off x="11401725" y="6229681"/>
+            <a:ext cx="457200" cy="457200"/>
+            <a:chOff x="11361456" y="6195813"/>
+            <a:chExt cx="548640" cy="548640"/>
+          </a:xfrm>
+        </p:grpSpPr>
+        <p:sp>
+          <p:nvSpPr>
+            <p:cNvPr id="8" name="Oval 7"/>
+            <p:cNvSpPr/>
+            <p:nvPr/>
+          </p:nvSpPr>
+          <p:spPr>
+            <a:xfrm>
+              <a:off x="11361456" y="6195813"/>
+              <a:ext cx="548640" cy="548640"/>
+            </a:xfrm>
+            <a:prstGeom prst="ellipse">
+              <a:avLst/>
+            </a:prstGeom>
+            <a:blipFill dpi="0" rotWithShape="1">
+              <a:blip r:embed="rId13">
+                <a:duotone>
+                  <a:schemeClr val="accent1">
+                    <a:shade val="45000"/>
+                    <a:satMod val="135000"/>
+                  </a:schemeClr>
+                  <a:prstClr val="white"/>
+                </a:duotone>
+                <a:extLst>
+                  <a:ext uri="{BEBA8EAE-BF5A-486C-A8C5-ECC9F3942E4B}">
+                    <a14:imgProps xmlns:a14="http://schemas.microsoft.com/office/drawing/2010/main">
+                      <a14:imgLayer r:embed="rId14">
+                        <a14:imgEffect>
+                          <a14:saturation sat="95000"/>
+                        </a14:imgEffect>
+                        <a14:imgEffect>
+                          <a14:brightnessContrast bright="-40000" contrast="20000"/>
+                        </a14:imgEffect>
+                      </a14:imgLayer>
+                    </a14:imgProps>
+                  </a:ext>
+                </a:extLst>
+              </a:blip>
+              <a:srcRect/>
+              <a:tile tx="50800" ty="0" sx="85000" sy="85000" flip="none" algn="tl"/>
+            </a:blipFill>
+            <a:ln w="25400" cap="flat" cmpd="sng" algn="ctr">
+              <a:noFill/>
+              <a:prstDash val="solid"/>
+            </a:ln>
+            <a:effectLst/>
+          </p:spPr>
+        </p:sp>
+        <p:sp>
+          <p:nvSpPr>
+            <p:cNvPr id="9" name="Oval 8"/>
+            <p:cNvSpPr/>
+            <p:nvPr/>
+          </p:nvSpPr>
+          <p:spPr>
+            <a:xfrm>
+              <a:off x="11396488" y="6230844"/>
+              <a:ext cx="478576" cy="478578"/>
+            </a:xfrm>
+            <a:prstGeom prst="ellipse">
+              <a:avLst/>
+            </a:prstGeom>
+            <a:noFill/>
+            <a:ln w="12700" cap="flat" cmpd="sng" algn="ctr">
+              <a:solidFill>
+                <a:srgbClr val="FFFFFF"/>
+              </a:solidFill>
+              <a:prstDash val="solid"/>
+            </a:ln>
+            <a:effectLst/>
+          </p:spPr>
+        </p:sp>
+      </p:grpSp>
       <p:sp>
         <p:nvSpPr>
           <p:cNvPr id="6" name="Slide Number Placeholder 5"/>
@@ -4056,8 +4275,8 @@
         </p:nvSpPr>
         <p:spPr>
           <a:xfrm>
-            <a:off x="9472736" y="6453386"/>
-            <a:ext cx="1596292" cy="404614"/>
+            <a:off x="11311128" y="6272784"/>
+            <a:ext cx="640080" cy="365125"/>
           </a:xfrm>
           <a:prstGeom prst="rect">
             <a:avLst/>
@@ -4066,11 +4285,12 @@
         <p:txBody>
           <a:bodyPr vert="horz" lIns="91440" tIns="45720" rIns="91440" bIns="45720" rtlCol="0" anchor="ctr"/>
           <a:lstStyle>
-            <a:lvl1pPr algn="r">
-              <a:defRPr sz="1200" baseline="0">
+            <a:lvl1pPr algn="ctr">
+              <a:defRPr sz="1400" b="1">
                 <a:solidFill>
-                  <a:schemeClr val="tx2"/>
+                  <a:srgbClr val="FFFFFF"/>
                 </a:solidFill>
+                <a:latin typeface="+mj-lt"/>
               </a:defRPr>
             </a:lvl1pPr>
           </a:lstStyle>
@@ -4083,80 +4303,49 @@
           </a:p>
         </p:txBody>
       </p:sp>
-      <p:sp>
-        <p:nvSpPr>
-          <p:cNvPr id="9" name="Rectangle 8" title="Side bar"/>
-          <p:cNvSpPr/>
-          <p:nvPr/>
-        </p:nvSpPr>
-        <p:spPr>
-          <a:xfrm>
-            <a:off x="478095" y="376"/>
-            <a:ext cx="228600" cy="6858000"/>
-          </a:xfrm>
-          <a:prstGeom prst="rect">
-            <a:avLst/>
-          </a:prstGeom>
-          <a:solidFill>
-            <a:schemeClr val="tx2"/>
-          </a:solidFill>
-          <a:ln>
-            <a:noFill/>
-          </a:ln>
-        </p:spPr>
-        <p:style>
-          <a:lnRef idx="2">
-            <a:schemeClr val="accent1">
-              <a:shade val="50000"/>
-            </a:schemeClr>
-          </a:lnRef>
-          <a:fillRef idx="1">
-            <a:schemeClr val="accent1"/>
-          </a:fillRef>
-          <a:effectRef idx="0">
-            <a:schemeClr val="accent1"/>
-          </a:effectRef>
-          <a:fontRef idx="minor">
-            <a:schemeClr val="lt1"/>
-          </a:fontRef>
-        </p:style>
-      </p:sp>
     </p:spTree>
     <p:extLst>
       <p:ext uri="{BB962C8B-B14F-4D97-AF65-F5344CB8AC3E}">
-        <p14:creationId xmlns:p14="http://schemas.microsoft.com/office/powerpoint/2010/main" val="3519463612"/>
+        <p14:creationId xmlns:p14="http://schemas.microsoft.com/office/powerpoint/2010/main" val="3679893877"/>
       </p:ext>
     </p:extLst>
   </p:cSld>
   <p:clrMap bg1="lt1" tx1="dk1" bg2="lt2" tx2="dk2" accent1="accent1" accent2="accent2" accent3="accent3" accent4="accent4" accent5="accent5" accent6="accent6" hlink="hlink" folHlink="folHlink"/>
   <p:sldLayoutIdLst>
-    <p:sldLayoutId id="2147483696" r:id="rId1"/>
-    <p:sldLayoutId id="2147483697" r:id="rId2"/>
-    <p:sldLayoutId id="2147483698" r:id="rId3"/>
-    <p:sldLayoutId id="2147483699" r:id="rId4"/>
-    <p:sldLayoutId id="2147483700" r:id="rId5"/>
-    <p:sldLayoutId id="2147483701" r:id="rId6"/>
-    <p:sldLayoutId id="2147483702" r:id="rId7"/>
-    <p:sldLayoutId id="2147483703" r:id="rId8"/>
-    <p:sldLayoutId id="2147483704" r:id="rId9"/>
-    <p:sldLayoutId id="2147483705" r:id="rId10"/>
-    <p:sldLayoutId id="2147483706" r:id="rId11"/>
+    <p:sldLayoutId id="2147483732" r:id="rId1"/>
+    <p:sldLayoutId id="2147483733" r:id="rId2"/>
+    <p:sldLayoutId id="2147483734" r:id="rId3"/>
+    <p:sldLayoutId id="2147483735" r:id="rId4"/>
+    <p:sldLayoutId id="2147483736" r:id="rId5"/>
+    <p:sldLayoutId id="2147483737" r:id="rId6"/>
+    <p:sldLayoutId id="2147483738" r:id="rId7"/>
+    <p:sldLayoutId id="2147483739" r:id="rId8"/>
+    <p:sldLayoutId id="2147483740" r:id="rId9"/>
+    <p:sldLayoutId id="2147483741" r:id="rId10"/>
+    <p:sldLayoutId id="2147483742" r:id="rId11"/>
   </p:sldLayoutIdLst>
   <p:hf hdr="0" ftr="0" dt="0"/>
   <p:txStyles>
     <p:titleStyle>
       <a:lvl1pPr algn="l" defTabSz="914400" rtl="0" eaLnBrk="1" latinLnBrk="0" hangingPunct="1">
         <a:lnSpc>
-          <a:spcPct val="89000"/>
+          <a:spcPct val="90000"/>
         </a:lnSpc>
         <a:spcBef>
           <a:spcPct val="0"/>
         </a:spcBef>
         <a:buNone/>
-        <a:defRPr sz="4400" kern="1200" baseline="0">
-          <a:solidFill>
-            <a:schemeClr val="tx2"/>
-          </a:solidFill>
+        <a:defRPr sz="5400" kern="1200" cap="all" baseline="0">
+          <a:blipFill>
+            <a:blip r:embed="rId15">
+              <a:extLst>
+                <a:ext uri="{28A0092B-C50C-407E-A947-70E740481C1C}">
+                  <a14:useLocalDpi xmlns:a14="http://schemas.microsoft.com/office/drawing/2010/main" val="0"/>
+                </a:ext>
+              </a:extLst>
+            </a:blip>
+            <a:tile tx="6350" ty="-127000" sx="65000" sy="64000" flip="none" algn="tl"/>
+          </a:blipFill>
           <a:latin typeface="+mj-lt"/>
           <a:ea typeface="+mj-ea"/>
           <a:cs typeface="+mj-cs"/>
@@ -4164,189 +4353,240 @@
       </a:lvl1pPr>
     </p:titleStyle>
     <p:bodyStyle>
-      <a:lvl1pPr marL="384048" indent="-384048" algn="l" defTabSz="914400" rtl="0" eaLnBrk="1" latinLnBrk="0" hangingPunct="1">
+      <a:lvl1pPr marL="182880" indent="-182880" algn="l" defTabSz="914400" rtl="0" eaLnBrk="1" latinLnBrk="0" hangingPunct="1">
         <a:lnSpc>
-          <a:spcPct val="94000"/>
+          <a:spcPct val="90000"/>
         </a:lnSpc>
         <a:spcBef>
-          <a:spcPts val="1000"/>
+          <a:spcPts val="1200"/>
         </a:spcBef>
-        <a:spcAft>
-          <a:spcPts val="200"/>
-        </a:spcAft>
-        <a:buFont typeface="Franklin Gothic Book" panose="020B0503020102020204" pitchFamily="34" charset="0"/>
-        <a:buChar char="■"/>
-        <a:defRPr sz="2000" kern="1200" baseline="0">
+        <a:buClr>
+          <a:schemeClr val="accent1">
+            <a:lumMod val="75000"/>
+          </a:schemeClr>
+        </a:buClr>
+        <a:buSzPct val="85000"/>
+        <a:buFont typeface="Wingdings" pitchFamily="2" charset="2"/>
+        <a:buChar char="§"/>
+        <a:defRPr sz="2000" kern="1200">
           <a:solidFill>
-            <a:schemeClr val="tx2"/>
+            <a:schemeClr val="tx1"/>
           </a:solidFill>
           <a:latin typeface="+mn-lt"/>
           <a:ea typeface="+mn-ea"/>
           <a:cs typeface="+mn-cs"/>
         </a:defRPr>
       </a:lvl1pPr>
-      <a:lvl2pPr marL="914400" indent="-384048" algn="l" defTabSz="914400" rtl="0" eaLnBrk="1" latinLnBrk="0" hangingPunct="1">
+      <a:lvl2pPr marL="457200" indent="-182880" algn="l" defTabSz="914400" rtl="0" eaLnBrk="1" latinLnBrk="0" hangingPunct="1">
         <a:lnSpc>
-          <a:spcPct val="94000"/>
+          <a:spcPct val="90000"/>
         </a:lnSpc>
         <a:spcBef>
-          <a:spcPts val="500"/>
+          <a:spcPts val="400"/>
         </a:spcBef>
         <a:spcAft>
           <a:spcPts val="200"/>
         </a:spcAft>
-        <a:buFont typeface="Franklin Gothic Book" panose="020B0503020102020204" pitchFamily="34" charset="0"/>
-        <a:buChar char="–"/>
-        <a:defRPr sz="2000" i="1" kern="1200" baseline="0">
+        <a:buClr>
+          <a:schemeClr val="accent1">
+            <a:lumMod val="75000"/>
+          </a:schemeClr>
+        </a:buClr>
+        <a:buSzPct val="85000"/>
+        <a:buFont typeface="Wingdings" pitchFamily="2" charset="2"/>
+        <a:buChar char="§"/>
+        <a:defRPr sz="1800" kern="1200">
           <a:solidFill>
-            <a:schemeClr val="tx2"/>
+            <a:schemeClr val="tx1"/>
           </a:solidFill>
           <a:latin typeface="+mn-lt"/>
           <a:ea typeface="+mn-ea"/>
           <a:cs typeface="+mn-cs"/>
         </a:defRPr>
       </a:lvl2pPr>
-      <a:lvl3pPr marL="1371600" indent="-384048" algn="l" defTabSz="914400" rtl="0" eaLnBrk="1" latinLnBrk="0" hangingPunct="1">
+      <a:lvl3pPr marL="731520" indent="-182880" algn="l" defTabSz="914400" rtl="0" eaLnBrk="1" latinLnBrk="0" hangingPunct="1">
         <a:lnSpc>
-          <a:spcPct val="94000"/>
+          <a:spcPct val="90000"/>
         </a:lnSpc>
         <a:spcBef>
-          <a:spcPts val="500"/>
+          <a:spcPts val="400"/>
         </a:spcBef>
         <a:spcAft>
           <a:spcPts val="200"/>
         </a:spcAft>
-        <a:buFont typeface="Franklin Gothic Book" panose="020B0503020102020204" pitchFamily="34" charset="0"/>
-        <a:buChar char="■"/>
-        <a:defRPr sz="1800" kern="1200" baseline="0">
+        <a:buClr>
+          <a:schemeClr val="accent1">
+            <a:lumMod val="75000"/>
+          </a:schemeClr>
+        </a:buClr>
+        <a:buSzPct val="85000"/>
+        <a:buFont typeface="Wingdings" pitchFamily="2" charset="2"/>
+        <a:buChar char="§"/>
+        <a:defRPr sz="1600" kern="1200">
           <a:solidFill>
-            <a:schemeClr val="tx2"/>
+            <a:schemeClr val="tx1"/>
           </a:solidFill>
           <a:latin typeface="+mn-lt"/>
           <a:ea typeface="+mn-ea"/>
           <a:cs typeface="+mn-cs"/>
         </a:defRPr>
       </a:lvl3pPr>
-      <a:lvl4pPr marL="1828800" indent="-384048" algn="l" defTabSz="914400" rtl="0" eaLnBrk="1" latinLnBrk="0" hangingPunct="1">
+      <a:lvl4pPr marL="1005840" indent="-182880" algn="l" defTabSz="914400" rtl="0" eaLnBrk="1" latinLnBrk="0" hangingPunct="1">
         <a:lnSpc>
-          <a:spcPct val="94000"/>
+          <a:spcPct val="90000"/>
         </a:lnSpc>
         <a:spcBef>
-          <a:spcPts val="500"/>
+          <a:spcPts val="400"/>
         </a:spcBef>
         <a:spcAft>
           <a:spcPts val="200"/>
         </a:spcAft>
-        <a:buFont typeface="Franklin Gothic Book" panose="020B0503020102020204" pitchFamily="34" charset="0"/>
-        <a:buChar char="–"/>
-        <a:defRPr sz="1800" i="1" kern="1200" baseline="0">
+        <a:buClr>
+          <a:schemeClr val="accent1">
+            <a:lumMod val="75000"/>
+          </a:schemeClr>
+        </a:buClr>
+        <a:buSzPct val="85000"/>
+        <a:buFont typeface="Wingdings" pitchFamily="2" charset="2"/>
+        <a:buChar char="§"/>
+        <a:defRPr sz="1600" kern="1200">
           <a:solidFill>
-            <a:schemeClr val="tx2"/>
+            <a:schemeClr val="tx1"/>
           </a:solidFill>
           <a:latin typeface="+mn-lt"/>
           <a:ea typeface="+mn-ea"/>
           <a:cs typeface="+mn-cs"/>
         </a:defRPr>
       </a:lvl4pPr>
-      <a:lvl5pPr marL="2286000" indent="-384048" algn="l" defTabSz="914400" rtl="0" eaLnBrk="1" latinLnBrk="0" hangingPunct="1">
+      <a:lvl5pPr marL="1280160" indent="-182880" algn="l" defTabSz="914400" rtl="0" eaLnBrk="1" latinLnBrk="0" hangingPunct="1">
         <a:lnSpc>
-          <a:spcPct val="94000"/>
+          <a:spcPct val="90000"/>
         </a:lnSpc>
         <a:spcBef>
-          <a:spcPts val="500"/>
+          <a:spcPts val="400"/>
         </a:spcBef>
         <a:spcAft>
           <a:spcPts val="200"/>
         </a:spcAft>
-        <a:buFont typeface="Franklin Gothic Book" panose="020B0503020102020204" pitchFamily="34" charset="0"/>
-        <a:buChar char="■"/>
-        <a:defRPr sz="1600" kern="1200" baseline="0">
+        <a:buClr>
+          <a:schemeClr val="accent1">
+            <a:lumMod val="75000"/>
+          </a:schemeClr>
+        </a:buClr>
+        <a:buSzPct val="85000"/>
+        <a:buFont typeface="Wingdings" pitchFamily="2" charset="2"/>
+        <a:buChar char="§"/>
+        <a:defRPr sz="1600" kern="1200">
           <a:solidFill>
-            <a:schemeClr val="tx2"/>
+            <a:schemeClr val="tx1"/>
           </a:solidFill>
           <a:latin typeface="+mn-lt"/>
           <a:ea typeface="+mn-ea"/>
           <a:cs typeface="+mn-cs"/>
         </a:defRPr>
       </a:lvl5pPr>
-      <a:lvl6pPr marL="2743200" indent="-384048" algn="l" defTabSz="914400" rtl="0" eaLnBrk="1" latinLnBrk="0" hangingPunct="1">
+      <a:lvl6pPr marL="1600000" indent="-228600" algn="l" defTabSz="914400" rtl="0" eaLnBrk="1" latinLnBrk="0" hangingPunct="1">
         <a:lnSpc>
-          <a:spcPct val="94000"/>
+          <a:spcPct val="90000"/>
         </a:lnSpc>
         <a:spcBef>
-          <a:spcPts val="500"/>
+          <a:spcPts val="400"/>
         </a:spcBef>
         <a:spcAft>
           <a:spcPts val="200"/>
         </a:spcAft>
-        <a:buFont typeface="Franklin Gothic Book" panose="020B0503020102020204" pitchFamily="34" charset="0"/>
-        <a:buChar char="–"/>
-        <a:defRPr sz="1600" i="1" kern="1200" baseline="0">
+        <a:buClr>
+          <a:schemeClr val="accent1">
+            <a:lumMod val="75000"/>
+          </a:schemeClr>
+        </a:buClr>
+        <a:buSzPct val="85000"/>
+        <a:buFont typeface="Wingdings" pitchFamily="2" charset="2"/>
+        <a:buChar char="§"/>
+        <a:defRPr sz="1600" kern="1200">
           <a:solidFill>
-            <a:schemeClr val="tx2"/>
+            <a:schemeClr val="tx1"/>
           </a:solidFill>
           <a:latin typeface="+mn-lt"/>
           <a:ea typeface="+mn-ea"/>
           <a:cs typeface="+mn-cs"/>
         </a:defRPr>
       </a:lvl6pPr>
-      <a:lvl7pPr marL="3200400" indent="-384048" algn="l" defTabSz="914400" rtl="0" eaLnBrk="1" latinLnBrk="0" hangingPunct="1">
+      <a:lvl7pPr marL="1900000" indent="-228600" algn="l" defTabSz="914400" rtl="0" eaLnBrk="1" latinLnBrk="0" hangingPunct="1">
         <a:lnSpc>
-          <a:spcPct val="94000"/>
+          <a:spcPct val="90000"/>
         </a:lnSpc>
         <a:spcBef>
-          <a:spcPts val="500"/>
+          <a:spcPts val="400"/>
         </a:spcBef>
         <a:spcAft>
           <a:spcPts val="200"/>
         </a:spcAft>
-        <a:buFont typeface="Franklin Gothic Book" panose="020B0503020102020204" pitchFamily="34" charset="0"/>
-        <a:buChar char="■"/>
-        <a:defRPr sz="1400" kern="1200" baseline="0">
+        <a:buClr>
+          <a:schemeClr val="accent1">
+            <a:lumMod val="75000"/>
+          </a:schemeClr>
+        </a:buClr>
+        <a:buSzPct val="85000"/>
+        <a:buFont typeface="Wingdings" pitchFamily="2" charset="2"/>
+        <a:buChar char="§"/>
+        <a:defRPr sz="1600" kern="1200">
           <a:solidFill>
-            <a:schemeClr val="tx2"/>
+            <a:schemeClr val="tx1"/>
           </a:solidFill>
           <a:latin typeface="+mn-lt"/>
           <a:ea typeface="+mn-ea"/>
           <a:cs typeface="+mn-cs"/>
         </a:defRPr>
       </a:lvl7pPr>
-      <a:lvl8pPr marL="3657600" indent="-384048" algn="l" defTabSz="914400" rtl="0" eaLnBrk="1" latinLnBrk="0" hangingPunct="1">
+      <a:lvl8pPr marL="2200000" indent="-228600" algn="l" defTabSz="914400" rtl="0" eaLnBrk="1" latinLnBrk="0" hangingPunct="1">
         <a:lnSpc>
-          <a:spcPct val="94000"/>
+          <a:spcPct val="90000"/>
         </a:lnSpc>
         <a:spcBef>
-          <a:spcPts val="500"/>
+          <a:spcPts val="400"/>
         </a:spcBef>
         <a:spcAft>
           <a:spcPts val="200"/>
         </a:spcAft>
-        <a:buFont typeface="Franklin Gothic Book" panose="020B0503020102020204" pitchFamily="34" charset="0"/>
-        <a:buChar char="–"/>
-        <a:defRPr sz="1400" i="1" kern="1200" baseline="0">
+        <a:buClr>
+          <a:schemeClr val="accent1">
+            <a:lumMod val="75000"/>
+          </a:schemeClr>
+        </a:buClr>
+        <a:buSzPct val="85000"/>
+        <a:buFont typeface="Wingdings" pitchFamily="2" charset="2"/>
+        <a:buChar char="§"/>
+        <a:defRPr sz="1600" kern="1200">
           <a:solidFill>
-            <a:schemeClr val="tx2"/>
+            <a:schemeClr val="tx1"/>
           </a:solidFill>
           <a:latin typeface="+mn-lt"/>
           <a:ea typeface="+mn-ea"/>
           <a:cs typeface="+mn-cs"/>
         </a:defRPr>
       </a:lvl8pPr>
-      <a:lvl9pPr marL="4114800" indent="-384048" algn="l" defTabSz="914400" rtl="0" eaLnBrk="1" latinLnBrk="0" hangingPunct="1">
+      <a:lvl9pPr marL="2500000" indent="-228600" algn="l" defTabSz="914400" rtl="0" eaLnBrk="1" latinLnBrk="0" hangingPunct="1">
         <a:lnSpc>
-          <a:spcPct val="94000"/>
+          <a:spcPct val="90000"/>
         </a:lnSpc>
         <a:spcBef>
-          <a:spcPts val="500"/>
+          <a:spcPts val="400"/>
         </a:spcBef>
         <a:spcAft>
           <a:spcPts val="200"/>
         </a:spcAft>
-        <a:buFont typeface="Franklin Gothic Book" panose="020B0503020102020204" pitchFamily="34" charset="0"/>
-        <a:buChar char="■"/>
-        <a:defRPr sz="1400" kern="1200" baseline="0">
+        <a:buClr>
+          <a:schemeClr val="accent1">
+            <a:lumMod val="75000"/>
+          </a:schemeClr>
+        </a:buClr>
+        <a:buSzPct val="85000"/>
+        <a:buFont typeface="Wingdings" pitchFamily="2" charset="2"/>
+        <a:buChar char="§"/>
+        <a:defRPr sz="1600" kern="1200">
           <a:solidFill>
-            <a:schemeClr val="tx2"/>
+            <a:schemeClr val="tx1"/>
           </a:solidFill>
           <a:latin typeface="+mn-lt"/>
           <a:ea typeface="+mn-ea"/>
@@ -4450,50 +4690,9 @@
       </a:lvl9pPr>
     </p:otherStyle>
   </p:txStyles>
-  <p:extLst mod="1">
+  <p:extLst>
     <p:ext uri="{27BBF7A9-308A-43DC-89C8-2F10F3537804}">
-      <p15:sldGuideLst xmlns:p15="http://schemas.microsoft.com/office/powerpoint/2012/main">
-        <p15:guide id="4294967295" orient="horz" pos="1368">
-          <p15:clr>
-            <a:srgbClr val="F26B43"/>
-          </p15:clr>
-        </p15:guide>
-        <p15:guide id="4294967295" orient="horz" pos="1440">
-          <p15:clr>
-            <a:srgbClr val="F26B43"/>
-          </p15:clr>
-        </p15:guide>
-        <p15:guide id="4294967295" orient="horz" pos="3696">
-          <p15:clr>
-            <a:srgbClr val="F26B43"/>
-          </p15:clr>
-        </p15:guide>
-        <p15:guide id="4294967295" orient="horz" pos="432">
-          <p15:clr>
-            <a:srgbClr val="F26B43"/>
-          </p15:clr>
-        </p15:guide>
-        <p15:guide id="4294967295" orient="horz" pos="1512">
-          <p15:clr>
-            <a:srgbClr val="F26B43"/>
-          </p15:clr>
-        </p15:guide>
-        <p15:guide id="4294967295" pos="6912">
-          <p15:clr>
-            <a:srgbClr val="F26B43"/>
-          </p15:clr>
-        </p15:guide>
-        <p15:guide id="4294967295" pos="936">
-          <p15:clr>
-            <a:srgbClr val="F26B43"/>
-          </p15:clr>
-        </p15:guide>
-        <p15:guide id="4294967295" pos="864">
-          <p15:clr>
-            <a:srgbClr val="F26B43"/>
-          </p15:clr>
-        </p15:guide>
-      </p15:sldGuideLst>
+      <p15:sldGuideLst xmlns:p15="http://schemas.microsoft.com/office/powerpoint/2012/main"/>
     </p:ext>
   </p:extLst>
 </p:sldMaster>
@@ -4590,14 +4789,14 @@
           <p:nvPr>
             <p:extLst>
               <p:ext uri="{D42A27DB-BD31-4B8C-83A1-F6EECF244321}">
-                <p14:modId xmlns:p14="http://schemas.microsoft.com/office/powerpoint/2010/main" val="2134458847"/>
+                <p14:modId xmlns:p14="http://schemas.microsoft.com/office/powerpoint/2010/main" val="3472761145"/>
               </p:ext>
             </p:extLst>
           </p:nvPr>
         </p:nvGraphicFramePr>
         <p:xfrm>
-          <a:off x="4299283" y="4076299"/>
-          <a:ext cx="6721642" cy="1889760"/>
+          <a:off x="914399" y="4037163"/>
+          <a:ext cx="10230930" cy="2089656"/>
         </p:xfrm>
         <a:graphic>
           <a:graphicData uri="http://schemas.openxmlformats.org/drawingml/2006/table">
@@ -4606,10 +4805,10 @@
                 <a:tableStyleId>{5C22544A-7EE6-4342-B048-85BDC9FD1C3A}</a:tableStyleId>
               </a:tblPr>
               <a:tblGrid>
-                <a:gridCol w="3360821"/>
-                <a:gridCol w="3360821"/>
+                <a:gridCol w="5115465"/>
+                <a:gridCol w="5115465"/>
               </a:tblGrid>
-              <a:tr h="809324">
+              <a:tr h="1069599">
                 <a:tc>
                   <a:txBody>
                     <a:bodyPr/>
@@ -4748,7 +4947,7 @@
                   </a:tcPr>
                 </a:tc>
               </a:tr>
-              <a:tr h="809324">
+              <a:tr h="1020057">
                 <a:tc>
                   <a:txBody>
                     <a:bodyPr/>
@@ -4901,6 +5100,38 @@
           </a:graphicData>
         </a:graphic>
       </p:graphicFrame>
+      <p:sp>
+        <p:nvSpPr>
+          <p:cNvPr id="7" name="Прямоугольник 6"/>
+          <p:cNvSpPr/>
+          <p:nvPr/>
+        </p:nvSpPr>
+        <p:spPr>
+          <a:xfrm>
+            <a:off x="-66136" y="6986130"/>
+            <a:ext cx="6096000" cy="923330"/>
+          </a:xfrm>
+          <a:prstGeom prst="rect">
+            <a:avLst/>
+          </a:prstGeom>
+        </p:spPr>
+        <p:txBody>
+          <a:bodyPr>
+            <a:spAutoFit/>
+          </a:bodyPr>
+          <a:lstStyle/>
+          <a:p>
+            <a:r>
+              <a:rPr lang="ru-RU" dirty="0" smtClean="0"/>
+              <a:t>Данная выпускная </a:t>
+            </a:r>
+            <a:r>
+              <a:rPr lang="ru-RU" dirty="0"/>
+              <a:t>квалификационная работа посвящена разработке языка описания сценариев тестирования автомобильных систем. </a:t>
+            </a:r>
+          </a:p>
+        </p:txBody>
+      </p:sp>
     </p:spTree>
     <p:extLst>
       <p:ext uri="{BB962C8B-B14F-4D97-AF65-F5344CB8AC3E}">
@@ -4950,46 +5181,37 @@
         </p:nvSpPr>
         <p:spPr/>
         <p:txBody>
+          <a:bodyPr>
+            <a:normAutofit fontScale="90000"/>
+          </a:bodyPr>
+          <a:lstStyle/>
+          <a:p>
+            <a:r>
+              <a:rPr lang="ru-RU" dirty="0"/>
+              <a:t>Описание решения (если надо, можно привести какую-то информацию об используемых методах, моделях и алгоритмах, но акцент должен быть сделал на Вашем решении; если приводятся какие-то общие сведения, слушатели должны четко понимать, зачем они нужны — в общем случае лучше сначала сформулировать идею Вашего решения, а потом уже сказать про какую-то теорию, если она необходима).</a:t>
+            </a:r>
+          </a:p>
+        </p:txBody>
+      </p:sp>
+      <p:sp>
+        <p:nvSpPr>
+          <p:cNvPr id="3" name="Content Placeholder 2"/>
+          <p:cNvSpPr>
+            <a:spLocks noGrp="1"/>
+          </p:cNvSpPr>
+          <p:nvPr>
+            <p:ph idx="1"/>
+          </p:nvPr>
+        </p:nvSpPr>
+        <p:spPr/>
+        <p:txBody>
           <a:bodyPr/>
           <a:lstStyle/>
           <a:p>
-            <a:r>
-              <a:rPr lang="ru-RU" dirty="0" smtClean="0"/>
-              <a:t>Диаграмма классов</a:t>
-            </a:r>
-            <a:endParaRPr lang="ru-RU" dirty="0"/>
-          </a:p>
-        </p:txBody>
-      </p:sp>
-      <p:pic>
-        <p:nvPicPr>
-          <p:cNvPr id="5" name="Content Placeholder 4"/>
-          <p:cNvPicPr>
-            <a:picLocks noGrp="1" noChangeAspect="1"/>
-          </p:cNvPicPr>
-          <p:nvPr>
-            <p:ph idx="1"/>
-          </p:nvPr>
-        </p:nvPicPr>
-        <p:blipFill>
-          <a:blip r:embed="rId2">
-            <a:extLst>
-              <a:ext uri="{28A0092B-C50C-407E-A947-70E740481C1C}">
-                <a14:useLocalDpi xmlns:a14="http://schemas.microsoft.com/office/drawing/2010/main" val="0"/>
-              </a:ext>
-            </a:extLst>
-          </a:blip>
-          <a:stretch>
-            <a:fillRect/>
-          </a:stretch>
-        </p:blipFill>
-        <p:spPr>
-          <a:xfrm>
-            <a:off x="1371599" y="2205779"/>
-            <a:ext cx="8873067" cy="4247607"/>
-          </a:xfrm>
-        </p:spPr>
-      </p:pic>
+            <a:endParaRPr lang="ru-RU"/>
+          </a:p>
+        </p:txBody>
+      </p:sp>
       <p:sp>
         <p:nvSpPr>
           <p:cNvPr id="4" name="Slide Number Placeholder 3"/>
@@ -5016,7 +5238,7 @@
     </p:spTree>
     <p:extLst>
       <p:ext uri="{BB962C8B-B14F-4D97-AF65-F5344CB8AC3E}">
-        <p14:creationId xmlns:p14="http://schemas.microsoft.com/office/powerpoint/2010/main" val="1863166779"/>
+        <p14:creationId xmlns:p14="http://schemas.microsoft.com/office/powerpoint/2010/main" val="1232499641"/>
       </p:ext>
     </p:extLst>
   </p:cSld>
@@ -5065,10 +5287,6 @@
           <a:bodyPr/>
           <a:lstStyle/>
           <a:p>
-            <a:r>
-              <a:rPr lang="ru-RU" dirty="0"/>
-              <a:t>Описание полученных результатов </a:t>
-            </a:r>
             <a:endParaRPr lang="ru-RU" dirty="0"/>
           </a:p>
         </p:txBody>
@@ -5097,8 +5315,8 @@
         </p:blipFill>
         <p:spPr>
           <a:xfrm>
-            <a:off x="1371600" y="2171700"/>
-            <a:ext cx="5449110" cy="2298700"/>
+            <a:off x="924762" y="1167507"/>
+            <a:ext cx="10779754" cy="5488186"/>
           </a:xfrm>
         </p:spPr>
       </p:pic>
@@ -5128,7 +5346,7 @@
     </p:spTree>
     <p:extLst>
       <p:ext uri="{BB962C8B-B14F-4D97-AF65-F5344CB8AC3E}">
-        <p14:creationId xmlns:p14="http://schemas.microsoft.com/office/powerpoint/2010/main" val="2456218986"/>
+        <p14:creationId xmlns:p14="http://schemas.microsoft.com/office/powerpoint/2010/main" val="675860413"/>
       </p:ext>
     </p:extLst>
   </p:cSld>
@@ -5179,7 +5397,7 @@
           <a:p>
             <a:r>
               <a:rPr lang="ru-RU" dirty="0" smtClean="0"/>
-              <a:t>Результат опроса потенциальных пользователей</a:t>
+              <a:t>Диаграмма классов</a:t>
             </a:r>
             <a:endParaRPr lang="ru-RU" dirty="0"/>
           </a:p>
@@ -5209,8 +5427,8 @@
         </p:blipFill>
         <p:spPr>
           <a:xfrm>
-            <a:off x="1246468" y="2777065"/>
-            <a:ext cx="5748302" cy="2931253"/>
+            <a:off x="1371599" y="2205779"/>
+            <a:ext cx="8873067" cy="4247607"/>
           </a:xfrm>
         </p:spPr>
       </p:pic>
@@ -5237,74 +5455,10 @@
           </a:p>
         </p:txBody>
       </p:sp>
-      <p:sp>
-        <p:nvSpPr>
-          <p:cNvPr id="6" name="Rectangle 5"/>
-          <p:cNvSpPr/>
-          <p:nvPr/>
-        </p:nvSpPr>
-        <p:spPr>
-          <a:xfrm>
-            <a:off x="7162800" y="2599775"/>
-            <a:ext cx="4876799" cy="3108543"/>
-          </a:xfrm>
-          <a:prstGeom prst="rect">
-            <a:avLst/>
-          </a:prstGeom>
-        </p:spPr>
-        <p:txBody>
-          <a:bodyPr wrap="square">
-            <a:spAutoFit/>
-          </a:bodyPr>
-          <a:lstStyle/>
-          <a:p>
-            <a:r>
-              <a:rPr lang="ru-RU" sz="2800" dirty="0" smtClean="0">
-                <a:effectLst/>
-              </a:rPr>
-              <a:t>В качестве респондентов было выбрано 16 человек, занимающихся тестированием программного обеспечения автомобильных систем в компании </a:t>
-            </a:r>
-          </a:p>
-          <a:p>
-            <a:pPr algn="just"/>
-            <a:r>
-              <a:rPr lang="ru-RU" sz="2800" dirty="0" smtClean="0">
-                <a:effectLst/>
-              </a:rPr>
-              <a:t>«</a:t>
-            </a:r>
-            <a:r>
-              <a:rPr lang="ru-RU" sz="2800" dirty="0" err="1" smtClean="0">
-                <a:effectLst/>
-              </a:rPr>
-              <a:t>Люксофт</a:t>
-            </a:r>
-            <a:r>
-              <a:rPr lang="ru-RU" sz="2800" dirty="0" smtClean="0">
-                <a:effectLst/>
-              </a:rPr>
-              <a:t> </a:t>
-            </a:r>
-            <a:r>
-              <a:rPr lang="ru-RU" sz="2800" dirty="0" err="1" smtClean="0">
-                <a:effectLst/>
-              </a:rPr>
-              <a:t>профешнл</a:t>
-            </a:r>
-            <a:r>
-              <a:rPr lang="ru-RU" sz="2800" dirty="0" smtClean="0">
-                <a:effectLst/>
-              </a:rPr>
-              <a:t>». </a:t>
-            </a:r>
-            <a:endParaRPr lang="ru-RU" sz="2800" dirty="0"/>
-          </a:p>
-        </p:txBody>
-      </p:sp>
     </p:spTree>
     <p:extLst>
       <p:ext uri="{BB962C8B-B14F-4D97-AF65-F5344CB8AC3E}">
-        <p14:creationId xmlns:p14="http://schemas.microsoft.com/office/powerpoint/2010/main" val="2874722350"/>
+        <p14:creationId xmlns:p14="http://schemas.microsoft.com/office/powerpoint/2010/main" val="1863166779"/>
       </p:ext>
     </p:extLst>
   </p:cSld>
@@ -5350,36 +5504,47 @@
         </p:nvSpPr>
         <p:spPr/>
         <p:txBody>
-          <a:bodyPr/>
-          <a:lstStyle/>
-          <a:p>
-            <a:r>
-              <a:rPr lang="ru-RU" dirty="0" smtClean="0"/>
-              <a:t>Заключение</a:t>
-            </a:r>
-            <a:endParaRPr lang="ru-RU" dirty="0"/>
-          </a:p>
-        </p:txBody>
-      </p:sp>
-      <p:sp>
-        <p:nvSpPr>
-          <p:cNvPr id="3" name="Content Placeholder 2"/>
-          <p:cNvSpPr>
-            <a:spLocks noGrp="1"/>
-          </p:cNvSpPr>
+          <a:bodyPr>
+            <a:normAutofit/>
+          </a:bodyPr>
+          <a:lstStyle/>
+          <a:p>
+            <a:r>
+              <a:rPr lang="ru-RU" dirty="0"/>
+              <a:t>Описание полученных результатов </a:t>
+            </a:r>
+          </a:p>
+        </p:txBody>
+      </p:sp>
+      <p:pic>
+        <p:nvPicPr>
+          <p:cNvPr id="5" name="Content Placeholder 4"/>
+          <p:cNvPicPr>
+            <a:picLocks noGrp="1" noChangeAspect="1"/>
+          </p:cNvPicPr>
           <p:nvPr>
             <p:ph idx="1"/>
           </p:nvPr>
-        </p:nvSpPr>
-        <p:spPr/>
-        <p:txBody>
-          <a:bodyPr/>
-          <a:lstStyle/>
-          <a:p>
-            <a:endParaRPr lang="ru-RU"/>
-          </a:p>
-        </p:txBody>
-      </p:sp>
+        </p:nvPicPr>
+        <p:blipFill>
+          <a:blip r:embed="rId2">
+            <a:extLst>
+              <a:ext uri="{28A0092B-C50C-407E-A947-70E740481C1C}">
+                <a14:useLocalDpi xmlns:a14="http://schemas.microsoft.com/office/drawing/2010/main" val="0"/>
+              </a:ext>
+            </a:extLst>
+          </a:blip>
+          <a:stretch>
+            <a:fillRect/>
+          </a:stretch>
+        </p:blipFill>
+        <p:spPr>
+          <a:xfrm>
+            <a:off x="1371600" y="2171700"/>
+            <a:ext cx="5449110" cy="2298700"/>
+          </a:xfrm>
+        </p:spPr>
+      </p:pic>
       <p:sp>
         <p:nvSpPr>
           <p:cNvPr id="4" name="Slide Number Placeholder 3"/>
@@ -5406,7 +5571,7 @@
     </p:spTree>
     <p:extLst>
       <p:ext uri="{BB962C8B-B14F-4D97-AF65-F5344CB8AC3E}">
-        <p14:creationId xmlns:p14="http://schemas.microsoft.com/office/powerpoint/2010/main" val="4227818546"/>
+        <p14:creationId xmlns:p14="http://schemas.microsoft.com/office/powerpoint/2010/main" val="2456218986"/>
       </p:ext>
     </p:extLst>
   </p:cSld>
@@ -5452,36 +5617,48 @@
         </p:nvSpPr>
         <p:spPr/>
         <p:txBody>
-          <a:bodyPr/>
+          <a:bodyPr>
+            <a:normAutofit fontScale="90000"/>
+          </a:bodyPr>
           <a:lstStyle/>
           <a:p>
             <a:r>
               <a:rPr lang="ru-RU" dirty="0" smtClean="0"/>
-              <a:t>Список литературы</a:t>
+              <a:t>Результат опроса потенциальных пользователей</a:t>
             </a:r>
             <a:endParaRPr lang="ru-RU" dirty="0"/>
           </a:p>
         </p:txBody>
       </p:sp>
-      <p:sp>
-        <p:nvSpPr>
-          <p:cNvPr id="3" name="Content Placeholder 2"/>
-          <p:cNvSpPr>
-            <a:spLocks noGrp="1"/>
-          </p:cNvSpPr>
+      <p:pic>
+        <p:nvPicPr>
+          <p:cNvPr id="5" name="Content Placeholder 4"/>
+          <p:cNvPicPr>
+            <a:picLocks noGrp="1" noChangeAspect="1"/>
+          </p:cNvPicPr>
           <p:nvPr>
             <p:ph idx="1"/>
           </p:nvPr>
-        </p:nvSpPr>
-        <p:spPr/>
-        <p:txBody>
-          <a:bodyPr/>
-          <a:lstStyle/>
-          <a:p>
-            <a:endParaRPr lang="ru-RU"/>
-          </a:p>
-        </p:txBody>
-      </p:sp>
+        </p:nvPicPr>
+        <p:blipFill>
+          <a:blip r:embed="rId2">
+            <a:extLst>
+              <a:ext uri="{28A0092B-C50C-407E-A947-70E740481C1C}">
+                <a14:useLocalDpi xmlns:a14="http://schemas.microsoft.com/office/drawing/2010/main" val="0"/>
+              </a:ext>
+            </a:extLst>
+          </a:blip>
+          <a:stretch>
+            <a:fillRect/>
+          </a:stretch>
+        </p:blipFill>
+        <p:spPr>
+          <a:xfrm>
+            <a:off x="1246468" y="2777065"/>
+            <a:ext cx="5748302" cy="2931253"/>
+          </a:xfrm>
+        </p:spPr>
+      </p:pic>
       <p:sp>
         <p:nvSpPr>
           <p:cNvPr id="4" name="Slide Number Placeholder 3"/>
@@ -5505,16 +5682,87 @@
           </a:p>
         </p:txBody>
       </p:sp>
+      <p:sp>
+        <p:nvSpPr>
+          <p:cNvPr id="6" name="Rectangle 5"/>
+          <p:cNvSpPr/>
+          <p:nvPr/>
+        </p:nvSpPr>
+        <p:spPr>
+          <a:xfrm>
+            <a:off x="7162800" y="2599775"/>
+            <a:ext cx="4876799" cy="3108543"/>
+          </a:xfrm>
+          <a:prstGeom prst="rect">
+            <a:avLst/>
+          </a:prstGeom>
+        </p:spPr>
+        <p:txBody>
+          <a:bodyPr wrap="square">
+            <a:spAutoFit/>
+          </a:bodyPr>
+          <a:lstStyle/>
+          <a:p>
+            <a:r>
+              <a:rPr lang="ru-RU" sz="2800" dirty="0" smtClean="0">
+                <a:effectLst/>
+              </a:rPr>
+              <a:t>В качестве респондентов было выбрано 16 человек, занимающихся тестированием программного обеспечения автомобильных систем в компании </a:t>
+            </a:r>
+          </a:p>
+          <a:p>
+            <a:pPr algn="just"/>
+            <a:r>
+              <a:rPr lang="ru-RU" sz="2800" dirty="0" smtClean="0">
+                <a:effectLst/>
+              </a:rPr>
+              <a:t>«</a:t>
+            </a:r>
+            <a:r>
+              <a:rPr lang="ru-RU" sz="2800" dirty="0" err="1" smtClean="0">
+                <a:effectLst/>
+              </a:rPr>
+              <a:t>Люксофт</a:t>
+            </a:r>
+            <a:r>
+              <a:rPr lang="ru-RU" sz="2800" dirty="0" smtClean="0">
+                <a:effectLst/>
+              </a:rPr>
+              <a:t> </a:t>
+            </a:r>
+            <a:r>
+              <a:rPr lang="ru-RU" sz="2800" dirty="0" err="1" smtClean="0">
+                <a:effectLst/>
+              </a:rPr>
+              <a:t>профешнл</a:t>
+            </a:r>
+            <a:r>
+              <a:rPr lang="ru-RU" sz="2800" dirty="0" smtClean="0">
+                <a:effectLst/>
+              </a:rPr>
+              <a:t>». </a:t>
+            </a:r>
+            <a:endParaRPr lang="ru-RU" sz="2800" dirty="0"/>
+          </a:p>
+        </p:txBody>
+      </p:sp>
     </p:spTree>
     <p:extLst>
       <p:ext uri="{BB962C8B-B14F-4D97-AF65-F5344CB8AC3E}">
-        <p14:creationId xmlns:p14="http://schemas.microsoft.com/office/powerpoint/2010/main" val="2074572131"/>
+        <p14:creationId xmlns:p14="http://schemas.microsoft.com/office/powerpoint/2010/main" val="2874722350"/>
       </p:ext>
     </p:extLst>
   </p:cSld>
   <p:clrMapOvr>
     <a:masterClrMapping/>
   </p:clrMapOvr>
+  <p:timing>
+    <p:tnLst>
+      <p:par>
+        <p:cTn id="1" dur="indefinite" restart="never" nodeType="tmRoot"/>
+      </p:par>
+    </p:tnLst>
+  </p:timing>
 </p:sld>
 </file>
 
@@ -5537,6 +5785,203 @@
       </p:grpSpPr>
       <p:sp>
         <p:nvSpPr>
+          <p:cNvPr id="2" name="Title 1"/>
+          <p:cNvSpPr>
+            <a:spLocks noGrp="1"/>
+          </p:cNvSpPr>
+          <p:nvPr>
+            <p:ph type="title"/>
+          </p:nvPr>
+        </p:nvSpPr>
+        <p:spPr/>
+        <p:txBody>
+          <a:bodyPr/>
+          <a:lstStyle/>
+          <a:p>
+            <a:r>
+              <a:rPr lang="ru-RU" dirty="0" smtClean="0"/>
+              <a:t>Заключение</a:t>
+            </a:r>
+            <a:endParaRPr lang="ru-RU" dirty="0"/>
+          </a:p>
+        </p:txBody>
+      </p:sp>
+      <p:sp>
+        <p:nvSpPr>
+          <p:cNvPr id="3" name="Content Placeholder 2"/>
+          <p:cNvSpPr>
+            <a:spLocks noGrp="1"/>
+          </p:cNvSpPr>
+          <p:nvPr>
+            <p:ph idx="1"/>
+          </p:nvPr>
+        </p:nvSpPr>
+        <p:spPr/>
+        <p:txBody>
+          <a:bodyPr/>
+          <a:lstStyle/>
+          <a:p>
+            <a:endParaRPr lang="ru-RU"/>
+          </a:p>
+        </p:txBody>
+      </p:sp>
+      <p:sp>
+        <p:nvSpPr>
+          <p:cNvPr id="4" name="Slide Number Placeholder 3"/>
+          <p:cNvSpPr>
+            <a:spLocks noGrp="1"/>
+          </p:cNvSpPr>
+          <p:nvPr>
+            <p:ph type="sldNum" sz="quarter" idx="12"/>
+          </p:nvPr>
+        </p:nvSpPr>
+        <p:spPr/>
+        <p:txBody>
+          <a:bodyPr/>
+          <a:lstStyle/>
+          <a:p>
+            <a:fld id="{D1A40677-FD44-493F-9950-230061FFD32D}" type="slidenum">
+              <a:rPr lang="ru-RU" smtClean="0"/>
+              <a:t>15</a:t>
+            </a:fld>
+            <a:endParaRPr lang="ru-RU"/>
+          </a:p>
+        </p:txBody>
+      </p:sp>
+    </p:spTree>
+    <p:extLst>
+      <p:ext uri="{BB962C8B-B14F-4D97-AF65-F5344CB8AC3E}">
+        <p14:creationId xmlns:p14="http://schemas.microsoft.com/office/powerpoint/2010/main" val="4227818546"/>
+      </p:ext>
+    </p:extLst>
+  </p:cSld>
+  <p:clrMapOvr>
+    <a:masterClrMapping/>
+  </p:clrMapOvr>
+  <p:timing>
+    <p:tnLst>
+      <p:par>
+        <p:cTn id="1" dur="indefinite" restart="never" nodeType="tmRoot"/>
+      </p:par>
+    </p:tnLst>
+  </p:timing>
+</p:sld>
+</file>
+
+<file path=ppt/slides/slide16.xml><?xml version="1.0" encoding="utf-8"?>
+<p:sld xmlns:a="http://schemas.openxmlformats.org/drawingml/2006/main" xmlns:r="http://schemas.openxmlformats.org/officeDocument/2006/relationships" xmlns:p="http://schemas.openxmlformats.org/presentationml/2006/main">
+  <p:cSld>
+    <p:spTree>
+      <p:nvGrpSpPr>
+        <p:cNvPr id="1" name=""/>
+        <p:cNvGrpSpPr/>
+        <p:nvPr/>
+      </p:nvGrpSpPr>
+      <p:grpSpPr>
+        <a:xfrm>
+          <a:off x="0" y="0"/>
+          <a:ext cx="0" cy="0"/>
+          <a:chOff x="0" y="0"/>
+          <a:chExt cx="0" cy="0"/>
+        </a:xfrm>
+      </p:grpSpPr>
+      <p:sp>
+        <p:nvSpPr>
+          <p:cNvPr id="2" name="Title 1"/>
+          <p:cNvSpPr>
+            <a:spLocks noGrp="1"/>
+          </p:cNvSpPr>
+          <p:nvPr>
+            <p:ph type="title"/>
+          </p:nvPr>
+        </p:nvSpPr>
+        <p:spPr/>
+        <p:txBody>
+          <a:bodyPr/>
+          <a:lstStyle/>
+          <a:p>
+            <a:r>
+              <a:rPr lang="ru-RU" dirty="0" smtClean="0"/>
+              <a:t>Список литературы</a:t>
+            </a:r>
+            <a:endParaRPr lang="ru-RU" dirty="0"/>
+          </a:p>
+        </p:txBody>
+      </p:sp>
+      <p:sp>
+        <p:nvSpPr>
+          <p:cNvPr id="3" name="Content Placeholder 2"/>
+          <p:cNvSpPr>
+            <a:spLocks noGrp="1"/>
+          </p:cNvSpPr>
+          <p:nvPr>
+            <p:ph idx="1"/>
+          </p:nvPr>
+        </p:nvSpPr>
+        <p:spPr/>
+        <p:txBody>
+          <a:bodyPr/>
+          <a:lstStyle/>
+          <a:p>
+            <a:endParaRPr lang="ru-RU"/>
+          </a:p>
+        </p:txBody>
+      </p:sp>
+      <p:sp>
+        <p:nvSpPr>
+          <p:cNvPr id="4" name="Slide Number Placeholder 3"/>
+          <p:cNvSpPr>
+            <a:spLocks noGrp="1"/>
+          </p:cNvSpPr>
+          <p:nvPr>
+            <p:ph type="sldNum" sz="quarter" idx="12"/>
+          </p:nvPr>
+        </p:nvSpPr>
+        <p:spPr/>
+        <p:txBody>
+          <a:bodyPr/>
+          <a:lstStyle/>
+          <a:p>
+            <a:fld id="{D1A40677-FD44-493F-9950-230061FFD32D}" type="slidenum">
+              <a:rPr lang="ru-RU" smtClean="0"/>
+              <a:t>16</a:t>
+            </a:fld>
+            <a:endParaRPr lang="ru-RU"/>
+          </a:p>
+        </p:txBody>
+      </p:sp>
+    </p:spTree>
+    <p:extLst>
+      <p:ext uri="{BB962C8B-B14F-4D97-AF65-F5344CB8AC3E}">
+        <p14:creationId xmlns:p14="http://schemas.microsoft.com/office/powerpoint/2010/main" val="2074572131"/>
+      </p:ext>
+    </p:extLst>
+  </p:cSld>
+  <p:clrMapOvr>
+    <a:masterClrMapping/>
+  </p:clrMapOvr>
+</p:sld>
+</file>
+
+<file path=ppt/slides/slide17.xml><?xml version="1.0" encoding="utf-8"?>
+<p:sld xmlns:a="http://schemas.openxmlformats.org/drawingml/2006/main" xmlns:r="http://schemas.openxmlformats.org/officeDocument/2006/relationships" xmlns:p="http://schemas.openxmlformats.org/presentationml/2006/main">
+  <p:cSld>
+    <p:spTree>
+      <p:nvGrpSpPr>
+        <p:cNvPr id="1" name=""/>
+        <p:cNvGrpSpPr/>
+        <p:nvPr/>
+      </p:nvGrpSpPr>
+      <p:grpSpPr>
+        <a:xfrm>
+          <a:off x="0" y="0"/>
+          <a:ext cx="0" cy="0"/>
+          <a:chOff x="0" y="0"/>
+          <a:chExt cx="0" cy="0"/>
+        </a:xfrm>
+      </p:grpSpPr>
+      <p:sp>
+        <p:nvSpPr>
           <p:cNvPr id="7" name="Title 6"/>
           <p:cNvSpPr>
             <a:spLocks noGrp="1"/>
@@ -5553,7 +5998,7 @@
         </p:spPr>
         <p:txBody>
           <a:bodyPr>
-            <a:normAutofit/>
+            <a:normAutofit fontScale="90000"/>
           </a:bodyPr>
           <a:lstStyle/>
           <a:p>
@@ -5582,7 +6027,7 @@
           <a:p>
             <a:fld id="{D1A40677-FD44-493F-9950-230061FFD32D}" type="slidenum">
               <a:rPr lang="ru-RU" smtClean="0"/>
-              <a:t>15</a:t>
+              <a:t>17</a:t>
             </a:fld>
             <a:endParaRPr lang="ru-RU"/>
           </a:p>
@@ -5665,7 +6110,7 @@
         </p:blipFill>
         <p:spPr>
           <a:xfrm>
-            <a:off x="1371600" y="4886854"/>
+            <a:off x="762000" y="5368438"/>
             <a:ext cx="7724004" cy="904346"/>
           </a:xfrm>
         </p:spPr>
@@ -5693,6 +6138,226 @@
           </a:p>
         </p:txBody>
       </p:sp>
+      <p:sp>
+        <p:nvSpPr>
+          <p:cNvPr id="3" name="Прямоугольник 2"/>
+          <p:cNvSpPr/>
+          <p:nvPr/>
+        </p:nvSpPr>
+        <p:spPr>
+          <a:xfrm>
+            <a:off x="328736" y="-3618517"/>
+            <a:ext cx="6096000" cy="1200329"/>
+          </a:xfrm>
+          <a:prstGeom prst="rect">
+            <a:avLst/>
+          </a:prstGeom>
+        </p:spPr>
+        <p:txBody>
+          <a:bodyPr>
+            <a:spAutoFit/>
+          </a:bodyPr>
+          <a:lstStyle/>
+          <a:p>
+            <a:r>
+              <a:rPr lang="ru-RU" dirty="0" smtClean="0"/>
+              <a:t>С развитием автомобильной промышленности тестирование автомобильных систем стало неотъемлемой частью жизненного цикла разработки программного и аппаратного обеспечения транспортных средств. </a:t>
+            </a:r>
+            <a:endParaRPr lang="ru-RU" dirty="0"/>
+          </a:p>
+        </p:txBody>
+      </p:sp>
+      <p:sp>
+        <p:nvSpPr>
+          <p:cNvPr id="6" name="Прямоугольник 5"/>
+          <p:cNvSpPr/>
+          <p:nvPr/>
+        </p:nvSpPr>
+        <p:spPr>
+          <a:xfrm>
+            <a:off x="328736" y="-2226162"/>
+            <a:ext cx="6096000" cy="2031325"/>
+          </a:xfrm>
+          <a:prstGeom prst="rect">
+            <a:avLst/>
+          </a:prstGeom>
+        </p:spPr>
+        <p:txBody>
+          <a:bodyPr>
+            <a:spAutoFit/>
+          </a:bodyPr>
+          <a:lstStyle/>
+          <a:p>
+            <a:r>
+              <a:rPr lang="ru-RU" dirty="0"/>
+              <a:t>Современные автомобили имеют несколько блоков </a:t>
+            </a:r>
+            <a:r>
+              <a:rPr lang="ru-RU" dirty="0" smtClean="0"/>
+              <a:t>управления, </a:t>
+            </a:r>
+            <a:r>
+              <a:rPr lang="ru-RU" dirty="0"/>
+              <a:t>связанных между собой внутри машинной сетью. Эти блоки взаимодействуют между собой через стандартные шинные архитектуры CAN, </a:t>
+            </a:r>
+            <a:r>
+              <a:rPr lang="ru-RU" dirty="0" err="1"/>
+              <a:t>FlexRay</a:t>
+            </a:r>
+            <a:r>
+              <a:rPr lang="ru-RU" dirty="0"/>
+              <a:t>, LIN и </a:t>
+            </a:r>
+            <a:r>
+              <a:rPr lang="ru-RU" dirty="0" err="1"/>
+              <a:t>Ethernet</a:t>
+            </a:r>
+            <a:r>
+              <a:rPr lang="ru-RU" dirty="0"/>
+              <a:t>. С развитием техники количество ECU в автомобильных системах стремительно растет, что приводит к созданию сложных структур сетей. </a:t>
+            </a:r>
+          </a:p>
+        </p:txBody>
+      </p:sp>
+      <p:sp>
+        <p:nvSpPr>
+          <p:cNvPr id="7" name="Прямоугольник 6"/>
+          <p:cNvSpPr/>
+          <p:nvPr/>
+        </p:nvSpPr>
+        <p:spPr>
+          <a:xfrm>
+            <a:off x="6424736" y="-3656941"/>
+            <a:ext cx="6096000" cy="2308324"/>
+          </a:xfrm>
+          <a:prstGeom prst="rect">
+            <a:avLst/>
+          </a:prstGeom>
+        </p:spPr>
+        <p:txBody>
+          <a:bodyPr>
+            <a:spAutoFit/>
+          </a:bodyPr>
+          <a:lstStyle/>
+          <a:p>
+            <a:r>
+              <a:rPr lang="ru-RU" dirty="0" smtClean="0"/>
+              <a:t>Для тестирования </a:t>
+            </a:r>
+            <a:r>
+              <a:rPr lang="ru-RU" dirty="0"/>
+              <a:t>автомобильных систем, необходимо хорошо понимать, как устроен автомобиль в целом и его составляющие по отдельности. Однако представления о системе у инженеров и менеджеров зачастую очень сильно расходятся. Взаимодействие участников бизнес процесса, а именно заказчика, бизнес-аналитика, менеджера, разработчика и </a:t>
+            </a:r>
+            <a:r>
+              <a:rPr lang="ru-RU" dirty="0" err="1"/>
+              <a:t>тестировщика</a:t>
+            </a:r>
+            <a:r>
+              <a:rPr lang="ru-RU" dirty="0"/>
+              <a:t>, является неотъемлемой частью гибкой методологии разработки ПО</a:t>
+            </a:r>
+          </a:p>
+        </p:txBody>
+      </p:sp>
+      <p:sp>
+        <p:nvSpPr>
+          <p:cNvPr id="8" name="Прямоугольник 7"/>
+          <p:cNvSpPr/>
+          <p:nvPr/>
+        </p:nvSpPr>
+        <p:spPr>
+          <a:xfrm>
+            <a:off x="328736" y="7215711"/>
+            <a:ext cx="6096000" cy="3693319"/>
+          </a:xfrm>
+          <a:prstGeom prst="rect">
+            <a:avLst/>
+          </a:prstGeom>
+        </p:spPr>
+        <p:txBody>
+          <a:bodyPr>
+            <a:spAutoFit/>
+          </a:bodyPr>
+          <a:lstStyle/>
+          <a:p>
+            <a:r>
+              <a:rPr lang="ru-RU" dirty="0" smtClean="0"/>
+              <a:t>Зачастую заказчики и </a:t>
+            </a:r>
+            <a:r>
+              <a:rPr lang="ru-RU" dirty="0"/>
+              <a:t>аналитики не имеют достаточных знаний в языках программирования общего назначения, либо использование этих языков не удобно из-за большого количества не относящихся к решаемой задаче деталей (управление памятью, низкоуровневые управляющие конструкции и так далее). Для решения этой проблемы возникла идея </a:t>
+            </a:r>
+            <a:r>
+              <a:rPr lang="ru-RU" dirty="0" smtClean="0"/>
+              <a:t>создать </a:t>
+            </a:r>
+            <a:r>
+              <a:rPr lang="ru-RU" dirty="0"/>
+              <a:t>проблемно-ориентированные </a:t>
+            </a:r>
+            <a:r>
+              <a:rPr lang="ru-RU" dirty="0" smtClean="0"/>
+              <a:t>языки, </a:t>
+            </a:r>
+            <a:r>
+              <a:rPr lang="ru-RU" dirty="0"/>
+              <a:t>позволяющие в </a:t>
+            </a:r>
+            <a:r>
+              <a:rPr lang="ru-RU" dirty="0" smtClean="0"/>
+              <a:t>области автомобильной промышленности использовать </a:t>
+            </a:r>
+            <a:r>
+              <a:rPr lang="ru-RU" dirty="0"/>
+              <a:t>специфичные обозначения и термины. </a:t>
+            </a:r>
+            <a:r>
+              <a:rPr lang="ru-RU" dirty="0" smtClean="0"/>
+              <a:t>Такой язык обеспечит </a:t>
+            </a:r>
+            <a:r>
+              <a:rPr lang="ru-RU" dirty="0"/>
+              <a:t>пользователям возможность коротко и четко сформулировать задачу и </a:t>
+            </a:r>
+            <a:r>
+              <a:rPr lang="ru-RU" dirty="0" smtClean="0"/>
+              <a:t>позволит уменьшить количество тестовой документации.</a:t>
+            </a:r>
+            <a:endParaRPr lang="ru-RU" dirty="0"/>
+          </a:p>
+        </p:txBody>
+      </p:sp>
+      <p:pic>
+        <p:nvPicPr>
+          <p:cNvPr id="9" name="Рисунок 8"/>
+          <p:cNvPicPr>
+            <a:picLocks noChangeAspect="1"/>
+          </p:cNvPicPr>
+          <p:nvPr/>
+        </p:nvPicPr>
+        <p:blipFill>
+          <a:blip r:embed="rId3">
+            <a:extLst>
+              <a:ext uri="{28A0092B-C50C-407E-A947-70E740481C1C}">
+                <a14:useLocalDpi xmlns:a14="http://schemas.microsoft.com/office/drawing/2010/main" val="0"/>
+              </a:ext>
+            </a:extLst>
+          </a:blip>
+          <a:stretch>
+            <a:fillRect/>
+          </a:stretch>
+        </p:blipFill>
+        <p:spPr>
+          <a:xfrm>
+            <a:off x="6424736" y="1393213"/>
+            <a:ext cx="5549900" cy="3810000"/>
+          </a:xfrm>
+          <a:prstGeom prst="rect">
+            <a:avLst/>
+          </a:prstGeom>
+        </p:spPr>
+      </p:pic>
     </p:spTree>
     <p:extLst>
       <p:ext uri="{BB962C8B-B14F-4D97-AF65-F5344CB8AC3E}">
@@ -5732,6 +6397,414 @@
       </p:grpSpPr>
       <p:sp>
         <p:nvSpPr>
+          <p:cNvPr id="2" name="Заголовок 1"/>
+          <p:cNvSpPr>
+            <a:spLocks noGrp="1"/>
+          </p:cNvSpPr>
+          <p:nvPr>
+            <p:ph type="title"/>
+          </p:nvPr>
+        </p:nvSpPr>
+        <p:spPr/>
+        <p:txBody>
+          <a:bodyPr/>
+          <a:lstStyle/>
+          <a:p>
+            <a:r>
+              <a:rPr lang="ru-RU" dirty="0" smtClean="0"/>
+              <a:t>Тестирование</a:t>
+            </a:r>
+            <a:br>
+              <a:rPr lang="ru-RU" dirty="0" smtClean="0"/>
+            </a:br>
+            <a:r>
+              <a:rPr lang="ru-RU" dirty="0" smtClean="0"/>
+              <a:t>«черного ящика»</a:t>
+            </a:r>
+            <a:endParaRPr lang="ru-RU" dirty="0"/>
+          </a:p>
+        </p:txBody>
+      </p:sp>
+      <p:pic>
+        <p:nvPicPr>
+          <p:cNvPr id="6" name="Объект 5"/>
+          <p:cNvPicPr>
+            <a:picLocks noGrp="1" noChangeAspect="1"/>
+          </p:cNvPicPr>
+          <p:nvPr>
+            <p:ph idx="1"/>
+          </p:nvPr>
+        </p:nvPicPr>
+        <p:blipFill>
+          <a:blip r:embed="rId2">
+            <a:extLst>
+              <a:ext uri="{28A0092B-C50C-407E-A947-70E740481C1C}">
+                <a14:useLocalDpi xmlns:a14="http://schemas.microsoft.com/office/drawing/2010/main" val="0"/>
+              </a:ext>
+            </a:extLst>
+          </a:blip>
+          <a:stretch>
+            <a:fillRect/>
+          </a:stretch>
+        </p:blipFill>
+        <p:spPr>
+          <a:xfrm>
+            <a:off x="1592986" y="2868825"/>
+            <a:ext cx="7482685" cy="3112875"/>
+          </a:xfrm>
+        </p:spPr>
+      </p:pic>
+      <p:sp>
+        <p:nvSpPr>
+          <p:cNvPr id="4" name="Номер слайда 3"/>
+          <p:cNvSpPr>
+            <a:spLocks noGrp="1"/>
+          </p:cNvSpPr>
+          <p:nvPr>
+            <p:ph type="sldNum" sz="quarter" idx="12"/>
+          </p:nvPr>
+        </p:nvSpPr>
+        <p:spPr/>
+        <p:txBody>
+          <a:bodyPr/>
+          <a:lstStyle/>
+          <a:p>
+            <a:fld id="{D1A40677-FD44-493F-9950-230061FFD32D}" type="slidenum">
+              <a:rPr lang="ru-RU" smtClean="0"/>
+              <a:t>3</a:t>
+            </a:fld>
+            <a:endParaRPr lang="ru-RU"/>
+          </a:p>
+        </p:txBody>
+      </p:sp>
+      <p:sp>
+        <p:nvSpPr>
+          <p:cNvPr id="5" name="Прямоугольник 4"/>
+          <p:cNvSpPr/>
+          <p:nvPr/>
+        </p:nvSpPr>
+        <p:spPr>
+          <a:xfrm>
+            <a:off x="353291" y="5981700"/>
+            <a:ext cx="8125691" cy="5355312"/>
+          </a:xfrm>
+          <a:prstGeom prst="rect">
+            <a:avLst/>
+          </a:prstGeom>
+        </p:spPr>
+        <p:txBody>
+          <a:bodyPr wrap="square">
+            <a:spAutoFit/>
+          </a:bodyPr>
+          <a:lstStyle/>
+          <a:p>
+            <a:r>
+              <a:rPr lang="ru-RU" dirty="0"/>
+              <a:t/>
+            </a:r>
+            <a:br>
+              <a:rPr lang="ru-RU" dirty="0"/>
+            </a:br>
+            <a:endParaRPr lang="ru-RU" dirty="0"/>
+          </a:p>
+          <a:p>
+            <a:r>
+              <a:rPr lang="ru-RU" dirty="0"/>
+              <a:t/>
+            </a:r>
+            <a:br>
+              <a:rPr lang="ru-RU" dirty="0"/>
+            </a:br>
+            <a:endParaRPr lang="ru-RU" dirty="0"/>
+          </a:p>
+          <a:p>
+            <a:r>
+              <a:rPr lang="ru-RU" dirty="0"/>
+              <a:t>Одно и то же оборудование, разрабатываемое для разных автомобильных компаний с различной внутренней архитектурой программного обеспечения при тестировании ПО может рассматриваться в качестве «черного ящика». Данное понятие предложил У.Р. Эшби в своей книге «Введение в кибернетику</a:t>
+            </a:r>
+            <a:r>
+              <a:rPr lang="ru-RU" dirty="0" smtClean="0"/>
+              <a:t>». </a:t>
+            </a:r>
+            <a:r>
+              <a:rPr lang="ru-RU" dirty="0"/>
+              <a:t>Под черным ящиком подразумевается объект исследования, внутреннее устройство которого неизвестно. В кибернетических системах оно помогает изучать поведение систем, абстрагируясь от их внутреннего устройства. Такое тестирование называется поведенческим. В этом случае проверяется функциональное поведение объекта с точки зрения внешнего мира. Под этой стратегией понимается создание тестов для тестового набора, основанных на технических требованиях и их спецификациях. Фактически, при поведенческом тестировании известно какой результат должен быть при определенном наборе данных, которые подаются на вход. Проанализировав требования и спецификации </a:t>
+            </a:r>
+            <a:r>
+              <a:rPr lang="ru-RU" dirty="0" err="1"/>
+              <a:t>тестировщик</a:t>
+            </a:r>
+            <a:r>
+              <a:rPr lang="ru-RU" dirty="0"/>
+              <a:t> может легко определить набор тестовых сценариев для проверки различной функциональности тестируемой системы</a:t>
+            </a:r>
+          </a:p>
+        </p:txBody>
+      </p:sp>
+    </p:spTree>
+    <p:extLst>
+      <p:ext uri="{BB962C8B-B14F-4D97-AF65-F5344CB8AC3E}">
+        <p14:creationId xmlns:p14="http://schemas.microsoft.com/office/powerpoint/2010/main" val="146815848"/>
+      </p:ext>
+    </p:extLst>
+  </p:cSld>
+  <p:clrMapOvr>
+    <a:masterClrMapping/>
+  </p:clrMapOvr>
+</p:sld>
+</file>
+
+<file path=ppt/slides/slide4.xml><?xml version="1.0" encoding="utf-8"?>
+<p:sld xmlns:a="http://schemas.openxmlformats.org/drawingml/2006/main" xmlns:r="http://schemas.openxmlformats.org/officeDocument/2006/relationships" xmlns:p="http://schemas.openxmlformats.org/presentationml/2006/main">
+  <p:cSld>
+    <p:spTree>
+      <p:nvGrpSpPr>
+        <p:cNvPr id="1" name=""/>
+        <p:cNvGrpSpPr/>
+        <p:nvPr/>
+      </p:nvGrpSpPr>
+      <p:grpSpPr>
+        <a:xfrm>
+          <a:off x="0" y="0"/>
+          <a:ext cx="0" cy="0"/>
+          <a:chOff x="0" y="0"/>
+          <a:chExt cx="0" cy="0"/>
+        </a:xfrm>
+      </p:grpSpPr>
+      <p:sp>
+        <p:nvSpPr>
+          <p:cNvPr id="2" name="Заголовок 1"/>
+          <p:cNvSpPr>
+            <a:spLocks noGrp="1"/>
+          </p:cNvSpPr>
+          <p:nvPr>
+            <p:ph type="title"/>
+          </p:nvPr>
+        </p:nvSpPr>
+        <p:spPr/>
+        <p:txBody>
+          <a:bodyPr/>
+          <a:lstStyle/>
+          <a:p>
+            <a:r>
+              <a:rPr lang="en-US" dirty="0" smtClean="0"/>
+              <a:t>BDD</a:t>
+            </a:r>
+            <a:endParaRPr lang="ru-RU" dirty="0"/>
+          </a:p>
+        </p:txBody>
+      </p:sp>
+      <p:sp>
+        <p:nvSpPr>
+          <p:cNvPr id="3" name="Объект 2"/>
+          <p:cNvSpPr>
+            <a:spLocks noGrp="1"/>
+          </p:cNvSpPr>
+          <p:nvPr>
+            <p:ph idx="1"/>
+          </p:nvPr>
+        </p:nvSpPr>
+        <p:spPr/>
+        <p:txBody>
+          <a:bodyPr/>
+          <a:lstStyle/>
+          <a:p>
+            <a:r>
+              <a:rPr lang="ru-RU" dirty="0"/>
+              <a:t>В марте 2006 года Д. </a:t>
+            </a:r>
+            <a:r>
+              <a:rPr lang="ru-RU" dirty="0" err="1"/>
+              <a:t>Норт</a:t>
+            </a:r>
+            <a:r>
+              <a:rPr lang="ru-RU" dirty="0"/>
+              <a:t> предложил </a:t>
+            </a:r>
+            <a:r>
+              <a:rPr lang="ru-RU" dirty="0" smtClean="0"/>
+              <a:t>методологию</a:t>
+            </a:r>
+            <a:r>
+              <a:rPr lang="en-US" dirty="0" smtClean="0"/>
+              <a:t> </a:t>
+            </a:r>
+            <a:r>
+              <a:rPr lang="ru-RU" dirty="0" smtClean="0"/>
+              <a:t> </a:t>
+            </a:r>
+            <a:r>
+              <a:rPr lang="ru-RU" dirty="0"/>
+              <a:t>BDD (</a:t>
+            </a:r>
+            <a:r>
+              <a:rPr lang="ru-RU" dirty="0" err="1"/>
+              <a:t>behaviour-driven</a:t>
+            </a:r>
+            <a:r>
+              <a:rPr lang="ru-RU" dirty="0"/>
+              <a:t> </a:t>
+            </a:r>
+            <a:r>
+              <a:rPr lang="ru-RU" dirty="0" err="1"/>
+              <a:t>development</a:t>
+            </a:r>
+            <a:r>
+              <a:rPr lang="ru-RU" dirty="0"/>
+              <a:t>), основанную на гибкой методологии разработки. </a:t>
+            </a:r>
+            <a:endParaRPr lang="en-US" dirty="0" smtClean="0"/>
+          </a:p>
+          <a:p>
+            <a:pPr marL="0" indent="0">
+              <a:buNone/>
+            </a:pPr>
+            <a:r>
+              <a:rPr lang="ru-RU" dirty="0" smtClean="0"/>
+              <a:t>Идея</a:t>
+            </a:r>
+            <a:r>
+              <a:rPr lang="en-US" dirty="0" smtClean="0"/>
+              <a:t>: </a:t>
+            </a:r>
+            <a:r>
+              <a:rPr lang="ru-RU" dirty="0" smtClean="0"/>
+              <a:t>в процессе </a:t>
+            </a:r>
+            <a:r>
+              <a:rPr lang="ru-RU" dirty="0"/>
+              <a:t>написания требования для разрабатываемого ПО аналитики должны описать тестовые сценарии таким образом, чтобы их смог понять и разработчик, и </a:t>
+            </a:r>
+            <a:r>
+              <a:rPr lang="ru-RU" dirty="0" err="1"/>
+              <a:t>тестировщик</a:t>
+            </a:r>
+            <a:r>
+              <a:rPr lang="ru-RU" dirty="0"/>
+              <a:t>, и заказчик.</a:t>
+            </a:r>
+            <a:endParaRPr lang="en-US" dirty="0"/>
+          </a:p>
+          <a:p>
+            <a:r>
+              <a:rPr lang="ru-RU" dirty="0"/>
+              <a:t>Почти в то же время Эрик Эванс опубликовал книгу «Предметно-ориентированное проектирование</a:t>
+            </a:r>
+            <a:r>
+              <a:rPr lang="ru-RU" dirty="0" smtClean="0"/>
+              <a:t>», </a:t>
+            </a:r>
+            <a:r>
+              <a:rPr lang="ru-RU" dirty="0"/>
+              <a:t>в которой описал набор принципов и схем, направленных на создание оптимальных систем объектов.</a:t>
+            </a:r>
+            <a:endParaRPr lang="en-US" dirty="0" smtClean="0"/>
+          </a:p>
+          <a:p>
+            <a:pPr marL="0" indent="0">
+              <a:buNone/>
+            </a:pPr>
+            <a:r>
+              <a:rPr lang="ru-RU" dirty="0" smtClean="0"/>
+              <a:t>Для </a:t>
+            </a:r>
+            <a:r>
+              <a:rPr lang="ru-RU" dirty="0"/>
+              <a:t>бизнеса удобно смоделировать систему, в которой будет определен единый язык (</a:t>
+            </a:r>
+            <a:r>
+              <a:rPr lang="ru-RU" dirty="0" err="1"/>
+              <a:t>Domain</a:t>
+            </a:r>
+            <a:r>
+              <a:rPr lang="ru-RU" dirty="0"/>
+              <a:t> </a:t>
+            </a:r>
+            <a:r>
+              <a:rPr lang="ru-RU" dirty="0" err="1"/>
+              <a:t>specific</a:t>
+            </a:r>
+            <a:r>
+              <a:rPr lang="ru-RU" dirty="0"/>
+              <a:t> </a:t>
+            </a:r>
+            <a:r>
+              <a:rPr lang="ru-RU" dirty="0" err="1"/>
+              <a:t>language</a:t>
+            </a:r>
+            <a:r>
+              <a:rPr lang="ru-RU" dirty="0"/>
+              <a:t>), основанный на бизнес области, такой, что бизнес словарь смогут использовать как менеджеры так и инженеры.</a:t>
+            </a:r>
+            <a:endParaRPr lang="en-US" dirty="0"/>
+          </a:p>
+          <a:p>
+            <a:endParaRPr lang="ru-RU" dirty="0"/>
+          </a:p>
+        </p:txBody>
+      </p:sp>
+      <p:sp>
+        <p:nvSpPr>
+          <p:cNvPr id="4" name="Номер слайда 3"/>
+          <p:cNvSpPr>
+            <a:spLocks noGrp="1"/>
+          </p:cNvSpPr>
+          <p:nvPr>
+            <p:ph type="sldNum" sz="quarter" idx="12"/>
+          </p:nvPr>
+        </p:nvSpPr>
+        <p:spPr/>
+        <p:txBody>
+          <a:bodyPr/>
+          <a:lstStyle/>
+          <a:p>
+            <a:fld id="{D1A40677-FD44-493F-9950-230061FFD32D}" type="slidenum">
+              <a:rPr lang="ru-RU" smtClean="0"/>
+              <a:t>4</a:t>
+            </a:fld>
+            <a:endParaRPr lang="ru-RU"/>
+          </a:p>
+        </p:txBody>
+      </p:sp>
+    </p:spTree>
+    <p:extLst>
+      <p:ext uri="{BB962C8B-B14F-4D97-AF65-F5344CB8AC3E}">
+        <p14:creationId xmlns:p14="http://schemas.microsoft.com/office/powerpoint/2010/main" val="4191903324"/>
+      </p:ext>
+    </p:extLst>
+  </p:cSld>
+  <p:clrMapOvr>
+    <a:masterClrMapping/>
+  </p:clrMapOvr>
+  <p:timing>
+    <p:tnLst>
+      <p:par>
+        <p:cTn id="1" dur="indefinite" restart="never" nodeType="tmRoot"/>
+      </p:par>
+    </p:tnLst>
+  </p:timing>
+</p:sld>
+</file>
+
+<file path=ppt/slides/slide5.xml><?xml version="1.0" encoding="utf-8"?>
+<p:sld xmlns:a="http://schemas.openxmlformats.org/drawingml/2006/main" xmlns:r="http://schemas.openxmlformats.org/officeDocument/2006/relationships" xmlns:p="http://schemas.openxmlformats.org/presentationml/2006/main">
+  <p:cSld>
+    <p:spTree>
+      <p:nvGrpSpPr>
+        <p:cNvPr id="1" name=""/>
+        <p:cNvGrpSpPr/>
+        <p:nvPr/>
+      </p:nvGrpSpPr>
+      <p:grpSpPr>
+        <a:xfrm>
+          <a:off x="0" y="0"/>
+          <a:ext cx="0" cy="0"/>
+          <a:chOff x="0" y="0"/>
+          <a:chExt cx="0" cy="0"/>
+        </a:xfrm>
+      </p:grpSpPr>
+      <p:sp>
+        <p:nvSpPr>
           <p:cNvPr id="2" name="Title 1"/>
           <p:cNvSpPr>
             <a:spLocks noGrp="1"/>
@@ -5742,54 +6815,113 @@
         </p:nvSpPr>
         <p:spPr/>
         <p:txBody>
+          <a:bodyPr>
+            <a:normAutofit/>
+          </a:bodyPr>
+          <a:lstStyle/>
+          <a:p>
+            <a:r>
+              <a:rPr lang="ru-RU" dirty="0"/>
+              <a:t>Формулировка решаемой </a:t>
+            </a:r>
+            <a:r>
+              <a:rPr lang="ru-RU" dirty="0" smtClean="0"/>
+              <a:t>задачи</a:t>
+            </a:r>
+            <a:endParaRPr lang="ru-RU" dirty="0"/>
+          </a:p>
+        </p:txBody>
+      </p:sp>
+      <p:sp>
+        <p:nvSpPr>
+          <p:cNvPr id="3" name="Content Placeholder 2"/>
+          <p:cNvSpPr>
+            <a:spLocks noGrp="1"/>
+          </p:cNvSpPr>
+          <p:nvPr>
+            <p:ph idx="1"/>
+          </p:nvPr>
+        </p:nvSpPr>
+        <p:spPr/>
+        <p:txBody>
+          <a:bodyPr>
+            <a:normAutofit/>
+          </a:bodyPr>
+          <a:lstStyle/>
+          <a:p>
+            <a:pPr marL="0" indent="0">
+              <a:buNone/>
+            </a:pPr>
+            <a:r>
+              <a:rPr lang="ru-RU" sz="3200" dirty="0" smtClean="0"/>
+              <a:t>Необходимо разработать проблемно-ориентированный язык (</a:t>
+            </a:r>
+            <a:r>
+              <a:rPr lang="en-US" sz="3200" dirty="0" smtClean="0"/>
+              <a:t>DSL</a:t>
+            </a:r>
+            <a:r>
+              <a:rPr lang="ru-RU" sz="3200" dirty="0" smtClean="0"/>
+              <a:t>) </a:t>
+            </a:r>
+            <a:r>
+              <a:rPr lang="ru-RU" sz="3200" dirty="0"/>
+              <a:t>для функционального тестирования автомобильных систем, который </a:t>
+            </a:r>
+            <a:r>
+              <a:rPr lang="ru-RU" sz="3200" dirty="0" smtClean="0"/>
+              <a:t>позволит использовать методологию </a:t>
+            </a:r>
+            <a:r>
+              <a:rPr lang="ru-RU" sz="3200" dirty="0"/>
+              <a:t>«</a:t>
+            </a:r>
+            <a:r>
+              <a:rPr lang="ru-RU" sz="3200" dirty="0" smtClean="0"/>
+              <a:t>разработки </a:t>
+            </a:r>
+            <a:r>
+              <a:rPr lang="ru-RU" sz="3200" dirty="0"/>
+              <a:t>через поведение</a:t>
+            </a:r>
+            <a:r>
+              <a:rPr lang="ru-RU" sz="3200" dirty="0" smtClean="0"/>
+              <a:t>» </a:t>
+            </a:r>
+            <a:r>
+              <a:rPr lang="en-US" sz="3200" dirty="0" smtClean="0"/>
+              <a:t>(BDD)</a:t>
+            </a:r>
+            <a:r>
+              <a:rPr lang="ru-RU" sz="3200" dirty="0" smtClean="0"/>
+              <a:t>, а так же предоставит </a:t>
+            </a:r>
+            <a:r>
+              <a:rPr lang="ru-RU" sz="3200" dirty="0"/>
+              <a:t>функционал, необходимый для симуляции работы автомобильных сетей.</a:t>
+            </a:r>
+            <a:endParaRPr lang="ru-RU" sz="3200" dirty="0"/>
+          </a:p>
+        </p:txBody>
+      </p:sp>
+      <p:sp>
+        <p:nvSpPr>
+          <p:cNvPr id="4" name="Slide Number Placeholder 3"/>
+          <p:cNvSpPr>
+            <a:spLocks noGrp="1"/>
+          </p:cNvSpPr>
+          <p:nvPr>
+            <p:ph type="sldNum" sz="quarter" idx="12"/>
+          </p:nvPr>
+        </p:nvSpPr>
+        <p:spPr/>
+        <p:txBody>
           <a:bodyPr/>
           <a:lstStyle/>
           <a:p>
-            <a:r>
-              <a:rPr lang="ru-RU" dirty="0"/>
-              <a:t>Формулировка решаемой задачи.</a:t>
-            </a:r>
-            <a:endParaRPr lang="ru-RU" dirty="0"/>
-          </a:p>
-        </p:txBody>
-      </p:sp>
-      <p:sp>
-        <p:nvSpPr>
-          <p:cNvPr id="3" name="Content Placeholder 2"/>
-          <p:cNvSpPr>
-            <a:spLocks noGrp="1"/>
-          </p:cNvSpPr>
-          <p:nvPr>
-            <p:ph idx="1"/>
-          </p:nvPr>
-        </p:nvSpPr>
-        <p:spPr/>
-        <p:txBody>
-          <a:bodyPr/>
-          <a:lstStyle/>
-          <a:p>
-            <a:endParaRPr lang="ru-RU"/>
-          </a:p>
-        </p:txBody>
-      </p:sp>
-      <p:sp>
-        <p:nvSpPr>
-          <p:cNvPr id="4" name="Slide Number Placeholder 3"/>
-          <p:cNvSpPr>
-            <a:spLocks noGrp="1"/>
-          </p:cNvSpPr>
-          <p:nvPr>
-            <p:ph type="sldNum" sz="quarter" idx="12"/>
-          </p:nvPr>
-        </p:nvSpPr>
-        <p:spPr/>
-        <p:txBody>
-          <a:bodyPr/>
-          <a:lstStyle/>
-          <a:p>
             <a:fld id="{D1A40677-FD44-493F-9950-230061FFD32D}" type="slidenum">
               <a:rPr lang="ru-RU" smtClean="0"/>
-              <a:t>3</a:t>
+              <a:t>5</a:t>
             </a:fld>
             <a:endParaRPr lang="ru-RU"/>
           </a:p>
@@ -5815,7 +6947,7 @@
 </p:sld>
 </file>
 
-<file path=ppt/slides/slide4.xml><?xml version="1.0" encoding="utf-8"?>
+<file path=ppt/slides/slide6.xml><?xml version="1.0" encoding="utf-8"?>
 <p:sld xmlns:a="http://schemas.openxmlformats.org/drawingml/2006/main" xmlns:r="http://schemas.openxmlformats.org/officeDocument/2006/relationships" xmlns:p="http://schemas.openxmlformats.org/presentationml/2006/main">
   <p:cSld>
     <p:spTree>
@@ -5911,7 +7043,7 @@
           <a:p>
             <a:fld id="{D1A40677-FD44-493F-9950-230061FFD32D}" type="slidenum">
               <a:rPr lang="ru-RU" smtClean="0"/>
-              <a:t>4</a:t>
+              <a:t>6</a:t>
             </a:fld>
             <a:endParaRPr lang="ru-RU"/>
           </a:p>
@@ -5996,7 +7128,7 @@
 </p:sld>
 </file>
 
-<file path=ppt/slides/slide5.xml><?xml version="1.0" encoding="utf-8"?>
+<file path=ppt/slides/slide7.xml><?xml version="1.0" encoding="utf-8"?>
 <p:sld xmlns:a="http://schemas.openxmlformats.org/drawingml/2006/main" xmlns:r="http://schemas.openxmlformats.org/officeDocument/2006/relationships" xmlns:p="http://schemas.openxmlformats.org/presentationml/2006/main">
   <p:cSld>
     <p:spTree>
@@ -6082,7 +7214,7 @@
           <a:p>
             <a:fld id="{D1A40677-FD44-493F-9950-230061FFD32D}" type="slidenum">
               <a:rPr lang="ru-RU" smtClean="0"/>
-              <a:t>5</a:t>
+              <a:t>7</a:t>
             </a:fld>
             <a:endParaRPr lang="ru-RU"/>
           </a:p>
@@ -6138,208 +7270,6 @@
 </p:sld>
 </file>
 
-<file path=ppt/slides/slide6.xml><?xml version="1.0" encoding="utf-8"?>
-<p:sld xmlns:a="http://schemas.openxmlformats.org/drawingml/2006/main" xmlns:r="http://schemas.openxmlformats.org/officeDocument/2006/relationships" xmlns:p="http://schemas.openxmlformats.org/presentationml/2006/main">
-  <p:cSld>
-    <p:spTree>
-      <p:nvGrpSpPr>
-        <p:cNvPr id="1" name=""/>
-        <p:cNvGrpSpPr/>
-        <p:nvPr/>
-      </p:nvGrpSpPr>
-      <p:grpSpPr>
-        <a:xfrm>
-          <a:off x="0" y="0"/>
-          <a:ext cx="0" cy="0"/>
-          <a:chOff x="0" y="0"/>
-          <a:chExt cx="0" cy="0"/>
-        </a:xfrm>
-      </p:grpSpPr>
-      <p:sp>
-        <p:nvSpPr>
-          <p:cNvPr id="2" name="Title 1"/>
-          <p:cNvSpPr>
-            <a:spLocks noGrp="1"/>
-          </p:cNvSpPr>
-          <p:nvPr>
-            <p:ph type="title"/>
-          </p:nvPr>
-        </p:nvSpPr>
-        <p:spPr/>
-        <p:txBody>
-          <a:bodyPr>
-            <a:normAutofit fontScale="90000"/>
-          </a:bodyPr>
-          <a:lstStyle/>
-          <a:p>
-            <a:r>
-              <a:rPr lang="ru-RU" dirty="0"/>
-              <a:t>Формальная постановка задачи: что конкретно должно было быть сделано, какие требования предъявляются к решению, какие критерии качества используются.</a:t>
-            </a:r>
-            <a:endParaRPr lang="ru-RU" dirty="0"/>
-          </a:p>
-        </p:txBody>
-      </p:sp>
-      <p:sp>
-        <p:nvSpPr>
-          <p:cNvPr id="3" name="Content Placeholder 2"/>
-          <p:cNvSpPr>
-            <a:spLocks noGrp="1"/>
-          </p:cNvSpPr>
-          <p:nvPr>
-            <p:ph idx="1"/>
-          </p:nvPr>
-        </p:nvSpPr>
-        <p:spPr/>
-        <p:txBody>
-          <a:bodyPr/>
-          <a:lstStyle/>
-          <a:p>
-            <a:endParaRPr lang="ru-RU"/>
-          </a:p>
-        </p:txBody>
-      </p:sp>
-      <p:sp>
-        <p:nvSpPr>
-          <p:cNvPr id="4" name="Slide Number Placeholder 3"/>
-          <p:cNvSpPr>
-            <a:spLocks noGrp="1"/>
-          </p:cNvSpPr>
-          <p:nvPr>
-            <p:ph type="sldNum" sz="quarter" idx="12"/>
-          </p:nvPr>
-        </p:nvSpPr>
-        <p:spPr/>
-        <p:txBody>
-          <a:bodyPr/>
-          <a:lstStyle/>
-          <a:p>
-            <a:fld id="{D1A40677-FD44-493F-9950-230061FFD32D}" type="slidenum">
-              <a:rPr lang="ru-RU" smtClean="0"/>
-              <a:t>6</a:t>
-            </a:fld>
-            <a:endParaRPr lang="ru-RU"/>
-          </a:p>
-        </p:txBody>
-      </p:sp>
-    </p:spTree>
-    <p:extLst>
-      <p:ext uri="{BB962C8B-B14F-4D97-AF65-F5344CB8AC3E}">
-        <p14:creationId xmlns:p14="http://schemas.microsoft.com/office/powerpoint/2010/main" val="1454983192"/>
-      </p:ext>
-    </p:extLst>
-  </p:cSld>
-  <p:clrMapOvr>
-    <a:masterClrMapping/>
-  </p:clrMapOvr>
-  <p:timing>
-    <p:tnLst>
-      <p:par>
-        <p:cTn id="1" dur="indefinite" restart="never" nodeType="tmRoot"/>
-      </p:par>
-    </p:tnLst>
-  </p:timing>
-</p:sld>
-</file>
-
-<file path=ppt/slides/slide7.xml><?xml version="1.0" encoding="utf-8"?>
-<p:sld xmlns:a="http://schemas.openxmlformats.org/drawingml/2006/main" xmlns:r="http://schemas.openxmlformats.org/officeDocument/2006/relationships" xmlns:p="http://schemas.openxmlformats.org/presentationml/2006/main">
-  <p:cSld>
-    <p:spTree>
-      <p:nvGrpSpPr>
-        <p:cNvPr id="1" name=""/>
-        <p:cNvGrpSpPr/>
-        <p:nvPr/>
-      </p:nvGrpSpPr>
-      <p:grpSpPr>
-        <a:xfrm>
-          <a:off x="0" y="0"/>
-          <a:ext cx="0" cy="0"/>
-          <a:chOff x="0" y="0"/>
-          <a:chExt cx="0" cy="0"/>
-        </a:xfrm>
-      </p:grpSpPr>
-      <p:sp>
-        <p:nvSpPr>
-          <p:cNvPr id="2" name="Title 1"/>
-          <p:cNvSpPr>
-            <a:spLocks noGrp="1"/>
-          </p:cNvSpPr>
-          <p:nvPr>
-            <p:ph type="title"/>
-          </p:nvPr>
-        </p:nvSpPr>
-        <p:spPr/>
-        <p:txBody>
-          <a:bodyPr/>
-          <a:lstStyle/>
-          <a:p>
-            <a:endParaRPr lang="ru-RU"/>
-          </a:p>
-        </p:txBody>
-      </p:sp>
-      <p:sp>
-        <p:nvSpPr>
-          <p:cNvPr id="3" name="Content Placeholder 2"/>
-          <p:cNvSpPr>
-            <a:spLocks noGrp="1"/>
-          </p:cNvSpPr>
-          <p:nvPr>
-            <p:ph idx="1"/>
-          </p:nvPr>
-        </p:nvSpPr>
-        <p:spPr/>
-        <p:txBody>
-          <a:bodyPr/>
-          <a:lstStyle/>
-          <a:p>
-            <a:endParaRPr lang="ru-RU"/>
-          </a:p>
-        </p:txBody>
-      </p:sp>
-      <p:sp>
-        <p:nvSpPr>
-          <p:cNvPr id="4" name="Slide Number Placeholder 3"/>
-          <p:cNvSpPr>
-            <a:spLocks noGrp="1"/>
-          </p:cNvSpPr>
-          <p:nvPr>
-            <p:ph type="sldNum" sz="quarter" idx="12"/>
-          </p:nvPr>
-        </p:nvSpPr>
-        <p:spPr/>
-        <p:txBody>
-          <a:bodyPr/>
-          <a:lstStyle/>
-          <a:p>
-            <a:fld id="{D1A40677-FD44-493F-9950-230061FFD32D}" type="slidenum">
-              <a:rPr lang="ru-RU" smtClean="0"/>
-              <a:t>7</a:t>
-            </a:fld>
-            <a:endParaRPr lang="ru-RU"/>
-          </a:p>
-        </p:txBody>
-      </p:sp>
-    </p:spTree>
-    <p:extLst>
-      <p:ext uri="{BB962C8B-B14F-4D97-AF65-F5344CB8AC3E}">
-        <p14:creationId xmlns:p14="http://schemas.microsoft.com/office/powerpoint/2010/main" val="3767996766"/>
-      </p:ext>
-    </p:extLst>
-  </p:cSld>
-  <p:clrMapOvr>
-    <a:masterClrMapping/>
-  </p:clrMapOvr>
-  <p:timing>
-    <p:tnLst>
-      <p:par>
-        <p:cTn id="1" dur="indefinite" restart="never" nodeType="tmRoot"/>
-      </p:par>
-    </p:tnLst>
-  </p:timing>
-</p:sld>
-</file>
-
 <file path=ppt/slides/slide8.xml><?xml version="1.0" encoding="utf-8"?>
 <p:sld xmlns:a="http://schemas.openxmlformats.org/drawingml/2006/main" xmlns:r="http://schemas.openxmlformats.org/officeDocument/2006/relationships" xmlns:p="http://schemas.openxmlformats.org/presentationml/2006/main">
   <p:cSld>
@@ -6376,9 +7306,8 @@
           <a:p>
             <a:r>
               <a:rPr lang="ru-RU" dirty="0"/>
-              <a:t>Описание решения (если надо, можно привести какую-то информацию об используемых методах, моделях и алгоритмах, но акцент должен быть сделал на Вашем решении; если приводятся какие-то общие сведения, слушатели должны четко понимать, зачем они нужны — в общем случае лучше сначала сформулировать идею Вашего решения, а потом уже сказать про какую-то теорию, если она необходима).</a:t>
-            </a:r>
-            <a:endParaRPr lang="ru-RU" dirty="0"/>
+              <a:t>Формальная постановка задачи: что конкретно должно было быть сделано, какие требования предъявляются к решению, какие критерии качества используются.</a:t>
+            </a:r>
           </a:p>
         </p:txBody>
       </p:sp>
@@ -6427,7 +7356,7 @@
     </p:spTree>
     <p:extLst>
       <p:ext uri="{BB962C8B-B14F-4D97-AF65-F5344CB8AC3E}">
-        <p14:creationId xmlns:p14="http://schemas.microsoft.com/office/powerpoint/2010/main" val="1232499641"/>
+        <p14:creationId xmlns:p14="http://schemas.microsoft.com/office/powerpoint/2010/main" val="1454983192"/>
       </p:ext>
     </p:extLst>
   </p:cSld>
@@ -6476,39 +7405,29 @@
           <a:bodyPr/>
           <a:lstStyle/>
           <a:p>
-            <a:endParaRPr lang="ru-RU" dirty="0"/>
-          </a:p>
-        </p:txBody>
-      </p:sp>
-      <p:pic>
-        <p:nvPicPr>
-          <p:cNvPr id="5" name="Content Placeholder 4"/>
-          <p:cNvPicPr>
-            <a:picLocks noGrp="1" noChangeAspect="1"/>
-          </p:cNvPicPr>
+            <a:endParaRPr lang="ru-RU"/>
+          </a:p>
+        </p:txBody>
+      </p:sp>
+      <p:sp>
+        <p:nvSpPr>
+          <p:cNvPr id="3" name="Content Placeholder 2"/>
+          <p:cNvSpPr>
+            <a:spLocks noGrp="1"/>
+          </p:cNvSpPr>
           <p:nvPr>
             <p:ph idx="1"/>
           </p:nvPr>
-        </p:nvPicPr>
-        <p:blipFill>
-          <a:blip r:embed="rId2">
-            <a:extLst>
-              <a:ext uri="{28A0092B-C50C-407E-A947-70E740481C1C}">
-                <a14:useLocalDpi xmlns:a14="http://schemas.microsoft.com/office/drawing/2010/main" val="0"/>
-              </a:ext>
-            </a:extLst>
-          </a:blip>
-          <a:stretch>
-            <a:fillRect/>
-          </a:stretch>
-        </p:blipFill>
-        <p:spPr>
-          <a:xfrm>
-            <a:off x="924762" y="1167507"/>
-            <a:ext cx="10779754" cy="5488186"/>
-          </a:xfrm>
-        </p:spPr>
-      </p:pic>
+        </p:nvSpPr>
+        <p:spPr/>
+        <p:txBody>
+          <a:bodyPr/>
+          <a:lstStyle/>
+          <a:p>
+            <a:endParaRPr lang="ru-RU"/>
+          </a:p>
+        </p:txBody>
+      </p:sp>
       <p:sp>
         <p:nvSpPr>
           <p:cNvPr id="4" name="Slide Number Placeholder 3"/>
@@ -6535,7 +7454,7 @@
     </p:spTree>
     <p:extLst>
       <p:ext uri="{BB962C8B-B14F-4D97-AF65-F5344CB8AC3E}">
-        <p14:creationId xmlns:p14="http://schemas.microsoft.com/office/powerpoint/2010/main" val="675860413"/>
+        <p14:creationId xmlns:p14="http://schemas.microsoft.com/office/powerpoint/2010/main" val="3767996766"/>
       </p:ext>
     </p:extLst>
   </p:cSld>
@@ -6553,9 +7472,9 @@
 </file>
 
 <file path=ppt/theme/theme1.xml><?xml version="1.0" encoding="utf-8"?>
-<a:theme xmlns:a="http://schemas.openxmlformats.org/drawingml/2006/main" name="Crop">
+<a:theme xmlns:a="http://schemas.openxmlformats.org/drawingml/2006/main" name="Дерево">
   <a:themeElements>
-    <a:clrScheme name="Crop">
+    <a:clrScheme name="Дерево">
       <a:dk1>
         <a:sysClr val="windowText" lastClr="000000"/>
       </a:dk1>
@@ -6563,52 +7482,54 @@
         <a:sysClr val="window" lastClr="FFFFFF"/>
       </a:lt1>
       <a:dk2>
-        <a:srgbClr val="191B0E"/>
+        <a:srgbClr val="696464"/>
       </a:dk2>
       <a:lt2>
-        <a:srgbClr val="EFEDE3"/>
+        <a:srgbClr val="E9E5DC"/>
       </a:lt2>
       <a:accent1>
-        <a:srgbClr val="8C8D86"/>
+        <a:srgbClr val="D34817"/>
       </a:accent1>
       <a:accent2>
-        <a:srgbClr val="E6C069"/>
+        <a:srgbClr val="9B2D1F"/>
       </a:accent2>
       <a:accent3>
-        <a:srgbClr val="897B61"/>
+        <a:srgbClr val="A28E6A"/>
       </a:accent3>
       <a:accent4>
-        <a:srgbClr val="8DAB8E"/>
+        <a:srgbClr val="956251"/>
       </a:accent4>
       <a:accent5>
-        <a:srgbClr val="77A2BB"/>
+        <a:srgbClr val="918485"/>
       </a:accent5>
       <a:accent6>
-        <a:srgbClr val="E28394"/>
+        <a:srgbClr val="855D5D"/>
       </a:accent6>
       <a:hlink>
-        <a:srgbClr val="77A2BB"/>
+        <a:srgbClr val="CC9900"/>
       </a:hlink>
       <a:folHlink>
-        <a:srgbClr val="957A99"/>
+        <a:srgbClr val="96A9A9"/>
       </a:folHlink>
     </a:clrScheme>
-    <a:fontScheme name="Crop">
+    <a:fontScheme name="Дерево">
       <a:majorFont>
-        <a:latin typeface="Franklin Gothic Book" panose="020B0503020102020204"/>
+        <a:latin typeface="Rockwell Condensed" panose="02060603050405020104"/>
         <a:ea typeface=""/>
         <a:cs typeface=""/>
-        <a:font script="Jpan" typeface="メイリオ"/>
-        <a:font script="Hang" typeface="돋움"/>
-        <a:font script="Hans" typeface="华文楷体"/>
+        <a:font script="Grek" typeface="Cambria"/>
+        <a:font script="Cyrl" typeface="Cambria"/>
+        <a:font script="Jpan" typeface="HG明朝B"/>
+        <a:font script="Hang" typeface="바탕"/>
+        <a:font script="Hans" typeface="方正姚体"/>
         <a:font script="Hant" typeface="微軟正黑體"/>
-        <a:font script="Arab" typeface="Tahoma"/>
-        <a:font script="Hebr" typeface="Aharoni"/>
-        <a:font script="Thai" typeface="LilyUPC"/>
+        <a:font script="Arab" typeface="Times New Roman"/>
+        <a:font script="Hebr" typeface="David"/>
+        <a:font script="Thai" typeface="JasmineUPC"/>
         <a:font script="Ethi" typeface="Nyala"/>
         <a:font script="Beng" typeface="Vrinda"/>
         <a:font script="Gujr" typeface="Shruti"/>
-        <a:font script="Khmr" typeface="DaunPenh"/>
+        <a:font script="Khmr" typeface="MoolBoran"/>
         <a:font script="Knda" typeface="Tunga"/>
         <a:font script="Guru" typeface="Raavi"/>
         <a:font script="Cans" typeface="Euphemia"/>
@@ -6625,25 +7546,26 @@
         <a:font script="Laoo" typeface="DokChampa"/>
         <a:font script="Sinh" typeface="Iskoola Pota"/>
         <a:font script="Mong" typeface="Mongolian Baiti"/>
-        <a:font script="Viet" typeface="Tahoma"/>
+        <a:font script="Viet" typeface="Arial"/>
         <a:font script="Uigh" typeface="Microsoft Uighur"/>
-        <a:font script="Geor" typeface="Sylfaen"/>
       </a:majorFont>
       <a:minorFont>
-        <a:latin typeface="Franklin Gothic Book" panose="020B0503020102020204"/>
+        <a:latin typeface="Rockwell" panose="02060603020205020403"/>
         <a:ea typeface=""/>
         <a:cs typeface=""/>
-        <a:font script="Jpan" typeface="メイリオ"/>
-        <a:font script="Hang" typeface="돋움"/>
-        <a:font script="Hans" typeface="华文楷体"/>
-        <a:font script="Hant" typeface="微軟正黑體"/>
-        <a:font script="Arab" typeface="Tahoma"/>
-        <a:font script="Hebr" typeface="Aharoni"/>
-        <a:font script="Thai" typeface="LilyUPC"/>
+        <a:font script="Grek" typeface="Cambria"/>
+        <a:font script="Cyrl" typeface="Cambria"/>
+        <a:font script="Jpan" typeface="HG明朝B"/>
+        <a:font script="Hang" typeface="바탕"/>
+        <a:font script="Hans" typeface="方正姚体"/>
+        <a:font script="Hant" typeface="標楷體"/>
+        <a:font script="Arab" typeface="Times New Roman"/>
+        <a:font script="Hebr" typeface="David"/>
+        <a:font script="Thai" typeface="JasmineUPC"/>
         <a:font script="Ethi" typeface="Nyala"/>
         <a:font script="Beng" typeface="Vrinda"/>
         <a:font script="Gujr" typeface="Shruti"/>
-        <a:font script="Khmr" typeface="DaunPenh"/>
+        <a:font script="Khmr" typeface="MoolBoran"/>
         <a:font script="Knda" typeface="Tunga"/>
         <a:font script="Guru" typeface="Raavi"/>
         <a:font script="Cans" typeface="Euphemia"/>
@@ -6660,83 +7582,59 @@
         <a:font script="Laoo" typeface="DokChampa"/>
         <a:font script="Sinh" typeface="Iskoola Pota"/>
         <a:font script="Mong" typeface="Mongolian Baiti"/>
-        <a:font script="Viet" typeface="Tahoma"/>
+        <a:font script="Viet" typeface="Times New Roman"/>
         <a:font script="Uigh" typeface="Microsoft Uighur"/>
-        <a:font script="Geor" typeface="Sylfaen"/>
       </a:minorFont>
     </a:fontScheme>
-    <a:fmtScheme name="Crop">
+    <a:fmtScheme name="Дерево">
       <a:fillStyleLst>
         <a:solidFill>
           <a:schemeClr val="phClr"/>
         </a:solidFill>
-        <a:gradFill rotWithShape="1">
-          <a:gsLst>
-            <a:gs pos="0">
+        <a:blipFill rotWithShape="1">
+          <a:blip xmlns:r="http://schemas.openxmlformats.org/officeDocument/2006/relationships" r:embed="rId1">
+            <a:duotone>
               <a:schemeClr val="phClr">
-                <a:tint val="67000"/>
-                <a:satMod val="105000"/>
-                <a:lumMod val="110000"/>
+                <a:tint val="70000"/>
+                <a:shade val="63000"/>
               </a:schemeClr>
-            </a:gs>
-            <a:gs pos="50000">
               <a:schemeClr val="phClr">
-                <a:tint val="73000"/>
-                <a:satMod val="103000"/>
-                <a:lumMod val="105000"/>
+                <a:tint val="10000"/>
+                <a:satMod val="150000"/>
               </a:schemeClr>
-            </a:gs>
-            <a:gs pos="100000">
+            </a:duotone>
+          </a:blip>
+          <a:tile tx="0" ty="0" sx="60000" sy="59000" flip="none" algn="tl"/>
+        </a:blipFill>
+        <a:blipFill rotWithShape="1">
+          <a:blip xmlns:r="http://schemas.openxmlformats.org/officeDocument/2006/relationships" r:embed="rId1">
+            <a:duotone>
               <a:schemeClr val="phClr">
-                <a:tint val="81000"/>
-                <a:satMod val="109000"/>
-                <a:lumMod val="105000"/>
+                <a:shade val="36000"/>
+                <a:satMod val="120000"/>
               </a:schemeClr>
-            </a:gs>
-          </a:gsLst>
-          <a:lin ang="5400000" scaled="0"/>
-        </a:gradFill>
-        <a:gradFill rotWithShape="1">
-          <a:gsLst>
-            <a:gs pos="0">
               <a:schemeClr val="phClr">
-                <a:tint val="94000"/>
-                <a:satMod val="103000"/>
-                <a:lumMod val="102000"/>
+                <a:tint val="40000"/>
               </a:schemeClr>
-            </a:gs>
-            <a:gs pos="50000">
-              <a:schemeClr val="phClr">
-                <a:shade val="100000"/>
-                <a:satMod val="110000"/>
-                <a:lumMod val="100000"/>
-              </a:schemeClr>
-            </a:gs>
-            <a:gs pos="100000">
-              <a:schemeClr val="phClr">
-                <a:shade val="78000"/>
-                <a:satMod val="120000"/>
-                <a:lumMod val="99000"/>
-              </a:schemeClr>
-            </a:gs>
-          </a:gsLst>
-          <a:lin ang="5400000" scaled="0"/>
-        </a:gradFill>
+            </a:duotone>
+          </a:blip>
+          <a:tile tx="0" ty="0" sx="60000" sy="59000" flip="none" algn="tl"/>
+        </a:blipFill>
       </a:fillStyleLst>
       <a:lnStyleLst>
-        <a:ln w="6350" cap="flat" cmpd="sng" algn="in">
+        <a:ln w="6350" cap="flat" cmpd="sng" algn="ctr">
           <a:solidFill>
             <a:schemeClr val="phClr"/>
           </a:solidFill>
           <a:prstDash val="solid"/>
         </a:ln>
-        <a:ln w="34925" cap="flat" cmpd="sng" algn="in">
+        <a:ln w="12700" cap="flat" cmpd="sng" algn="ctr">
           <a:solidFill>
             <a:schemeClr val="phClr"/>
           </a:solidFill>
           <a:prstDash val="solid"/>
         </a:ln>
-        <a:ln w="19050" cap="flat" cmpd="sng" algn="in">
+        <a:ln w="19050" cap="flat" cmpd="sng" algn="ctr">
           <a:solidFill>
             <a:schemeClr val="phClr"/>
           </a:solidFill>
@@ -6748,15 +7646,18 @@
           <a:effectLst/>
         </a:effectStyle>
         <a:effectStyle>
-          <a:effectLst/>
+          <a:effectLst>
+            <a:softEdge rad="12700"/>
+          </a:effectLst>
         </a:effectStyle>
         <a:effectStyle>
           <a:effectLst>
-            <a:outerShdw blurRad="57150" dist="19050" dir="5400000" algn="ctr" rotWithShape="0">
+            <a:outerShdw blurRad="50800" dist="19050" dir="5400000" algn="tl" rotWithShape="0">
               <a:srgbClr val="000000">
-                <a:alpha val="35000"/>
+                <a:alpha val="60000"/>
               </a:srgbClr>
             </a:outerShdw>
+            <a:softEdge rad="12700"/>
           </a:effectLst>
         </a:effectStyle>
       </a:effectStyleLst>
@@ -6766,37 +7667,26 @@
         </a:solidFill>
         <a:solidFill>
           <a:schemeClr val="phClr">
-            <a:tint val="95000"/>
-            <a:satMod val="170000"/>
+            <a:shade val="97000"/>
+            <a:satMod val="150000"/>
           </a:schemeClr>
         </a:solidFill>
-        <a:gradFill rotWithShape="1">
-          <a:gsLst>
-            <a:gs pos="0">
+        <a:blipFill rotWithShape="1">
+          <a:blip xmlns:r="http://schemas.openxmlformats.org/officeDocument/2006/relationships" r:embed="rId1">
+            <a:duotone>
               <a:schemeClr val="phClr">
-                <a:tint val="93000"/>
-                <a:shade val="98000"/>
-                <a:satMod val="150000"/>
-                <a:lumMod val="102000"/>
-              </a:schemeClr>
-            </a:gs>
-            <a:gs pos="50000">
-              <a:schemeClr val="phClr">
-                <a:tint val="98000"/>
-                <a:shade val="90000"/>
-                <a:satMod val="130000"/>
-                <a:lumMod val="103000"/>
-              </a:schemeClr>
-            </a:gs>
-            <a:gs pos="100000">
-              <a:schemeClr val="phClr">
-                <a:shade val="63000"/>
+                <a:tint val="75000"/>
+                <a:shade val="58000"/>
                 <a:satMod val="120000"/>
               </a:schemeClr>
-            </a:gs>
-          </a:gsLst>
-          <a:lin ang="5400000" scaled="0"/>
-        </a:gradFill>
+              <a:schemeClr val="phClr">
+                <a:tint val="50000"/>
+                <a:shade val="96000"/>
+              </a:schemeClr>
+            </a:duotone>
+          </a:blip>
+          <a:tile tx="0" ty="0" sx="100000" sy="100000" flip="none" algn="tl"/>
+        </a:blipFill>
       </a:bgFillStyleLst>
     </a:fmtScheme>
   </a:themeElements>
@@ -6804,7 +7694,7 @@
   <a:extraClrSchemeLst/>
   <a:extLst>
     <a:ext uri="{05A4C25C-085E-4340-85A3-A5531E510DB2}">
-      <thm15:themeFamily xmlns:thm15="http://schemas.microsoft.com/office/thememl/2012/main" name="Crop" id="{EC9488ED-E761-4D60-9AC4-764D1FE2C171}" vid="{CE19780C-D67D-4C13-9DE9-A52BC3BA51B4}"/>
+      <thm15:themeFamily xmlns:thm15="http://schemas.microsoft.com/office/thememl/2012/main" name="Wood Type" id="{7ACABC62-BF99-48CF-A9DC-4DB89C7B13DC}" vid="{142A1326-48AB-42A9-8428-CB14AA30176D}"/>
     </a:ext>
   </a:extLst>
 </a:theme>

--- a/защита/презентация.pptx
+++ b/защита/презентация.pptx
@@ -5,10 +5,10 @@
     <p:sldMasterId id="2147483731" r:id="rId1"/>
   </p:sldMasterIdLst>
   <p:notesMasterIdLst>
-    <p:notesMasterId r:id="rId19"/>
+    <p:notesMasterId r:id="rId21"/>
   </p:notesMasterIdLst>
   <p:handoutMasterIdLst>
-    <p:handoutMasterId r:id="rId20"/>
+    <p:handoutMasterId r:id="rId22"/>
   </p:handoutMasterIdLst>
   <p:sldIdLst>
     <p:sldId id="256" r:id="rId2"/>
@@ -19,15 +19,17 @@
     <p:sldId id="262" r:id="rId7"/>
     <p:sldId id="261" r:id="rId8"/>
     <p:sldId id="263" r:id="rId9"/>
-    <p:sldId id="260" r:id="rId10"/>
-    <p:sldId id="264" r:id="rId11"/>
+    <p:sldId id="264" r:id="rId10"/>
+    <p:sldId id="275" r:id="rId11"/>
     <p:sldId id="267" r:id="rId12"/>
-    <p:sldId id="269" r:id="rId13"/>
-    <p:sldId id="266" r:id="rId14"/>
-    <p:sldId id="268" r:id="rId15"/>
-    <p:sldId id="265" r:id="rId16"/>
-    <p:sldId id="270" r:id="rId17"/>
-    <p:sldId id="258" r:id="rId18"/>
+    <p:sldId id="273" r:id="rId13"/>
+    <p:sldId id="269" r:id="rId14"/>
+    <p:sldId id="276" r:id="rId15"/>
+    <p:sldId id="266" r:id="rId16"/>
+    <p:sldId id="268" r:id="rId17"/>
+    <p:sldId id="265" r:id="rId18"/>
+    <p:sldId id="270" r:id="rId19"/>
+    <p:sldId id="258" r:id="rId20"/>
   </p:sldIdLst>
   <p:sldSz cx="12192000" cy="6858000"/>
   <p:notesSz cx="6858000" cy="9144000"/>
@@ -155,18 +157,20 @@
         <p14:section name="Формальная постановка задачи" id="{C658AF04-98C1-431D-9B16-943414BDF4D5}">
           <p14:sldIdLst>
             <p14:sldId id="263"/>
-            <p14:sldId id="260"/>
           </p14:sldIdLst>
         </p14:section>
         <p14:section name="Описание решения" id="{960513E7-81D1-4950-AD15-B683465F1117}">
           <p14:sldIdLst>
             <p14:sldId id="264"/>
+            <p14:sldId id="275"/>
             <p14:sldId id="267"/>
+            <p14:sldId id="273"/>
             <p14:sldId id="269"/>
           </p14:sldIdLst>
         </p14:section>
         <p14:section name="Результаты" id="{BDBD1419-9E01-48AB-831E-3C5C5F648A1D}">
           <p14:sldIdLst>
+            <p14:sldId id="276"/>
             <p14:sldId id="266"/>
             <p14:sldId id="268"/>
           </p14:sldIdLst>
@@ -5171,7 +5175,7 @@
       </p:grpSpPr>
       <p:sp>
         <p:nvSpPr>
-          <p:cNvPr id="2" name="Title 1"/>
+          <p:cNvPr id="2" name="Заголовок 1"/>
           <p:cNvSpPr>
             <a:spLocks noGrp="1"/>
           </p:cNvSpPr>
@@ -5181,40 +5185,20 @@
         </p:nvSpPr>
         <p:spPr/>
         <p:txBody>
-          <a:bodyPr>
-            <a:normAutofit fontScale="90000"/>
-          </a:bodyPr>
-          <a:lstStyle/>
-          <a:p>
-            <a:r>
-              <a:rPr lang="ru-RU" dirty="0"/>
-              <a:t>Описание решения (если надо, можно привести какую-то информацию об используемых методах, моделях и алгоритмах, но акцент должен быть сделал на Вашем решении; если приводятся какие-то общие сведения, слушатели должны четко понимать, зачем они нужны — в общем случае лучше сначала сформулировать идею Вашего решения, а потом уже сказать про какую-то теорию, если она необходима).</a:t>
-            </a:r>
-          </a:p>
-        </p:txBody>
-      </p:sp>
-      <p:sp>
-        <p:nvSpPr>
-          <p:cNvPr id="3" name="Content Placeholder 2"/>
-          <p:cNvSpPr>
-            <a:spLocks noGrp="1"/>
-          </p:cNvSpPr>
-          <p:nvPr>
-            <p:ph idx="1"/>
-          </p:nvPr>
-        </p:nvSpPr>
-        <p:spPr/>
-        <p:txBody>
           <a:bodyPr/>
           <a:lstStyle/>
           <a:p>
-            <a:endParaRPr lang="ru-RU"/>
-          </a:p>
-        </p:txBody>
-      </p:sp>
-      <p:sp>
-        <p:nvSpPr>
-          <p:cNvPr id="4" name="Slide Number Placeholder 3"/>
+            <a:r>
+              <a:rPr lang="en-US" dirty="0" smtClean="0"/>
+              <a:t>ANTLR4</a:t>
+            </a:r>
+            <a:endParaRPr lang="ru-RU" dirty="0"/>
+          </a:p>
+        </p:txBody>
+      </p:sp>
+      <p:sp>
+        <p:nvSpPr>
+          <p:cNvPr id="4" name="Номер слайда 3"/>
           <p:cNvSpPr>
             <a:spLocks noGrp="1"/>
           </p:cNvSpPr>
@@ -5235,10 +5219,142 @@
           </a:p>
         </p:txBody>
       </p:sp>
+      <p:sp>
+        <p:nvSpPr>
+          <p:cNvPr id="5" name="Объект 4"/>
+          <p:cNvSpPr>
+            <a:spLocks noGrp="1"/>
+          </p:cNvSpPr>
+          <p:nvPr>
+            <p:ph idx="1"/>
+          </p:nvPr>
+        </p:nvSpPr>
+        <p:spPr>
+          <a:xfrm>
+            <a:off x="7299960" y="1645920"/>
+            <a:ext cx="3828288" cy="3139321"/>
+          </a:xfrm>
+          <a:prstGeom prst="rect">
+            <a:avLst/>
+          </a:prstGeom>
+        </p:spPr>
+        <p:txBody>
+          <a:bodyPr wrap="square">
+            <a:spAutoFit/>
+          </a:bodyPr>
+          <a:lstStyle/>
+          <a:p>
+            <a:pPr marL="0" indent="0">
+              <a:buNone/>
+            </a:pPr>
+            <a:r>
+              <a:rPr lang="ru-RU" dirty="0"/>
+              <a:t>Для реализации языка было выбрано «еще одно средство распознавания языков» ANTLR4 (</a:t>
+            </a:r>
+            <a:r>
+              <a:rPr lang="ru-RU" dirty="0" err="1"/>
+              <a:t>ANother</a:t>
+            </a:r>
+            <a:r>
+              <a:rPr lang="ru-RU" dirty="0"/>
+              <a:t> </a:t>
+            </a:r>
+            <a:r>
+              <a:rPr lang="ru-RU" dirty="0" err="1"/>
+              <a:t>Tool</a:t>
+            </a:r>
+            <a:r>
+              <a:rPr lang="ru-RU" dirty="0"/>
+              <a:t> </a:t>
+            </a:r>
+            <a:r>
+              <a:rPr lang="ru-RU" dirty="0" err="1"/>
+              <a:t>for</a:t>
+            </a:r>
+            <a:r>
+              <a:rPr lang="ru-RU" dirty="0"/>
+              <a:t> </a:t>
+            </a:r>
+            <a:r>
+              <a:rPr lang="ru-RU" dirty="0" err="1"/>
+              <a:t>Language</a:t>
+            </a:r>
+            <a:r>
+              <a:rPr lang="ru-RU" dirty="0"/>
+              <a:t> </a:t>
+            </a:r>
+            <a:r>
+              <a:rPr lang="ru-RU" dirty="0" err="1"/>
+              <a:t>Recognition</a:t>
+            </a:r>
+            <a:r>
+              <a:rPr lang="ru-RU" dirty="0"/>
+              <a:t>). Это генератор нисходящих анализаторов для формальных языков. Он преобразует контекстно-свободную грамматику в форме РБНФ в программу на </a:t>
+            </a:r>
+            <a:r>
+              <a:rPr lang="ru-RU" dirty="0" err="1" smtClean="0"/>
+              <a:t>Java</a:t>
+            </a:r>
+            <a:r>
+              <a:rPr lang="en-US" dirty="0"/>
+              <a:t>.</a:t>
+            </a:r>
+            <a:endParaRPr lang="ru-RU" dirty="0"/>
+          </a:p>
+        </p:txBody>
+      </p:sp>
+      <p:pic>
+        <p:nvPicPr>
+          <p:cNvPr id="6" name="Рисунок 5"/>
+          <p:cNvPicPr>
+            <a:picLocks noChangeAspect="1"/>
+          </p:cNvPicPr>
+          <p:nvPr/>
+        </p:nvPicPr>
+        <p:blipFill>
+          <a:blip r:embed="rId2"/>
+          <a:stretch>
+            <a:fillRect/>
+          </a:stretch>
+        </p:blipFill>
+        <p:spPr>
+          <a:xfrm>
+            <a:off x="277367" y="2093976"/>
+            <a:ext cx="6450771" cy="4361370"/>
+          </a:xfrm>
+          <a:prstGeom prst="rect">
+            <a:avLst/>
+          </a:prstGeom>
+        </p:spPr>
+      </p:pic>
+      <p:pic>
+        <p:nvPicPr>
+          <p:cNvPr id="8" name="Рисунок 7"/>
+          <p:cNvPicPr>
+            <a:picLocks noChangeAspect="1"/>
+          </p:cNvPicPr>
+          <p:nvPr/>
+        </p:nvPicPr>
+        <p:blipFill>
+          <a:blip r:embed="rId3"/>
+          <a:stretch>
+            <a:fillRect/>
+          </a:stretch>
+        </p:blipFill>
+        <p:spPr>
+          <a:xfrm>
+            <a:off x="7051357" y="5074921"/>
+            <a:ext cx="4280481" cy="1380426"/>
+          </a:xfrm>
+          <a:prstGeom prst="rect">
+            <a:avLst/>
+          </a:prstGeom>
+        </p:spPr>
+      </p:pic>
     </p:spTree>
     <p:extLst>
       <p:ext uri="{BB962C8B-B14F-4D97-AF65-F5344CB8AC3E}">
-        <p14:creationId xmlns:p14="http://schemas.microsoft.com/office/powerpoint/2010/main" val="1232499641"/>
+        <p14:creationId xmlns:p14="http://schemas.microsoft.com/office/powerpoint/2010/main" val="2284977108"/>
       </p:ext>
     </p:extLst>
   </p:cSld>
@@ -5287,13 +5403,376 @@
           <a:bodyPr/>
           <a:lstStyle/>
           <a:p>
+            <a:r>
+              <a:rPr lang="en-US" dirty="0" smtClean="0"/>
+              <a:t>AST</a:t>
+            </a:r>
+            <a:endParaRPr lang="ru-RU" dirty="0"/>
+          </a:p>
+        </p:txBody>
+      </p:sp>
+      <p:sp>
+        <p:nvSpPr>
+          <p:cNvPr id="4" name="Slide Number Placeholder 3"/>
+          <p:cNvSpPr>
+            <a:spLocks noGrp="1"/>
+          </p:cNvSpPr>
+          <p:nvPr>
+            <p:ph type="sldNum" sz="quarter" idx="12"/>
+          </p:nvPr>
+        </p:nvSpPr>
+        <p:spPr/>
+        <p:txBody>
+          <a:bodyPr/>
+          <a:lstStyle/>
+          <a:p>
+            <a:fld id="{D1A40677-FD44-493F-9950-230061FFD32D}" type="slidenum">
+              <a:rPr lang="ru-RU" smtClean="0"/>
+              <a:t>11</a:t>
+            </a:fld>
+            <a:endParaRPr lang="ru-RU"/>
+          </a:p>
+        </p:txBody>
+      </p:sp>
+      <p:sp>
+        <p:nvSpPr>
+          <p:cNvPr id="7" name="Прямоугольник 6"/>
+          <p:cNvSpPr/>
+          <p:nvPr/>
+        </p:nvSpPr>
+        <p:spPr>
+          <a:xfrm>
+            <a:off x="7464298" y="2390592"/>
+            <a:ext cx="5273040" cy="4247317"/>
+          </a:xfrm>
+          <a:prstGeom prst="rect">
+            <a:avLst/>
+          </a:prstGeom>
+        </p:spPr>
+        <p:txBody>
+          <a:bodyPr wrap="square">
+            <a:spAutoFit/>
+          </a:bodyPr>
+          <a:lstStyle/>
+          <a:p>
+            <a:r>
+              <a:rPr lang="ru-RU" b="1" dirty="0"/>
+              <a:t>@</a:t>
+            </a:r>
+            <a:r>
+              <a:rPr lang="ru-RU" b="1" dirty="0" err="1"/>
+              <a:t>TestCase</a:t>
+            </a:r>
+            <a:r>
+              <a:rPr lang="ru-RU" dirty="0"/>
+              <a:t> </a:t>
+            </a:r>
+            <a:r>
+              <a:rPr lang="ru-RU" dirty="0" err="1"/>
+              <a:t>test</a:t>
+            </a:r>
+            <a:r>
+              <a:rPr lang="ru-RU" dirty="0"/>
+              <a:t> NVRAM </a:t>
+            </a:r>
+            <a:r>
+              <a:rPr lang="ru-RU" dirty="0" err="1"/>
+              <a:t>functionallity</a:t>
+            </a:r>
+            <a:r>
+              <a:rPr lang="ru-RU" dirty="0"/>
+              <a:t> </a:t>
+            </a:r>
+            <a:r>
+              <a:rPr lang="ru-RU" dirty="0" err="1"/>
+              <a:t>of</a:t>
+            </a:r>
+            <a:r>
+              <a:rPr lang="ru-RU" dirty="0"/>
+              <a:t> </a:t>
+            </a:r>
+            <a:r>
+              <a:rPr lang="ru-RU" dirty="0" err="1" smtClean="0"/>
+              <a:t>did</a:t>
+            </a:r>
+            <a:endParaRPr lang="en-US" dirty="0" smtClean="0"/>
+          </a:p>
+          <a:p>
+            <a:r>
+              <a:rPr lang="ru-RU" dirty="0" smtClean="0"/>
+              <a:t> 0xF101</a:t>
+            </a:r>
+            <a:r>
+              <a:rPr lang="en-US" dirty="0" smtClean="0"/>
+              <a:t> </a:t>
+            </a:r>
+            <a:r>
+              <a:rPr lang="ru-RU" dirty="0" smtClean="0"/>
+              <a:t>(Req_NVRAM1</a:t>
+            </a:r>
+            <a:r>
+              <a:rPr lang="ru-RU" dirty="0"/>
+              <a:t>)</a:t>
+            </a:r>
+          </a:p>
+          <a:p>
+            <a:endParaRPr lang="ru-RU" dirty="0"/>
+          </a:p>
+          <a:p>
+            <a:r>
+              <a:rPr lang="ru-RU" b="1" dirty="0"/>
+              <a:t>@</a:t>
+            </a:r>
+            <a:r>
+              <a:rPr lang="ru-RU" b="1" dirty="0" err="1"/>
+              <a:t>Set</a:t>
+            </a:r>
+            <a:r>
+              <a:rPr lang="ru-RU" dirty="0"/>
+              <a:t> </a:t>
+            </a:r>
+            <a:r>
+              <a:rPr lang="ru-RU" dirty="0" err="1"/>
+              <a:t>ignition</a:t>
+            </a:r>
+            <a:r>
+              <a:rPr lang="ru-RU" dirty="0"/>
+              <a:t> </a:t>
+            </a:r>
+            <a:r>
+              <a:rPr lang="ru-RU" dirty="0" err="1"/>
+              <a:t>on</a:t>
+            </a:r>
+            <a:endParaRPr lang="ru-RU" dirty="0"/>
+          </a:p>
+          <a:p>
+            <a:r>
+              <a:rPr lang="ru-RU" b="1" dirty="0"/>
+              <a:t>@</a:t>
+            </a:r>
+            <a:r>
+              <a:rPr lang="ru-RU" b="1" dirty="0" err="1"/>
+              <a:t>Send</a:t>
+            </a:r>
+            <a:r>
+              <a:rPr lang="ru-RU" dirty="0"/>
+              <a:t> </a:t>
+            </a:r>
+            <a:r>
+              <a:rPr lang="ru-RU" dirty="0" err="1"/>
+              <a:t>request</a:t>
+            </a:r>
+            <a:r>
+              <a:rPr lang="ru-RU" dirty="0"/>
+              <a:t> [2E F1 01 00 01 A5]</a:t>
+            </a:r>
+          </a:p>
+          <a:p>
+            <a:r>
+              <a:rPr lang="ru-RU" b="1" dirty="0"/>
+              <a:t>@</a:t>
+            </a:r>
+            <a:r>
+              <a:rPr lang="ru-RU" b="1" dirty="0" err="1"/>
+              <a:t>Recieve</a:t>
+            </a:r>
+            <a:r>
+              <a:rPr lang="ru-RU" dirty="0"/>
+              <a:t> </a:t>
+            </a:r>
+            <a:r>
+              <a:rPr lang="ru-RU" dirty="0" err="1"/>
+              <a:t>response</a:t>
+            </a:r>
+            <a:r>
+              <a:rPr lang="ru-RU" dirty="0"/>
+              <a:t> [6E F1 01]</a:t>
+            </a:r>
+          </a:p>
+          <a:p>
+            <a:r>
+              <a:rPr lang="ru-RU" b="1" dirty="0"/>
+              <a:t>@</a:t>
+            </a:r>
+            <a:r>
+              <a:rPr lang="ru-RU" b="1" dirty="0" err="1"/>
+              <a:t>Set</a:t>
+            </a:r>
+            <a:r>
+              <a:rPr lang="ru-RU" dirty="0"/>
+              <a:t> </a:t>
+            </a:r>
+            <a:r>
+              <a:rPr lang="ru-RU" dirty="0" err="1"/>
+              <a:t>ignition</a:t>
+            </a:r>
+            <a:r>
+              <a:rPr lang="ru-RU" dirty="0"/>
+              <a:t> </a:t>
+            </a:r>
+            <a:r>
+              <a:rPr lang="ru-RU" dirty="0" err="1"/>
+              <a:t>off</a:t>
+            </a:r>
+            <a:endParaRPr lang="ru-RU" dirty="0"/>
+          </a:p>
+          <a:p>
+            <a:endParaRPr lang="ru-RU" dirty="0"/>
+          </a:p>
+          <a:p>
+            <a:r>
+              <a:rPr lang="ru-RU" b="1" dirty="0"/>
+              <a:t>@</a:t>
+            </a:r>
+            <a:r>
+              <a:rPr lang="ru-RU" b="1" dirty="0" err="1"/>
+              <a:t>Set</a:t>
+            </a:r>
+            <a:r>
+              <a:rPr lang="ru-RU" dirty="0"/>
+              <a:t> </a:t>
+            </a:r>
+            <a:r>
+              <a:rPr lang="ru-RU" dirty="0" err="1"/>
+              <a:t>ignition</a:t>
+            </a:r>
+            <a:r>
+              <a:rPr lang="ru-RU" dirty="0"/>
+              <a:t> </a:t>
+            </a:r>
+            <a:r>
+              <a:rPr lang="ru-RU" dirty="0" err="1"/>
+              <a:t>on</a:t>
+            </a:r>
+            <a:endParaRPr lang="ru-RU" dirty="0"/>
+          </a:p>
+          <a:p>
+            <a:r>
+              <a:rPr lang="ru-RU" b="1" dirty="0"/>
+              <a:t>@</a:t>
+            </a:r>
+            <a:r>
+              <a:rPr lang="ru-RU" b="1" dirty="0" err="1"/>
+              <a:t>Repeat</a:t>
+            </a:r>
+            <a:r>
+              <a:rPr lang="ru-RU" dirty="0"/>
+              <a:t>[2][</a:t>
+            </a:r>
+          </a:p>
+          <a:p>
+            <a:r>
+              <a:rPr lang="ru-RU" dirty="0"/>
+              <a:t>    </a:t>
+            </a:r>
+            <a:r>
+              <a:rPr lang="ru-RU" b="1" dirty="0"/>
+              <a:t>@</a:t>
+            </a:r>
+            <a:r>
+              <a:rPr lang="ru-RU" dirty="0" err="1"/>
+              <a:t>Send</a:t>
+            </a:r>
+            <a:r>
+              <a:rPr lang="ru-RU" dirty="0"/>
+              <a:t> </a:t>
+            </a:r>
+            <a:r>
+              <a:rPr lang="ru-RU" dirty="0" err="1"/>
+              <a:t>request</a:t>
+            </a:r>
+            <a:r>
+              <a:rPr lang="ru-RU" dirty="0"/>
+              <a:t> [22 F1 01]</a:t>
+            </a:r>
+          </a:p>
+          <a:p>
+            <a:r>
+              <a:rPr lang="ru-RU" dirty="0"/>
+              <a:t>    </a:t>
+            </a:r>
+            <a:r>
+              <a:rPr lang="ru-RU" b="1" dirty="0"/>
+              <a:t>@</a:t>
+            </a:r>
+            <a:r>
+              <a:rPr lang="ru-RU" dirty="0" err="1"/>
+              <a:t>Pause</a:t>
+            </a:r>
+            <a:r>
+              <a:rPr lang="ru-RU" dirty="0"/>
+              <a:t> [100] </a:t>
+            </a:r>
+            <a:r>
+              <a:rPr lang="ru-RU" dirty="0" err="1"/>
+              <a:t>ms</a:t>
+            </a:r>
+            <a:endParaRPr lang="ru-RU" dirty="0"/>
+          </a:p>
+          <a:p>
+            <a:r>
+              <a:rPr lang="ru-RU" dirty="0"/>
+              <a:t>    </a:t>
+            </a:r>
+            <a:r>
+              <a:rPr lang="ru-RU" b="1" dirty="0"/>
+              <a:t>@</a:t>
+            </a:r>
+            <a:r>
+              <a:rPr lang="ru-RU" dirty="0" err="1"/>
+              <a:t>Recieve</a:t>
+            </a:r>
+            <a:r>
+              <a:rPr lang="ru-RU" dirty="0"/>
+              <a:t> </a:t>
+            </a:r>
+            <a:r>
+              <a:rPr lang="ru-RU" dirty="0" err="1"/>
+              <a:t>response</a:t>
+            </a:r>
+            <a:r>
+              <a:rPr lang="ru-RU" dirty="0"/>
+              <a:t> [62 F1 01 00 01 A5]</a:t>
+            </a:r>
+          </a:p>
+          <a:p>
+            <a:r>
+              <a:rPr lang="ru-RU" dirty="0"/>
+              <a:t>]</a:t>
+            </a:r>
+          </a:p>
+          <a:p>
+            <a:r>
+              <a:rPr lang="ru-RU" b="1" dirty="0"/>
+              <a:t>@</a:t>
+            </a:r>
+            <a:r>
+              <a:rPr lang="ru-RU" b="1" dirty="0" err="1"/>
+              <a:t>Set</a:t>
+            </a:r>
+            <a:r>
+              <a:rPr lang="ru-RU" dirty="0"/>
+              <a:t> </a:t>
+            </a:r>
+            <a:r>
+              <a:rPr lang="ru-RU" dirty="0" err="1"/>
+              <a:t>ignition</a:t>
+            </a:r>
+            <a:r>
+              <a:rPr lang="ru-RU" dirty="0"/>
+              <a:t> </a:t>
+            </a:r>
+            <a:r>
+              <a:rPr lang="ru-RU" dirty="0" err="1"/>
+              <a:t>off</a:t>
+            </a:r>
             <a:endParaRPr lang="ru-RU" dirty="0"/>
           </a:p>
         </p:txBody>
       </p:sp>
       <p:pic>
         <p:nvPicPr>
-          <p:cNvPr id="5" name="Content Placeholder 4"/>
+          <p:cNvPr id="9" name="Объект 8"/>
           <p:cNvPicPr>
             <a:picLocks noGrp="1" noChangeAspect="1"/>
           </p:cNvPicPr>
@@ -5315,34 +5794,11 @@
         </p:blipFill>
         <p:spPr>
           <a:xfrm>
-            <a:off x="924762" y="1167507"/>
-            <a:ext cx="10779754" cy="5488186"/>
+            <a:off x="460248" y="2390592"/>
+            <a:ext cx="7004050" cy="4051300"/>
           </a:xfrm>
         </p:spPr>
       </p:pic>
-      <p:sp>
-        <p:nvSpPr>
-          <p:cNvPr id="4" name="Slide Number Placeholder 3"/>
-          <p:cNvSpPr>
-            <a:spLocks noGrp="1"/>
-          </p:cNvSpPr>
-          <p:nvPr>
-            <p:ph type="sldNum" sz="quarter" idx="12"/>
-          </p:nvPr>
-        </p:nvSpPr>
-        <p:spPr/>
-        <p:txBody>
-          <a:bodyPr/>
-          <a:lstStyle/>
-          <a:p>
-            <a:fld id="{D1A40677-FD44-493F-9950-230061FFD32D}" type="slidenum">
-              <a:rPr lang="ru-RU" smtClean="0"/>
-              <a:t>11</a:t>
-            </a:fld>
-            <a:endParaRPr lang="ru-RU"/>
-          </a:p>
-        </p:txBody>
-      </p:sp>
     </p:spTree>
     <p:extLst>
       <p:ext uri="{BB962C8B-B14F-4D97-AF65-F5344CB8AC3E}">
@@ -5382,7 +5838,7 @@
       </p:grpSpPr>
       <p:sp>
         <p:nvSpPr>
-          <p:cNvPr id="2" name="Title 1"/>
+          <p:cNvPr id="2" name="Заголовок 1"/>
           <p:cNvSpPr>
             <a:spLocks noGrp="1"/>
           </p:cNvSpPr>
@@ -5397,68 +5853,134 @@
           <a:p>
             <a:r>
               <a:rPr lang="ru-RU" dirty="0" smtClean="0"/>
-              <a:t>Диаграмма классов</a:t>
+              <a:t>Реализация языка</a:t>
             </a:r>
             <a:endParaRPr lang="ru-RU" dirty="0"/>
+          </a:p>
+        </p:txBody>
+      </p:sp>
+      <p:sp>
+        <p:nvSpPr>
+          <p:cNvPr id="3" name="Объект 2"/>
+          <p:cNvSpPr>
+            <a:spLocks noGrp="1"/>
+          </p:cNvSpPr>
+          <p:nvPr>
+            <p:ph idx="1"/>
+          </p:nvPr>
+        </p:nvSpPr>
+        <p:spPr>
+          <a:xfrm>
+            <a:off x="381000" y="2365248"/>
+            <a:ext cx="11338560" cy="3898392"/>
+          </a:xfrm>
+        </p:spPr>
+        <p:txBody>
+          <a:bodyPr>
+            <a:normAutofit/>
+          </a:bodyPr>
+          <a:lstStyle/>
+          <a:p>
+            <a:r>
+              <a:rPr lang="ru-RU" dirty="0" smtClean="0"/>
+              <a:t>Рефлексия </a:t>
+            </a:r>
+            <a:r>
+              <a:rPr lang="ru-RU" dirty="0"/>
+              <a:t>(от лат. </a:t>
+            </a:r>
+            <a:r>
+              <a:rPr lang="ru-RU" dirty="0" err="1"/>
+              <a:t>reflexio</a:t>
+            </a:r>
+            <a:r>
+              <a:rPr lang="ru-RU" dirty="0"/>
+              <a:t> — обращение назад) — это механизм исследования данных о программе во время её выполнения. Рефлексия позволяет исследовать информацию о полях, методах и конструкторах </a:t>
+            </a:r>
+            <a:r>
+              <a:rPr lang="ru-RU" dirty="0" smtClean="0"/>
+              <a:t>классов. </a:t>
+            </a:r>
+            <a:endParaRPr lang="en-US" dirty="0"/>
+          </a:p>
+          <a:p>
+            <a:r>
+              <a:rPr lang="ru-RU" dirty="0"/>
+              <a:t>Для реализации функционала симуляции автомобильных сетей используется универсальный программный интерфейс </a:t>
+            </a:r>
+            <a:r>
+              <a:rPr lang="en-US" dirty="0"/>
+              <a:t>XL-Driver-Library, </a:t>
+            </a:r>
+            <a:r>
+              <a:rPr lang="ru-RU" dirty="0"/>
+              <a:t>позволяющий получить доступ к интерфейсам аппаратных средств </a:t>
+            </a:r>
+            <a:r>
+              <a:rPr lang="en-US" dirty="0"/>
+              <a:t>Vector. </a:t>
+            </a:r>
+            <a:endParaRPr lang="ru-RU" dirty="0"/>
+          </a:p>
+          <a:p>
+            <a:endParaRPr lang="en-US" dirty="0" smtClean="0"/>
+          </a:p>
+          <a:p>
+            <a:endParaRPr lang="ru-RU" dirty="0" smtClean="0"/>
+          </a:p>
+        </p:txBody>
+      </p:sp>
+      <p:sp>
+        <p:nvSpPr>
+          <p:cNvPr id="4" name="Номер слайда 3"/>
+          <p:cNvSpPr>
+            <a:spLocks noGrp="1"/>
+          </p:cNvSpPr>
+          <p:nvPr>
+            <p:ph type="sldNum" sz="quarter" idx="12"/>
+          </p:nvPr>
+        </p:nvSpPr>
+        <p:spPr/>
+        <p:txBody>
+          <a:bodyPr/>
+          <a:lstStyle/>
+          <a:p>
+            <a:fld id="{D1A40677-FD44-493F-9950-230061FFD32D}" type="slidenum">
+              <a:rPr lang="ru-RU" smtClean="0"/>
+              <a:t>12</a:t>
+            </a:fld>
+            <a:endParaRPr lang="ru-RU"/>
           </a:p>
         </p:txBody>
       </p:sp>
       <p:pic>
         <p:nvPicPr>
-          <p:cNvPr id="5" name="Content Placeholder 4"/>
+          <p:cNvPr id="5" name="Рисунок 4"/>
           <p:cNvPicPr>
-            <a:picLocks noGrp="1" noChangeAspect="1"/>
+            <a:picLocks noChangeAspect="1"/>
           </p:cNvPicPr>
-          <p:nvPr>
-            <p:ph idx="1"/>
-          </p:nvPr>
+          <p:nvPr/>
         </p:nvPicPr>
         <p:blipFill>
-          <a:blip r:embed="rId2">
-            <a:extLst>
-              <a:ext uri="{28A0092B-C50C-407E-A947-70E740481C1C}">
-                <a14:useLocalDpi xmlns:a14="http://schemas.microsoft.com/office/drawing/2010/main" val="0"/>
-              </a:ext>
-            </a:extLst>
-          </a:blip>
+          <a:blip r:embed="rId2"/>
           <a:stretch>
             <a:fillRect/>
           </a:stretch>
         </p:blipFill>
         <p:spPr>
           <a:xfrm>
-            <a:off x="1371599" y="2205779"/>
-            <a:ext cx="8873067" cy="4247607"/>
+            <a:off x="504825" y="4578921"/>
+            <a:ext cx="6457950" cy="1876425"/>
           </a:xfrm>
+          <a:prstGeom prst="rect">
+            <a:avLst/>
+          </a:prstGeom>
         </p:spPr>
       </p:pic>
-      <p:sp>
-        <p:nvSpPr>
-          <p:cNvPr id="4" name="Slide Number Placeholder 3"/>
-          <p:cNvSpPr>
-            <a:spLocks noGrp="1"/>
-          </p:cNvSpPr>
-          <p:nvPr>
-            <p:ph type="sldNum" sz="quarter" idx="12"/>
-          </p:nvPr>
-        </p:nvSpPr>
-        <p:spPr/>
-        <p:txBody>
-          <a:bodyPr/>
-          <a:lstStyle/>
-          <a:p>
-            <a:fld id="{D1A40677-FD44-493F-9950-230061FFD32D}" type="slidenum">
-              <a:rPr lang="ru-RU" smtClean="0"/>
-              <a:t>12</a:t>
-            </a:fld>
-            <a:endParaRPr lang="ru-RU"/>
-          </a:p>
-        </p:txBody>
-      </p:sp>
     </p:spTree>
     <p:extLst>
       <p:ext uri="{BB962C8B-B14F-4D97-AF65-F5344CB8AC3E}">
-        <p14:creationId xmlns:p14="http://schemas.microsoft.com/office/powerpoint/2010/main" val="1863166779"/>
+        <p14:creationId xmlns:p14="http://schemas.microsoft.com/office/powerpoint/2010/main" val="3054760880"/>
       </p:ext>
     </p:extLst>
   </p:cSld>
@@ -5504,15 +6026,14 @@
         </p:nvSpPr>
         <p:spPr/>
         <p:txBody>
-          <a:bodyPr>
-            <a:normAutofit/>
-          </a:bodyPr>
-          <a:lstStyle/>
-          <a:p>
-            <a:r>
-              <a:rPr lang="ru-RU" dirty="0"/>
-              <a:t>Описание полученных результатов </a:t>
-            </a:r>
+          <a:bodyPr/>
+          <a:lstStyle/>
+          <a:p>
+            <a:r>
+              <a:rPr lang="ru-RU" dirty="0" smtClean="0"/>
+              <a:t>Диаграмма классов</a:t>
+            </a:r>
+            <a:endParaRPr lang="ru-RU" dirty="0"/>
           </a:p>
         </p:txBody>
       </p:sp>
@@ -5540,8 +6061,8 @@
         </p:blipFill>
         <p:spPr>
           <a:xfrm>
-            <a:off x="1371600" y="2171700"/>
-            <a:ext cx="5449110" cy="2298700"/>
+            <a:off x="1371599" y="2205779"/>
+            <a:ext cx="8873067" cy="4247607"/>
           </a:xfrm>
         </p:spPr>
       </p:pic>
@@ -5571,7 +6092,7 @@
     </p:spTree>
     <p:extLst>
       <p:ext uri="{BB962C8B-B14F-4D97-AF65-F5344CB8AC3E}">
-        <p14:creationId xmlns:p14="http://schemas.microsoft.com/office/powerpoint/2010/main" val="2456218986"/>
+        <p14:creationId xmlns:p14="http://schemas.microsoft.com/office/powerpoint/2010/main" val="1863166779"/>
       </p:ext>
     </p:extLst>
   </p:cSld>
@@ -5607,7 +6128,7 @@
       </p:grpSpPr>
       <p:sp>
         <p:nvSpPr>
-          <p:cNvPr id="2" name="Title 1"/>
+          <p:cNvPr id="2" name="Заголовок 1"/>
           <p:cNvSpPr>
             <a:spLocks noGrp="1"/>
           </p:cNvSpPr>
@@ -5617,139 +6138,87 @@
         </p:nvSpPr>
         <p:spPr/>
         <p:txBody>
-          <a:bodyPr>
-            <a:normAutofit fontScale="90000"/>
-          </a:bodyPr>
+          <a:bodyPr/>
           <a:lstStyle/>
           <a:p>
             <a:r>
               <a:rPr lang="ru-RU" dirty="0" smtClean="0"/>
-              <a:t>Результат опроса потенциальных пользователей</a:t>
+              <a:t>Тестирование интерпретатора</a:t>
             </a:r>
             <a:endParaRPr lang="ru-RU" dirty="0"/>
+          </a:p>
+        </p:txBody>
+      </p:sp>
+      <p:sp>
+        <p:nvSpPr>
+          <p:cNvPr id="3" name="Объект 2"/>
+          <p:cNvSpPr>
+            <a:spLocks noGrp="1"/>
+          </p:cNvSpPr>
+          <p:nvPr>
+            <p:ph idx="1"/>
+          </p:nvPr>
+        </p:nvSpPr>
+        <p:spPr/>
+        <p:txBody>
+          <a:bodyPr/>
+          <a:lstStyle/>
+          <a:p>
+            <a:endParaRPr lang="ru-RU"/>
+          </a:p>
+        </p:txBody>
+      </p:sp>
+      <p:sp>
+        <p:nvSpPr>
+          <p:cNvPr id="4" name="Номер слайда 3"/>
+          <p:cNvSpPr>
+            <a:spLocks noGrp="1"/>
+          </p:cNvSpPr>
+          <p:nvPr>
+            <p:ph type="sldNum" sz="quarter" idx="12"/>
+          </p:nvPr>
+        </p:nvSpPr>
+        <p:spPr/>
+        <p:txBody>
+          <a:bodyPr/>
+          <a:lstStyle/>
+          <a:p>
+            <a:fld id="{D1A40677-FD44-493F-9950-230061FFD32D}" type="slidenum">
+              <a:rPr lang="ru-RU" smtClean="0"/>
+              <a:t>14</a:t>
+            </a:fld>
+            <a:endParaRPr lang="ru-RU"/>
           </a:p>
         </p:txBody>
       </p:sp>
       <p:pic>
         <p:nvPicPr>
-          <p:cNvPr id="5" name="Content Placeholder 4"/>
+          <p:cNvPr id="5" name="Рисунок 4"/>
           <p:cNvPicPr>
-            <a:picLocks noGrp="1" noChangeAspect="1"/>
+            <a:picLocks noChangeAspect="1"/>
           </p:cNvPicPr>
-          <p:nvPr>
-            <p:ph idx="1"/>
-          </p:nvPr>
+          <p:nvPr/>
         </p:nvPicPr>
         <p:blipFill>
-          <a:blip r:embed="rId2">
-            <a:extLst>
-              <a:ext uri="{28A0092B-C50C-407E-A947-70E740481C1C}">
-                <a14:useLocalDpi xmlns:a14="http://schemas.microsoft.com/office/drawing/2010/main" val="0"/>
-              </a:ext>
-            </a:extLst>
-          </a:blip>
+          <a:blip r:embed="rId2"/>
           <a:stretch>
             <a:fillRect/>
           </a:stretch>
         </p:blipFill>
         <p:spPr>
           <a:xfrm>
-            <a:off x="1246468" y="2777065"/>
-            <a:ext cx="5748302" cy="2931253"/>
-          </a:xfrm>
-        </p:spPr>
-      </p:pic>
-      <p:sp>
-        <p:nvSpPr>
-          <p:cNvPr id="4" name="Slide Number Placeholder 3"/>
-          <p:cNvSpPr>
-            <a:spLocks noGrp="1"/>
-          </p:cNvSpPr>
-          <p:nvPr>
-            <p:ph type="sldNum" sz="quarter" idx="12"/>
-          </p:nvPr>
-        </p:nvSpPr>
-        <p:spPr/>
-        <p:txBody>
-          <a:bodyPr/>
-          <a:lstStyle/>
-          <a:p>
-            <a:fld id="{D1A40677-FD44-493F-9950-230061FFD32D}" type="slidenum">
-              <a:rPr lang="ru-RU" smtClean="0"/>
-              <a:t>14</a:t>
-            </a:fld>
-            <a:endParaRPr lang="ru-RU"/>
-          </a:p>
-        </p:txBody>
-      </p:sp>
-      <p:sp>
-        <p:nvSpPr>
-          <p:cNvPr id="6" name="Rectangle 5"/>
-          <p:cNvSpPr/>
-          <p:nvPr/>
-        </p:nvSpPr>
-        <p:spPr>
-          <a:xfrm>
-            <a:off x="7162800" y="2599775"/>
-            <a:ext cx="4876799" cy="3108543"/>
+            <a:off x="1069848" y="2158375"/>
+            <a:ext cx="6306312" cy="4114409"/>
           </a:xfrm>
           <a:prstGeom prst="rect">
             <a:avLst/>
           </a:prstGeom>
         </p:spPr>
-        <p:txBody>
-          <a:bodyPr wrap="square">
-            <a:spAutoFit/>
-          </a:bodyPr>
-          <a:lstStyle/>
-          <a:p>
-            <a:r>
-              <a:rPr lang="ru-RU" sz="2800" dirty="0" smtClean="0">
-                <a:effectLst/>
-              </a:rPr>
-              <a:t>В качестве респондентов было выбрано 16 человек, занимающихся тестированием программного обеспечения автомобильных систем в компании </a:t>
-            </a:r>
-          </a:p>
-          <a:p>
-            <a:pPr algn="just"/>
-            <a:r>
-              <a:rPr lang="ru-RU" sz="2800" dirty="0" smtClean="0">
-                <a:effectLst/>
-              </a:rPr>
-              <a:t>«</a:t>
-            </a:r>
-            <a:r>
-              <a:rPr lang="ru-RU" sz="2800" dirty="0" err="1" smtClean="0">
-                <a:effectLst/>
-              </a:rPr>
-              <a:t>Люксофт</a:t>
-            </a:r>
-            <a:r>
-              <a:rPr lang="ru-RU" sz="2800" dirty="0" smtClean="0">
-                <a:effectLst/>
-              </a:rPr>
-              <a:t> </a:t>
-            </a:r>
-            <a:r>
-              <a:rPr lang="ru-RU" sz="2800" dirty="0" err="1" smtClean="0">
-                <a:effectLst/>
-              </a:rPr>
-              <a:t>профешнл</a:t>
-            </a:r>
-            <a:r>
-              <a:rPr lang="ru-RU" sz="2800" dirty="0" smtClean="0">
-                <a:effectLst/>
-              </a:rPr>
-              <a:t>». </a:t>
-            </a:r>
-            <a:endParaRPr lang="ru-RU" sz="2800" dirty="0"/>
-          </a:p>
-        </p:txBody>
-      </p:sp>
+      </p:pic>
     </p:spTree>
     <p:extLst>
       <p:ext uri="{BB962C8B-B14F-4D97-AF65-F5344CB8AC3E}">
-        <p14:creationId xmlns:p14="http://schemas.microsoft.com/office/powerpoint/2010/main" val="2874722350"/>
+        <p14:creationId xmlns:p14="http://schemas.microsoft.com/office/powerpoint/2010/main" val="3094718110"/>
       </p:ext>
     </p:extLst>
   </p:cSld>
@@ -5795,33 +6264,15 @@
         </p:nvSpPr>
         <p:spPr/>
         <p:txBody>
-          <a:bodyPr/>
-          <a:lstStyle/>
-          <a:p>
-            <a:r>
-              <a:rPr lang="ru-RU" dirty="0" smtClean="0"/>
-              <a:t>Заключение</a:t>
-            </a:r>
-            <a:endParaRPr lang="ru-RU" dirty="0"/>
-          </a:p>
-        </p:txBody>
-      </p:sp>
-      <p:sp>
-        <p:nvSpPr>
-          <p:cNvPr id="3" name="Content Placeholder 2"/>
-          <p:cNvSpPr>
-            <a:spLocks noGrp="1"/>
-          </p:cNvSpPr>
-          <p:nvPr>
-            <p:ph idx="1"/>
-          </p:nvPr>
-        </p:nvSpPr>
-        <p:spPr/>
-        <p:txBody>
-          <a:bodyPr/>
-          <a:lstStyle/>
-          <a:p>
-            <a:endParaRPr lang="ru-RU"/>
+          <a:bodyPr>
+            <a:normAutofit/>
+          </a:bodyPr>
+          <a:lstStyle/>
+          <a:p>
+            <a:r>
+              <a:rPr lang="ru-RU" dirty="0"/>
+              <a:t>Описание полученных результатов </a:t>
+            </a:r>
           </a:p>
         </p:txBody>
       </p:sp>
@@ -5848,10 +6299,410 @@
           </a:p>
         </p:txBody>
       </p:sp>
+      <p:sp>
+        <p:nvSpPr>
+          <p:cNvPr id="6" name="Прямоугольник 5"/>
+          <p:cNvSpPr/>
+          <p:nvPr/>
+        </p:nvSpPr>
+        <p:spPr>
+          <a:xfrm>
+            <a:off x="652018" y="2301240"/>
+            <a:ext cx="4895342" cy="4247317"/>
+          </a:xfrm>
+          <a:prstGeom prst="rect">
+            <a:avLst/>
+          </a:prstGeom>
+        </p:spPr>
+        <p:txBody>
+          <a:bodyPr wrap="square">
+            <a:spAutoFit/>
+          </a:bodyPr>
+          <a:lstStyle/>
+          <a:p>
+            <a:r>
+              <a:rPr lang="ru-RU" b="1" dirty="0"/>
+              <a:t>@</a:t>
+            </a:r>
+            <a:r>
+              <a:rPr lang="ru-RU" b="1" dirty="0" err="1"/>
+              <a:t>TestCase</a:t>
+            </a:r>
+            <a:r>
+              <a:rPr lang="ru-RU" dirty="0"/>
+              <a:t> </a:t>
+            </a:r>
+            <a:r>
+              <a:rPr lang="ru-RU" dirty="0" err="1"/>
+              <a:t>test</a:t>
+            </a:r>
+            <a:r>
+              <a:rPr lang="ru-RU" dirty="0"/>
+              <a:t> NVRAM </a:t>
+            </a:r>
+            <a:r>
+              <a:rPr lang="ru-RU" dirty="0" err="1"/>
+              <a:t>functionallity</a:t>
+            </a:r>
+            <a:r>
+              <a:rPr lang="ru-RU" dirty="0"/>
+              <a:t> </a:t>
+            </a:r>
+            <a:r>
+              <a:rPr lang="ru-RU" dirty="0" err="1"/>
+              <a:t>of</a:t>
+            </a:r>
+            <a:r>
+              <a:rPr lang="ru-RU" dirty="0"/>
+              <a:t> </a:t>
+            </a:r>
+            <a:r>
+              <a:rPr lang="ru-RU" dirty="0" err="1" smtClean="0"/>
+              <a:t>did</a:t>
+            </a:r>
+            <a:endParaRPr lang="en-US" dirty="0" smtClean="0"/>
+          </a:p>
+          <a:p>
+            <a:r>
+              <a:rPr lang="ru-RU" dirty="0" smtClean="0"/>
+              <a:t> 0xF101</a:t>
+            </a:r>
+            <a:r>
+              <a:rPr lang="en-US" dirty="0" smtClean="0"/>
+              <a:t> </a:t>
+            </a:r>
+            <a:r>
+              <a:rPr lang="ru-RU" dirty="0" smtClean="0"/>
+              <a:t>(Req_NVRAM1</a:t>
+            </a:r>
+            <a:r>
+              <a:rPr lang="ru-RU" dirty="0"/>
+              <a:t>)</a:t>
+            </a:r>
+          </a:p>
+          <a:p>
+            <a:endParaRPr lang="ru-RU" dirty="0"/>
+          </a:p>
+          <a:p>
+            <a:r>
+              <a:rPr lang="ru-RU" b="1" dirty="0"/>
+              <a:t>@</a:t>
+            </a:r>
+            <a:r>
+              <a:rPr lang="ru-RU" b="1" dirty="0" err="1"/>
+              <a:t>Set</a:t>
+            </a:r>
+            <a:r>
+              <a:rPr lang="ru-RU" dirty="0"/>
+              <a:t> </a:t>
+            </a:r>
+            <a:r>
+              <a:rPr lang="ru-RU" dirty="0" err="1"/>
+              <a:t>ignition</a:t>
+            </a:r>
+            <a:r>
+              <a:rPr lang="ru-RU" dirty="0"/>
+              <a:t> </a:t>
+            </a:r>
+            <a:r>
+              <a:rPr lang="ru-RU" dirty="0" err="1"/>
+              <a:t>on</a:t>
+            </a:r>
+            <a:endParaRPr lang="ru-RU" dirty="0"/>
+          </a:p>
+          <a:p>
+            <a:r>
+              <a:rPr lang="ru-RU" b="1" dirty="0"/>
+              <a:t>@</a:t>
+            </a:r>
+            <a:r>
+              <a:rPr lang="ru-RU" b="1" dirty="0" err="1"/>
+              <a:t>Send</a:t>
+            </a:r>
+            <a:r>
+              <a:rPr lang="ru-RU" dirty="0"/>
+              <a:t> </a:t>
+            </a:r>
+            <a:r>
+              <a:rPr lang="ru-RU" dirty="0" err="1"/>
+              <a:t>request</a:t>
+            </a:r>
+            <a:r>
+              <a:rPr lang="ru-RU" dirty="0"/>
+              <a:t> [2E F1 01 00 01 A5]</a:t>
+            </a:r>
+          </a:p>
+          <a:p>
+            <a:r>
+              <a:rPr lang="ru-RU" b="1" dirty="0"/>
+              <a:t>@</a:t>
+            </a:r>
+            <a:r>
+              <a:rPr lang="ru-RU" b="1" dirty="0" err="1"/>
+              <a:t>Recieve</a:t>
+            </a:r>
+            <a:r>
+              <a:rPr lang="ru-RU" dirty="0"/>
+              <a:t> </a:t>
+            </a:r>
+            <a:r>
+              <a:rPr lang="ru-RU" dirty="0" err="1"/>
+              <a:t>response</a:t>
+            </a:r>
+            <a:r>
+              <a:rPr lang="ru-RU" dirty="0"/>
+              <a:t> [6E F1 01]</a:t>
+            </a:r>
+          </a:p>
+          <a:p>
+            <a:r>
+              <a:rPr lang="ru-RU" b="1" dirty="0"/>
+              <a:t>@</a:t>
+            </a:r>
+            <a:r>
+              <a:rPr lang="ru-RU" b="1" dirty="0" err="1"/>
+              <a:t>Set</a:t>
+            </a:r>
+            <a:r>
+              <a:rPr lang="ru-RU" dirty="0"/>
+              <a:t> </a:t>
+            </a:r>
+            <a:r>
+              <a:rPr lang="ru-RU" dirty="0" err="1"/>
+              <a:t>ignition</a:t>
+            </a:r>
+            <a:r>
+              <a:rPr lang="ru-RU" dirty="0"/>
+              <a:t> </a:t>
+            </a:r>
+            <a:r>
+              <a:rPr lang="ru-RU" dirty="0" err="1"/>
+              <a:t>off</a:t>
+            </a:r>
+            <a:endParaRPr lang="ru-RU" dirty="0"/>
+          </a:p>
+          <a:p>
+            <a:endParaRPr lang="ru-RU" dirty="0"/>
+          </a:p>
+          <a:p>
+            <a:r>
+              <a:rPr lang="ru-RU" b="1" dirty="0"/>
+              <a:t>@</a:t>
+            </a:r>
+            <a:r>
+              <a:rPr lang="ru-RU" b="1" dirty="0" err="1"/>
+              <a:t>Set</a:t>
+            </a:r>
+            <a:r>
+              <a:rPr lang="ru-RU" dirty="0"/>
+              <a:t> </a:t>
+            </a:r>
+            <a:r>
+              <a:rPr lang="ru-RU" dirty="0" err="1"/>
+              <a:t>ignition</a:t>
+            </a:r>
+            <a:r>
+              <a:rPr lang="ru-RU" dirty="0"/>
+              <a:t> </a:t>
+            </a:r>
+            <a:r>
+              <a:rPr lang="ru-RU" dirty="0" err="1"/>
+              <a:t>on</a:t>
+            </a:r>
+            <a:endParaRPr lang="ru-RU" dirty="0"/>
+          </a:p>
+          <a:p>
+            <a:r>
+              <a:rPr lang="ru-RU" b="1" dirty="0"/>
+              <a:t>@</a:t>
+            </a:r>
+            <a:r>
+              <a:rPr lang="ru-RU" b="1" dirty="0" err="1"/>
+              <a:t>Repeat</a:t>
+            </a:r>
+            <a:r>
+              <a:rPr lang="ru-RU" dirty="0"/>
+              <a:t>[2][</a:t>
+            </a:r>
+          </a:p>
+          <a:p>
+            <a:r>
+              <a:rPr lang="ru-RU" dirty="0"/>
+              <a:t>    </a:t>
+            </a:r>
+            <a:r>
+              <a:rPr lang="ru-RU" b="1" dirty="0"/>
+              <a:t>@</a:t>
+            </a:r>
+            <a:r>
+              <a:rPr lang="ru-RU" dirty="0" err="1"/>
+              <a:t>Send</a:t>
+            </a:r>
+            <a:r>
+              <a:rPr lang="ru-RU" dirty="0"/>
+              <a:t> </a:t>
+            </a:r>
+            <a:r>
+              <a:rPr lang="ru-RU" dirty="0" err="1"/>
+              <a:t>request</a:t>
+            </a:r>
+            <a:r>
+              <a:rPr lang="ru-RU" dirty="0"/>
+              <a:t> [22 F1 01]</a:t>
+            </a:r>
+          </a:p>
+          <a:p>
+            <a:r>
+              <a:rPr lang="ru-RU" dirty="0"/>
+              <a:t>    </a:t>
+            </a:r>
+            <a:r>
+              <a:rPr lang="ru-RU" b="1" dirty="0"/>
+              <a:t>@</a:t>
+            </a:r>
+            <a:r>
+              <a:rPr lang="ru-RU" dirty="0" err="1"/>
+              <a:t>Pause</a:t>
+            </a:r>
+            <a:r>
+              <a:rPr lang="ru-RU" dirty="0"/>
+              <a:t> [100] </a:t>
+            </a:r>
+            <a:r>
+              <a:rPr lang="ru-RU" dirty="0" err="1"/>
+              <a:t>ms</a:t>
+            </a:r>
+            <a:endParaRPr lang="ru-RU" dirty="0"/>
+          </a:p>
+          <a:p>
+            <a:r>
+              <a:rPr lang="ru-RU" dirty="0"/>
+              <a:t>    </a:t>
+            </a:r>
+            <a:r>
+              <a:rPr lang="ru-RU" b="1" dirty="0"/>
+              <a:t>@</a:t>
+            </a:r>
+            <a:r>
+              <a:rPr lang="ru-RU" dirty="0" err="1"/>
+              <a:t>Recieve</a:t>
+            </a:r>
+            <a:r>
+              <a:rPr lang="ru-RU" dirty="0"/>
+              <a:t> </a:t>
+            </a:r>
+            <a:r>
+              <a:rPr lang="ru-RU" dirty="0" err="1"/>
+              <a:t>response</a:t>
+            </a:r>
+            <a:r>
+              <a:rPr lang="ru-RU" dirty="0"/>
+              <a:t> [62 F1 01 00 01 A5]</a:t>
+            </a:r>
+          </a:p>
+          <a:p>
+            <a:r>
+              <a:rPr lang="ru-RU" dirty="0"/>
+              <a:t>]</a:t>
+            </a:r>
+          </a:p>
+          <a:p>
+            <a:r>
+              <a:rPr lang="ru-RU" b="1" dirty="0"/>
+              <a:t>@</a:t>
+            </a:r>
+            <a:r>
+              <a:rPr lang="ru-RU" b="1" dirty="0" err="1"/>
+              <a:t>Set</a:t>
+            </a:r>
+            <a:r>
+              <a:rPr lang="ru-RU" dirty="0"/>
+              <a:t> </a:t>
+            </a:r>
+            <a:r>
+              <a:rPr lang="ru-RU" dirty="0" err="1"/>
+              <a:t>ignition</a:t>
+            </a:r>
+            <a:r>
+              <a:rPr lang="ru-RU" dirty="0"/>
+              <a:t> </a:t>
+            </a:r>
+            <a:r>
+              <a:rPr lang="ru-RU" dirty="0" err="1"/>
+              <a:t>off</a:t>
+            </a:r>
+            <a:endParaRPr lang="ru-RU" dirty="0"/>
+          </a:p>
+        </p:txBody>
+      </p:sp>
+      <p:pic>
+        <p:nvPicPr>
+          <p:cNvPr id="7" name="Рисунок 6"/>
+          <p:cNvPicPr>
+            <a:picLocks noChangeAspect="1"/>
+          </p:cNvPicPr>
+          <p:nvPr/>
+        </p:nvPicPr>
+        <p:blipFill>
+          <a:blip r:embed="rId2"/>
+          <a:stretch>
+            <a:fillRect/>
+          </a:stretch>
+        </p:blipFill>
+        <p:spPr>
+          <a:xfrm>
+            <a:off x="5925058" y="3546419"/>
+            <a:ext cx="6026150" cy="1655064"/>
+          </a:xfrm>
+          <a:prstGeom prst="rect">
+            <a:avLst/>
+          </a:prstGeom>
+        </p:spPr>
+      </p:pic>
+      <p:sp>
+        <p:nvSpPr>
+          <p:cNvPr id="8" name="Прямоугольник 7"/>
+          <p:cNvSpPr/>
+          <p:nvPr/>
+        </p:nvSpPr>
+        <p:spPr>
+          <a:xfrm>
+            <a:off x="5919986" y="3361753"/>
+            <a:ext cx="3041410" cy="461665"/>
+          </a:xfrm>
+          <a:prstGeom prst="rect">
+            <a:avLst/>
+          </a:prstGeom>
+        </p:spPr>
+        <p:txBody>
+          <a:bodyPr wrap="none">
+            <a:spAutoFit/>
+          </a:bodyPr>
+          <a:lstStyle/>
+          <a:p>
+            <a:r>
+              <a:rPr lang="ru-RU" sz="2400" b="1" i="1" dirty="0" smtClean="0">
+                <a:solidFill>
+                  <a:srgbClr val="002060"/>
+                </a:solidFill>
+                <a:latin typeface="Calibri" panose="020F0502020204030204" pitchFamily="34" charset="0"/>
+                <a:ea typeface="Calibri" panose="020F0502020204030204" pitchFamily="34" charset="0"/>
+                <a:cs typeface="Times New Roman" panose="02020603050405020304" pitchFamily="18" charset="0"/>
+              </a:rPr>
+              <a:t>Результаты теста:</a:t>
+            </a:r>
+            <a:endParaRPr lang="ru-RU" sz="2400" b="1" i="1" dirty="0">
+              <a:solidFill>
+                <a:srgbClr val="002060"/>
+              </a:solidFill>
+            </a:endParaRPr>
+          </a:p>
+        </p:txBody>
+      </p:sp>
     </p:spTree>
     <p:extLst>
       <p:ext uri="{BB962C8B-B14F-4D97-AF65-F5344CB8AC3E}">
-        <p14:creationId xmlns:p14="http://schemas.microsoft.com/office/powerpoint/2010/main" val="4227818546"/>
+        <p14:creationId xmlns:p14="http://schemas.microsoft.com/office/powerpoint/2010/main" val="2456218986"/>
       </p:ext>
     </p:extLst>
   </p:cSld>
@@ -5897,36 +6748,48 @@
         </p:nvSpPr>
         <p:spPr/>
         <p:txBody>
-          <a:bodyPr/>
+          <a:bodyPr>
+            <a:normAutofit fontScale="90000"/>
+          </a:bodyPr>
           <a:lstStyle/>
           <a:p>
             <a:r>
               <a:rPr lang="ru-RU" dirty="0" smtClean="0"/>
-              <a:t>Список литературы</a:t>
+              <a:t>Результат опроса потенциальных пользователей</a:t>
             </a:r>
             <a:endParaRPr lang="ru-RU" dirty="0"/>
           </a:p>
         </p:txBody>
       </p:sp>
-      <p:sp>
-        <p:nvSpPr>
-          <p:cNvPr id="3" name="Content Placeholder 2"/>
-          <p:cNvSpPr>
-            <a:spLocks noGrp="1"/>
-          </p:cNvSpPr>
+      <p:pic>
+        <p:nvPicPr>
+          <p:cNvPr id="5" name="Content Placeholder 4"/>
+          <p:cNvPicPr>
+            <a:picLocks noGrp="1" noChangeAspect="1"/>
+          </p:cNvPicPr>
           <p:nvPr>
             <p:ph idx="1"/>
           </p:nvPr>
-        </p:nvSpPr>
-        <p:spPr/>
-        <p:txBody>
-          <a:bodyPr/>
-          <a:lstStyle/>
-          <a:p>
-            <a:endParaRPr lang="ru-RU"/>
-          </a:p>
-        </p:txBody>
-      </p:sp>
+        </p:nvPicPr>
+        <p:blipFill>
+          <a:blip r:embed="rId2">
+            <a:extLst>
+              <a:ext uri="{28A0092B-C50C-407E-A947-70E740481C1C}">
+                <a14:useLocalDpi xmlns:a14="http://schemas.microsoft.com/office/drawing/2010/main" val="0"/>
+              </a:ext>
+            </a:extLst>
+          </a:blip>
+          <a:stretch>
+            <a:fillRect/>
+          </a:stretch>
+        </p:blipFill>
+        <p:spPr>
+          <a:xfrm>
+            <a:off x="300919" y="2773680"/>
+            <a:ext cx="6861881" cy="3499104"/>
+          </a:xfrm>
+        </p:spPr>
+      </p:pic>
       <p:sp>
         <p:nvSpPr>
           <p:cNvPr id="4" name="Slide Number Placeholder 3"/>
@@ -5950,16 +6813,142 @@
           </a:p>
         </p:txBody>
       </p:sp>
+      <p:sp>
+        <p:nvSpPr>
+          <p:cNvPr id="6" name="Rectangle 5"/>
+          <p:cNvSpPr/>
+          <p:nvPr/>
+        </p:nvSpPr>
+        <p:spPr>
+          <a:xfrm>
+            <a:off x="7162800" y="2599775"/>
+            <a:ext cx="4876799" cy="3108543"/>
+          </a:xfrm>
+          <a:prstGeom prst="rect">
+            <a:avLst/>
+          </a:prstGeom>
+        </p:spPr>
+        <p:txBody>
+          <a:bodyPr wrap="square">
+            <a:spAutoFit/>
+          </a:bodyPr>
+          <a:lstStyle/>
+          <a:p>
+            <a:r>
+              <a:rPr lang="ru-RU" sz="2800" dirty="0" smtClean="0">
+                <a:effectLst/>
+              </a:rPr>
+              <a:t>В качестве респондентов было выбрано </a:t>
+            </a:r>
+            <a:r>
+              <a:rPr lang="ru-RU" sz="2800" dirty="0" smtClean="0">
+                <a:effectLst/>
+              </a:rPr>
+              <a:t>1</a:t>
+            </a:r>
+            <a:r>
+              <a:rPr lang="en-US" sz="2800" dirty="0" smtClean="0">
+                <a:effectLst/>
+              </a:rPr>
+              <a:t>8</a:t>
+            </a:r>
+            <a:r>
+              <a:rPr lang="ru-RU" sz="2800" dirty="0" smtClean="0">
+                <a:effectLst/>
+              </a:rPr>
+              <a:t> </a:t>
+            </a:r>
+            <a:r>
+              <a:rPr lang="ru-RU" sz="2800" dirty="0" smtClean="0">
+                <a:effectLst/>
+              </a:rPr>
+              <a:t>человек, занимающихся тестированием программного обеспечения автомобильных систем в компании </a:t>
+            </a:r>
+            <a:r>
+              <a:rPr lang="ru-RU" sz="2800" dirty="0" smtClean="0">
+                <a:effectLst/>
+              </a:rPr>
+              <a:t>«</a:t>
+            </a:r>
+            <a:r>
+              <a:rPr lang="en-US" sz="2800" dirty="0" err="1" smtClean="0">
+                <a:effectLst/>
+              </a:rPr>
+              <a:t>Luxoft</a:t>
+            </a:r>
+            <a:r>
+              <a:rPr lang="ru-RU" sz="2800" dirty="0" smtClean="0">
+                <a:effectLst/>
+              </a:rPr>
+              <a:t>». </a:t>
+            </a:r>
+            <a:endParaRPr lang="ru-RU" sz="2800" dirty="0"/>
+          </a:p>
+        </p:txBody>
+      </p:sp>
+      <p:sp>
+        <p:nvSpPr>
+          <p:cNvPr id="3" name="Прямоугольник 2"/>
+          <p:cNvSpPr/>
+          <p:nvPr/>
+        </p:nvSpPr>
+        <p:spPr>
+          <a:xfrm>
+            <a:off x="-3337560" y="6637909"/>
+            <a:ext cx="6096000" cy="2031325"/>
+          </a:xfrm>
+          <a:prstGeom prst="rect">
+            <a:avLst/>
+          </a:prstGeom>
+        </p:spPr>
+        <p:txBody>
+          <a:bodyPr>
+            <a:spAutoFit/>
+          </a:bodyPr>
+          <a:lstStyle/>
+          <a:p>
+            <a:r>
+              <a:rPr lang="ru-RU" dirty="0"/>
+              <a:t/>
+            </a:r>
+            <a:br>
+              <a:rPr lang="ru-RU" dirty="0"/>
+            </a:br>
+            <a:endParaRPr lang="ru-RU" dirty="0"/>
+          </a:p>
+          <a:p>
+            <a:r>
+              <a:rPr lang="ru-RU" dirty="0"/>
+              <a:t>По мнению </a:t>
+            </a:r>
+            <a:r>
+              <a:rPr lang="ru-RU" dirty="0" smtClean="0"/>
+              <a:t>100% </a:t>
+            </a:r>
+            <a:r>
+              <a:rPr lang="ru-RU" dirty="0"/>
+              <a:t>респондентов, спецификации, описанные на разработанном языке достаточно понятны. При этом 13 из 18 опрошенных по возможности описывали бы тестовые сценарии на данном языке. </a:t>
+            </a:r>
+          </a:p>
+        </p:txBody>
+      </p:sp>
     </p:spTree>
     <p:extLst>
       <p:ext uri="{BB962C8B-B14F-4D97-AF65-F5344CB8AC3E}">
-        <p14:creationId xmlns:p14="http://schemas.microsoft.com/office/powerpoint/2010/main" val="2074572131"/>
+        <p14:creationId xmlns:p14="http://schemas.microsoft.com/office/powerpoint/2010/main" val="2874722350"/>
       </p:ext>
     </p:extLst>
   </p:cSld>
   <p:clrMapOvr>
     <a:masterClrMapping/>
   </p:clrMapOvr>
+  <p:timing>
+    <p:tnLst>
+      <p:par>
+        <p:cTn id="1" dur="indefinite" restart="never" nodeType="tmRoot"/>
+      </p:par>
+    </p:tnLst>
+  </p:timing>
 </p:sld>
 </file>
 
@@ -5982,6 +6971,262 @@
       </p:grpSpPr>
       <p:sp>
         <p:nvSpPr>
+          <p:cNvPr id="2" name="Title 1"/>
+          <p:cNvSpPr>
+            <a:spLocks noGrp="1"/>
+          </p:cNvSpPr>
+          <p:nvPr>
+            <p:ph type="title"/>
+          </p:nvPr>
+        </p:nvSpPr>
+        <p:spPr/>
+        <p:txBody>
+          <a:bodyPr/>
+          <a:lstStyle/>
+          <a:p>
+            <a:r>
+              <a:rPr lang="ru-RU" dirty="0" smtClean="0"/>
+              <a:t>Заключение</a:t>
+            </a:r>
+            <a:endParaRPr lang="ru-RU" dirty="0"/>
+          </a:p>
+        </p:txBody>
+      </p:sp>
+      <p:sp>
+        <p:nvSpPr>
+          <p:cNvPr id="3" name="Content Placeholder 2"/>
+          <p:cNvSpPr>
+            <a:spLocks noGrp="1"/>
+          </p:cNvSpPr>
+          <p:nvPr>
+            <p:ph idx="1"/>
+          </p:nvPr>
+        </p:nvSpPr>
+        <p:spPr/>
+        <p:txBody>
+          <a:bodyPr/>
+          <a:lstStyle/>
+          <a:p>
+            <a:pPr marL="0" indent="0">
+              <a:buNone/>
+            </a:pPr>
+            <a:r>
+              <a:rPr lang="ru-RU" dirty="0"/>
+              <a:t>В результате проведенной работы был разработан и реализован язык описания сценариев тестирование программного обеспечения автомобильных систем. </a:t>
+            </a:r>
+          </a:p>
+          <a:p>
+            <a:r>
+              <a:rPr lang="ru-RU" dirty="0"/>
+              <a:t>Язык позволяет пользователям описывать инструкции для тестовых сценариев в свободной форме. </a:t>
+            </a:r>
+          </a:p>
+          <a:p>
+            <a:r>
+              <a:rPr lang="ru-RU" dirty="0"/>
+              <a:t>В одном документе можно описать несколько тестовых сценариев, выполняющихся поочередно в той последовательности, в которой были указаны в тестовой спецификации. </a:t>
+            </a:r>
+            <a:endParaRPr lang="ru-RU" dirty="0" smtClean="0"/>
+          </a:p>
+          <a:p>
+            <a:r>
+              <a:rPr lang="ru-RU" dirty="0" smtClean="0"/>
+              <a:t>Данные</a:t>
+            </a:r>
+            <a:r>
+              <a:rPr lang="ru-RU" dirty="0"/>
+              <a:t>, полученные в результате выполнения теста сохраняются в отдельный файл. </a:t>
+            </a:r>
+          </a:p>
+          <a:p>
+            <a:r>
+              <a:rPr lang="ru-RU" dirty="0"/>
+              <a:t>Р</a:t>
+            </a:r>
+            <a:r>
+              <a:rPr lang="ru-RU" dirty="0" smtClean="0"/>
+              <a:t>азработанный </a:t>
+            </a:r>
+            <a:r>
+              <a:rPr lang="ru-RU" dirty="0"/>
+              <a:t>язык </a:t>
+            </a:r>
+            <a:r>
+              <a:rPr lang="ru-RU" dirty="0" smtClean="0"/>
+              <a:t>может быть использован </a:t>
+            </a:r>
+            <a:r>
+              <a:rPr lang="ru-RU" dirty="0"/>
+              <a:t>на производстве</a:t>
+            </a:r>
+            <a:endParaRPr lang="ru-RU" dirty="0"/>
+          </a:p>
+        </p:txBody>
+      </p:sp>
+      <p:sp>
+        <p:nvSpPr>
+          <p:cNvPr id="4" name="Slide Number Placeholder 3"/>
+          <p:cNvSpPr>
+            <a:spLocks noGrp="1"/>
+          </p:cNvSpPr>
+          <p:nvPr>
+            <p:ph type="sldNum" sz="quarter" idx="12"/>
+          </p:nvPr>
+        </p:nvSpPr>
+        <p:spPr/>
+        <p:txBody>
+          <a:bodyPr/>
+          <a:lstStyle/>
+          <a:p>
+            <a:fld id="{D1A40677-FD44-493F-9950-230061FFD32D}" type="slidenum">
+              <a:rPr lang="ru-RU" smtClean="0"/>
+              <a:t>17</a:t>
+            </a:fld>
+            <a:endParaRPr lang="ru-RU"/>
+          </a:p>
+        </p:txBody>
+      </p:sp>
+    </p:spTree>
+    <p:extLst>
+      <p:ext uri="{BB962C8B-B14F-4D97-AF65-F5344CB8AC3E}">
+        <p14:creationId xmlns:p14="http://schemas.microsoft.com/office/powerpoint/2010/main" val="4227818546"/>
+      </p:ext>
+    </p:extLst>
+  </p:cSld>
+  <p:clrMapOvr>
+    <a:masterClrMapping/>
+  </p:clrMapOvr>
+  <p:timing>
+    <p:tnLst>
+      <p:par>
+        <p:cTn id="1" dur="indefinite" restart="never" nodeType="tmRoot"/>
+      </p:par>
+    </p:tnLst>
+  </p:timing>
+</p:sld>
+</file>
+
+<file path=ppt/slides/slide18.xml><?xml version="1.0" encoding="utf-8"?>
+<p:sld xmlns:a="http://schemas.openxmlformats.org/drawingml/2006/main" xmlns:r="http://schemas.openxmlformats.org/officeDocument/2006/relationships" xmlns:p="http://schemas.openxmlformats.org/presentationml/2006/main">
+  <p:cSld>
+    <p:spTree>
+      <p:nvGrpSpPr>
+        <p:cNvPr id="1" name=""/>
+        <p:cNvGrpSpPr/>
+        <p:nvPr/>
+      </p:nvGrpSpPr>
+      <p:grpSpPr>
+        <a:xfrm>
+          <a:off x="0" y="0"/>
+          <a:ext cx="0" cy="0"/>
+          <a:chOff x="0" y="0"/>
+          <a:chExt cx="0" cy="0"/>
+        </a:xfrm>
+      </p:grpSpPr>
+      <p:sp>
+        <p:nvSpPr>
+          <p:cNvPr id="2" name="Title 1"/>
+          <p:cNvSpPr>
+            <a:spLocks noGrp="1"/>
+          </p:cNvSpPr>
+          <p:nvPr>
+            <p:ph type="title"/>
+          </p:nvPr>
+        </p:nvSpPr>
+        <p:spPr/>
+        <p:txBody>
+          <a:bodyPr/>
+          <a:lstStyle/>
+          <a:p>
+            <a:r>
+              <a:rPr lang="ru-RU" dirty="0" smtClean="0"/>
+              <a:t>Список литературы</a:t>
+            </a:r>
+            <a:endParaRPr lang="ru-RU" dirty="0"/>
+          </a:p>
+        </p:txBody>
+      </p:sp>
+      <p:sp>
+        <p:nvSpPr>
+          <p:cNvPr id="3" name="Content Placeholder 2"/>
+          <p:cNvSpPr>
+            <a:spLocks noGrp="1"/>
+          </p:cNvSpPr>
+          <p:nvPr>
+            <p:ph idx="1"/>
+          </p:nvPr>
+        </p:nvSpPr>
+        <p:spPr/>
+        <p:txBody>
+          <a:bodyPr/>
+          <a:lstStyle/>
+          <a:p>
+            <a:endParaRPr lang="ru-RU" dirty="0"/>
+          </a:p>
+        </p:txBody>
+      </p:sp>
+      <p:sp>
+        <p:nvSpPr>
+          <p:cNvPr id="4" name="Slide Number Placeholder 3"/>
+          <p:cNvSpPr>
+            <a:spLocks noGrp="1"/>
+          </p:cNvSpPr>
+          <p:nvPr>
+            <p:ph type="sldNum" sz="quarter" idx="12"/>
+          </p:nvPr>
+        </p:nvSpPr>
+        <p:spPr/>
+        <p:txBody>
+          <a:bodyPr/>
+          <a:lstStyle/>
+          <a:p>
+            <a:fld id="{D1A40677-FD44-493F-9950-230061FFD32D}" type="slidenum">
+              <a:rPr lang="ru-RU" smtClean="0"/>
+              <a:t>18</a:t>
+            </a:fld>
+            <a:endParaRPr lang="ru-RU"/>
+          </a:p>
+        </p:txBody>
+      </p:sp>
+    </p:spTree>
+    <p:extLst>
+      <p:ext uri="{BB962C8B-B14F-4D97-AF65-F5344CB8AC3E}">
+        <p14:creationId xmlns:p14="http://schemas.microsoft.com/office/powerpoint/2010/main" val="2074572131"/>
+      </p:ext>
+    </p:extLst>
+  </p:cSld>
+  <p:clrMapOvr>
+    <a:masterClrMapping/>
+  </p:clrMapOvr>
+  <p:timing>
+    <p:tnLst>
+      <p:par>
+        <p:cTn id="1" dur="indefinite" restart="never" nodeType="tmRoot"/>
+      </p:par>
+    </p:tnLst>
+  </p:timing>
+</p:sld>
+</file>
+
+<file path=ppt/slides/slide19.xml><?xml version="1.0" encoding="utf-8"?>
+<p:sld xmlns:a="http://schemas.openxmlformats.org/drawingml/2006/main" xmlns:r="http://schemas.openxmlformats.org/officeDocument/2006/relationships" xmlns:p="http://schemas.openxmlformats.org/presentationml/2006/main">
+  <p:cSld>
+    <p:spTree>
+      <p:nvGrpSpPr>
+        <p:cNvPr id="1" name=""/>
+        <p:cNvGrpSpPr/>
+        <p:nvPr/>
+      </p:nvGrpSpPr>
+      <p:grpSpPr>
+        <a:xfrm>
+          <a:off x="0" y="0"/>
+          <a:ext cx="0" cy="0"/>
+          <a:chOff x="0" y="0"/>
+          <a:chExt cx="0" cy="0"/>
+        </a:xfrm>
+      </p:grpSpPr>
+      <p:sp>
+        <p:nvSpPr>
           <p:cNvPr id="7" name="Title 6"/>
           <p:cNvSpPr>
             <a:spLocks noGrp="1"/>
@@ -6027,7 +7272,7 @@
           <a:p>
             <a:fld id="{D1A40677-FD44-493F-9950-230061FFD32D}" type="slidenum">
               <a:rPr lang="ru-RU" smtClean="0"/>
-              <a:t>17</a:t>
+              <a:t>19</a:t>
             </a:fld>
             <a:endParaRPr lang="ru-RU"/>
           </a:p>
@@ -6135,196 +7380,6 @@
               <a:t>2</a:t>
             </a:fld>
             <a:endParaRPr lang="ru-RU"/>
-          </a:p>
-        </p:txBody>
-      </p:sp>
-      <p:sp>
-        <p:nvSpPr>
-          <p:cNvPr id="3" name="Прямоугольник 2"/>
-          <p:cNvSpPr/>
-          <p:nvPr/>
-        </p:nvSpPr>
-        <p:spPr>
-          <a:xfrm>
-            <a:off x="328736" y="-3618517"/>
-            <a:ext cx="6096000" cy="1200329"/>
-          </a:xfrm>
-          <a:prstGeom prst="rect">
-            <a:avLst/>
-          </a:prstGeom>
-        </p:spPr>
-        <p:txBody>
-          <a:bodyPr>
-            <a:spAutoFit/>
-          </a:bodyPr>
-          <a:lstStyle/>
-          <a:p>
-            <a:r>
-              <a:rPr lang="ru-RU" dirty="0" smtClean="0"/>
-              <a:t>С развитием автомобильной промышленности тестирование автомобильных систем стало неотъемлемой частью жизненного цикла разработки программного и аппаратного обеспечения транспортных средств. </a:t>
-            </a:r>
-            <a:endParaRPr lang="ru-RU" dirty="0"/>
-          </a:p>
-        </p:txBody>
-      </p:sp>
-      <p:sp>
-        <p:nvSpPr>
-          <p:cNvPr id="6" name="Прямоугольник 5"/>
-          <p:cNvSpPr/>
-          <p:nvPr/>
-        </p:nvSpPr>
-        <p:spPr>
-          <a:xfrm>
-            <a:off x="328736" y="-2226162"/>
-            <a:ext cx="6096000" cy="2031325"/>
-          </a:xfrm>
-          <a:prstGeom prst="rect">
-            <a:avLst/>
-          </a:prstGeom>
-        </p:spPr>
-        <p:txBody>
-          <a:bodyPr>
-            <a:spAutoFit/>
-          </a:bodyPr>
-          <a:lstStyle/>
-          <a:p>
-            <a:r>
-              <a:rPr lang="ru-RU" dirty="0"/>
-              <a:t>Современные автомобили имеют несколько блоков </a:t>
-            </a:r>
-            <a:r>
-              <a:rPr lang="ru-RU" dirty="0" smtClean="0"/>
-              <a:t>управления, </a:t>
-            </a:r>
-            <a:r>
-              <a:rPr lang="ru-RU" dirty="0"/>
-              <a:t>связанных между собой внутри машинной сетью. Эти блоки взаимодействуют между собой через стандартные шинные архитектуры CAN, </a:t>
-            </a:r>
-            <a:r>
-              <a:rPr lang="ru-RU" dirty="0" err="1"/>
-              <a:t>FlexRay</a:t>
-            </a:r>
-            <a:r>
-              <a:rPr lang="ru-RU" dirty="0"/>
-              <a:t>, LIN и </a:t>
-            </a:r>
-            <a:r>
-              <a:rPr lang="ru-RU" dirty="0" err="1"/>
-              <a:t>Ethernet</a:t>
-            </a:r>
-            <a:r>
-              <a:rPr lang="ru-RU" dirty="0"/>
-              <a:t>. С развитием техники количество ECU в автомобильных системах стремительно растет, что приводит к созданию сложных структур сетей. </a:t>
-            </a:r>
-          </a:p>
-        </p:txBody>
-      </p:sp>
-      <p:sp>
-        <p:nvSpPr>
-          <p:cNvPr id="7" name="Прямоугольник 6"/>
-          <p:cNvSpPr/>
-          <p:nvPr/>
-        </p:nvSpPr>
-        <p:spPr>
-          <a:xfrm>
-            <a:off x="6424736" y="-3656941"/>
-            <a:ext cx="6096000" cy="2308324"/>
-          </a:xfrm>
-          <a:prstGeom prst="rect">
-            <a:avLst/>
-          </a:prstGeom>
-        </p:spPr>
-        <p:txBody>
-          <a:bodyPr>
-            <a:spAutoFit/>
-          </a:bodyPr>
-          <a:lstStyle/>
-          <a:p>
-            <a:r>
-              <a:rPr lang="ru-RU" dirty="0" smtClean="0"/>
-              <a:t>Для тестирования </a:t>
-            </a:r>
-            <a:r>
-              <a:rPr lang="ru-RU" dirty="0"/>
-              <a:t>автомобильных систем, необходимо хорошо понимать, как устроен автомобиль в целом и его составляющие по отдельности. Однако представления о системе у инженеров и менеджеров зачастую очень сильно расходятся. Взаимодействие участников бизнес процесса, а именно заказчика, бизнес-аналитика, менеджера, разработчика и </a:t>
-            </a:r>
-            <a:r>
-              <a:rPr lang="ru-RU" dirty="0" err="1"/>
-              <a:t>тестировщика</a:t>
-            </a:r>
-            <a:r>
-              <a:rPr lang="ru-RU" dirty="0"/>
-              <a:t>, является неотъемлемой частью гибкой методологии разработки ПО</a:t>
-            </a:r>
-          </a:p>
-        </p:txBody>
-      </p:sp>
-      <p:sp>
-        <p:nvSpPr>
-          <p:cNvPr id="8" name="Прямоугольник 7"/>
-          <p:cNvSpPr/>
-          <p:nvPr/>
-        </p:nvSpPr>
-        <p:spPr>
-          <a:xfrm>
-            <a:off x="328736" y="7215711"/>
-            <a:ext cx="6096000" cy="3693319"/>
-          </a:xfrm>
-          <a:prstGeom prst="rect">
-            <a:avLst/>
-          </a:prstGeom>
-        </p:spPr>
-        <p:txBody>
-          <a:bodyPr>
-            <a:spAutoFit/>
-          </a:bodyPr>
-          <a:lstStyle/>
-          <a:p>
-            <a:r>
-              <a:rPr lang="ru-RU" dirty="0" smtClean="0"/>
-              <a:t>Зачастую заказчики и </a:t>
-            </a:r>
-            <a:r>
-              <a:rPr lang="ru-RU" dirty="0"/>
-              <a:t>аналитики не имеют достаточных знаний в языках программирования общего назначения, либо использование этих языков не удобно из-за большого количества не относящихся к решаемой задаче деталей (управление памятью, низкоуровневые управляющие конструкции и так далее). Для решения этой проблемы возникла идея </a:t>
-            </a:r>
-            <a:r>
-              <a:rPr lang="ru-RU" dirty="0" smtClean="0"/>
-              <a:t>создать </a:t>
-            </a:r>
-            <a:r>
-              <a:rPr lang="ru-RU" dirty="0"/>
-              <a:t>проблемно-ориентированные </a:t>
-            </a:r>
-            <a:r>
-              <a:rPr lang="ru-RU" dirty="0" smtClean="0"/>
-              <a:t>языки, </a:t>
-            </a:r>
-            <a:r>
-              <a:rPr lang="ru-RU" dirty="0"/>
-              <a:t>позволяющие в </a:t>
-            </a:r>
-            <a:r>
-              <a:rPr lang="ru-RU" dirty="0" smtClean="0"/>
-              <a:t>области автомобильной промышленности использовать </a:t>
-            </a:r>
-            <a:r>
-              <a:rPr lang="ru-RU" dirty="0"/>
-              <a:t>специфичные обозначения и термины. </a:t>
-            </a:r>
-            <a:r>
-              <a:rPr lang="ru-RU" dirty="0" smtClean="0"/>
-              <a:t>Такой язык обеспечит </a:t>
-            </a:r>
-            <a:r>
-              <a:rPr lang="ru-RU" dirty="0"/>
-              <a:t>пользователям возможность коротко и четко сформулировать задачу и </a:t>
-            </a:r>
-            <a:r>
-              <a:rPr lang="ru-RU" dirty="0" smtClean="0"/>
-              <a:t>позволит уменьшить количество тестовой документации.</a:t>
-            </a:r>
-            <a:endParaRPr lang="ru-RU" dirty="0"/>
           </a:p>
         </p:txBody>
       </p:sp>
@@ -6477,70 +7532,6 @@
           </a:p>
         </p:txBody>
       </p:sp>
-      <p:sp>
-        <p:nvSpPr>
-          <p:cNvPr id="5" name="Прямоугольник 4"/>
-          <p:cNvSpPr/>
-          <p:nvPr/>
-        </p:nvSpPr>
-        <p:spPr>
-          <a:xfrm>
-            <a:off x="353291" y="5981700"/>
-            <a:ext cx="8125691" cy="5355312"/>
-          </a:xfrm>
-          <a:prstGeom prst="rect">
-            <a:avLst/>
-          </a:prstGeom>
-        </p:spPr>
-        <p:txBody>
-          <a:bodyPr wrap="square">
-            <a:spAutoFit/>
-          </a:bodyPr>
-          <a:lstStyle/>
-          <a:p>
-            <a:r>
-              <a:rPr lang="ru-RU" dirty="0"/>
-              <a:t/>
-            </a:r>
-            <a:br>
-              <a:rPr lang="ru-RU" dirty="0"/>
-            </a:br>
-            <a:endParaRPr lang="ru-RU" dirty="0"/>
-          </a:p>
-          <a:p>
-            <a:r>
-              <a:rPr lang="ru-RU" dirty="0"/>
-              <a:t/>
-            </a:r>
-            <a:br>
-              <a:rPr lang="ru-RU" dirty="0"/>
-            </a:br>
-            <a:endParaRPr lang="ru-RU" dirty="0"/>
-          </a:p>
-          <a:p>
-            <a:r>
-              <a:rPr lang="ru-RU" dirty="0"/>
-              <a:t>Одно и то же оборудование, разрабатываемое для разных автомобильных компаний с различной внутренней архитектурой программного обеспечения при тестировании ПО может рассматриваться в качестве «черного ящика». Данное понятие предложил У.Р. Эшби в своей книге «Введение в кибернетику</a:t>
-            </a:r>
-            <a:r>
-              <a:rPr lang="ru-RU" dirty="0" smtClean="0"/>
-              <a:t>». </a:t>
-            </a:r>
-            <a:r>
-              <a:rPr lang="ru-RU" dirty="0"/>
-              <a:t>Под черным ящиком подразумевается объект исследования, внутреннее устройство которого неизвестно. В кибернетических системах оно помогает изучать поведение систем, абстрагируясь от их внутреннего устройства. Такое тестирование называется поведенческим. В этом случае проверяется функциональное поведение объекта с точки зрения внешнего мира. Под этой стратегией понимается создание тестов для тестового набора, основанных на технических требованиях и их спецификациях. Фактически, при поведенческом тестировании известно какой результат должен быть при определенном наборе данных, которые подаются на вход. Проанализировав требования и спецификации </a:t>
-            </a:r>
-            <a:r>
-              <a:rPr lang="ru-RU" dirty="0" err="1"/>
-              <a:t>тестировщик</a:t>
-            </a:r>
-            <a:r>
-              <a:rPr lang="ru-RU" dirty="0"/>
-              <a:t> может легко определить набор тестовых сценариев для проверки различной функциональности тестируемой системы</a:t>
-            </a:r>
-          </a:p>
-        </p:txBody>
-      </p:sp>
     </p:spTree>
     <p:extLst>
       <p:ext uri="{BB962C8B-B14F-4D97-AF65-F5344CB8AC3E}">
@@ -6551,6 +7542,13 @@
   <p:clrMapOvr>
     <a:masterClrMapping/>
   </p:clrMapOvr>
+  <p:timing>
+    <p:tnLst>
+      <p:par>
+        <p:cTn id="1" dur="indefinite" restart="never" nodeType="tmRoot"/>
+      </p:par>
+    </p:tnLst>
+  </p:timing>
 </p:sld>
 </file>
 
@@ -6588,7 +7586,7 @@
           <a:p>
             <a:r>
               <a:rPr lang="en-US" dirty="0" smtClean="0"/>
-              <a:t>BDD</a:t>
+              <a:t>BDD &amp; DSL</a:t>
             </a:r>
             <a:endParaRPr lang="ru-RU" dirty="0"/>
           </a:p>
@@ -6611,7 +7609,11 @@
           <a:p>
             <a:r>
               <a:rPr lang="ru-RU" dirty="0"/>
-              <a:t>В марте 2006 года Д. </a:t>
+              <a:t>В марте 2006 года </a:t>
+            </a:r>
+            <a:r>
+              <a:rPr lang="ru-RU" dirty="0" smtClean="0"/>
+              <a:t>Дэн </a:t>
             </a:r>
             <a:r>
               <a:rPr lang="ru-RU" dirty="0" err="1"/>
@@ -6630,12 +7632,12 @@
               <a:t> </a:t>
             </a:r>
             <a:r>
+              <a:rPr lang="ru-RU" dirty="0"/>
+              <a:t>«разработки через поведение» </a:t>
+            </a:r>
+            <a:r>
               <a:rPr lang="ru-RU" dirty="0" smtClean="0"/>
-              <a:t> </a:t>
-            </a:r>
-            <a:r>
-              <a:rPr lang="ru-RU" dirty="0"/>
-              <a:t>BDD (</a:t>
+              <a:t>(</a:t>
             </a:r>
             <a:r>
               <a:rPr lang="ru-RU" dirty="0" err="1"/>
@@ -6646,17 +7648,25 @@
               <a:t> </a:t>
             </a:r>
             <a:r>
-              <a:rPr lang="ru-RU" dirty="0" err="1"/>
+              <a:rPr lang="ru-RU" dirty="0" err="1" smtClean="0"/>
               <a:t>development</a:t>
             </a:r>
             <a:r>
-              <a:rPr lang="ru-RU" dirty="0"/>
-              <a:t>), основанную на гибкой методологии разработки. </a:t>
+              <a:rPr lang="en-US" dirty="0" smtClean="0"/>
+              <a:t>, </a:t>
+            </a:r>
+            <a:r>
+              <a:rPr lang="ru-RU" dirty="0" smtClean="0"/>
+              <a:t>BDD), </a:t>
+            </a:r>
+            <a:r>
+              <a:rPr lang="ru-RU" dirty="0"/>
+              <a:t>основанную на гибкой методологии разработки. </a:t>
             </a:r>
             <a:endParaRPr lang="en-US" dirty="0" smtClean="0"/>
           </a:p>
           <a:p>
-            <a:pPr marL="0" indent="0">
+            <a:pPr marL="274320" lvl="1" indent="0">
               <a:buNone/>
             </a:pPr>
             <a:r>
@@ -6701,12 +7711,24 @@
             <a:endParaRPr lang="en-US" dirty="0" smtClean="0"/>
           </a:p>
           <a:p>
-            <a:pPr marL="0" indent="0">
+            <a:pPr marL="274320" lvl="1" indent="0">
               <a:buNone/>
             </a:pPr>
             <a:r>
+              <a:rPr lang="ru-RU" dirty="0"/>
+              <a:t>Идея</a:t>
+            </a:r>
+            <a:r>
+              <a:rPr lang="en-US" dirty="0"/>
+              <a:t>: </a:t>
+            </a:r>
+            <a:r>
+              <a:rPr lang="ru-RU" dirty="0"/>
+              <a:t>д</a:t>
+            </a:r>
+            <a:r>
               <a:rPr lang="ru-RU" dirty="0" smtClean="0"/>
-              <a:t>Для </a:t>
+              <a:t>ля </a:t>
             </a:r>
             <a:r>
               <a:rPr lang="ru-RU" dirty="0"/>
@@ -6729,12 +7751,20 @@
               <a:t> </a:t>
             </a:r>
             <a:r>
-              <a:rPr lang="ru-RU" dirty="0" err="1"/>
+              <a:rPr lang="ru-RU" dirty="0" err="1" smtClean="0"/>
               <a:t>language</a:t>
             </a:r>
             <a:r>
-              <a:rPr lang="ru-RU" dirty="0"/>
-              <a:t>), основанный на бизнес области, такой, что бизнес словарь смогут использовать как менеджеры так и инженеры.</a:t>
+              <a:rPr lang="en-US" dirty="0" smtClean="0"/>
+              <a:t>, DSL</a:t>
+            </a:r>
+            <a:r>
+              <a:rPr lang="ru-RU" dirty="0" smtClean="0"/>
+              <a:t>), </a:t>
+            </a:r>
+            <a:r>
+              <a:rPr lang="ru-RU" dirty="0"/>
+              <a:t>основанный на бизнес области, такой, что бизнес словарь смогут использовать как менеджеры так и инженеры.</a:t>
             </a:r>
             <a:endParaRPr lang="en-US" dirty="0"/>
           </a:p>
@@ -6822,7 +7852,7 @@
           <a:p>
             <a:r>
               <a:rPr lang="ru-RU" dirty="0"/>
-              <a:t>Формулировка решаемой </a:t>
+              <a:t>Формулировка </a:t>
             </a:r>
             <a:r>
               <a:rPr lang="ru-RU" dirty="0" smtClean="0"/>
@@ -7049,35 +8079,6 @@
           </a:p>
         </p:txBody>
       </p:sp>
-      <p:sp>
-        <p:nvSpPr>
-          <p:cNvPr id="6" name="Rectangle 5"/>
-          <p:cNvSpPr/>
-          <p:nvPr/>
-        </p:nvSpPr>
-        <p:spPr>
-          <a:xfrm>
-            <a:off x="1371600" y="-1706265"/>
-            <a:ext cx="6096000" cy="923330"/>
-          </a:xfrm>
-          <a:prstGeom prst="rect">
-            <a:avLst/>
-          </a:prstGeom>
-        </p:spPr>
-        <p:txBody>
-          <a:bodyPr>
-            <a:spAutoFit/>
-          </a:bodyPr>
-          <a:lstStyle/>
-          <a:p>
-            <a:r>
-              <a:rPr lang="ru-RU" dirty="0" smtClean="0"/>
-              <a:t>Один-два сводных слайда с информацией о том, как другие люди решают такую задачу, какие готовые решения уже есть</a:t>
-            </a:r>
-            <a:endParaRPr lang="ru-RU" dirty="0"/>
-          </a:p>
-        </p:txBody>
-      </p:sp>
       <p:pic>
         <p:nvPicPr>
           <p:cNvPr id="9" name="Picture 8"/>
@@ -7108,6 +8109,98 @@
           </a:prstGeom>
         </p:spPr>
       </p:pic>
+      <p:sp>
+        <p:nvSpPr>
+          <p:cNvPr id="3" name="Прямоугольник 2"/>
+          <p:cNvSpPr/>
+          <p:nvPr/>
+        </p:nvSpPr>
+        <p:spPr>
+          <a:xfrm>
+            <a:off x="5215128" y="-5302895"/>
+            <a:ext cx="6096000" cy="4801314"/>
+          </a:xfrm>
+          <a:prstGeom prst="rect">
+            <a:avLst/>
+          </a:prstGeom>
+        </p:spPr>
+        <p:txBody>
+          <a:bodyPr>
+            <a:spAutoFit/>
+          </a:bodyPr>
+          <a:lstStyle/>
+          <a:p>
+            <a:r>
+              <a:rPr lang="ru-RU" smtClean="0"/>
+              <a:t>Компания Vector, разрабатывающая программные инструменты для работы с коммуникационными сетями, основывающихся на шинах CAN, LIN, FlexRay, Ethernet и др., используемыми в автомобильной промышленности создала программный пакет для разработчиков: CANoe. Этот инструмент поддерживает симуляцию работы сетей, предоставляет диагностические инструменты и т.д. Данный пакет используется большинством OEM-производителей и поставщиков автомобильных компонентов. В среде CANoe есть возможность разрабатывать тестовые сценарии на языке CAPL (Communication Access Programming Language). </a:t>
+            </a:r>
+          </a:p>
+          <a:p>
+            <a:r>
+              <a:rPr lang="ru-RU" smtClean="0"/>
+              <a:t>С помощью CAPL можно описать тесты, полностью покрывающие функциональные требования АС. Однако данный язык является Си подобным, достаточно трудным для понимания менеджерами и аналитиками.</a:t>
+            </a:r>
+            <a:endParaRPr lang="ru-RU" dirty="0"/>
+          </a:p>
+        </p:txBody>
+      </p:sp>
+      <p:sp>
+        <p:nvSpPr>
+          <p:cNvPr id="7" name="Прямоугольник 6"/>
+          <p:cNvSpPr/>
+          <p:nvPr/>
+        </p:nvSpPr>
+        <p:spPr>
+          <a:xfrm>
+            <a:off x="2167128" y="7923387"/>
+            <a:ext cx="6096000" cy="2585323"/>
+          </a:xfrm>
+          <a:prstGeom prst="rect">
+            <a:avLst/>
+          </a:prstGeom>
+        </p:spPr>
+        <p:txBody>
+          <a:bodyPr>
+            <a:spAutoFit/>
+          </a:bodyPr>
+          <a:lstStyle/>
+          <a:p>
+            <a:r>
+              <a:rPr lang="ru-RU" dirty="0"/>
+              <a:t>Еще одним языком для описания тестовых спецификаций в автомобильной сфере является CCDL. Это язык тестовых спецификаций для тестирования, основанном на </a:t>
+            </a:r>
+            <a:r>
+              <a:rPr lang="ru-RU" dirty="0" smtClean="0"/>
+              <a:t>требованиях. Предоставляет </a:t>
+            </a:r>
+            <a:r>
+              <a:rPr lang="ru-RU" dirty="0"/>
+              <a:t>высокоуровневый язык тестирования. CCDL может использоваться для автоматизированного </a:t>
+            </a:r>
+            <a:r>
+              <a:rPr lang="ru-RU" dirty="0" err="1"/>
+              <a:t>black</a:t>
+            </a:r>
+            <a:r>
+              <a:rPr lang="ru-RU" dirty="0"/>
+              <a:t> </a:t>
+            </a:r>
+            <a:r>
+              <a:rPr lang="ru-RU" dirty="0" err="1"/>
+              <a:t>box</a:t>
+            </a:r>
+            <a:r>
+              <a:rPr lang="ru-RU" dirty="0"/>
+              <a:t> тестирования. Однако, спецификации содержат в себе программный код, и не предоставляют пользователям в свободной форме описывать тестовые </a:t>
+            </a:r>
+            <a:r>
+              <a:rPr lang="ru-RU" dirty="0" smtClean="0"/>
+              <a:t>шаги.</a:t>
+            </a:r>
+            <a:endParaRPr lang="ru-RU" dirty="0"/>
+          </a:p>
+        </p:txBody>
+      </p:sp>
     </p:spTree>
     <p:extLst>
       <p:ext uri="{BB962C8B-B14F-4D97-AF65-F5344CB8AC3E}">
@@ -7192,8 +8285,8 @@
         </p:blipFill>
         <p:spPr>
           <a:xfrm>
-            <a:off x="990196" y="1740108"/>
-            <a:ext cx="5792008" cy="3277057"/>
+            <a:off x="990196" y="1740109"/>
+            <a:ext cx="5535664" cy="3132020"/>
           </a:xfrm>
         </p:spPr>
       </p:pic>
@@ -7242,14 +8335,193 @@
         </p:blipFill>
         <p:spPr>
           <a:xfrm>
-            <a:off x="5460018" y="5053016"/>
-            <a:ext cx="6487430" cy="1400370"/>
+            <a:off x="5460018" y="4872271"/>
+            <a:ext cx="6253562" cy="1349888"/>
           </a:xfrm>
           <a:prstGeom prst="rect">
             <a:avLst/>
           </a:prstGeom>
         </p:spPr>
       </p:pic>
+      <p:sp>
+        <p:nvSpPr>
+          <p:cNvPr id="3" name="Прямоугольник 2"/>
+          <p:cNvSpPr/>
+          <p:nvPr/>
+        </p:nvSpPr>
+        <p:spPr>
+          <a:xfrm>
+            <a:off x="3048" y="-5446849"/>
+            <a:ext cx="6096000" cy="4247317"/>
+          </a:xfrm>
+          <a:prstGeom prst="rect">
+            <a:avLst/>
+          </a:prstGeom>
+        </p:spPr>
+        <p:txBody>
+          <a:bodyPr>
+            <a:spAutoFit/>
+          </a:bodyPr>
+          <a:lstStyle/>
+          <a:p>
+            <a:r>
+              <a:rPr lang="ru-RU" dirty="0"/>
+              <a:t/>
+            </a:r>
+            <a:br>
+              <a:rPr lang="ru-RU" dirty="0"/>
+            </a:br>
+            <a:endParaRPr lang="ru-RU" dirty="0"/>
+          </a:p>
+          <a:p>
+            <a:r>
+              <a:rPr lang="ru-RU" dirty="0" err="1"/>
+              <a:t>Cucumber</a:t>
+            </a:r>
+            <a:r>
+              <a:rPr lang="ru-RU" dirty="0"/>
+              <a:t> – это </a:t>
+            </a:r>
+            <a:r>
+              <a:rPr lang="ru-RU" dirty="0" err="1"/>
+              <a:t>фреймворк</a:t>
+            </a:r>
+            <a:r>
+              <a:rPr lang="ru-RU" dirty="0"/>
+              <a:t>, реализующий подход </a:t>
+            </a:r>
+            <a:r>
+              <a:rPr lang="ru-RU" dirty="0" smtClean="0"/>
+              <a:t>BDD. </a:t>
+            </a:r>
+            <a:r>
+              <a:rPr lang="ru-RU" dirty="0"/>
+              <a:t>В </a:t>
+            </a:r>
+            <a:r>
+              <a:rPr lang="ru-RU" dirty="0" err="1"/>
+              <a:t>Cucumber</a:t>
+            </a:r>
+            <a:r>
+              <a:rPr lang="ru-RU" dirty="0"/>
+              <a:t> для разработки тестов используется </a:t>
+            </a:r>
+            <a:r>
+              <a:rPr lang="ru-RU" dirty="0" err="1"/>
+              <a:t>Gherkin</a:t>
+            </a:r>
+            <a:r>
+              <a:rPr lang="ru-RU" dirty="0"/>
+              <a:t>-нотация. Она определяет набор ключевых слов и структуру теста. </a:t>
+            </a:r>
+            <a:r>
+              <a:rPr lang="ru-RU" dirty="0" smtClean="0"/>
+              <a:t>Программная </a:t>
+            </a:r>
+            <a:r>
+              <a:rPr lang="ru-RU" dirty="0"/>
+              <a:t>реализация шагов отделена от </a:t>
+            </a:r>
+            <a:r>
+              <a:rPr lang="ru-RU" dirty="0" smtClean="0"/>
+              <a:t>теста, </a:t>
+            </a:r>
+            <a:r>
+              <a:rPr lang="ru-RU" dirty="0"/>
+              <a:t>что очень удобно для бизнеса. Однако для создания полной </a:t>
+            </a:r>
+            <a:r>
+              <a:rPr lang="ru-RU" dirty="0" err="1"/>
+              <a:t>domain</a:t>
+            </a:r>
+            <a:r>
+              <a:rPr lang="ru-RU" dirty="0"/>
+              <a:t> </a:t>
+            </a:r>
+            <a:r>
+              <a:rPr lang="ru-RU" dirty="0" err="1"/>
+              <a:t>specific</a:t>
+            </a:r>
+            <a:r>
+              <a:rPr lang="ru-RU" dirty="0"/>
+              <a:t> модели АС необходимо каждый раз заново реализовывать протокол коммуникации с </a:t>
+            </a:r>
+            <a:r>
+              <a:rPr lang="ru-RU" dirty="0" smtClean="0"/>
+              <a:t>тестовым </a:t>
+            </a:r>
+            <a:r>
+              <a:rPr lang="ru-RU" dirty="0"/>
+              <a:t>оборудованием</a:t>
+            </a:r>
+            <a:r>
+              <a:rPr lang="ru-RU" dirty="0" smtClean="0"/>
+              <a:t>. Кроме того, </a:t>
+            </a:r>
+            <a:r>
+              <a:rPr lang="en-US" dirty="0" smtClean="0"/>
+              <a:t>Cucumber  </a:t>
+            </a:r>
+            <a:r>
+              <a:rPr lang="ru-RU" dirty="0" smtClean="0"/>
+              <a:t>не предоставляет возможность выделять блоки шагов, которые необходимо выполнить  несколько раз.  В тестировании АС зачастую одни и те же шаги необходимо </a:t>
+            </a:r>
+            <a:r>
+              <a:rPr lang="ru-RU" dirty="0" err="1" smtClean="0"/>
+              <a:t>выпонять</a:t>
+            </a:r>
+            <a:r>
+              <a:rPr lang="ru-RU" dirty="0" smtClean="0"/>
+              <a:t> десятки и сотни раз, а значит тестовая </a:t>
+            </a:r>
+            <a:r>
+              <a:rPr lang="ru-RU" dirty="0" err="1" smtClean="0"/>
+              <a:t>дкументация</a:t>
+            </a:r>
+            <a:r>
+              <a:rPr lang="ru-RU" dirty="0" smtClean="0"/>
+              <a:t> будет очень длинной.</a:t>
+            </a:r>
+            <a:endParaRPr lang="ru-RU" dirty="0"/>
+          </a:p>
+        </p:txBody>
+      </p:sp>
+      <p:sp>
+        <p:nvSpPr>
+          <p:cNvPr id="7" name="Прямоугольник 6"/>
+          <p:cNvSpPr/>
+          <p:nvPr/>
+        </p:nvSpPr>
+        <p:spPr>
+          <a:xfrm>
+            <a:off x="5851448" y="7673154"/>
+            <a:ext cx="6096000" cy="3970318"/>
+          </a:xfrm>
+          <a:prstGeom prst="rect">
+            <a:avLst/>
+          </a:prstGeom>
+        </p:spPr>
+        <p:txBody>
+          <a:bodyPr>
+            <a:spAutoFit/>
+          </a:bodyPr>
+          <a:lstStyle/>
+          <a:p>
+            <a:r>
+              <a:rPr lang="ru-RU" dirty="0"/>
+              <a:t>Из вышеперечисленных инструментов для тестирования ПО видно, что ни один из них не позволяет описывать тестовые сценарии в свободной форме, при этом предоставляя возможность проверки поведения автомобильных систем на основе работы автомобильных систем. Таким образом существует необходимость в создании предметно-ориентированного языка для функционального тестирования, который объединит в себе принципы BDD и функционал, необходимый для симуляции работы автомобильных сетей CAN, LIN, </a:t>
+            </a:r>
+            <a:r>
+              <a:rPr lang="ru-RU" dirty="0" err="1"/>
+              <a:t>Ethernet</a:t>
+            </a:r>
+            <a:r>
+              <a:rPr lang="ru-RU" dirty="0"/>
+              <a:t>. Наличие такого языка значительно упростит разработку ПО и повысит качество разрабатываемого продукта.</a:t>
+            </a:r>
+          </a:p>
+        </p:txBody>
+      </p:sp>
     </p:spTree>
     <p:extLst>
       <p:ext uri="{BB962C8B-B14F-4D97-AF65-F5344CB8AC3E}">
@@ -7300,14 +8572,15 @@
         <p:spPr/>
         <p:txBody>
           <a:bodyPr>
-            <a:normAutofit fontScale="90000"/>
+            <a:normAutofit/>
           </a:bodyPr>
           <a:lstStyle/>
           <a:p>
             <a:r>
-              <a:rPr lang="ru-RU" dirty="0"/>
-              <a:t>Формальная постановка задачи: что конкретно должно было быть сделано, какие требования предъявляются к решению, какие критерии качества используются.</a:t>
-            </a:r>
+              <a:rPr lang="ru-RU" dirty="0" smtClean="0"/>
+              <a:t>постановка задачи</a:t>
+            </a:r>
+            <a:endParaRPr lang="ru-RU" dirty="0"/>
           </a:p>
         </p:txBody>
       </p:sp>
@@ -7323,10 +8596,137 @@
         </p:nvSpPr>
         <p:spPr/>
         <p:txBody>
-          <a:bodyPr/>
-          <a:lstStyle/>
-          <a:p>
-            <a:endParaRPr lang="ru-RU"/>
+          <a:bodyPr>
+            <a:normAutofit fontScale="70000" lnSpcReduction="20000"/>
+          </a:bodyPr>
+          <a:lstStyle/>
+          <a:p>
+            <a:pPr marL="0" indent="0">
+              <a:buNone/>
+            </a:pPr>
+            <a:r>
+              <a:rPr lang="ru-RU" dirty="0" smtClean="0"/>
+              <a:t>Требования </a:t>
+            </a:r>
+            <a:r>
+              <a:rPr lang="ru-RU" dirty="0"/>
+              <a:t>к работе:</a:t>
+            </a:r>
+          </a:p>
+          <a:p>
+            <a:r>
+              <a:rPr lang="ru-RU" dirty="0" smtClean="0"/>
+              <a:t>Язык </a:t>
+            </a:r>
+            <a:r>
+              <a:rPr lang="ru-RU" dirty="0"/>
+              <a:t>должен позволять пользователям описывать инструкции для тестовых сценариев в свободной форме.</a:t>
+            </a:r>
+          </a:p>
+          <a:p>
+            <a:r>
+              <a:rPr lang="ru-RU" dirty="0" smtClean="0"/>
+              <a:t>Синтаксис </a:t>
+            </a:r>
+            <a:r>
+              <a:rPr lang="ru-RU" dirty="0"/>
+              <a:t>языка должен позволять описывать несколько тестовых сценариев в документе.</a:t>
+            </a:r>
+          </a:p>
+          <a:p>
+            <a:r>
+              <a:rPr lang="ru-RU" dirty="0" smtClean="0"/>
+              <a:t>Тестовые </a:t>
+            </a:r>
+            <a:r>
+              <a:rPr lang="ru-RU" dirty="0"/>
+              <a:t>сценарии должны выполняться в той очередности, в которой описаны в документе.</a:t>
+            </a:r>
+          </a:p>
+          <a:p>
+            <a:r>
+              <a:rPr lang="ru-RU" dirty="0" smtClean="0"/>
+              <a:t>Необходимо </a:t>
+            </a:r>
+            <a:r>
+              <a:rPr lang="ru-RU" dirty="0"/>
+              <a:t>предоставить пользователю возможность работы с коммуникационными сетями автомобильных систем.</a:t>
+            </a:r>
+          </a:p>
+          <a:p>
+            <a:r>
+              <a:rPr lang="ru-RU" dirty="0" smtClean="0"/>
+              <a:t>Результаты </a:t>
+            </a:r>
+            <a:r>
+              <a:rPr lang="ru-RU" dirty="0"/>
+              <a:t>выполнения тестов должны сохраняться в файл.</a:t>
+            </a:r>
+          </a:p>
+          <a:p>
+            <a:r>
+              <a:rPr lang="ru-RU" dirty="0" smtClean="0"/>
+              <a:t>Необходимо </a:t>
+            </a:r>
+            <a:r>
+              <a:rPr lang="ru-RU" dirty="0"/>
+              <a:t>реализовать обработчик ошибок.</a:t>
+            </a:r>
+          </a:p>
+          <a:p>
+            <a:pPr marL="0" indent="0">
+              <a:buNone/>
+            </a:pPr>
+            <a:r>
+              <a:rPr lang="ru-RU" dirty="0"/>
+              <a:t/>
+            </a:r>
+            <a:br>
+              <a:rPr lang="ru-RU" dirty="0"/>
+            </a:br>
+            <a:endParaRPr lang="ru-RU" dirty="0"/>
+          </a:p>
+          <a:p>
+            <a:pPr marL="0" indent="0">
+              <a:buNone/>
+            </a:pPr>
+            <a:r>
+              <a:rPr lang="ru-RU" dirty="0"/>
+              <a:t>Качество решения, представленного в данной работе должно быть проверено следующим образом:</a:t>
+            </a:r>
+          </a:p>
+          <a:p>
+            <a:r>
+              <a:rPr lang="ru-RU" dirty="0" smtClean="0"/>
+              <a:t>необходимо </a:t>
+            </a:r>
+            <a:r>
+              <a:rPr lang="ru-RU" dirty="0"/>
+              <a:t>провести опрос среди потенциальных пользователей языка для выявления степени удобства </a:t>
+            </a:r>
+            <a:r>
+              <a:rPr lang="ru-RU" dirty="0" smtClean="0"/>
+              <a:t>использования </a:t>
+            </a:r>
+            <a:r>
+              <a:rPr lang="ru-RU" dirty="0"/>
+              <a:t>синтаксиса.</a:t>
+            </a:r>
+          </a:p>
+          <a:p>
+            <a:r>
+              <a:rPr lang="ru-RU" dirty="0" smtClean="0"/>
+              <a:t>выполнить </a:t>
+            </a:r>
+            <a:r>
+              <a:rPr lang="ru-RU" dirty="0"/>
+              <a:t>тестирование реализации языка</a:t>
+            </a:r>
+            <a:r>
+              <a:rPr lang="ru-RU" dirty="0" smtClean="0"/>
+              <a:t>.</a:t>
+            </a:r>
+            <a:endParaRPr lang="ru-RU" dirty="0"/>
           </a:p>
         </p:txBody>
       </p:sp>
@@ -7402,59 +8802,138 @@
         </p:nvSpPr>
         <p:spPr/>
         <p:txBody>
+          <a:bodyPr>
+            <a:normAutofit/>
+          </a:bodyPr>
+          <a:lstStyle/>
+          <a:p>
+            <a:r>
+              <a:rPr lang="ru-RU" dirty="0" smtClean="0"/>
+              <a:t>Разработка языка</a:t>
+            </a:r>
+            <a:endParaRPr lang="ru-RU" dirty="0"/>
+          </a:p>
+        </p:txBody>
+      </p:sp>
+      <p:pic>
+        <p:nvPicPr>
+          <p:cNvPr id="7" name="Объект 6"/>
+          <p:cNvPicPr>
+            <a:picLocks noGrp="1" noChangeAspect="1"/>
+          </p:cNvPicPr>
+          <p:nvPr>
+            <p:ph idx="1"/>
+          </p:nvPr>
+        </p:nvPicPr>
+        <p:blipFill>
+          <a:blip r:embed="rId2">
+            <a:extLst>
+              <a:ext uri="{28A0092B-C50C-407E-A947-70E740481C1C}">
+                <a14:useLocalDpi xmlns:a14="http://schemas.microsoft.com/office/drawing/2010/main" val="0"/>
+              </a:ext>
+            </a:extLst>
+          </a:blip>
+          <a:stretch>
+            <a:fillRect/>
+          </a:stretch>
+        </p:blipFill>
+        <p:spPr>
+          <a:xfrm>
+            <a:off x="1704133" y="2258276"/>
+            <a:ext cx="7500827" cy="3223851"/>
+          </a:xfrm>
+        </p:spPr>
+      </p:pic>
+      <p:sp>
+        <p:nvSpPr>
+          <p:cNvPr id="4" name="Slide Number Placeholder 3"/>
+          <p:cNvSpPr>
+            <a:spLocks noGrp="1"/>
+          </p:cNvSpPr>
+          <p:nvPr>
+            <p:ph type="sldNum" sz="quarter" idx="12"/>
+          </p:nvPr>
+        </p:nvSpPr>
+        <p:spPr/>
+        <p:txBody>
           <a:bodyPr/>
           <a:lstStyle/>
           <a:p>
-            <a:endParaRPr lang="ru-RU"/>
-          </a:p>
-        </p:txBody>
-      </p:sp>
-      <p:sp>
-        <p:nvSpPr>
-          <p:cNvPr id="3" name="Content Placeholder 2"/>
-          <p:cNvSpPr>
-            <a:spLocks noGrp="1"/>
-          </p:cNvSpPr>
-          <p:nvPr>
-            <p:ph idx="1"/>
-          </p:nvPr>
-        </p:nvSpPr>
-        <p:spPr/>
-        <p:txBody>
-          <a:bodyPr/>
-          <a:lstStyle/>
-          <a:p>
-            <a:endParaRPr lang="ru-RU"/>
-          </a:p>
-        </p:txBody>
-      </p:sp>
-      <p:sp>
-        <p:nvSpPr>
-          <p:cNvPr id="4" name="Slide Number Placeholder 3"/>
-          <p:cNvSpPr>
-            <a:spLocks noGrp="1"/>
-          </p:cNvSpPr>
-          <p:nvPr>
-            <p:ph type="sldNum" sz="quarter" idx="12"/>
-          </p:nvPr>
-        </p:nvSpPr>
-        <p:spPr/>
-        <p:txBody>
-          <a:bodyPr/>
-          <a:lstStyle/>
-          <a:p>
             <a:fld id="{D1A40677-FD44-493F-9950-230061FFD32D}" type="slidenum">
-              <a:rPr lang="ru-RU" smtClean="0"/>
+              <a:rPr lang="ru-RU" i="1" smtClean="0"/>
               <a:t>9</a:t>
             </a:fld>
-            <a:endParaRPr lang="ru-RU"/>
+            <a:endParaRPr lang="ru-RU" i="1"/>
+          </a:p>
+        </p:txBody>
+      </p:sp>
+      <p:sp>
+        <p:nvSpPr>
+          <p:cNvPr id="5" name="Прямоугольник 4"/>
+          <p:cNvSpPr/>
+          <p:nvPr/>
+        </p:nvSpPr>
+        <p:spPr>
+          <a:xfrm>
+            <a:off x="-274320" y="-2308324"/>
+            <a:ext cx="6096000" cy="2308324"/>
+          </a:xfrm>
+          <a:prstGeom prst="rect">
+            <a:avLst/>
+          </a:prstGeom>
+        </p:spPr>
+        <p:txBody>
+          <a:bodyPr>
+            <a:spAutoFit/>
+          </a:bodyPr>
+          <a:lstStyle/>
+          <a:p>
+            <a:r>
+              <a:rPr lang="ru-RU" i="1" dirty="0"/>
+              <a:t>Описание решения (если надо, можно привести какую-то информацию об используемых методах, моделях и алгоритмах, но акцент должен быть сделал на Вашем решении; если приводятся какие-то общие сведения, слушатели должны четко понимать, зачем они нужны — в общем случае лучше сначала сформулировать идею Вашего решения, а потом уже сказать про какую-то теорию, если она необходима).</a:t>
+            </a:r>
+          </a:p>
+        </p:txBody>
+      </p:sp>
+      <p:sp>
+        <p:nvSpPr>
+          <p:cNvPr id="6" name="Прямоугольник 5"/>
+          <p:cNvSpPr/>
+          <p:nvPr/>
+        </p:nvSpPr>
+        <p:spPr>
+          <a:xfrm>
+            <a:off x="-274320" y="6199632"/>
+            <a:ext cx="11928348" cy="923330"/>
+          </a:xfrm>
+          <a:prstGeom prst="rect">
+            <a:avLst/>
+          </a:prstGeom>
+        </p:spPr>
+        <p:txBody>
+          <a:bodyPr wrap="square">
+            <a:spAutoFit/>
+          </a:bodyPr>
+          <a:lstStyle/>
+          <a:p>
+            <a:r>
+              <a:rPr lang="ru-RU" dirty="0"/>
+              <a:t/>
+            </a:r>
+            <a:br>
+              <a:rPr lang="ru-RU" dirty="0"/>
+            </a:br>
+            <a:endParaRPr lang="ru-RU" dirty="0"/>
+          </a:p>
+          <a:p>
+            <a:endParaRPr lang="ru-RU" dirty="0"/>
           </a:p>
         </p:txBody>
       </p:sp>
     </p:spTree>
     <p:extLst>
       <p:ext uri="{BB962C8B-B14F-4D97-AF65-F5344CB8AC3E}">
-        <p14:creationId xmlns:p14="http://schemas.microsoft.com/office/powerpoint/2010/main" val="3767996766"/>
+        <p14:creationId xmlns:p14="http://schemas.microsoft.com/office/powerpoint/2010/main" val="1232499641"/>
       </p:ext>
     </p:extLst>
   </p:cSld>

--- a/защита/презентация.pptx
+++ b/защита/презентация.pptx
@@ -13,17 +13,17 @@
   <p:sldIdLst>
     <p:sldId id="256" r:id="rId2"/>
     <p:sldId id="257" r:id="rId3"/>
-    <p:sldId id="271" r:id="rId4"/>
-    <p:sldId id="272" r:id="rId5"/>
-    <p:sldId id="259" r:id="rId6"/>
-    <p:sldId id="262" r:id="rId7"/>
-    <p:sldId id="261" r:id="rId8"/>
-    <p:sldId id="263" r:id="rId9"/>
+    <p:sldId id="279" r:id="rId4"/>
+    <p:sldId id="259" r:id="rId5"/>
+    <p:sldId id="262" r:id="rId6"/>
+    <p:sldId id="280" r:id="rId7"/>
+    <p:sldId id="263" r:id="rId8"/>
+    <p:sldId id="278" r:id="rId9"/>
     <p:sldId id="264" r:id="rId10"/>
     <p:sldId id="275" r:id="rId11"/>
     <p:sldId id="267" r:id="rId12"/>
     <p:sldId id="273" r:id="rId13"/>
-    <p:sldId id="269" r:id="rId14"/>
+    <p:sldId id="277" r:id="rId14"/>
     <p:sldId id="276" r:id="rId15"/>
     <p:sldId id="266" r:id="rId16"/>
     <p:sldId id="268" r:id="rId17"/>
@@ -139,8 +139,7 @@
         <p14:section name="Введение" id="{ABC5657D-B2CD-4967-9760-FE30DFFDADBD}">
           <p14:sldIdLst>
             <p14:sldId id="257"/>
-            <p14:sldId id="271"/>
-            <p14:sldId id="272"/>
+            <p14:sldId id="279"/>
           </p14:sldIdLst>
         </p14:section>
         <p14:section name="Формулировка решаемой задачи" id="{F41F6C40-B162-4DFC-A34E-17BA14469416}">
@@ -151,7 +150,7 @@
         <p14:section name="аналоги" id="{CDB02F22-999C-415E-9AD6-9CCF82168808}">
           <p14:sldIdLst>
             <p14:sldId id="262"/>
-            <p14:sldId id="261"/>
+            <p14:sldId id="280"/>
           </p14:sldIdLst>
         </p14:section>
         <p14:section name="Формальная постановка задачи" id="{C658AF04-98C1-431D-9B16-943414BDF4D5}">
@@ -161,11 +160,12 @@
         </p14:section>
         <p14:section name="Описание решения" id="{960513E7-81D1-4950-AD15-B683465F1117}">
           <p14:sldIdLst>
+            <p14:sldId id="278"/>
             <p14:sldId id="264"/>
             <p14:sldId id="275"/>
             <p14:sldId id="267"/>
             <p14:sldId id="273"/>
-            <p14:sldId id="269"/>
+            <p14:sldId id="277"/>
           </p14:sldIdLst>
         </p14:section>
         <p14:section name="Результаты" id="{BDBD1419-9E01-48AB-831E-3C5C5F648A1D}">
@@ -773,7 +773,7 @@
           <a:p>
             <a:fld id="{DD920320-9A63-49AD-8486-C17DAEB4E8BC}" type="slidenum">
               <a:rPr lang="ru-RU" smtClean="0"/>
-              <a:t>6</a:t>
+              <a:t>5</a:t>
             </a:fld>
             <a:endParaRPr lang="ru-RU"/>
           </a:p>
@@ -5442,12 +5442,18 @@
         </p:nvSpPr>
         <p:spPr>
           <a:xfrm>
-            <a:off x="7464298" y="2390592"/>
-            <a:ext cx="5273040" cy="4247317"/>
+            <a:off x="7464298" y="1877159"/>
+            <a:ext cx="4727702" cy="4247317"/>
           </a:xfrm>
           <a:prstGeom prst="rect">
             <a:avLst/>
           </a:prstGeom>
+          <a:solidFill>
+            <a:schemeClr val="accent5">
+              <a:lumMod val="20000"/>
+              <a:lumOff val="80000"/>
+            </a:schemeClr>
+          </a:solidFill>
         </p:spPr>
         <p:txBody>
           <a:bodyPr wrap="square">
@@ -5794,8 +5800,8 @@
         </p:blipFill>
         <p:spPr>
           <a:xfrm>
-            <a:off x="460248" y="2390592"/>
-            <a:ext cx="7004050" cy="4051300"/>
+            <a:off x="121368" y="1877160"/>
+            <a:ext cx="7342930" cy="4247316"/>
           </a:xfrm>
         </p:spPr>
       </p:pic>
@@ -5881,45 +5887,6 @@
           </a:bodyPr>
           <a:lstStyle/>
           <a:p>
-            <a:r>
-              <a:rPr lang="ru-RU" dirty="0" smtClean="0"/>
-              <a:t>Рефлексия </a:t>
-            </a:r>
-            <a:r>
-              <a:rPr lang="ru-RU" dirty="0"/>
-              <a:t>(от лат. </a:t>
-            </a:r>
-            <a:r>
-              <a:rPr lang="ru-RU" dirty="0" err="1"/>
-              <a:t>reflexio</a:t>
-            </a:r>
-            <a:r>
-              <a:rPr lang="ru-RU" dirty="0"/>
-              <a:t> — обращение назад) — это механизм исследования данных о программе во время её выполнения. Рефлексия позволяет исследовать информацию о полях, методах и конструкторах </a:t>
-            </a:r>
-            <a:r>
-              <a:rPr lang="ru-RU" dirty="0" smtClean="0"/>
-              <a:t>классов. </a:t>
-            </a:r>
-            <a:endParaRPr lang="en-US" dirty="0"/>
-          </a:p>
-          <a:p>
-            <a:r>
-              <a:rPr lang="ru-RU" dirty="0"/>
-              <a:t>Для реализации функционала симуляции автомобильных сетей используется универсальный программный интерфейс </a:t>
-            </a:r>
-            <a:r>
-              <a:rPr lang="en-US" dirty="0"/>
-              <a:t>XL-Driver-Library, </a:t>
-            </a:r>
-            <a:r>
-              <a:rPr lang="ru-RU" dirty="0"/>
-              <a:t>позволяющий получить доступ к интерфейсам аппаратных средств </a:t>
-            </a:r>
-            <a:r>
-              <a:rPr lang="en-US" dirty="0"/>
-              <a:t>Vector. </a:t>
-            </a:r>
             <a:endParaRPr lang="ru-RU" dirty="0"/>
           </a:p>
           <a:p>
@@ -5953,9 +5920,77 @@
           </a:p>
         </p:txBody>
       </p:sp>
+      <p:sp>
+        <p:nvSpPr>
+          <p:cNvPr id="6" name="Прямоугольник 5"/>
+          <p:cNvSpPr/>
+          <p:nvPr/>
+        </p:nvSpPr>
+        <p:spPr>
+          <a:xfrm>
+            <a:off x="2788920" y="4052586"/>
+            <a:ext cx="7513320" cy="2308324"/>
+          </a:xfrm>
+          <a:prstGeom prst="rect">
+            <a:avLst/>
+          </a:prstGeom>
+        </p:spPr>
+        <p:txBody>
+          <a:bodyPr wrap="square">
+            <a:spAutoFit/>
+          </a:bodyPr>
+          <a:lstStyle/>
+          <a:p>
+            <a:r>
+              <a:rPr lang="ru-RU" b="1" dirty="0"/>
+              <a:t>Рефлексия</a:t>
+            </a:r>
+            <a:r>
+              <a:rPr lang="ru-RU" dirty="0"/>
+              <a:t> (от лат. </a:t>
+            </a:r>
+            <a:r>
+              <a:rPr lang="ru-RU" dirty="0" err="1"/>
+              <a:t>reflexio</a:t>
+            </a:r>
+            <a:r>
+              <a:rPr lang="ru-RU" dirty="0"/>
+              <a:t> — обращение назад) — это механизм исследования данных о программе во время её выполнения. Рефлексия позволяет исследовать информацию о полях, методах и конструкторах классов. </a:t>
+            </a:r>
+            <a:endParaRPr lang="en-US" dirty="0"/>
+          </a:p>
+          <a:p>
+            <a:r>
+              <a:rPr lang="ru-RU" dirty="0"/>
+              <a:t>Для реализации функционала симуляции автомобильных сетей используется универсальный программный интерфейс</a:t>
+            </a:r>
+            <a:r>
+              <a:rPr lang="ru-RU" b="1" dirty="0"/>
+              <a:t> </a:t>
+            </a:r>
+            <a:r>
+              <a:rPr lang="en-US" b="1" dirty="0"/>
+              <a:t>XL-Driver-Library</a:t>
+            </a:r>
+            <a:r>
+              <a:rPr lang="en-US" dirty="0"/>
+              <a:t>, </a:t>
+            </a:r>
+            <a:r>
+              <a:rPr lang="ru-RU" dirty="0"/>
+              <a:t>позволяющий получить доступ к интерфейсам аппаратных средств </a:t>
+            </a:r>
+            <a:r>
+              <a:rPr lang="en-US" dirty="0"/>
+              <a:t>Vector. </a:t>
+            </a:r>
+            <a:endParaRPr lang="ru-RU" dirty="0"/>
+          </a:p>
+        </p:txBody>
+      </p:sp>
       <p:pic>
         <p:nvPicPr>
-          <p:cNvPr id="5" name="Рисунок 4"/>
+          <p:cNvPr id="8" name="Рисунок 7"/>
           <p:cNvPicPr>
             <a:picLocks noChangeAspect="1"/>
           </p:cNvPicPr>
@@ -5969,8 +6004,8 @@
         </p:blipFill>
         <p:spPr>
           <a:xfrm>
-            <a:off x="504825" y="4578921"/>
-            <a:ext cx="6457950" cy="1876425"/>
+            <a:off x="478155" y="1790589"/>
+            <a:ext cx="6597756" cy="2164727"/>
           </a:xfrm>
           <a:prstGeom prst="rect">
             <a:avLst/>
@@ -6016,7 +6051,7 @@
       </p:grpSpPr>
       <p:sp>
         <p:nvSpPr>
-          <p:cNvPr id="2" name="Title 1"/>
+          <p:cNvPr id="2" name="Заголовок 1"/>
           <p:cNvSpPr>
             <a:spLocks noGrp="1"/>
           </p:cNvSpPr>
@@ -6031,44 +6066,15 @@
           <a:p>
             <a:r>
               <a:rPr lang="ru-RU" dirty="0" smtClean="0"/>
-              <a:t>Диаграмма классов</a:t>
+              <a:t>Обработчик ошибок</a:t>
             </a:r>
             <a:endParaRPr lang="ru-RU" dirty="0"/>
           </a:p>
         </p:txBody>
       </p:sp>
-      <p:pic>
-        <p:nvPicPr>
-          <p:cNvPr id="5" name="Content Placeholder 4"/>
-          <p:cNvPicPr>
-            <a:picLocks noGrp="1" noChangeAspect="1"/>
-          </p:cNvPicPr>
-          <p:nvPr>
-            <p:ph idx="1"/>
-          </p:nvPr>
-        </p:nvPicPr>
-        <p:blipFill>
-          <a:blip r:embed="rId2">
-            <a:extLst>
-              <a:ext uri="{28A0092B-C50C-407E-A947-70E740481C1C}">
-                <a14:useLocalDpi xmlns:a14="http://schemas.microsoft.com/office/drawing/2010/main" val="0"/>
-              </a:ext>
-            </a:extLst>
-          </a:blip>
-          <a:stretch>
-            <a:fillRect/>
-          </a:stretch>
-        </p:blipFill>
-        <p:spPr>
-          <a:xfrm>
-            <a:off x="1371599" y="2205779"/>
-            <a:ext cx="8873067" cy="4247607"/>
-          </a:xfrm>
-        </p:spPr>
-      </p:pic>
-      <p:sp>
-        <p:nvSpPr>
-          <p:cNvPr id="4" name="Slide Number Placeholder 3"/>
+      <p:sp>
+        <p:nvSpPr>
+          <p:cNvPr id="4" name="Номер слайда 3"/>
           <p:cNvSpPr>
             <a:spLocks noGrp="1"/>
           </p:cNvSpPr>
@@ -6089,10 +6095,472 @@
           </a:p>
         </p:txBody>
       </p:sp>
+      <p:sp>
+        <p:nvSpPr>
+          <p:cNvPr id="5" name="Прямоугольник 4"/>
+          <p:cNvSpPr/>
+          <p:nvPr/>
+        </p:nvSpPr>
+        <p:spPr>
+          <a:xfrm>
+            <a:off x="701040" y="1823502"/>
+            <a:ext cx="9357360" cy="4524315"/>
+          </a:xfrm>
+          <a:prstGeom prst="rect">
+            <a:avLst/>
+          </a:prstGeom>
+          <a:solidFill>
+            <a:schemeClr val="bg1">
+              <a:lumMod val="85000"/>
+            </a:schemeClr>
+          </a:solidFill>
+        </p:spPr>
+        <p:txBody>
+          <a:bodyPr wrap="square">
+            <a:spAutoFit/>
+          </a:bodyPr>
+          <a:lstStyle/>
+          <a:p>
+            <a:r>
+              <a:rPr lang="ru-RU" sz="2400" b="1" dirty="0"/>
+              <a:t>@</a:t>
+            </a:r>
+            <a:r>
+              <a:rPr lang="ru-RU" sz="2400" b="1" dirty="0" err="1"/>
+              <a:t>TestCase</a:t>
+            </a:r>
+            <a:r>
+              <a:rPr lang="ru-RU" sz="2400" dirty="0"/>
+              <a:t> </a:t>
+            </a:r>
+            <a:r>
+              <a:rPr lang="ru-RU" sz="2400" dirty="0" err="1"/>
+              <a:t>test</a:t>
+            </a:r>
+            <a:r>
+              <a:rPr lang="ru-RU" sz="2400" dirty="0"/>
+              <a:t> NVRAM </a:t>
+            </a:r>
+            <a:r>
+              <a:rPr lang="ru-RU" sz="2400" dirty="0" err="1"/>
+              <a:t>functionallity</a:t>
+            </a:r>
+            <a:r>
+              <a:rPr lang="ru-RU" sz="2400" dirty="0"/>
+              <a:t> </a:t>
+            </a:r>
+            <a:r>
+              <a:rPr lang="ru-RU" sz="2400" dirty="0" err="1"/>
+              <a:t>of</a:t>
+            </a:r>
+            <a:r>
+              <a:rPr lang="ru-RU" sz="2400" dirty="0"/>
+              <a:t> </a:t>
+            </a:r>
+            <a:r>
+              <a:rPr lang="ru-RU" sz="2400" dirty="0" err="1" smtClean="0"/>
+              <a:t>did</a:t>
+            </a:r>
+            <a:r>
+              <a:rPr lang="ru-RU" sz="2400" dirty="0" smtClean="0"/>
+              <a:t> 0xF101 (Req_NVRAM1)</a:t>
+            </a:r>
+            <a:endParaRPr lang="ru-RU" sz="2400" dirty="0"/>
+          </a:p>
+          <a:p>
+            <a:r>
+              <a:rPr lang="ru-RU" sz="2400" b="1" dirty="0"/>
+              <a:t>@</a:t>
+            </a:r>
+            <a:r>
+              <a:rPr lang="ru-RU" sz="2400" b="1" dirty="0" err="1"/>
+              <a:t>Set</a:t>
+            </a:r>
+            <a:r>
+              <a:rPr lang="ru-RU" sz="2400" dirty="0"/>
+              <a:t> </a:t>
+            </a:r>
+            <a:r>
+              <a:rPr lang="ru-RU" sz="2400" dirty="0" err="1"/>
+              <a:t>ignition</a:t>
+            </a:r>
+            <a:r>
+              <a:rPr lang="ru-RU" sz="2400" dirty="0"/>
+              <a:t> </a:t>
+            </a:r>
+            <a:r>
+              <a:rPr lang="ru-RU" sz="2400" dirty="0" err="1"/>
+              <a:t>on</a:t>
+            </a:r>
+            <a:endParaRPr lang="ru-RU" sz="2400" dirty="0"/>
+          </a:p>
+          <a:p>
+            <a:r>
+              <a:rPr lang="ru-RU" sz="2400" b="1" dirty="0"/>
+              <a:t>@</a:t>
+            </a:r>
+            <a:r>
+              <a:rPr lang="ru-RU" sz="2400" b="1" dirty="0" err="1"/>
+              <a:t>Send</a:t>
+            </a:r>
+            <a:r>
+              <a:rPr lang="ru-RU" sz="2400" dirty="0"/>
+              <a:t> </a:t>
+            </a:r>
+            <a:r>
+              <a:rPr lang="ru-RU" sz="2400" dirty="0" err="1"/>
+              <a:t>request</a:t>
+            </a:r>
+            <a:r>
+              <a:rPr lang="ru-RU" sz="2400" dirty="0"/>
+              <a:t> [2E F1 01 00 01 A5]</a:t>
+            </a:r>
+          </a:p>
+          <a:p>
+            <a:r>
+              <a:rPr lang="ru-RU" sz="2400" b="1" dirty="0"/>
+              <a:t>@</a:t>
+            </a:r>
+            <a:r>
+              <a:rPr lang="ru-RU" sz="2400" b="1" dirty="0" err="1"/>
+              <a:t>Recieve</a:t>
+            </a:r>
+            <a:r>
+              <a:rPr lang="ru-RU" sz="2400" dirty="0"/>
+              <a:t> </a:t>
+            </a:r>
+            <a:r>
+              <a:rPr lang="ru-RU" sz="2400" dirty="0" err="1"/>
+              <a:t>response</a:t>
+            </a:r>
+            <a:r>
+              <a:rPr lang="ru-RU" sz="2400" dirty="0"/>
+              <a:t> [6E F1 01]</a:t>
+            </a:r>
+          </a:p>
+          <a:p>
+            <a:r>
+              <a:rPr lang="ru-RU" sz="2400" b="1" dirty="0"/>
+              <a:t>@</a:t>
+            </a:r>
+            <a:r>
+              <a:rPr lang="ru-RU" sz="2400" b="1" dirty="0" err="1"/>
+              <a:t>Set</a:t>
+            </a:r>
+            <a:r>
+              <a:rPr lang="ru-RU" sz="2400" dirty="0"/>
+              <a:t> </a:t>
+            </a:r>
+            <a:r>
+              <a:rPr lang="ru-RU" sz="2400" dirty="0" err="1"/>
+              <a:t>ignition</a:t>
+            </a:r>
+            <a:r>
+              <a:rPr lang="ru-RU" sz="2400" dirty="0"/>
+              <a:t> </a:t>
+            </a:r>
+            <a:r>
+              <a:rPr lang="ru-RU" sz="2400" dirty="0" err="1" smtClean="0"/>
+              <a:t>off</a:t>
+            </a:r>
+            <a:endParaRPr lang="ru-RU" sz="2400" dirty="0"/>
+          </a:p>
+          <a:p>
+            <a:r>
+              <a:rPr lang="ru-RU" sz="2400" b="1" dirty="0"/>
+              <a:t>@</a:t>
+            </a:r>
+            <a:r>
+              <a:rPr lang="ru-RU" sz="2400" b="1" dirty="0" err="1"/>
+              <a:t>Set</a:t>
+            </a:r>
+            <a:r>
+              <a:rPr lang="ru-RU" sz="2400" dirty="0"/>
+              <a:t> </a:t>
+            </a:r>
+            <a:r>
+              <a:rPr lang="ru-RU" sz="2400" dirty="0" err="1"/>
+              <a:t>ignition</a:t>
+            </a:r>
+            <a:r>
+              <a:rPr lang="ru-RU" sz="2400" dirty="0"/>
+              <a:t> </a:t>
+            </a:r>
+            <a:r>
+              <a:rPr lang="ru-RU" sz="2400" dirty="0" err="1"/>
+              <a:t>on</a:t>
+            </a:r>
+            <a:endParaRPr lang="ru-RU" sz="2400" dirty="0"/>
+          </a:p>
+          <a:p>
+            <a:r>
+              <a:rPr lang="ru-RU" sz="2400" b="1" i="1" u="sng" dirty="0"/>
+              <a:t>@</a:t>
+            </a:r>
+            <a:r>
+              <a:rPr lang="ru-RU" sz="2400" b="1" i="1" u="sng" dirty="0" err="1"/>
+              <a:t>Repeat</a:t>
+            </a:r>
+            <a:r>
+              <a:rPr lang="ru-RU" sz="2400" i="1" u="sng" dirty="0" smtClean="0">
+                <a:solidFill>
+                  <a:srgbClr val="C00000"/>
+                </a:solidFill>
+              </a:rPr>
+              <a:t>[]</a:t>
+            </a:r>
+            <a:r>
+              <a:rPr lang="ru-RU" sz="2400" i="1" u="sng" dirty="0" smtClean="0"/>
+              <a:t>[</a:t>
+            </a:r>
+            <a:endParaRPr lang="ru-RU" sz="2400" i="1" u="sng" dirty="0"/>
+          </a:p>
+          <a:p>
+            <a:r>
+              <a:rPr lang="ru-RU" sz="2400" dirty="0"/>
+              <a:t>    </a:t>
+            </a:r>
+            <a:r>
+              <a:rPr lang="ru-RU" sz="2400" b="1" dirty="0"/>
+              <a:t>@</a:t>
+            </a:r>
+            <a:r>
+              <a:rPr lang="ru-RU" sz="2400" dirty="0" err="1"/>
+              <a:t>Send</a:t>
+            </a:r>
+            <a:r>
+              <a:rPr lang="ru-RU" sz="2400" dirty="0"/>
+              <a:t> </a:t>
+            </a:r>
+            <a:r>
+              <a:rPr lang="ru-RU" sz="2400" dirty="0" err="1"/>
+              <a:t>request</a:t>
+            </a:r>
+            <a:r>
+              <a:rPr lang="ru-RU" sz="2400" dirty="0"/>
+              <a:t> [22 F1 01]</a:t>
+            </a:r>
+          </a:p>
+          <a:p>
+            <a:r>
+              <a:rPr lang="ru-RU" sz="2400" dirty="0"/>
+              <a:t>    </a:t>
+            </a:r>
+            <a:r>
+              <a:rPr lang="ru-RU" sz="2400" b="1" dirty="0"/>
+              <a:t>@</a:t>
+            </a:r>
+            <a:r>
+              <a:rPr lang="ru-RU" sz="2400" dirty="0" err="1"/>
+              <a:t>Pause</a:t>
+            </a:r>
+            <a:r>
+              <a:rPr lang="ru-RU" sz="2400" dirty="0"/>
+              <a:t> [100] </a:t>
+            </a:r>
+            <a:r>
+              <a:rPr lang="ru-RU" sz="2400" dirty="0" err="1"/>
+              <a:t>ms</a:t>
+            </a:r>
+            <a:endParaRPr lang="ru-RU" sz="2400" dirty="0"/>
+          </a:p>
+          <a:p>
+            <a:r>
+              <a:rPr lang="ru-RU" sz="2400" dirty="0"/>
+              <a:t>    </a:t>
+            </a:r>
+            <a:r>
+              <a:rPr lang="ru-RU" sz="2400" b="1" dirty="0"/>
+              <a:t>@</a:t>
+            </a:r>
+            <a:r>
+              <a:rPr lang="ru-RU" sz="2400" dirty="0" err="1"/>
+              <a:t>Recieve</a:t>
+            </a:r>
+            <a:r>
+              <a:rPr lang="ru-RU" sz="2400" dirty="0"/>
+              <a:t> </a:t>
+            </a:r>
+            <a:r>
+              <a:rPr lang="ru-RU" sz="2400" dirty="0" err="1"/>
+              <a:t>response</a:t>
+            </a:r>
+            <a:r>
+              <a:rPr lang="ru-RU" sz="2400" dirty="0"/>
+              <a:t> [62 F1 01 00 01 A5]</a:t>
+            </a:r>
+          </a:p>
+          <a:p>
+            <a:r>
+              <a:rPr lang="ru-RU" sz="2400" dirty="0"/>
+              <a:t>]</a:t>
+            </a:r>
+          </a:p>
+          <a:p>
+            <a:r>
+              <a:rPr lang="ru-RU" sz="2400" b="1" dirty="0"/>
+              <a:t>@</a:t>
+            </a:r>
+            <a:r>
+              <a:rPr lang="ru-RU" sz="2400" b="1" dirty="0" err="1"/>
+              <a:t>Set</a:t>
+            </a:r>
+            <a:r>
+              <a:rPr lang="ru-RU" sz="2400" dirty="0"/>
+              <a:t> </a:t>
+            </a:r>
+            <a:r>
+              <a:rPr lang="ru-RU" sz="2400" dirty="0" err="1"/>
+              <a:t>ignition</a:t>
+            </a:r>
+            <a:r>
+              <a:rPr lang="ru-RU" sz="2400" dirty="0"/>
+              <a:t> </a:t>
+            </a:r>
+            <a:r>
+              <a:rPr lang="ru-RU" sz="2400" dirty="0" err="1"/>
+              <a:t>off</a:t>
+            </a:r>
+            <a:endParaRPr lang="ru-RU" sz="2400" dirty="0"/>
+          </a:p>
+        </p:txBody>
+      </p:sp>
+      <p:sp>
+        <p:nvSpPr>
+          <p:cNvPr id="6" name="Rectangle 1"/>
+          <p:cNvSpPr>
+            <a:spLocks noChangeArrowheads="1"/>
+          </p:cNvSpPr>
+          <p:nvPr/>
+        </p:nvSpPr>
+        <p:spPr bwMode="auto">
+          <a:xfrm>
+            <a:off x="6812280" y="5277207"/>
+            <a:ext cx="5138928" cy="400110"/>
+          </a:xfrm>
+          <a:prstGeom prst="rect">
+            <a:avLst/>
+          </a:prstGeom>
+          <a:solidFill>
+            <a:schemeClr val="accent1">
+              <a:lumMod val="20000"/>
+              <a:lumOff val="80000"/>
+            </a:schemeClr>
+          </a:solidFill>
+          <a:ln>
+            <a:solidFill>
+              <a:schemeClr val="accent1">
+                <a:lumMod val="50000"/>
+              </a:schemeClr>
+            </a:solidFill>
+          </a:ln>
+          <a:effectLst/>
+        </p:spPr>
+        <p:txBody>
+          <a:bodyPr vert="horz" wrap="square" lIns="91440" tIns="45720" rIns="91440" bIns="45720" numCol="1" anchor="ctr" anchorCtr="0" compatLnSpc="1">
+            <a:prstTxWarp prst="textNoShape">
+              <a:avLst/>
+            </a:prstTxWarp>
+            <a:spAutoFit/>
+          </a:bodyPr>
+          <a:lstStyle/>
+          <a:p>
+            <a:pPr marL="0" marR="0" lvl="0" indent="0" algn="l" defTabSz="914400" rtl="0" eaLnBrk="0" fontAlgn="base" latinLnBrk="0" hangingPunct="0">
+              <a:lnSpc>
+                <a:spcPct val="100000"/>
+              </a:lnSpc>
+              <a:spcBef>
+                <a:spcPct val="0"/>
+              </a:spcBef>
+              <a:spcAft>
+                <a:spcPct val="0"/>
+              </a:spcAft>
+              <a:buClrTx/>
+              <a:buSzTx/>
+              <a:buFontTx/>
+              <a:buNone/>
+              <a:tabLst/>
+            </a:pPr>
+            <a:r>
+              <a:rPr kumimoji="0" lang="ru-RU" altLang="ru-RU" sz="2000" b="1" i="0" u="none" strike="noStrike" cap="none" normalizeH="0" baseline="0" dirty="0" err="1" smtClean="0">
+                <a:ln>
+                  <a:noFill/>
+                </a:ln>
+                <a:effectLst/>
+                <a:latin typeface="Courier New" panose="02070309020205020404" pitchFamily="49" charset="0"/>
+                <a:cs typeface="Courier New" panose="02070309020205020404" pitchFamily="49" charset="0"/>
+              </a:rPr>
+              <a:t>line</a:t>
+            </a:r>
+            <a:r>
+              <a:rPr kumimoji="0" lang="ru-RU" altLang="ru-RU" sz="2000" b="1" i="0" u="none" strike="noStrike" cap="none" normalizeH="0" baseline="0" dirty="0" smtClean="0">
+                <a:ln>
+                  <a:noFill/>
+                </a:ln>
+                <a:effectLst/>
+                <a:latin typeface="Courier New" panose="02070309020205020404" pitchFamily="49" charset="0"/>
+                <a:cs typeface="Courier New" panose="02070309020205020404" pitchFamily="49" charset="0"/>
+              </a:rPr>
+              <a:t> 9:9 </a:t>
+            </a:r>
+            <a:r>
+              <a:rPr kumimoji="0" lang="ru-RU" altLang="ru-RU" sz="2000" b="1" i="0" u="none" strike="noStrike" cap="none" normalizeH="0" baseline="0" dirty="0" err="1" smtClean="0">
+                <a:ln>
+                  <a:noFill/>
+                </a:ln>
+                <a:effectLst/>
+                <a:latin typeface="Courier New" panose="02070309020205020404" pitchFamily="49" charset="0"/>
+                <a:cs typeface="Courier New" panose="02070309020205020404" pitchFamily="49" charset="0"/>
+              </a:rPr>
+              <a:t>missing</a:t>
+            </a:r>
+            <a:r>
+              <a:rPr kumimoji="0" lang="ru-RU" altLang="ru-RU" sz="2000" b="1" i="0" u="none" strike="noStrike" cap="none" normalizeH="0" baseline="0" dirty="0" smtClean="0">
+                <a:ln>
+                  <a:noFill/>
+                </a:ln>
+                <a:effectLst/>
+                <a:latin typeface="Courier New" panose="02070309020205020404" pitchFamily="49" charset="0"/>
+                <a:cs typeface="Courier New" panose="02070309020205020404" pitchFamily="49" charset="0"/>
+              </a:rPr>
+              <a:t> INTEGER </a:t>
+            </a:r>
+            <a:r>
+              <a:rPr kumimoji="0" lang="ru-RU" altLang="ru-RU" sz="2000" b="1" i="0" u="none" strike="noStrike" cap="none" normalizeH="0" baseline="0" dirty="0" err="1" smtClean="0">
+                <a:ln>
+                  <a:noFill/>
+                </a:ln>
+                <a:effectLst/>
+                <a:latin typeface="Courier New" panose="02070309020205020404" pitchFamily="49" charset="0"/>
+                <a:cs typeface="Courier New" panose="02070309020205020404" pitchFamily="49" charset="0"/>
+              </a:rPr>
+              <a:t>at</a:t>
+            </a:r>
+            <a:r>
+              <a:rPr kumimoji="0" lang="ru-RU" altLang="ru-RU" sz="2000" b="1" i="0" u="none" strike="noStrike" cap="none" normalizeH="0" baseline="0" dirty="0" smtClean="0">
+                <a:ln>
+                  <a:noFill/>
+                </a:ln>
+                <a:effectLst/>
+                <a:latin typeface="Courier New" panose="02070309020205020404" pitchFamily="49" charset="0"/>
+                <a:cs typeface="Courier New" panose="02070309020205020404" pitchFamily="49" charset="0"/>
+              </a:rPr>
+              <a:t> ']'</a:t>
+            </a:r>
+            <a:endParaRPr kumimoji="0" lang="ru-RU" altLang="ru-RU" sz="2000" b="1" i="0" u="none" strike="noStrike" cap="none" normalizeH="0" baseline="0" dirty="0" smtClean="0">
+              <a:ln>
+                <a:noFill/>
+              </a:ln>
+              <a:effectLst/>
+              <a:latin typeface="Arial" panose="020B0604020202020204" pitchFamily="34" charset="0"/>
+            </a:endParaRPr>
+          </a:p>
+        </p:txBody>
+      </p:sp>
     </p:spTree>
     <p:extLst>
       <p:ext uri="{BB962C8B-B14F-4D97-AF65-F5344CB8AC3E}">
-        <p14:creationId xmlns:p14="http://schemas.microsoft.com/office/powerpoint/2010/main" val="1863166779"/>
+        <p14:creationId xmlns:p14="http://schemas.microsoft.com/office/powerpoint/2010/main" val="538573671"/>
       </p:ext>
     </p:extLst>
   </p:cSld>
@@ -6143,28 +6611,9 @@
           <a:p>
             <a:r>
               <a:rPr lang="ru-RU" dirty="0" smtClean="0"/>
-              <a:t>Тестирование интерпретатора</a:t>
+              <a:t>Тестирование</a:t>
             </a:r>
             <a:endParaRPr lang="ru-RU" dirty="0"/>
-          </a:p>
-        </p:txBody>
-      </p:sp>
-      <p:sp>
-        <p:nvSpPr>
-          <p:cNvPr id="3" name="Объект 2"/>
-          <p:cNvSpPr>
-            <a:spLocks noGrp="1"/>
-          </p:cNvSpPr>
-          <p:nvPr>
-            <p:ph idx="1"/>
-          </p:nvPr>
-        </p:nvSpPr>
-        <p:spPr/>
-        <p:txBody>
-          <a:bodyPr/>
-          <a:lstStyle/>
-          <a:p>
-            <a:endParaRPr lang="ru-RU"/>
           </a:p>
         </p:txBody>
       </p:sp>
@@ -6193,7 +6642,7 @@
       </p:sp>
       <p:pic>
         <p:nvPicPr>
-          <p:cNvPr id="5" name="Рисунок 4"/>
+          <p:cNvPr id="9" name="Рисунок 8"/>
           <p:cNvPicPr>
             <a:picLocks noChangeAspect="1"/>
           </p:cNvPicPr>
@@ -6207,8 +6656,8 @@
         </p:blipFill>
         <p:spPr>
           <a:xfrm>
-            <a:off x="1069848" y="2158375"/>
-            <a:ext cx="6306312" cy="4114409"/>
+            <a:off x="1267968" y="2212976"/>
+            <a:ext cx="8442960" cy="4059807"/>
           </a:xfrm>
           <a:prstGeom prst="rect">
             <a:avLst/>
@@ -6307,12 +6756,18 @@
         </p:nvSpPr>
         <p:spPr>
           <a:xfrm>
-            <a:off x="652018" y="2301240"/>
-            <a:ext cx="4895342" cy="4247317"/>
+            <a:off x="396240" y="2093976"/>
+            <a:ext cx="5151120" cy="4247317"/>
           </a:xfrm>
           <a:prstGeom prst="rect">
             <a:avLst/>
           </a:prstGeom>
+          <a:solidFill>
+            <a:schemeClr val="accent5">
+              <a:lumMod val="20000"/>
+              <a:lumOff val="80000"/>
+            </a:schemeClr>
+          </a:solidFill>
         </p:spPr>
         <p:txBody>
           <a:bodyPr wrap="square">
@@ -6373,11 +6828,7 @@
             </a:r>
             <a:r>
               <a:rPr lang="ru-RU" dirty="0" smtClean="0"/>
-              <a:t>(Req_NVRAM1</a:t>
-            </a:r>
-            <a:r>
-              <a:rPr lang="ru-RU" dirty="0"/>
-              <a:t>)</a:t>
+              <a:t>(Req_NVRAM1)</a:t>
             </a:r>
           </a:p>
           <a:p>
@@ -6651,12 +7102,15 @@
         </p:blipFill>
         <p:spPr>
           <a:xfrm>
-            <a:off x="5925058" y="3546419"/>
+            <a:off x="5919986" y="3823418"/>
             <a:ext cx="6026150" cy="1655064"/>
           </a:xfrm>
           <a:prstGeom prst="rect">
             <a:avLst/>
           </a:prstGeom>
+          <a:solidFill>
+            <a:srgbClr val="D3F5F9"/>
+          </a:solidFill>
         </p:spPr>
       </p:pic>
       <p:sp>
@@ -6668,7 +7122,7 @@
         <p:spPr>
           <a:xfrm>
             <a:off x="5919986" y="3361753"/>
-            <a:ext cx="3041410" cy="461665"/>
+            <a:ext cx="3110339" cy="461665"/>
           </a:xfrm>
           <a:prstGeom prst="rect">
             <a:avLst/>
@@ -7331,35 +7785,6 @@
           </a:p>
         </p:txBody>
       </p:sp>
-      <p:pic>
-        <p:nvPicPr>
-          <p:cNvPr id="5" name="Content Placeholder 4"/>
-          <p:cNvPicPr>
-            <a:picLocks noGrp="1" noChangeAspect="1"/>
-          </p:cNvPicPr>
-          <p:nvPr>
-            <p:ph idx="1"/>
-          </p:nvPr>
-        </p:nvPicPr>
-        <p:blipFill>
-          <a:blip r:embed="rId2">
-            <a:extLst>
-              <a:ext uri="{28A0092B-C50C-407E-A947-70E740481C1C}">
-                <a14:useLocalDpi xmlns:a14="http://schemas.microsoft.com/office/drawing/2010/main" val="0"/>
-              </a:ext>
-            </a:extLst>
-          </a:blip>
-          <a:stretch>
-            <a:fillRect/>
-          </a:stretch>
-        </p:blipFill>
-        <p:spPr>
-          <a:xfrm>
-            <a:off x="762000" y="5368438"/>
-            <a:ext cx="7724004" cy="904346"/>
-          </a:xfrm>
-        </p:spPr>
-      </p:pic>
       <p:sp>
         <p:nvSpPr>
           <p:cNvPr id="4" name="Slide Number Placeholder 3"/>
@@ -7383,36 +7808,142 @@
           </a:p>
         </p:txBody>
       </p:sp>
-      <p:pic>
-        <p:nvPicPr>
-          <p:cNvPr id="9" name="Рисунок 8"/>
-          <p:cNvPicPr>
-            <a:picLocks noChangeAspect="1"/>
-          </p:cNvPicPr>
-          <p:nvPr/>
-        </p:nvPicPr>
-        <p:blipFill>
-          <a:blip r:embed="rId3">
-            <a:extLst>
-              <a:ext uri="{28A0092B-C50C-407E-A947-70E740481C1C}">
-                <a14:useLocalDpi xmlns:a14="http://schemas.microsoft.com/office/drawing/2010/main" val="0"/>
-              </a:ext>
-            </a:extLst>
-          </a:blip>
-          <a:stretch>
-            <a:fillRect/>
-          </a:stretch>
-        </p:blipFill>
+      <p:sp>
+        <p:nvSpPr>
+          <p:cNvPr id="11" name="Объект 10"/>
+          <p:cNvSpPr>
+            <a:spLocks noGrp="1"/>
+          </p:cNvSpPr>
+          <p:nvPr>
+            <p:ph idx="1"/>
+          </p:nvPr>
+        </p:nvSpPr>
         <p:spPr>
           <a:xfrm>
-            <a:off x="6424736" y="1393213"/>
-            <a:ext cx="5549900" cy="3810000"/>
+            <a:off x="1069848" y="2093976"/>
+            <a:ext cx="10058400" cy="4050792"/>
           </a:xfrm>
-          <a:prstGeom prst="rect">
-            <a:avLst/>
-          </a:prstGeom>
         </p:spPr>
-      </p:pic>
+        <p:txBody>
+          <a:bodyPr>
+            <a:normAutofit/>
+          </a:bodyPr>
+          <a:lstStyle/>
+          <a:p>
+            <a:r>
+              <a:rPr lang="ru-RU" dirty="0"/>
+              <a:t>С развитием автомобильной промышленности тестирование автомобильных систем стало неотъемлемой частью жизненного цикла разработки программного и аппаратного обеспечения транспортных средств. </a:t>
+            </a:r>
+            <a:endParaRPr lang="ru-RU" dirty="0" smtClean="0"/>
+          </a:p>
+          <a:p>
+            <a:r>
+              <a:rPr lang="ru-RU" dirty="0" smtClean="0"/>
+              <a:t>ПО, </a:t>
+            </a:r>
+            <a:r>
+              <a:rPr lang="ru-RU" dirty="0"/>
+              <a:t>разрабатываемое для </a:t>
+            </a:r>
+            <a:r>
+              <a:rPr lang="ru-RU" dirty="0" smtClean="0"/>
+              <a:t>автомобильных систем, при </a:t>
+            </a:r>
+            <a:r>
+              <a:rPr lang="ru-RU" dirty="0"/>
+              <a:t>тестировании может рассматриваться в качестве «черного ящика</a:t>
+            </a:r>
+            <a:r>
+              <a:rPr lang="ru-RU" dirty="0" smtClean="0"/>
+              <a:t>». </a:t>
+            </a:r>
+            <a:r>
+              <a:rPr lang="ru-RU" dirty="0"/>
+              <a:t>Проанализировав требования и спецификации </a:t>
+            </a:r>
+            <a:r>
+              <a:rPr lang="ru-RU" dirty="0" err="1"/>
+              <a:t>тестировщик</a:t>
+            </a:r>
+            <a:r>
+              <a:rPr lang="ru-RU" dirty="0"/>
+              <a:t> </a:t>
+            </a:r>
+            <a:r>
+              <a:rPr lang="ru-RU" dirty="0" smtClean="0"/>
+              <a:t>определяет </a:t>
+            </a:r>
+            <a:r>
+              <a:rPr lang="ru-RU" dirty="0"/>
+              <a:t>набор тестовых сценариев для проверки различной функциональности тестируемой </a:t>
+            </a:r>
+            <a:r>
+              <a:rPr lang="ru-RU" dirty="0" smtClean="0"/>
+              <a:t>системы.</a:t>
+            </a:r>
+          </a:p>
+          <a:p>
+            <a:pPr lvl="0"/>
+            <a:r>
+              <a:rPr lang="ru-RU" dirty="0"/>
+              <a:t>В марте 2006 года Дэн </a:t>
+            </a:r>
+            <a:r>
+              <a:rPr lang="ru-RU" dirty="0" err="1"/>
+              <a:t>Норт</a:t>
+            </a:r>
+            <a:r>
+              <a:rPr lang="ru-RU" dirty="0"/>
+              <a:t> предложил методологию «разработки через поведение» (</a:t>
+            </a:r>
+            <a:r>
+              <a:rPr lang="ru-RU" dirty="0" err="1"/>
+              <a:t>behaviour-driven</a:t>
+            </a:r>
+            <a:r>
+              <a:rPr lang="ru-RU" dirty="0"/>
+              <a:t> </a:t>
+            </a:r>
+            <a:r>
+              <a:rPr lang="ru-RU" dirty="0" err="1"/>
+              <a:t>development</a:t>
+            </a:r>
+            <a:r>
+              <a:rPr lang="ru-RU" dirty="0"/>
+              <a:t>, BDD), основанную на гибкой методологии разработки. </a:t>
+            </a:r>
+          </a:p>
+          <a:p>
+            <a:pPr marL="274320" lvl="1" indent="0">
+              <a:buNone/>
+            </a:pPr>
+            <a:r>
+              <a:rPr lang="ru-RU" b="1" dirty="0"/>
+              <a:t>Идея:</a:t>
+            </a:r>
+            <a:r>
+              <a:rPr lang="ru-RU" dirty="0"/>
+              <a:t> </a:t>
+            </a:r>
+            <a:r>
+              <a:rPr lang="ru-RU" i="1" dirty="0"/>
+              <a:t>в процессе написания требования для разрабатываемого ПО аналитики должны описать тестовые сценарии таким образом, чтобы их смог понять и разработчик, и </a:t>
+            </a:r>
+            <a:r>
+              <a:rPr lang="ru-RU" i="1" dirty="0" err="1"/>
+              <a:t>тестировщик</a:t>
+            </a:r>
+            <a:r>
+              <a:rPr lang="ru-RU" i="1" dirty="0"/>
+              <a:t>, и заказчик.</a:t>
+            </a:r>
+            <a:endParaRPr lang="ru-RU" i="1" dirty="0"/>
+          </a:p>
+          <a:p>
+            <a:endParaRPr lang="ru-RU" dirty="0"/>
+          </a:p>
+        </p:txBody>
+      </p:sp>
     </p:spTree>
     <p:extLst>
       <p:ext uri="{BB962C8B-B14F-4D97-AF65-F5344CB8AC3E}">
@@ -7466,49 +7997,121 @@
           <a:lstStyle/>
           <a:p>
             <a:r>
+              <a:rPr lang="ru-RU" dirty="0"/>
+              <a:t>Введение</a:t>
+            </a:r>
+          </a:p>
+        </p:txBody>
+      </p:sp>
+      <p:sp>
+        <p:nvSpPr>
+          <p:cNvPr id="3" name="Объект 2"/>
+          <p:cNvSpPr>
+            <a:spLocks noGrp="1"/>
+          </p:cNvSpPr>
+          <p:nvPr>
+            <p:ph idx="1"/>
+          </p:nvPr>
+        </p:nvSpPr>
+        <p:spPr/>
+        <p:txBody>
+          <a:bodyPr>
+            <a:normAutofit fontScale="92500" lnSpcReduction="10000"/>
+          </a:bodyPr>
+          <a:lstStyle/>
+          <a:p>
+            <a:pPr marL="0" lvl="0" indent="0">
+              <a:buNone/>
+            </a:pPr>
+            <a:endParaRPr lang="ru-RU" dirty="0"/>
+          </a:p>
+          <a:p>
+            <a:r>
+              <a:rPr lang="ru-RU" dirty="0"/>
+              <a:t>Зачастую заказчики и аналитики не имеют достаточных знаний в языках программирования общего назначения, либо использование этих языков не удобно из-за большого количества не относящихся к решаемой задаче деталей </a:t>
+            </a:r>
+          </a:p>
+          <a:p>
+            <a:pPr lvl="0"/>
+            <a:r>
+              <a:rPr lang="ru-RU" dirty="0"/>
+              <a:t>Почти в то же время Эрик Эванс опубликовал книгу «Предметно-ориентированное проектирование», в которой описал  идею, что </a:t>
+            </a:r>
+            <a:r>
+              <a:rPr lang="ru-RU" i="1" dirty="0"/>
+              <a:t>для бизнеса удобно смоделировать систему, в которой будет определен единый язык (</a:t>
+            </a:r>
+            <a:r>
+              <a:rPr lang="ru-RU" i="1" dirty="0" err="1"/>
+              <a:t>Domain</a:t>
+            </a:r>
+            <a:r>
+              <a:rPr lang="ru-RU" i="1" dirty="0"/>
+              <a:t> </a:t>
+            </a:r>
+            <a:r>
+              <a:rPr lang="ru-RU" i="1" dirty="0" err="1"/>
+              <a:t>specific</a:t>
+            </a:r>
+            <a:r>
+              <a:rPr lang="ru-RU" i="1" dirty="0"/>
+              <a:t> </a:t>
+            </a:r>
+            <a:r>
+              <a:rPr lang="ru-RU" i="1" dirty="0" err="1"/>
+              <a:t>language</a:t>
+            </a:r>
+            <a:r>
+              <a:rPr lang="ru-RU" i="1" dirty="0"/>
+              <a:t>, </a:t>
+            </a:r>
+            <a:r>
+              <a:rPr lang="en-US" i="1" dirty="0"/>
+              <a:t>DSL</a:t>
+            </a:r>
+            <a:r>
+              <a:rPr lang="ru-RU" i="1" dirty="0"/>
+              <a:t>), основанный на бизнес области, такой, что бизнес словарь смогут использовать как менеджеры, так и инженеры.</a:t>
+            </a:r>
+          </a:p>
+          <a:p>
+            <a:r>
+              <a:rPr lang="ru-RU" dirty="0"/>
+              <a:t>Такой язык обеспечит пользователям возможность коротко и четко сформулировать задачу и позволит уменьшить количество тестовой документации</a:t>
+            </a:r>
+            <a:r>
               <a:rPr lang="ru-RU" dirty="0" smtClean="0"/>
-              <a:t>Тестирование</a:t>
-            </a:r>
-            <a:br>
+              <a:t>.</a:t>
+            </a:r>
+          </a:p>
+          <a:p>
+            <a:r>
               <a:rPr lang="ru-RU" dirty="0" smtClean="0"/>
-            </a:br>
+              <a:t>В данный момент производители АС пытаются найти решение, предоставляющее возможность описывать тестовые сценарии </a:t>
+            </a:r>
+            <a:r>
+              <a:rPr lang="ru-RU" dirty="0"/>
+              <a:t>в форме, оговариваемой внутри </a:t>
+            </a:r>
             <a:r>
               <a:rPr lang="ru-RU" dirty="0" smtClean="0"/>
-              <a:t>«черного ящика»</a:t>
+              <a:t>команды, состоящей заказчика, аналитика, разработчика и </a:t>
+            </a:r>
+            <a:r>
+              <a:rPr lang="ru-RU" dirty="0" err="1" smtClean="0"/>
+              <a:t>тестировщика</a:t>
+            </a:r>
+            <a:r>
+              <a:rPr lang="ru-RU" dirty="0" smtClean="0"/>
+              <a:t>.</a:t>
             </a:r>
             <a:endParaRPr lang="ru-RU" dirty="0"/>
           </a:p>
-        </p:txBody>
-      </p:sp>
-      <p:pic>
-        <p:nvPicPr>
-          <p:cNvPr id="6" name="Объект 5"/>
-          <p:cNvPicPr>
-            <a:picLocks noGrp="1" noChangeAspect="1"/>
-          </p:cNvPicPr>
-          <p:nvPr>
-            <p:ph idx="1"/>
-          </p:nvPr>
-        </p:nvPicPr>
-        <p:blipFill>
-          <a:blip r:embed="rId2">
-            <a:extLst>
-              <a:ext uri="{28A0092B-C50C-407E-A947-70E740481C1C}">
-                <a14:useLocalDpi xmlns:a14="http://schemas.microsoft.com/office/drawing/2010/main" val="0"/>
-              </a:ext>
-            </a:extLst>
-          </a:blip>
-          <a:stretch>
-            <a:fillRect/>
-          </a:stretch>
-        </p:blipFill>
-        <p:spPr>
-          <a:xfrm>
-            <a:off x="1592986" y="2868825"/>
-            <a:ext cx="7482685" cy="3112875"/>
-          </a:xfrm>
-        </p:spPr>
-      </p:pic>
+          <a:p>
+            <a:endParaRPr lang="ru-RU" dirty="0"/>
+          </a:p>
+        </p:txBody>
+      </p:sp>
       <p:sp>
         <p:nvSpPr>
           <p:cNvPr id="4" name="Номер слайда 3"/>
@@ -7535,7 +8138,7 @@
     </p:spTree>
     <p:extLst>
       <p:ext uri="{BB962C8B-B14F-4D97-AF65-F5344CB8AC3E}">
-        <p14:creationId xmlns:p14="http://schemas.microsoft.com/office/powerpoint/2010/main" val="146815848"/>
+        <p14:creationId xmlns:p14="http://schemas.microsoft.com/office/powerpoint/2010/main" val="4164047995"/>
       </p:ext>
     </p:extLst>
   </p:cSld>
@@ -7571,7 +8174,7 @@
       </p:grpSpPr>
       <p:sp>
         <p:nvSpPr>
-          <p:cNvPr id="2" name="Заголовок 1"/>
+          <p:cNvPr id="2" name="Title 1"/>
           <p:cNvSpPr>
             <a:spLocks noGrp="1"/>
           </p:cNvSpPr>
@@ -7581,12 +8184,18 @@
         </p:nvSpPr>
         <p:spPr/>
         <p:txBody>
-          <a:bodyPr/>
+          <a:bodyPr>
+            <a:normAutofit/>
+          </a:bodyPr>
           <a:lstStyle/>
           <a:p>
             <a:r>
-              <a:rPr lang="en-US" dirty="0" smtClean="0"/>
-              <a:t>BDD &amp; DSL</a:t>
+              <a:rPr lang="ru-RU" dirty="0"/>
+              <a:t>Формулировка </a:t>
+            </a:r>
+            <a:r>
+              <a:rPr lang="ru-RU" dirty="0" smtClean="0"/>
+              <a:t>задачи</a:t>
             </a:r>
             <a:endParaRPr lang="ru-RU" dirty="0"/>
           </a:p>
@@ -7594,7 +8203,7 @@
       </p:sp>
       <p:sp>
         <p:nvSpPr>
-          <p:cNvPr id="3" name="Объект 2"/>
+          <p:cNvPr id="3" name="Content Placeholder 2"/>
           <p:cNvSpPr>
             <a:spLocks noGrp="1"/>
           </p:cNvSpPr>
@@ -7604,178 +8213,50 @@
         </p:nvSpPr>
         <p:spPr/>
         <p:txBody>
-          <a:bodyPr/>
+          <a:bodyPr>
+            <a:normAutofit/>
+          </a:bodyPr>
           <a:lstStyle/>
           <a:p>
-            <a:r>
-              <a:rPr lang="ru-RU" dirty="0"/>
-              <a:t>В марте 2006 года </a:t>
-            </a:r>
-            <a:r>
-              <a:rPr lang="ru-RU" dirty="0" smtClean="0"/>
-              <a:t>Дэн </a:t>
-            </a:r>
-            <a:r>
-              <a:rPr lang="ru-RU" dirty="0" err="1"/>
-              <a:t>Норт</a:t>
-            </a:r>
-            <a:r>
-              <a:rPr lang="ru-RU" dirty="0"/>
-              <a:t> предложил </a:t>
-            </a:r>
-            <a:r>
-              <a:rPr lang="ru-RU" dirty="0" smtClean="0"/>
-              <a:t>методологию</a:t>
-            </a:r>
-            <a:r>
-              <a:rPr lang="en-US" dirty="0" smtClean="0"/>
-              <a:t> </a:t>
-            </a:r>
-            <a:r>
-              <a:rPr lang="ru-RU" dirty="0"/>
-              <a:t>«разработки через поведение» </a:t>
-            </a:r>
-            <a:r>
-              <a:rPr lang="ru-RU" dirty="0" smtClean="0"/>
-              <a:t>(</a:t>
-            </a:r>
-            <a:r>
-              <a:rPr lang="ru-RU" dirty="0" err="1"/>
-              <a:t>behaviour-driven</a:t>
-            </a:r>
-            <a:r>
-              <a:rPr lang="ru-RU" dirty="0"/>
-              <a:t> </a:t>
-            </a:r>
-            <a:r>
-              <a:rPr lang="ru-RU" dirty="0" err="1" smtClean="0"/>
-              <a:t>development</a:t>
-            </a:r>
-            <a:r>
-              <a:rPr lang="en-US" dirty="0" smtClean="0"/>
-              <a:t>, </a:t>
-            </a:r>
-            <a:r>
-              <a:rPr lang="ru-RU" dirty="0" smtClean="0"/>
-              <a:t>BDD), </a:t>
-            </a:r>
-            <a:r>
-              <a:rPr lang="ru-RU" dirty="0"/>
-              <a:t>основанную на гибкой методологии разработки. </a:t>
-            </a:r>
-            <a:endParaRPr lang="en-US" dirty="0" smtClean="0"/>
-          </a:p>
-          <a:p>
-            <a:pPr marL="274320" lvl="1" indent="0">
+            <a:pPr marL="0" indent="0">
               <a:buNone/>
             </a:pPr>
             <a:r>
-              <a:rPr lang="ru-RU" dirty="0" smtClean="0"/>
-              <a:t>Идея</a:t>
-            </a:r>
-            <a:r>
-              <a:rPr lang="en-US" dirty="0" smtClean="0"/>
-              <a:t>: </a:t>
-            </a:r>
-            <a:r>
-              <a:rPr lang="ru-RU" dirty="0" smtClean="0"/>
-              <a:t>в процессе </a:t>
-            </a:r>
-            <a:r>
-              <a:rPr lang="ru-RU" dirty="0"/>
-              <a:t>написания требования для разрабатываемого ПО аналитики должны описать тестовые сценарии таким образом, чтобы их смог понять и разработчик, и </a:t>
-            </a:r>
-            <a:r>
-              <a:rPr lang="ru-RU" dirty="0" err="1"/>
-              <a:t>тестировщик</a:t>
-            </a:r>
-            <a:r>
-              <a:rPr lang="ru-RU" dirty="0"/>
-              <a:t>, и заказчик.</a:t>
-            </a:r>
-            <a:endParaRPr lang="en-US" dirty="0"/>
-          </a:p>
-          <a:p>
-            <a:r>
-              <a:rPr lang="ru-RU" dirty="0"/>
-              <a:t>Почти в то же время Эрик Эванс опубликовал книгу «Предметно-ориентированное проектирование</a:t>
-            </a:r>
-            <a:r>
-              <a:rPr lang="ru-RU" dirty="0" smtClean="0"/>
+              <a:rPr lang="ru-RU" sz="3200" dirty="0" smtClean="0"/>
+              <a:t>Необходимо </a:t>
+            </a:r>
+            <a:r>
+              <a:rPr lang="ru-RU" sz="3200" dirty="0"/>
+              <a:t>разработать проблемно-ориентированный язык </a:t>
+            </a:r>
+            <a:r>
+              <a:rPr lang="ru-RU" sz="3200" dirty="0" smtClean="0"/>
+              <a:t>для </a:t>
+            </a:r>
+            <a:r>
+              <a:rPr lang="ru-RU" sz="3200" dirty="0"/>
+              <a:t>функционального тестирования автомобильных систем, который позволит использовать методологию «разработки через поведение</a:t>
+            </a:r>
+            <a:r>
+              <a:rPr lang="ru-RU" sz="3200" dirty="0" smtClean="0"/>
               <a:t>», </a:t>
             </a:r>
             <a:r>
-              <a:rPr lang="ru-RU" dirty="0"/>
-              <a:t>в которой описал набор принципов и схем, направленных на создание оптимальных систем объектов.</a:t>
-            </a:r>
-            <a:endParaRPr lang="en-US" dirty="0" smtClean="0"/>
-          </a:p>
-          <a:p>
-            <a:pPr marL="274320" lvl="1" indent="0">
+              <a:rPr lang="ru-RU" sz="3200" dirty="0"/>
+              <a:t>предоставит функционал, необходимый для симуляции работы автомобильных сетей, а также позволит пользователям описывать инструкции сценариев в форме, оговариваемой внутри команды.</a:t>
+            </a:r>
+          </a:p>
+          <a:p>
+            <a:pPr marL="0" indent="0">
               <a:buNone/>
             </a:pPr>
-            <a:r>
-              <a:rPr lang="ru-RU" dirty="0"/>
-              <a:t>Идея</a:t>
-            </a:r>
-            <a:r>
-              <a:rPr lang="en-US" dirty="0"/>
-              <a:t>: </a:t>
-            </a:r>
-            <a:r>
-              <a:rPr lang="ru-RU" dirty="0"/>
-              <a:t>д</a:t>
-            </a:r>
-            <a:r>
-              <a:rPr lang="ru-RU" dirty="0" smtClean="0"/>
-              <a:t>ля </a:t>
-            </a:r>
-            <a:r>
-              <a:rPr lang="ru-RU" dirty="0"/>
-              <a:t>бизнеса удобно смоделировать систему, в которой будет определен единый язык (</a:t>
-            </a:r>
-            <a:r>
-              <a:rPr lang="ru-RU" dirty="0" err="1"/>
-              <a:t>Domain</a:t>
-            </a:r>
-            <a:r>
-              <a:rPr lang="ru-RU" dirty="0"/>
-              <a:t> </a:t>
-            </a:r>
-            <a:r>
-              <a:rPr lang="ru-RU" dirty="0" err="1"/>
-              <a:t>specific</a:t>
-            </a:r>
-            <a:r>
-              <a:rPr lang="ru-RU" dirty="0"/>
-              <a:t> </a:t>
-            </a:r>
-            <a:r>
-              <a:rPr lang="ru-RU" dirty="0" err="1" smtClean="0"/>
-              <a:t>language</a:t>
-            </a:r>
-            <a:r>
-              <a:rPr lang="en-US" dirty="0" smtClean="0"/>
-              <a:t>, DSL</a:t>
-            </a:r>
-            <a:r>
-              <a:rPr lang="ru-RU" dirty="0" smtClean="0"/>
-              <a:t>), </a:t>
-            </a:r>
-            <a:r>
-              <a:rPr lang="ru-RU" dirty="0"/>
-              <a:t>основанный на бизнес области, такой, что бизнес словарь смогут использовать как менеджеры так и инженеры.</a:t>
-            </a:r>
-            <a:endParaRPr lang="en-US" dirty="0"/>
-          </a:p>
-          <a:p>
-            <a:endParaRPr lang="ru-RU" dirty="0"/>
-          </a:p>
-        </p:txBody>
-      </p:sp>
-      <p:sp>
-        <p:nvSpPr>
-          <p:cNvPr id="4" name="Номер слайда 3"/>
+            <a:endParaRPr lang="ru-RU" sz="3200" dirty="0"/>
+          </a:p>
+        </p:txBody>
+      </p:sp>
+      <p:sp>
+        <p:nvSpPr>
+          <p:cNvPr id="4" name="Slide Number Placeholder 3"/>
           <p:cNvSpPr>
             <a:spLocks noGrp="1"/>
           </p:cNvSpPr>
@@ -7799,7 +8280,7 @@
     </p:spTree>
     <p:extLst>
       <p:ext uri="{BB962C8B-B14F-4D97-AF65-F5344CB8AC3E}">
-        <p14:creationId xmlns:p14="http://schemas.microsoft.com/office/powerpoint/2010/main" val="4191903324"/>
+        <p14:creationId xmlns:p14="http://schemas.microsoft.com/office/powerpoint/2010/main" val="1699680576"/>
       </p:ext>
     </p:extLst>
   </p:cSld>
@@ -7846,94 +8327,47 @@
         <p:spPr/>
         <p:txBody>
           <a:bodyPr>
-            <a:normAutofit/>
+            <a:normAutofit fontScale="90000"/>
           </a:bodyPr>
           <a:lstStyle/>
           <a:p>
             <a:r>
-              <a:rPr lang="ru-RU" dirty="0"/>
-              <a:t>Формулировка </a:t>
-            </a:r>
-            <a:r>
               <a:rPr lang="ru-RU" dirty="0" smtClean="0"/>
-              <a:t>задачи</a:t>
+              <a:t>Обзор существующих инструментов тестирования</a:t>
             </a:r>
             <a:endParaRPr lang="ru-RU" dirty="0"/>
           </a:p>
         </p:txBody>
       </p:sp>
-      <p:sp>
-        <p:nvSpPr>
-          <p:cNvPr id="3" name="Content Placeholder 2"/>
-          <p:cNvSpPr>
-            <a:spLocks noGrp="1"/>
-          </p:cNvSpPr>
+      <p:pic>
+        <p:nvPicPr>
+          <p:cNvPr id="5" name="Content Placeholder 4"/>
+          <p:cNvPicPr>
+            <a:picLocks noGrp="1" noChangeAspect="1"/>
+          </p:cNvPicPr>
           <p:nvPr>
             <p:ph idx="1"/>
           </p:nvPr>
-        </p:nvSpPr>
-        <p:spPr/>
-        <p:txBody>
-          <a:bodyPr>
-            <a:normAutofit/>
-          </a:bodyPr>
-          <a:lstStyle/>
-          <a:p>
-            <a:pPr marL="0" indent="0">
-              <a:buNone/>
-            </a:pPr>
-            <a:r>
-              <a:rPr lang="ru-RU" sz="3200" dirty="0" smtClean="0"/>
-              <a:t>Необходимо разработать проблемно-ориентированный язык (</a:t>
-            </a:r>
-            <a:r>
-              <a:rPr lang="en-US" sz="3200" dirty="0" smtClean="0"/>
-              <a:t>DSL</a:t>
-            </a:r>
-            <a:r>
-              <a:rPr lang="ru-RU" sz="3200" dirty="0" smtClean="0"/>
-              <a:t>) </a:t>
-            </a:r>
-            <a:r>
-              <a:rPr lang="ru-RU" sz="3200" dirty="0"/>
-              <a:t>для функционального тестирования автомобильных систем, который </a:t>
-            </a:r>
-            <a:r>
-              <a:rPr lang="ru-RU" sz="3200" dirty="0" smtClean="0"/>
-              <a:t>позволит использовать методологию </a:t>
-            </a:r>
-            <a:r>
-              <a:rPr lang="ru-RU" sz="3200" dirty="0"/>
-              <a:t>«</a:t>
-            </a:r>
-            <a:r>
-              <a:rPr lang="ru-RU" sz="3200" dirty="0" smtClean="0"/>
-              <a:t>разработки </a:t>
-            </a:r>
-            <a:r>
-              <a:rPr lang="ru-RU" sz="3200" dirty="0"/>
-              <a:t>через поведение</a:t>
-            </a:r>
-            <a:r>
-              <a:rPr lang="ru-RU" sz="3200" dirty="0" smtClean="0"/>
-              <a:t>» </a:t>
-            </a:r>
-            <a:r>
-              <a:rPr lang="en-US" sz="3200" dirty="0" smtClean="0"/>
-              <a:t>(BDD)</a:t>
-            </a:r>
-            <a:r>
-              <a:rPr lang="ru-RU" sz="3200" dirty="0" smtClean="0"/>
-              <a:t>, а так же предоставит </a:t>
-            </a:r>
-            <a:r>
-              <a:rPr lang="ru-RU" sz="3200" dirty="0"/>
-              <a:t>функционал, необходимый для симуляции работы автомобильных сетей.</a:t>
-            </a:r>
-            <a:endParaRPr lang="ru-RU" sz="3200" dirty="0"/>
-          </a:p>
-        </p:txBody>
-      </p:sp>
+        </p:nvPicPr>
+        <p:blipFill>
+          <a:blip r:embed="rId3">
+            <a:extLst>
+              <a:ext uri="{28A0092B-C50C-407E-A947-70E740481C1C}">
+                <a14:useLocalDpi xmlns:a14="http://schemas.microsoft.com/office/drawing/2010/main" val="0"/>
+              </a:ext>
+            </a:extLst>
+          </a:blip>
+          <a:stretch>
+            <a:fillRect/>
+          </a:stretch>
+        </p:blipFill>
+        <p:spPr>
+          <a:xfrm>
+            <a:off x="6248810" y="3619334"/>
+            <a:ext cx="5420777" cy="2828760"/>
+          </a:xfrm>
+        </p:spPr>
+      </p:pic>
       <p:sp>
         <p:nvSpPr>
           <p:cNvPr id="4" name="Slide Number Placeholder 3"/>
@@ -7957,10 +8391,152 @@
           </a:p>
         </p:txBody>
       </p:sp>
+      <p:pic>
+        <p:nvPicPr>
+          <p:cNvPr id="9" name="Picture 8"/>
+          <p:cNvPicPr>
+            <a:picLocks noChangeAspect="1"/>
+          </p:cNvPicPr>
+          <p:nvPr/>
+        </p:nvPicPr>
+        <p:blipFill>
+          <a:blip r:embed="rId4">
+            <a:extLst>
+              <a:ext uri="{28A0092B-C50C-407E-A947-70E740481C1C}">
+                <a14:useLocalDpi xmlns:a14="http://schemas.microsoft.com/office/drawing/2010/main" val="0"/>
+              </a:ext>
+            </a:extLst>
+          </a:blip>
+          <a:stretch>
+            <a:fillRect/>
+          </a:stretch>
+        </p:blipFill>
+        <p:spPr>
+          <a:xfrm>
+            <a:off x="397933" y="2584104"/>
+            <a:ext cx="5527040" cy="4053805"/>
+          </a:xfrm>
+          <a:prstGeom prst="rect">
+            <a:avLst/>
+          </a:prstGeom>
+        </p:spPr>
+      </p:pic>
+      <p:sp>
+        <p:nvSpPr>
+          <p:cNvPr id="10" name="Title 1"/>
+          <p:cNvSpPr txBox="1">
+            <a:spLocks/>
+          </p:cNvSpPr>
+          <p:nvPr/>
+        </p:nvSpPr>
+        <p:spPr>
+          <a:xfrm>
+            <a:off x="1313284" y="2003067"/>
+            <a:ext cx="2776728" cy="707136"/>
+          </a:xfrm>
+          <a:prstGeom prst="rect">
+            <a:avLst/>
+          </a:prstGeom>
+        </p:spPr>
+        <p:txBody>
+          <a:bodyPr vert="horz" lIns="91440" tIns="45720" rIns="91440" bIns="45720" rtlCol="0" anchor="ctr">
+            <a:normAutofit/>
+          </a:bodyPr>
+          <a:lstStyle>
+            <a:lvl1pPr algn="l" defTabSz="914400" rtl="0" eaLnBrk="1" latinLnBrk="0" hangingPunct="1">
+              <a:lnSpc>
+                <a:spcPct val="90000"/>
+              </a:lnSpc>
+              <a:spcBef>
+                <a:spcPct val="0"/>
+              </a:spcBef>
+              <a:buNone/>
+              <a:defRPr sz="5400" kern="1200" cap="all" baseline="0">
+                <a:blipFill>
+                  <a:blip r:embed="rId5">
+                    <a:extLst>
+                      <a:ext uri="{28A0092B-C50C-407E-A947-70E740481C1C}">
+                        <a14:useLocalDpi xmlns:a14="http://schemas.microsoft.com/office/drawing/2010/main" val="0"/>
+                      </a:ext>
+                    </a:extLst>
+                  </a:blip>
+                  <a:tile tx="6350" ty="-127000" sx="65000" sy="64000" flip="none" algn="tl"/>
+                </a:blipFill>
+                <a:latin typeface="+mj-lt"/>
+                <a:ea typeface="+mj-ea"/>
+                <a:cs typeface="+mj-cs"/>
+              </a:defRPr>
+            </a:lvl1pPr>
+          </a:lstStyle>
+          <a:p>
+            <a:r>
+              <a:rPr lang="en-US" sz="2800" dirty="0" smtClean="0"/>
+              <a:t>CAPL</a:t>
+            </a:r>
+            <a:endParaRPr lang="ru-RU" sz="2800" dirty="0"/>
+          </a:p>
+        </p:txBody>
+      </p:sp>
+      <p:sp>
+        <p:nvSpPr>
+          <p:cNvPr id="11" name="Title 1"/>
+          <p:cNvSpPr txBox="1">
+            <a:spLocks/>
+          </p:cNvSpPr>
+          <p:nvPr/>
+        </p:nvSpPr>
+        <p:spPr>
+          <a:xfrm>
+            <a:off x="6248810" y="2503087"/>
+            <a:ext cx="2776728" cy="707136"/>
+          </a:xfrm>
+          <a:prstGeom prst="rect">
+            <a:avLst/>
+          </a:prstGeom>
+        </p:spPr>
+        <p:txBody>
+          <a:bodyPr vert="horz" lIns="91440" tIns="45720" rIns="91440" bIns="45720" rtlCol="0" anchor="ctr">
+            <a:normAutofit/>
+          </a:bodyPr>
+          <a:lstStyle>
+            <a:lvl1pPr algn="l" defTabSz="914400" rtl="0" eaLnBrk="1" latinLnBrk="0" hangingPunct="1">
+              <a:lnSpc>
+                <a:spcPct val="90000"/>
+              </a:lnSpc>
+              <a:spcBef>
+                <a:spcPct val="0"/>
+              </a:spcBef>
+              <a:buNone/>
+              <a:defRPr sz="5400" kern="1200" cap="all" baseline="0">
+                <a:blipFill>
+                  <a:blip r:embed="rId5">
+                    <a:extLst>
+                      <a:ext uri="{28A0092B-C50C-407E-A947-70E740481C1C}">
+                        <a14:useLocalDpi xmlns:a14="http://schemas.microsoft.com/office/drawing/2010/main" val="0"/>
+                      </a:ext>
+                    </a:extLst>
+                  </a:blip>
+                  <a:tile tx="6350" ty="-127000" sx="65000" sy="64000" flip="none" algn="tl"/>
+                </a:blipFill>
+                <a:latin typeface="+mj-lt"/>
+                <a:ea typeface="+mj-ea"/>
+                <a:cs typeface="+mj-cs"/>
+              </a:defRPr>
+            </a:lvl1pPr>
+          </a:lstStyle>
+          <a:p>
+            <a:r>
+              <a:rPr lang="en-US" sz="2800" dirty="0" smtClean="0"/>
+              <a:t>CCDL</a:t>
+            </a:r>
+            <a:endParaRPr lang="ru-RU" sz="2800" dirty="0"/>
+          </a:p>
+        </p:txBody>
+      </p:sp>
     </p:spTree>
     <p:extLst>
       <p:ext uri="{BB962C8B-B14F-4D97-AF65-F5344CB8AC3E}">
-        <p14:creationId xmlns:p14="http://schemas.microsoft.com/office/powerpoint/2010/main" val="1699680576"/>
+        <p14:creationId xmlns:p14="http://schemas.microsoft.com/office/powerpoint/2010/main" val="3989799819"/>
       </p:ext>
     </p:extLst>
   </p:cSld>
@@ -7996,7 +8572,7 @@
       </p:grpSpPr>
       <p:sp>
         <p:nvSpPr>
-          <p:cNvPr id="2" name="Title 1"/>
+          <p:cNvPr id="2" name="Заголовок 1"/>
           <p:cNvSpPr>
             <a:spLocks noGrp="1"/>
           </p:cNvSpPr>
@@ -8007,35 +8583,81 @@
         <p:spPr/>
         <p:txBody>
           <a:bodyPr>
-            <a:normAutofit/>
+            <a:normAutofit fontScale="90000"/>
           </a:bodyPr>
           <a:lstStyle/>
           <a:p>
             <a:r>
-              <a:rPr lang="en-US" dirty="0" smtClean="0"/>
-              <a:t>CCLD </a:t>
-            </a:r>
-            <a:r>
-              <a:rPr lang="ru-RU" dirty="0" smtClean="0"/>
-              <a:t>и </a:t>
-            </a:r>
-            <a:r>
-              <a:rPr lang="en-US" dirty="0" smtClean="0"/>
-              <a:t>CAPL</a:t>
-            </a:r>
-            <a:endParaRPr lang="ru-RU" dirty="0"/>
+              <a:rPr lang="ru-RU" dirty="0"/>
+              <a:t>Обзор существующих инструментов тестирования</a:t>
+            </a:r>
           </a:p>
         </p:txBody>
       </p:sp>
       <p:pic>
         <p:nvPicPr>
-          <p:cNvPr id="5" name="Content Placeholder 4"/>
+          <p:cNvPr id="5" name="Объект 4"/>
           <p:cNvPicPr>
             <a:picLocks noGrp="1" noChangeAspect="1"/>
           </p:cNvPicPr>
           <p:nvPr>
             <p:ph idx="1"/>
           </p:nvPr>
+        </p:nvPicPr>
+        <p:blipFill>
+          <a:blip r:embed="rId2">
+            <a:extLst>
+              <a:ext uri="{28A0092B-C50C-407E-A947-70E740481C1C}">
+                <a14:useLocalDpi xmlns:a14="http://schemas.microsoft.com/office/drawing/2010/main" val="0"/>
+              </a:ext>
+            </a:extLst>
+          </a:blip>
+          <a:stretch>
+            <a:fillRect/>
+          </a:stretch>
+        </p:blipFill>
+        <p:spPr>
+          <a:xfrm>
+            <a:off x="566928" y="5075826"/>
+            <a:ext cx="6487430" cy="1400370"/>
+          </a:xfrm>
+          <a:ln>
+            <a:solidFill>
+              <a:schemeClr val="tx1"/>
+            </a:solidFill>
+          </a:ln>
+        </p:spPr>
+      </p:pic>
+      <p:sp>
+        <p:nvSpPr>
+          <p:cNvPr id="4" name="Номер слайда 3"/>
+          <p:cNvSpPr>
+            <a:spLocks noGrp="1"/>
+          </p:cNvSpPr>
+          <p:nvPr>
+            <p:ph type="sldNum" sz="quarter" idx="12"/>
+          </p:nvPr>
+        </p:nvSpPr>
+        <p:spPr/>
+        <p:txBody>
+          <a:bodyPr/>
+          <a:lstStyle/>
+          <a:p>
+            <a:fld id="{D1A40677-FD44-493F-9950-230061FFD32D}" type="slidenum">
+              <a:rPr lang="ru-RU" smtClean="0"/>
+              <a:t>6</a:t>
+            </a:fld>
+            <a:endParaRPr lang="ru-RU"/>
+          </a:p>
+        </p:txBody>
+      </p:sp>
+      <p:pic>
+        <p:nvPicPr>
+          <p:cNvPr id="6" name="Рисунок 5"/>
+          <p:cNvPicPr>
+            <a:picLocks noChangeAspect="1"/>
+          </p:cNvPicPr>
+          <p:nvPr/>
         </p:nvPicPr>
         <p:blipFill>
           <a:blip r:embed="rId3">
@@ -8051,160 +8673,79 @@
         </p:blipFill>
         <p:spPr>
           <a:xfrm>
-            <a:off x="751423" y="2399581"/>
-            <a:ext cx="5420777" cy="2828760"/>
+            <a:off x="5839160" y="2296465"/>
+            <a:ext cx="5792008" cy="3277057"/>
           </a:xfrm>
+          <a:prstGeom prst="rect">
+            <a:avLst/>
+          </a:prstGeom>
+          <a:ln>
+            <a:solidFill>
+              <a:schemeClr val="tx1"/>
+            </a:solidFill>
+          </a:ln>
         </p:spPr>
       </p:pic>
       <p:sp>
         <p:nvSpPr>
-          <p:cNvPr id="4" name="Slide Number Placeholder 3"/>
-          <p:cNvSpPr>
-            <a:spLocks noGrp="1"/>
-          </p:cNvSpPr>
-          <p:nvPr>
-            <p:ph type="sldNum" sz="quarter" idx="12"/>
-          </p:nvPr>
-        </p:nvSpPr>
-        <p:spPr/>
-        <p:txBody>
-          <a:bodyPr/>
-          <a:lstStyle/>
-          <a:p>
-            <a:fld id="{D1A40677-FD44-493F-9950-230061FFD32D}" type="slidenum">
-              <a:rPr lang="ru-RU" smtClean="0"/>
-              <a:t>6</a:t>
-            </a:fld>
-            <a:endParaRPr lang="ru-RU"/>
-          </a:p>
-        </p:txBody>
-      </p:sp>
-      <p:pic>
-        <p:nvPicPr>
-          <p:cNvPr id="9" name="Picture 8"/>
-          <p:cNvPicPr>
-            <a:picLocks noChangeAspect="1"/>
-          </p:cNvPicPr>
+          <p:cNvPr id="7" name="Title 1"/>
+          <p:cNvSpPr txBox="1">
+            <a:spLocks/>
+          </p:cNvSpPr>
           <p:nvPr/>
-        </p:nvPicPr>
-        <p:blipFill>
-          <a:blip r:embed="rId4">
-            <a:extLst>
-              <a:ext uri="{28A0092B-C50C-407E-A947-70E740481C1C}">
-                <a14:useLocalDpi xmlns:a14="http://schemas.microsoft.com/office/drawing/2010/main" val="0"/>
-              </a:ext>
-            </a:extLst>
-          </a:blip>
-          <a:stretch>
-            <a:fillRect/>
-          </a:stretch>
-        </p:blipFill>
+        </p:nvSpPr>
         <p:spPr>
           <a:xfrm>
-            <a:off x="6417733" y="2399581"/>
-            <a:ext cx="5527040" cy="4053805"/>
+            <a:off x="1864090" y="2513772"/>
+            <a:ext cx="2776728" cy="707136"/>
           </a:xfrm>
           <a:prstGeom prst="rect">
             <a:avLst/>
           </a:prstGeom>
         </p:spPr>
-      </p:pic>
-      <p:sp>
-        <p:nvSpPr>
-          <p:cNvPr id="3" name="Прямоугольник 2"/>
-          <p:cNvSpPr/>
-          <p:nvPr/>
-        </p:nvSpPr>
-        <p:spPr>
-          <a:xfrm>
-            <a:off x="5215128" y="-5302895"/>
-            <a:ext cx="6096000" cy="4801314"/>
-          </a:xfrm>
-          <a:prstGeom prst="rect">
-            <a:avLst/>
-          </a:prstGeom>
-        </p:spPr>
-        <p:txBody>
-          <a:bodyPr>
-            <a:spAutoFit/>
+        <p:txBody>
+          <a:bodyPr vert="horz" lIns="91440" tIns="45720" rIns="91440" bIns="45720" rtlCol="0" anchor="ctr">
+            <a:normAutofit/>
           </a:bodyPr>
-          <a:lstStyle/>
-          <a:p>
-            <a:r>
-              <a:rPr lang="ru-RU" smtClean="0"/>
-              <a:t>Компания Vector, разрабатывающая программные инструменты для работы с коммуникационными сетями, основывающихся на шинах CAN, LIN, FlexRay, Ethernet и др., используемыми в автомобильной промышленности создала программный пакет для разработчиков: CANoe. Этот инструмент поддерживает симуляцию работы сетей, предоставляет диагностические инструменты и т.д. Данный пакет используется большинством OEM-производителей и поставщиков автомобильных компонентов. В среде CANoe есть возможность разрабатывать тестовые сценарии на языке CAPL (Communication Access Programming Language). </a:t>
-            </a:r>
-          </a:p>
-          <a:p>
-            <a:r>
-              <a:rPr lang="ru-RU" smtClean="0"/>
-              <a:t>С помощью CAPL можно описать тесты, полностью покрывающие функциональные требования АС. Однако данный язык является Си подобным, достаточно трудным для понимания менеджерами и аналитиками.</a:t>
-            </a:r>
-            <a:endParaRPr lang="ru-RU" dirty="0"/>
-          </a:p>
-        </p:txBody>
-      </p:sp>
-      <p:sp>
-        <p:nvSpPr>
-          <p:cNvPr id="7" name="Прямоугольник 6"/>
-          <p:cNvSpPr/>
-          <p:nvPr/>
-        </p:nvSpPr>
-        <p:spPr>
-          <a:xfrm>
-            <a:off x="2167128" y="7923387"/>
-            <a:ext cx="6096000" cy="2585323"/>
-          </a:xfrm>
-          <a:prstGeom prst="rect">
-            <a:avLst/>
-          </a:prstGeom>
-        </p:spPr>
-        <p:txBody>
-          <a:bodyPr>
-            <a:spAutoFit/>
-          </a:bodyPr>
-          <a:lstStyle/>
-          <a:p>
-            <a:r>
-              <a:rPr lang="ru-RU" dirty="0"/>
-              <a:t>Еще одним языком для описания тестовых спецификаций в автомобильной сфере является CCDL. Это язык тестовых спецификаций для тестирования, основанном на </a:t>
-            </a:r>
-            <a:r>
-              <a:rPr lang="ru-RU" dirty="0" smtClean="0"/>
-              <a:t>требованиях. Предоставляет </a:t>
-            </a:r>
-            <a:r>
-              <a:rPr lang="ru-RU" dirty="0"/>
-              <a:t>высокоуровневый язык тестирования. CCDL может использоваться для автоматизированного </a:t>
-            </a:r>
-            <a:r>
-              <a:rPr lang="ru-RU" dirty="0" err="1"/>
-              <a:t>black</a:t>
-            </a:r>
-            <a:r>
-              <a:rPr lang="ru-RU" dirty="0"/>
-              <a:t> </a:t>
-            </a:r>
-            <a:r>
-              <a:rPr lang="ru-RU" dirty="0" err="1"/>
-              <a:t>box</a:t>
-            </a:r>
-            <a:r>
-              <a:rPr lang="ru-RU" dirty="0"/>
-              <a:t> тестирования. Однако, спецификации содержат в себе программный код, и не предоставляют пользователям в свободной форме описывать тестовые </a:t>
-            </a:r>
-            <a:r>
-              <a:rPr lang="ru-RU" dirty="0" smtClean="0"/>
-              <a:t>шаги.</a:t>
-            </a:r>
-            <a:endParaRPr lang="ru-RU" dirty="0"/>
+          <a:lstStyle>
+            <a:lvl1pPr algn="l" defTabSz="914400" rtl="0" eaLnBrk="1" latinLnBrk="0" hangingPunct="1">
+              <a:lnSpc>
+                <a:spcPct val="90000"/>
+              </a:lnSpc>
+              <a:spcBef>
+                <a:spcPct val="0"/>
+              </a:spcBef>
+              <a:buNone/>
+              <a:defRPr sz="5400" kern="1200" cap="all" baseline="0">
+                <a:blipFill>
+                  <a:blip r:embed="rId4">
+                    <a:extLst>
+                      <a:ext uri="{28A0092B-C50C-407E-A947-70E740481C1C}">
+                        <a14:useLocalDpi xmlns:a14="http://schemas.microsoft.com/office/drawing/2010/main" val="0"/>
+                      </a:ext>
+                    </a:extLst>
+                  </a:blip>
+                  <a:tile tx="6350" ty="-127000" sx="65000" sy="64000" flip="none" algn="tl"/>
+                </a:blipFill>
+                <a:latin typeface="+mj-lt"/>
+                <a:ea typeface="+mj-ea"/>
+                <a:cs typeface="+mj-cs"/>
+              </a:defRPr>
+            </a:lvl1pPr>
+          </a:lstStyle>
+          <a:p>
+            <a:r>
+              <a:rPr lang="en-US" sz="2800" dirty="0" smtClean="0"/>
+              <a:t>Cucumber</a:t>
+            </a:r>
+            <a:endParaRPr lang="ru-RU" sz="2800" dirty="0"/>
           </a:p>
         </p:txBody>
       </p:sp>
     </p:spTree>
     <p:extLst>
       <p:ext uri="{BB962C8B-B14F-4D97-AF65-F5344CB8AC3E}">
-        <p14:creationId xmlns:p14="http://schemas.microsoft.com/office/powerpoint/2010/main" val="3989799819"/>
+        <p14:creationId xmlns:p14="http://schemas.microsoft.com/office/powerpoint/2010/main" val="1121455296"/>
       </p:ext>
     </p:extLst>
   </p:cSld>
@@ -8250,46 +8791,199 @@
         </p:nvSpPr>
         <p:spPr/>
         <p:txBody>
-          <a:bodyPr/>
+          <a:bodyPr>
+            <a:normAutofit/>
+          </a:bodyPr>
           <a:lstStyle/>
           <a:p>
             <a:r>
+              <a:rPr lang="ru-RU" dirty="0" smtClean="0"/>
+              <a:t>постановка задачи</a:t>
+            </a:r>
+            <a:endParaRPr lang="ru-RU" dirty="0"/>
+          </a:p>
+        </p:txBody>
+      </p:sp>
+      <p:sp>
+        <p:nvSpPr>
+          <p:cNvPr id="3" name="Content Placeholder 2"/>
+          <p:cNvSpPr>
+            <a:spLocks noGrp="1"/>
+          </p:cNvSpPr>
+          <p:nvPr>
+            <p:ph idx="1"/>
+          </p:nvPr>
+        </p:nvSpPr>
+        <p:spPr/>
+        <p:txBody>
+          <a:bodyPr>
+            <a:normAutofit fontScale="77500" lnSpcReduction="20000"/>
+          </a:bodyPr>
+          <a:lstStyle/>
+          <a:p>
+            <a:pPr marL="0" indent="0">
+              <a:buNone/>
+            </a:pPr>
+            <a:r>
+              <a:rPr lang="ru-RU" b="1" dirty="0" smtClean="0"/>
+              <a:t>Требования </a:t>
+            </a:r>
+            <a:r>
+              <a:rPr lang="ru-RU" b="1" dirty="0"/>
+              <a:t>к работе:</a:t>
+            </a:r>
+          </a:p>
+          <a:p>
+            <a:r>
+              <a:rPr lang="ru-RU" dirty="0" smtClean="0"/>
+              <a:t>Язык </a:t>
+            </a:r>
+            <a:r>
+              <a:rPr lang="ru-RU" dirty="0"/>
+              <a:t>должен позволять пользователям описывать инструкции для тестовых сценариев </a:t>
+            </a:r>
+            <a:r>
+              <a:rPr lang="ru-RU" dirty="0" smtClean="0"/>
+              <a:t>в форме</a:t>
+            </a:r>
+            <a:r>
+              <a:rPr lang="ru-RU" dirty="0"/>
+              <a:t>, оговариваемой внутри бизнес-команды.</a:t>
+            </a:r>
+            <a:r>
+              <a:rPr lang="ru-RU" dirty="0" smtClean="0"/>
+              <a:t>.</a:t>
+            </a:r>
+            <a:endParaRPr lang="ru-RU" dirty="0"/>
+          </a:p>
+          <a:p>
+            <a:r>
+              <a:rPr lang="ru-RU" dirty="0" smtClean="0"/>
+              <a:t>Синтаксис </a:t>
+            </a:r>
+            <a:r>
+              <a:rPr lang="ru-RU" dirty="0"/>
+              <a:t>языка должен позволять описывать несколько тестовых сценариев в документе.</a:t>
+            </a:r>
+          </a:p>
+          <a:p>
+            <a:r>
+              <a:rPr lang="ru-RU" dirty="0" smtClean="0"/>
+              <a:t>Тестовые </a:t>
+            </a:r>
+            <a:r>
+              <a:rPr lang="ru-RU" dirty="0"/>
+              <a:t>сценарии должны выполняться в той очередности, в которой описаны в документе.</a:t>
+            </a:r>
+          </a:p>
+          <a:p>
+            <a:r>
+              <a:rPr lang="ru-RU" dirty="0" smtClean="0"/>
+              <a:t>Необходимо </a:t>
+            </a:r>
+            <a:r>
+              <a:rPr lang="ru-RU" dirty="0"/>
+              <a:t>предоставить пользователю возможность работы с </a:t>
+            </a:r>
+            <a:r>
+              <a:rPr lang="ru-RU" dirty="0" smtClean="0"/>
+              <a:t>шинами </a:t>
+            </a:r>
+            <a:r>
               <a:rPr lang="en-US" dirty="0" smtClean="0"/>
-              <a:t>Cucumber</a:t>
+              <a:t>CAN </a:t>
+            </a:r>
+            <a:r>
+              <a:rPr lang="ru-RU" dirty="0" smtClean="0"/>
+              <a:t>и </a:t>
+            </a:r>
+            <a:r>
+              <a:rPr lang="en-US" dirty="0" err="1" smtClean="0"/>
+              <a:t>FlexRay</a:t>
+            </a:r>
+            <a:r>
+              <a:rPr lang="ru-RU" dirty="0" smtClean="0"/>
+              <a:t>.</a:t>
             </a:r>
             <a:endParaRPr lang="ru-RU" dirty="0"/>
           </a:p>
-        </p:txBody>
-      </p:sp>
-      <p:pic>
-        <p:nvPicPr>
-          <p:cNvPr id="5" name="Content Placeholder 4"/>
-          <p:cNvPicPr>
-            <a:picLocks noGrp="1" noChangeAspect="1"/>
-          </p:cNvPicPr>
-          <p:nvPr>
-            <p:ph idx="1"/>
-          </p:nvPr>
-        </p:nvPicPr>
-        <p:blipFill>
-          <a:blip r:embed="rId2">
-            <a:extLst>
-              <a:ext uri="{28A0092B-C50C-407E-A947-70E740481C1C}">
-                <a14:useLocalDpi xmlns:a14="http://schemas.microsoft.com/office/drawing/2010/main" val="0"/>
-              </a:ext>
-            </a:extLst>
-          </a:blip>
-          <a:stretch>
-            <a:fillRect/>
-          </a:stretch>
-        </p:blipFill>
-        <p:spPr>
-          <a:xfrm>
-            <a:off x="990196" y="1740109"/>
-            <a:ext cx="5535664" cy="3132020"/>
-          </a:xfrm>
-        </p:spPr>
-      </p:pic>
+          <a:p>
+            <a:r>
+              <a:rPr lang="ru-RU" dirty="0" smtClean="0"/>
+              <a:t>Результаты </a:t>
+            </a:r>
+            <a:r>
+              <a:rPr lang="ru-RU" dirty="0"/>
+              <a:t>выполнения тестов должны сохраняться в файл.</a:t>
+            </a:r>
+          </a:p>
+          <a:p>
+            <a:r>
+              <a:rPr lang="ru-RU" dirty="0" smtClean="0"/>
+              <a:t>Необходимо </a:t>
+            </a:r>
+            <a:r>
+              <a:rPr lang="ru-RU" dirty="0"/>
+              <a:t>реализовать обработчик ошибок.</a:t>
+            </a:r>
+          </a:p>
+          <a:p>
+            <a:pPr marL="0" indent="0">
+              <a:buNone/>
+            </a:pPr>
+            <a:r>
+              <a:rPr lang="ru-RU" dirty="0"/>
+              <a:t/>
+            </a:r>
+            <a:br>
+              <a:rPr lang="ru-RU" dirty="0"/>
+            </a:br>
+            <a:endParaRPr lang="ru-RU" dirty="0"/>
+          </a:p>
+          <a:p>
+            <a:pPr marL="0" indent="0">
+              <a:buNone/>
+            </a:pPr>
+            <a:r>
+              <a:rPr lang="ru-RU" b="1" dirty="0"/>
+              <a:t>Качество решения, представленного в данной работе должно быть проверено следующим образом:</a:t>
+            </a:r>
+          </a:p>
+          <a:p>
+            <a:r>
+              <a:rPr lang="ru-RU" dirty="0" smtClean="0"/>
+              <a:t>необходимо </a:t>
+            </a:r>
+            <a:r>
+              <a:rPr lang="ru-RU" dirty="0"/>
+              <a:t>провести опрос среди потенциальных пользователей языка для выявления степени удобства </a:t>
+            </a:r>
+            <a:r>
+              <a:rPr lang="ru-RU" dirty="0" smtClean="0"/>
+              <a:t>использования </a:t>
+            </a:r>
+            <a:r>
+              <a:rPr lang="ru-RU" dirty="0"/>
+              <a:t>синтаксиса.</a:t>
+            </a:r>
+          </a:p>
+          <a:p>
+            <a:r>
+              <a:rPr lang="ru-RU" dirty="0" smtClean="0"/>
+              <a:t>выполнить тестирование </a:t>
+            </a:r>
+            <a:r>
+              <a:rPr lang="ru-RU" dirty="0"/>
+              <a:t>реализации языка</a:t>
+            </a:r>
+            <a:r>
+              <a:rPr lang="ru-RU" dirty="0" smtClean="0"/>
+              <a:t>.</a:t>
+            </a:r>
+            <a:endParaRPr lang="ru-RU" dirty="0"/>
+          </a:p>
+        </p:txBody>
+      </p:sp>
       <p:sp>
         <p:nvSpPr>
           <p:cNvPr id="4" name="Slide Number Placeholder 3"/>
@@ -8313,219 +9007,10 @@
           </a:p>
         </p:txBody>
       </p:sp>
-      <p:pic>
-        <p:nvPicPr>
-          <p:cNvPr id="6" name="Picture 5"/>
-          <p:cNvPicPr>
-            <a:picLocks noChangeAspect="1"/>
-          </p:cNvPicPr>
-          <p:nvPr/>
-        </p:nvPicPr>
-        <p:blipFill>
-          <a:blip r:embed="rId3">
-            <a:extLst>
-              <a:ext uri="{28A0092B-C50C-407E-A947-70E740481C1C}">
-                <a14:useLocalDpi xmlns:a14="http://schemas.microsoft.com/office/drawing/2010/main" val="0"/>
-              </a:ext>
-            </a:extLst>
-          </a:blip>
-          <a:stretch>
-            <a:fillRect/>
-          </a:stretch>
-        </p:blipFill>
-        <p:spPr>
-          <a:xfrm>
-            <a:off x="5460018" y="4872271"/>
-            <a:ext cx="6253562" cy="1349888"/>
-          </a:xfrm>
-          <a:prstGeom prst="rect">
-            <a:avLst/>
-          </a:prstGeom>
-        </p:spPr>
-      </p:pic>
-      <p:sp>
-        <p:nvSpPr>
-          <p:cNvPr id="3" name="Прямоугольник 2"/>
-          <p:cNvSpPr/>
-          <p:nvPr/>
-        </p:nvSpPr>
-        <p:spPr>
-          <a:xfrm>
-            <a:off x="3048" y="-5446849"/>
-            <a:ext cx="6096000" cy="4247317"/>
-          </a:xfrm>
-          <a:prstGeom prst="rect">
-            <a:avLst/>
-          </a:prstGeom>
-        </p:spPr>
-        <p:txBody>
-          <a:bodyPr>
-            <a:spAutoFit/>
-          </a:bodyPr>
-          <a:lstStyle/>
-          <a:p>
-            <a:r>
-              <a:rPr lang="ru-RU" dirty="0"/>
-              <a:t/>
-            </a:r>
-            <a:br>
-              <a:rPr lang="ru-RU" dirty="0"/>
-            </a:br>
-            <a:endParaRPr lang="ru-RU" dirty="0"/>
-          </a:p>
-          <a:p>
-            <a:r>
-              <a:rPr lang="ru-RU" dirty="0" err="1"/>
-              <a:t>Cucumber</a:t>
-            </a:r>
-            <a:r>
-              <a:rPr lang="ru-RU" dirty="0"/>
-              <a:t> – это </a:t>
-            </a:r>
-            <a:r>
-              <a:rPr lang="ru-RU" dirty="0" err="1"/>
-              <a:t>фреймворк</a:t>
-            </a:r>
-            <a:r>
-              <a:rPr lang="ru-RU" dirty="0"/>
-              <a:t>, реализующий подход </a:t>
-            </a:r>
-            <a:r>
-              <a:rPr lang="ru-RU" dirty="0" smtClean="0"/>
-              <a:t>BDD. </a:t>
-            </a:r>
-            <a:r>
-              <a:rPr lang="ru-RU" dirty="0"/>
-              <a:t>В </a:t>
-            </a:r>
-            <a:r>
-              <a:rPr lang="ru-RU" dirty="0" err="1"/>
-              <a:t>Cucumber</a:t>
-            </a:r>
-            <a:r>
-              <a:rPr lang="ru-RU" dirty="0"/>
-              <a:t> для разработки тестов используется </a:t>
-            </a:r>
-            <a:r>
-              <a:rPr lang="ru-RU" dirty="0" err="1"/>
-              <a:t>Gherkin</a:t>
-            </a:r>
-            <a:r>
-              <a:rPr lang="ru-RU" dirty="0"/>
-              <a:t>-нотация. Она определяет набор ключевых слов и структуру теста. </a:t>
-            </a:r>
-            <a:r>
-              <a:rPr lang="ru-RU" dirty="0" smtClean="0"/>
-              <a:t>Программная </a:t>
-            </a:r>
-            <a:r>
-              <a:rPr lang="ru-RU" dirty="0"/>
-              <a:t>реализация шагов отделена от </a:t>
-            </a:r>
-            <a:r>
-              <a:rPr lang="ru-RU" dirty="0" smtClean="0"/>
-              <a:t>теста, </a:t>
-            </a:r>
-            <a:r>
-              <a:rPr lang="ru-RU" dirty="0"/>
-              <a:t>что очень удобно для бизнеса. Однако для создания полной </a:t>
-            </a:r>
-            <a:r>
-              <a:rPr lang="ru-RU" dirty="0" err="1"/>
-              <a:t>domain</a:t>
-            </a:r>
-            <a:r>
-              <a:rPr lang="ru-RU" dirty="0"/>
-              <a:t> </a:t>
-            </a:r>
-            <a:r>
-              <a:rPr lang="ru-RU" dirty="0" err="1"/>
-              <a:t>specific</a:t>
-            </a:r>
-            <a:r>
-              <a:rPr lang="ru-RU" dirty="0"/>
-              <a:t> модели АС необходимо каждый раз заново реализовывать протокол коммуникации с </a:t>
-            </a:r>
-            <a:r>
-              <a:rPr lang="ru-RU" dirty="0" smtClean="0"/>
-              <a:t>тестовым </a:t>
-            </a:r>
-            <a:r>
-              <a:rPr lang="ru-RU" dirty="0"/>
-              <a:t>оборудованием</a:t>
-            </a:r>
-            <a:r>
-              <a:rPr lang="ru-RU" dirty="0" smtClean="0"/>
-              <a:t>. Кроме того, </a:t>
-            </a:r>
-            <a:r>
-              <a:rPr lang="en-US" dirty="0" smtClean="0"/>
-              <a:t>Cucumber  </a:t>
-            </a:r>
-            <a:r>
-              <a:rPr lang="ru-RU" dirty="0" smtClean="0"/>
-              <a:t>не предоставляет возможность выделять блоки шагов, которые необходимо выполнить  несколько раз.  В тестировании АС зачастую одни и те же шаги необходимо </a:t>
-            </a:r>
-            <a:r>
-              <a:rPr lang="ru-RU" dirty="0" err="1" smtClean="0"/>
-              <a:t>выпонять</a:t>
-            </a:r>
-            <a:r>
-              <a:rPr lang="ru-RU" dirty="0" smtClean="0"/>
-              <a:t> десятки и сотни раз, а значит тестовая </a:t>
-            </a:r>
-            <a:r>
-              <a:rPr lang="ru-RU" dirty="0" err="1" smtClean="0"/>
-              <a:t>дкументация</a:t>
-            </a:r>
-            <a:r>
-              <a:rPr lang="ru-RU" dirty="0" smtClean="0"/>
-              <a:t> будет очень длинной.</a:t>
-            </a:r>
-            <a:endParaRPr lang="ru-RU" dirty="0"/>
-          </a:p>
-        </p:txBody>
-      </p:sp>
-      <p:sp>
-        <p:nvSpPr>
-          <p:cNvPr id="7" name="Прямоугольник 6"/>
-          <p:cNvSpPr/>
-          <p:nvPr/>
-        </p:nvSpPr>
-        <p:spPr>
-          <a:xfrm>
-            <a:off x="5851448" y="7673154"/>
-            <a:ext cx="6096000" cy="3970318"/>
-          </a:xfrm>
-          <a:prstGeom prst="rect">
-            <a:avLst/>
-          </a:prstGeom>
-        </p:spPr>
-        <p:txBody>
-          <a:bodyPr>
-            <a:spAutoFit/>
-          </a:bodyPr>
-          <a:lstStyle/>
-          <a:p>
-            <a:r>
-              <a:rPr lang="ru-RU" dirty="0"/>
-              <a:t>Из вышеперечисленных инструментов для тестирования ПО видно, что ни один из них не позволяет описывать тестовые сценарии в свободной форме, при этом предоставляя возможность проверки поведения автомобильных систем на основе работы автомобильных систем. Таким образом существует необходимость в создании предметно-ориентированного языка для функционального тестирования, который объединит в себе принципы BDD и функционал, необходимый для симуляции работы автомобильных сетей CAN, LIN, </a:t>
-            </a:r>
-            <a:r>
-              <a:rPr lang="ru-RU" dirty="0" err="1"/>
-              <a:t>Ethernet</a:t>
-            </a:r>
-            <a:r>
-              <a:rPr lang="ru-RU" dirty="0"/>
-              <a:t>. Наличие такого языка значительно упростит разработку ПО и повысит качество разрабатываемого продукта.</a:t>
-            </a:r>
-          </a:p>
-        </p:txBody>
-      </p:sp>
     </p:spTree>
     <p:extLst>
       <p:ext uri="{BB962C8B-B14F-4D97-AF65-F5344CB8AC3E}">
-        <p14:creationId xmlns:p14="http://schemas.microsoft.com/office/powerpoint/2010/main" val="3254565059"/>
+        <p14:creationId xmlns:p14="http://schemas.microsoft.com/office/powerpoint/2010/main" val="1454983192"/>
       </p:ext>
     </p:extLst>
   </p:cSld>
@@ -8561,7 +9046,7 @@
       </p:grpSpPr>
       <p:sp>
         <p:nvSpPr>
-          <p:cNvPr id="2" name="Title 1"/>
+          <p:cNvPr id="2" name="Заголовок 1"/>
           <p:cNvSpPr>
             <a:spLocks noGrp="1"/>
           </p:cNvSpPr>
@@ -8571,14 +9056,16 @@
         </p:nvSpPr>
         <p:spPr/>
         <p:txBody>
-          <a:bodyPr>
-            <a:normAutofit/>
-          </a:bodyPr>
+          <a:bodyPr/>
           <a:lstStyle/>
           <a:p>
             <a:r>
+              <a:rPr lang="ru-RU" dirty="0"/>
+              <a:t>Аппаратная </a:t>
+            </a:r>
+            <a:r>
               <a:rPr lang="ru-RU" dirty="0" smtClean="0"/>
-              <a:t>постановка задачи</a:t>
+              <a:t>платформа</a:t>
             </a:r>
             <a:endParaRPr lang="ru-RU" dirty="0"/>
           </a:p>
@@ -8586,153 +9073,7 @@
       </p:sp>
       <p:sp>
         <p:nvSpPr>
-          <p:cNvPr id="3" name="Content Placeholder 2"/>
-          <p:cNvSpPr>
-            <a:spLocks noGrp="1"/>
-          </p:cNvSpPr>
-          <p:nvPr>
-            <p:ph idx="1"/>
-          </p:nvPr>
-        </p:nvSpPr>
-        <p:spPr/>
-        <p:txBody>
-          <a:bodyPr>
-            <a:normAutofit fontScale="70000" lnSpcReduction="20000"/>
-          </a:bodyPr>
-          <a:lstStyle/>
-          <a:p>
-            <a:pPr marL="0" indent="0">
-              <a:buNone/>
-            </a:pPr>
-            <a:r>
-              <a:rPr lang="ru-RU" dirty="0" smtClean="0"/>
-              <a:t>Требования </a:t>
-            </a:r>
-            <a:r>
-              <a:rPr lang="ru-RU" dirty="0"/>
-              <a:t>к работе:</a:t>
-            </a:r>
-          </a:p>
-          <a:p>
-            <a:r>
-              <a:rPr lang="ru-RU" dirty="0" smtClean="0"/>
-              <a:t>Язык </a:t>
-            </a:r>
-            <a:r>
-              <a:rPr lang="ru-RU" dirty="0"/>
-              <a:t>должен позволять пользователям описывать инструкции для тестовых сценариев в свободной форме.</a:t>
-            </a:r>
-          </a:p>
-          <a:p>
-            <a:r>
-              <a:rPr lang="ru-RU" dirty="0" smtClean="0"/>
-              <a:t>Синтаксис </a:t>
-            </a:r>
-            <a:r>
-              <a:rPr lang="ru-RU" dirty="0"/>
-              <a:t>языка должен позволять описывать несколько тестовых сценариев в документе.</a:t>
-            </a:r>
-          </a:p>
-          <a:p>
-            <a:r>
-              <a:rPr lang="ru-RU" dirty="0" smtClean="0"/>
-              <a:t>Тестовые </a:t>
-            </a:r>
-            <a:r>
-              <a:rPr lang="ru-RU" dirty="0"/>
-              <a:t>сценарии должны выполняться в той очередности, в которой описаны в документе.</a:t>
-            </a:r>
-          </a:p>
-          <a:p>
-            <a:r>
-              <a:rPr lang="ru-RU" dirty="0" smtClean="0"/>
-              <a:t>Необходимо </a:t>
-            </a:r>
-            <a:r>
-              <a:rPr lang="ru-RU" dirty="0"/>
-              <a:t>предоставить пользователю возможность работы с коммуникационными сетями автомобильных систем.</a:t>
-            </a:r>
-          </a:p>
-          <a:p>
-            <a:r>
-              <a:rPr lang="ru-RU" dirty="0" smtClean="0"/>
-              <a:t>Результаты </a:t>
-            </a:r>
-            <a:r>
-              <a:rPr lang="ru-RU" dirty="0"/>
-              <a:t>выполнения тестов должны сохраняться в файл.</a:t>
-            </a:r>
-          </a:p>
-          <a:p>
-            <a:r>
-              <a:rPr lang="ru-RU" dirty="0" smtClean="0"/>
-              <a:t>Необходимо </a:t>
-            </a:r>
-            <a:r>
-              <a:rPr lang="ru-RU" dirty="0"/>
-              <a:t>реализовать обработчик ошибок.</a:t>
-            </a:r>
-          </a:p>
-          <a:p>
-            <a:pPr marL="0" indent="0">
-              <a:buNone/>
-            </a:pPr>
-            <a:r>
-              <a:rPr lang="ru-RU" dirty="0"/>
-              <a:t/>
-            </a:r>
-            <a:br>
-              <a:rPr lang="ru-RU" dirty="0"/>
-            </a:br>
-            <a:endParaRPr lang="ru-RU" dirty="0"/>
-          </a:p>
-          <a:p>
-            <a:pPr marL="0" indent="0">
-              <a:buNone/>
-            </a:pPr>
-            <a:r>
-              <a:rPr lang="ru-RU" dirty="0"/>
-              <a:t>Качество решения, представленного в данной работе должно быть проверено следующим образом:</a:t>
-            </a:r>
-          </a:p>
-          <a:p>
-            <a:r>
-              <a:rPr lang="ru-RU" dirty="0" smtClean="0"/>
-              <a:t>необходимо </a:t>
-            </a:r>
-            <a:r>
-              <a:rPr lang="ru-RU" dirty="0"/>
-              <a:t>провести опрос среди потенциальных пользователей языка для выявления степени удобства </a:t>
-            </a:r>
-            <a:r>
-              <a:rPr lang="ru-RU" dirty="0" smtClean="0"/>
-              <a:t>использования </a:t>
-            </a:r>
-            <a:r>
-              <a:rPr lang="ru-RU" dirty="0"/>
-              <a:t>синтаксиса.</a:t>
-            </a:r>
-          </a:p>
-          <a:p>
-            <a:r>
-              <a:rPr lang="ru-RU" dirty="0" smtClean="0"/>
-              <a:t>выполнить </a:t>
-            </a:r>
-            <a:r>
-              <a:rPr lang="ru-RU" dirty="0"/>
-              <a:t>тестирование реализации языка</a:t>
-            </a:r>
-            <a:r>
-              <a:rPr lang="ru-RU" dirty="0" smtClean="0"/>
-              <a:t>.</a:t>
-            </a:r>
-            <a:endParaRPr lang="ru-RU" dirty="0"/>
-          </a:p>
-        </p:txBody>
-      </p:sp>
-      <p:sp>
-        <p:nvSpPr>
-          <p:cNvPr id="4" name="Slide Number Placeholder 3"/>
+          <p:cNvPr id="4" name="Номер слайда 3"/>
           <p:cNvSpPr>
             <a:spLocks noGrp="1"/>
           </p:cNvSpPr>
@@ -8753,10 +9094,129 @@
           </a:p>
         </p:txBody>
       </p:sp>
+      <p:pic>
+        <p:nvPicPr>
+          <p:cNvPr id="7" name="Content Placeholder 4"/>
+          <p:cNvPicPr>
+            <a:picLocks noChangeAspect="1"/>
+          </p:cNvPicPr>
+          <p:nvPr/>
+        </p:nvPicPr>
+        <p:blipFill>
+          <a:blip r:embed="rId2">
+            <a:extLst>
+              <a:ext uri="{28A0092B-C50C-407E-A947-70E740481C1C}">
+                <a14:useLocalDpi xmlns:a14="http://schemas.microsoft.com/office/drawing/2010/main" val="0"/>
+              </a:ext>
+            </a:extLst>
+          </a:blip>
+          <a:stretch>
+            <a:fillRect/>
+          </a:stretch>
+        </p:blipFill>
+        <p:spPr>
+          <a:xfrm>
+            <a:off x="1722120" y="4941718"/>
+            <a:ext cx="7724004" cy="904346"/>
+          </a:xfrm>
+          <a:prstGeom prst="rect">
+            <a:avLst/>
+          </a:prstGeom>
+        </p:spPr>
+      </p:pic>
+      <p:pic>
+        <p:nvPicPr>
+          <p:cNvPr id="8" name="Рисунок 7"/>
+          <p:cNvPicPr>
+            <a:picLocks noChangeAspect="1"/>
+          </p:cNvPicPr>
+          <p:nvPr/>
+        </p:nvPicPr>
+        <p:blipFill>
+          <a:blip r:embed="rId3">
+            <a:extLst>
+              <a:ext uri="{28A0092B-C50C-407E-A947-70E740481C1C}">
+                <a14:useLocalDpi xmlns:a14="http://schemas.microsoft.com/office/drawing/2010/main" val="0"/>
+              </a:ext>
+            </a:extLst>
+          </a:blip>
+          <a:stretch>
+            <a:fillRect/>
+          </a:stretch>
+        </p:blipFill>
+        <p:spPr>
+          <a:xfrm>
+            <a:off x="3865553" y="2305227"/>
+            <a:ext cx="3815407" cy="2619272"/>
+          </a:xfrm>
+          <a:prstGeom prst="rect">
+            <a:avLst/>
+          </a:prstGeom>
+        </p:spPr>
+      </p:pic>
+      <p:pic>
+        <p:nvPicPr>
+          <p:cNvPr id="10" name="Рисунок 9"/>
+          <p:cNvPicPr>
+            <a:picLocks noChangeAspect="1"/>
+          </p:cNvPicPr>
+          <p:nvPr/>
+        </p:nvPicPr>
+        <p:blipFill>
+          <a:blip r:embed="rId4">
+            <a:extLst>
+              <a:ext uri="{28A0092B-C50C-407E-A947-70E740481C1C}">
+                <a14:useLocalDpi xmlns:a14="http://schemas.microsoft.com/office/drawing/2010/main" val="0"/>
+              </a:ext>
+            </a:extLst>
+          </a:blip>
+          <a:stretch>
+            <a:fillRect/>
+          </a:stretch>
+        </p:blipFill>
+        <p:spPr>
+          <a:xfrm>
+            <a:off x="1369436" y="2528083"/>
+            <a:ext cx="2413635" cy="2413635"/>
+          </a:xfrm>
+          <a:prstGeom prst="rect">
+            <a:avLst/>
+          </a:prstGeom>
+        </p:spPr>
+      </p:pic>
+      <p:pic>
+        <p:nvPicPr>
+          <p:cNvPr id="9" name="Объект 8"/>
+          <p:cNvPicPr>
+            <a:picLocks noGrp="1" noChangeAspect="1"/>
+          </p:cNvPicPr>
+          <p:nvPr>
+            <p:ph idx="1"/>
+          </p:nvPr>
+        </p:nvPicPr>
+        <p:blipFill>
+          <a:blip r:embed="rId5" cstate="print">
+            <a:extLst>
+              <a:ext uri="{28A0092B-C50C-407E-A947-70E740481C1C}">
+                <a14:useLocalDpi xmlns:a14="http://schemas.microsoft.com/office/drawing/2010/main" val="0"/>
+              </a:ext>
+            </a:extLst>
+          </a:blip>
+          <a:stretch>
+            <a:fillRect/>
+          </a:stretch>
+        </p:blipFill>
+        <p:spPr>
+          <a:xfrm>
+            <a:off x="7004172" y="2486099"/>
+            <a:ext cx="3429837" cy="2438400"/>
+          </a:xfrm>
+        </p:spPr>
+      </p:pic>
     </p:spTree>
     <p:extLst>
       <p:ext uri="{BB962C8B-B14F-4D97-AF65-F5344CB8AC3E}">
-        <p14:creationId xmlns:p14="http://schemas.microsoft.com/office/powerpoint/2010/main" val="1454983192"/>
+        <p14:creationId xmlns:p14="http://schemas.microsoft.com/office/powerpoint/2010/main" val="843671919"/>
       </p:ext>
     </p:extLst>
   </p:cSld>
@@ -8864,34 +9324,6 @@
               <a:t>9</a:t>
             </a:fld>
             <a:endParaRPr lang="ru-RU" i="1"/>
-          </a:p>
-        </p:txBody>
-      </p:sp>
-      <p:sp>
-        <p:nvSpPr>
-          <p:cNvPr id="5" name="Прямоугольник 4"/>
-          <p:cNvSpPr/>
-          <p:nvPr/>
-        </p:nvSpPr>
-        <p:spPr>
-          <a:xfrm>
-            <a:off x="-274320" y="-2308324"/>
-            <a:ext cx="6096000" cy="2308324"/>
-          </a:xfrm>
-          <a:prstGeom prst="rect">
-            <a:avLst/>
-          </a:prstGeom>
-        </p:spPr>
-        <p:txBody>
-          <a:bodyPr>
-            <a:spAutoFit/>
-          </a:bodyPr>
-          <a:lstStyle/>
-          <a:p>
-            <a:r>
-              <a:rPr lang="ru-RU" i="1" dirty="0"/>
-              <a:t>Описание решения (если надо, можно привести какую-то информацию об используемых методах, моделях и алгоритмах, но акцент должен быть сделал на Вашем решении; если приводятся какие-то общие сведения, слушатели должны четко понимать, зачем они нужны — в общем случае лучше сначала сформулировать идею Вашего решения, а потом уже сказать про какую-то теорию, если она необходима).</a:t>
-            </a:r>
           </a:p>
         </p:txBody>
       </p:sp>

--- a/защита/презентация.pptx
+++ b/защита/презентация.pptx
@@ -273,7 +273,7 @@
           <a:p>
             <a:fld id="{2E50893A-67EA-41C8-A2F8-3448B4341065}" type="datetimeFigureOut">
               <a:rPr lang="ru-RU" smtClean="0"/>
-              <a:t>17.06.2019</a:t>
+              <a:t>18.06.2019</a:t>
             </a:fld>
             <a:endParaRPr lang="ru-RU"/>
           </a:p>
@@ -439,7 +439,7 @@
           <a:p>
             <a:fld id="{A6B4E3B6-72CB-4058-A25B-E330292D697E}" type="datetimeFigureOut">
               <a:rPr lang="ru-RU" smtClean="0"/>
-              <a:t>17.06.2019</a:t>
+              <a:t>18.06.2019</a:t>
             </a:fld>
             <a:endParaRPr lang="ru-RU"/>
           </a:p>
@@ -1195,7 +1195,7 @@
           <a:p>
             <a:fld id="{D30C6BFB-7CA1-4523-987B-212D6E1DD8E8}" type="datetime1">
               <a:rPr lang="ru-RU" smtClean="0"/>
-              <a:t>17.06.2019</a:t>
+              <a:t>18.06.2019</a:t>
             </a:fld>
             <a:endParaRPr lang="ru-RU"/>
           </a:p>
@@ -1375,7 +1375,7 @@
           <a:p>
             <a:fld id="{D30C6BFB-7CA1-4523-987B-212D6E1DD8E8}" type="datetime1">
               <a:rPr lang="ru-RU" smtClean="0"/>
-              <a:t>17.06.2019</a:t>
+              <a:t>18.06.2019</a:t>
             </a:fld>
             <a:endParaRPr lang="ru-RU"/>
           </a:p>
@@ -1556,7 +1556,7 @@
           <a:p>
             <a:fld id="{D30C6BFB-7CA1-4523-987B-212D6E1DD8E8}" type="datetime1">
               <a:rPr lang="ru-RU" smtClean="0"/>
-              <a:t>17.06.2019</a:t>
+              <a:t>18.06.2019</a:t>
             </a:fld>
             <a:endParaRPr lang="ru-RU"/>
           </a:p>
@@ -1727,7 +1727,7 @@
           <a:p>
             <a:fld id="{D30C6BFB-7CA1-4523-987B-212D6E1DD8E8}" type="datetime1">
               <a:rPr lang="ru-RU" smtClean="0"/>
-              <a:t>17.06.2019</a:t>
+              <a:t>18.06.2019</a:t>
             </a:fld>
             <a:endParaRPr lang="ru-RU"/>
           </a:p>
@@ -2041,7 +2041,7 @@
           <a:p>
             <a:fld id="{D30C6BFB-7CA1-4523-987B-212D6E1DD8E8}" type="datetime1">
               <a:rPr lang="ru-RU" smtClean="0"/>
-              <a:t>17.06.2019</a:t>
+              <a:t>18.06.2019</a:t>
             </a:fld>
             <a:endParaRPr lang="ru-RU"/>
           </a:p>
@@ -2428,7 +2428,7 @@
           <a:p>
             <a:fld id="{D30C6BFB-7CA1-4523-987B-212D6E1DD8E8}" type="datetime1">
               <a:rPr lang="ru-RU" smtClean="0"/>
-              <a:t>17.06.2019</a:t>
+              <a:t>18.06.2019</a:t>
             </a:fld>
             <a:endParaRPr lang="ru-RU"/>
           </a:p>
@@ -2863,7 +2863,7 @@
           <a:p>
             <a:fld id="{D30C6BFB-7CA1-4523-987B-212D6E1DD8E8}" type="datetime1">
               <a:rPr lang="ru-RU" smtClean="0"/>
-              <a:t>17.06.2019</a:t>
+              <a:t>18.06.2019</a:t>
             </a:fld>
             <a:endParaRPr lang="ru-RU"/>
           </a:p>
@@ -2982,7 +2982,7 @@
           <a:p>
             <a:fld id="{D30C6BFB-7CA1-4523-987B-212D6E1DD8E8}" type="datetime1">
               <a:rPr lang="ru-RU" smtClean="0"/>
-              <a:t>17.06.2019</a:t>
+              <a:t>18.06.2019</a:t>
             </a:fld>
             <a:endParaRPr lang="ru-RU"/>
           </a:p>
@@ -3078,7 +3078,7 @@
           <a:p>
             <a:fld id="{D30C6BFB-7CA1-4523-987B-212D6E1DD8E8}" type="datetime1">
               <a:rPr lang="ru-RU" smtClean="0"/>
-              <a:t>17.06.2019</a:t>
+              <a:t>18.06.2019</a:t>
             </a:fld>
             <a:endParaRPr lang="ru-RU"/>
           </a:p>
@@ -3429,7 +3429,7 @@
           <a:p>
             <a:fld id="{D30C6BFB-7CA1-4523-987B-212D6E1DD8E8}" type="datetime1">
               <a:rPr lang="ru-RU" smtClean="0"/>
-              <a:t>17.06.2019</a:t>
+              <a:t>18.06.2019</a:t>
             </a:fld>
             <a:endParaRPr lang="ru-RU"/>
           </a:p>
@@ -3855,7 +3855,7 @@
           <a:p>
             <a:fld id="{D30C6BFB-7CA1-4523-987B-212D6E1DD8E8}" type="datetime1">
               <a:rPr lang="ru-RU" smtClean="0"/>
-              <a:t>17.06.2019</a:t>
+              <a:t>18.06.2019</a:t>
             </a:fld>
             <a:endParaRPr lang="ru-RU"/>
           </a:p>
@@ -4137,7 +4137,7 @@
           <a:p>
             <a:fld id="{D30C6BFB-7CA1-4523-987B-212D6E1DD8E8}" type="datetime1">
               <a:rPr lang="ru-RU" smtClean="0"/>
-              <a:t>17.06.2019</a:t>
+              <a:t>18.06.2019</a:t>
             </a:fld>
             <a:endParaRPr lang="ru-RU"/>
           </a:p>
@@ -5442,8 +5442,8 @@
         </p:nvSpPr>
         <p:spPr>
           <a:xfrm>
-            <a:off x="7464298" y="1877159"/>
-            <a:ext cx="4727702" cy="4247317"/>
+            <a:off x="7464298" y="1847069"/>
+            <a:ext cx="4428226" cy="4524315"/>
           </a:xfrm>
           <a:prstGeom prst="rect">
             <a:avLst/>
@@ -7292,13 +7292,7 @@
               <a:rPr lang="ru-RU" sz="2800" dirty="0" smtClean="0">
                 <a:effectLst/>
               </a:rPr>
-              <a:t>В качестве респондентов было выбрано </a:t>
-            </a:r>
-            <a:r>
-              <a:rPr lang="ru-RU" sz="2800" dirty="0" smtClean="0">
-                <a:effectLst/>
-              </a:rPr>
-              <a:t>1</a:t>
+              <a:t>В качестве респондентов было выбрано 1</a:t>
             </a:r>
             <a:r>
               <a:rPr lang="en-US" sz="2800" dirty="0" smtClean="0">
@@ -7310,19 +7304,7 @@
               <a:rPr lang="ru-RU" sz="2800" dirty="0" smtClean="0">
                 <a:effectLst/>
               </a:rPr>
-              <a:t> </a:t>
-            </a:r>
-            <a:r>
-              <a:rPr lang="ru-RU" sz="2800" dirty="0" smtClean="0">
-                <a:effectLst/>
-              </a:rPr>
-              <a:t>человек, занимающихся тестированием программного обеспечения автомобильных систем в компании </a:t>
-            </a:r>
-            <a:r>
-              <a:rPr lang="ru-RU" sz="2800" dirty="0" smtClean="0">
-                <a:effectLst/>
-              </a:rPr>
-              <a:t>«</a:t>
+              <a:t> человек, занимающихся тестированием программного обеспечения автомобильных систем в компании «</a:t>
             </a:r>
             <a:r>
               <a:rPr lang="en-US" sz="2800" dirty="0" err="1" smtClean="0">
@@ -7513,7 +7495,6 @@
               <a:rPr lang="ru-RU" dirty="0"/>
               <a:t>на производстве</a:t>
             </a:r>
-            <a:endParaRPr lang="ru-RU" dirty="0"/>
           </a:p>
         </p:txBody>
       </p:sp>
@@ -7937,7 +7918,6 @@
               <a:rPr lang="ru-RU" i="1" dirty="0"/>
               <a:t>, и заказчик.</a:t>
             </a:r>
-            <a:endParaRPr lang="ru-RU" i="1" dirty="0"/>
           </a:p>
           <a:p>
             <a:endParaRPr lang="ru-RU" dirty="0"/>
@@ -9146,7 +9126,7 @@
         </p:blipFill>
         <p:spPr>
           <a:xfrm>
-            <a:off x="3865553" y="2305227"/>
+            <a:off x="3770662" y="2322446"/>
             <a:ext cx="3815407" cy="2619272"/>
           </a:xfrm>
           <a:prstGeom prst="rect">
@@ -9176,8 +9156,8 @@
         </p:blipFill>
         <p:spPr>
           <a:xfrm>
-            <a:off x="1369436" y="2528083"/>
-            <a:ext cx="2413635" cy="2413635"/>
+            <a:off x="1722120" y="3234313"/>
+            <a:ext cx="1707405" cy="1707405"/>
           </a:xfrm>
           <a:prstGeom prst="rect">
             <a:avLst/>
@@ -9208,8 +9188,8 @@
         </p:blipFill>
         <p:spPr>
           <a:xfrm>
-            <a:off x="7004172" y="2486099"/>
-            <a:ext cx="3429837" cy="2438400"/>
+            <a:off x="7280218" y="3205643"/>
+            <a:ext cx="2441952" cy="1736075"/>
           </a:xfrm>
         </p:spPr>
       </p:pic>
@@ -9275,35 +9255,6 @@
           </a:p>
         </p:txBody>
       </p:sp>
-      <p:pic>
-        <p:nvPicPr>
-          <p:cNvPr id="7" name="Объект 6"/>
-          <p:cNvPicPr>
-            <a:picLocks noGrp="1" noChangeAspect="1"/>
-          </p:cNvPicPr>
-          <p:nvPr>
-            <p:ph idx="1"/>
-          </p:nvPr>
-        </p:nvPicPr>
-        <p:blipFill>
-          <a:blip r:embed="rId2">
-            <a:extLst>
-              <a:ext uri="{28A0092B-C50C-407E-A947-70E740481C1C}">
-                <a14:useLocalDpi xmlns:a14="http://schemas.microsoft.com/office/drawing/2010/main" val="0"/>
-              </a:ext>
-            </a:extLst>
-          </a:blip>
-          <a:stretch>
-            <a:fillRect/>
-          </a:stretch>
-        </p:blipFill>
-        <p:spPr>
-          <a:xfrm>
-            <a:off x="1704133" y="2258276"/>
-            <a:ext cx="7500827" cy="3223851"/>
-          </a:xfrm>
-        </p:spPr>
-      </p:pic>
       <p:sp>
         <p:nvSpPr>
           <p:cNvPr id="4" name="Slide Number Placeholder 3"/>
@@ -9358,6 +9309,335 @@
             <a:endParaRPr lang="ru-RU" dirty="0"/>
           </a:p>
           <a:p>
+            <a:endParaRPr lang="ru-RU" dirty="0"/>
+          </a:p>
+        </p:txBody>
+      </p:sp>
+      <p:sp>
+        <p:nvSpPr>
+          <p:cNvPr id="8" name="Объект 7"/>
+          <p:cNvSpPr>
+            <a:spLocks noGrp="1"/>
+          </p:cNvSpPr>
+          <p:nvPr>
+            <p:ph idx="1"/>
+          </p:nvPr>
+        </p:nvSpPr>
+        <p:spPr/>
+        <p:txBody>
+          <a:bodyPr>
+            <a:normAutofit fontScale="62500" lnSpcReduction="20000"/>
+          </a:bodyPr>
+          <a:lstStyle/>
+          <a:p>
+            <a:r>
+              <a:rPr lang="ru-RU" b="1" dirty="0"/>
+              <a:t>@</a:t>
+            </a:r>
+            <a:r>
+              <a:rPr lang="ru-RU" b="1" dirty="0" err="1"/>
+              <a:t>TestCase</a:t>
+            </a:r>
+            <a:r>
+              <a:rPr lang="ru-RU" dirty="0"/>
+              <a:t> </a:t>
+            </a:r>
+            <a:r>
+              <a:rPr lang="ru-RU" dirty="0" err="1"/>
+              <a:t>test</a:t>
+            </a:r>
+            <a:r>
+              <a:rPr lang="ru-RU" dirty="0"/>
+              <a:t> NVRAM </a:t>
+            </a:r>
+            <a:r>
+              <a:rPr lang="ru-RU" dirty="0" err="1"/>
+              <a:t>functionallity</a:t>
+            </a:r>
+            <a:r>
+              <a:rPr lang="ru-RU" dirty="0"/>
+              <a:t> </a:t>
+            </a:r>
+            <a:r>
+              <a:rPr lang="ru-RU" dirty="0" err="1"/>
+              <a:t>of</a:t>
+            </a:r>
+            <a:r>
+              <a:rPr lang="ru-RU" dirty="0"/>
+              <a:t> </a:t>
+            </a:r>
+            <a:r>
+              <a:rPr lang="ru-RU" dirty="0" err="1" smtClean="0"/>
+              <a:t>did</a:t>
+            </a:r>
+            <a:r>
+              <a:rPr lang="ru-RU" dirty="0" smtClean="0"/>
+              <a:t> </a:t>
+            </a:r>
+            <a:r>
+              <a:rPr lang="ru-RU" dirty="0"/>
+              <a:t>0xF101</a:t>
+            </a:r>
+            <a:r>
+              <a:rPr lang="en-US" dirty="0"/>
+              <a:t> </a:t>
+            </a:r>
+            <a:r>
+              <a:rPr lang="ru-RU" dirty="0"/>
+              <a:t>(Req_NVRAM1)</a:t>
+            </a:r>
+          </a:p>
+          <a:p>
+            <a:endParaRPr lang="ru-RU" dirty="0"/>
+          </a:p>
+          <a:p>
+            <a:r>
+              <a:rPr lang="ru-RU" b="1" dirty="0"/>
+              <a:t>@</a:t>
+            </a:r>
+            <a:r>
+              <a:rPr lang="ru-RU" b="1" dirty="0" err="1"/>
+              <a:t>Set</a:t>
+            </a:r>
+            <a:r>
+              <a:rPr lang="ru-RU" dirty="0"/>
+              <a:t> </a:t>
+            </a:r>
+            <a:r>
+              <a:rPr lang="ru-RU" dirty="0" err="1"/>
+              <a:t>ignition</a:t>
+            </a:r>
+            <a:r>
+              <a:rPr lang="ru-RU" dirty="0"/>
+              <a:t> </a:t>
+            </a:r>
+            <a:r>
+              <a:rPr lang="ru-RU" dirty="0" err="1"/>
+              <a:t>on</a:t>
+            </a:r>
+            <a:endParaRPr lang="ru-RU" dirty="0"/>
+          </a:p>
+          <a:p>
+            <a:r>
+              <a:rPr lang="ru-RU" b="1" dirty="0"/>
+              <a:t>@</a:t>
+            </a:r>
+            <a:r>
+              <a:rPr lang="ru-RU" b="1" dirty="0" err="1"/>
+              <a:t>Send</a:t>
+            </a:r>
+            <a:r>
+              <a:rPr lang="ru-RU" dirty="0"/>
+              <a:t> </a:t>
+            </a:r>
+            <a:r>
+              <a:rPr lang="ru-RU" dirty="0" err="1"/>
+              <a:t>request</a:t>
+            </a:r>
+            <a:r>
+              <a:rPr lang="ru-RU" dirty="0"/>
+              <a:t> [2E F1 01 00 01 A5]</a:t>
+            </a:r>
+          </a:p>
+          <a:p>
+            <a:r>
+              <a:rPr lang="ru-RU" b="1" dirty="0"/>
+              <a:t>@</a:t>
+            </a:r>
+            <a:r>
+              <a:rPr lang="ru-RU" b="1" dirty="0" err="1"/>
+              <a:t>Recieve</a:t>
+            </a:r>
+            <a:r>
+              <a:rPr lang="ru-RU" dirty="0"/>
+              <a:t> </a:t>
+            </a:r>
+            <a:r>
+              <a:rPr lang="ru-RU" dirty="0" err="1"/>
+              <a:t>response</a:t>
+            </a:r>
+            <a:r>
+              <a:rPr lang="ru-RU" dirty="0"/>
+              <a:t> [6E F1 01]</a:t>
+            </a:r>
+          </a:p>
+          <a:p>
+            <a:r>
+              <a:rPr lang="ru-RU" b="1" dirty="0"/>
+              <a:t>@</a:t>
+            </a:r>
+            <a:r>
+              <a:rPr lang="ru-RU" b="1" dirty="0" err="1"/>
+              <a:t>Set</a:t>
+            </a:r>
+            <a:r>
+              <a:rPr lang="ru-RU" dirty="0"/>
+              <a:t> </a:t>
+            </a:r>
+            <a:r>
+              <a:rPr lang="ru-RU" dirty="0" err="1"/>
+              <a:t>ignition</a:t>
+            </a:r>
+            <a:r>
+              <a:rPr lang="ru-RU" dirty="0"/>
+              <a:t> </a:t>
+            </a:r>
+            <a:r>
+              <a:rPr lang="ru-RU" dirty="0" err="1"/>
+              <a:t>off</a:t>
+            </a:r>
+            <a:endParaRPr lang="ru-RU" dirty="0"/>
+          </a:p>
+          <a:p>
+            <a:endParaRPr lang="ru-RU" dirty="0"/>
+          </a:p>
+          <a:p>
+            <a:r>
+              <a:rPr lang="ru-RU" b="1" dirty="0"/>
+              <a:t>@</a:t>
+            </a:r>
+            <a:r>
+              <a:rPr lang="ru-RU" b="1" dirty="0" err="1"/>
+              <a:t>Set</a:t>
+            </a:r>
+            <a:r>
+              <a:rPr lang="ru-RU" dirty="0"/>
+              <a:t> </a:t>
+            </a:r>
+            <a:r>
+              <a:rPr lang="ru-RU" dirty="0" err="1"/>
+              <a:t>ignition</a:t>
+            </a:r>
+            <a:r>
+              <a:rPr lang="ru-RU" dirty="0"/>
+              <a:t> </a:t>
+            </a:r>
+            <a:r>
+              <a:rPr lang="ru-RU" dirty="0" err="1"/>
+              <a:t>on</a:t>
+            </a:r>
+            <a:endParaRPr lang="ru-RU" dirty="0"/>
+          </a:p>
+          <a:p>
+            <a:r>
+              <a:rPr lang="ru-RU" b="1" dirty="0"/>
+              <a:t>@</a:t>
+            </a:r>
+            <a:r>
+              <a:rPr lang="ru-RU" b="1" dirty="0" err="1"/>
+              <a:t>Repeat</a:t>
+            </a:r>
+            <a:r>
+              <a:rPr lang="ru-RU" dirty="0"/>
+              <a:t>[2][</a:t>
+            </a:r>
+          </a:p>
+          <a:p>
+            <a:r>
+              <a:rPr lang="ru-RU" dirty="0"/>
+              <a:t>    </a:t>
+            </a:r>
+            <a:r>
+              <a:rPr lang="ru-RU" b="1" dirty="0"/>
+              <a:t>@</a:t>
+            </a:r>
+            <a:r>
+              <a:rPr lang="ru-RU" dirty="0" err="1"/>
+              <a:t>Send</a:t>
+            </a:r>
+            <a:r>
+              <a:rPr lang="ru-RU" dirty="0"/>
+              <a:t> </a:t>
+            </a:r>
+            <a:r>
+              <a:rPr lang="ru-RU" dirty="0" err="1"/>
+              <a:t>request</a:t>
+            </a:r>
+            <a:r>
+              <a:rPr lang="ru-RU" dirty="0"/>
+              <a:t> [22 F1 01]</a:t>
+            </a:r>
+          </a:p>
+          <a:p>
+            <a:r>
+              <a:rPr lang="ru-RU" dirty="0"/>
+              <a:t>    </a:t>
+            </a:r>
+            <a:r>
+              <a:rPr lang="ru-RU" b="1" dirty="0"/>
+              <a:t>@</a:t>
+            </a:r>
+            <a:r>
+              <a:rPr lang="ru-RU" dirty="0" err="1"/>
+              <a:t>Pause</a:t>
+            </a:r>
+            <a:r>
+              <a:rPr lang="ru-RU" dirty="0"/>
+              <a:t> [100] </a:t>
+            </a:r>
+            <a:r>
+              <a:rPr lang="ru-RU" dirty="0" err="1"/>
+              <a:t>ms</a:t>
+            </a:r>
+            <a:endParaRPr lang="ru-RU" dirty="0"/>
+          </a:p>
+          <a:p>
+            <a:r>
+              <a:rPr lang="ru-RU" dirty="0"/>
+              <a:t>    </a:t>
+            </a:r>
+            <a:r>
+              <a:rPr lang="ru-RU" b="1" dirty="0"/>
+              <a:t>@</a:t>
+            </a:r>
+            <a:r>
+              <a:rPr lang="ru-RU" dirty="0" err="1"/>
+              <a:t>Recieve</a:t>
+            </a:r>
+            <a:r>
+              <a:rPr lang="ru-RU" dirty="0"/>
+              <a:t> </a:t>
+            </a:r>
+            <a:r>
+              <a:rPr lang="ru-RU" dirty="0" err="1"/>
+              <a:t>response</a:t>
+            </a:r>
+            <a:r>
+              <a:rPr lang="ru-RU" dirty="0"/>
+              <a:t> [62 F1 01 00 01 A5]</a:t>
+            </a:r>
+          </a:p>
+          <a:p>
+            <a:r>
+              <a:rPr lang="ru-RU" dirty="0"/>
+              <a:t>]</a:t>
+            </a:r>
+          </a:p>
+          <a:p>
+            <a:r>
+              <a:rPr lang="ru-RU" b="1" dirty="0"/>
+              <a:t>@</a:t>
+            </a:r>
+            <a:r>
+              <a:rPr lang="ru-RU" b="1" dirty="0" err="1"/>
+              <a:t>Set</a:t>
+            </a:r>
+            <a:r>
+              <a:rPr lang="ru-RU" dirty="0"/>
+              <a:t> </a:t>
+            </a:r>
+            <a:r>
+              <a:rPr lang="ru-RU" dirty="0" err="1"/>
+              <a:t>ignition</a:t>
+            </a:r>
+            <a:r>
+              <a:rPr lang="ru-RU" dirty="0"/>
+              <a:t> </a:t>
+            </a:r>
+            <a:r>
+              <a:rPr lang="ru-RU" dirty="0" err="1"/>
+              <a:t>off</a:t>
+            </a:r>
             <a:endParaRPr lang="ru-RU" dirty="0"/>
           </a:p>
         </p:txBody>

--- a/защита/презентация.pptx
+++ b/защита/презентация.pptx
@@ -273,7 +273,7 @@
           <a:p>
             <a:fld id="{2E50893A-67EA-41C8-A2F8-3448B4341065}" type="datetimeFigureOut">
               <a:rPr lang="ru-RU" smtClean="0"/>
-              <a:t>18.06.2019</a:t>
+              <a:t>19.06.2019</a:t>
             </a:fld>
             <a:endParaRPr lang="ru-RU"/>
           </a:p>
@@ -439,7 +439,7 @@
           <a:p>
             <a:fld id="{A6B4E3B6-72CB-4058-A25B-E330292D697E}" type="datetimeFigureOut">
               <a:rPr lang="ru-RU" smtClean="0"/>
-              <a:t>18.06.2019</a:t>
+              <a:t>19.06.2019</a:t>
             </a:fld>
             <a:endParaRPr lang="ru-RU"/>
           </a:p>
@@ -1195,7 +1195,7 @@
           <a:p>
             <a:fld id="{D30C6BFB-7CA1-4523-987B-212D6E1DD8E8}" type="datetime1">
               <a:rPr lang="ru-RU" smtClean="0"/>
-              <a:t>18.06.2019</a:t>
+              <a:t>19.06.2019</a:t>
             </a:fld>
             <a:endParaRPr lang="ru-RU"/>
           </a:p>
@@ -1375,7 +1375,7 @@
           <a:p>
             <a:fld id="{D30C6BFB-7CA1-4523-987B-212D6E1DD8E8}" type="datetime1">
               <a:rPr lang="ru-RU" smtClean="0"/>
-              <a:t>18.06.2019</a:t>
+              <a:t>19.06.2019</a:t>
             </a:fld>
             <a:endParaRPr lang="ru-RU"/>
           </a:p>
@@ -1556,7 +1556,7 @@
           <a:p>
             <a:fld id="{D30C6BFB-7CA1-4523-987B-212D6E1DD8E8}" type="datetime1">
               <a:rPr lang="ru-RU" smtClean="0"/>
-              <a:t>18.06.2019</a:t>
+              <a:t>19.06.2019</a:t>
             </a:fld>
             <a:endParaRPr lang="ru-RU"/>
           </a:p>
@@ -1727,7 +1727,7 @@
           <a:p>
             <a:fld id="{D30C6BFB-7CA1-4523-987B-212D6E1DD8E8}" type="datetime1">
               <a:rPr lang="ru-RU" smtClean="0"/>
-              <a:t>18.06.2019</a:t>
+              <a:t>19.06.2019</a:t>
             </a:fld>
             <a:endParaRPr lang="ru-RU"/>
           </a:p>
@@ -2041,7 +2041,7 @@
           <a:p>
             <a:fld id="{D30C6BFB-7CA1-4523-987B-212D6E1DD8E8}" type="datetime1">
               <a:rPr lang="ru-RU" smtClean="0"/>
-              <a:t>18.06.2019</a:t>
+              <a:t>19.06.2019</a:t>
             </a:fld>
             <a:endParaRPr lang="ru-RU"/>
           </a:p>
@@ -2428,7 +2428,7 @@
           <a:p>
             <a:fld id="{D30C6BFB-7CA1-4523-987B-212D6E1DD8E8}" type="datetime1">
               <a:rPr lang="ru-RU" smtClean="0"/>
-              <a:t>18.06.2019</a:t>
+              <a:t>19.06.2019</a:t>
             </a:fld>
             <a:endParaRPr lang="ru-RU"/>
           </a:p>
@@ -2863,7 +2863,7 @@
           <a:p>
             <a:fld id="{D30C6BFB-7CA1-4523-987B-212D6E1DD8E8}" type="datetime1">
               <a:rPr lang="ru-RU" smtClean="0"/>
-              <a:t>18.06.2019</a:t>
+              <a:t>19.06.2019</a:t>
             </a:fld>
             <a:endParaRPr lang="ru-RU"/>
           </a:p>
@@ -2982,7 +2982,7 @@
           <a:p>
             <a:fld id="{D30C6BFB-7CA1-4523-987B-212D6E1DD8E8}" type="datetime1">
               <a:rPr lang="ru-RU" smtClean="0"/>
-              <a:t>18.06.2019</a:t>
+              <a:t>19.06.2019</a:t>
             </a:fld>
             <a:endParaRPr lang="ru-RU"/>
           </a:p>
@@ -3078,7 +3078,7 @@
           <a:p>
             <a:fld id="{D30C6BFB-7CA1-4523-987B-212D6E1DD8E8}" type="datetime1">
               <a:rPr lang="ru-RU" smtClean="0"/>
-              <a:t>18.06.2019</a:t>
+              <a:t>19.06.2019</a:t>
             </a:fld>
             <a:endParaRPr lang="ru-RU"/>
           </a:p>
@@ -3429,7 +3429,7 @@
           <a:p>
             <a:fld id="{D30C6BFB-7CA1-4523-987B-212D6E1DD8E8}" type="datetime1">
               <a:rPr lang="ru-RU" smtClean="0"/>
-              <a:t>18.06.2019</a:t>
+              <a:t>19.06.2019</a:t>
             </a:fld>
             <a:endParaRPr lang="ru-RU"/>
           </a:p>
@@ -3855,7 +3855,7 @@
           <a:p>
             <a:fld id="{D30C6BFB-7CA1-4523-987B-212D6E1DD8E8}" type="datetime1">
               <a:rPr lang="ru-RU" smtClean="0"/>
-              <a:t>18.06.2019</a:t>
+              <a:t>19.06.2019</a:t>
             </a:fld>
             <a:endParaRPr lang="ru-RU"/>
           </a:p>
@@ -4137,7 +4137,7 @@
           <a:p>
             <a:fld id="{D30C6BFB-7CA1-4523-987B-212D6E1DD8E8}" type="datetime1">
               <a:rPr lang="ru-RU" smtClean="0"/>
-              <a:t>18.06.2019</a:t>
+              <a:t>19.06.2019</a:t>
             </a:fld>
             <a:endParaRPr lang="ru-RU"/>
           </a:p>
@@ -8797,7 +8797,7 @@
         <p:spPr/>
         <p:txBody>
           <a:bodyPr>
-            <a:normAutofit fontScale="77500" lnSpcReduction="20000"/>
+            <a:normAutofit fontScale="85000" lnSpcReduction="20000"/>
           </a:bodyPr>
           <a:lstStyle/>
           <a:p>
@@ -8895,16 +8895,6 @@
             <a:r>
               <a:rPr lang="ru-RU" dirty="0"/>
               <a:t>выполнения тестов должны сохраняться в файл.</a:t>
-            </a:r>
-          </a:p>
-          <a:p>
-            <a:r>
-              <a:rPr lang="ru-RU" dirty="0" smtClean="0"/>
-              <a:t>Необходимо </a:t>
-            </a:r>
-            <a:r>
-              <a:rPr lang="ru-RU" dirty="0"/>
-              <a:t>реализовать обработчик ошибок.</a:t>
             </a:r>
           </a:p>
           <a:p>

--- a/защита/презентация.pptx
+++ b/защита/презентация.pptx
@@ -5434,375 +5434,28 @@
           </a:p>
         </p:txBody>
       </p:sp>
-      <p:sp>
-        <p:nvSpPr>
-          <p:cNvPr id="7" name="Прямоугольник 6"/>
-          <p:cNvSpPr/>
-          <p:nvPr/>
-        </p:nvSpPr>
-        <p:spPr>
-          <a:xfrm>
-            <a:off x="7464298" y="1847069"/>
-            <a:ext cx="4428226" cy="4524315"/>
-          </a:xfrm>
-          <a:prstGeom prst="rect">
-            <a:avLst/>
-          </a:prstGeom>
-          <a:solidFill>
-            <a:schemeClr val="accent5">
-              <a:lumMod val="20000"/>
-              <a:lumOff val="80000"/>
-            </a:schemeClr>
-          </a:solidFill>
-        </p:spPr>
-        <p:txBody>
-          <a:bodyPr wrap="square">
-            <a:spAutoFit/>
-          </a:bodyPr>
-          <a:lstStyle/>
-          <a:p>
-            <a:r>
-              <a:rPr lang="ru-RU" b="1" dirty="0"/>
-              <a:t>@</a:t>
-            </a:r>
-            <a:r>
-              <a:rPr lang="ru-RU" b="1" dirty="0" err="1"/>
-              <a:t>TestCase</a:t>
-            </a:r>
-            <a:r>
-              <a:rPr lang="ru-RU" dirty="0"/>
-              <a:t> </a:t>
-            </a:r>
-            <a:r>
-              <a:rPr lang="ru-RU" dirty="0" err="1"/>
-              <a:t>test</a:t>
-            </a:r>
-            <a:r>
-              <a:rPr lang="ru-RU" dirty="0"/>
-              <a:t> NVRAM </a:t>
-            </a:r>
-            <a:r>
-              <a:rPr lang="ru-RU" dirty="0" err="1"/>
-              <a:t>functionallity</a:t>
-            </a:r>
-            <a:r>
-              <a:rPr lang="ru-RU" dirty="0"/>
-              <a:t> </a:t>
-            </a:r>
-            <a:r>
-              <a:rPr lang="ru-RU" dirty="0" err="1"/>
-              <a:t>of</a:t>
-            </a:r>
-            <a:r>
-              <a:rPr lang="ru-RU" dirty="0"/>
-              <a:t> </a:t>
-            </a:r>
-            <a:r>
-              <a:rPr lang="ru-RU" dirty="0" err="1" smtClean="0"/>
-              <a:t>did</a:t>
-            </a:r>
-            <a:endParaRPr lang="en-US" dirty="0" smtClean="0"/>
-          </a:p>
-          <a:p>
-            <a:r>
-              <a:rPr lang="ru-RU" dirty="0" smtClean="0"/>
-              <a:t> 0xF101</a:t>
-            </a:r>
-            <a:r>
-              <a:rPr lang="en-US" dirty="0" smtClean="0"/>
-              <a:t> </a:t>
-            </a:r>
-            <a:r>
-              <a:rPr lang="ru-RU" dirty="0" smtClean="0"/>
-              <a:t>(Req_NVRAM1</a:t>
-            </a:r>
-            <a:r>
-              <a:rPr lang="ru-RU" dirty="0"/>
-              <a:t>)</a:t>
-            </a:r>
-          </a:p>
-          <a:p>
-            <a:endParaRPr lang="ru-RU" dirty="0"/>
-          </a:p>
-          <a:p>
-            <a:r>
-              <a:rPr lang="ru-RU" b="1" dirty="0"/>
-              <a:t>@</a:t>
-            </a:r>
-            <a:r>
-              <a:rPr lang="ru-RU" b="1" dirty="0" err="1"/>
-              <a:t>Set</a:t>
-            </a:r>
-            <a:r>
-              <a:rPr lang="ru-RU" dirty="0"/>
-              <a:t> </a:t>
-            </a:r>
-            <a:r>
-              <a:rPr lang="ru-RU" dirty="0" err="1"/>
-              <a:t>ignition</a:t>
-            </a:r>
-            <a:r>
-              <a:rPr lang="ru-RU" dirty="0"/>
-              <a:t> </a:t>
-            </a:r>
-            <a:r>
-              <a:rPr lang="ru-RU" dirty="0" err="1"/>
-              <a:t>on</a:t>
-            </a:r>
-            <a:endParaRPr lang="ru-RU" dirty="0"/>
-          </a:p>
-          <a:p>
-            <a:r>
-              <a:rPr lang="ru-RU" b="1" dirty="0"/>
-              <a:t>@</a:t>
-            </a:r>
-            <a:r>
-              <a:rPr lang="ru-RU" b="1" dirty="0" err="1"/>
-              <a:t>Send</a:t>
-            </a:r>
-            <a:r>
-              <a:rPr lang="ru-RU" dirty="0"/>
-              <a:t> </a:t>
-            </a:r>
-            <a:r>
-              <a:rPr lang="ru-RU" dirty="0" err="1"/>
-              <a:t>request</a:t>
-            </a:r>
-            <a:r>
-              <a:rPr lang="ru-RU" dirty="0"/>
-              <a:t> [2E F1 01 00 01 A5]</a:t>
-            </a:r>
-          </a:p>
-          <a:p>
-            <a:r>
-              <a:rPr lang="ru-RU" b="1" dirty="0"/>
-              <a:t>@</a:t>
-            </a:r>
-            <a:r>
-              <a:rPr lang="ru-RU" b="1" dirty="0" err="1"/>
-              <a:t>Recieve</a:t>
-            </a:r>
-            <a:r>
-              <a:rPr lang="ru-RU" dirty="0"/>
-              <a:t> </a:t>
-            </a:r>
-            <a:r>
-              <a:rPr lang="ru-RU" dirty="0" err="1"/>
-              <a:t>response</a:t>
-            </a:r>
-            <a:r>
-              <a:rPr lang="ru-RU" dirty="0"/>
-              <a:t> [6E F1 01]</a:t>
-            </a:r>
-          </a:p>
-          <a:p>
-            <a:r>
-              <a:rPr lang="ru-RU" b="1" dirty="0"/>
-              <a:t>@</a:t>
-            </a:r>
-            <a:r>
-              <a:rPr lang="ru-RU" b="1" dirty="0" err="1"/>
-              <a:t>Set</a:t>
-            </a:r>
-            <a:r>
-              <a:rPr lang="ru-RU" dirty="0"/>
-              <a:t> </a:t>
-            </a:r>
-            <a:r>
-              <a:rPr lang="ru-RU" dirty="0" err="1"/>
-              <a:t>ignition</a:t>
-            </a:r>
-            <a:r>
-              <a:rPr lang="ru-RU" dirty="0"/>
-              <a:t> </a:t>
-            </a:r>
-            <a:r>
-              <a:rPr lang="ru-RU" dirty="0" err="1"/>
-              <a:t>off</a:t>
-            </a:r>
-            <a:endParaRPr lang="ru-RU" dirty="0"/>
-          </a:p>
-          <a:p>
-            <a:endParaRPr lang="ru-RU" dirty="0"/>
-          </a:p>
-          <a:p>
-            <a:r>
-              <a:rPr lang="ru-RU" b="1" dirty="0"/>
-              <a:t>@</a:t>
-            </a:r>
-            <a:r>
-              <a:rPr lang="ru-RU" b="1" dirty="0" err="1"/>
-              <a:t>Set</a:t>
-            </a:r>
-            <a:r>
-              <a:rPr lang="ru-RU" dirty="0"/>
-              <a:t> </a:t>
-            </a:r>
-            <a:r>
-              <a:rPr lang="ru-RU" dirty="0" err="1"/>
-              <a:t>ignition</a:t>
-            </a:r>
-            <a:r>
-              <a:rPr lang="ru-RU" dirty="0"/>
-              <a:t> </a:t>
-            </a:r>
-            <a:r>
-              <a:rPr lang="ru-RU" dirty="0" err="1"/>
-              <a:t>on</a:t>
-            </a:r>
-            <a:endParaRPr lang="ru-RU" dirty="0"/>
-          </a:p>
-          <a:p>
-            <a:r>
-              <a:rPr lang="ru-RU" b="1" dirty="0"/>
-              <a:t>@</a:t>
-            </a:r>
-            <a:r>
-              <a:rPr lang="ru-RU" b="1" dirty="0" err="1"/>
-              <a:t>Repeat</a:t>
-            </a:r>
-            <a:r>
-              <a:rPr lang="ru-RU" dirty="0"/>
-              <a:t>[2][</a:t>
-            </a:r>
-          </a:p>
-          <a:p>
-            <a:r>
-              <a:rPr lang="ru-RU" dirty="0"/>
-              <a:t>    </a:t>
-            </a:r>
-            <a:r>
-              <a:rPr lang="ru-RU" b="1" dirty="0"/>
-              <a:t>@</a:t>
-            </a:r>
-            <a:r>
-              <a:rPr lang="ru-RU" dirty="0" err="1"/>
-              <a:t>Send</a:t>
-            </a:r>
-            <a:r>
-              <a:rPr lang="ru-RU" dirty="0"/>
-              <a:t> </a:t>
-            </a:r>
-            <a:r>
-              <a:rPr lang="ru-RU" dirty="0" err="1"/>
-              <a:t>request</a:t>
-            </a:r>
-            <a:r>
-              <a:rPr lang="ru-RU" dirty="0"/>
-              <a:t> [22 F1 01]</a:t>
-            </a:r>
-          </a:p>
-          <a:p>
-            <a:r>
-              <a:rPr lang="ru-RU" dirty="0"/>
-              <a:t>    </a:t>
-            </a:r>
-            <a:r>
-              <a:rPr lang="ru-RU" b="1" dirty="0"/>
-              <a:t>@</a:t>
-            </a:r>
-            <a:r>
-              <a:rPr lang="ru-RU" dirty="0" err="1"/>
-              <a:t>Pause</a:t>
-            </a:r>
-            <a:r>
-              <a:rPr lang="ru-RU" dirty="0"/>
-              <a:t> [100] </a:t>
-            </a:r>
-            <a:r>
-              <a:rPr lang="ru-RU" dirty="0" err="1"/>
-              <a:t>ms</a:t>
-            </a:r>
-            <a:endParaRPr lang="ru-RU" dirty="0"/>
-          </a:p>
-          <a:p>
-            <a:r>
-              <a:rPr lang="ru-RU" dirty="0"/>
-              <a:t>    </a:t>
-            </a:r>
-            <a:r>
-              <a:rPr lang="ru-RU" b="1" dirty="0"/>
-              <a:t>@</a:t>
-            </a:r>
-            <a:r>
-              <a:rPr lang="ru-RU" dirty="0" err="1"/>
-              <a:t>Recieve</a:t>
-            </a:r>
-            <a:r>
-              <a:rPr lang="ru-RU" dirty="0"/>
-              <a:t> </a:t>
-            </a:r>
-            <a:r>
-              <a:rPr lang="ru-RU" dirty="0" err="1"/>
-              <a:t>response</a:t>
-            </a:r>
-            <a:r>
-              <a:rPr lang="ru-RU" dirty="0"/>
-              <a:t> [62 F1 01 00 01 A5]</a:t>
-            </a:r>
-          </a:p>
-          <a:p>
-            <a:r>
-              <a:rPr lang="ru-RU" dirty="0"/>
-              <a:t>]</a:t>
-            </a:r>
-          </a:p>
-          <a:p>
-            <a:r>
-              <a:rPr lang="ru-RU" b="1" dirty="0"/>
-              <a:t>@</a:t>
-            </a:r>
-            <a:r>
-              <a:rPr lang="ru-RU" b="1" dirty="0" err="1"/>
-              <a:t>Set</a:t>
-            </a:r>
-            <a:r>
-              <a:rPr lang="ru-RU" dirty="0"/>
-              <a:t> </a:t>
-            </a:r>
-            <a:r>
-              <a:rPr lang="ru-RU" dirty="0" err="1"/>
-              <a:t>ignition</a:t>
-            </a:r>
-            <a:r>
-              <a:rPr lang="ru-RU" dirty="0"/>
-              <a:t> </a:t>
-            </a:r>
-            <a:r>
-              <a:rPr lang="ru-RU" dirty="0" err="1"/>
-              <a:t>off</a:t>
-            </a:r>
-            <a:endParaRPr lang="ru-RU" dirty="0"/>
-          </a:p>
-        </p:txBody>
-      </p:sp>
       <p:pic>
         <p:nvPicPr>
-          <p:cNvPr id="9" name="Объект 8"/>
+          <p:cNvPr id="3" name="Рисунок 2"/>
           <p:cNvPicPr>
-            <a:picLocks noGrp="1" noChangeAspect="1"/>
+            <a:picLocks noChangeAspect="1"/>
           </p:cNvPicPr>
-          <p:nvPr>
-            <p:ph idx="1"/>
-          </p:nvPr>
+          <p:nvPr/>
         </p:nvPicPr>
         <p:blipFill>
-          <a:blip r:embed="rId2">
-            <a:extLst>
-              <a:ext uri="{28A0092B-C50C-407E-A947-70E740481C1C}">
-                <a14:useLocalDpi xmlns:a14="http://schemas.microsoft.com/office/drawing/2010/main" val="0"/>
-              </a:ext>
-            </a:extLst>
-          </a:blip>
+          <a:blip r:embed="rId2"/>
           <a:stretch>
             <a:fillRect/>
           </a:stretch>
         </p:blipFill>
         <p:spPr>
           <a:xfrm>
-            <a:off x="121368" y="1877160"/>
-            <a:ext cx="7342930" cy="4247316"/>
+            <a:off x="798286" y="1659109"/>
+            <a:ext cx="9824212" cy="5198891"/>
           </a:xfrm>
+          <a:prstGeom prst="rect">
+            <a:avLst/>
+          </a:prstGeom>
         </p:spPr>
       </p:pic>
     </p:spTree>

--- a/защита/презентация.pptx
+++ b/защита/презентация.pptx
@@ -5,31 +5,28 @@
     <p:sldMasterId id="2147483731" r:id="rId1"/>
   </p:sldMasterIdLst>
   <p:notesMasterIdLst>
-    <p:notesMasterId r:id="rId21"/>
+    <p:notesMasterId r:id="rId18"/>
   </p:notesMasterIdLst>
   <p:handoutMasterIdLst>
-    <p:handoutMasterId r:id="rId22"/>
+    <p:handoutMasterId r:id="rId19"/>
   </p:handoutMasterIdLst>
   <p:sldIdLst>
     <p:sldId id="256" r:id="rId2"/>
     <p:sldId id="257" r:id="rId3"/>
-    <p:sldId id="279" r:id="rId4"/>
-    <p:sldId id="259" r:id="rId5"/>
-    <p:sldId id="262" r:id="rId6"/>
-    <p:sldId id="280" r:id="rId7"/>
-    <p:sldId id="263" r:id="rId8"/>
-    <p:sldId id="278" r:id="rId9"/>
-    <p:sldId id="264" r:id="rId10"/>
+    <p:sldId id="259" r:id="rId4"/>
+    <p:sldId id="262" r:id="rId5"/>
+    <p:sldId id="263" r:id="rId6"/>
+    <p:sldId id="278" r:id="rId7"/>
+    <p:sldId id="264" r:id="rId8"/>
+    <p:sldId id="280" r:id="rId9"/>
+    <p:sldId id="281" r:id="rId10"/>
     <p:sldId id="275" r:id="rId11"/>
     <p:sldId id="267" r:id="rId12"/>
     <p:sldId id="273" r:id="rId13"/>
-    <p:sldId id="277" r:id="rId14"/>
-    <p:sldId id="276" r:id="rId15"/>
-    <p:sldId id="266" r:id="rId16"/>
-    <p:sldId id="268" r:id="rId17"/>
-    <p:sldId id="265" r:id="rId18"/>
-    <p:sldId id="270" r:id="rId19"/>
-    <p:sldId id="258" r:id="rId20"/>
+    <p:sldId id="276" r:id="rId14"/>
+    <p:sldId id="266" r:id="rId15"/>
+    <p:sldId id="265" r:id="rId16"/>
+    <p:sldId id="258" r:id="rId17"/>
   </p:sldIdLst>
   <p:sldSz cx="12192000" cy="6858000"/>
   <p:notesSz cx="6858000" cy="9144000"/>
@@ -139,7 +136,6 @@
         <p14:section name="Введение" id="{ABC5657D-B2CD-4967-9760-FE30DFFDADBD}">
           <p14:sldIdLst>
             <p14:sldId id="257"/>
-            <p14:sldId id="279"/>
           </p14:sldIdLst>
         </p14:section>
         <p14:section name="Формулировка решаемой задачи" id="{F41F6C40-B162-4DFC-A34E-17BA14469416}">
@@ -150,7 +146,6 @@
         <p14:section name="аналоги" id="{CDB02F22-999C-415E-9AD6-9CCF82168808}">
           <p14:sldIdLst>
             <p14:sldId id="262"/>
-            <p14:sldId id="280"/>
           </p14:sldIdLst>
         </p14:section>
         <p14:section name="Формальная постановка задачи" id="{C658AF04-98C1-431D-9B16-943414BDF4D5}">
@@ -162,23 +157,22 @@
           <p14:sldIdLst>
             <p14:sldId id="278"/>
             <p14:sldId id="264"/>
+            <p14:sldId id="280"/>
+            <p14:sldId id="281"/>
             <p14:sldId id="275"/>
             <p14:sldId id="267"/>
             <p14:sldId id="273"/>
-            <p14:sldId id="277"/>
           </p14:sldIdLst>
         </p14:section>
         <p14:section name="Результаты" id="{BDBD1419-9E01-48AB-831E-3C5C5F648A1D}">
           <p14:sldIdLst>
             <p14:sldId id="276"/>
             <p14:sldId id="266"/>
-            <p14:sldId id="268"/>
           </p14:sldIdLst>
         </p14:section>
         <p14:section name="Заключение" id="{20E32F91-1C79-4BC3-9FD4-FBA65BDC4AC0}">
           <p14:sldIdLst>
             <p14:sldId id="265"/>
-            <p14:sldId id="270"/>
             <p14:sldId id="258"/>
           </p14:sldIdLst>
         </p14:section>
@@ -773,7 +767,7 @@
           <a:p>
             <a:fld id="{DD920320-9A63-49AD-8486-C17DAEB4E8BC}" type="slidenum">
               <a:rPr lang="ru-RU" smtClean="0"/>
-              <a:t>5</a:t>
+              <a:t>4</a:t>
             </a:fld>
             <a:endParaRPr lang="ru-RU"/>
           </a:p>
@@ -783,6 +777,174 @@
     <p:extLst>
       <p:ext uri="{BB962C8B-B14F-4D97-AF65-F5344CB8AC3E}">
         <p14:creationId xmlns:p14="http://schemas.microsoft.com/office/powerpoint/2010/main" val="1934353248"/>
+      </p:ext>
+    </p:extLst>
+  </p:cSld>
+  <p:clrMapOvr>
+    <a:masterClrMapping/>
+  </p:clrMapOvr>
+</p:notes>
+</file>
+
+<file path=ppt/notesSlides/notesSlide2.xml><?xml version="1.0" encoding="utf-8"?>
+<p:notes xmlns:a="http://schemas.openxmlformats.org/drawingml/2006/main" xmlns:r="http://schemas.openxmlformats.org/officeDocument/2006/relationships" xmlns:p="http://schemas.openxmlformats.org/presentationml/2006/main">
+  <p:cSld>
+    <p:spTree>
+      <p:nvGrpSpPr>
+        <p:cNvPr id="1" name=""/>
+        <p:cNvGrpSpPr/>
+        <p:nvPr/>
+      </p:nvGrpSpPr>
+      <p:grpSpPr>
+        <a:xfrm>
+          <a:off x="0" y="0"/>
+          <a:ext cx="0" cy="0"/>
+          <a:chOff x="0" y="0"/>
+          <a:chExt cx="0" cy="0"/>
+        </a:xfrm>
+      </p:grpSpPr>
+      <p:sp>
+        <p:nvSpPr>
+          <p:cNvPr id="2" name="Образ слайда 1"/>
+          <p:cNvSpPr>
+            <a:spLocks noGrp="1" noRot="1" noChangeAspect="1"/>
+          </p:cNvSpPr>
+          <p:nvPr>
+            <p:ph type="sldImg"/>
+          </p:nvPr>
+        </p:nvSpPr>
+        <p:spPr/>
+      </p:sp>
+      <p:sp>
+        <p:nvSpPr>
+          <p:cNvPr id="3" name="Заметки 2"/>
+          <p:cNvSpPr>
+            <a:spLocks noGrp="1"/>
+          </p:cNvSpPr>
+          <p:nvPr>
+            <p:ph type="body" idx="1"/>
+          </p:nvPr>
+        </p:nvSpPr>
+        <p:spPr/>
+        <p:txBody>
+          <a:bodyPr/>
+          <a:lstStyle/>
+          <a:p>
+            <a:endParaRPr lang="ru-RU" dirty="0"/>
+          </a:p>
+        </p:txBody>
+      </p:sp>
+      <p:sp>
+        <p:nvSpPr>
+          <p:cNvPr id="4" name="Номер слайда 3"/>
+          <p:cNvSpPr>
+            <a:spLocks noGrp="1"/>
+          </p:cNvSpPr>
+          <p:nvPr>
+            <p:ph type="sldNum" sz="quarter" idx="10"/>
+          </p:nvPr>
+        </p:nvSpPr>
+        <p:spPr/>
+        <p:txBody>
+          <a:bodyPr/>
+          <a:lstStyle/>
+          <a:p>
+            <a:fld id="{DD920320-9A63-49AD-8486-C17DAEB4E8BC}" type="slidenum">
+              <a:rPr lang="ru-RU" smtClean="0"/>
+              <a:t>5</a:t>
+            </a:fld>
+            <a:endParaRPr lang="ru-RU"/>
+          </a:p>
+        </p:txBody>
+      </p:sp>
+    </p:spTree>
+    <p:extLst>
+      <p:ext uri="{BB962C8B-B14F-4D97-AF65-F5344CB8AC3E}">
+        <p14:creationId xmlns:p14="http://schemas.microsoft.com/office/powerpoint/2010/main" val="883924037"/>
+      </p:ext>
+    </p:extLst>
+  </p:cSld>
+  <p:clrMapOvr>
+    <a:masterClrMapping/>
+  </p:clrMapOvr>
+</p:notes>
+</file>
+
+<file path=ppt/notesSlides/notesSlide3.xml><?xml version="1.0" encoding="utf-8"?>
+<p:notes xmlns:a="http://schemas.openxmlformats.org/drawingml/2006/main" xmlns:r="http://schemas.openxmlformats.org/officeDocument/2006/relationships" xmlns:p="http://schemas.openxmlformats.org/presentationml/2006/main">
+  <p:cSld>
+    <p:spTree>
+      <p:nvGrpSpPr>
+        <p:cNvPr id="1" name=""/>
+        <p:cNvGrpSpPr/>
+        <p:nvPr/>
+      </p:nvGrpSpPr>
+      <p:grpSpPr>
+        <a:xfrm>
+          <a:off x="0" y="0"/>
+          <a:ext cx="0" cy="0"/>
+          <a:chOff x="0" y="0"/>
+          <a:chExt cx="0" cy="0"/>
+        </a:xfrm>
+      </p:grpSpPr>
+      <p:sp>
+        <p:nvSpPr>
+          <p:cNvPr id="2" name="Образ слайда 1"/>
+          <p:cNvSpPr>
+            <a:spLocks noGrp="1" noRot="1" noChangeAspect="1"/>
+          </p:cNvSpPr>
+          <p:nvPr>
+            <p:ph type="sldImg"/>
+          </p:nvPr>
+        </p:nvSpPr>
+        <p:spPr/>
+      </p:sp>
+      <p:sp>
+        <p:nvSpPr>
+          <p:cNvPr id="3" name="Заметки 2"/>
+          <p:cNvSpPr>
+            <a:spLocks noGrp="1"/>
+          </p:cNvSpPr>
+          <p:nvPr>
+            <p:ph type="body" idx="1"/>
+          </p:nvPr>
+        </p:nvSpPr>
+        <p:spPr/>
+        <p:txBody>
+          <a:bodyPr/>
+          <a:lstStyle/>
+          <a:p>
+            <a:endParaRPr lang="ru-RU" dirty="0"/>
+          </a:p>
+        </p:txBody>
+      </p:sp>
+      <p:sp>
+        <p:nvSpPr>
+          <p:cNvPr id="4" name="Номер слайда 3"/>
+          <p:cNvSpPr>
+            <a:spLocks noGrp="1"/>
+          </p:cNvSpPr>
+          <p:nvPr>
+            <p:ph type="sldNum" sz="quarter" idx="10"/>
+          </p:nvPr>
+        </p:nvSpPr>
+        <p:spPr/>
+        <p:txBody>
+          <a:bodyPr/>
+          <a:lstStyle/>
+          <a:p>
+            <a:fld id="{DD920320-9A63-49AD-8486-C17DAEB4E8BC}" type="slidenum">
+              <a:rPr lang="ru-RU" smtClean="0"/>
+              <a:t>11</a:t>
+            </a:fld>
+            <a:endParaRPr lang="ru-RU"/>
+          </a:p>
+        </p:txBody>
+      </p:sp>
+    </p:spTree>
+    <p:extLst>
+      <p:ext uri="{BB962C8B-B14F-4D97-AF65-F5344CB8AC3E}">
+        <p14:creationId xmlns:p14="http://schemas.microsoft.com/office/powerpoint/2010/main" val="306350171"/>
       </p:ext>
     </p:extLst>
   </p:cSld>
@@ -5231,8 +5393,8 @@
         </p:nvSpPr>
         <p:spPr>
           <a:xfrm>
-            <a:off x="7299960" y="1645920"/>
-            <a:ext cx="3828288" cy="3139321"/>
+            <a:off x="6720840" y="2724912"/>
+            <a:ext cx="4663440" cy="1754326"/>
           </a:xfrm>
           <a:prstGeom prst="rect">
             <a:avLst/>
@@ -5249,47 +5411,43 @@
             </a:pPr>
             <a:r>
               <a:rPr lang="ru-RU" dirty="0"/>
-              <a:t>Для реализации языка было выбрано «еще одно средство распознавания языков» ANTLR4 (</a:t>
-            </a:r>
-            <a:r>
-              <a:rPr lang="ru-RU" dirty="0" err="1"/>
-              <a:t>ANother</a:t>
+              <a:t>Для </a:t>
+            </a:r>
+            <a:r>
+              <a:rPr lang="ru-RU" dirty="0" smtClean="0"/>
+              <a:t>разработки и реализации</a:t>
+            </a:r>
+            <a:r>
+              <a:rPr lang="en-US" dirty="0" smtClean="0"/>
+              <a:t> </a:t>
+            </a:r>
+            <a:r>
+              <a:rPr lang="ru-RU" dirty="0" smtClean="0"/>
+              <a:t>языка был</a:t>
+            </a:r>
+            <a:r>
+              <a:rPr lang="en-US" dirty="0" smtClean="0"/>
+              <a:t> </a:t>
             </a:r>
             <a:r>
               <a:rPr lang="ru-RU" dirty="0"/>
-              <a:t> </a:t>
-            </a:r>
-            <a:r>
-              <a:rPr lang="ru-RU" dirty="0" err="1"/>
-              <a:t>Tool</a:t>
+              <a:t>выбран генератор нисходящих анализаторов для формальных языков </a:t>
+            </a:r>
+            <a:r>
+              <a:rPr lang="ru-RU" dirty="0" smtClean="0"/>
+              <a:t>ANTLR4. Он </a:t>
             </a:r>
             <a:r>
               <a:rPr lang="ru-RU" dirty="0"/>
-              <a:t> </a:t>
-            </a:r>
-            <a:r>
-              <a:rPr lang="ru-RU" dirty="0" err="1"/>
-              <a:t>for</a:t>
+              <a:t>преобразует контекстно-свободную грамматику в </a:t>
+            </a:r>
+            <a:r>
+              <a:rPr lang="ru-RU" dirty="0" smtClean="0"/>
+              <a:t>РБНФ </a:t>
             </a:r>
             <a:r>
               <a:rPr lang="ru-RU" dirty="0"/>
-              <a:t> </a:t>
-            </a:r>
-            <a:r>
-              <a:rPr lang="ru-RU" dirty="0" err="1"/>
-              <a:t>Language</a:t>
-            </a:r>
-            <a:r>
-              <a:rPr lang="ru-RU" dirty="0"/>
-              <a:t> </a:t>
-            </a:r>
-            <a:r>
-              <a:rPr lang="ru-RU" dirty="0" err="1"/>
-              <a:t>Recognition</a:t>
-            </a:r>
-            <a:r>
-              <a:rPr lang="ru-RU" dirty="0"/>
-              <a:t>). Это генератор нисходящих анализаторов для формальных языков. Он преобразует контекстно-свободную грамматику в форме РБНФ в программу на </a:t>
+              <a:t>в программу на </a:t>
             </a:r>
             <a:r>
               <a:rPr lang="ru-RU" dirty="0" err="1" smtClean="0"/>
@@ -5305,7 +5463,7 @@
       </p:sp>
       <p:pic>
         <p:nvPicPr>
-          <p:cNvPr id="6" name="Рисунок 5"/>
+          <p:cNvPr id="3" name="Рисунок 2"/>
           <p:cNvPicPr>
             <a:picLocks noChangeAspect="1"/>
           </p:cNvPicPr>
@@ -5319,17 +5477,25 @@
         </p:blipFill>
         <p:spPr>
           <a:xfrm>
-            <a:off x="277367" y="2093976"/>
-            <a:ext cx="6450771" cy="4361370"/>
+            <a:off x="6929628" y="4786884"/>
+            <a:ext cx="3486150" cy="1485900"/>
           </a:xfrm>
           <a:prstGeom prst="rect">
             <a:avLst/>
           </a:prstGeom>
+          <a:ln>
+            <a:solidFill>
+              <a:schemeClr val="tx1">
+                <a:lumMod val="95000"/>
+                <a:lumOff val="5000"/>
+              </a:schemeClr>
+            </a:solidFill>
+          </a:ln>
         </p:spPr>
       </p:pic>
       <p:pic>
         <p:nvPicPr>
-          <p:cNvPr id="8" name="Рисунок 7"/>
+          <p:cNvPr id="6" name="Рисунок 5"/>
           <p:cNvPicPr>
             <a:picLocks noChangeAspect="1"/>
           </p:cNvPicPr>
@@ -5343,12 +5509,17 @@
         </p:blipFill>
         <p:spPr>
           <a:xfrm>
-            <a:off x="7051357" y="5074921"/>
-            <a:ext cx="4280481" cy="1380426"/>
+            <a:off x="368427" y="2724912"/>
+            <a:ext cx="5898872" cy="3547872"/>
           </a:xfrm>
           <a:prstGeom prst="rect">
             <a:avLst/>
           </a:prstGeom>
+          <a:ln>
+            <a:solidFill>
+              <a:schemeClr val="tx1"/>
+            </a:solidFill>
+          </a:ln>
         </p:spPr>
       </p:pic>
     </p:spTree>
@@ -5436,26 +5607,40 @@
       </p:sp>
       <p:pic>
         <p:nvPicPr>
-          <p:cNvPr id="3" name="Рисунок 2"/>
+          <p:cNvPr id="5" name="Рисунок 4"/>
           <p:cNvPicPr>
             <a:picLocks noChangeAspect="1"/>
           </p:cNvPicPr>
           <p:nvPr/>
         </p:nvPicPr>
         <p:blipFill>
-          <a:blip r:embed="rId2"/>
+          <a:blip r:embed="rId3">
+            <a:extLst>
+              <a:ext uri="{28A0092B-C50C-407E-A947-70E740481C1C}">
+                <a14:useLocalDpi xmlns:a14="http://schemas.microsoft.com/office/drawing/2010/main" val="0"/>
+              </a:ext>
+            </a:extLst>
+          </a:blip>
           <a:stretch>
             <a:fillRect/>
           </a:stretch>
         </p:blipFill>
         <p:spPr>
           <a:xfrm>
-            <a:off x="798286" y="1659109"/>
-            <a:ext cx="9824212" cy="5198891"/>
+            <a:off x="1069848" y="1807077"/>
+            <a:ext cx="8443692" cy="4465707"/>
           </a:xfrm>
           <a:prstGeom prst="rect">
             <a:avLst/>
           </a:prstGeom>
+          <a:ln w="19050">
+            <a:solidFill>
+              <a:schemeClr val="accent5">
+                <a:lumMod val="40000"/>
+                <a:lumOff val="60000"/>
+              </a:schemeClr>
+            </a:solidFill>
+          </a:ln>
         </p:spPr>
       </p:pic>
     </p:spTree>
@@ -5581,8 +5766,8 @@
         </p:nvSpPr>
         <p:spPr>
           <a:xfrm>
-            <a:off x="2788920" y="4052586"/>
-            <a:ext cx="7513320" cy="2308324"/>
+            <a:off x="978407" y="5244349"/>
+            <a:ext cx="10268713" cy="646331"/>
           </a:xfrm>
           <a:prstGeom prst="rect">
             <a:avLst/>
@@ -5595,27 +5780,12 @@
           <a:lstStyle/>
           <a:p>
             <a:r>
-              <a:rPr lang="ru-RU" b="1" dirty="0"/>
-              <a:t>Рефлексия</a:t>
+              <a:rPr lang="ru-RU" dirty="0" smtClean="0"/>
+              <a:t>Для симуляции </a:t>
             </a:r>
             <a:r>
               <a:rPr lang="ru-RU" dirty="0"/>
-              <a:t> (от лат. </a:t>
-            </a:r>
-            <a:r>
-              <a:rPr lang="ru-RU" dirty="0" err="1"/>
-              <a:t>reflexio</a:t>
-            </a:r>
-            <a:r>
-              <a:rPr lang="ru-RU" dirty="0"/>
-              <a:t> — обращение назад) — это механизм исследования данных о программе во время её выполнения. Рефлексия позволяет исследовать информацию о полях, методах и конструкторах классов. </a:t>
-            </a:r>
-            <a:endParaRPr lang="en-US" dirty="0"/>
-          </a:p>
-          <a:p>
-            <a:r>
-              <a:rPr lang="ru-RU" dirty="0"/>
-              <a:t>Для реализации функционала симуляции автомобильных сетей используется универсальный программный интерфейс</a:t>
+              <a:t>автомобильных сетей используется универсальный программный интерфейс</a:t>
             </a:r>
             <a:r>
               <a:rPr lang="ru-RU" b="1" dirty="0"/>
@@ -5643,7 +5813,7 @@
       </p:sp>
       <p:pic>
         <p:nvPicPr>
-          <p:cNvPr id="8" name="Рисунок 7"/>
+          <p:cNvPr id="10" name="Рисунок 9"/>
           <p:cNvPicPr>
             <a:picLocks noChangeAspect="1"/>
           </p:cNvPicPr>
@@ -5657,12 +5827,60 @@
         </p:blipFill>
         <p:spPr>
           <a:xfrm>
-            <a:off x="478155" y="1790589"/>
-            <a:ext cx="6597756" cy="2164727"/>
+            <a:off x="978407" y="1690545"/>
+            <a:ext cx="5040630" cy="2327039"/>
           </a:xfrm>
           <a:prstGeom prst="rect">
             <a:avLst/>
           </a:prstGeom>
+          <a:solidFill>
+            <a:schemeClr val="bg1">
+              <a:lumMod val="50000"/>
+            </a:schemeClr>
+          </a:solidFill>
+          <a:ln w="12700">
+            <a:solidFill>
+              <a:schemeClr val="bg1">
+                <a:lumMod val="65000"/>
+              </a:schemeClr>
+            </a:solidFill>
+          </a:ln>
+        </p:spPr>
+      </p:pic>
+      <p:pic>
+        <p:nvPicPr>
+          <p:cNvPr id="11" name="Рисунок 10"/>
+          <p:cNvPicPr>
+            <a:picLocks noChangeAspect="1"/>
+          </p:cNvPicPr>
+          <p:nvPr/>
+        </p:nvPicPr>
+        <p:blipFill>
+          <a:blip r:embed="rId3"/>
+          <a:stretch>
+            <a:fillRect/>
+          </a:stretch>
+        </p:blipFill>
+        <p:spPr>
+          <a:xfrm>
+            <a:off x="5930177" y="3447288"/>
+            <a:ext cx="5789384" cy="1657869"/>
+          </a:xfrm>
+          <a:prstGeom prst="rect">
+            <a:avLst/>
+          </a:prstGeom>
+          <a:solidFill>
+            <a:schemeClr val="bg1">
+              <a:lumMod val="65000"/>
+            </a:schemeClr>
+          </a:solidFill>
+          <a:ln w="12700">
+            <a:solidFill>
+              <a:schemeClr val="bg1">
+                <a:lumMod val="65000"/>
+              </a:schemeClr>
+            </a:solidFill>
+          </a:ln>
         </p:spPr>
       </p:pic>
     </p:spTree>
@@ -5719,7 +5937,7 @@
           <a:p>
             <a:r>
               <a:rPr lang="ru-RU" dirty="0" smtClean="0"/>
-              <a:t>Обработчик ошибок</a:t>
+              <a:t>Тестирование</a:t>
             </a:r>
             <a:endParaRPr lang="ru-RU" dirty="0"/>
           </a:p>
@@ -5748,472 +5966,61 @@
           </a:p>
         </p:txBody>
       </p:sp>
-      <p:sp>
-        <p:nvSpPr>
-          <p:cNvPr id="5" name="Прямоугольник 4"/>
-          <p:cNvSpPr/>
+      <p:pic>
+        <p:nvPicPr>
+          <p:cNvPr id="9" name="Рисунок 8"/>
+          <p:cNvPicPr>
+            <a:picLocks noChangeAspect="1"/>
+          </p:cNvPicPr>
           <p:nvPr/>
-        </p:nvSpPr>
+        </p:nvPicPr>
+        <p:blipFill rotWithShape="1">
+          <a:blip r:embed="rId2"/>
+          <a:srcRect r="45234"/>
+          <a:stretch/>
+        </p:blipFill>
         <p:spPr>
           <a:xfrm>
-            <a:off x="701040" y="1823502"/>
-            <a:ext cx="9357360" cy="4524315"/>
+            <a:off x="1267968" y="2212976"/>
+            <a:ext cx="4623874" cy="4059807"/>
           </a:xfrm>
           <a:prstGeom prst="rect">
             <a:avLst/>
           </a:prstGeom>
-          <a:solidFill>
-            <a:schemeClr val="bg1">
-              <a:lumMod val="85000"/>
-            </a:schemeClr>
-          </a:solidFill>
         </p:spPr>
-        <p:txBody>
-          <a:bodyPr wrap="square">
-            <a:spAutoFit/>
-          </a:bodyPr>
-          <a:lstStyle/>
-          <a:p>
-            <a:r>
-              <a:rPr lang="ru-RU" sz="2400" b="1" dirty="0"/>
-              <a:t>@</a:t>
-            </a:r>
-            <a:r>
-              <a:rPr lang="ru-RU" sz="2400" b="1" dirty="0" err="1"/>
-              <a:t>TestCase</a:t>
-            </a:r>
-            <a:r>
-              <a:rPr lang="ru-RU" sz="2400" dirty="0"/>
-              <a:t> </a:t>
-            </a:r>
-            <a:r>
-              <a:rPr lang="ru-RU" sz="2400" dirty="0" err="1"/>
-              <a:t>test</a:t>
-            </a:r>
-            <a:r>
-              <a:rPr lang="ru-RU" sz="2400" dirty="0"/>
-              <a:t> NVRAM </a:t>
-            </a:r>
-            <a:r>
-              <a:rPr lang="ru-RU" sz="2400" dirty="0" err="1"/>
-              <a:t>functionallity</a:t>
-            </a:r>
-            <a:r>
-              <a:rPr lang="ru-RU" sz="2400" dirty="0"/>
-              <a:t> </a:t>
-            </a:r>
-            <a:r>
-              <a:rPr lang="ru-RU" sz="2400" dirty="0" err="1"/>
-              <a:t>of</a:t>
-            </a:r>
-            <a:r>
-              <a:rPr lang="ru-RU" sz="2400" dirty="0"/>
-              <a:t> </a:t>
-            </a:r>
-            <a:r>
-              <a:rPr lang="ru-RU" sz="2400" dirty="0" err="1" smtClean="0"/>
-              <a:t>did</a:t>
-            </a:r>
-            <a:r>
-              <a:rPr lang="ru-RU" sz="2400" dirty="0" smtClean="0"/>
-              <a:t> 0xF101 (Req_NVRAM1)</a:t>
-            </a:r>
-            <a:endParaRPr lang="ru-RU" sz="2400" dirty="0"/>
-          </a:p>
-          <a:p>
-            <a:r>
-              <a:rPr lang="ru-RU" sz="2400" b="1" dirty="0"/>
-              <a:t>@</a:t>
-            </a:r>
-            <a:r>
-              <a:rPr lang="ru-RU" sz="2400" b="1" dirty="0" err="1"/>
-              <a:t>Set</a:t>
-            </a:r>
-            <a:r>
-              <a:rPr lang="ru-RU" sz="2400" dirty="0"/>
-              <a:t> </a:t>
-            </a:r>
-            <a:r>
-              <a:rPr lang="ru-RU" sz="2400" dirty="0" err="1"/>
-              <a:t>ignition</a:t>
-            </a:r>
-            <a:r>
-              <a:rPr lang="ru-RU" sz="2400" dirty="0"/>
-              <a:t> </a:t>
-            </a:r>
-            <a:r>
-              <a:rPr lang="ru-RU" sz="2400" dirty="0" err="1"/>
-              <a:t>on</a:t>
-            </a:r>
-            <a:endParaRPr lang="ru-RU" sz="2400" dirty="0"/>
-          </a:p>
-          <a:p>
-            <a:r>
-              <a:rPr lang="ru-RU" sz="2400" b="1" dirty="0"/>
-              <a:t>@</a:t>
-            </a:r>
-            <a:r>
-              <a:rPr lang="ru-RU" sz="2400" b="1" dirty="0" err="1"/>
-              <a:t>Send</a:t>
-            </a:r>
-            <a:r>
-              <a:rPr lang="ru-RU" sz="2400" dirty="0"/>
-              <a:t> </a:t>
-            </a:r>
-            <a:r>
-              <a:rPr lang="ru-RU" sz="2400" dirty="0" err="1"/>
-              <a:t>request</a:t>
-            </a:r>
-            <a:r>
-              <a:rPr lang="ru-RU" sz="2400" dirty="0"/>
-              <a:t> [2E F1 01 00 01 A5]</a:t>
-            </a:r>
-          </a:p>
-          <a:p>
-            <a:r>
-              <a:rPr lang="ru-RU" sz="2400" b="1" dirty="0"/>
-              <a:t>@</a:t>
-            </a:r>
-            <a:r>
-              <a:rPr lang="ru-RU" sz="2400" b="1" dirty="0" err="1"/>
-              <a:t>Recieve</a:t>
-            </a:r>
-            <a:r>
-              <a:rPr lang="ru-RU" sz="2400" dirty="0"/>
-              <a:t> </a:t>
-            </a:r>
-            <a:r>
-              <a:rPr lang="ru-RU" sz="2400" dirty="0" err="1"/>
-              <a:t>response</a:t>
-            </a:r>
-            <a:r>
-              <a:rPr lang="ru-RU" sz="2400" dirty="0"/>
-              <a:t> [6E F1 01]</a:t>
-            </a:r>
-          </a:p>
-          <a:p>
-            <a:r>
-              <a:rPr lang="ru-RU" sz="2400" b="1" dirty="0"/>
-              <a:t>@</a:t>
-            </a:r>
-            <a:r>
-              <a:rPr lang="ru-RU" sz="2400" b="1" dirty="0" err="1"/>
-              <a:t>Set</a:t>
-            </a:r>
-            <a:r>
-              <a:rPr lang="ru-RU" sz="2400" dirty="0"/>
-              <a:t> </a:t>
-            </a:r>
-            <a:r>
-              <a:rPr lang="ru-RU" sz="2400" dirty="0" err="1"/>
-              <a:t>ignition</a:t>
-            </a:r>
-            <a:r>
-              <a:rPr lang="ru-RU" sz="2400" dirty="0"/>
-              <a:t> </a:t>
-            </a:r>
-            <a:r>
-              <a:rPr lang="ru-RU" sz="2400" dirty="0" err="1" smtClean="0"/>
-              <a:t>off</a:t>
-            </a:r>
-            <a:endParaRPr lang="ru-RU" sz="2400" dirty="0"/>
-          </a:p>
-          <a:p>
-            <a:r>
-              <a:rPr lang="ru-RU" sz="2400" b="1" dirty="0"/>
-              <a:t>@</a:t>
-            </a:r>
-            <a:r>
-              <a:rPr lang="ru-RU" sz="2400" b="1" dirty="0" err="1"/>
-              <a:t>Set</a:t>
-            </a:r>
-            <a:r>
-              <a:rPr lang="ru-RU" sz="2400" dirty="0"/>
-              <a:t> </a:t>
-            </a:r>
-            <a:r>
-              <a:rPr lang="ru-RU" sz="2400" dirty="0" err="1"/>
-              <a:t>ignition</a:t>
-            </a:r>
-            <a:r>
-              <a:rPr lang="ru-RU" sz="2400" dirty="0"/>
-              <a:t> </a:t>
-            </a:r>
-            <a:r>
-              <a:rPr lang="ru-RU" sz="2400" dirty="0" err="1"/>
-              <a:t>on</a:t>
-            </a:r>
-            <a:endParaRPr lang="ru-RU" sz="2400" dirty="0"/>
-          </a:p>
-          <a:p>
-            <a:r>
-              <a:rPr lang="ru-RU" sz="2400" b="1" i="1" u="sng" dirty="0"/>
-              <a:t>@</a:t>
-            </a:r>
-            <a:r>
-              <a:rPr lang="ru-RU" sz="2400" b="1" i="1" u="sng" dirty="0" err="1"/>
-              <a:t>Repeat</a:t>
-            </a:r>
-            <a:r>
-              <a:rPr lang="ru-RU" sz="2400" i="1" u="sng" dirty="0" smtClean="0">
-                <a:solidFill>
-                  <a:srgbClr val="C00000"/>
-                </a:solidFill>
-              </a:rPr>
-              <a:t>[]</a:t>
-            </a:r>
-            <a:r>
-              <a:rPr lang="ru-RU" sz="2400" i="1" u="sng" dirty="0" smtClean="0"/>
-              <a:t>[</a:t>
-            </a:r>
-            <a:endParaRPr lang="ru-RU" sz="2400" i="1" u="sng" dirty="0"/>
-          </a:p>
-          <a:p>
-            <a:r>
-              <a:rPr lang="ru-RU" sz="2400" dirty="0"/>
-              <a:t>    </a:t>
-            </a:r>
-            <a:r>
-              <a:rPr lang="ru-RU" sz="2400" b="1" dirty="0"/>
-              <a:t>@</a:t>
-            </a:r>
-            <a:r>
-              <a:rPr lang="ru-RU" sz="2400" dirty="0" err="1"/>
-              <a:t>Send</a:t>
-            </a:r>
-            <a:r>
-              <a:rPr lang="ru-RU" sz="2400" dirty="0"/>
-              <a:t> </a:t>
-            </a:r>
-            <a:r>
-              <a:rPr lang="ru-RU" sz="2400" dirty="0" err="1"/>
-              <a:t>request</a:t>
-            </a:r>
-            <a:r>
-              <a:rPr lang="ru-RU" sz="2400" dirty="0"/>
-              <a:t> [22 F1 01]</a:t>
-            </a:r>
-          </a:p>
-          <a:p>
-            <a:r>
-              <a:rPr lang="ru-RU" sz="2400" dirty="0"/>
-              <a:t>    </a:t>
-            </a:r>
-            <a:r>
-              <a:rPr lang="ru-RU" sz="2400" b="1" dirty="0"/>
-              <a:t>@</a:t>
-            </a:r>
-            <a:r>
-              <a:rPr lang="ru-RU" sz="2400" dirty="0" err="1"/>
-              <a:t>Pause</a:t>
-            </a:r>
-            <a:r>
-              <a:rPr lang="ru-RU" sz="2400" dirty="0"/>
-              <a:t> [100] </a:t>
-            </a:r>
-            <a:r>
-              <a:rPr lang="ru-RU" sz="2400" dirty="0" err="1"/>
-              <a:t>ms</a:t>
-            </a:r>
-            <a:endParaRPr lang="ru-RU" sz="2400" dirty="0"/>
-          </a:p>
-          <a:p>
-            <a:r>
-              <a:rPr lang="ru-RU" sz="2400" dirty="0"/>
-              <a:t>    </a:t>
-            </a:r>
-            <a:r>
-              <a:rPr lang="ru-RU" sz="2400" b="1" dirty="0"/>
-              <a:t>@</a:t>
-            </a:r>
-            <a:r>
-              <a:rPr lang="ru-RU" sz="2400" dirty="0" err="1"/>
-              <a:t>Recieve</a:t>
-            </a:r>
-            <a:r>
-              <a:rPr lang="ru-RU" sz="2400" dirty="0"/>
-              <a:t> </a:t>
-            </a:r>
-            <a:r>
-              <a:rPr lang="ru-RU" sz="2400" dirty="0" err="1"/>
-              <a:t>response</a:t>
-            </a:r>
-            <a:r>
-              <a:rPr lang="ru-RU" sz="2400" dirty="0"/>
-              <a:t> [62 F1 01 00 01 A5]</a:t>
-            </a:r>
-          </a:p>
-          <a:p>
-            <a:r>
-              <a:rPr lang="ru-RU" sz="2400" dirty="0"/>
-              <a:t>]</a:t>
-            </a:r>
-          </a:p>
-          <a:p>
-            <a:r>
-              <a:rPr lang="ru-RU" sz="2400" b="1" dirty="0"/>
-              <a:t>@</a:t>
-            </a:r>
-            <a:r>
-              <a:rPr lang="ru-RU" sz="2400" b="1" dirty="0" err="1"/>
-              <a:t>Set</a:t>
-            </a:r>
-            <a:r>
-              <a:rPr lang="ru-RU" sz="2400" dirty="0"/>
-              <a:t> </a:t>
-            </a:r>
-            <a:r>
-              <a:rPr lang="ru-RU" sz="2400" dirty="0" err="1"/>
-              <a:t>ignition</a:t>
-            </a:r>
-            <a:r>
-              <a:rPr lang="ru-RU" sz="2400" dirty="0"/>
-              <a:t> </a:t>
-            </a:r>
-            <a:r>
-              <a:rPr lang="ru-RU" sz="2400" dirty="0" err="1"/>
-              <a:t>off</a:t>
-            </a:r>
-            <a:endParaRPr lang="ru-RU" sz="2400" dirty="0"/>
-          </a:p>
-        </p:txBody>
-      </p:sp>
-      <p:sp>
-        <p:nvSpPr>
-          <p:cNvPr id="6" name="Rectangle 1"/>
-          <p:cNvSpPr>
-            <a:spLocks noChangeArrowheads="1"/>
-          </p:cNvSpPr>
-          <p:nvPr/>
-        </p:nvSpPr>
-        <p:spPr bwMode="auto">
+      </p:pic>
+      <p:pic>
+        <p:nvPicPr>
+          <p:cNvPr id="5" name="Content Placeholder 4"/>
+          <p:cNvPicPr>
+            <a:picLocks noGrp="1" noChangeAspect="1"/>
+          </p:cNvPicPr>
+          <p:nvPr>
+            <p:ph idx="1"/>
+          </p:nvPr>
+        </p:nvPicPr>
+        <p:blipFill rotWithShape="1">
+          <a:blip r:embed="rId3">
+            <a:extLst>
+              <a:ext uri="{28A0092B-C50C-407E-A947-70E740481C1C}">
+                <a14:useLocalDpi xmlns:a14="http://schemas.microsoft.com/office/drawing/2010/main" val="0"/>
+              </a:ext>
+            </a:extLst>
+          </a:blip>
+          <a:srcRect l="16873" t="31172"/>
+          <a:stretch/>
+        </p:blipFill>
+        <p:spPr>
           <a:xfrm>
-            <a:off x="6812280" y="5277207"/>
-            <a:ext cx="5138928" cy="400110"/>
+            <a:off x="5927054" y="2411383"/>
+            <a:ext cx="5704114" cy="2408355"/>
           </a:xfrm>
-          <a:prstGeom prst="rect">
-            <a:avLst/>
-          </a:prstGeom>
-          <a:solidFill>
-            <a:schemeClr val="accent1">
-              <a:lumMod val="20000"/>
-              <a:lumOff val="80000"/>
-            </a:schemeClr>
-          </a:solidFill>
-          <a:ln>
-            <a:solidFill>
-              <a:schemeClr val="accent1">
-                <a:lumMod val="50000"/>
-              </a:schemeClr>
-            </a:solidFill>
-          </a:ln>
-          <a:effectLst/>
         </p:spPr>
-        <p:txBody>
-          <a:bodyPr vert="horz" wrap="square" lIns="91440" tIns="45720" rIns="91440" bIns="45720" numCol="1" anchor="ctr" anchorCtr="0" compatLnSpc="1">
-            <a:prstTxWarp prst="textNoShape">
-              <a:avLst/>
-            </a:prstTxWarp>
-            <a:spAutoFit/>
-          </a:bodyPr>
-          <a:lstStyle/>
-          <a:p>
-            <a:pPr marL="0" marR="0" lvl="0" indent="0" algn="l" defTabSz="914400" rtl="0" eaLnBrk="0" fontAlgn="base" latinLnBrk="0" hangingPunct="0">
-              <a:lnSpc>
-                <a:spcPct val="100000"/>
-              </a:lnSpc>
-              <a:spcBef>
-                <a:spcPct val="0"/>
-              </a:spcBef>
-              <a:spcAft>
-                <a:spcPct val="0"/>
-              </a:spcAft>
-              <a:buClrTx/>
-              <a:buSzTx/>
-              <a:buFontTx/>
-              <a:buNone/>
-              <a:tabLst/>
-            </a:pPr>
-            <a:r>
-              <a:rPr kumimoji="0" lang="ru-RU" altLang="ru-RU" sz="2000" b="1" i="0" u="none" strike="noStrike" cap="none" normalizeH="0" baseline="0" dirty="0" err="1" smtClean="0">
-                <a:ln>
-                  <a:noFill/>
-                </a:ln>
-                <a:effectLst/>
-                <a:latin typeface="Courier New" panose="02070309020205020404" pitchFamily="49" charset="0"/>
-                <a:cs typeface="Courier New" panose="02070309020205020404" pitchFamily="49" charset="0"/>
-              </a:rPr>
-              <a:t>line</a:t>
-            </a:r>
-            <a:r>
-              <a:rPr kumimoji="0" lang="ru-RU" altLang="ru-RU" sz="2000" b="1" i="0" u="none" strike="noStrike" cap="none" normalizeH="0" baseline="0" dirty="0" smtClean="0">
-                <a:ln>
-                  <a:noFill/>
-                </a:ln>
-                <a:effectLst/>
-                <a:latin typeface="Courier New" panose="02070309020205020404" pitchFamily="49" charset="0"/>
-                <a:cs typeface="Courier New" panose="02070309020205020404" pitchFamily="49" charset="0"/>
-              </a:rPr>
-              <a:t> 9:9 </a:t>
-            </a:r>
-            <a:r>
-              <a:rPr kumimoji="0" lang="ru-RU" altLang="ru-RU" sz="2000" b="1" i="0" u="none" strike="noStrike" cap="none" normalizeH="0" baseline="0" dirty="0" err="1" smtClean="0">
-                <a:ln>
-                  <a:noFill/>
-                </a:ln>
-                <a:effectLst/>
-                <a:latin typeface="Courier New" panose="02070309020205020404" pitchFamily="49" charset="0"/>
-                <a:cs typeface="Courier New" panose="02070309020205020404" pitchFamily="49" charset="0"/>
-              </a:rPr>
-              <a:t>missing</a:t>
-            </a:r>
-            <a:r>
-              <a:rPr kumimoji="0" lang="ru-RU" altLang="ru-RU" sz="2000" b="1" i="0" u="none" strike="noStrike" cap="none" normalizeH="0" baseline="0" dirty="0" smtClean="0">
-                <a:ln>
-                  <a:noFill/>
-                </a:ln>
-                <a:effectLst/>
-                <a:latin typeface="Courier New" panose="02070309020205020404" pitchFamily="49" charset="0"/>
-                <a:cs typeface="Courier New" panose="02070309020205020404" pitchFamily="49" charset="0"/>
-              </a:rPr>
-              <a:t> INTEGER </a:t>
-            </a:r>
-            <a:r>
-              <a:rPr kumimoji="0" lang="ru-RU" altLang="ru-RU" sz="2000" b="1" i="0" u="none" strike="noStrike" cap="none" normalizeH="0" baseline="0" dirty="0" err="1" smtClean="0">
-                <a:ln>
-                  <a:noFill/>
-                </a:ln>
-                <a:effectLst/>
-                <a:latin typeface="Courier New" panose="02070309020205020404" pitchFamily="49" charset="0"/>
-                <a:cs typeface="Courier New" panose="02070309020205020404" pitchFamily="49" charset="0"/>
-              </a:rPr>
-              <a:t>at</a:t>
-            </a:r>
-            <a:r>
-              <a:rPr kumimoji="0" lang="ru-RU" altLang="ru-RU" sz="2000" b="1" i="0" u="none" strike="noStrike" cap="none" normalizeH="0" baseline="0" dirty="0" smtClean="0">
-                <a:ln>
-                  <a:noFill/>
-                </a:ln>
-                <a:effectLst/>
-                <a:latin typeface="Courier New" panose="02070309020205020404" pitchFamily="49" charset="0"/>
-                <a:cs typeface="Courier New" panose="02070309020205020404" pitchFamily="49" charset="0"/>
-              </a:rPr>
-              <a:t> ']'</a:t>
-            </a:r>
-            <a:endParaRPr kumimoji="0" lang="ru-RU" altLang="ru-RU" sz="2000" b="1" i="0" u="none" strike="noStrike" cap="none" normalizeH="0" baseline="0" dirty="0" smtClean="0">
-              <a:ln>
-                <a:noFill/>
-              </a:ln>
-              <a:effectLst/>
-              <a:latin typeface="Arial" panose="020B0604020202020204" pitchFamily="34" charset="0"/>
-            </a:endParaRPr>
-          </a:p>
-        </p:txBody>
-      </p:sp>
+      </p:pic>
     </p:spTree>
     <p:extLst>
       <p:ext uri="{BB962C8B-B14F-4D97-AF65-F5344CB8AC3E}">
-        <p14:creationId xmlns:p14="http://schemas.microsoft.com/office/powerpoint/2010/main" val="538573671"/>
+        <p14:creationId xmlns:p14="http://schemas.microsoft.com/office/powerpoint/2010/main" val="3094718110"/>
       </p:ext>
     </p:extLst>
   </p:cSld>
@@ -6249,7 +6056,7 @@
       </p:grpSpPr>
       <p:sp>
         <p:nvSpPr>
-          <p:cNvPr id="2" name="Заголовок 1"/>
+          <p:cNvPr id="2" name="Title 1"/>
           <p:cNvSpPr>
             <a:spLocks noGrp="1"/>
           </p:cNvSpPr>
@@ -6259,12 +6066,14 @@
         </p:nvSpPr>
         <p:spPr/>
         <p:txBody>
-          <a:bodyPr/>
+          <a:bodyPr>
+            <a:normAutofit/>
+          </a:bodyPr>
           <a:lstStyle/>
           <a:p>
             <a:r>
               <a:rPr lang="ru-RU" dirty="0" smtClean="0"/>
-              <a:t>Тестирование</a:t>
+              <a:t>Апробация</a:t>
             </a:r>
             <a:endParaRPr lang="ru-RU" dirty="0"/>
           </a:p>
@@ -6272,7 +6081,7 @@
       </p:sp>
       <p:sp>
         <p:nvSpPr>
-          <p:cNvPr id="4" name="Номер слайда 3"/>
+          <p:cNvPr id="4" name="Slide Number Placeholder 3"/>
           <p:cNvSpPr>
             <a:spLocks noGrp="1"/>
           </p:cNvSpPr>
@@ -6293,34 +6102,682 @@
           </a:p>
         </p:txBody>
       </p:sp>
-      <p:pic>
-        <p:nvPicPr>
-          <p:cNvPr id="9" name="Рисунок 8"/>
-          <p:cNvPicPr>
-            <a:picLocks noChangeAspect="1"/>
-          </p:cNvPicPr>
-          <p:nvPr/>
-        </p:nvPicPr>
-        <p:blipFill>
-          <a:blip r:embed="rId2"/>
-          <a:stretch>
-            <a:fillRect/>
-          </a:stretch>
-        </p:blipFill>
+      <p:sp>
+        <p:nvSpPr>
+          <p:cNvPr id="9" name="Объект 7"/>
+          <p:cNvSpPr>
+            <a:spLocks noGrp="1"/>
+          </p:cNvSpPr>
+          <p:nvPr>
+            <p:ph idx="1"/>
+          </p:nvPr>
+        </p:nvSpPr>
         <p:spPr>
           <a:xfrm>
-            <a:off x="1267968" y="2212976"/>
-            <a:ext cx="8442960" cy="4059807"/>
+            <a:off x="914572" y="1966824"/>
+            <a:ext cx="7187012" cy="4671086"/>
+          </a:xfrm>
+          <a:solidFill>
+            <a:schemeClr val="bg1">
+              <a:lumMod val="95000"/>
+            </a:schemeClr>
+          </a:solidFill>
+          <a:ln>
+            <a:solidFill>
+              <a:schemeClr val="tx1"/>
+            </a:solidFill>
+          </a:ln>
+        </p:spPr>
+        <p:txBody>
+          <a:bodyPr>
+            <a:noAutofit/>
+          </a:bodyPr>
+          <a:lstStyle/>
+          <a:p>
+            <a:pPr marL="0" indent="0">
+              <a:buNone/>
+            </a:pPr>
+            <a:r>
+              <a:rPr lang="ru-RU" sz="1600" b="1" dirty="0">
+                <a:latin typeface="Arial" panose="020B0604020202020204" pitchFamily="34" charset="0"/>
+                <a:cs typeface="Arial" panose="020B0604020202020204" pitchFamily="34" charset="0"/>
+              </a:rPr>
+              <a:t>@</a:t>
+            </a:r>
+            <a:r>
+              <a:rPr lang="ru-RU" sz="1600" b="1" dirty="0" err="1">
+                <a:latin typeface="Arial" panose="020B0604020202020204" pitchFamily="34" charset="0"/>
+                <a:cs typeface="Arial" panose="020B0604020202020204" pitchFamily="34" charset="0"/>
+              </a:rPr>
+              <a:t>TestCase</a:t>
+            </a:r>
+            <a:r>
+              <a:rPr lang="ru-RU" sz="1600" dirty="0">
+                <a:latin typeface="Arial" panose="020B0604020202020204" pitchFamily="34" charset="0"/>
+                <a:cs typeface="Arial" panose="020B0604020202020204" pitchFamily="34" charset="0"/>
+              </a:rPr>
+              <a:t> </a:t>
+            </a:r>
+            <a:r>
+              <a:rPr lang="ru-RU" sz="1600" dirty="0" err="1">
+                <a:latin typeface="Arial" panose="020B0604020202020204" pitchFamily="34" charset="0"/>
+                <a:cs typeface="Arial" panose="020B0604020202020204" pitchFamily="34" charset="0"/>
+              </a:rPr>
+              <a:t>test</a:t>
+            </a:r>
+            <a:r>
+              <a:rPr lang="ru-RU" sz="1600" dirty="0">
+                <a:latin typeface="Arial" panose="020B0604020202020204" pitchFamily="34" charset="0"/>
+                <a:cs typeface="Arial" panose="020B0604020202020204" pitchFamily="34" charset="0"/>
+              </a:rPr>
+              <a:t> NVRAM </a:t>
+            </a:r>
+            <a:r>
+              <a:rPr lang="ru-RU" sz="1600" dirty="0" err="1">
+                <a:latin typeface="Arial" panose="020B0604020202020204" pitchFamily="34" charset="0"/>
+                <a:cs typeface="Arial" panose="020B0604020202020204" pitchFamily="34" charset="0"/>
+              </a:rPr>
+              <a:t>functionality</a:t>
+            </a:r>
+            <a:r>
+              <a:rPr lang="ru-RU" sz="1600" dirty="0">
+                <a:latin typeface="Arial" panose="020B0604020202020204" pitchFamily="34" charset="0"/>
+                <a:cs typeface="Arial" panose="020B0604020202020204" pitchFamily="34" charset="0"/>
+              </a:rPr>
+              <a:t> </a:t>
+            </a:r>
+            <a:r>
+              <a:rPr lang="ru-RU" sz="1600" dirty="0" err="1">
+                <a:latin typeface="Arial" panose="020B0604020202020204" pitchFamily="34" charset="0"/>
+                <a:cs typeface="Arial" panose="020B0604020202020204" pitchFamily="34" charset="0"/>
+              </a:rPr>
+              <a:t>of</a:t>
+            </a:r>
+            <a:r>
+              <a:rPr lang="ru-RU" sz="1600" dirty="0">
+                <a:latin typeface="Arial" panose="020B0604020202020204" pitchFamily="34" charset="0"/>
+                <a:cs typeface="Arial" panose="020B0604020202020204" pitchFamily="34" charset="0"/>
+              </a:rPr>
+              <a:t> </a:t>
+            </a:r>
+            <a:r>
+              <a:rPr lang="ru-RU" sz="1600" dirty="0" err="1">
+                <a:latin typeface="Arial" panose="020B0604020202020204" pitchFamily="34" charset="0"/>
+                <a:cs typeface="Arial" panose="020B0604020202020204" pitchFamily="34" charset="0"/>
+              </a:rPr>
+              <a:t>did</a:t>
+            </a:r>
+            <a:r>
+              <a:rPr lang="ru-RU" sz="1600" dirty="0">
+                <a:latin typeface="Arial" panose="020B0604020202020204" pitchFamily="34" charset="0"/>
+                <a:cs typeface="Arial" panose="020B0604020202020204" pitchFamily="34" charset="0"/>
+              </a:rPr>
+              <a:t> </a:t>
+            </a:r>
+            <a:r>
+              <a:rPr lang="ru-RU" sz="1600" dirty="0" smtClean="0">
+                <a:latin typeface="Arial" panose="020B0604020202020204" pitchFamily="34" charset="0"/>
+                <a:cs typeface="Arial" panose="020B0604020202020204" pitchFamily="34" charset="0"/>
+              </a:rPr>
+              <a:t>0xF101 (</a:t>
+            </a:r>
+            <a:r>
+              <a:rPr lang="ru-RU" sz="1600" dirty="0">
+                <a:latin typeface="Arial" panose="020B0604020202020204" pitchFamily="34" charset="0"/>
+                <a:cs typeface="Arial" panose="020B0604020202020204" pitchFamily="34" charset="0"/>
+              </a:rPr>
+              <a:t>Req_NVRAM1)</a:t>
+            </a:r>
+          </a:p>
+          <a:p>
+            <a:pPr marL="0" indent="0">
+              <a:buNone/>
+            </a:pPr>
+            <a:r>
+              <a:rPr lang="ru-RU" sz="1600" b="1" dirty="0">
+                <a:latin typeface="Arial" panose="020B0604020202020204" pitchFamily="34" charset="0"/>
+                <a:cs typeface="Arial" panose="020B0604020202020204" pitchFamily="34" charset="0"/>
+              </a:rPr>
+              <a:t>@</a:t>
+            </a:r>
+            <a:r>
+              <a:rPr lang="ru-RU" sz="1600" b="1" dirty="0" err="1">
+                <a:latin typeface="Arial" panose="020B0604020202020204" pitchFamily="34" charset="0"/>
+                <a:cs typeface="Arial" panose="020B0604020202020204" pitchFamily="34" charset="0"/>
+              </a:rPr>
+              <a:t>Set</a:t>
+            </a:r>
+            <a:r>
+              <a:rPr lang="ru-RU" sz="1600" dirty="0">
+                <a:latin typeface="Arial" panose="020B0604020202020204" pitchFamily="34" charset="0"/>
+                <a:cs typeface="Arial" panose="020B0604020202020204" pitchFamily="34" charset="0"/>
+              </a:rPr>
+              <a:t> </a:t>
+            </a:r>
+            <a:r>
+              <a:rPr lang="ru-RU" sz="1600" dirty="0" err="1">
+                <a:latin typeface="Arial" panose="020B0604020202020204" pitchFamily="34" charset="0"/>
+                <a:cs typeface="Arial" panose="020B0604020202020204" pitchFamily="34" charset="0"/>
+              </a:rPr>
+              <a:t>ignition</a:t>
+            </a:r>
+            <a:r>
+              <a:rPr lang="ru-RU" sz="1600" dirty="0">
+                <a:latin typeface="Arial" panose="020B0604020202020204" pitchFamily="34" charset="0"/>
+                <a:cs typeface="Arial" panose="020B0604020202020204" pitchFamily="34" charset="0"/>
+              </a:rPr>
+              <a:t> </a:t>
+            </a:r>
+            <a:r>
+              <a:rPr lang="ru-RU" sz="1600" dirty="0" err="1">
+                <a:latin typeface="Arial" panose="020B0604020202020204" pitchFamily="34" charset="0"/>
+                <a:cs typeface="Arial" panose="020B0604020202020204" pitchFamily="34" charset="0"/>
+              </a:rPr>
+              <a:t>on</a:t>
+            </a:r>
+            <a:endParaRPr lang="ru-RU" sz="1600" dirty="0">
+              <a:latin typeface="Arial" panose="020B0604020202020204" pitchFamily="34" charset="0"/>
+              <a:cs typeface="Arial" panose="020B0604020202020204" pitchFamily="34" charset="0"/>
+            </a:endParaRPr>
+          </a:p>
+          <a:p>
+            <a:pPr marL="0" indent="0">
+              <a:buNone/>
+            </a:pPr>
+            <a:r>
+              <a:rPr lang="ru-RU" sz="1600" b="1" dirty="0">
+                <a:latin typeface="Arial" panose="020B0604020202020204" pitchFamily="34" charset="0"/>
+                <a:cs typeface="Arial" panose="020B0604020202020204" pitchFamily="34" charset="0"/>
+              </a:rPr>
+              <a:t>@</a:t>
+            </a:r>
+            <a:r>
+              <a:rPr lang="ru-RU" sz="1600" b="1" dirty="0" err="1">
+                <a:latin typeface="Arial" panose="020B0604020202020204" pitchFamily="34" charset="0"/>
+                <a:cs typeface="Arial" panose="020B0604020202020204" pitchFamily="34" charset="0"/>
+              </a:rPr>
+              <a:t>Send</a:t>
+            </a:r>
+            <a:r>
+              <a:rPr lang="ru-RU" sz="1600" dirty="0">
+                <a:latin typeface="Arial" panose="020B0604020202020204" pitchFamily="34" charset="0"/>
+                <a:cs typeface="Arial" panose="020B0604020202020204" pitchFamily="34" charset="0"/>
+              </a:rPr>
+              <a:t> </a:t>
+            </a:r>
+            <a:r>
+              <a:rPr lang="ru-RU" sz="1600" dirty="0" err="1">
+                <a:latin typeface="Arial" panose="020B0604020202020204" pitchFamily="34" charset="0"/>
+                <a:cs typeface="Arial" panose="020B0604020202020204" pitchFamily="34" charset="0"/>
+              </a:rPr>
+              <a:t>request</a:t>
+            </a:r>
+            <a:r>
+              <a:rPr lang="ru-RU" sz="1600" dirty="0">
+                <a:latin typeface="Arial" panose="020B0604020202020204" pitchFamily="34" charset="0"/>
+                <a:cs typeface="Arial" panose="020B0604020202020204" pitchFamily="34" charset="0"/>
+              </a:rPr>
+              <a:t> [2E F1 01 00 01 A5]</a:t>
+            </a:r>
+          </a:p>
+          <a:p>
+            <a:pPr marL="0" indent="0">
+              <a:buNone/>
+            </a:pPr>
+            <a:r>
+              <a:rPr lang="ru-RU" sz="1600" b="1" dirty="0">
+                <a:latin typeface="Arial" panose="020B0604020202020204" pitchFamily="34" charset="0"/>
+                <a:cs typeface="Arial" panose="020B0604020202020204" pitchFamily="34" charset="0"/>
+              </a:rPr>
+              <a:t>@</a:t>
+            </a:r>
+            <a:r>
+              <a:rPr lang="en-US" sz="1600" b="1" dirty="0">
+                <a:latin typeface="Arial" panose="020B0604020202020204" pitchFamily="34" charset="0"/>
+                <a:cs typeface="Arial" panose="020B0604020202020204" pitchFamily="34" charset="0"/>
+              </a:rPr>
+              <a:t>Receive </a:t>
+            </a:r>
+            <a:r>
+              <a:rPr lang="ru-RU" sz="1600" dirty="0" err="1">
+                <a:latin typeface="Arial" panose="020B0604020202020204" pitchFamily="34" charset="0"/>
+                <a:cs typeface="Arial" panose="020B0604020202020204" pitchFamily="34" charset="0"/>
+              </a:rPr>
+              <a:t>response</a:t>
+            </a:r>
+            <a:r>
+              <a:rPr lang="ru-RU" sz="1600" dirty="0">
+                <a:latin typeface="Arial" panose="020B0604020202020204" pitchFamily="34" charset="0"/>
+                <a:cs typeface="Arial" panose="020B0604020202020204" pitchFamily="34" charset="0"/>
+              </a:rPr>
+              <a:t> [6E F1 01]</a:t>
+            </a:r>
+          </a:p>
+          <a:p>
+            <a:pPr marL="0" indent="0">
+              <a:buNone/>
+            </a:pPr>
+            <a:r>
+              <a:rPr lang="ru-RU" sz="1600" b="1" dirty="0">
+                <a:latin typeface="Arial" panose="020B0604020202020204" pitchFamily="34" charset="0"/>
+                <a:cs typeface="Arial" panose="020B0604020202020204" pitchFamily="34" charset="0"/>
+              </a:rPr>
+              <a:t>@</a:t>
+            </a:r>
+            <a:r>
+              <a:rPr lang="ru-RU" sz="1600" b="1" dirty="0" err="1">
+                <a:latin typeface="Arial" panose="020B0604020202020204" pitchFamily="34" charset="0"/>
+                <a:cs typeface="Arial" panose="020B0604020202020204" pitchFamily="34" charset="0"/>
+              </a:rPr>
+              <a:t>Set</a:t>
+            </a:r>
+            <a:r>
+              <a:rPr lang="ru-RU" sz="1600" dirty="0">
+                <a:latin typeface="Arial" panose="020B0604020202020204" pitchFamily="34" charset="0"/>
+                <a:cs typeface="Arial" panose="020B0604020202020204" pitchFamily="34" charset="0"/>
+              </a:rPr>
+              <a:t> </a:t>
+            </a:r>
+            <a:r>
+              <a:rPr lang="ru-RU" sz="1600" dirty="0" err="1">
+                <a:latin typeface="Arial" panose="020B0604020202020204" pitchFamily="34" charset="0"/>
+                <a:cs typeface="Arial" panose="020B0604020202020204" pitchFamily="34" charset="0"/>
+              </a:rPr>
+              <a:t>ignition</a:t>
+            </a:r>
+            <a:r>
+              <a:rPr lang="ru-RU" sz="1600" dirty="0">
+                <a:latin typeface="Arial" panose="020B0604020202020204" pitchFamily="34" charset="0"/>
+                <a:cs typeface="Arial" panose="020B0604020202020204" pitchFamily="34" charset="0"/>
+              </a:rPr>
+              <a:t> </a:t>
+            </a:r>
+            <a:r>
+              <a:rPr lang="ru-RU" sz="1600" dirty="0" err="1">
+                <a:latin typeface="Arial" panose="020B0604020202020204" pitchFamily="34" charset="0"/>
+                <a:cs typeface="Arial" panose="020B0604020202020204" pitchFamily="34" charset="0"/>
+              </a:rPr>
+              <a:t>off</a:t>
+            </a:r>
+            <a:endParaRPr lang="ru-RU" sz="1600" dirty="0">
+              <a:latin typeface="Arial" panose="020B0604020202020204" pitchFamily="34" charset="0"/>
+              <a:cs typeface="Arial" panose="020B0604020202020204" pitchFamily="34" charset="0"/>
+            </a:endParaRPr>
+          </a:p>
+          <a:p>
+            <a:pPr marL="0" indent="0">
+              <a:buNone/>
+            </a:pPr>
+            <a:r>
+              <a:rPr lang="ru-RU" sz="1600" b="1" dirty="0">
+                <a:latin typeface="Arial" panose="020B0604020202020204" pitchFamily="34" charset="0"/>
+                <a:cs typeface="Arial" panose="020B0604020202020204" pitchFamily="34" charset="0"/>
+              </a:rPr>
+              <a:t>@</a:t>
+            </a:r>
+            <a:r>
+              <a:rPr lang="ru-RU" sz="1600" b="1" dirty="0" err="1">
+                <a:latin typeface="Arial" panose="020B0604020202020204" pitchFamily="34" charset="0"/>
+                <a:cs typeface="Arial" panose="020B0604020202020204" pitchFamily="34" charset="0"/>
+              </a:rPr>
+              <a:t>Set</a:t>
+            </a:r>
+            <a:r>
+              <a:rPr lang="ru-RU" sz="1600" dirty="0">
+                <a:latin typeface="Arial" panose="020B0604020202020204" pitchFamily="34" charset="0"/>
+                <a:cs typeface="Arial" panose="020B0604020202020204" pitchFamily="34" charset="0"/>
+              </a:rPr>
+              <a:t> </a:t>
+            </a:r>
+            <a:r>
+              <a:rPr lang="ru-RU" sz="1600" dirty="0" err="1">
+                <a:latin typeface="Arial" panose="020B0604020202020204" pitchFamily="34" charset="0"/>
+                <a:cs typeface="Arial" panose="020B0604020202020204" pitchFamily="34" charset="0"/>
+              </a:rPr>
+              <a:t>ignition</a:t>
+            </a:r>
+            <a:r>
+              <a:rPr lang="ru-RU" sz="1600" dirty="0">
+                <a:latin typeface="Arial" panose="020B0604020202020204" pitchFamily="34" charset="0"/>
+                <a:cs typeface="Arial" panose="020B0604020202020204" pitchFamily="34" charset="0"/>
+              </a:rPr>
+              <a:t> </a:t>
+            </a:r>
+            <a:r>
+              <a:rPr lang="ru-RU" sz="1600" dirty="0" err="1">
+                <a:latin typeface="Arial" panose="020B0604020202020204" pitchFamily="34" charset="0"/>
+                <a:cs typeface="Arial" panose="020B0604020202020204" pitchFamily="34" charset="0"/>
+              </a:rPr>
+              <a:t>on</a:t>
+            </a:r>
+            <a:endParaRPr lang="ru-RU" sz="1600" dirty="0">
+              <a:latin typeface="Arial" panose="020B0604020202020204" pitchFamily="34" charset="0"/>
+              <a:cs typeface="Arial" panose="020B0604020202020204" pitchFamily="34" charset="0"/>
+            </a:endParaRPr>
+          </a:p>
+          <a:p>
+            <a:pPr marL="0" indent="0">
+              <a:buNone/>
+            </a:pPr>
+            <a:r>
+              <a:rPr lang="ru-RU" sz="1600" b="1" dirty="0">
+                <a:latin typeface="Arial" panose="020B0604020202020204" pitchFamily="34" charset="0"/>
+                <a:cs typeface="Arial" panose="020B0604020202020204" pitchFamily="34" charset="0"/>
+              </a:rPr>
+              <a:t>@</a:t>
+            </a:r>
+            <a:r>
+              <a:rPr lang="ru-RU" sz="1600" b="1" dirty="0" err="1">
+                <a:latin typeface="Arial" panose="020B0604020202020204" pitchFamily="34" charset="0"/>
+                <a:cs typeface="Arial" panose="020B0604020202020204" pitchFamily="34" charset="0"/>
+              </a:rPr>
+              <a:t>Repeat</a:t>
+            </a:r>
+            <a:r>
+              <a:rPr lang="ru-RU" sz="1600" dirty="0">
+                <a:latin typeface="Arial" panose="020B0604020202020204" pitchFamily="34" charset="0"/>
+                <a:cs typeface="Arial" panose="020B0604020202020204" pitchFamily="34" charset="0"/>
+              </a:rPr>
+              <a:t>[2][</a:t>
+            </a:r>
+          </a:p>
+          <a:p>
+            <a:pPr marL="0" indent="0">
+              <a:buNone/>
+            </a:pPr>
+            <a:r>
+              <a:rPr lang="ru-RU" sz="1600" dirty="0">
+                <a:latin typeface="Arial" panose="020B0604020202020204" pitchFamily="34" charset="0"/>
+                <a:cs typeface="Arial" panose="020B0604020202020204" pitchFamily="34" charset="0"/>
+              </a:rPr>
+              <a:t>    </a:t>
+            </a:r>
+            <a:r>
+              <a:rPr lang="ru-RU" sz="1600" b="1" dirty="0">
+                <a:latin typeface="Arial" panose="020B0604020202020204" pitchFamily="34" charset="0"/>
+                <a:cs typeface="Arial" panose="020B0604020202020204" pitchFamily="34" charset="0"/>
+              </a:rPr>
+              <a:t>@</a:t>
+            </a:r>
+            <a:r>
+              <a:rPr lang="ru-RU" sz="1600" b="1" dirty="0" err="1">
+                <a:latin typeface="Arial" panose="020B0604020202020204" pitchFamily="34" charset="0"/>
+                <a:cs typeface="Arial" panose="020B0604020202020204" pitchFamily="34" charset="0"/>
+              </a:rPr>
+              <a:t>Send</a:t>
+            </a:r>
+            <a:r>
+              <a:rPr lang="ru-RU" sz="1600" dirty="0">
+                <a:latin typeface="Arial" panose="020B0604020202020204" pitchFamily="34" charset="0"/>
+                <a:cs typeface="Arial" panose="020B0604020202020204" pitchFamily="34" charset="0"/>
+              </a:rPr>
+              <a:t> </a:t>
+            </a:r>
+            <a:r>
+              <a:rPr lang="ru-RU" sz="1600" dirty="0" err="1">
+                <a:latin typeface="Arial" panose="020B0604020202020204" pitchFamily="34" charset="0"/>
+                <a:cs typeface="Arial" panose="020B0604020202020204" pitchFamily="34" charset="0"/>
+              </a:rPr>
+              <a:t>request</a:t>
+            </a:r>
+            <a:r>
+              <a:rPr lang="ru-RU" sz="1600" dirty="0">
+                <a:latin typeface="Arial" panose="020B0604020202020204" pitchFamily="34" charset="0"/>
+                <a:cs typeface="Arial" panose="020B0604020202020204" pitchFamily="34" charset="0"/>
+              </a:rPr>
+              <a:t> [22 F1 01]</a:t>
+            </a:r>
+          </a:p>
+          <a:p>
+            <a:pPr marL="0" indent="0">
+              <a:buNone/>
+            </a:pPr>
+            <a:r>
+              <a:rPr lang="ru-RU" sz="1600" dirty="0">
+                <a:latin typeface="Arial" panose="020B0604020202020204" pitchFamily="34" charset="0"/>
+                <a:cs typeface="Arial" panose="020B0604020202020204" pitchFamily="34" charset="0"/>
+              </a:rPr>
+              <a:t>    </a:t>
+            </a:r>
+            <a:r>
+              <a:rPr lang="ru-RU" sz="1600" b="1" dirty="0">
+                <a:latin typeface="Arial" panose="020B0604020202020204" pitchFamily="34" charset="0"/>
+                <a:cs typeface="Arial" panose="020B0604020202020204" pitchFamily="34" charset="0"/>
+              </a:rPr>
+              <a:t>@</a:t>
+            </a:r>
+            <a:r>
+              <a:rPr lang="ru-RU" sz="1600" b="1" dirty="0" err="1">
+                <a:latin typeface="Arial" panose="020B0604020202020204" pitchFamily="34" charset="0"/>
+                <a:cs typeface="Arial" panose="020B0604020202020204" pitchFamily="34" charset="0"/>
+              </a:rPr>
+              <a:t>Pause</a:t>
+            </a:r>
+            <a:r>
+              <a:rPr lang="ru-RU" sz="1600" dirty="0">
+                <a:latin typeface="Arial" panose="020B0604020202020204" pitchFamily="34" charset="0"/>
+                <a:cs typeface="Arial" panose="020B0604020202020204" pitchFamily="34" charset="0"/>
+              </a:rPr>
+              <a:t> [100] </a:t>
+            </a:r>
+            <a:r>
+              <a:rPr lang="ru-RU" sz="1600" dirty="0" err="1">
+                <a:latin typeface="Arial" panose="020B0604020202020204" pitchFamily="34" charset="0"/>
+                <a:cs typeface="Arial" panose="020B0604020202020204" pitchFamily="34" charset="0"/>
+              </a:rPr>
+              <a:t>ms</a:t>
+            </a:r>
+            <a:endParaRPr lang="ru-RU" sz="1600" dirty="0">
+              <a:latin typeface="Arial" panose="020B0604020202020204" pitchFamily="34" charset="0"/>
+              <a:cs typeface="Arial" panose="020B0604020202020204" pitchFamily="34" charset="0"/>
+            </a:endParaRPr>
+          </a:p>
+          <a:p>
+            <a:pPr marL="0" indent="0">
+              <a:buNone/>
+            </a:pPr>
+            <a:r>
+              <a:rPr lang="ru-RU" sz="1600" dirty="0">
+                <a:latin typeface="Arial" panose="020B0604020202020204" pitchFamily="34" charset="0"/>
+                <a:cs typeface="Arial" panose="020B0604020202020204" pitchFamily="34" charset="0"/>
+              </a:rPr>
+              <a:t>    </a:t>
+            </a:r>
+            <a:r>
+              <a:rPr lang="ru-RU" sz="1600" b="1" dirty="0">
+                <a:latin typeface="Arial" panose="020B0604020202020204" pitchFamily="34" charset="0"/>
+                <a:cs typeface="Arial" panose="020B0604020202020204" pitchFamily="34" charset="0"/>
+              </a:rPr>
+              <a:t>@</a:t>
+            </a:r>
+            <a:r>
+              <a:rPr lang="en-US" sz="1600" b="1" dirty="0">
+                <a:latin typeface="Arial" panose="020B0604020202020204" pitchFamily="34" charset="0"/>
+                <a:cs typeface="Arial" panose="020B0604020202020204" pitchFamily="34" charset="0"/>
+              </a:rPr>
+              <a:t>Receive</a:t>
+            </a:r>
+            <a:r>
+              <a:rPr lang="en-US" sz="1600" dirty="0">
+                <a:latin typeface="Arial" panose="020B0604020202020204" pitchFamily="34" charset="0"/>
+                <a:cs typeface="Arial" panose="020B0604020202020204" pitchFamily="34" charset="0"/>
+              </a:rPr>
+              <a:t> </a:t>
+            </a:r>
+            <a:r>
+              <a:rPr lang="ru-RU" sz="1600" dirty="0" err="1">
+                <a:latin typeface="Arial" panose="020B0604020202020204" pitchFamily="34" charset="0"/>
+                <a:cs typeface="Arial" panose="020B0604020202020204" pitchFamily="34" charset="0"/>
+              </a:rPr>
+              <a:t>response</a:t>
+            </a:r>
+            <a:r>
+              <a:rPr lang="ru-RU" sz="1600" dirty="0">
+                <a:latin typeface="Arial" panose="020B0604020202020204" pitchFamily="34" charset="0"/>
+                <a:cs typeface="Arial" panose="020B0604020202020204" pitchFamily="34" charset="0"/>
+              </a:rPr>
+              <a:t> [62 F1 01 00 01 A5]</a:t>
+            </a:r>
+          </a:p>
+          <a:p>
+            <a:pPr marL="0" indent="0">
+              <a:buNone/>
+            </a:pPr>
+            <a:r>
+              <a:rPr lang="ru-RU" sz="1600" dirty="0">
+                <a:latin typeface="Arial" panose="020B0604020202020204" pitchFamily="34" charset="0"/>
+                <a:cs typeface="Arial" panose="020B0604020202020204" pitchFamily="34" charset="0"/>
+              </a:rPr>
+              <a:t>]</a:t>
+            </a:r>
+          </a:p>
+          <a:p>
+            <a:pPr marL="0" indent="0">
+              <a:buNone/>
+            </a:pPr>
+            <a:r>
+              <a:rPr lang="ru-RU" sz="1600" b="1" dirty="0">
+                <a:latin typeface="Arial" panose="020B0604020202020204" pitchFamily="34" charset="0"/>
+                <a:cs typeface="Arial" panose="020B0604020202020204" pitchFamily="34" charset="0"/>
+              </a:rPr>
+              <a:t>@</a:t>
+            </a:r>
+            <a:r>
+              <a:rPr lang="ru-RU" sz="1600" b="1" dirty="0" err="1">
+                <a:latin typeface="Arial" panose="020B0604020202020204" pitchFamily="34" charset="0"/>
+                <a:cs typeface="Arial" panose="020B0604020202020204" pitchFamily="34" charset="0"/>
+              </a:rPr>
+              <a:t>Set</a:t>
+            </a:r>
+            <a:r>
+              <a:rPr lang="ru-RU" sz="1600" dirty="0">
+                <a:latin typeface="Arial" panose="020B0604020202020204" pitchFamily="34" charset="0"/>
+                <a:cs typeface="Arial" panose="020B0604020202020204" pitchFamily="34" charset="0"/>
+              </a:rPr>
+              <a:t> </a:t>
+            </a:r>
+            <a:r>
+              <a:rPr lang="ru-RU" sz="1600" dirty="0" err="1">
+                <a:latin typeface="Arial" panose="020B0604020202020204" pitchFamily="34" charset="0"/>
+                <a:cs typeface="Arial" panose="020B0604020202020204" pitchFamily="34" charset="0"/>
+              </a:rPr>
+              <a:t>ignition</a:t>
+            </a:r>
+            <a:r>
+              <a:rPr lang="ru-RU" sz="1600" dirty="0">
+                <a:latin typeface="Arial" panose="020B0604020202020204" pitchFamily="34" charset="0"/>
+                <a:cs typeface="Arial" panose="020B0604020202020204" pitchFamily="34" charset="0"/>
+              </a:rPr>
+              <a:t> </a:t>
+            </a:r>
+            <a:r>
+              <a:rPr lang="ru-RU" sz="1600" dirty="0" err="1">
+                <a:latin typeface="Arial" panose="020B0604020202020204" pitchFamily="34" charset="0"/>
+                <a:cs typeface="Arial" panose="020B0604020202020204" pitchFamily="34" charset="0"/>
+              </a:rPr>
+              <a:t>off</a:t>
+            </a:r>
+            <a:endParaRPr lang="ru-RU" sz="1600" dirty="0">
+              <a:latin typeface="Arial" panose="020B0604020202020204" pitchFamily="34" charset="0"/>
+              <a:cs typeface="Arial" panose="020B0604020202020204" pitchFamily="34" charset="0"/>
+            </a:endParaRPr>
+          </a:p>
+        </p:txBody>
+      </p:sp>
+      <p:sp>
+        <p:nvSpPr>
+          <p:cNvPr id="3" name="Прямоугольник 2"/>
+          <p:cNvSpPr/>
+          <p:nvPr/>
+        </p:nvSpPr>
+        <p:spPr>
+          <a:xfrm>
+            <a:off x="5034837" y="4070562"/>
+            <a:ext cx="6596331" cy="1200329"/>
           </a:xfrm>
           <a:prstGeom prst="rect">
             <a:avLst/>
           </a:prstGeom>
+          <a:solidFill>
+            <a:schemeClr val="bg1"/>
+          </a:solidFill>
+          <a:ln>
+            <a:solidFill>
+              <a:schemeClr val="tx1"/>
+            </a:solidFill>
+          </a:ln>
         </p:spPr>
-      </p:pic>
+        <p:txBody>
+          <a:bodyPr wrap="square">
+            <a:spAutoFit/>
+          </a:bodyPr>
+          <a:lstStyle/>
+          <a:p>
+            <a:r>
+              <a:rPr lang="ru-RU" dirty="0" err="1"/>
+              <a:t>TestCase</a:t>
+            </a:r>
+            <a:r>
+              <a:rPr lang="ru-RU" dirty="0"/>
+              <a:t> </a:t>
+            </a:r>
+            <a:r>
+              <a:rPr lang="ru-RU" dirty="0" err="1"/>
+              <a:t>test</a:t>
+            </a:r>
+            <a:r>
+              <a:rPr lang="ru-RU" dirty="0"/>
+              <a:t> NVRAM </a:t>
+            </a:r>
+            <a:r>
+              <a:rPr lang="ru-RU" dirty="0" err="1"/>
+              <a:t>functionality</a:t>
+            </a:r>
+            <a:r>
+              <a:rPr lang="ru-RU" dirty="0"/>
+              <a:t> </a:t>
+            </a:r>
+            <a:r>
+              <a:rPr lang="ru-RU" dirty="0" err="1"/>
+              <a:t>of</a:t>
+            </a:r>
+            <a:r>
+              <a:rPr lang="ru-RU" dirty="0"/>
+              <a:t> </a:t>
+            </a:r>
+            <a:r>
+              <a:rPr lang="ru-RU" dirty="0" err="1"/>
+              <a:t>did</a:t>
+            </a:r>
+            <a:r>
+              <a:rPr lang="ru-RU" dirty="0"/>
+              <a:t> 0xF101 (Req_NVRAM1)</a:t>
+            </a:r>
+          </a:p>
+          <a:p>
+            <a:r>
+              <a:rPr lang="ru-RU" dirty="0"/>
+              <a:t>[6E F1 01] SUCCESS</a:t>
+            </a:r>
+          </a:p>
+          <a:p>
+            <a:r>
+              <a:rPr lang="ru-RU" dirty="0"/>
+              <a:t>[62 F1 01 00 01 A5] FAILED: [7F 22 31]</a:t>
+            </a:r>
+          </a:p>
+          <a:p>
+            <a:r>
+              <a:rPr lang="ru-RU" dirty="0"/>
+              <a:t>[62 F1 01 00 01 A5] FAILED: [7F 22 31]</a:t>
+            </a:r>
+          </a:p>
+        </p:txBody>
+      </p:sp>
     </p:spTree>
     <p:extLst>
       <p:ext uri="{BB962C8B-B14F-4D97-AF65-F5344CB8AC3E}">
-        <p14:creationId xmlns:p14="http://schemas.microsoft.com/office/powerpoint/2010/main" val="3094718110"/>
+        <p14:creationId xmlns:p14="http://schemas.microsoft.com/office/powerpoint/2010/main" val="2456218986"/>
       </p:ext>
     </p:extLst>
   </p:cSld>
@@ -6366,14 +6823,178 @@
         </p:nvSpPr>
         <p:spPr/>
         <p:txBody>
+          <a:bodyPr/>
+          <a:lstStyle/>
+          <a:p>
+            <a:r>
+              <a:rPr lang="ru-RU" dirty="0" smtClean="0"/>
+              <a:t>Заключение</a:t>
+            </a:r>
+            <a:endParaRPr lang="ru-RU" dirty="0"/>
+          </a:p>
+        </p:txBody>
+      </p:sp>
+      <p:sp>
+        <p:nvSpPr>
+          <p:cNvPr id="3" name="Content Placeholder 2"/>
+          <p:cNvSpPr>
+            <a:spLocks noGrp="1"/>
+          </p:cNvSpPr>
+          <p:nvPr>
+            <p:ph idx="1"/>
+          </p:nvPr>
+        </p:nvSpPr>
+        <p:spPr/>
+        <p:txBody>
           <a:bodyPr>
             <a:normAutofit/>
           </a:bodyPr>
           <a:lstStyle/>
           <a:p>
             <a:r>
+              <a:rPr lang="ru-RU" dirty="0" smtClean="0"/>
+              <a:t>Разработан </a:t>
+            </a:r>
+            <a:r>
               <a:rPr lang="ru-RU" dirty="0"/>
-              <a:t>Описание полученных результатов </a:t>
+              <a:t>язык</a:t>
+            </a:r>
+          </a:p>
+          <a:p>
+            <a:pPr lvl="1"/>
+            <a:r>
+              <a:rPr lang="ru-RU" dirty="0"/>
+              <a:t>Язык </a:t>
+            </a:r>
+            <a:r>
+              <a:rPr lang="ru-RU" dirty="0" smtClean="0"/>
+              <a:t>позволяет </a:t>
+            </a:r>
+            <a:r>
+              <a:rPr lang="ru-RU" dirty="0"/>
+              <a:t>пользователям описывать инструкции для тестовых сценариев в форме, оговариваемой внутри бизнес-команды.</a:t>
+            </a:r>
+          </a:p>
+          <a:p>
+            <a:pPr lvl="1"/>
+            <a:r>
+              <a:rPr lang="ru-RU" dirty="0"/>
+              <a:t>Синтаксис языка </a:t>
+            </a:r>
+            <a:r>
+              <a:rPr lang="ru-RU" dirty="0" smtClean="0"/>
+              <a:t>позволяет </a:t>
+            </a:r>
+            <a:r>
+              <a:rPr lang="ru-RU" dirty="0"/>
+              <a:t>описывать несколько тестовых сценариев в документе.</a:t>
+            </a:r>
+          </a:p>
+          <a:p>
+            <a:r>
+              <a:rPr lang="ru-RU" dirty="0" smtClean="0"/>
+              <a:t>Реализован </a:t>
+            </a:r>
+            <a:r>
+              <a:rPr lang="ru-RU" dirty="0"/>
+              <a:t>интерпретатор</a:t>
+            </a:r>
+          </a:p>
+          <a:p>
+            <a:pPr lvl="1"/>
+            <a:r>
+              <a:rPr lang="ru-RU" dirty="0"/>
+              <a:t>Тестовые сценарии </a:t>
+            </a:r>
+            <a:r>
+              <a:rPr lang="ru-RU" dirty="0" smtClean="0"/>
+              <a:t>выполняются </a:t>
+            </a:r>
+            <a:r>
+              <a:rPr lang="ru-RU" dirty="0"/>
+              <a:t>в той очередности, в которой описаны в документе.</a:t>
+            </a:r>
+          </a:p>
+          <a:p>
+            <a:pPr lvl="1"/>
+            <a:r>
+              <a:rPr lang="ru-RU" dirty="0" smtClean="0"/>
+              <a:t>Реализована </a:t>
+            </a:r>
+            <a:r>
+              <a:rPr lang="ru-RU" dirty="0"/>
+              <a:t>возможность работы с шинами </a:t>
+            </a:r>
+            <a:r>
+              <a:rPr lang="en-US" dirty="0"/>
+              <a:t>CAN </a:t>
+            </a:r>
+            <a:r>
+              <a:rPr lang="ru-RU" dirty="0"/>
+              <a:t>и </a:t>
+            </a:r>
+            <a:r>
+              <a:rPr lang="en-US" dirty="0" err="1"/>
+              <a:t>FlexRay</a:t>
+            </a:r>
+            <a:r>
+              <a:rPr lang="ru-RU" dirty="0"/>
+              <a:t>.</a:t>
+            </a:r>
+          </a:p>
+          <a:p>
+            <a:pPr lvl="1"/>
+            <a:r>
+              <a:rPr lang="ru-RU" dirty="0"/>
+              <a:t>Результаты выполнения </a:t>
+            </a:r>
+            <a:r>
+              <a:rPr lang="ru-RU" dirty="0" smtClean="0"/>
+              <a:t>тестов сохраняются </a:t>
+            </a:r>
+            <a:r>
+              <a:rPr lang="ru-RU" dirty="0"/>
+              <a:t>в файл</a:t>
+            </a:r>
+            <a:r>
+              <a:rPr lang="ru-RU" dirty="0" smtClean="0"/>
+              <a:t>.</a:t>
+            </a:r>
+          </a:p>
+          <a:p>
+            <a:r>
+              <a:rPr lang="ru-RU" dirty="0" smtClean="0"/>
+              <a:t>Проверено качество решения </a:t>
+            </a:r>
+          </a:p>
+          <a:p>
+            <a:pPr lvl="1"/>
+            <a:r>
+              <a:rPr lang="ru-RU" dirty="0" smtClean="0"/>
+              <a:t>Выполнено модульное тестирование интерпретатора.</a:t>
+            </a:r>
+          </a:p>
+          <a:p>
+            <a:pPr lvl="1"/>
+            <a:r>
+              <a:rPr lang="ru-RU" dirty="0" smtClean="0"/>
+              <a:t>Проведен опрос </a:t>
+            </a:r>
+            <a:r>
+              <a:rPr lang="ru-RU" dirty="0"/>
+              <a:t>среди потенциальных пользователей </a:t>
+            </a:r>
+            <a:r>
+              <a:rPr lang="ru-RU" dirty="0" smtClean="0"/>
+              <a:t>для </a:t>
+            </a:r>
+            <a:r>
+              <a:rPr lang="ru-RU" dirty="0"/>
+              <a:t>выявления степени удобства </a:t>
+            </a:r>
+            <a:r>
+              <a:rPr lang="ru-RU" dirty="0" smtClean="0"/>
+              <a:t>использования языка.</a:t>
             </a:r>
           </a:p>
         </p:txBody>
@@ -6401,415 +7022,10 @@
           </a:p>
         </p:txBody>
       </p:sp>
-      <p:sp>
-        <p:nvSpPr>
-          <p:cNvPr id="6" name="Прямоугольник 5"/>
-          <p:cNvSpPr/>
-          <p:nvPr/>
-        </p:nvSpPr>
-        <p:spPr>
-          <a:xfrm>
-            <a:off x="396240" y="2093976"/>
-            <a:ext cx="5151120" cy="4247317"/>
-          </a:xfrm>
-          <a:prstGeom prst="rect">
-            <a:avLst/>
-          </a:prstGeom>
-          <a:solidFill>
-            <a:schemeClr val="accent5">
-              <a:lumMod val="20000"/>
-              <a:lumOff val="80000"/>
-            </a:schemeClr>
-          </a:solidFill>
-        </p:spPr>
-        <p:txBody>
-          <a:bodyPr wrap="square">
-            <a:spAutoFit/>
-          </a:bodyPr>
-          <a:lstStyle/>
-          <a:p>
-            <a:r>
-              <a:rPr lang="ru-RU" b="1" dirty="0"/>
-              <a:t>@</a:t>
-            </a:r>
-            <a:r>
-              <a:rPr lang="ru-RU" b="1" dirty="0" err="1"/>
-              <a:t>TestCase</a:t>
-            </a:r>
-            <a:r>
-              <a:rPr lang="ru-RU" dirty="0"/>
-              <a:t> </a:t>
-            </a:r>
-            <a:r>
-              <a:rPr lang="ru-RU" dirty="0" err="1"/>
-              <a:t>test</a:t>
-            </a:r>
-            <a:r>
-              <a:rPr lang="ru-RU" dirty="0"/>
-              <a:t> NVRAM </a:t>
-            </a:r>
-            <a:r>
-              <a:rPr lang="ru-RU" dirty="0" err="1"/>
-              <a:t>functionallity</a:t>
-            </a:r>
-            <a:r>
-              <a:rPr lang="ru-RU" dirty="0"/>
-              <a:t> </a:t>
-            </a:r>
-            <a:r>
-              <a:rPr lang="ru-RU" dirty="0" err="1"/>
-              <a:t>of</a:t>
-            </a:r>
-            <a:r>
-              <a:rPr lang="ru-RU" dirty="0"/>
-              <a:t> </a:t>
-            </a:r>
-            <a:r>
-              <a:rPr lang="ru-RU" dirty="0" err="1" smtClean="0"/>
-              <a:t>did</a:t>
-            </a:r>
-            <a:endParaRPr lang="en-US" dirty="0" smtClean="0"/>
-          </a:p>
-          <a:p>
-            <a:r>
-              <a:rPr lang="ru-RU" dirty="0" smtClean="0"/>
-              <a:t> 0xF101</a:t>
-            </a:r>
-            <a:r>
-              <a:rPr lang="en-US" dirty="0" smtClean="0"/>
-              <a:t> </a:t>
-            </a:r>
-            <a:r>
-              <a:rPr lang="ru-RU" dirty="0" smtClean="0"/>
-              <a:t>(Req_NVRAM1)</a:t>
-            </a:r>
-          </a:p>
-          <a:p>
-            <a:endParaRPr lang="ru-RU" dirty="0"/>
-          </a:p>
-          <a:p>
-            <a:r>
-              <a:rPr lang="ru-RU" b="1" dirty="0"/>
-              <a:t>@</a:t>
-            </a:r>
-            <a:r>
-              <a:rPr lang="ru-RU" b="1" dirty="0" err="1"/>
-              <a:t>Set</a:t>
-            </a:r>
-            <a:r>
-              <a:rPr lang="ru-RU" dirty="0"/>
-              <a:t> </a:t>
-            </a:r>
-            <a:r>
-              <a:rPr lang="ru-RU" dirty="0" err="1"/>
-              <a:t>ignition</a:t>
-            </a:r>
-            <a:r>
-              <a:rPr lang="ru-RU" dirty="0"/>
-              <a:t> </a:t>
-            </a:r>
-            <a:r>
-              <a:rPr lang="ru-RU" dirty="0" err="1"/>
-              <a:t>on</a:t>
-            </a:r>
-            <a:endParaRPr lang="ru-RU" dirty="0"/>
-          </a:p>
-          <a:p>
-            <a:r>
-              <a:rPr lang="ru-RU" b="1" dirty="0"/>
-              <a:t>@</a:t>
-            </a:r>
-            <a:r>
-              <a:rPr lang="ru-RU" b="1" dirty="0" err="1"/>
-              <a:t>Send</a:t>
-            </a:r>
-            <a:r>
-              <a:rPr lang="ru-RU" dirty="0"/>
-              <a:t> </a:t>
-            </a:r>
-            <a:r>
-              <a:rPr lang="ru-RU" dirty="0" err="1"/>
-              <a:t>request</a:t>
-            </a:r>
-            <a:r>
-              <a:rPr lang="ru-RU" dirty="0"/>
-              <a:t> [2E F1 01 00 01 A5]</a:t>
-            </a:r>
-          </a:p>
-          <a:p>
-            <a:r>
-              <a:rPr lang="ru-RU" b="1" dirty="0"/>
-              <a:t>@</a:t>
-            </a:r>
-            <a:r>
-              <a:rPr lang="ru-RU" b="1" dirty="0" err="1"/>
-              <a:t>Recieve</a:t>
-            </a:r>
-            <a:r>
-              <a:rPr lang="ru-RU" dirty="0"/>
-              <a:t> </a:t>
-            </a:r>
-            <a:r>
-              <a:rPr lang="ru-RU" dirty="0" err="1"/>
-              <a:t>response</a:t>
-            </a:r>
-            <a:r>
-              <a:rPr lang="ru-RU" dirty="0"/>
-              <a:t> [6E F1 01]</a:t>
-            </a:r>
-          </a:p>
-          <a:p>
-            <a:r>
-              <a:rPr lang="ru-RU" b="1" dirty="0"/>
-              <a:t>@</a:t>
-            </a:r>
-            <a:r>
-              <a:rPr lang="ru-RU" b="1" dirty="0" err="1"/>
-              <a:t>Set</a:t>
-            </a:r>
-            <a:r>
-              <a:rPr lang="ru-RU" dirty="0"/>
-              <a:t> </a:t>
-            </a:r>
-            <a:r>
-              <a:rPr lang="ru-RU" dirty="0" err="1"/>
-              <a:t>ignition</a:t>
-            </a:r>
-            <a:r>
-              <a:rPr lang="ru-RU" dirty="0"/>
-              <a:t> </a:t>
-            </a:r>
-            <a:r>
-              <a:rPr lang="ru-RU" dirty="0" err="1"/>
-              <a:t>off</a:t>
-            </a:r>
-            <a:endParaRPr lang="ru-RU" dirty="0"/>
-          </a:p>
-          <a:p>
-            <a:endParaRPr lang="ru-RU" dirty="0"/>
-          </a:p>
-          <a:p>
-            <a:r>
-              <a:rPr lang="ru-RU" b="1" dirty="0"/>
-              <a:t>@</a:t>
-            </a:r>
-            <a:r>
-              <a:rPr lang="ru-RU" b="1" dirty="0" err="1"/>
-              <a:t>Set</a:t>
-            </a:r>
-            <a:r>
-              <a:rPr lang="ru-RU" dirty="0"/>
-              <a:t> </a:t>
-            </a:r>
-            <a:r>
-              <a:rPr lang="ru-RU" dirty="0" err="1"/>
-              <a:t>ignition</a:t>
-            </a:r>
-            <a:r>
-              <a:rPr lang="ru-RU" dirty="0"/>
-              <a:t> </a:t>
-            </a:r>
-            <a:r>
-              <a:rPr lang="ru-RU" dirty="0" err="1"/>
-              <a:t>on</a:t>
-            </a:r>
-            <a:endParaRPr lang="ru-RU" dirty="0"/>
-          </a:p>
-          <a:p>
-            <a:r>
-              <a:rPr lang="ru-RU" b="1" dirty="0"/>
-              <a:t>@</a:t>
-            </a:r>
-            <a:r>
-              <a:rPr lang="ru-RU" b="1" dirty="0" err="1"/>
-              <a:t>Repeat</a:t>
-            </a:r>
-            <a:r>
-              <a:rPr lang="ru-RU" dirty="0"/>
-              <a:t>[2][</a:t>
-            </a:r>
-          </a:p>
-          <a:p>
-            <a:r>
-              <a:rPr lang="ru-RU" dirty="0"/>
-              <a:t>    </a:t>
-            </a:r>
-            <a:r>
-              <a:rPr lang="ru-RU" b="1" dirty="0"/>
-              <a:t>@</a:t>
-            </a:r>
-            <a:r>
-              <a:rPr lang="ru-RU" dirty="0" err="1"/>
-              <a:t>Send</a:t>
-            </a:r>
-            <a:r>
-              <a:rPr lang="ru-RU" dirty="0"/>
-              <a:t> </a:t>
-            </a:r>
-            <a:r>
-              <a:rPr lang="ru-RU" dirty="0" err="1"/>
-              <a:t>request</a:t>
-            </a:r>
-            <a:r>
-              <a:rPr lang="ru-RU" dirty="0"/>
-              <a:t> [22 F1 01]</a:t>
-            </a:r>
-          </a:p>
-          <a:p>
-            <a:r>
-              <a:rPr lang="ru-RU" dirty="0"/>
-              <a:t>    </a:t>
-            </a:r>
-            <a:r>
-              <a:rPr lang="ru-RU" b="1" dirty="0"/>
-              <a:t>@</a:t>
-            </a:r>
-            <a:r>
-              <a:rPr lang="ru-RU" dirty="0" err="1"/>
-              <a:t>Pause</a:t>
-            </a:r>
-            <a:r>
-              <a:rPr lang="ru-RU" dirty="0"/>
-              <a:t> [100] </a:t>
-            </a:r>
-            <a:r>
-              <a:rPr lang="ru-RU" dirty="0" err="1"/>
-              <a:t>ms</a:t>
-            </a:r>
-            <a:endParaRPr lang="ru-RU" dirty="0"/>
-          </a:p>
-          <a:p>
-            <a:r>
-              <a:rPr lang="ru-RU" dirty="0"/>
-              <a:t>    </a:t>
-            </a:r>
-            <a:r>
-              <a:rPr lang="ru-RU" b="1" dirty="0"/>
-              <a:t>@</a:t>
-            </a:r>
-            <a:r>
-              <a:rPr lang="ru-RU" dirty="0" err="1"/>
-              <a:t>Recieve</a:t>
-            </a:r>
-            <a:r>
-              <a:rPr lang="ru-RU" dirty="0"/>
-              <a:t> </a:t>
-            </a:r>
-            <a:r>
-              <a:rPr lang="ru-RU" dirty="0" err="1"/>
-              <a:t>response</a:t>
-            </a:r>
-            <a:r>
-              <a:rPr lang="ru-RU" dirty="0"/>
-              <a:t> [62 F1 01 00 01 A5]</a:t>
-            </a:r>
-          </a:p>
-          <a:p>
-            <a:r>
-              <a:rPr lang="ru-RU" dirty="0"/>
-              <a:t>]</a:t>
-            </a:r>
-          </a:p>
-          <a:p>
-            <a:r>
-              <a:rPr lang="ru-RU" b="1" dirty="0"/>
-              <a:t>@</a:t>
-            </a:r>
-            <a:r>
-              <a:rPr lang="ru-RU" b="1" dirty="0" err="1"/>
-              <a:t>Set</a:t>
-            </a:r>
-            <a:r>
-              <a:rPr lang="ru-RU" dirty="0"/>
-              <a:t> </a:t>
-            </a:r>
-            <a:r>
-              <a:rPr lang="ru-RU" dirty="0" err="1"/>
-              <a:t>ignition</a:t>
-            </a:r>
-            <a:r>
-              <a:rPr lang="ru-RU" dirty="0"/>
-              <a:t> </a:t>
-            </a:r>
-            <a:r>
-              <a:rPr lang="ru-RU" dirty="0" err="1"/>
-              <a:t>off</a:t>
-            </a:r>
-            <a:endParaRPr lang="ru-RU" dirty="0"/>
-          </a:p>
-        </p:txBody>
-      </p:sp>
-      <p:pic>
-        <p:nvPicPr>
-          <p:cNvPr id="7" name="Рисунок 6"/>
-          <p:cNvPicPr>
-            <a:picLocks noChangeAspect="1"/>
-          </p:cNvPicPr>
-          <p:nvPr/>
-        </p:nvPicPr>
-        <p:blipFill>
-          <a:blip r:embed="rId2"/>
-          <a:stretch>
-            <a:fillRect/>
-          </a:stretch>
-        </p:blipFill>
-        <p:spPr>
-          <a:xfrm>
-            <a:off x="5919986" y="3823418"/>
-            <a:ext cx="6026150" cy="1655064"/>
-          </a:xfrm>
-          <a:prstGeom prst="rect">
-            <a:avLst/>
-          </a:prstGeom>
-          <a:solidFill>
-            <a:srgbClr val="D3F5F9"/>
-          </a:solidFill>
-        </p:spPr>
-      </p:pic>
-      <p:sp>
-        <p:nvSpPr>
-          <p:cNvPr id="8" name="Прямоугольник 7"/>
-          <p:cNvSpPr/>
-          <p:nvPr/>
-        </p:nvSpPr>
-        <p:spPr>
-          <a:xfrm>
-            <a:off x="5919986" y="3361753"/>
-            <a:ext cx="3110339" cy="461665"/>
-          </a:xfrm>
-          <a:prstGeom prst="rect">
-            <a:avLst/>
-          </a:prstGeom>
-        </p:spPr>
-        <p:txBody>
-          <a:bodyPr wrap="none">
-            <a:spAutoFit/>
-          </a:bodyPr>
-          <a:lstStyle/>
-          <a:p>
-            <a:r>
-              <a:rPr lang="ru-RU" sz="2400" b="1" i="1" dirty="0" smtClean="0">
-                <a:solidFill>
-                  <a:srgbClr val="002060"/>
-                </a:solidFill>
-                <a:latin typeface="Calibri" panose="020F0502020204030204" pitchFamily="34" charset="0"/>
-                <a:ea typeface="Calibri" panose="020F0502020204030204" pitchFamily="34" charset="0"/>
-                <a:cs typeface="Times New Roman" panose="02020603050405020304" pitchFamily="18" charset="0"/>
-              </a:rPr>
-              <a:t>Результаты теста:</a:t>
-            </a:r>
-            <a:endParaRPr lang="ru-RU" sz="2400" b="1" i="1" dirty="0">
-              <a:solidFill>
-                <a:srgbClr val="002060"/>
-              </a:solidFill>
-            </a:endParaRPr>
-          </a:p>
-        </p:txBody>
-      </p:sp>
     </p:spTree>
     <p:extLst>
       <p:ext uri="{BB962C8B-B14F-4D97-AF65-F5344CB8AC3E}">
-        <p14:creationId xmlns:p14="http://schemas.microsoft.com/office/powerpoint/2010/main" val="2456218986"/>
+        <p14:creationId xmlns:p14="http://schemas.microsoft.com/office/powerpoint/2010/main" val="4227818546"/>
       </p:ext>
     </p:extLst>
   </p:cSld>
@@ -6845,7 +7061,7 @@
       </p:grpSpPr>
       <p:sp>
         <p:nvSpPr>
-          <p:cNvPr id="2" name="Title 1"/>
+          <p:cNvPr id="7" name="Title 6"/>
           <p:cNvSpPr>
             <a:spLocks noGrp="1"/>
           </p:cNvSpPr>
@@ -6853,50 +7069,27 @@
             <p:ph type="title"/>
           </p:nvPr>
         </p:nvSpPr>
-        <p:spPr/>
+        <p:spPr>
+          <a:xfrm>
+            <a:off x="1035169" y="2761084"/>
+            <a:ext cx="9336656" cy="1468848"/>
+          </a:xfrm>
+        </p:spPr>
         <p:txBody>
           <a:bodyPr>
             <a:normAutofit fontScale="90000"/>
           </a:bodyPr>
           <a:lstStyle/>
           <a:p>
-            <a:r>
-              <a:rPr lang="ru-RU" dirty="0" smtClean="0"/>
-              <a:t>Результат опроса потенциальных пользователей</a:t>
-            </a:r>
-            <a:endParaRPr lang="ru-RU" dirty="0"/>
+            <a:pPr algn="ctr"/>
+            <a:r>
+              <a:rPr lang="ru-RU" sz="8000" dirty="0" smtClean="0"/>
+              <a:t>Спасибо за внимание!</a:t>
+            </a:r>
+            <a:endParaRPr lang="ru-RU" sz="8000" dirty="0"/>
           </a:p>
         </p:txBody>
       </p:sp>
-      <p:pic>
-        <p:nvPicPr>
-          <p:cNvPr id="5" name="Content Placeholder 4"/>
-          <p:cNvPicPr>
-            <a:picLocks noGrp="1" noChangeAspect="1"/>
-          </p:cNvPicPr>
-          <p:nvPr>
-            <p:ph idx="1"/>
-          </p:nvPr>
-        </p:nvPicPr>
-        <p:blipFill>
-          <a:blip r:embed="rId2">
-            <a:extLst>
-              <a:ext uri="{28A0092B-C50C-407E-A947-70E740481C1C}">
-                <a14:useLocalDpi xmlns:a14="http://schemas.microsoft.com/office/drawing/2010/main" val="0"/>
-              </a:ext>
-            </a:extLst>
-          </a:blip>
-          <a:stretch>
-            <a:fillRect/>
-          </a:stretch>
-        </p:blipFill>
-        <p:spPr>
-          <a:xfrm>
-            <a:off x="300919" y="2773680"/>
-            <a:ext cx="6861881" cy="3499104"/>
-          </a:xfrm>
-        </p:spPr>
-      </p:pic>
       <p:sp>
         <p:nvSpPr>
           <p:cNvPr id="4" name="Slide Number Placeholder 3"/>
@@ -6920,111 +7113,10 @@
           </a:p>
         </p:txBody>
       </p:sp>
-      <p:sp>
-        <p:nvSpPr>
-          <p:cNvPr id="6" name="Rectangle 5"/>
-          <p:cNvSpPr/>
-          <p:nvPr/>
-        </p:nvSpPr>
-        <p:spPr>
-          <a:xfrm>
-            <a:off x="7162800" y="2599775"/>
-            <a:ext cx="4876799" cy="3108543"/>
-          </a:xfrm>
-          <a:prstGeom prst="rect">
-            <a:avLst/>
-          </a:prstGeom>
-        </p:spPr>
-        <p:txBody>
-          <a:bodyPr wrap="square">
-            <a:spAutoFit/>
-          </a:bodyPr>
-          <a:lstStyle/>
-          <a:p>
-            <a:r>
-              <a:rPr lang="ru-RU" sz="2800" dirty="0" smtClean="0">
-                <a:effectLst/>
-              </a:rPr>
-              <a:t>В качестве респондентов было выбрано 1</a:t>
-            </a:r>
-            <a:r>
-              <a:rPr lang="en-US" sz="2800" dirty="0" smtClean="0">
-                <a:effectLst/>
-              </a:rPr>
-              <a:t>8</a:t>
-            </a:r>
-            <a:r>
-              <a:rPr lang="ru-RU" sz="2800" dirty="0" smtClean="0">
-                <a:effectLst/>
-              </a:rPr>
-              <a:t> человек, занимающихся тестированием программного обеспечения автомобильных систем в компании «</a:t>
-            </a:r>
-            <a:r>
-              <a:rPr lang="en-US" sz="2800" dirty="0" err="1" smtClean="0">
-                <a:effectLst/>
-              </a:rPr>
-              <a:t>Luxoft</a:t>
-            </a:r>
-            <a:r>
-              <a:rPr lang="ru-RU" sz="2800" dirty="0" smtClean="0">
-                <a:effectLst/>
-              </a:rPr>
-              <a:t>». </a:t>
-            </a:r>
-            <a:endParaRPr lang="ru-RU" sz="2800" dirty="0"/>
-          </a:p>
-        </p:txBody>
-      </p:sp>
-      <p:sp>
-        <p:nvSpPr>
-          <p:cNvPr id="3" name="Прямоугольник 2"/>
-          <p:cNvSpPr/>
-          <p:nvPr/>
-        </p:nvSpPr>
-        <p:spPr>
-          <a:xfrm>
-            <a:off x="-3337560" y="6637909"/>
-            <a:ext cx="6096000" cy="2031325"/>
-          </a:xfrm>
-          <a:prstGeom prst="rect">
-            <a:avLst/>
-          </a:prstGeom>
-        </p:spPr>
-        <p:txBody>
-          <a:bodyPr>
-            <a:spAutoFit/>
-          </a:bodyPr>
-          <a:lstStyle/>
-          <a:p>
-            <a:r>
-              <a:rPr lang="ru-RU" dirty="0"/>
-              <a:t/>
-            </a:r>
-            <a:br>
-              <a:rPr lang="ru-RU" dirty="0"/>
-            </a:br>
-            <a:endParaRPr lang="ru-RU" dirty="0"/>
-          </a:p>
-          <a:p>
-            <a:r>
-              <a:rPr lang="ru-RU" dirty="0"/>
-              <a:t>По мнению </a:t>
-            </a:r>
-            <a:r>
-              <a:rPr lang="ru-RU" dirty="0" smtClean="0"/>
-              <a:t>100% </a:t>
-            </a:r>
-            <a:r>
-              <a:rPr lang="ru-RU" dirty="0"/>
-              <a:t>респондентов, спецификации, описанные на разработанном языке достаточно понятны. При этом 13 из 18 опрошенных по возможности описывали бы тестовые сценарии на данном языке. </a:t>
-            </a:r>
-          </a:p>
-        </p:txBody>
-      </p:sp>
     </p:spTree>
     <p:extLst>
       <p:ext uri="{BB962C8B-B14F-4D97-AF65-F5344CB8AC3E}">
-        <p14:creationId xmlns:p14="http://schemas.microsoft.com/office/powerpoint/2010/main" val="2874722350"/>
+        <p14:creationId xmlns:p14="http://schemas.microsoft.com/office/powerpoint/2010/main" val="3361816367"/>
       </p:ext>
     </p:extLst>
   </p:cSld>
@@ -7038,344 +7130,6 @@
       </p:par>
     </p:tnLst>
   </p:timing>
-</p:sld>
-</file>
-
-<file path=ppt/slides/slide17.xml><?xml version="1.0" encoding="utf-8"?>
-<p:sld xmlns:a="http://schemas.openxmlformats.org/drawingml/2006/main" xmlns:r="http://schemas.openxmlformats.org/officeDocument/2006/relationships" xmlns:p="http://schemas.openxmlformats.org/presentationml/2006/main">
-  <p:cSld>
-    <p:spTree>
-      <p:nvGrpSpPr>
-        <p:cNvPr id="1" name=""/>
-        <p:cNvGrpSpPr/>
-        <p:nvPr/>
-      </p:nvGrpSpPr>
-      <p:grpSpPr>
-        <a:xfrm>
-          <a:off x="0" y="0"/>
-          <a:ext cx="0" cy="0"/>
-          <a:chOff x="0" y="0"/>
-          <a:chExt cx="0" cy="0"/>
-        </a:xfrm>
-      </p:grpSpPr>
-      <p:sp>
-        <p:nvSpPr>
-          <p:cNvPr id="2" name="Title 1"/>
-          <p:cNvSpPr>
-            <a:spLocks noGrp="1"/>
-          </p:cNvSpPr>
-          <p:nvPr>
-            <p:ph type="title"/>
-          </p:nvPr>
-        </p:nvSpPr>
-        <p:spPr/>
-        <p:txBody>
-          <a:bodyPr/>
-          <a:lstStyle/>
-          <a:p>
-            <a:r>
-              <a:rPr lang="ru-RU" dirty="0" smtClean="0"/>
-              <a:t>Заключение</a:t>
-            </a:r>
-            <a:endParaRPr lang="ru-RU" dirty="0"/>
-          </a:p>
-        </p:txBody>
-      </p:sp>
-      <p:sp>
-        <p:nvSpPr>
-          <p:cNvPr id="3" name="Content Placeholder 2"/>
-          <p:cNvSpPr>
-            <a:spLocks noGrp="1"/>
-          </p:cNvSpPr>
-          <p:nvPr>
-            <p:ph idx="1"/>
-          </p:nvPr>
-        </p:nvSpPr>
-        <p:spPr/>
-        <p:txBody>
-          <a:bodyPr/>
-          <a:lstStyle/>
-          <a:p>
-            <a:pPr marL="0" indent="0">
-              <a:buNone/>
-            </a:pPr>
-            <a:r>
-              <a:rPr lang="ru-RU" dirty="0"/>
-              <a:t>В результате проведенной работы был разработан и реализован язык описания сценариев тестирование программного обеспечения автомобильных систем. </a:t>
-            </a:r>
-          </a:p>
-          <a:p>
-            <a:r>
-              <a:rPr lang="ru-RU" dirty="0"/>
-              <a:t>Язык позволяет пользователям описывать инструкции для тестовых сценариев в свободной форме. </a:t>
-            </a:r>
-          </a:p>
-          <a:p>
-            <a:r>
-              <a:rPr lang="ru-RU" dirty="0"/>
-              <a:t>В одном документе можно описать несколько тестовых сценариев, выполняющихся поочередно в той последовательности, в которой были указаны в тестовой спецификации. </a:t>
-            </a:r>
-            <a:endParaRPr lang="ru-RU" dirty="0" smtClean="0"/>
-          </a:p>
-          <a:p>
-            <a:r>
-              <a:rPr lang="ru-RU" dirty="0" smtClean="0"/>
-              <a:t>Данные</a:t>
-            </a:r>
-            <a:r>
-              <a:rPr lang="ru-RU" dirty="0"/>
-              <a:t>, полученные в результате выполнения теста сохраняются в отдельный файл. </a:t>
-            </a:r>
-          </a:p>
-          <a:p>
-            <a:r>
-              <a:rPr lang="ru-RU" dirty="0"/>
-              <a:t>Р</a:t>
-            </a:r>
-            <a:r>
-              <a:rPr lang="ru-RU" dirty="0" smtClean="0"/>
-              <a:t>азработанный </a:t>
-            </a:r>
-            <a:r>
-              <a:rPr lang="ru-RU" dirty="0"/>
-              <a:t>язык </a:t>
-            </a:r>
-            <a:r>
-              <a:rPr lang="ru-RU" dirty="0" smtClean="0"/>
-              <a:t>может быть использован </a:t>
-            </a:r>
-            <a:r>
-              <a:rPr lang="ru-RU" dirty="0"/>
-              <a:t>на производстве</a:t>
-            </a:r>
-          </a:p>
-        </p:txBody>
-      </p:sp>
-      <p:sp>
-        <p:nvSpPr>
-          <p:cNvPr id="4" name="Slide Number Placeholder 3"/>
-          <p:cNvSpPr>
-            <a:spLocks noGrp="1"/>
-          </p:cNvSpPr>
-          <p:nvPr>
-            <p:ph type="sldNum" sz="quarter" idx="12"/>
-          </p:nvPr>
-        </p:nvSpPr>
-        <p:spPr/>
-        <p:txBody>
-          <a:bodyPr/>
-          <a:lstStyle/>
-          <a:p>
-            <a:fld id="{D1A40677-FD44-493F-9950-230061FFD32D}" type="slidenum">
-              <a:rPr lang="ru-RU" smtClean="0"/>
-              <a:t>17</a:t>
-            </a:fld>
-            <a:endParaRPr lang="ru-RU"/>
-          </a:p>
-        </p:txBody>
-      </p:sp>
-    </p:spTree>
-    <p:extLst>
-      <p:ext uri="{BB962C8B-B14F-4D97-AF65-F5344CB8AC3E}">
-        <p14:creationId xmlns:p14="http://schemas.microsoft.com/office/powerpoint/2010/main" val="4227818546"/>
-      </p:ext>
-    </p:extLst>
-  </p:cSld>
-  <p:clrMapOvr>
-    <a:masterClrMapping/>
-  </p:clrMapOvr>
-  <p:timing>
-    <p:tnLst>
-      <p:par>
-        <p:cTn id="1" dur="indefinite" restart="never" nodeType="tmRoot"/>
-      </p:par>
-    </p:tnLst>
-  </p:timing>
-</p:sld>
-</file>
-
-<file path=ppt/slides/slide18.xml><?xml version="1.0" encoding="utf-8"?>
-<p:sld xmlns:a="http://schemas.openxmlformats.org/drawingml/2006/main" xmlns:r="http://schemas.openxmlformats.org/officeDocument/2006/relationships" xmlns:p="http://schemas.openxmlformats.org/presentationml/2006/main">
-  <p:cSld>
-    <p:spTree>
-      <p:nvGrpSpPr>
-        <p:cNvPr id="1" name=""/>
-        <p:cNvGrpSpPr/>
-        <p:nvPr/>
-      </p:nvGrpSpPr>
-      <p:grpSpPr>
-        <a:xfrm>
-          <a:off x="0" y="0"/>
-          <a:ext cx="0" cy="0"/>
-          <a:chOff x="0" y="0"/>
-          <a:chExt cx="0" cy="0"/>
-        </a:xfrm>
-      </p:grpSpPr>
-      <p:sp>
-        <p:nvSpPr>
-          <p:cNvPr id="2" name="Title 1"/>
-          <p:cNvSpPr>
-            <a:spLocks noGrp="1"/>
-          </p:cNvSpPr>
-          <p:nvPr>
-            <p:ph type="title"/>
-          </p:nvPr>
-        </p:nvSpPr>
-        <p:spPr/>
-        <p:txBody>
-          <a:bodyPr/>
-          <a:lstStyle/>
-          <a:p>
-            <a:r>
-              <a:rPr lang="ru-RU" dirty="0" smtClean="0"/>
-              <a:t>Список литературы</a:t>
-            </a:r>
-            <a:endParaRPr lang="ru-RU" dirty="0"/>
-          </a:p>
-        </p:txBody>
-      </p:sp>
-      <p:sp>
-        <p:nvSpPr>
-          <p:cNvPr id="3" name="Content Placeholder 2"/>
-          <p:cNvSpPr>
-            <a:spLocks noGrp="1"/>
-          </p:cNvSpPr>
-          <p:nvPr>
-            <p:ph idx="1"/>
-          </p:nvPr>
-        </p:nvSpPr>
-        <p:spPr/>
-        <p:txBody>
-          <a:bodyPr/>
-          <a:lstStyle/>
-          <a:p>
-            <a:endParaRPr lang="ru-RU" dirty="0"/>
-          </a:p>
-        </p:txBody>
-      </p:sp>
-      <p:sp>
-        <p:nvSpPr>
-          <p:cNvPr id="4" name="Slide Number Placeholder 3"/>
-          <p:cNvSpPr>
-            <a:spLocks noGrp="1"/>
-          </p:cNvSpPr>
-          <p:nvPr>
-            <p:ph type="sldNum" sz="quarter" idx="12"/>
-          </p:nvPr>
-        </p:nvSpPr>
-        <p:spPr/>
-        <p:txBody>
-          <a:bodyPr/>
-          <a:lstStyle/>
-          <a:p>
-            <a:fld id="{D1A40677-FD44-493F-9950-230061FFD32D}" type="slidenum">
-              <a:rPr lang="ru-RU" smtClean="0"/>
-              <a:t>18</a:t>
-            </a:fld>
-            <a:endParaRPr lang="ru-RU"/>
-          </a:p>
-        </p:txBody>
-      </p:sp>
-    </p:spTree>
-    <p:extLst>
-      <p:ext uri="{BB962C8B-B14F-4D97-AF65-F5344CB8AC3E}">
-        <p14:creationId xmlns:p14="http://schemas.microsoft.com/office/powerpoint/2010/main" val="2074572131"/>
-      </p:ext>
-    </p:extLst>
-  </p:cSld>
-  <p:clrMapOvr>
-    <a:masterClrMapping/>
-  </p:clrMapOvr>
-  <p:timing>
-    <p:tnLst>
-      <p:par>
-        <p:cTn id="1" dur="indefinite" restart="never" nodeType="tmRoot"/>
-      </p:par>
-    </p:tnLst>
-  </p:timing>
-</p:sld>
-</file>
-
-<file path=ppt/slides/slide19.xml><?xml version="1.0" encoding="utf-8"?>
-<p:sld xmlns:a="http://schemas.openxmlformats.org/drawingml/2006/main" xmlns:r="http://schemas.openxmlformats.org/officeDocument/2006/relationships" xmlns:p="http://schemas.openxmlformats.org/presentationml/2006/main">
-  <p:cSld>
-    <p:spTree>
-      <p:nvGrpSpPr>
-        <p:cNvPr id="1" name=""/>
-        <p:cNvGrpSpPr/>
-        <p:nvPr/>
-      </p:nvGrpSpPr>
-      <p:grpSpPr>
-        <a:xfrm>
-          <a:off x="0" y="0"/>
-          <a:ext cx="0" cy="0"/>
-          <a:chOff x="0" y="0"/>
-          <a:chExt cx="0" cy="0"/>
-        </a:xfrm>
-      </p:grpSpPr>
-      <p:sp>
-        <p:nvSpPr>
-          <p:cNvPr id="7" name="Title 6"/>
-          <p:cNvSpPr>
-            <a:spLocks noGrp="1"/>
-          </p:cNvSpPr>
-          <p:nvPr>
-            <p:ph type="title"/>
-          </p:nvPr>
-        </p:nvSpPr>
-        <p:spPr>
-          <a:xfrm>
-            <a:off x="1307431" y="2277979"/>
-            <a:ext cx="10756231" cy="1882942"/>
-          </a:xfrm>
-        </p:spPr>
-        <p:txBody>
-          <a:bodyPr>
-            <a:normAutofit fontScale="90000"/>
-          </a:bodyPr>
-          <a:lstStyle/>
-          <a:p>
-            <a:r>
-              <a:rPr lang="ru-RU" sz="8000" dirty="0" smtClean="0"/>
-              <a:t>Спасибо за внимание!</a:t>
-            </a:r>
-            <a:endParaRPr lang="ru-RU" sz="8000" dirty="0"/>
-          </a:p>
-        </p:txBody>
-      </p:sp>
-      <p:sp>
-        <p:nvSpPr>
-          <p:cNvPr id="4" name="Slide Number Placeholder 3"/>
-          <p:cNvSpPr>
-            <a:spLocks noGrp="1"/>
-          </p:cNvSpPr>
-          <p:nvPr>
-            <p:ph type="sldNum" sz="quarter" idx="12"/>
-          </p:nvPr>
-        </p:nvSpPr>
-        <p:spPr/>
-        <p:txBody>
-          <a:bodyPr/>
-          <a:lstStyle/>
-          <a:p>
-            <a:fld id="{D1A40677-FD44-493F-9950-230061FFD32D}" type="slidenum">
-              <a:rPr lang="ru-RU" smtClean="0"/>
-              <a:t>19</a:t>
-            </a:fld>
-            <a:endParaRPr lang="ru-RU"/>
-          </a:p>
-        </p:txBody>
-      </p:sp>
-    </p:spTree>
-    <p:extLst>
-      <p:ext uri="{BB962C8B-B14F-4D97-AF65-F5344CB8AC3E}">
-        <p14:creationId xmlns:p14="http://schemas.microsoft.com/office/powerpoint/2010/main" val="3361816367"/>
-      </p:ext>
-    </p:extLst>
-  </p:cSld>
-  <p:clrMapOvr>
-    <a:masterClrMapping/>
-  </p:clrMapOvr>
 </p:sld>
 </file>
 
@@ -7455,7 +7209,7 @@
         <p:spPr>
           <a:xfrm>
             <a:off x="1069848" y="2093976"/>
-            <a:ext cx="10058400" cy="4050792"/>
+            <a:ext cx="10058400" cy="4352544"/>
           </a:xfrm>
         </p:spPr>
         <p:txBody>
@@ -7465,115 +7219,47 @@
           <a:lstStyle/>
           <a:p>
             <a:r>
-              <a:rPr lang="ru-RU" dirty="0"/>
-              <a:t>С развитием автомобильной промышленности тестирование автомобильных систем стало неотъемлемой частью жизненного цикла разработки программного и аппаратного обеспечения транспортных средств. </a:t>
-            </a:r>
-            <a:endParaRPr lang="ru-RU" dirty="0" smtClean="0"/>
-          </a:p>
-          <a:p>
-            <a:r>
-              <a:rPr lang="ru-RU" dirty="0" smtClean="0"/>
-              <a:t>ПО, </a:t>
-            </a:r>
-            <a:r>
-              <a:rPr lang="ru-RU" dirty="0"/>
-              <a:t>разрабатываемое для </a:t>
-            </a:r>
-            <a:r>
-              <a:rPr lang="ru-RU" dirty="0" smtClean="0"/>
-              <a:t>автомобильных систем, при </a:t>
-            </a:r>
-            <a:r>
-              <a:rPr lang="ru-RU" dirty="0"/>
-              <a:t>тестировании может рассматриваться в качестве «черного ящика</a:t>
-            </a:r>
-            <a:r>
-              <a:rPr lang="ru-RU" dirty="0" smtClean="0"/>
-              <a:t>». </a:t>
-            </a:r>
-            <a:r>
-              <a:rPr lang="ru-RU" dirty="0"/>
-              <a:t>Проанализировав требования и спецификации </a:t>
-            </a:r>
-            <a:r>
-              <a:rPr lang="ru-RU" dirty="0" err="1"/>
-              <a:t>тестировщик</a:t>
-            </a:r>
-            <a:r>
-              <a:rPr lang="ru-RU" dirty="0"/>
+              <a:rPr lang="ru-RU" sz="2400" dirty="0" smtClean="0"/>
+              <a:t>В</a:t>
+            </a:r>
+            <a:r>
+              <a:rPr lang="ru-RU" sz="2400" b="1" dirty="0" smtClean="0"/>
               <a:t> </a:t>
             </a:r>
             <a:r>
-              <a:rPr lang="ru-RU" dirty="0" smtClean="0"/>
-              <a:t>определяет </a:t>
-            </a:r>
-            <a:r>
-              <a:rPr lang="ru-RU" dirty="0"/>
-              <a:t>набор тестовых сценариев для проверки различной функциональности тестируемой </a:t>
-            </a:r>
-            <a:r>
-              <a:rPr lang="ru-RU" dirty="0" smtClean="0"/>
-              <a:t>системы.</a:t>
-            </a:r>
-          </a:p>
-          <a:p>
-            <a:pPr lvl="0"/>
-            <a:r>
-              <a:rPr lang="ru-RU" dirty="0"/>
-              <a:t>В марте 2006 года Дэн </a:t>
-            </a:r>
-            <a:r>
-              <a:rPr lang="ru-RU" dirty="0" err="1"/>
-              <a:t>Норт</a:t>
-            </a:r>
-            <a:r>
-              <a:rPr lang="ru-RU" dirty="0"/>
-              <a:t> предложил методологию «разработки через поведение» (</a:t>
-            </a:r>
-            <a:r>
-              <a:rPr lang="ru-RU" dirty="0" err="1"/>
-              <a:t>behaviour-driven</a:t>
-            </a:r>
-            <a:r>
-              <a:rPr lang="ru-RU" dirty="0"/>
-              <a:t> </a:t>
-            </a:r>
-            <a:r>
-              <a:rPr lang="ru-RU" dirty="0" err="1"/>
-              <a:t>development</a:t>
-            </a:r>
-            <a:r>
-              <a:rPr lang="ru-RU" dirty="0"/>
-              <a:t>, BDD), основанную на гибкой методологии разработки. </a:t>
-            </a:r>
-          </a:p>
-          <a:p>
-            <a:pPr marL="274320" lvl="1" indent="0">
-              <a:buNone/>
-            </a:pPr>
-            <a:r>
-              <a:rPr lang="ru-RU" b="1" dirty="0"/>
-              <a:t>Идея:</a:t>
-            </a:r>
-            <a:r>
-              <a:rPr lang="ru-RU" dirty="0"/>
-              <a:t> </a:t>
-            </a:r>
-            <a:r>
-              <a:rPr lang="ru-RU" i="1" dirty="0"/>
-              <a:t>в процессе написания требования для разрабатываемого ПО аналитики должны описать тестовые сценарии таким образом, чтобы их смог понять и разработчик, и </a:t>
-            </a:r>
-            <a:r>
-              <a:rPr lang="ru-RU" i="1" dirty="0" err="1"/>
-              <a:t>тестировщик</a:t>
-            </a:r>
-            <a:r>
-              <a:rPr lang="ru-RU" i="1" dirty="0"/>
-              <a:t>, и заказчик.</a:t>
-            </a:r>
-          </a:p>
-          <a:p>
-            <a:endParaRPr lang="ru-RU" dirty="0"/>
+              <a:rPr lang="ru-RU" sz="2400" dirty="0" smtClean="0"/>
+              <a:t>процессе </a:t>
+            </a:r>
+            <a:r>
+              <a:rPr lang="ru-RU" sz="2400" dirty="0"/>
+              <a:t>написания требования для разрабатываемого ПО аналитики должны описать тестовые сценарии таким образом, чтобы их смог понять и разработчик, и тестировщик, и заказчик.</a:t>
+            </a:r>
+          </a:p>
+          <a:p>
+            <a:r>
+              <a:rPr lang="ru-RU" sz="2400" dirty="0"/>
+              <a:t>Зачастую заказчики и аналитики не имеют достаточных знаний в языках программирования общего </a:t>
+            </a:r>
+            <a:r>
+              <a:rPr lang="ru-RU" sz="2400" dirty="0" smtClean="0"/>
+              <a:t>назначения.</a:t>
+            </a:r>
+            <a:endParaRPr lang="ru-RU" sz="2400" dirty="0" smtClean="0"/>
+          </a:p>
+          <a:p>
+            <a:r>
+              <a:rPr lang="ru-RU" sz="2400" dirty="0" smtClean="0"/>
+              <a:t>В </a:t>
+            </a:r>
+            <a:r>
+              <a:rPr lang="ru-RU" sz="2400" dirty="0"/>
+              <a:t>данный момент производители АС пытаются найти решение, предоставляющее возможность описывать тестовые сценарии в форме, оговариваемой внутри </a:t>
+            </a:r>
+            <a:r>
+              <a:rPr lang="ru-RU" sz="2400" dirty="0" smtClean="0"/>
+              <a:t>команды.</a:t>
+            </a:r>
+            <a:endParaRPr lang="ru-RU" sz="2400" dirty="0" smtClean="0"/>
           </a:p>
         </p:txBody>
       </p:sp>
@@ -7616,7 +7302,7 @@
       </p:grpSpPr>
       <p:sp>
         <p:nvSpPr>
-          <p:cNvPr id="2" name="Заголовок 1"/>
+          <p:cNvPr id="2" name="Title 1"/>
           <p:cNvSpPr>
             <a:spLocks noGrp="1"/>
           </p:cNvSpPr>
@@ -7626,19 +7312,26 @@
         </p:nvSpPr>
         <p:spPr/>
         <p:txBody>
-          <a:bodyPr/>
+          <a:bodyPr>
+            <a:normAutofit/>
+          </a:bodyPr>
           <a:lstStyle/>
           <a:p>
             <a:r>
               <a:rPr lang="ru-RU" dirty="0"/>
-              <a:t>Введение</a:t>
-            </a:r>
+              <a:t>Формулировка </a:t>
+            </a:r>
+            <a:r>
+              <a:rPr lang="ru-RU" dirty="0" smtClean="0"/>
+              <a:t>задачи</a:t>
+            </a:r>
+            <a:endParaRPr lang="ru-RU" dirty="0"/>
           </a:p>
         </p:txBody>
       </p:sp>
       <p:sp>
         <p:nvSpPr>
-          <p:cNvPr id="3" name="Объект 2"/>
+          <p:cNvPr id="3" name="Content Placeholder 2"/>
           <p:cNvSpPr>
             <a:spLocks noGrp="1"/>
           </p:cNvSpPr>
@@ -7646,108 +7339,95 @@
             <p:ph idx="1"/>
           </p:nvPr>
         </p:nvSpPr>
-        <p:spPr/>
+        <p:spPr>
+          <a:xfrm>
+            <a:off x="866648" y="1867408"/>
+            <a:ext cx="10058400" cy="4050792"/>
+          </a:xfrm>
+        </p:spPr>
         <p:txBody>
           <a:bodyPr>
-            <a:normAutofit fontScale="92500" lnSpcReduction="10000"/>
+            <a:noAutofit/>
           </a:bodyPr>
           <a:lstStyle/>
           <a:p>
-            <a:pPr marL="0" lvl="0" indent="0">
+            <a:pPr marL="0" indent="0">
               <a:buNone/>
             </a:pPr>
-            <a:endParaRPr lang="ru-RU" dirty="0"/>
-          </a:p>
-          <a:p>
-            <a:r>
-              <a:rPr lang="ru-RU" dirty="0"/>
-              <a:t>Зачастую заказчики и аналитики не имеют достаточных знаний в языках программирования общего назначения, либо использование этих языков не удобно из-за большого количества не относящихся к решаемой задаче деталей </a:t>
-            </a:r>
-          </a:p>
-          <a:p>
-            <a:pPr lvl="0"/>
-            <a:r>
-              <a:rPr lang="ru-RU" dirty="0"/>
-              <a:t>Почти в то же время Эрик Эванс опубликовал книгу «Предметно-ориентированное проектирование», в которой описал  идею, что </a:t>
-            </a:r>
-            <a:r>
-              <a:rPr lang="ru-RU" i="1" dirty="0"/>
-              <a:t>для бизнеса удобно смоделировать систему, в которой будет определен единый язык (</a:t>
-            </a:r>
-            <a:r>
-              <a:rPr lang="ru-RU" i="1" dirty="0" err="1"/>
-              <a:t>Domain</a:t>
-            </a:r>
-            <a:r>
-              <a:rPr lang="ru-RU" i="1" dirty="0"/>
+            <a:r>
+              <a:rPr lang="ru-RU" sz="2400" dirty="0" smtClean="0"/>
+              <a:t>Цель работы: разработка  и реализация проблемно-ориентированного языка для </a:t>
+            </a:r>
+            <a:r>
+              <a:rPr lang="ru-RU" sz="2400" dirty="0"/>
+              <a:t>функционального тестирования автомобильных </a:t>
+            </a:r>
+            <a:r>
+              <a:rPr lang="ru-RU" sz="2400" dirty="0" smtClean="0"/>
+              <a:t>систем.</a:t>
+            </a:r>
+          </a:p>
+          <a:p>
+            <a:pPr marL="0" indent="0">
+              <a:buNone/>
+            </a:pPr>
+            <a:r>
+              <a:rPr lang="ru-RU" sz="2400" dirty="0" smtClean="0"/>
+              <a:t>Для достижения цели необходимо решить задачи:</a:t>
+            </a:r>
+            <a:endParaRPr lang="ru-RU" sz="2400" dirty="0"/>
+          </a:p>
+          <a:p>
+            <a:r>
+              <a:rPr lang="ru-RU" sz="2400" dirty="0" smtClean="0"/>
               <a:t> </a:t>
             </a:r>
             <a:r>
-              <a:rPr lang="ru-RU" i="1" dirty="0" err="1"/>
-              <a:t>specific</a:t>
-            </a:r>
-            <a:r>
-              <a:rPr lang="ru-RU" i="1" dirty="0"/>
+              <a:rPr lang="ru-RU" sz="2400" dirty="0"/>
+              <a:t>Разработать </a:t>
+            </a:r>
+            <a:r>
+              <a:rPr lang="ru-RU" sz="2400" dirty="0" smtClean="0"/>
+              <a:t>язык, позволяющий </a:t>
+            </a:r>
+            <a:r>
+              <a:rPr lang="ru-RU" sz="2400" dirty="0"/>
+              <a:t>пользователям описывать инструкции для тестовых сценариев в форме, оговариваемой внутри бизнес-команды</a:t>
+            </a:r>
+            <a:r>
+              <a:rPr lang="ru-RU" sz="2400" dirty="0" smtClean="0"/>
+              <a:t>.</a:t>
+            </a:r>
+            <a:endParaRPr lang="ru-RU" sz="2400" dirty="0"/>
+          </a:p>
+          <a:p>
+            <a:r>
+              <a:rPr lang="ru-RU" sz="2400" dirty="0" smtClean="0"/>
+              <a:t>Реализовать</a:t>
+            </a:r>
+            <a:r>
+              <a:rPr lang="en-US" sz="2400" dirty="0" smtClean="0"/>
               <a:t> </a:t>
             </a:r>
             <a:r>
-              <a:rPr lang="ru-RU" i="1" dirty="0" err="1"/>
-              <a:t>language</a:t>
-            </a:r>
-            <a:r>
-              <a:rPr lang="ru-RU" i="1" dirty="0"/>
-              <a:t>, </a:t>
-            </a:r>
-            <a:r>
-              <a:rPr lang="en-US" i="1" dirty="0"/>
-              <a:t>DSL</a:t>
-            </a:r>
-            <a:r>
-              <a:rPr lang="ru-RU" i="1" dirty="0"/>
-              <a:t>), основанный на бизнес области, такой, что бизнес словарь смогут использовать как менеджеры, так и инженеры.</a:t>
-            </a:r>
-          </a:p>
-          <a:p>
-            <a:r>
-              <a:rPr lang="ru-RU" dirty="0"/>
-              <a:t>Такой язык обеспечит пользователям возможность коротко и четко сформулировать задачу и позволит уменьшить количество тестовой документации</a:t>
-            </a:r>
-            <a:r>
-              <a:rPr lang="ru-RU" dirty="0" smtClean="0"/>
-              <a:t>.</a:t>
-            </a:r>
-          </a:p>
-          <a:p>
-            <a:r>
-              <a:rPr lang="ru-RU" dirty="0" smtClean="0"/>
-              <a:t>В данный момент производители АС пытаются найти решение, предоставляющее возможность описывать тестовые сценарии </a:t>
-            </a:r>
-            <a:r>
-              <a:rPr lang="ru-RU" dirty="0"/>
-              <a:t>в форме, оговариваемой внутри </a:t>
-            </a:r>
-            <a:r>
-              <a:rPr lang="ru-RU" dirty="0" smtClean="0"/>
-              <a:t>команды, состоящей заказчика, аналитика, разработчика и </a:t>
-            </a:r>
-            <a:r>
-              <a:rPr lang="ru-RU" dirty="0" err="1" smtClean="0"/>
-              <a:t>тестировщика</a:t>
-            </a:r>
-            <a:r>
-              <a:rPr lang="ru-RU" dirty="0" smtClean="0"/>
-              <a:t>.</a:t>
-            </a:r>
-            <a:endParaRPr lang="ru-RU" dirty="0"/>
-          </a:p>
-          <a:p>
-            <a:endParaRPr lang="ru-RU" dirty="0"/>
+              <a:rPr lang="ru-RU" sz="2400" dirty="0" smtClean="0"/>
+              <a:t>и протестировать интерпретатор, предоставляющий </a:t>
+            </a:r>
+            <a:r>
+              <a:rPr lang="ru-RU" sz="2400" dirty="0"/>
+              <a:t>пользователю возможность работы с </a:t>
+            </a:r>
+            <a:r>
+              <a:rPr lang="ru-RU" sz="2400" dirty="0" smtClean="0"/>
+              <a:t>автомобильными сетями.</a:t>
+            </a:r>
+            <a:endParaRPr lang="ru-RU" sz="2400" dirty="0"/>
           </a:p>
         </p:txBody>
       </p:sp>
       <p:sp>
         <p:nvSpPr>
-          <p:cNvPr id="4" name="Номер слайда 3"/>
+          <p:cNvPr id="4" name="Slide Number Placeholder 3"/>
           <p:cNvSpPr>
             <a:spLocks noGrp="1"/>
           </p:cNvSpPr>
@@ -7771,7 +7451,7 @@
     </p:spTree>
     <p:extLst>
       <p:ext uri="{BB962C8B-B14F-4D97-AF65-F5344CB8AC3E}">
-        <p14:creationId xmlns:p14="http://schemas.microsoft.com/office/powerpoint/2010/main" val="4164047995"/>
+        <p14:creationId xmlns:p14="http://schemas.microsoft.com/office/powerpoint/2010/main" val="1699680576"/>
       </p:ext>
     </p:extLst>
   </p:cSld>
@@ -7818,72 +7498,15 @@
         <p:spPr/>
         <p:txBody>
           <a:bodyPr>
-            <a:normAutofit/>
+            <a:normAutofit fontScale="90000"/>
           </a:bodyPr>
           <a:lstStyle/>
           <a:p>
             <a:r>
-              <a:rPr lang="ru-RU" dirty="0"/>
-              <a:t>Формулировка </a:t>
-            </a:r>
-            <a:r>
               <a:rPr lang="ru-RU" dirty="0" smtClean="0"/>
-              <a:t>задачи</a:t>
+              <a:t>Обзор существующих инструментов тестирования</a:t>
             </a:r>
             <a:endParaRPr lang="ru-RU" dirty="0"/>
-          </a:p>
-        </p:txBody>
-      </p:sp>
-      <p:sp>
-        <p:nvSpPr>
-          <p:cNvPr id="3" name="Content Placeholder 2"/>
-          <p:cNvSpPr>
-            <a:spLocks noGrp="1"/>
-          </p:cNvSpPr>
-          <p:nvPr>
-            <p:ph idx="1"/>
-          </p:nvPr>
-        </p:nvSpPr>
-        <p:spPr/>
-        <p:txBody>
-          <a:bodyPr>
-            <a:normAutofit/>
-          </a:bodyPr>
-          <a:lstStyle/>
-          <a:p>
-            <a:pPr marL="0" indent="0">
-              <a:buNone/>
-            </a:pPr>
-            <a:r>
-              <a:rPr lang="ru-RU" sz="3200" dirty="0" smtClean="0"/>
-              <a:t>Необходимо </a:t>
-            </a:r>
-            <a:r>
-              <a:rPr lang="ru-RU" sz="3200" dirty="0"/>
-              <a:t>разработать проблемно-ориентированный язык </a:t>
-            </a:r>
-            <a:r>
-              <a:rPr lang="ru-RU" sz="3200" dirty="0" smtClean="0"/>
-              <a:t>для </a:t>
-            </a:r>
-            <a:r>
-              <a:rPr lang="ru-RU" sz="3200" dirty="0"/>
-              <a:t>функционального тестирования автомобильных систем, который позволит использовать методологию «разработки через поведение</a:t>
-            </a:r>
-            <a:r>
-              <a:rPr lang="ru-RU" sz="3200" dirty="0" smtClean="0"/>
-              <a:t>», </a:t>
-            </a:r>
-            <a:r>
-              <a:rPr lang="ru-RU" sz="3200" dirty="0"/>
-              <a:t>предоставит функционал, необходимый для симуляции работы автомобильных сетей, а также позволит пользователям описывать инструкции сценариев в форме, оговариваемой внутри команды.</a:t>
-            </a:r>
-          </a:p>
-          <a:p>
-            <a:pPr marL="0" indent="0">
-              <a:buNone/>
-            </a:pPr>
-            <a:endParaRPr lang="ru-RU" sz="3200" dirty="0"/>
           </a:p>
         </p:txBody>
       </p:sp>
@@ -7910,10 +7533,1800 @@
           </a:p>
         </p:txBody>
       </p:sp>
+      <p:graphicFrame>
+        <p:nvGraphicFramePr>
+          <p:cNvPr id="6" name="Таблица 5"/>
+          <p:cNvGraphicFramePr>
+            <a:graphicFrameLocks noGrp="1"/>
+          </p:cNvGraphicFramePr>
+          <p:nvPr>
+            <p:extLst>
+              <p:ext uri="{D42A27DB-BD31-4B8C-83A1-F6EECF244321}">
+                <p14:modId xmlns:p14="http://schemas.microsoft.com/office/powerpoint/2010/main" val="2588231914"/>
+              </p:ext>
+            </p:extLst>
+          </p:nvPr>
+        </p:nvGraphicFramePr>
+        <p:xfrm>
+          <a:off x="1069847" y="2093976"/>
+          <a:ext cx="10058400" cy="4209409"/>
+        </p:xfrm>
+        <a:graphic>
+          <a:graphicData uri="http://schemas.openxmlformats.org/drawingml/2006/table">
+            <a:tbl>
+              <a:tblPr firstRow="1" firstCol="1" bandRow="1">
+                <a:tableStyleId>{5C22544A-7EE6-4342-B048-85BDC9FD1C3A}</a:tableStyleId>
+              </a:tblPr>
+              <a:tblGrid>
+                <a:gridCol w="5991353"/>
+                <a:gridCol w="1047515"/>
+                <a:gridCol w="1509766"/>
+                <a:gridCol w="1509766"/>
+              </a:tblGrid>
+              <a:tr h="999209">
+                <a:tc>
+                  <a:txBody>
+                    <a:bodyPr/>
+                    <a:lstStyle/>
+                    <a:p>
+                      <a:pPr>
+                        <a:lnSpc>
+                          <a:spcPct val="107000"/>
+                        </a:lnSpc>
+                        <a:spcAft>
+                          <a:spcPts val="0"/>
+                        </a:spcAft>
+                      </a:pPr>
+                      <a:r>
+                        <a:rPr lang="ru-RU" sz="2000">
+                          <a:solidFill>
+                            <a:schemeClr val="tx1"/>
+                          </a:solidFill>
+                          <a:effectLst/>
+                        </a:rPr>
+                        <a:t>                                        </a:t>
+                      </a:r>
+                      <a:r>
+                        <a:rPr lang="ru-RU" sz="2000" smtClean="0">
+                          <a:solidFill>
+                            <a:schemeClr val="tx1"/>
+                          </a:solidFill>
+                          <a:effectLst/>
+                        </a:rPr>
+                        <a:t>          </a:t>
+                      </a:r>
+                      <a:r>
+                        <a:rPr lang="ru-RU" sz="2000" baseline="0" smtClean="0">
+                          <a:solidFill>
+                            <a:schemeClr val="tx1"/>
+                          </a:solidFill>
+                          <a:effectLst/>
+                        </a:rPr>
+                        <a:t>         </a:t>
+                      </a:r>
+                      <a:r>
+                        <a:rPr lang="ru-RU" sz="2000" smtClean="0">
+                          <a:solidFill>
+                            <a:schemeClr val="tx1"/>
+                          </a:solidFill>
+                          <a:effectLst/>
+                        </a:rPr>
+                        <a:t>  </a:t>
+                      </a:r>
+                      <a:r>
+                        <a:rPr lang="ru-RU" sz="2400" smtClean="0">
+                          <a:solidFill>
+                            <a:schemeClr val="tx1"/>
+                          </a:solidFill>
+                          <a:effectLst/>
+                        </a:rPr>
+                        <a:t>Инструмент</a:t>
+                      </a:r>
+                      <a:endParaRPr lang="ru-RU" sz="2000" dirty="0">
+                        <a:solidFill>
+                          <a:schemeClr val="tx1"/>
+                        </a:solidFill>
+                        <a:effectLst/>
+                      </a:endParaRPr>
+                    </a:p>
+                    <a:p>
+                      <a:pPr>
+                        <a:lnSpc>
+                          <a:spcPct val="107000"/>
+                        </a:lnSpc>
+                        <a:spcAft>
+                          <a:spcPts val="0"/>
+                        </a:spcAft>
+                      </a:pPr>
+                      <a:r>
+                        <a:rPr lang="ru-RU" sz="2400" dirty="0">
+                          <a:solidFill>
+                            <a:schemeClr val="tx1"/>
+                          </a:solidFill>
+                          <a:effectLst/>
+                        </a:rPr>
+                        <a:t>Критерии сравнения</a:t>
+                      </a:r>
+                      <a:endParaRPr lang="ru-RU" sz="2400" dirty="0">
+                        <a:solidFill>
+                          <a:schemeClr val="tx1"/>
+                        </a:solidFill>
+                        <a:effectLst/>
+                        <a:latin typeface="Calibri" panose="020F0502020204030204" pitchFamily="34" charset="0"/>
+                        <a:ea typeface="Calibri" panose="020F0502020204030204" pitchFamily="34" charset="0"/>
+                        <a:cs typeface="Times New Roman" panose="02020603050405020304" pitchFamily="18" charset="0"/>
+                      </a:endParaRPr>
+                    </a:p>
+                  </a:txBody>
+                  <a:tcPr marL="68580" marR="68580" marT="0" marB="0" anchor="ctr">
+                    <a:lnL w="12700" cap="flat" cmpd="sng" algn="ctr">
+                      <a:solidFill>
+                        <a:schemeClr val="tx1"/>
+                      </a:solidFill>
+                      <a:prstDash val="solid"/>
+                      <a:round/>
+                      <a:headEnd type="none" w="med" len="med"/>
+                      <a:tailEnd type="none" w="med" len="med"/>
+                    </a:lnL>
+                    <a:lnR w="12700" cap="flat" cmpd="sng" algn="ctr">
+                      <a:solidFill>
+                        <a:schemeClr val="tx1"/>
+                      </a:solidFill>
+                      <a:prstDash val="solid"/>
+                      <a:round/>
+                      <a:headEnd type="none" w="med" len="med"/>
+                      <a:tailEnd type="none" w="med" len="med"/>
+                    </a:lnR>
+                    <a:lnT w="12700" cap="flat" cmpd="sng" algn="ctr">
+                      <a:solidFill>
+                        <a:schemeClr val="tx1"/>
+                      </a:solidFill>
+                      <a:prstDash val="solid"/>
+                      <a:round/>
+                      <a:headEnd type="none" w="med" len="med"/>
+                      <a:tailEnd type="none" w="med" len="med"/>
+                    </a:lnT>
+                    <a:lnB w="12700" cap="flat" cmpd="sng" algn="ctr">
+                      <a:solidFill>
+                        <a:schemeClr val="tx1"/>
+                      </a:solidFill>
+                      <a:prstDash val="solid"/>
+                      <a:round/>
+                      <a:headEnd type="none" w="med" len="med"/>
+                      <a:tailEnd type="none" w="med" len="med"/>
+                    </a:lnB>
+                    <a:lnTlToBr w="12700" cap="flat" cmpd="sng" algn="ctr">
+                      <a:solidFill>
+                        <a:schemeClr val="tx1"/>
+                      </a:solidFill>
+                      <a:prstDash val="solid"/>
+                      <a:round/>
+                      <a:headEnd type="none" w="med" len="med"/>
+                      <a:tailEnd type="none" w="med" len="med"/>
+                    </a:lnTlToBr>
+                    <a:lnBlToTr w="12700" cmpd="sng">
+                      <a:noFill/>
+                      <a:prstDash val="solid"/>
+                    </a:lnBlToTr>
+                    <a:solidFill>
+                      <a:schemeClr val="bg1"/>
+                    </a:solidFill>
+                  </a:tcPr>
+                </a:tc>
+                <a:tc>
+                  <a:txBody>
+                    <a:bodyPr/>
+                    <a:lstStyle/>
+                    <a:p>
+                      <a:pPr>
+                        <a:lnSpc>
+                          <a:spcPct val="107000"/>
+                        </a:lnSpc>
+                        <a:spcAft>
+                          <a:spcPts val="0"/>
+                        </a:spcAft>
+                      </a:pPr>
+                      <a:r>
+                        <a:rPr lang="en-US" sz="2000">
+                          <a:solidFill>
+                            <a:schemeClr val="tx1"/>
+                          </a:solidFill>
+                          <a:effectLst/>
+                        </a:rPr>
+                        <a:t>CAPL</a:t>
+                      </a:r>
+                      <a:endParaRPr lang="ru-RU" sz="2000">
+                        <a:solidFill>
+                          <a:schemeClr val="tx1"/>
+                        </a:solidFill>
+                        <a:effectLst/>
+                        <a:latin typeface="Calibri" panose="020F0502020204030204" pitchFamily="34" charset="0"/>
+                        <a:ea typeface="Calibri" panose="020F0502020204030204" pitchFamily="34" charset="0"/>
+                        <a:cs typeface="Times New Roman" panose="02020603050405020304" pitchFamily="18" charset="0"/>
+                      </a:endParaRPr>
+                    </a:p>
+                  </a:txBody>
+                  <a:tcPr marL="68580" marR="68580" marT="0" marB="0">
+                    <a:lnL w="12700" cap="flat" cmpd="sng" algn="ctr">
+                      <a:solidFill>
+                        <a:schemeClr val="tx1"/>
+                      </a:solidFill>
+                      <a:prstDash val="solid"/>
+                      <a:round/>
+                      <a:headEnd type="none" w="med" len="med"/>
+                      <a:tailEnd type="none" w="med" len="med"/>
+                    </a:lnL>
+                    <a:lnR w="12700" cap="flat" cmpd="sng" algn="ctr">
+                      <a:solidFill>
+                        <a:schemeClr val="tx1"/>
+                      </a:solidFill>
+                      <a:prstDash val="solid"/>
+                      <a:round/>
+                      <a:headEnd type="none" w="med" len="med"/>
+                      <a:tailEnd type="none" w="med" len="med"/>
+                    </a:lnR>
+                    <a:lnT w="12700" cap="flat" cmpd="sng" algn="ctr">
+                      <a:solidFill>
+                        <a:schemeClr val="tx1"/>
+                      </a:solidFill>
+                      <a:prstDash val="solid"/>
+                      <a:round/>
+                      <a:headEnd type="none" w="med" len="med"/>
+                      <a:tailEnd type="none" w="med" len="med"/>
+                    </a:lnT>
+                    <a:lnB w="12700" cap="flat" cmpd="sng" algn="ctr">
+                      <a:solidFill>
+                        <a:schemeClr val="tx1"/>
+                      </a:solidFill>
+                      <a:prstDash val="solid"/>
+                      <a:round/>
+                      <a:headEnd type="none" w="med" len="med"/>
+                      <a:tailEnd type="none" w="med" len="med"/>
+                    </a:lnB>
+                    <a:lnTlToBr w="12700" cmpd="sng">
+                      <a:noFill/>
+                      <a:prstDash val="solid"/>
+                    </a:lnTlToBr>
+                    <a:lnBlToTr w="12700" cmpd="sng">
+                      <a:noFill/>
+                      <a:prstDash val="solid"/>
+                    </a:lnBlToTr>
+                    <a:solidFill>
+                      <a:schemeClr val="bg1"/>
+                    </a:solidFill>
+                  </a:tcPr>
+                </a:tc>
+                <a:tc>
+                  <a:txBody>
+                    <a:bodyPr/>
+                    <a:lstStyle/>
+                    <a:p>
+                      <a:pPr>
+                        <a:lnSpc>
+                          <a:spcPct val="107000"/>
+                        </a:lnSpc>
+                        <a:spcAft>
+                          <a:spcPts val="0"/>
+                        </a:spcAft>
+                      </a:pPr>
+                      <a:r>
+                        <a:rPr lang="en-US" sz="2000" dirty="0">
+                          <a:solidFill>
+                            <a:schemeClr val="tx1"/>
+                          </a:solidFill>
+                          <a:effectLst/>
+                        </a:rPr>
+                        <a:t>CCDL</a:t>
+                      </a:r>
+                      <a:endParaRPr lang="ru-RU" sz="2000" dirty="0">
+                        <a:solidFill>
+                          <a:schemeClr val="tx1"/>
+                        </a:solidFill>
+                        <a:effectLst/>
+                        <a:latin typeface="Calibri" panose="020F0502020204030204" pitchFamily="34" charset="0"/>
+                        <a:ea typeface="Calibri" panose="020F0502020204030204" pitchFamily="34" charset="0"/>
+                        <a:cs typeface="Times New Roman" panose="02020603050405020304" pitchFamily="18" charset="0"/>
+                      </a:endParaRPr>
+                    </a:p>
+                  </a:txBody>
+                  <a:tcPr marL="68580" marR="68580" marT="0" marB="0">
+                    <a:lnL w="12700" cap="flat" cmpd="sng" algn="ctr">
+                      <a:solidFill>
+                        <a:schemeClr val="tx1"/>
+                      </a:solidFill>
+                      <a:prstDash val="solid"/>
+                      <a:round/>
+                      <a:headEnd type="none" w="med" len="med"/>
+                      <a:tailEnd type="none" w="med" len="med"/>
+                    </a:lnL>
+                    <a:lnR w="12700" cap="flat" cmpd="sng" algn="ctr">
+                      <a:solidFill>
+                        <a:schemeClr val="tx1"/>
+                      </a:solidFill>
+                      <a:prstDash val="solid"/>
+                      <a:round/>
+                      <a:headEnd type="none" w="med" len="med"/>
+                      <a:tailEnd type="none" w="med" len="med"/>
+                    </a:lnR>
+                    <a:lnT w="12700" cap="flat" cmpd="sng" algn="ctr">
+                      <a:solidFill>
+                        <a:schemeClr val="tx1"/>
+                      </a:solidFill>
+                      <a:prstDash val="solid"/>
+                      <a:round/>
+                      <a:headEnd type="none" w="med" len="med"/>
+                      <a:tailEnd type="none" w="med" len="med"/>
+                    </a:lnT>
+                    <a:lnB w="12700" cap="flat" cmpd="sng" algn="ctr">
+                      <a:solidFill>
+                        <a:schemeClr val="tx1"/>
+                      </a:solidFill>
+                      <a:prstDash val="solid"/>
+                      <a:round/>
+                      <a:headEnd type="none" w="med" len="med"/>
+                      <a:tailEnd type="none" w="med" len="med"/>
+                    </a:lnB>
+                    <a:lnTlToBr w="12700" cmpd="sng">
+                      <a:noFill/>
+                      <a:prstDash val="solid"/>
+                    </a:lnTlToBr>
+                    <a:lnBlToTr w="12700" cmpd="sng">
+                      <a:noFill/>
+                      <a:prstDash val="solid"/>
+                    </a:lnBlToTr>
+                    <a:solidFill>
+                      <a:schemeClr val="bg1"/>
+                    </a:solidFill>
+                  </a:tcPr>
+                </a:tc>
+                <a:tc>
+                  <a:txBody>
+                    <a:bodyPr/>
+                    <a:lstStyle/>
+                    <a:p>
+                      <a:pPr>
+                        <a:lnSpc>
+                          <a:spcPct val="107000"/>
+                        </a:lnSpc>
+                        <a:spcAft>
+                          <a:spcPts val="0"/>
+                        </a:spcAft>
+                      </a:pPr>
+                      <a:r>
+                        <a:rPr lang="en-US" sz="2000" dirty="0">
+                          <a:solidFill>
+                            <a:schemeClr val="tx1"/>
+                          </a:solidFill>
+                          <a:effectLst/>
+                        </a:rPr>
+                        <a:t>Cucumber</a:t>
+                      </a:r>
+                      <a:endParaRPr lang="ru-RU" sz="2000" dirty="0">
+                        <a:solidFill>
+                          <a:schemeClr val="tx1"/>
+                        </a:solidFill>
+                        <a:effectLst/>
+                        <a:latin typeface="Calibri" panose="020F0502020204030204" pitchFamily="34" charset="0"/>
+                        <a:ea typeface="Calibri" panose="020F0502020204030204" pitchFamily="34" charset="0"/>
+                        <a:cs typeface="Times New Roman" panose="02020603050405020304" pitchFamily="18" charset="0"/>
+                      </a:endParaRPr>
+                    </a:p>
+                  </a:txBody>
+                  <a:tcPr marL="68580" marR="68580" marT="0" marB="0">
+                    <a:lnL w="12700" cap="flat" cmpd="sng" algn="ctr">
+                      <a:solidFill>
+                        <a:schemeClr val="tx1"/>
+                      </a:solidFill>
+                      <a:prstDash val="solid"/>
+                      <a:round/>
+                      <a:headEnd type="none" w="med" len="med"/>
+                      <a:tailEnd type="none" w="med" len="med"/>
+                    </a:lnL>
+                    <a:lnR w="12700" cap="flat" cmpd="sng" algn="ctr">
+                      <a:solidFill>
+                        <a:schemeClr val="tx1"/>
+                      </a:solidFill>
+                      <a:prstDash val="solid"/>
+                      <a:round/>
+                      <a:headEnd type="none" w="med" len="med"/>
+                      <a:tailEnd type="none" w="med" len="med"/>
+                    </a:lnR>
+                    <a:lnT w="12700" cap="flat" cmpd="sng" algn="ctr">
+                      <a:solidFill>
+                        <a:schemeClr val="tx1"/>
+                      </a:solidFill>
+                      <a:prstDash val="solid"/>
+                      <a:round/>
+                      <a:headEnd type="none" w="med" len="med"/>
+                      <a:tailEnd type="none" w="med" len="med"/>
+                    </a:lnT>
+                    <a:lnB w="12700" cap="flat" cmpd="sng" algn="ctr">
+                      <a:solidFill>
+                        <a:schemeClr val="tx1"/>
+                      </a:solidFill>
+                      <a:prstDash val="solid"/>
+                      <a:round/>
+                      <a:headEnd type="none" w="med" len="med"/>
+                      <a:tailEnd type="none" w="med" len="med"/>
+                    </a:lnB>
+                    <a:lnTlToBr w="12700" cmpd="sng">
+                      <a:noFill/>
+                      <a:prstDash val="solid"/>
+                    </a:lnTlToBr>
+                    <a:lnBlToTr w="12700" cmpd="sng">
+                      <a:noFill/>
+                      <a:prstDash val="solid"/>
+                    </a:lnBlToTr>
+                    <a:solidFill>
+                      <a:schemeClr val="bg1"/>
+                    </a:solidFill>
+                  </a:tcPr>
+                </a:tc>
+              </a:tr>
+              <a:tr h="987748">
+                <a:tc>
+                  <a:txBody>
+                    <a:bodyPr/>
+                    <a:lstStyle/>
+                    <a:p>
+                      <a:pPr>
+                        <a:lnSpc>
+                          <a:spcPct val="107000"/>
+                        </a:lnSpc>
+                        <a:spcAft>
+                          <a:spcPts val="0"/>
+                        </a:spcAft>
+                      </a:pPr>
+                      <a:r>
+                        <a:rPr lang="ru-RU" sz="2000" dirty="0">
+                          <a:solidFill>
+                            <a:schemeClr val="tx1"/>
+                          </a:solidFill>
+                          <a:effectLst/>
+                        </a:rPr>
+                        <a:t>Возможность описать несколько тестовых сценариев в документе</a:t>
+                      </a:r>
+                      <a:endParaRPr lang="ru-RU" sz="2000" dirty="0">
+                        <a:solidFill>
+                          <a:schemeClr val="tx1"/>
+                        </a:solidFill>
+                        <a:effectLst/>
+                        <a:latin typeface="Calibri" panose="020F0502020204030204" pitchFamily="34" charset="0"/>
+                        <a:ea typeface="Calibri" panose="020F0502020204030204" pitchFamily="34" charset="0"/>
+                        <a:cs typeface="Times New Roman" panose="02020603050405020304" pitchFamily="18" charset="0"/>
+                      </a:endParaRPr>
+                    </a:p>
+                  </a:txBody>
+                  <a:tcPr marL="68580" marR="68580" marT="0" marB="0" anchor="ctr">
+                    <a:lnL w="12700" cap="flat" cmpd="sng" algn="ctr">
+                      <a:solidFill>
+                        <a:schemeClr val="tx1"/>
+                      </a:solidFill>
+                      <a:prstDash val="solid"/>
+                      <a:round/>
+                      <a:headEnd type="none" w="med" len="med"/>
+                      <a:tailEnd type="none" w="med" len="med"/>
+                    </a:lnL>
+                    <a:lnR w="12700" cap="flat" cmpd="sng" algn="ctr">
+                      <a:solidFill>
+                        <a:schemeClr val="tx1"/>
+                      </a:solidFill>
+                      <a:prstDash val="solid"/>
+                      <a:round/>
+                      <a:headEnd type="none" w="med" len="med"/>
+                      <a:tailEnd type="none" w="med" len="med"/>
+                    </a:lnR>
+                    <a:lnT w="12700" cap="flat" cmpd="sng" algn="ctr">
+                      <a:solidFill>
+                        <a:schemeClr val="tx1"/>
+                      </a:solidFill>
+                      <a:prstDash val="solid"/>
+                      <a:round/>
+                      <a:headEnd type="none" w="med" len="med"/>
+                      <a:tailEnd type="none" w="med" len="med"/>
+                    </a:lnT>
+                    <a:lnB w="12700" cap="flat" cmpd="sng" algn="ctr">
+                      <a:solidFill>
+                        <a:schemeClr val="tx1"/>
+                      </a:solidFill>
+                      <a:prstDash val="solid"/>
+                      <a:round/>
+                      <a:headEnd type="none" w="med" len="med"/>
+                      <a:tailEnd type="none" w="med" len="med"/>
+                    </a:lnB>
+                    <a:lnTlToBr w="12700" cmpd="sng">
+                      <a:noFill/>
+                      <a:prstDash val="solid"/>
+                    </a:lnTlToBr>
+                    <a:lnBlToTr w="12700" cmpd="sng">
+                      <a:noFill/>
+                      <a:prstDash val="solid"/>
+                    </a:lnBlToTr>
+                    <a:solidFill>
+                      <a:schemeClr val="bg1"/>
+                    </a:solidFill>
+                  </a:tcPr>
+                </a:tc>
+                <a:tc>
+                  <a:txBody>
+                    <a:bodyPr/>
+                    <a:lstStyle/>
+                    <a:p>
+                      <a:pPr>
+                        <a:lnSpc>
+                          <a:spcPct val="107000"/>
+                        </a:lnSpc>
+                        <a:spcAft>
+                          <a:spcPts val="0"/>
+                        </a:spcAft>
+                      </a:pPr>
+                      <a:r>
+                        <a:rPr lang="en-US" sz="2000" dirty="0">
+                          <a:solidFill>
+                            <a:schemeClr val="tx1"/>
+                          </a:solidFill>
+                          <a:effectLst/>
+                        </a:rPr>
+                        <a:t>+</a:t>
+                      </a:r>
+                      <a:endParaRPr lang="ru-RU" sz="2000" dirty="0">
+                        <a:solidFill>
+                          <a:schemeClr val="tx1"/>
+                        </a:solidFill>
+                        <a:effectLst/>
+                        <a:latin typeface="Calibri" panose="020F0502020204030204" pitchFamily="34" charset="0"/>
+                        <a:ea typeface="Calibri" panose="020F0502020204030204" pitchFamily="34" charset="0"/>
+                        <a:cs typeface="Times New Roman" panose="02020603050405020304" pitchFamily="18" charset="0"/>
+                      </a:endParaRPr>
+                    </a:p>
+                  </a:txBody>
+                  <a:tcPr marL="68580" marR="68580" marT="0" marB="0" anchor="ctr">
+                    <a:lnL w="12700" cap="flat" cmpd="sng" algn="ctr">
+                      <a:solidFill>
+                        <a:schemeClr val="tx1"/>
+                      </a:solidFill>
+                      <a:prstDash val="solid"/>
+                      <a:round/>
+                      <a:headEnd type="none" w="med" len="med"/>
+                      <a:tailEnd type="none" w="med" len="med"/>
+                    </a:lnL>
+                    <a:lnR w="12700" cap="flat" cmpd="sng" algn="ctr">
+                      <a:solidFill>
+                        <a:schemeClr val="tx1"/>
+                      </a:solidFill>
+                      <a:prstDash val="solid"/>
+                      <a:round/>
+                      <a:headEnd type="none" w="med" len="med"/>
+                      <a:tailEnd type="none" w="med" len="med"/>
+                    </a:lnR>
+                    <a:lnT w="12700" cap="flat" cmpd="sng" algn="ctr">
+                      <a:solidFill>
+                        <a:schemeClr val="tx1"/>
+                      </a:solidFill>
+                      <a:prstDash val="solid"/>
+                      <a:round/>
+                      <a:headEnd type="none" w="med" len="med"/>
+                      <a:tailEnd type="none" w="med" len="med"/>
+                    </a:lnT>
+                    <a:lnB w="12700" cap="flat" cmpd="sng" algn="ctr">
+                      <a:solidFill>
+                        <a:schemeClr val="tx1"/>
+                      </a:solidFill>
+                      <a:prstDash val="solid"/>
+                      <a:round/>
+                      <a:headEnd type="none" w="med" len="med"/>
+                      <a:tailEnd type="none" w="med" len="med"/>
+                    </a:lnB>
+                    <a:lnTlToBr w="12700" cmpd="sng">
+                      <a:noFill/>
+                      <a:prstDash val="solid"/>
+                    </a:lnTlToBr>
+                    <a:lnBlToTr w="12700" cmpd="sng">
+                      <a:noFill/>
+                      <a:prstDash val="solid"/>
+                    </a:lnBlToTr>
+                    <a:solidFill>
+                      <a:srgbClr val="C7F5D3"/>
+                    </a:solidFill>
+                  </a:tcPr>
+                </a:tc>
+                <a:tc>
+                  <a:txBody>
+                    <a:bodyPr/>
+                    <a:lstStyle/>
+                    <a:p>
+                      <a:pPr>
+                        <a:lnSpc>
+                          <a:spcPct val="107000"/>
+                        </a:lnSpc>
+                        <a:spcAft>
+                          <a:spcPts val="0"/>
+                        </a:spcAft>
+                      </a:pPr>
+                      <a:r>
+                        <a:rPr lang="en-US" sz="2000" dirty="0">
+                          <a:solidFill>
+                            <a:schemeClr val="tx1"/>
+                          </a:solidFill>
+                          <a:effectLst/>
+                        </a:rPr>
+                        <a:t>+</a:t>
+                      </a:r>
+                      <a:endParaRPr lang="ru-RU" sz="2000" dirty="0">
+                        <a:solidFill>
+                          <a:schemeClr val="tx1"/>
+                        </a:solidFill>
+                        <a:effectLst/>
+                        <a:latin typeface="Calibri" panose="020F0502020204030204" pitchFamily="34" charset="0"/>
+                        <a:ea typeface="Calibri" panose="020F0502020204030204" pitchFamily="34" charset="0"/>
+                        <a:cs typeface="Times New Roman" panose="02020603050405020304" pitchFamily="18" charset="0"/>
+                      </a:endParaRPr>
+                    </a:p>
+                  </a:txBody>
+                  <a:tcPr marL="68580" marR="68580" marT="0" marB="0" anchor="ctr">
+                    <a:lnL w="12700" cap="flat" cmpd="sng" algn="ctr">
+                      <a:solidFill>
+                        <a:schemeClr val="tx1"/>
+                      </a:solidFill>
+                      <a:prstDash val="solid"/>
+                      <a:round/>
+                      <a:headEnd type="none" w="med" len="med"/>
+                      <a:tailEnd type="none" w="med" len="med"/>
+                    </a:lnL>
+                    <a:lnR w="12700" cap="flat" cmpd="sng" algn="ctr">
+                      <a:solidFill>
+                        <a:schemeClr val="tx1"/>
+                      </a:solidFill>
+                      <a:prstDash val="solid"/>
+                      <a:round/>
+                      <a:headEnd type="none" w="med" len="med"/>
+                      <a:tailEnd type="none" w="med" len="med"/>
+                    </a:lnR>
+                    <a:lnT w="12700" cap="flat" cmpd="sng" algn="ctr">
+                      <a:solidFill>
+                        <a:schemeClr val="tx1"/>
+                      </a:solidFill>
+                      <a:prstDash val="solid"/>
+                      <a:round/>
+                      <a:headEnd type="none" w="med" len="med"/>
+                      <a:tailEnd type="none" w="med" len="med"/>
+                    </a:lnT>
+                    <a:lnB w="12700" cap="flat" cmpd="sng" algn="ctr">
+                      <a:solidFill>
+                        <a:schemeClr val="tx1"/>
+                      </a:solidFill>
+                      <a:prstDash val="solid"/>
+                      <a:round/>
+                      <a:headEnd type="none" w="med" len="med"/>
+                      <a:tailEnd type="none" w="med" len="med"/>
+                    </a:lnB>
+                    <a:lnTlToBr w="12700" cmpd="sng">
+                      <a:noFill/>
+                      <a:prstDash val="solid"/>
+                    </a:lnTlToBr>
+                    <a:lnBlToTr w="12700" cmpd="sng">
+                      <a:noFill/>
+                      <a:prstDash val="solid"/>
+                    </a:lnBlToTr>
+                    <a:solidFill>
+                      <a:srgbClr val="C7F5D3"/>
+                    </a:solidFill>
+                  </a:tcPr>
+                </a:tc>
+                <a:tc>
+                  <a:txBody>
+                    <a:bodyPr/>
+                    <a:lstStyle/>
+                    <a:p>
+                      <a:pPr>
+                        <a:lnSpc>
+                          <a:spcPct val="107000"/>
+                        </a:lnSpc>
+                        <a:spcAft>
+                          <a:spcPts val="0"/>
+                        </a:spcAft>
+                      </a:pPr>
+                      <a:r>
+                        <a:rPr lang="en-US" sz="2000" dirty="0">
+                          <a:solidFill>
+                            <a:schemeClr val="tx1"/>
+                          </a:solidFill>
+                          <a:effectLst/>
+                        </a:rPr>
+                        <a:t>+</a:t>
+                      </a:r>
+                      <a:endParaRPr lang="ru-RU" sz="2000" dirty="0">
+                        <a:solidFill>
+                          <a:schemeClr val="tx1"/>
+                        </a:solidFill>
+                        <a:effectLst/>
+                        <a:latin typeface="Calibri" panose="020F0502020204030204" pitchFamily="34" charset="0"/>
+                        <a:ea typeface="Calibri" panose="020F0502020204030204" pitchFamily="34" charset="0"/>
+                        <a:cs typeface="Times New Roman" panose="02020603050405020304" pitchFamily="18" charset="0"/>
+                      </a:endParaRPr>
+                    </a:p>
+                  </a:txBody>
+                  <a:tcPr marL="68580" marR="68580" marT="0" marB="0" anchor="ctr">
+                    <a:lnL w="12700" cap="flat" cmpd="sng" algn="ctr">
+                      <a:solidFill>
+                        <a:schemeClr val="tx1"/>
+                      </a:solidFill>
+                      <a:prstDash val="solid"/>
+                      <a:round/>
+                      <a:headEnd type="none" w="med" len="med"/>
+                      <a:tailEnd type="none" w="med" len="med"/>
+                    </a:lnL>
+                    <a:lnR w="12700" cap="flat" cmpd="sng" algn="ctr">
+                      <a:solidFill>
+                        <a:schemeClr val="tx1"/>
+                      </a:solidFill>
+                      <a:prstDash val="solid"/>
+                      <a:round/>
+                      <a:headEnd type="none" w="med" len="med"/>
+                      <a:tailEnd type="none" w="med" len="med"/>
+                    </a:lnR>
+                    <a:lnT w="12700" cap="flat" cmpd="sng" algn="ctr">
+                      <a:solidFill>
+                        <a:schemeClr val="tx1"/>
+                      </a:solidFill>
+                      <a:prstDash val="solid"/>
+                      <a:round/>
+                      <a:headEnd type="none" w="med" len="med"/>
+                      <a:tailEnd type="none" w="med" len="med"/>
+                    </a:lnT>
+                    <a:lnB w="12700" cap="flat" cmpd="sng" algn="ctr">
+                      <a:solidFill>
+                        <a:schemeClr val="tx1"/>
+                      </a:solidFill>
+                      <a:prstDash val="solid"/>
+                      <a:round/>
+                      <a:headEnd type="none" w="med" len="med"/>
+                      <a:tailEnd type="none" w="med" len="med"/>
+                    </a:lnB>
+                    <a:lnTlToBr w="12700" cmpd="sng">
+                      <a:noFill/>
+                      <a:prstDash val="solid"/>
+                    </a:lnTlToBr>
+                    <a:lnBlToTr w="12700" cmpd="sng">
+                      <a:noFill/>
+                      <a:prstDash val="solid"/>
+                    </a:lnBlToTr>
+                    <a:solidFill>
+                      <a:srgbClr val="C7F5D3"/>
+                    </a:solidFill>
+                  </a:tcPr>
+                </a:tc>
+              </a:tr>
+              <a:tr h="632653">
+                <a:tc>
+                  <a:txBody>
+                    <a:bodyPr/>
+                    <a:lstStyle/>
+                    <a:p>
+                      <a:pPr>
+                        <a:lnSpc>
+                          <a:spcPct val="107000"/>
+                        </a:lnSpc>
+                        <a:spcAft>
+                          <a:spcPts val="0"/>
+                        </a:spcAft>
+                      </a:pPr>
+                      <a:r>
+                        <a:rPr lang="ru-RU" sz="2000" dirty="0">
+                          <a:solidFill>
+                            <a:schemeClr val="tx1"/>
+                          </a:solidFill>
+                          <a:effectLst/>
+                        </a:rPr>
+                        <a:t>Поддержка </a:t>
+                      </a:r>
+                      <a:r>
+                        <a:rPr lang="ru-RU" sz="2000" dirty="0" smtClean="0">
+                          <a:solidFill>
+                            <a:schemeClr val="tx1"/>
+                          </a:solidFill>
+                        </a:rPr>
+                        <a:t>возможности работы с шинами АС</a:t>
+                      </a:r>
+                      <a:endParaRPr lang="ru-RU" sz="2000" dirty="0">
+                        <a:solidFill>
+                          <a:schemeClr val="tx1"/>
+                        </a:solidFill>
+                        <a:effectLst/>
+                        <a:latin typeface="Calibri" panose="020F0502020204030204" pitchFamily="34" charset="0"/>
+                        <a:ea typeface="Calibri" panose="020F0502020204030204" pitchFamily="34" charset="0"/>
+                        <a:cs typeface="Times New Roman" panose="02020603050405020304" pitchFamily="18" charset="0"/>
+                      </a:endParaRPr>
+                    </a:p>
+                  </a:txBody>
+                  <a:tcPr marL="68580" marR="68580" marT="0" marB="0" anchor="ctr">
+                    <a:lnL w="12700" cap="flat" cmpd="sng" algn="ctr">
+                      <a:solidFill>
+                        <a:schemeClr val="tx1"/>
+                      </a:solidFill>
+                      <a:prstDash val="solid"/>
+                      <a:round/>
+                      <a:headEnd type="none" w="med" len="med"/>
+                      <a:tailEnd type="none" w="med" len="med"/>
+                    </a:lnL>
+                    <a:lnR w="12700" cap="flat" cmpd="sng" algn="ctr">
+                      <a:solidFill>
+                        <a:schemeClr val="tx1"/>
+                      </a:solidFill>
+                      <a:prstDash val="solid"/>
+                      <a:round/>
+                      <a:headEnd type="none" w="med" len="med"/>
+                      <a:tailEnd type="none" w="med" len="med"/>
+                    </a:lnR>
+                    <a:lnT w="12700" cap="flat" cmpd="sng" algn="ctr">
+                      <a:solidFill>
+                        <a:schemeClr val="tx1"/>
+                      </a:solidFill>
+                      <a:prstDash val="solid"/>
+                      <a:round/>
+                      <a:headEnd type="none" w="med" len="med"/>
+                      <a:tailEnd type="none" w="med" len="med"/>
+                    </a:lnT>
+                    <a:lnB w="12700" cap="flat" cmpd="sng" algn="ctr">
+                      <a:solidFill>
+                        <a:schemeClr val="tx1"/>
+                      </a:solidFill>
+                      <a:prstDash val="solid"/>
+                      <a:round/>
+                      <a:headEnd type="none" w="med" len="med"/>
+                      <a:tailEnd type="none" w="med" len="med"/>
+                    </a:lnB>
+                    <a:lnTlToBr w="12700" cmpd="sng">
+                      <a:noFill/>
+                      <a:prstDash val="solid"/>
+                    </a:lnTlToBr>
+                    <a:lnBlToTr w="12700" cmpd="sng">
+                      <a:noFill/>
+                      <a:prstDash val="solid"/>
+                    </a:lnBlToTr>
+                    <a:solidFill>
+                      <a:schemeClr val="bg1"/>
+                    </a:solidFill>
+                  </a:tcPr>
+                </a:tc>
+                <a:tc>
+                  <a:txBody>
+                    <a:bodyPr/>
+                    <a:lstStyle/>
+                    <a:p>
+                      <a:pPr>
+                        <a:lnSpc>
+                          <a:spcPct val="107000"/>
+                        </a:lnSpc>
+                        <a:spcAft>
+                          <a:spcPts val="0"/>
+                        </a:spcAft>
+                      </a:pPr>
+                      <a:r>
+                        <a:rPr lang="ru-RU" sz="2000" dirty="0">
+                          <a:solidFill>
+                            <a:schemeClr val="tx1"/>
+                          </a:solidFill>
+                          <a:effectLst/>
+                        </a:rPr>
+                        <a:t>+</a:t>
+                      </a:r>
+                      <a:endParaRPr lang="ru-RU" sz="2000" dirty="0">
+                        <a:solidFill>
+                          <a:schemeClr val="tx1"/>
+                        </a:solidFill>
+                        <a:effectLst/>
+                        <a:latin typeface="Calibri" panose="020F0502020204030204" pitchFamily="34" charset="0"/>
+                        <a:ea typeface="Calibri" panose="020F0502020204030204" pitchFamily="34" charset="0"/>
+                        <a:cs typeface="Times New Roman" panose="02020603050405020304" pitchFamily="18" charset="0"/>
+                      </a:endParaRPr>
+                    </a:p>
+                  </a:txBody>
+                  <a:tcPr marL="68580" marR="68580" marT="0" marB="0" anchor="ctr">
+                    <a:lnL w="12700" cap="flat" cmpd="sng" algn="ctr">
+                      <a:solidFill>
+                        <a:schemeClr val="tx1"/>
+                      </a:solidFill>
+                      <a:prstDash val="solid"/>
+                      <a:round/>
+                      <a:headEnd type="none" w="med" len="med"/>
+                      <a:tailEnd type="none" w="med" len="med"/>
+                    </a:lnL>
+                    <a:lnR w="12700" cap="flat" cmpd="sng" algn="ctr">
+                      <a:solidFill>
+                        <a:schemeClr val="tx1"/>
+                      </a:solidFill>
+                      <a:prstDash val="solid"/>
+                      <a:round/>
+                      <a:headEnd type="none" w="med" len="med"/>
+                      <a:tailEnd type="none" w="med" len="med"/>
+                    </a:lnR>
+                    <a:lnT w="12700" cap="flat" cmpd="sng" algn="ctr">
+                      <a:solidFill>
+                        <a:schemeClr val="tx1"/>
+                      </a:solidFill>
+                      <a:prstDash val="solid"/>
+                      <a:round/>
+                      <a:headEnd type="none" w="med" len="med"/>
+                      <a:tailEnd type="none" w="med" len="med"/>
+                    </a:lnT>
+                    <a:lnB w="12700" cap="flat" cmpd="sng" algn="ctr">
+                      <a:solidFill>
+                        <a:schemeClr val="tx1"/>
+                      </a:solidFill>
+                      <a:prstDash val="solid"/>
+                      <a:round/>
+                      <a:headEnd type="none" w="med" len="med"/>
+                      <a:tailEnd type="none" w="med" len="med"/>
+                    </a:lnB>
+                    <a:lnTlToBr w="12700" cmpd="sng">
+                      <a:noFill/>
+                      <a:prstDash val="solid"/>
+                    </a:lnTlToBr>
+                    <a:lnBlToTr w="12700" cmpd="sng">
+                      <a:noFill/>
+                      <a:prstDash val="solid"/>
+                    </a:lnBlToTr>
+                    <a:solidFill>
+                      <a:srgbClr val="C7F5D3"/>
+                    </a:solidFill>
+                  </a:tcPr>
+                </a:tc>
+                <a:tc>
+                  <a:txBody>
+                    <a:bodyPr/>
+                    <a:lstStyle/>
+                    <a:p>
+                      <a:pPr>
+                        <a:lnSpc>
+                          <a:spcPct val="107000"/>
+                        </a:lnSpc>
+                        <a:spcAft>
+                          <a:spcPts val="0"/>
+                        </a:spcAft>
+                      </a:pPr>
+                      <a:r>
+                        <a:rPr lang="ru-RU" sz="2000">
+                          <a:solidFill>
+                            <a:schemeClr val="tx1"/>
+                          </a:solidFill>
+                          <a:effectLst/>
+                        </a:rPr>
+                        <a:t>+</a:t>
+                      </a:r>
+                      <a:endParaRPr lang="ru-RU" sz="2000">
+                        <a:solidFill>
+                          <a:schemeClr val="tx1"/>
+                        </a:solidFill>
+                        <a:effectLst/>
+                        <a:latin typeface="Calibri" panose="020F0502020204030204" pitchFamily="34" charset="0"/>
+                        <a:ea typeface="Calibri" panose="020F0502020204030204" pitchFamily="34" charset="0"/>
+                        <a:cs typeface="Times New Roman" panose="02020603050405020304" pitchFamily="18" charset="0"/>
+                      </a:endParaRPr>
+                    </a:p>
+                  </a:txBody>
+                  <a:tcPr marL="68580" marR="68580" marT="0" marB="0" anchor="ctr">
+                    <a:lnL w="12700" cap="flat" cmpd="sng" algn="ctr">
+                      <a:solidFill>
+                        <a:schemeClr val="tx1"/>
+                      </a:solidFill>
+                      <a:prstDash val="solid"/>
+                      <a:round/>
+                      <a:headEnd type="none" w="med" len="med"/>
+                      <a:tailEnd type="none" w="med" len="med"/>
+                    </a:lnL>
+                    <a:lnR w="12700" cap="flat" cmpd="sng" algn="ctr">
+                      <a:solidFill>
+                        <a:schemeClr val="tx1"/>
+                      </a:solidFill>
+                      <a:prstDash val="solid"/>
+                      <a:round/>
+                      <a:headEnd type="none" w="med" len="med"/>
+                      <a:tailEnd type="none" w="med" len="med"/>
+                    </a:lnR>
+                    <a:lnT w="12700" cap="flat" cmpd="sng" algn="ctr">
+                      <a:solidFill>
+                        <a:schemeClr val="tx1"/>
+                      </a:solidFill>
+                      <a:prstDash val="solid"/>
+                      <a:round/>
+                      <a:headEnd type="none" w="med" len="med"/>
+                      <a:tailEnd type="none" w="med" len="med"/>
+                    </a:lnT>
+                    <a:lnB w="12700" cap="flat" cmpd="sng" algn="ctr">
+                      <a:solidFill>
+                        <a:schemeClr val="tx1"/>
+                      </a:solidFill>
+                      <a:prstDash val="solid"/>
+                      <a:round/>
+                      <a:headEnd type="none" w="med" len="med"/>
+                      <a:tailEnd type="none" w="med" len="med"/>
+                    </a:lnB>
+                    <a:lnTlToBr w="12700" cmpd="sng">
+                      <a:noFill/>
+                      <a:prstDash val="solid"/>
+                    </a:lnTlToBr>
+                    <a:lnBlToTr w="12700" cmpd="sng">
+                      <a:noFill/>
+                      <a:prstDash val="solid"/>
+                    </a:lnBlToTr>
+                    <a:solidFill>
+                      <a:srgbClr val="C7F5D3"/>
+                    </a:solidFill>
+                  </a:tcPr>
+                </a:tc>
+                <a:tc>
+                  <a:txBody>
+                    <a:bodyPr/>
+                    <a:lstStyle/>
+                    <a:p>
+                      <a:pPr>
+                        <a:lnSpc>
+                          <a:spcPct val="107000"/>
+                        </a:lnSpc>
+                        <a:spcAft>
+                          <a:spcPts val="0"/>
+                        </a:spcAft>
+                      </a:pPr>
+                      <a:r>
+                        <a:rPr lang="ru-RU" sz="2000" dirty="0">
+                          <a:solidFill>
+                            <a:schemeClr val="tx1"/>
+                          </a:solidFill>
+                          <a:effectLst/>
+                        </a:rPr>
+                        <a:t>-</a:t>
+                      </a:r>
+                      <a:endParaRPr lang="ru-RU" sz="2000" dirty="0">
+                        <a:solidFill>
+                          <a:schemeClr val="tx1"/>
+                        </a:solidFill>
+                        <a:effectLst/>
+                        <a:latin typeface="Calibri" panose="020F0502020204030204" pitchFamily="34" charset="0"/>
+                        <a:ea typeface="Calibri" panose="020F0502020204030204" pitchFamily="34" charset="0"/>
+                        <a:cs typeface="Times New Roman" panose="02020603050405020304" pitchFamily="18" charset="0"/>
+                      </a:endParaRPr>
+                    </a:p>
+                  </a:txBody>
+                  <a:tcPr marL="68580" marR="68580" marT="0" marB="0" anchor="ctr">
+                    <a:lnL w="12700" cap="flat" cmpd="sng" algn="ctr">
+                      <a:solidFill>
+                        <a:schemeClr val="tx1"/>
+                      </a:solidFill>
+                      <a:prstDash val="solid"/>
+                      <a:round/>
+                      <a:headEnd type="none" w="med" len="med"/>
+                      <a:tailEnd type="none" w="med" len="med"/>
+                    </a:lnL>
+                    <a:lnR w="12700" cap="flat" cmpd="sng" algn="ctr">
+                      <a:solidFill>
+                        <a:schemeClr val="tx1"/>
+                      </a:solidFill>
+                      <a:prstDash val="solid"/>
+                      <a:round/>
+                      <a:headEnd type="none" w="med" len="med"/>
+                      <a:tailEnd type="none" w="med" len="med"/>
+                    </a:lnR>
+                    <a:lnT w="12700" cap="flat" cmpd="sng" algn="ctr">
+                      <a:solidFill>
+                        <a:schemeClr val="tx1"/>
+                      </a:solidFill>
+                      <a:prstDash val="solid"/>
+                      <a:round/>
+                      <a:headEnd type="none" w="med" len="med"/>
+                      <a:tailEnd type="none" w="med" len="med"/>
+                    </a:lnT>
+                    <a:lnB w="12700" cap="flat" cmpd="sng" algn="ctr">
+                      <a:solidFill>
+                        <a:schemeClr val="tx1"/>
+                      </a:solidFill>
+                      <a:prstDash val="solid"/>
+                      <a:round/>
+                      <a:headEnd type="none" w="med" len="med"/>
+                      <a:tailEnd type="none" w="med" len="med"/>
+                    </a:lnB>
+                    <a:lnTlToBr w="12700" cmpd="sng">
+                      <a:noFill/>
+                      <a:prstDash val="solid"/>
+                    </a:lnTlToBr>
+                    <a:lnBlToTr w="12700" cmpd="sng">
+                      <a:noFill/>
+                      <a:prstDash val="solid"/>
+                    </a:lnBlToTr>
+                    <a:solidFill>
+                      <a:schemeClr val="accent2">
+                        <a:lumMod val="20000"/>
+                        <a:lumOff val="80000"/>
+                      </a:schemeClr>
+                    </a:solidFill>
+                  </a:tcPr>
+                </a:tc>
+              </a:tr>
+              <a:tr h="632653">
+                <a:tc>
+                  <a:txBody>
+                    <a:bodyPr/>
+                    <a:lstStyle/>
+                    <a:p>
+                      <a:pPr>
+                        <a:lnSpc>
+                          <a:spcPct val="107000"/>
+                        </a:lnSpc>
+                        <a:spcAft>
+                          <a:spcPts val="0"/>
+                        </a:spcAft>
+                      </a:pPr>
+                      <a:r>
+                        <a:rPr lang="ru-RU" sz="2000" dirty="0">
+                          <a:solidFill>
+                            <a:schemeClr val="tx1"/>
+                          </a:solidFill>
+                          <a:effectLst/>
+                        </a:rPr>
+                        <a:t>Циклическое выполнение тестовых шагов</a:t>
+                      </a:r>
+                      <a:endParaRPr lang="ru-RU" sz="2000" dirty="0">
+                        <a:solidFill>
+                          <a:schemeClr val="tx1"/>
+                        </a:solidFill>
+                        <a:effectLst/>
+                        <a:latin typeface="Calibri" panose="020F0502020204030204" pitchFamily="34" charset="0"/>
+                        <a:ea typeface="Calibri" panose="020F0502020204030204" pitchFamily="34" charset="0"/>
+                        <a:cs typeface="Times New Roman" panose="02020603050405020304" pitchFamily="18" charset="0"/>
+                      </a:endParaRPr>
+                    </a:p>
+                  </a:txBody>
+                  <a:tcPr marL="68580" marR="68580" marT="0" marB="0" anchor="ctr">
+                    <a:lnL w="12700" cap="flat" cmpd="sng" algn="ctr">
+                      <a:solidFill>
+                        <a:schemeClr val="tx1"/>
+                      </a:solidFill>
+                      <a:prstDash val="solid"/>
+                      <a:round/>
+                      <a:headEnd type="none" w="med" len="med"/>
+                      <a:tailEnd type="none" w="med" len="med"/>
+                    </a:lnL>
+                    <a:lnR w="12700" cap="flat" cmpd="sng" algn="ctr">
+                      <a:solidFill>
+                        <a:schemeClr val="tx1"/>
+                      </a:solidFill>
+                      <a:prstDash val="solid"/>
+                      <a:round/>
+                      <a:headEnd type="none" w="med" len="med"/>
+                      <a:tailEnd type="none" w="med" len="med"/>
+                    </a:lnR>
+                    <a:lnT w="12700" cap="flat" cmpd="sng" algn="ctr">
+                      <a:solidFill>
+                        <a:schemeClr val="tx1"/>
+                      </a:solidFill>
+                      <a:prstDash val="solid"/>
+                      <a:round/>
+                      <a:headEnd type="none" w="med" len="med"/>
+                      <a:tailEnd type="none" w="med" len="med"/>
+                    </a:lnT>
+                    <a:lnB w="12700" cap="flat" cmpd="sng" algn="ctr">
+                      <a:solidFill>
+                        <a:schemeClr val="tx1"/>
+                      </a:solidFill>
+                      <a:prstDash val="solid"/>
+                      <a:round/>
+                      <a:headEnd type="none" w="med" len="med"/>
+                      <a:tailEnd type="none" w="med" len="med"/>
+                    </a:lnB>
+                    <a:lnTlToBr w="12700" cmpd="sng">
+                      <a:noFill/>
+                      <a:prstDash val="solid"/>
+                    </a:lnTlToBr>
+                    <a:lnBlToTr w="12700" cmpd="sng">
+                      <a:noFill/>
+                      <a:prstDash val="solid"/>
+                    </a:lnBlToTr>
+                    <a:solidFill>
+                      <a:schemeClr val="bg1"/>
+                    </a:solidFill>
+                  </a:tcPr>
+                </a:tc>
+                <a:tc>
+                  <a:txBody>
+                    <a:bodyPr/>
+                    <a:lstStyle/>
+                    <a:p>
+                      <a:pPr>
+                        <a:lnSpc>
+                          <a:spcPct val="107000"/>
+                        </a:lnSpc>
+                        <a:spcAft>
+                          <a:spcPts val="0"/>
+                        </a:spcAft>
+                      </a:pPr>
+                      <a:r>
+                        <a:rPr lang="ru-RU" sz="2000" dirty="0">
+                          <a:solidFill>
+                            <a:schemeClr val="tx1"/>
+                          </a:solidFill>
+                          <a:effectLst/>
+                        </a:rPr>
+                        <a:t>+</a:t>
+                      </a:r>
+                      <a:endParaRPr lang="ru-RU" sz="2000" dirty="0">
+                        <a:solidFill>
+                          <a:schemeClr val="tx1"/>
+                        </a:solidFill>
+                        <a:effectLst/>
+                        <a:latin typeface="Calibri" panose="020F0502020204030204" pitchFamily="34" charset="0"/>
+                        <a:ea typeface="Calibri" panose="020F0502020204030204" pitchFamily="34" charset="0"/>
+                        <a:cs typeface="Times New Roman" panose="02020603050405020304" pitchFamily="18" charset="0"/>
+                      </a:endParaRPr>
+                    </a:p>
+                  </a:txBody>
+                  <a:tcPr marL="68580" marR="68580" marT="0" marB="0" anchor="ctr">
+                    <a:lnL w="12700" cap="flat" cmpd="sng" algn="ctr">
+                      <a:solidFill>
+                        <a:schemeClr val="tx1"/>
+                      </a:solidFill>
+                      <a:prstDash val="solid"/>
+                      <a:round/>
+                      <a:headEnd type="none" w="med" len="med"/>
+                      <a:tailEnd type="none" w="med" len="med"/>
+                    </a:lnL>
+                    <a:lnR w="12700" cap="flat" cmpd="sng" algn="ctr">
+                      <a:solidFill>
+                        <a:schemeClr val="tx1"/>
+                      </a:solidFill>
+                      <a:prstDash val="solid"/>
+                      <a:round/>
+                      <a:headEnd type="none" w="med" len="med"/>
+                      <a:tailEnd type="none" w="med" len="med"/>
+                    </a:lnR>
+                    <a:lnT w="12700" cap="flat" cmpd="sng" algn="ctr">
+                      <a:solidFill>
+                        <a:schemeClr val="tx1"/>
+                      </a:solidFill>
+                      <a:prstDash val="solid"/>
+                      <a:round/>
+                      <a:headEnd type="none" w="med" len="med"/>
+                      <a:tailEnd type="none" w="med" len="med"/>
+                    </a:lnT>
+                    <a:lnB w="12700" cap="flat" cmpd="sng" algn="ctr">
+                      <a:solidFill>
+                        <a:schemeClr val="tx1"/>
+                      </a:solidFill>
+                      <a:prstDash val="solid"/>
+                      <a:round/>
+                      <a:headEnd type="none" w="med" len="med"/>
+                      <a:tailEnd type="none" w="med" len="med"/>
+                    </a:lnB>
+                    <a:lnTlToBr w="12700" cmpd="sng">
+                      <a:noFill/>
+                      <a:prstDash val="solid"/>
+                    </a:lnTlToBr>
+                    <a:lnBlToTr w="12700" cmpd="sng">
+                      <a:noFill/>
+                      <a:prstDash val="solid"/>
+                    </a:lnBlToTr>
+                    <a:solidFill>
+                      <a:srgbClr val="C7F5D3"/>
+                    </a:solidFill>
+                  </a:tcPr>
+                </a:tc>
+                <a:tc>
+                  <a:txBody>
+                    <a:bodyPr/>
+                    <a:lstStyle/>
+                    <a:p>
+                      <a:pPr>
+                        <a:lnSpc>
+                          <a:spcPct val="107000"/>
+                        </a:lnSpc>
+                        <a:spcAft>
+                          <a:spcPts val="0"/>
+                        </a:spcAft>
+                      </a:pPr>
+                      <a:r>
+                        <a:rPr lang="ru-RU" sz="2000" dirty="0">
+                          <a:solidFill>
+                            <a:schemeClr val="tx1"/>
+                          </a:solidFill>
+                          <a:effectLst/>
+                        </a:rPr>
+                        <a:t>+</a:t>
+                      </a:r>
+                      <a:endParaRPr lang="ru-RU" sz="2000" dirty="0">
+                        <a:solidFill>
+                          <a:schemeClr val="tx1"/>
+                        </a:solidFill>
+                        <a:effectLst/>
+                        <a:latin typeface="Calibri" panose="020F0502020204030204" pitchFamily="34" charset="0"/>
+                        <a:ea typeface="Calibri" panose="020F0502020204030204" pitchFamily="34" charset="0"/>
+                        <a:cs typeface="Times New Roman" panose="02020603050405020304" pitchFamily="18" charset="0"/>
+                      </a:endParaRPr>
+                    </a:p>
+                  </a:txBody>
+                  <a:tcPr marL="68580" marR="68580" marT="0" marB="0" anchor="ctr">
+                    <a:lnL w="12700" cap="flat" cmpd="sng" algn="ctr">
+                      <a:solidFill>
+                        <a:schemeClr val="tx1"/>
+                      </a:solidFill>
+                      <a:prstDash val="solid"/>
+                      <a:round/>
+                      <a:headEnd type="none" w="med" len="med"/>
+                      <a:tailEnd type="none" w="med" len="med"/>
+                    </a:lnL>
+                    <a:lnR w="12700" cap="flat" cmpd="sng" algn="ctr">
+                      <a:solidFill>
+                        <a:schemeClr val="tx1"/>
+                      </a:solidFill>
+                      <a:prstDash val="solid"/>
+                      <a:round/>
+                      <a:headEnd type="none" w="med" len="med"/>
+                      <a:tailEnd type="none" w="med" len="med"/>
+                    </a:lnR>
+                    <a:lnT w="12700" cap="flat" cmpd="sng" algn="ctr">
+                      <a:solidFill>
+                        <a:schemeClr val="tx1"/>
+                      </a:solidFill>
+                      <a:prstDash val="solid"/>
+                      <a:round/>
+                      <a:headEnd type="none" w="med" len="med"/>
+                      <a:tailEnd type="none" w="med" len="med"/>
+                    </a:lnT>
+                    <a:lnB w="12700" cap="flat" cmpd="sng" algn="ctr">
+                      <a:solidFill>
+                        <a:schemeClr val="tx1"/>
+                      </a:solidFill>
+                      <a:prstDash val="solid"/>
+                      <a:round/>
+                      <a:headEnd type="none" w="med" len="med"/>
+                      <a:tailEnd type="none" w="med" len="med"/>
+                    </a:lnB>
+                    <a:lnTlToBr w="12700" cmpd="sng">
+                      <a:noFill/>
+                      <a:prstDash val="solid"/>
+                    </a:lnTlToBr>
+                    <a:lnBlToTr w="12700" cmpd="sng">
+                      <a:noFill/>
+                      <a:prstDash val="solid"/>
+                    </a:lnBlToTr>
+                    <a:solidFill>
+                      <a:srgbClr val="C7F5D3"/>
+                    </a:solidFill>
+                  </a:tcPr>
+                </a:tc>
+                <a:tc>
+                  <a:txBody>
+                    <a:bodyPr/>
+                    <a:lstStyle/>
+                    <a:p>
+                      <a:pPr>
+                        <a:lnSpc>
+                          <a:spcPct val="107000"/>
+                        </a:lnSpc>
+                        <a:spcAft>
+                          <a:spcPts val="0"/>
+                        </a:spcAft>
+                      </a:pPr>
+                      <a:r>
+                        <a:rPr lang="ru-RU" sz="2000" dirty="0">
+                          <a:solidFill>
+                            <a:schemeClr val="tx1"/>
+                          </a:solidFill>
+                          <a:effectLst/>
+                        </a:rPr>
+                        <a:t>-</a:t>
+                      </a:r>
+                      <a:endParaRPr lang="ru-RU" sz="2000" dirty="0">
+                        <a:solidFill>
+                          <a:schemeClr val="tx1"/>
+                        </a:solidFill>
+                        <a:effectLst/>
+                        <a:latin typeface="Calibri" panose="020F0502020204030204" pitchFamily="34" charset="0"/>
+                        <a:ea typeface="Calibri" panose="020F0502020204030204" pitchFamily="34" charset="0"/>
+                        <a:cs typeface="Times New Roman" panose="02020603050405020304" pitchFamily="18" charset="0"/>
+                      </a:endParaRPr>
+                    </a:p>
+                  </a:txBody>
+                  <a:tcPr marL="68580" marR="68580" marT="0" marB="0" anchor="ctr">
+                    <a:lnL w="12700" cap="flat" cmpd="sng" algn="ctr">
+                      <a:solidFill>
+                        <a:schemeClr val="tx1"/>
+                      </a:solidFill>
+                      <a:prstDash val="solid"/>
+                      <a:round/>
+                      <a:headEnd type="none" w="med" len="med"/>
+                      <a:tailEnd type="none" w="med" len="med"/>
+                    </a:lnL>
+                    <a:lnR w="12700" cap="flat" cmpd="sng" algn="ctr">
+                      <a:solidFill>
+                        <a:schemeClr val="tx1"/>
+                      </a:solidFill>
+                      <a:prstDash val="solid"/>
+                      <a:round/>
+                      <a:headEnd type="none" w="med" len="med"/>
+                      <a:tailEnd type="none" w="med" len="med"/>
+                    </a:lnR>
+                    <a:lnT w="12700" cap="flat" cmpd="sng" algn="ctr">
+                      <a:solidFill>
+                        <a:schemeClr val="tx1"/>
+                      </a:solidFill>
+                      <a:prstDash val="solid"/>
+                      <a:round/>
+                      <a:headEnd type="none" w="med" len="med"/>
+                      <a:tailEnd type="none" w="med" len="med"/>
+                    </a:lnT>
+                    <a:lnB w="12700" cap="flat" cmpd="sng" algn="ctr">
+                      <a:solidFill>
+                        <a:schemeClr val="tx1"/>
+                      </a:solidFill>
+                      <a:prstDash val="solid"/>
+                      <a:round/>
+                      <a:headEnd type="none" w="med" len="med"/>
+                      <a:tailEnd type="none" w="med" len="med"/>
+                    </a:lnB>
+                    <a:lnTlToBr w="12700" cmpd="sng">
+                      <a:noFill/>
+                      <a:prstDash val="solid"/>
+                    </a:lnTlToBr>
+                    <a:lnBlToTr w="12700" cmpd="sng">
+                      <a:noFill/>
+                      <a:prstDash val="solid"/>
+                    </a:lnBlToTr>
+                    <a:solidFill>
+                      <a:schemeClr val="accent2">
+                        <a:lumMod val="20000"/>
+                        <a:lumOff val="80000"/>
+                      </a:schemeClr>
+                    </a:solidFill>
+                  </a:tcPr>
+                </a:tc>
+              </a:tr>
+              <a:tr h="957146">
+                <a:tc>
+                  <a:txBody>
+                    <a:bodyPr/>
+                    <a:lstStyle/>
+                    <a:p>
+                      <a:pPr>
+                        <a:lnSpc>
+                          <a:spcPct val="107000"/>
+                        </a:lnSpc>
+                        <a:spcAft>
+                          <a:spcPts val="0"/>
+                        </a:spcAft>
+                      </a:pPr>
+                      <a:r>
+                        <a:rPr lang="ru-RU" sz="2000" dirty="0">
+                          <a:solidFill>
+                            <a:schemeClr val="tx1"/>
+                          </a:solidFill>
+                          <a:effectLst/>
+                        </a:rPr>
+                        <a:t>Возможность описывать инструкции тестовых сценариев в свободной форме</a:t>
+                      </a:r>
+                      <a:endParaRPr lang="ru-RU" sz="2000" dirty="0">
+                        <a:solidFill>
+                          <a:schemeClr val="tx1"/>
+                        </a:solidFill>
+                        <a:effectLst/>
+                        <a:latin typeface="Calibri" panose="020F0502020204030204" pitchFamily="34" charset="0"/>
+                        <a:ea typeface="Calibri" panose="020F0502020204030204" pitchFamily="34" charset="0"/>
+                        <a:cs typeface="Times New Roman" panose="02020603050405020304" pitchFamily="18" charset="0"/>
+                      </a:endParaRPr>
+                    </a:p>
+                  </a:txBody>
+                  <a:tcPr marL="68580" marR="68580" marT="0" marB="0" anchor="ctr">
+                    <a:lnL w="12700" cap="flat" cmpd="sng" algn="ctr">
+                      <a:solidFill>
+                        <a:schemeClr val="tx1"/>
+                      </a:solidFill>
+                      <a:prstDash val="solid"/>
+                      <a:round/>
+                      <a:headEnd type="none" w="med" len="med"/>
+                      <a:tailEnd type="none" w="med" len="med"/>
+                    </a:lnL>
+                    <a:lnR w="12700" cap="flat" cmpd="sng" algn="ctr">
+                      <a:solidFill>
+                        <a:schemeClr val="tx1"/>
+                      </a:solidFill>
+                      <a:prstDash val="solid"/>
+                      <a:round/>
+                      <a:headEnd type="none" w="med" len="med"/>
+                      <a:tailEnd type="none" w="med" len="med"/>
+                    </a:lnR>
+                    <a:lnT w="12700" cap="flat" cmpd="sng" algn="ctr">
+                      <a:solidFill>
+                        <a:schemeClr val="tx1"/>
+                      </a:solidFill>
+                      <a:prstDash val="solid"/>
+                      <a:round/>
+                      <a:headEnd type="none" w="med" len="med"/>
+                      <a:tailEnd type="none" w="med" len="med"/>
+                    </a:lnT>
+                    <a:lnB w="12700" cap="flat" cmpd="sng" algn="ctr">
+                      <a:solidFill>
+                        <a:schemeClr val="tx1"/>
+                      </a:solidFill>
+                      <a:prstDash val="solid"/>
+                      <a:round/>
+                      <a:headEnd type="none" w="med" len="med"/>
+                      <a:tailEnd type="none" w="med" len="med"/>
+                    </a:lnB>
+                    <a:lnTlToBr w="12700" cmpd="sng">
+                      <a:noFill/>
+                      <a:prstDash val="solid"/>
+                    </a:lnTlToBr>
+                    <a:lnBlToTr w="12700" cmpd="sng">
+                      <a:noFill/>
+                      <a:prstDash val="solid"/>
+                    </a:lnBlToTr>
+                    <a:solidFill>
+                      <a:schemeClr val="bg1"/>
+                    </a:solidFill>
+                  </a:tcPr>
+                </a:tc>
+                <a:tc>
+                  <a:txBody>
+                    <a:bodyPr/>
+                    <a:lstStyle/>
+                    <a:p>
+                      <a:pPr>
+                        <a:lnSpc>
+                          <a:spcPct val="107000"/>
+                        </a:lnSpc>
+                        <a:spcAft>
+                          <a:spcPts val="0"/>
+                        </a:spcAft>
+                      </a:pPr>
+                      <a:r>
+                        <a:rPr lang="ru-RU" sz="2000" dirty="0">
+                          <a:solidFill>
+                            <a:schemeClr val="tx1"/>
+                          </a:solidFill>
+                          <a:effectLst/>
+                        </a:rPr>
+                        <a:t>-</a:t>
+                      </a:r>
+                      <a:endParaRPr lang="ru-RU" sz="2000" dirty="0">
+                        <a:solidFill>
+                          <a:schemeClr val="tx1"/>
+                        </a:solidFill>
+                        <a:effectLst/>
+                        <a:latin typeface="Calibri" panose="020F0502020204030204" pitchFamily="34" charset="0"/>
+                        <a:ea typeface="Calibri" panose="020F0502020204030204" pitchFamily="34" charset="0"/>
+                        <a:cs typeface="Times New Roman" panose="02020603050405020304" pitchFamily="18" charset="0"/>
+                      </a:endParaRPr>
+                    </a:p>
+                  </a:txBody>
+                  <a:tcPr marL="68580" marR="68580" marT="0" marB="0" anchor="ctr">
+                    <a:lnL w="12700" cap="flat" cmpd="sng" algn="ctr">
+                      <a:solidFill>
+                        <a:schemeClr val="tx1"/>
+                      </a:solidFill>
+                      <a:prstDash val="solid"/>
+                      <a:round/>
+                      <a:headEnd type="none" w="med" len="med"/>
+                      <a:tailEnd type="none" w="med" len="med"/>
+                    </a:lnL>
+                    <a:lnR w="12700" cap="flat" cmpd="sng" algn="ctr">
+                      <a:solidFill>
+                        <a:schemeClr val="tx1"/>
+                      </a:solidFill>
+                      <a:prstDash val="solid"/>
+                      <a:round/>
+                      <a:headEnd type="none" w="med" len="med"/>
+                      <a:tailEnd type="none" w="med" len="med"/>
+                    </a:lnR>
+                    <a:lnT w="12700" cap="flat" cmpd="sng" algn="ctr">
+                      <a:solidFill>
+                        <a:schemeClr val="tx1"/>
+                      </a:solidFill>
+                      <a:prstDash val="solid"/>
+                      <a:round/>
+                      <a:headEnd type="none" w="med" len="med"/>
+                      <a:tailEnd type="none" w="med" len="med"/>
+                    </a:lnT>
+                    <a:lnB w="12700" cap="flat" cmpd="sng" algn="ctr">
+                      <a:solidFill>
+                        <a:schemeClr val="tx1"/>
+                      </a:solidFill>
+                      <a:prstDash val="solid"/>
+                      <a:round/>
+                      <a:headEnd type="none" w="med" len="med"/>
+                      <a:tailEnd type="none" w="med" len="med"/>
+                    </a:lnB>
+                    <a:lnTlToBr w="12700" cmpd="sng">
+                      <a:noFill/>
+                      <a:prstDash val="solid"/>
+                    </a:lnTlToBr>
+                    <a:lnBlToTr w="12700" cmpd="sng">
+                      <a:noFill/>
+                      <a:prstDash val="solid"/>
+                    </a:lnBlToTr>
+                    <a:solidFill>
+                      <a:schemeClr val="accent2">
+                        <a:lumMod val="20000"/>
+                        <a:lumOff val="80000"/>
+                      </a:schemeClr>
+                    </a:solidFill>
+                  </a:tcPr>
+                </a:tc>
+                <a:tc>
+                  <a:txBody>
+                    <a:bodyPr/>
+                    <a:lstStyle/>
+                    <a:p>
+                      <a:pPr>
+                        <a:lnSpc>
+                          <a:spcPct val="107000"/>
+                        </a:lnSpc>
+                        <a:spcAft>
+                          <a:spcPts val="0"/>
+                        </a:spcAft>
+                      </a:pPr>
+                      <a:r>
+                        <a:rPr lang="ru-RU" sz="2000" dirty="0">
+                          <a:solidFill>
+                            <a:schemeClr val="tx1"/>
+                          </a:solidFill>
+                          <a:effectLst/>
+                        </a:rPr>
+                        <a:t>-</a:t>
+                      </a:r>
+                      <a:endParaRPr lang="ru-RU" sz="2000" dirty="0">
+                        <a:solidFill>
+                          <a:schemeClr val="tx1"/>
+                        </a:solidFill>
+                        <a:effectLst/>
+                        <a:latin typeface="Calibri" panose="020F0502020204030204" pitchFamily="34" charset="0"/>
+                        <a:ea typeface="Calibri" panose="020F0502020204030204" pitchFamily="34" charset="0"/>
+                        <a:cs typeface="Times New Roman" panose="02020603050405020304" pitchFamily="18" charset="0"/>
+                      </a:endParaRPr>
+                    </a:p>
+                  </a:txBody>
+                  <a:tcPr marL="68580" marR="68580" marT="0" marB="0" anchor="ctr">
+                    <a:lnL w="12700" cap="flat" cmpd="sng" algn="ctr">
+                      <a:solidFill>
+                        <a:schemeClr val="tx1"/>
+                      </a:solidFill>
+                      <a:prstDash val="solid"/>
+                      <a:round/>
+                      <a:headEnd type="none" w="med" len="med"/>
+                      <a:tailEnd type="none" w="med" len="med"/>
+                    </a:lnL>
+                    <a:lnR w="12700" cap="flat" cmpd="sng" algn="ctr">
+                      <a:solidFill>
+                        <a:schemeClr val="tx1"/>
+                      </a:solidFill>
+                      <a:prstDash val="solid"/>
+                      <a:round/>
+                      <a:headEnd type="none" w="med" len="med"/>
+                      <a:tailEnd type="none" w="med" len="med"/>
+                    </a:lnR>
+                    <a:lnT w="12700" cap="flat" cmpd="sng" algn="ctr">
+                      <a:solidFill>
+                        <a:schemeClr val="tx1"/>
+                      </a:solidFill>
+                      <a:prstDash val="solid"/>
+                      <a:round/>
+                      <a:headEnd type="none" w="med" len="med"/>
+                      <a:tailEnd type="none" w="med" len="med"/>
+                    </a:lnT>
+                    <a:lnB w="12700" cap="flat" cmpd="sng" algn="ctr">
+                      <a:solidFill>
+                        <a:schemeClr val="tx1"/>
+                      </a:solidFill>
+                      <a:prstDash val="solid"/>
+                      <a:round/>
+                      <a:headEnd type="none" w="med" len="med"/>
+                      <a:tailEnd type="none" w="med" len="med"/>
+                    </a:lnB>
+                    <a:lnTlToBr w="12700" cmpd="sng">
+                      <a:noFill/>
+                      <a:prstDash val="solid"/>
+                    </a:lnTlToBr>
+                    <a:lnBlToTr w="12700" cmpd="sng">
+                      <a:noFill/>
+                      <a:prstDash val="solid"/>
+                    </a:lnBlToTr>
+                    <a:solidFill>
+                      <a:schemeClr val="accent2">
+                        <a:lumMod val="20000"/>
+                        <a:lumOff val="80000"/>
+                      </a:schemeClr>
+                    </a:solidFill>
+                  </a:tcPr>
+                </a:tc>
+                <a:tc>
+                  <a:txBody>
+                    <a:bodyPr/>
+                    <a:lstStyle/>
+                    <a:p>
+                      <a:pPr>
+                        <a:lnSpc>
+                          <a:spcPct val="107000"/>
+                        </a:lnSpc>
+                        <a:spcAft>
+                          <a:spcPts val="0"/>
+                        </a:spcAft>
+                      </a:pPr>
+                      <a:r>
+                        <a:rPr lang="ru-RU" sz="2000" dirty="0">
+                          <a:solidFill>
+                            <a:schemeClr val="tx1"/>
+                          </a:solidFill>
+                          <a:effectLst/>
+                        </a:rPr>
+                        <a:t>+</a:t>
+                      </a:r>
+                      <a:endParaRPr lang="ru-RU" sz="2000" dirty="0">
+                        <a:solidFill>
+                          <a:schemeClr val="tx1"/>
+                        </a:solidFill>
+                        <a:effectLst/>
+                        <a:latin typeface="Calibri" panose="020F0502020204030204" pitchFamily="34" charset="0"/>
+                        <a:ea typeface="Calibri" panose="020F0502020204030204" pitchFamily="34" charset="0"/>
+                        <a:cs typeface="Times New Roman" panose="02020603050405020304" pitchFamily="18" charset="0"/>
+                      </a:endParaRPr>
+                    </a:p>
+                  </a:txBody>
+                  <a:tcPr marL="68580" marR="68580" marT="0" marB="0" anchor="ctr">
+                    <a:lnL w="12700" cap="flat" cmpd="sng" algn="ctr">
+                      <a:solidFill>
+                        <a:schemeClr val="tx1"/>
+                      </a:solidFill>
+                      <a:prstDash val="solid"/>
+                      <a:round/>
+                      <a:headEnd type="none" w="med" len="med"/>
+                      <a:tailEnd type="none" w="med" len="med"/>
+                    </a:lnL>
+                    <a:lnR w="12700" cap="flat" cmpd="sng" algn="ctr">
+                      <a:solidFill>
+                        <a:schemeClr val="tx1"/>
+                      </a:solidFill>
+                      <a:prstDash val="solid"/>
+                      <a:round/>
+                      <a:headEnd type="none" w="med" len="med"/>
+                      <a:tailEnd type="none" w="med" len="med"/>
+                    </a:lnR>
+                    <a:lnT w="12700" cap="flat" cmpd="sng" algn="ctr">
+                      <a:solidFill>
+                        <a:schemeClr val="tx1"/>
+                      </a:solidFill>
+                      <a:prstDash val="solid"/>
+                      <a:round/>
+                      <a:headEnd type="none" w="med" len="med"/>
+                      <a:tailEnd type="none" w="med" len="med"/>
+                    </a:lnT>
+                    <a:lnB w="12700" cap="flat" cmpd="sng" algn="ctr">
+                      <a:solidFill>
+                        <a:schemeClr val="tx1"/>
+                      </a:solidFill>
+                      <a:prstDash val="solid"/>
+                      <a:round/>
+                      <a:headEnd type="none" w="med" len="med"/>
+                      <a:tailEnd type="none" w="med" len="med"/>
+                    </a:lnB>
+                    <a:lnTlToBr w="12700" cmpd="sng">
+                      <a:noFill/>
+                      <a:prstDash val="solid"/>
+                    </a:lnTlToBr>
+                    <a:lnBlToTr w="12700" cmpd="sng">
+                      <a:noFill/>
+                      <a:prstDash val="solid"/>
+                    </a:lnBlToTr>
+                    <a:solidFill>
+                      <a:srgbClr val="C7F5D3"/>
+                    </a:solidFill>
+                  </a:tcPr>
+                </a:tc>
+              </a:tr>
+            </a:tbl>
+          </a:graphicData>
+        </a:graphic>
+      </p:graphicFrame>
     </p:spTree>
     <p:extLst>
       <p:ext uri="{BB962C8B-B14F-4D97-AF65-F5344CB8AC3E}">
-        <p14:creationId xmlns:p14="http://schemas.microsoft.com/office/powerpoint/2010/main" val="1699680576"/>
+        <p14:creationId xmlns:p14="http://schemas.microsoft.com/office/powerpoint/2010/main" val="3989799819"/>
       </p:ext>
     </p:extLst>
   </p:cSld>
@@ -7960,47 +9373,237 @@
         <p:spPr/>
         <p:txBody>
           <a:bodyPr>
-            <a:normAutofit fontScale="90000"/>
+            <a:normAutofit/>
           </a:bodyPr>
           <a:lstStyle/>
           <a:p>
             <a:r>
               <a:rPr lang="ru-RU" dirty="0" smtClean="0"/>
-              <a:t>Обзор существующих инструментов тестирования</a:t>
+              <a:t>постановка задачи</a:t>
             </a:r>
             <a:endParaRPr lang="ru-RU" dirty="0"/>
           </a:p>
         </p:txBody>
       </p:sp>
-      <p:pic>
-        <p:nvPicPr>
-          <p:cNvPr id="5" name="Content Placeholder 4"/>
-          <p:cNvPicPr>
-            <a:picLocks noGrp="1" noChangeAspect="1"/>
-          </p:cNvPicPr>
+      <p:sp>
+        <p:nvSpPr>
+          <p:cNvPr id="3" name="Content Placeholder 2"/>
+          <p:cNvSpPr>
+            <a:spLocks noGrp="1"/>
+          </p:cNvSpPr>
           <p:nvPr>
             <p:ph idx="1"/>
           </p:nvPr>
-        </p:nvPicPr>
-        <p:blipFill>
-          <a:blip r:embed="rId3">
-            <a:extLst>
-              <a:ext uri="{28A0092B-C50C-407E-A947-70E740481C1C}">
-                <a14:useLocalDpi xmlns:a14="http://schemas.microsoft.com/office/drawing/2010/main" val="0"/>
-              </a:ext>
-            </a:extLst>
-          </a:blip>
-          <a:stretch>
-            <a:fillRect/>
-          </a:stretch>
-        </p:blipFill>
+        </p:nvSpPr>
         <p:spPr>
           <a:xfrm>
-            <a:off x="6248810" y="3619334"/>
-            <a:ext cx="5420777" cy="2828760"/>
+            <a:off x="1069848" y="2048256"/>
+            <a:ext cx="10058400" cy="4050792"/>
           </a:xfrm>
         </p:spPr>
-      </p:pic>
+        <p:txBody>
+          <a:bodyPr>
+            <a:noAutofit/>
+          </a:bodyPr>
+          <a:lstStyle/>
+          <a:p>
+            <a:pPr marL="0" indent="0">
+              <a:buNone/>
+            </a:pPr>
+            <a:r>
+              <a:rPr lang="ru-RU" sz="1600" b="1" i="1" dirty="0" smtClean="0"/>
+              <a:t>Требования </a:t>
+            </a:r>
+            <a:r>
+              <a:rPr lang="ru-RU" sz="1600" b="1" i="1" dirty="0"/>
+              <a:t>к работе</a:t>
+            </a:r>
+            <a:r>
+              <a:rPr lang="ru-RU" sz="1600" b="1" i="1" dirty="0" smtClean="0"/>
+              <a:t>:</a:t>
+            </a:r>
+          </a:p>
+          <a:p>
+            <a:r>
+              <a:rPr lang="ru-RU" sz="1600" dirty="0" smtClean="0"/>
+              <a:t>Разработать язык</a:t>
+            </a:r>
+            <a:endParaRPr lang="ru-RU" sz="1600" dirty="0"/>
+          </a:p>
+          <a:p>
+            <a:pPr lvl="1"/>
+            <a:r>
+              <a:rPr lang="ru-RU" sz="1600" dirty="0" smtClean="0"/>
+              <a:t>Язык </a:t>
+            </a:r>
+            <a:r>
+              <a:rPr lang="ru-RU" sz="1600" dirty="0"/>
+              <a:t>должен позволять пользователям описывать инструкции для тестовых сценариев </a:t>
+            </a:r>
+            <a:r>
+              <a:rPr lang="ru-RU" sz="1600" dirty="0" smtClean="0"/>
+              <a:t>в форме</a:t>
+            </a:r>
+            <a:r>
+              <a:rPr lang="ru-RU" sz="1600" dirty="0"/>
+              <a:t>, оговариваемой внутри бизнес-команды</a:t>
+            </a:r>
+            <a:r>
+              <a:rPr lang="ru-RU" sz="1600" dirty="0" smtClean="0"/>
+              <a:t>.</a:t>
+            </a:r>
+            <a:endParaRPr lang="ru-RU" sz="1600" dirty="0"/>
+          </a:p>
+          <a:p>
+            <a:pPr lvl="1"/>
+            <a:r>
+              <a:rPr lang="ru-RU" sz="1600" dirty="0" smtClean="0"/>
+              <a:t>Синтаксис </a:t>
+            </a:r>
+            <a:r>
+              <a:rPr lang="ru-RU" sz="1600" dirty="0"/>
+              <a:t>языка должен позволять описывать несколько тестовых сценариев в документе</a:t>
+            </a:r>
+            <a:r>
+              <a:rPr lang="ru-RU" sz="1600" dirty="0" smtClean="0"/>
+              <a:t>.</a:t>
+            </a:r>
+          </a:p>
+          <a:p>
+            <a:r>
+              <a:rPr lang="ru-RU" sz="1600" dirty="0" smtClean="0"/>
+              <a:t>Реализовать интерпретатор</a:t>
+            </a:r>
+            <a:endParaRPr lang="ru-RU" sz="1600" dirty="0"/>
+          </a:p>
+          <a:p>
+            <a:pPr lvl="1"/>
+            <a:r>
+              <a:rPr lang="ru-RU" sz="1600" dirty="0" smtClean="0"/>
+              <a:t>Тестовые </a:t>
+            </a:r>
+            <a:r>
+              <a:rPr lang="ru-RU" sz="1600" dirty="0"/>
+              <a:t>сценарии должны выполняться в той очередности, в которой описаны в документе</a:t>
+            </a:r>
+            <a:r>
+              <a:rPr lang="ru-RU" sz="1600" dirty="0" smtClean="0"/>
+              <a:t>.</a:t>
+            </a:r>
+            <a:endParaRPr lang="ru-RU" sz="1600" dirty="0"/>
+          </a:p>
+          <a:p>
+            <a:pPr lvl="1"/>
+            <a:r>
+              <a:rPr lang="ru-RU" sz="1600" dirty="0" smtClean="0"/>
+              <a:t>Необходимо </a:t>
+            </a:r>
+            <a:r>
+              <a:rPr lang="ru-RU" sz="1600" dirty="0"/>
+              <a:t>предоставить пользователю возможность работы с </a:t>
+            </a:r>
+            <a:r>
+              <a:rPr lang="ru-RU" sz="1600" dirty="0" smtClean="0"/>
+              <a:t>шинами </a:t>
+            </a:r>
+            <a:r>
+              <a:rPr lang="en-US" sz="1600" dirty="0" smtClean="0"/>
+              <a:t>CAN </a:t>
+            </a:r>
+            <a:r>
+              <a:rPr lang="ru-RU" sz="1600" dirty="0" smtClean="0"/>
+              <a:t>и </a:t>
+            </a:r>
+            <a:r>
+              <a:rPr lang="en-US" sz="1600" dirty="0" err="1" smtClean="0"/>
+              <a:t>FlexRay</a:t>
+            </a:r>
+            <a:r>
+              <a:rPr lang="ru-RU" sz="1600" dirty="0" smtClean="0"/>
+              <a:t>.</a:t>
+            </a:r>
+            <a:endParaRPr lang="ru-RU" sz="1600" dirty="0"/>
+          </a:p>
+          <a:p>
+            <a:pPr lvl="1"/>
+            <a:r>
+              <a:rPr lang="ru-RU" sz="1600" dirty="0" smtClean="0"/>
+              <a:t>Результаты </a:t>
+            </a:r>
+            <a:r>
+              <a:rPr lang="ru-RU" sz="1600" dirty="0"/>
+              <a:t>выполнения тестов должны сохраняться в файл</a:t>
+            </a:r>
+            <a:r>
+              <a:rPr lang="ru-RU" sz="1600" dirty="0" smtClean="0"/>
+              <a:t>.</a:t>
+            </a:r>
+            <a:r>
+              <a:rPr lang="ru-RU" sz="1600" dirty="0"/>
+              <a:t/>
+            </a:r>
+            <a:br>
+              <a:rPr lang="ru-RU" sz="1600" dirty="0"/>
+            </a:br>
+            <a:endParaRPr lang="ru-RU" sz="1600" dirty="0" smtClean="0"/>
+          </a:p>
+          <a:p>
+            <a:pPr marL="0" indent="0">
+              <a:buNone/>
+            </a:pPr>
+            <a:r>
+              <a:rPr lang="ru-RU" sz="1600" b="1" i="1" dirty="0" smtClean="0"/>
+              <a:t>Качество решения, представленного в работе должно быть проверено следующим образом:</a:t>
+            </a:r>
+          </a:p>
+          <a:p>
+            <a:r>
+              <a:rPr lang="ru-RU" sz="1600" dirty="0" smtClean="0"/>
+              <a:t>Провести </a:t>
+            </a:r>
+            <a:r>
+              <a:rPr lang="ru-RU" sz="1600" dirty="0"/>
+              <a:t>опрос </a:t>
+            </a:r>
+            <a:r>
+              <a:rPr lang="ru-RU" sz="1600" dirty="0" smtClean="0"/>
+              <a:t>потенциальных </a:t>
+            </a:r>
+            <a:r>
+              <a:rPr lang="ru-RU" sz="1600" dirty="0"/>
+              <a:t>пользователей </a:t>
+            </a:r>
+            <a:r>
+              <a:rPr lang="ru-RU" sz="1600" dirty="0" smtClean="0"/>
+              <a:t>для </a:t>
+            </a:r>
+            <a:r>
+              <a:rPr lang="ru-RU" sz="1600" dirty="0"/>
+              <a:t>выявления степени удобства </a:t>
+            </a:r>
+            <a:r>
+              <a:rPr lang="ru-RU" sz="1600" dirty="0" smtClean="0"/>
+              <a:t>использования языка.</a:t>
+            </a:r>
+            <a:endParaRPr lang="ru-RU" sz="1600" dirty="0"/>
+          </a:p>
+          <a:p>
+            <a:r>
+              <a:rPr lang="ru-RU" sz="1600" dirty="0" smtClean="0"/>
+              <a:t>Выполнить тестирование </a:t>
+            </a:r>
+            <a:r>
+              <a:rPr lang="ru-RU" sz="1600" dirty="0"/>
+              <a:t>реализации языка</a:t>
+            </a:r>
+            <a:r>
+              <a:rPr lang="ru-RU" sz="1600" dirty="0" smtClean="0"/>
+              <a:t>.</a:t>
+            </a:r>
+            <a:endParaRPr lang="ru-RU" sz="1600" dirty="0"/>
+          </a:p>
+        </p:txBody>
+      </p:sp>
       <p:sp>
         <p:nvSpPr>
           <p:cNvPr id="4" name="Slide Number Placeholder 3"/>
@@ -8024,152 +9627,10 @@
           </a:p>
         </p:txBody>
       </p:sp>
-      <p:pic>
-        <p:nvPicPr>
-          <p:cNvPr id="9" name="Picture 8"/>
-          <p:cNvPicPr>
-            <a:picLocks noChangeAspect="1"/>
-          </p:cNvPicPr>
-          <p:nvPr/>
-        </p:nvPicPr>
-        <p:blipFill>
-          <a:blip r:embed="rId4">
-            <a:extLst>
-              <a:ext uri="{28A0092B-C50C-407E-A947-70E740481C1C}">
-                <a14:useLocalDpi xmlns:a14="http://schemas.microsoft.com/office/drawing/2010/main" val="0"/>
-              </a:ext>
-            </a:extLst>
-          </a:blip>
-          <a:stretch>
-            <a:fillRect/>
-          </a:stretch>
-        </p:blipFill>
-        <p:spPr>
-          <a:xfrm>
-            <a:off x="397933" y="2584104"/>
-            <a:ext cx="5527040" cy="4053805"/>
-          </a:xfrm>
-          <a:prstGeom prst="rect">
-            <a:avLst/>
-          </a:prstGeom>
-        </p:spPr>
-      </p:pic>
-      <p:sp>
-        <p:nvSpPr>
-          <p:cNvPr id="10" name="Title 1"/>
-          <p:cNvSpPr txBox="1">
-            <a:spLocks/>
-          </p:cNvSpPr>
-          <p:nvPr/>
-        </p:nvSpPr>
-        <p:spPr>
-          <a:xfrm>
-            <a:off x="1313284" y="2003067"/>
-            <a:ext cx="2776728" cy="707136"/>
-          </a:xfrm>
-          <a:prstGeom prst="rect">
-            <a:avLst/>
-          </a:prstGeom>
-        </p:spPr>
-        <p:txBody>
-          <a:bodyPr vert="horz" lIns="91440" tIns="45720" rIns="91440" bIns="45720" rtlCol="0" anchor="ctr">
-            <a:normAutofit/>
-          </a:bodyPr>
-          <a:lstStyle>
-            <a:lvl1pPr algn="l" defTabSz="914400" rtl="0" eaLnBrk="1" latinLnBrk="0" hangingPunct="1">
-              <a:lnSpc>
-                <a:spcPct val="90000"/>
-              </a:lnSpc>
-              <a:spcBef>
-                <a:spcPct val="0"/>
-              </a:spcBef>
-              <a:buNone/>
-              <a:defRPr sz="5400" kern="1200" cap="all" baseline="0">
-                <a:blipFill>
-                  <a:blip r:embed="rId5">
-                    <a:extLst>
-                      <a:ext uri="{28A0092B-C50C-407E-A947-70E740481C1C}">
-                        <a14:useLocalDpi xmlns:a14="http://schemas.microsoft.com/office/drawing/2010/main" val="0"/>
-                      </a:ext>
-                    </a:extLst>
-                  </a:blip>
-                  <a:tile tx="6350" ty="-127000" sx="65000" sy="64000" flip="none" algn="tl"/>
-                </a:blipFill>
-                <a:latin typeface="+mj-lt"/>
-                <a:ea typeface="+mj-ea"/>
-                <a:cs typeface="+mj-cs"/>
-              </a:defRPr>
-            </a:lvl1pPr>
-          </a:lstStyle>
-          <a:p>
-            <a:r>
-              <a:rPr lang="en-US" sz="2800" dirty="0" smtClean="0"/>
-              <a:t>CAPL</a:t>
-            </a:r>
-            <a:endParaRPr lang="ru-RU" sz="2800" dirty="0"/>
-          </a:p>
-        </p:txBody>
-      </p:sp>
-      <p:sp>
-        <p:nvSpPr>
-          <p:cNvPr id="11" name="Title 1"/>
-          <p:cNvSpPr txBox="1">
-            <a:spLocks/>
-          </p:cNvSpPr>
-          <p:nvPr/>
-        </p:nvSpPr>
-        <p:spPr>
-          <a:xfrm>
-            <a:off x="6248810" y="2503087"/>
-            <a:ext cx="2776728" cy="707136"/>
-          </a:xfrm>
-          <a:prstGeom prst="rect">
-            <a:avLst/>
-          </a:prstGeom>
-        </p:spPr>
-        <p:txBody>
-          <a:bodyPr vert="horz" lIns="91440" tIns="45720" rIns="91440" bIns="45720" rtlCol="0" anchor="ctr">
-            <a:normAutofit/>
-          </a:bodyPr>
-          <a:lstStyle>
-            <a:lvl1pPr algn="l" defTabSz="914400" rtl="0" eaLnBrk="1" latinLnBrk="0" hangingPunct="1">
-              <a:lnSpc>
-                <a:spcPct val="90000"/>
-              </a:lnSpc>
-              <a:spcBef>
-                <a:spcPct val="0"/>
-              </a:spcBef>
-              <a:buNone/>
-              <a:defRPr sz="5400" kern="1200" cap="all" baseline="0">
-                <a:blipFill>
-                  <a:blip r:embed="rId5">
-                    <a:extLst>
-                      <a:ext uri="{28A0092B-C50C-407E-A947-70E740481C1C}">
-                        <a14:useLocalDpi xmlns:a14="http://schemas.microsoft.com/office/drawing/2010/main" val="0"/>
-                      </a:ext>
-                    </a:extLst>
-                  </a:blip>
-                  <a:tile tx="6350" ty="-127000" sx="65000" sy="64000" flip="none" algn="tl"/>
-                </a:blipFill>
-                <a:latin typeface="+mj-lt"/>
-                <a:ea typeface="+mj-ea"/>
-                <a:cs typeface="+mj-cs"/>
-              </a:defRPr>
-            </a:lvl1pPr>
-          </a:lstStyle>
-          <a:p>
-            <a:r>
-              <a:rPr lang="en-US" sz="2800" dirty="0" smtClean="0"/>
-              <a:t>CCDL</a:t>
-            </a:r>
-            <a:endParaRPr lang="ru-RU" sz="2800" dirty="0"/>
-          </a:p>
-        </p:txBody>
-      </p:sp>
     </p:spTree>
     <p:extLst>
       <p:ext uri="{BB962C8B-B14F-4D97-AF65-F5344CB8AC3E}">
-        <p14:creationId xmlns:p14="http://schemas.microsoft.com/office/powerpoint/2010/main" val="3989799819"/>
+        <p14:creationId xmlns:p14="http://schemas.microsoft.com/office/powerpoint/2010/main" val="1454983192"/>
       </p:ext>
     </p:extLst>
   </p:cSld>
@@ -8215,52 +9676,21 @@
         </p:nvSpPr>
         <p:spPr/>
         <p:txBody>
-          <a:bodyPr>
-            <a:normAutofit fontScale="90000"/>
-          </a:bodyPr>
+          <a:bodyPr/>
           <a:lstStyle/>
           <a:p>
             <a:r>
               <a:rPr lang="ru-RU" dirty="0"/>
-              <a:t>Обзор существующих инструментов тестирования</a:t>
-            </a:r>
+              <a:t>Аппаратная </a:t>
+            </a:r>
+            <a:r>
+              <a:rPr lang="ru-RU" dirty="0" smtClean="0"/>
+              <a:t>платформа</a:t>
+            </a:r>
+            <a:endParaRPr lang="ru-RU" dirty="0"/>
           </a:p>
         </p:txBody>
       </p:sp>
-      <p:pic>
-        <p:nvPicPr>
-          <p:cNvPr id="5" name="Объект 4"/>
-          <p:cNvPicPr>
-            <a:picLocks noGrp="1" noChangeAspect="1"/>
-          </p:cNvPicPr>
-          <p:nvPr>
-            <p:ph idx="1"/>
-          </p:nvPr>
-        </p:nvPicPr>
-        <p:blipFill>
-          <a:blip r:embed="rId2">
-            <a:extLst>
-              <a:ext uri="{28A0092B-C50C-407E-A947-70E740481C1C}">
-                <a14:useLocalDpi xmlns:a14="http://schemas.microsoft.com/office/drawing/2010/main" val="0"/>
-              </a:ext>
-            </a:extLst>
-          </a:blip>
-          <a:stretch>
-            <a:fillRect/>
-          </a:stretch>
-        </p:blipFill>
-        <p:spPr>
-          <a:xfrm>
-            <a:off x="566928" y="5075826"/>
-            <a:ext cx="6487430" cy="1400370"/>
-          </a:xfrm>
-          <a:ln>
-            <a:solidFill>
-              <a:schemeClr val="tx1"/>
-            </a:solidFill>
-          </a:ln>
-        </p:spPr>
-      </p:pic>
       <p:sp>
         <p:nvSpPr>
           <p:cNvPr id="4" name="Номер слайда 3"/>
@@ -8279,439 +9709,6 @@
             <a:fld id="{D1A40677-FD44-493F-9950-230061FFD32D}" type="slidenum">
               <a:rPr lang="ru-RU" smtClean="0"/>
               <a:t>6</a:t>
-            </a:fld>
-            <a:endParaRPr lang="ru-RU"/>
-          </a:p>
-        </p:txBody>
-      </p:sp>
-      <p:pic>
-        <p:nvPicPr>
-          <p:cNvPr id="6" name="Рисунок 5"/>
-          <p:cNvPicPr>
-            <a:picLocks noChangeAspect="1"/>
-          </p:cNvPicPr>
-          <p:nvPr/>
-        </p:nvPicPr>
-        <p:blipFill>
-          <a:blip r:embed="rId3">
-            <a:extLst>
-              <a:ext uri="{28A0092B-C50C-407E-A947-70E740481C1C}">
-                <a14:useLocalDpi xmlns:a14="http://schemas.microsoft.com/office/drawing/2010/main" val="0"/>
-              </a:ext>
-            </a:extLst>
-          </a:blip>
-          <a:stretch>
-            <a:fillRect/>
-          </a:stretch>
-        </p:blipFill>
-        <p:spPr>
-          <a:xfrm>
-            <a:off x="5839160" y="2296465"/>
-            <a:ext cx="5792008" cy="3277057"/>
-          </a:xfrm>
-          <a:prstGeom prst="rect">
-            <a:avLst/>
-          </a:prstGeom>
-          <a:ln>
-            <a:solidFill>
-              <a:schemeClr val="tx1"/>
-            </a:solidFill>
-          </a:ln>
-        </p:spPr>
-      </p:pic>
-      <p:sp>
-        <p:nvSpPr>
-          <p:cNvPr id="7" name="Title 1"/>
-          <p:cNvSpPr txBox="1">
-            <a:spLocks/>
-          </p:cNvSpPr>
-          <p:nvPr/>
-        </p:nvSpPr>
-        <p:spPr>
-          <a:xfrm>
-            <a:off x="1864090" y="2513772"/>
-            <a:ext cx="2776728" cy="707136"/>
-          </a:xfrm>
-          <a:prstGeom prst="rect">
-            <a:avLst/>
-          </a:prstGeom>
-        </p:spPr>
-        <p:txBody>
-          <a:bodyPr vert="horz" lIns="91440" tIns="45720" rIns="91440" bIns="45720" rtlCol="0" anchor="ctr">
-            <a:normAutofit/>
-          </a:bodyPr>
-          <a:lstStyle>
-            <a:lvl1pPr algn="l" defTabSz="914400" rtl="0" eaLnBrk="1" latinLnBrk="0" hangingPunct="1">
-              <a:lnSpc>
-                <a:spcPct val="90000"/>
-              </a:lnSpc>
-              <a:spcBef>
-                <a:spcPct val="0"/>
-              </a:spcBef>
-              <a:buNone/>
-              <a:defRPr sz="5400" kern="1200" cap="all" baseline="0">
-                <a:blipFill>
-                  <a:blip r:embed="rId4">
-                    <a:extLst>
-                      <a:ext uri="{28A0092B-C50C-407E-A947-70E740481C1C}">
-                        <a14:useLocalDpi xmlns:a14="http://schemas.microsoft.com/office/drawing/2010/main" val="0"/>
-                      </a:ext>
-                    </a:extLst>
-                  </a:blip>
-                  <a:tile tx="6350" ty="-127000" sx="65000" sy="64000" flip="none" algn="tl"/>
-                </a:blipFill>
-                <a:latin typeface="+mj-lt"/>
-                <a:ea typeface="+mj-ea"/>
-                <a:cs typeface="+mj-cs"/>
-              </a:defRPr>
-            </a:lvl1pPr>
-          </a:lstStyle>
-          <a:p>
-            <a:r>
-              <a:rPr lang="en-US" sz="2800" dirty="0" smtClean="0"/>
-              <a:t>Cucumber</a:t>
-            </a:r>
-            <a:endParaRPr lang="ru-RU" sz="2800" dirty="0"/>
-          </a:p>
-        </p:txBody>
-      </p:sp>
-    </p:spTree>
-    <p:extLst>
-      <p:ext uri="{BB962C8B-B14F-4D97-AF65-F5344CB8AC3E}">
-        <p14:creationId xmlns:p14="http://schemas.microsoft.com/office/powerpoint/2010/main" val="1121455296"/>
-      </p:ext>
-    </p:extLst>
-  </p:cSld>
-  <p:clrMapOvr>
-    <a:masterClrMapping/>
-  </p:clrMapOvr>
-  <p:timing>
-    <p:tnLst>
-      <p:par>
-        <p:cTn id="1" dur="indefinite" restart="never" nodeType="tmRoot"/>
-      </p:par>
-    </p:tnLst>
-  </p:timing>
-</p:sld>
-</file>
-
-<file path=ppt/slides/slide7.xml><?xml version="1.0" encoding="utf-8"?>
-<p:sld xmlns:a="http://schemas.openxmlformats.org/drawingml/2006/main" xmlns:r="http://schemas.openxmlformats.org/officeDocument/2006/relationships" xmlns:p="http://schemas.openxmlformats.org/presentationml/2006/main">
-  <p:cSld>
-    <p:spTree>
-      <p:nvGrpSpPr>
-        <p:cNvPr id="1" name=""/>
-        <p:cNvGrpSpPr/>
-        <p:nvPr/>
-      </p:nvGrpSpPr>
-      <p:grpSpPr>
-        <a:xfrm>
-          <a:off x="0" y="0"/>
-          <a:ext cx="0" cy="0"/>
-          <a:chOff x="0" y="0"/>
-          <a:chExt cx="0" cy="0"/>
-        </a:xfrm>
-      </p:grpSpPr>
-      <p:sp>
-        <p:nvSpPr>
-          <p:cNvPr id="2" name="Title 1"/>
-          <p:cNvSpPr>
-            <a:spLocks noGrp="1"/>
-          </p:cNvSpPr>
-          <p:nvPr>
-            <p:ph type="title"/>
-          </p:nvPr>
-        </p:nvSpPr>
-        <p:spPr/>
-        <p:txBody>
-          <a:bodyPr>
-            <a:normAutofit/>
-          </a:bodyPr>
-          <a:lstStyle/>
-          <a:p>
-            <a:r>
-              <a:rPr lang="ru-RU" dirty="0" smtClean="0"/>
-              <a:t>постановка задачи</a:t>
-            </a:r>
-            <a:endParaRPr lang="ru-RU" dirty="0"/>
-          </a:p>
-        </p:txBody>
-      </p:sp>
-      <p:sp>
-        <p:nvSpPr>
-          <p:cNvPr id="3" name="Content Placeholder 2"/>
-          <p:cNvSpPr>
-            <a:spLocks noGrp="1"/>
-          </p:cNvSpPr>
-          <p:nvPr>
-            <p:ph idx="1"/>
-          </p:nvPr>
-        </p:nvSpPr>
-        <p:spPr/>
-        <p:txBody>
-          <a:bodyPr>
-            <a:normAutofit fontScale="85000" lnSpcReduction="20000"/>
-          </a:bodyPr>
-          <a:lstStyle/>
-          <a:p>
-            <a:pPr marL="0" indent="0">
-              <a:buNone/>
-            </a:pPr>
-            <a:r>
-              <a:rPr lang="ru-RU" b="1" dirty="0" smtClean="0"/>
-              <a:t>Требования </a:t>
-            </a:r>
-            <a:r>
-              <a:rPr lang="ru-RU" b="1" dirty="0"/>
-              <a:t>к работе:</a:t>
-            </a:r>
-          </a:p>
-          <a:p>
-            <a:r>
-              <a:rPr lang="ru-RU" dirty="0" smtClean="0"/>
-              <a:t>Язык </a:t>
-            </a:r>
-            <a:r>
-              <a:rPr lang="ru-RU" dirty="0"/>
-              <a:t>должен позволять пользователям описывать инструкции для тестовых сценариев </a:t>
-            </a:r>
-            <a:r>
-              <a:rPr lang="ru-RU" dirty="0" smtClean="0"/>
-              <a:t>в форме</a:t>
-            </a:r>
-            <a:r>
-              <a:rPr lang="ru-RU" dirty="0"/>
-              <a:t>, оговариваемой внутри бизнес-команды.</a:t>
-            </a:r>
-            <a:r>
-              <a:rPr lang="ru-RU" dirty="0" smtClean="0"/>
-              <a:t>.</a:t>
-            </a:r>
-            <a:endParaRPr lang="ru-RU" dirty="0"/>
-          </a:p>
-          <a:p>
-            <a:r>
-              <a:rPr lang="ru-RU" dirty="0" smtClean="0"/>
-              <a:t>Синтаксис </a:t>
-            </a:r>
-            <a:r>
-              <a:rPr lang="ru-RU" dirty="0"/>
-              <a:t>языка должен позволять описывать несколько тестовых сценариев в документе.</a:t>
-            </a:r>
-          </a:p>
-          <a:p>
-            <a:r>
-              <a:rPr lang="ru-RU" dirty="0" smtClean="0"/>
-              <a:t>Тестовые </a:t>
-            </a:r>
-            <a:r>
-              <a:rPr lang="ru-RU" dirty="0"/>
-              <a:t>сценарии должны выполняться в той очередности, в которой описаны в документе.</a:t>
-            </a:r>
-          </a:p>
-          <a:p>
-            <a:r>
-              <a:rPr lang="ru-RU" dirty="0" smtClean="0"/>
-              <a:t>Необходимо </a:t>
-            </a:r>
-            <a:r>
-              <a:rPr lang="ru-RU" dirty="0"/>
-              <a:t>предоставить пользователю возможность работы с </a:t>
-            </a:r>
-            <a:r>
-              <a:rPr lang="ru-RU" dirty="0" smtClean="0"/>
-              <a:t>шинами </a:t>
-            </a:r>
-            <a:r>
-              <a:rPr lang="en-US" dirty="0" smtClean="0"/>
-              <a:t>CAN </a:t>
-            </a:r>
-            <a:r>
-              <a:rPr lang="ru-RU" dirty="0" smtClean="0"/>
-              <a:t>и </a:t>
-            </a:r>
-            <a:r>
-              <a:rPr lang="en-US" dirty="0" err="1" smtClean="0"/>
-              <a:t>FlexRay</a:t>
-            </a:r>
-            <a:r>
-              <a:rPr lang="ru-RU" dirty="0" smtClean="0"/>
-              <a:t>.</a:t>
-            </a:r>
-            <a:endParaRPr lang="ru-RU" dirty="0"/>
-          </a:p>
-          <a:p>
-            <a:r>
-              <a:rPr lang="ru-RU" dirty="0" smtClean="0"/>
-              <a:t>Результаты </a:t>
-            </a:r>
-            <a:r>
-              <a:rPr lang="ru-RU" dirty="0"/>
-              <a:t>выполнения тестов должны сохраняться в файл.</a:t>
-            </a:r>
-          </a:p>
-          <a:p>
-            <a:pPr marL="0" indent="0">
-              <a:buNone/>
-            </a:pPr>
-            <a:r>
-              <a:rPr lang="ru-RU" dirty="0"/>
-              <a:t/>
-            </a:r>
-            <a:br>
-              <a:rPr lang="ru-RU" dirty="0"/>
-            </a:br>
-            <a:endParaRPr lang="ru-RU" dirty="0"/>
-          </a:p>
-          <a:p>
-            <a:pPr marL="0" indent="0">
-              <a:buNone/>
-            </a:pPr>
-            <a:r>
-              <a:rPr lang="ru-RU" b="1" dirty="0"/>
-              <a:t>Качество решения, представленного в данной работе должно быть проверено следующим образом:</a:t>
-            </a:r>
-          </a:p>
-          <a:p>
-            <a:r>
-              <a:rPr lang="ru-RU" dirty="0" smtClean="0"/>
-              <a:t>необходимо </a:t>
-            </a:r>
-            <a:r>
-              <a:rPr lang="ru-RU" dirty="0"/>
-              <a:t>провести опрос среди потенциальных пользователей языка для выявления степени удобства </a:t>
-            </a:r>
-            <a:r>
-              <a:rPr lang="ru-RU" dirty="0" smtClean="0"/>
-              <a:t>использования </a:t>
-            </a:r>
-            <a:r>
-              <a:rPr lang="ru-RU" dirty="0"/>
-              <a:t>синтаксиса.</a:t>
-            </a:r>
-          </a:p>
-          <a:p>
-            <a:r>
-              <a:rPr lang="ru-RU" dirty="0" smtClean="0"/>
-              <a:t>выполнить тестирование </a:t>
-            </a:r>
-            <a:r>
-              <a:rPr lang="ru-RU" dirty="0"/>
-              <a:t>реализации языка</a:t>
-            </a:r>
-            <a:r>
-              <a:rPr lang="ru-RU" dirty="0" smtClean="0"/>
-              <a:t>.</a:t>
-            </a:r>
-            <a:endParaRPr lang="ru-RU" dirty="0"/>
-          </a:p>
-        </p:txBody>
-      </p:sp>
-      <p:sp>
-        <p:nvSpPr>
-          <p:cNvPr id="4" name="Slide Number Placeholder 3"/>
-          <p:cNvSpPr>
-            <a:spLocks noGrp="1"/>
-          </p:cNvSpPr>
-          <p:nvPr>
-            <p:ph type="sldNum" sz="quarter" idx="12"/>
-          </p:nvPr>
-        </p:nvSpPr>
-        <p:spPr/>
-        <p:txBody>
-          <a:bodyPr/>
-          <a:lstStyle/>
-          <a:p>
-            <a:fld id="{D1A40677-FD44-493F-9950-230061FFD32D}" type="slidenum">
-              <a:rPr lang="ru-RU" smtClean="0"/>
-              <a:t>7</a:t>
-            </a:fld>
-            <a:endParaRPr lang="ru-RU"/>
-          </a:p>
-        </p:txBody>
-      </p:sp>
-    </p:spTree>
-    <p:extLst>
-      <p:ext uri="{BB962C8B-B14F-4D97-AF65-F5344CB8AC3E}">
-        <p14:creationId xmlns:p14="http://schemas.microsoft.com/office/powerpoint/2010/main" val="1454983192"/>
-      </p:ext>
-    </p:extLst>
-  </p:cSld>
-  <p:clrMapOvr>
-    <a:masterClrMapping/>
-  </p:clrMapOvr>
-  <p:timing>
-    <p:tnLst>
-      <p:par>
-        <p:cTn id="1" dur="indefinite" restart="never" nodeType="tmRoot"/>
-      </p:par>
-    </p:tnLst>
-  </p:timing>
-</p:sld>
-</file>
-
-<file path=ppt/slides/slide8.xml><?xml version="1.0" encoding="utf-8"?>
-<p:sld xmlns:a="http://schemas.openxmlformats.org/drawingml/2006/main" xmlns:r="http://schemas.openxmlformats.org/officeDocument/2006/relationships" xmlns:p="http://schemas.openxmlformats.org/presentationml/2006/main">
-  <p:cSld>
-    <p:spTree>
-      <p:nvGrpSpPr>
-        <p:cNvPr id="1" name=""/>
-        <p:cNvGrpSpPr/>
-        <p:nvPr/>
-      </p:nvGrpSpPr>
-      <p:grpSpPr>
-        <a:xfrm>
-          <a:off x="0" y="0"/>
-          <a:ext cx="0" cy="0"/>
-          <a:chOff x="0" y="0"/>
-          <a:chExt cx="0" cy="0"/>
-        </a:xfrm>
-      </p:grpSpPr>
-      <p:sp>
-        <p:nvSpPr>
-          <p:cNvPr id="2" name="Заголовок 1"/>
-          <p:cNvSpPr>
-            <a:spLocks noGrp="1"/>
-          </p:cNvSpPr>
-          <p:nvPr>
-            <p:ph type="title"/>
-          </p:nvPr>
-        </p:nvSpPr>
-        <p:spPr/>
-        <p:txBody>
-          <a:bodyPr/>
-          <a:lstStyle/>
-          <a:p>
-            <a:r>
-              <a:rPr lang="ru-RU" dirty="0"/>
-              <a:t>Аппаратная </a:t>
-            </a:r>
-            <a:r>
-              <a:rPr lang="ru-RU" dirty="0" smtClean="0"/>
-              <a:t>платформа</a:t>
-            </a:r>
-            <a:endParaRPr lang="ru-RU" dirty="0"/>
-          </a:p>
-        </p:txBody>
-      </p:sp>
-      <p:sp>
-        <p:nvSpPr>
-          <p:cNvPr id="4" name="Номер слайда 3"/>
-          <p:cNvSpPr>
-            <a:spLocks noGrp="1"/>
-          </p:cNvSpPr>
-          <p:nvPr>
-            <p:ph type="sldNum" sz="quarter" idx="12"/>
-          </p:nvPr>
-        </p:nvSpPr>
-        <p:spPr/>
-        <p:txBody>
-          <a:bodyPr/>
-          <a:lstStyle/>
-          <a:p>
-            <a:fld id="{D1A40677-FD44-493F-9950-230061FFD32D}" type="slidenum">
-              <a:rPr lang="ru-RU" smtClean="0"/>
-              <a:t>8</a:t>
             </a:fld>
             <a:endParaRPr lang="ru-RU"/>
           </a:p>
@@ -8856,6 +9853,2259 @@
 </p:sld>
 </file>
 
+<file path=ppt/slides/slide7.xml><?xml version="1.0" encoding="utf-8"?>
+<p:sld xmlns:a="http://schemas.openxmlformats.org/drawingml/2006/main" xmlns:r="http://schemas.openxmlformats.org/officeDocument/2006/relationships" xmlns:p="http://schemas.openxmlformats.org/presentationml/2006/main">
+  <p:cSld>
+    <p:spTree>
+      <p:nvGrpSpPr>
+        <p:cNvPr id="1" name=""/>
+        <p:cNvGrpSpPr/>
+        <p:nvPr/>
+      </p:nvGrpSpPr>
+      <p:grpSpPr>
+        <a:xfrm>
+          <a:off x="0" y="0"/>
+          <a:ext cx="0" cy="0"/>
+          <a:chOff x="0" y="0"/>
+          <a:chExt cx="0" cy="0"/>
+        </a:xfrm>
+      </p:grpSpPr>
+      <p:sp>
+        <p:nvSpPr>
+          <p:cNvPr id="2" name="Title 1"/>
+          <p:cNvSpPr>
+            <a:spLocks noGrp="1"/>
+          </p:cNvSpPr>
+          <p:nvPr>
+            <p:ph type="title"/>
+          </p:nvPr>
+        </p:nvSpPr>
+        <p:spPr/>
+        <p:txBody>
+          <a:bodyPr>
+            <a:normAutofit/>
+          </a:bodyPr>
+          <a:lstStyle/>
+          <a:p>
+            <a:r>
+              <a:rPr lang="ru-RU" dirty="0" smtClean="0"/>
+              <a:t>Разработка языка</a:t>
+            </a:r>
+            <a:endParaRPr lang="ru-RU" dirty="0"/>
+          </a:p>
+        </p:txBody>
+      </p:sp>
+      <p:sp>
+        <p:nvSpPr>
+          <p:cNvPr id="4" name="Slide Number Placeholder 3"/>
+          <p:cNvSpPr>
+            <a:spLocks noGrp="1"/>
+          </p:cNvSpPr>
+          <p:nvPr>
+            <p:ph type="sldNum" sz="quarter" idx="12"/>
+          </p:nvPr>
+        </p:nvSpPr>
+        <p:spPr/>
+        <p:txBody>
+          <a:bodyPr/>
+          <a:lstStyle/>
+          <a:p>
+            <a:fld id="{D1A40677-FD44-493F-9950-230061FFD32D}" type="slidenum">
+              <a:rPr lang="ru-RU" i="1" smtClean="0"/>
+              <a:t>7</a:t>
+            </a:fld>
+            <a:endParaRPr lang="ru-RU" i="1"/>
+          </a:p>
+        </p:txBody>
+      </p:sp>
+      <p:sp>
+        <p:nvSpPr>
+          <p:cNvPr id="6" name="Прямоугольник 5"/>
+          <p:cNvSpPr/>
+          <p:nvPr/>
+        </p:nvSpPr>
+        <p:spPr>
+          <a:xfrm>
+            <a:off x="-274320" y="6199632"/>
+            <a:ext cx="11928348" cy="923330"/>
+          </a:xfrm>
+          <a:prstGeom prst="rect">
+            <a:avLst/>
+          </a:prstGeom>
+        </p:spPr>
+        <p:txBody>
+          <a:bodyPr wrap="square">
+            <a:spAutoFit/>
+          </a:bodyPr>
+          <a:lstStyle/>
+          <a:p>
+            <a:r>
+              <a:rPr lang="ru-RU" dirty="0"/>
+              <a:t/>
+            </a:r>
+            <a:br>
+              <a:rPr lang="ru-RU" dirty="0"/>
+            </a:br>
+            <a:endParaRPr lang="ru-RU" dirty="0"/>
+          </a:p>
+          <a:p>
+            <a:endParaRPr lang="ru-RU" dirty="0"/>
+          </a:p>
+        </p:txBody>
+      </p:sp>
+      <p:sp>
+        <p:nvSpPr>
+          <p:cNvPr id="8" name="Объект 7"/>
+          <p:cNvSpPr>
+            <a:spLocks noGrp="1"/>
+          </p:cNvSpPr>
+          <p:nvPr>
+            <p:ph idx="1"/>
+          </p:nvPr>
+        </p:nvSpPr>
+        <p:spPr>
+          <a:xfrm>
+            <a:off x="1069848" y="1848930"/>
+            <a:ext cx="6452386" cy="4516501"/>
+          </a:xfrm>
+          <a:solidFill>
+            <a:schemeClr val="bg1">
+              <a:lumMod val="95000"/>
+            </a:schemeClr>
+          </a:solidFill>
+          <a:ln>
+            <a:solidFill>
+              <a:schemeClr val="tx1"/>
+            </a:solidFill>
+          </a:ln>
+        </p:spPr>
+        <p:txBody>
+          <a:bodyPr>
+            <a:noAutofit/>
+          </a:bodyPr>
+          <a:lstStyle/>
+          <a:p>
+            <a:pPr marL="0" indent="0">
+              <a:buNone/>
+            </a:pPr>
+            <a:r>
+              <a:rPr lang="ru-RU" sz="1600" b="1" dirty="0">
+                <a:latin typeface="Arial" panose="020B0604020202020204" pitchFamily="34" charset="0"/>
+                <a:cs typeface="Arial" panose="020B0604020202020204" pitchFamily="34" charset="0"/>
+              </a:rPr>
+              <a:t>@</a:t>
+            </a:r>
+            <a:r>
+              <a:rPr lang="ru-RU" sz="1600" b="1" dirty="0" err="1">
+                <a:latin typeface="Arial" panose="020B0604020202020204" pitchFamily="34" charset="0"/>
+                <a:cs typeface="Arial" panose="020B0604020202020204" pitchFamily="34" charset="0"/>
+              </a:rPr>
+              <a:t>TestCase</a:t>
+            </a:r>
+            <a:r>
+              <a:rPr lang="ru-RU" sz="1600" dirty="0">
+                <a:latin typeface="Arial" panose="020B0604020202020204" pitchFamily="34" charset="0"/>
+                <a:cs typeface="Arial" panose="020B0604020202020204" pitchFamily="34" charset="0"/>
+              </a:rPr>
+              <a:t> </a:t>
+            </a:r>
+            <a:r>
+              <a:rPr lang="ru-RU" sz="1600" dirty="0" err="1">
+                <a:latin typeface="Arial" panose="020B0604020202020204" pitchFamily="34" charset="0"/>
+                <a:cs typeface="Arial" panose="020B0604020202020204" pitchFamily="34" charset="0"/>
+              </a:rPr>
+              <a:t>test</a:t>
+            </a:r>
+            <a:r>
+              <a:rPr lang="ru-RU" sz="1600" dirty="0">
+                <a:latin typeface="Arial" panose="020B0604020202020204" pitchFamily="34" charset="0"/>
+                <a:cs typeface="Arial" panose="020B0604020202020204" pitchFamily="34" charset="0"/>
+              </a:rPr>
+              <a:t> NVRAM </a:t>
+            </a:r>
+            <a:r>
+              <a:rPr lang="ru-RU" sz="1600" dirty="0" err="1" smtClean="0">
+                <a:latin typeface="Arial" panose="020B0604020202020204" pitchFamily="34" charset="0"/>
+                <a:cs typeface="Arial" panose="020B0604020202020204" pitchFamily="34" charset="0"/>
+              </a:rPr>
+              <a:t>functionality</a:t>
+            </a:r>
+            <a:r>
+              <a:rPr lang="ru-RU" sz="1600" dirty="0" smtClean="0">
+                <a:latin typeface="Arial" panose="020B0604020202020204" pitchFamily="34" charset="0"/>
+                <a:cs typeface="Arial" panose="020B0604020202020204" pitchFamily="34" charset="0"/>
+              </a:rPr>
+              <a:t> </a:t>
+            </a:r>
+            <a:r>
+              <a:rPr lang="ru-RU" sz="1600" dirty="0" err="1">
+                <a:latin typeface="Arial" panose="020B0604020202020204" pitchFamily="34" charset="0"/>
+                <a:cs typeface="Arial" panose="020B0604020202020204" pitchFamily="34" charset="0"/>
+              </a:rPr>
+              <a:t>of</a:t>
+            </a:r>
+            <a:r>
+              <a:rPr lang="ru-RU" sz="1600" dirty="0">
+                <a:latin typeface="Arial" panose="020B0604020202020204" pitchFamily="34" charset="0"/>
+                <a:cs typeface="Arial" panose="020B0604020202020204" pitchFamily="34" charset="0"/>
+              </a:rPr>
+              <a:t> </a:t>
+            </a:r>
+            <a:r>
+              <a:rPr lang="ru-RU" sz="1600" dirty="0" err="1" smtClean="0">
+                <a:latin typeface="Arial" panose="020B0604020202020204" pitchFamily="34" charset="0"/>
+                <a:cs typeface="Arial" panose="020B0604020202020204" pitchFamily="34" charset="0"/>
+              </a:rPr>
+              <a:t>did</a:t>
+            </a:r>
+            <a:r>
+              <a:rPr lang="ru-RU" sz="1600" dirty="0" smtClean="0">
+                <a:latin typeface="Arial" panose="020B0604020202020204" pitchFamily="34" charset="0"/>
+                <a:cs typeface="Arial" panose="020B0604020202020204" pitchFamily="34" charset="0"/>
+              </a:rPr>
+              <a:t> </a:t>
+            </a:r>
+            <a:r>
+              <a:rPr lang="ru-RU" sz="1600" dirty="0">
+                <a:latin typeface="Arial" panose="020B0604020202020204" pitchFamily="34" charset="0"/>
+                <a:cs typeface="Arial" panose="020B0604020202020204" pitchFamily="34" charset="0"/>
+              </a:rPr>
+              <a:t>0xF101</a:t>
+            </a:r>
+            <a:r>
+              <a:rPr lang="en-US" sz="1600" dirty="0">
+                <a:latin typeface="Arial" panose="020B0604020202020204" pitchFamily="34" charset="0"/>
+                <a:cs typeface="Arial" panose="020B0604020202020204" pitchFamily="34" charset="0"/>
+              </a:rPr>
+              <a:t> </a:t>
+            </a:r>
+            <a:r>
+              <a:rPr lang="ru-RU" sz="1600" dirty="0">
+                <a:latin typeface="Arial" panose="020B0604020202020204" pitchFamily="34" charset="0"/>
+                <a:cs typeface="Arial" panose="020B0604020202020204" pitchFamily="34" charset="0"/>
+              </a:rPr>
+              <a:t>(Req_NVRAM1</a:t>
+            </a:r>
+            <a:r>
+              <a:rPr lang="ru-RU" sz="1600" dirty="0" smtClean="0">
+                <a:latin typeface="Arial" panose="020B0604020202020204" pitchFamily="34" charset="0"/>
+                <a:cs typeface="Arial" panose="020B0604020202020204" pitchFamily="34" charset="0"/>
+              </a:rPr>
+              <a:t>)</a:t>
+            </a:r>
+            <a:endParaRPr lang="ru-RU" sz="1600" dirty="0">
+              <a:latin typeface="Arial" panose="020B0604020202020204" pitchFamily="34" charset="0"/>
+              <a:cs typeface="Arial" panose="020B0604020202020204" pitchFamily="34" charset="0"/>
+            </a:endParaRPr>
+          </a:p>
+          <a:p>
+            <a:pPr marL="0" indent="0">
+              <a:buNone/>
+            </a:pPr>
+            <a:r>
+              <a:rPr lang="ru-RU" sz="1600" b="1" dirty="0">
+                <a:latin typeface="Arial" panose="020B0604020202020204" pitchFamily="34" charset="0"/>
+                <a:cs typeface="Arial" panose="020B0604020202020204" pitchFamily="34" charset="0"/>
+              </a:rPr>
+              <a:t>@</a:t>
+            </a:r>
+            <a:r>
+              <a:rPr lang="ru-RU" sz="1600" b="1" dirty="0" err="1">
+                <a:latin typeface="Arial" panose="020B0604020202020204" pitchFamily="34" charset="0"/>
+                <a:cs typeface="Arial" panose="020B0604020202020204" pitchFamily="34" charset="0"/>
+              </a:rPr>
+              <a:t>Set</a:t>
+            </a:r>
+            <a:r>
+              <a:rPr lang="ru-RU" sz="1600" dirty="0">
+                <a:latin typeface="Arial" panose="020B0604020202020204" pitchFamily="34" charset="0"/>
+                <a:cs typeface="Arial" panose="020B0604020202020204" pitchFamily="34" charset="0"/>
+              </a:rPr>
+              <a:t> </a:t>
+            </a:r>
+            <a:r>
+              <a:rPr lang="ru-RU" sz="1600" dirty="0" err="1">
+                <a:latin typeface="Arial" panose="020B0604020202020204" pitchFamily="34" charset="0"/>
+                <a:cs typeface="Arial" panose="020B0604020202020204" pitchFamily="34" charset="0"/>
+              </a:rPr>
+              <a:t>ignition</a:t>
+            </a:r>
+            <a:r>
+              <a:rPr lang="ru-RU" sz="1600" dirty="0">
+                <a:latin typeface="Arial" panose="020B0604020202020204" pitchFamily="34" charset="0"/>
+                <a:cs typeface="Arial" panose="020B0604020202020204" pitchFamily="34" charset="0"/>
+              </a:rPr>
+              <a:t> </a:t>
+            </a:r>
+            <a:r>
+              <a:rPr lang="ru-RU" sz="1600" dirty="0" err="1">
+                <a:latin typeface="Arial" panose="020B0604020202020204" pitchFamily="34" charset="0"/>
+                <a:cs typeface="Arial" panose="020B0604020202020204" pitchFamily="34" charset="0"/>
+              </a:rPr>
+              <a:t>on</a:t>
+            </a:r>
+            <a:endParaRPr lang="ru-RU" sz="1600" dirty="0">
+              <a:latin typeface="Arial" panose="020B0604020202020204" pitchFamily="34" charset="0"/>
+              <a:cs typeface="Arial" panose="020B0604020202020204" pitchFamily="34" charset="0"/>
+            </a:endParaRPr>
+          </a:p>
+          <a:p>
+            <a:pPr marL="0" indent="0">
+              <a:buNone/>
+            </a:pPr>
+            <a:r>
+              <a:rPr lang="ru-RU" sz="1600" b="1" dirty="0">
+                <a:latin typeface="Arial" panose="020B0604020202020204" pitchFamily="34" charset="0"/>
+                <a:cs typeface="Arial" panose="020B0604020202020204" pitchFamily="34" charset="0"/>
+              </a:rPr>
+              <a:t>@</a:t>
+            </a:r>
+            <a:r>
+              <a:rPr lang="ru-RU" sz="1600" b="1" dirty="0" err="1">
+                <a:latin typeface="Arial" panose="020B0604020202020204" pitchFamily="34" charset="0"/>
+                <a:cs typeface="Arial" panose="020B0604020202020204" pitchFamily="34" charset="0"/>
+              </a:rPr>
+              <a:t>Send</a:t>
+            </a:r>
+            <a:r>
+              <a:rPr lang="ru-RU" sz="1600" dirty="0">
+                <a:latin typeface="Arial" panose="020B0604020202020204" pitchFamily="34" charset="0"/>
+                <a:cs typeface="Arial" panose="020B0604020202020204" pitchFamily="34" charset="0"/>
+              </a:rPr>
+              <a:t> </a:t>
+            </a:r>
+            <a:r>
+              <a:rPr lang="ru-RU" sz="1600" dirty="0" err="1">
+                <a:latin typeface="Arial" panose="020B0604020202020204" pitchFamily="34" charset="0"/>
+                <a:cs typeface="Arial" panose="020B0604020202020204" pitchFamily="34" charset="0"/>
+              </a:rPr>
+              <a:t>request</a:t>
+            </a:r>
+            <a:r>
+              <a:rPr lang="ru-RU" sz="1600" dirty="0">
+                <a:latin typeface="Arial" panose="020B0604020202020204" pitchFamily="34" charset="0"/>
+                <a:cs typeface="Arial" panose="020B0604020202020204" pitchFamily="34" charset="0"/>
+              </a:rPr>
+              <a:t> </a:t>
+            </a:r>
+            <a:r>
+              <a:rPr lang="ru-RU" sz="1600" dirty="0" smtClean="0">
+                <a:latin typeface="Arial" panose="020B0604020202020204" pitchFamily="34" charset="0"/>
+                <a:cs typeface="Arial" panose="020B0604020202020204" pitchFamily="34" charset="0"/>
+              </a:rPr>
+              <a:t>2E </a:t>
+            </a:r>
+            <a:r>
+              <a:rPr lang="ru-RU" sz="1600" dirty="0">
+                <a:latin typeface="Arial" panose="020B0604020202020204" pitchFamily="34" charset="0"/>
+                <a:cs typeface="Arial" panose="020B0604020202020204" pitchFamily="34" charset="0"/>
+              </a:rPr>
+              <a:t>F1 01 00 01 </a:t>
+            </a:r>
+            <a:r>
+              <a:rPr lang="ru-RU" sz="1600" dirty="0" smtClean="0">
+                <a:latin typeface="Arial" panose="020B0604020202020204" pitchFamily="34" charset="0"/>
+                <a:cs typeface="Arial" panose="020B0604020202020204" pitchFamily="34" charset="0"/>
+              </a:rPr>
+              <a:t>A5</a:t>
+            </a:r>
+            <a:r>
+              <a:rPr lang="en-US" sz="1600" dirty="0" smtClean="0">
+                <a:latin typeface="Arial" panose="020B0604020202020204" pitchFamily="34" charset="0"/>
+                <a:cs typeface="Arial" panose="020B0604020202020204" pitchFamily="34" charset="0"/>
+              </a:rPr>
+              <a:t> </a:t>
+            </a:r>
+            <a:endParaRPr lang="ru-RU" sz="1600" dirty="0">
+              <a:latin typeface="Arial" panose="020B0604020202020204" pitchFamily="34" charset="0"/>
+              <a:cs typeface="Arial" panose="020B0604020202020204" pitchFamily="34" charset="0"/>
+            </a:endParaRPr>
+          </a:p>
+          <a:p>
+            <a:pPr marL="0" indent="0">
+              <a:buNone/>
+            </a:pPr>
+            <a:r>
+              <a:rPr lang="ru-RU" sz="1600" b="1" dirty="0" smtClean="0">
+                <a:latin typeface="Arial" panose="020B0604020202020204" pitchFamily="34" charset="0"/>
+                <a:cs typeface="Arial" panose="020B0604020202020204" pitchFamily="34" charset="0"/>
+              </a:rPr>
+              <a:t>@</a:t>
+            </a:r>
+            <a:r>
+              <a:rPr lang="en-US" sz="1600" b="1" dirty="0" smtClean="0">
+                <a:latin typeface="Arial" panose="020B0604020202020204" pitchFamily="34" charset="0"/>
+                <a:cs typeface="Arial" panose="020B0604020202020204" pitchFamily="34" charset="0"/>
+              </a:rPr>
+              <a:t>Receive </a:t>
+            </a:r>
+            <a:r>
+              <a:rPr lang="ru-RU" sz="1600" dirty="0" err="1" smtClean="0">
+                <a:latin typeface="Arial" panose="020B0604020202020204" pitchFamily="34" charset="0"/>
+                <a:cs typeface="Arial" panose="020B0604020202020204" pitchFamily="34" charset="0"/>
+              </a:rPr>
+              <a:t>response</a:t>
+            </a:r>
+            <a:r>
+              <a:rPr lang="ru-RU" sz="1600" dirty="0" smtClean="0">
+                <a:latin typeface="Arial" panose="020B0604020202020204" pitchFamily="34" charset="0"/>
+                <a:cs typeface="Arial" panose="020B0604020202020204" pitchFamily="34" charset="0"/>
+              </a:rPr>
+              <a:t> 6E </a:t>
+            </a:r>
+            <a:r>
+              <a:rPr lang="ru-RU" sz="1600" dirty="0">
+                <a:latin typeface="Arial" panose="020B0604020202020204" pitchFamily="34" charset="0"/>
+                <a:cs typeface="Arial" panose="020B0604020202020204" pitchFamily="34" charset="0"/>
+              </a:rPr>
+              <a:t>F1 </a:t>
+            </a:r>
+            <a:r>
+              <a:rPr lang="ru-RU" sz="1600" dirty="0" smtClean="0">
+                <a:latin typeface="Arial" panose="020B0604020202020204" pitchFamily="34" charset="0"/>
+                <a:cs typeface="Arial" panose="020B0604020202020204" pitchFamily="34" charset="0"/>
+              </a:rPr>
+              <a:t>01</a:t>
+            </a:r>
+            <a:endParaRPr lang="ru-RU" sz="1600" dirty="0">
+              <a:latin typeface="Arial" panose="020B0604020202020204" pitchFamily="34" charset="0"/>
+              <a:cs typeface="Arial" panose="020B0604020202020204" pitchFamily="34" charset="0"/>
+            </a:endParaRPr>
+          </a:p>
+          <a:p>
+            <a:pPr marL="0" indent="0">
+              <a:buNone/>
+            </a:pPr>
+            <a:r>
+              <a:rPr lang="ru-RU" sz="1600" b="1" dirty="0">
+                <a:latin typeface="Arial" panose="020B0604020202020204" pitchFamily="34" charset="0"/>
+                <a:cs typeface="Arial" panose="020B0604020202020204" pitchFamily="34" charset="0"/>
+              </a:rPr>
+              <a:t>@</a:t>
+            </a:r>
+            <a:r>
+              <a:rPr lang="ru-RU" sz="1600" b="1" dirty="0" err="1">
+                <a:latin typeface="Arial" panose="020B0604020202020204" pitchFamily="34" charset="0"/>
+                <a:cs typeface="Arial" panose="020B0604020202020204" pitchFamily="34" charset="0"/>
+              </a:rPr>
+              <a:t>Set</a:t>
+            </a:r>
+            <a:r>
+              <a:rPr lang="ru-RU" sz="1600" dirty="0">
+                <a:latin typeface="Arial" panose="020B0604020202020204" pitchFamily="34" charset="0"/>
+                <a:cs typeface="Arial" panose="020B0604020202020204" pitchFamily="34" charset="0"/>
+              </a:rPr>
+              <a:t> </a:t>
+            </a:r>
+            <a:r>
+              <a:rPr lang="ru-RU" sz="1600" dirty="0" err="1">
+                <a:latin typeface="Arial" panose="020B0604020202020204" pitchFamily="34" charset="0"/>
+                <a:cs typeface="Arial" panose="020B0604020202020204" pitchFamily="34" charset="0"/>
+              </a:rPr>
+              <a:t>ignition</a:t>
+            </a:r>
+            <a:r>
+              <a:rPr lang="ru-RU" sz="1600" dirty="0">
+                <a:latin typeface="Arial" panose="020B0604020202020204" pitchFamily="34" charset="0"/>
+                <a:cs typeface="Arial" panose="020B0604020202020204" pitchFamily="34" charset="0"/>
+              </a:rPr>
+              <a:t> </a:t>
+            </a:r>
+            <a:r>
+              <a:rPr lang="ru-RU" sz="1600" dirty="0" err="1" smtClean="0">
+                <a:latin typeface="Arial" panose="020B0604020202020204" pitchFamily="34" charset="0"/>
+                <a:cs typeface="Arial" panose="020B0604020202020204" pitchFamily="34" charset="0"/>
+              </a:rPr>
+              <a:t>off</a:t>
+            </a:r>
+            <a:endParaRPr lang="ru-RU" sz="1600" dirty="0">
+              <a:latin typeface="Arial" panose="020B0604020202020204" pitchFamily="34" charset="0"/>
+              <a:cs typeface="Arial" panose="020B0604020202020204" pitchFamily="34" charset="0"/>
+            </a:endParaRPr>
+          </a:p>
+          <a:p>
+            <a:pPr marL="0" indent="0">
+              <a:buNone/>
+            </a:pPr>
+            <a:r>
+              <a:rPr lang="ru-RU" sz="1600" b="1" dirty="0">
+                <a:latin typeface="Arial" panose="020B0604020202020204" pitchFamily="34" charset="0"/>
+                <a:cs typeface="Arial" panose="020B0604020202020204" pitchFamily="34" charset="0"/>
+              </a:rPr>
+              <a:t>@</a:t>
+            </a:r>
+            <a:r>
+              <a:rPr lang="ru-RU" sz="1600" b="1" dirty="0" err="1">
+                <a:latin typeface="Arial" panose="020B0604020202020204" pitchFamily="34" charset="0"/>
+                <a:cs typeface="Arial" panose="020B0604020202020204" pitchFamily="34" charset="0"/>
+              </a:rPr>
+              <a:t>Set</a:t>
+            </a:r>
+            <a:r>
+              <a:rPr lang="ru-RU" sz="1600" dirty="0">
+                <a:latin typeface="Arial" panose="020B0604020202020204" pitchFamily="34" charset="0"/>
+                <a:cs typeface="Arial" panose="020B0604020202020204" pitchFamily="34" charset="0"/>
+              </a:rPr>
+              <a:t> </a:t>
+            </a:r>
+            <a:r>
+              <a:rPr lang="ru-RU" sz="1600" dirty="0" err="1">
+                <a:latin typeface="Arial" panose="020B0604020202020204" pitchFamily="34" charset="0"/>
+                <a:cs typeface="Arial" panose="020B0604020202020204" pitchFamily="34" charset="0"/>
+              </a:rPr>
+              <a:t>ignition</a:t>
+            </a:r>
+            <a:r>
+              <a:rPr lang="ru-RU" sz="1600" dirty="0">
+                <a:latin typeface="Arial" panose="020B0604020202020204" pitchFamily="34" charset="0"/>
+                <a:cs typeface="Arial" panose="020B0604020202020204" pitchFamily="34" charset="0"/>
+              </a:rPr>
+              <a:t> </a:t>
+            </a:r>
+            <a:r>
+              <a:rPr lang="ru-RU" sz="1600" dirty="0" err="1">
+                <a:latin typeface="Arial" panose="020B0604020202020204" pitchFamily="34" charset="0"/>
+                <a:cs typeface="Arial" panose="020B0604020202020204" pitchFamily="34" charset="0"/>
+              </a:rPr>
+              <a:t>on</a:t>
+            </a:r>
+            <a:endParaRPr lang="ru-RU" sz="1600" dirty="0">
+              <a:latin typeface="Arial" panose="020B0604020202020204" pitchFamily="34" charset="0"/>
+              <a:cs typeface="Arial" panose="020B0604020202020204" pitchFamily="34" charset="0"/>
+            </a:endParaRPr>
+          </a:p>
+          <a:p>
+            <a:pPr marL="0" indent="0">
+              <a:buNone/>
+            </a:pPr>
+            <a:r>
+              <a:rPr lang="ru-RU" sz="1600" b="1" dirty="0">
+                <a:latin typeface="Arial" panose="020B0604020202020204" pitchFamily="34" charset="0"/>
+                <a:cs typeface="Arial" panose="020B0604020202020204" pitchFamily="34" charset="0"/>
+              </a:rPr>
+              <a:t>@</a:t>
+            </a:r>
+            <a:r>
+              <a:rPr lang="ru-RU" sz="1600" b="1" dirty="0" err="1">
+                <a:latin typeface="Arial" panose="020B0604020202020204" pitchFamily="34" charset="0"/>
+                <a:cs typeface="Arial" panose="020B0604020202020204" pitchFamily="34" charset="0"/>
+              </a:rPr>
+              <a:t>Repeat</a:t>
+            </a:r>
+            <a:r>
+              <a:rPr lang="ru-RU" sz="1600" dirty="0">
+                <a:latin typeface="Arial" panose="020B0604020202020204" pitchFamily="34" charset="0"/>
+                <a:cs typeface="Arial" panose="020B0604020202020204" pitchFamily="34" charset="0"/>
+              </a:rPr>
+              <a:t>[2][</a:t>
+            </a:r>
+          </a:p>
+          <a:p>
+            <a:pPr marL="0" indent="0">
+              <a:buNone/>
+            </a:pPr>
+            <a:r>
+              <a:rPr lang="ru-RU" sz="1600" dirty="0">
+                <a:latin typeface="Arial" panose="020B0604020202020204" pitchFamily="34" charset="0"/>
+                <a:cs typeface="Arial" panose="020B0604020202020204" pitchFamily="34" charset="0"/>
+              </a:rPr>
+              <a:t>    </a:t>
+            </a:r>
+            <a:r>
+              <a:rPr lang="ru-RU" sz="1600" b="1" dirty="0">
+                <a:latin typeface="Arial" panose="020B0604020202020204" pitchFamily="34" charset="0"/>
+                <a:cs typeface="Arial" panose="020B0604020202020204" pitchFamily="34" charset="0"/>
+              </a:rPr>
+              <a:t>@</a:t>
+            </a:r>
+            <a:r>
+              <a:rPr lang="ru-RU" sz="1600" b="1" dirty="0" err="1">
+                <a:latin typeface="Arial" panose="020B0604020202020204" pitchFamily="34" charset="0"/>
+                <a:cs typeface="Arial" panose="020B0604020202020204" pitchFamily="34" charset="0"/>
+              </a:rPr>
+              <a:t>Send</a:t>
+            </a:r>
+            <a:r>
+              <a:rPr lang="ru-RU" sz="1600" dirty="0">
+                <a:latin typeface="Arial" panose="020B0604020202020204" pitchFamily="34" charset="0"/>
+                <a:cs typeface="Arial" panose="020B0604020202020204" pitchFamily="34" charset="0"/>
+              </a:rPr>
+              <a:t> </a:t>
+            </a:r>
+            <a:r>
+              <a:rPr lang="ru-RU" sz="1600" dirty="0" err="1">
+                <a:latin typeface="Arial" panose="020B0604020202020204" pitchFamily="34" charset="0"/>
+                <a:cs typeface="Arial" panose="020B0604020202020204" pitchFamily="34" charset="0"/>
+              </a:rPr>
+              <a:t>request</a:t>
+            </a:r>
+            <a:r>
+              <a:rPr lang="ru-RU" sz="1600" dirty="0">
+                <a:latin typeface="Arial" panose="020B0604020202020204" pitchFamily="34" charset="0"/>
+                <a:cs typeface="Arial" panose="020B0604020202020204" pitchFamily="34" charset="0"/>
+              </a:rPr>
+              <a:t> </a:t>
+            </a:r>
+            <a:r>
+              <a:rPr lang="ru-RU" sz="1600" dirty="0" smtClean="0">
+                <a:latin typeface="Arial" panose="020B0604020202020204" pitchFamily="34" charset="0"/>
+                <a:cs typeface="Arial" panose="020B0604020202020204" pitchFamily="34" charset="0"/>
+              </a:rPr>
+              <a:t>22 </a:t>
+            </a:r>
+            <a:r>
+              <a:rPr lang="ru-RU" sz="1600" dirty="0">
+                <a:latin typeface="Arial" panose="020B0604020202020204" pitchFamily="34" charset="0"/>
+                <a:cs typeface="Arial" panose="020B0604020202020204" pitchFamily="34" charset="0"/>
+              </a:rPr>
+              <a:t>F1 </a:t>
+            </a:r>
+            <a:r>
+              <a:rPr lang="ru-RU" sz="1600" dirty="0" smtClean="0">
+                <a:latin typeface="Arial" panose="020B0604020202020204" pitchFamily="34" charset="0"/>
+                <a:cs typeface="Arial" panose="020B0604020202020204" pitchFamily="34" charset="0"/>
+              </a:rPr>
+              <a:t>01</a:t>
+            </a:r>
+            <a:endParaRPr lang="ru-RU" sz="1600" dirty="0">
+              <a:latin typeface="Arial" panose="020B0604020202020204" pitchFamily="34" charset="0"/>
+              <a:cs typeface="Arial" panose="020B0604020202020204" pitchFamily="34" charset="0"/>
+            </a:endParaRPr>
+          </a:p>
+          <a:p>
+            <a:pPr marL="0" indent="0">
+              <a:buNone/>
+            </a:pPr>
+            <a:r>
+              <a:rPr lang="ru-RU" sz="1600" dirty="0">
+                <a:latin typeface="Arial" panose="020B0604020202020204" pitchFamily="34" charset="0"/>
+                <a:cs typeface="Arial" panose="020B0604020202020204" pitchFamily="34" charset="0"/>
+              </a:rPr>
+              <a:t>    </a:t>
+            </a:r>
+            <a:r>
+              <a:rPr lang="ru-RU" sz="1600" b="1" dirty="0">
+                <a:latin typeface="Arial" panose="020B0604020202020204" pitchFamily="34" charset="0"/>
+                <a:cs typeface="Arial" panose="020B0604020202020204" pitchFamily="34" charset="0"/>
+              </a:rPr>
+              <a:t>@</a:t>
+            </a:r>
+            <a:r>
+              <a:rPr lang="ru-RU" sz="1600" b="1" dirty="0" err="1">
+                <a:latin typeface="Arial" panose="020B0604020202020204" pitchFamily="34" charset="0"/>
+                <a:cs typeface="Arial" panose="020B0604020202020204" pitchFamily="34" charset="0"/>
+              </a:rPr>
+              <a:t>Pause</a:t>
+            </a:r>
+            <a:r>
+              <a:rPr lang="ru-RU" sz="1600" dirty="0">
+                <a:latin typeface="Arial" panose="020B0604020202020204" pitchFamily="34" charset="0"/>
+                <a:cs typeface="Arial" panose="020B0604020202020204" pitchFamily="34" charset="0"/>
+              </a:rPr>
+              <a:t> </a:t>
+            </a:r>
+            <a:r>
+              <a:rPr lang="ru-RU" sz="1600" dirty="0" smtClean="0">
+                <a:latin typeface="Arial" panose="020B0604020202020204" pitchFamily="34" charset="0"/>
+                <a:cs typeface="Arial" panose="020B0604020202020204" pitchFamily="34" charset="0"/>
+              </a:rPr>
+              <a:t>[100</a:t>
+            </a:r>
+            <a:r>
+              <a:rPr lang="ru-RU" sz="1600" dirty="0">
+                <a:latin typeface="Arial" panose="020B0604020202020204" pitchFamily="34" charset="0"/>
+                <a:cs typeface="Arial" panose="020B0604020202020204" pitchFamily="34" charset="0"/>
+              </a:rPr>
+              <a:t>] </a:t>
+            </a:r>
+            <a:r>
+              <a:rPr lang="ru-RU" sz="1600" dirty="0" err="1">
+                <a:latin typeface="Arial" panose="020B0604020202020204" pitchFamily="34" charset="0"/>
+                <a:cs typeface="Arial" panose="020B0604020202020204" pitchFamily="34" charset="0"/>
+              </a:rPr>
+              <a:t>ms</a:t>
+            </a:r>
+            <a:endParaRPr lang="ru-RU" sz="1600" dirty="0">
+              <a:latin typeface="Arial" panose="020B0604020202020204" pitchFamily="34" charset="0"/>
+              <a:cs typeface="Arial" panose="020B0604020202020204" pitchFamily="34" charset="0"/>
+            </a:endParaRPr>
+          </a:p>
+          <a:p>
+            <a:pPr marL="0" indent="0">
+              <a:buNone/>
+            </a:pPr>
+            <a:r>
+              <a:rPr lang="ru-RU" sz="1600" dirty="0">
+                <a:latin typeface="Arial" panose="020B0604020202020204" pitchFamily="34" charset="0"/>
+                <a:cs typeface="Arial" panose="020B0604020202020204" pitchFamily="34" charset="0"/>
+              </a:rPr>
+              <a:t>    </a:t>
+            </a:r>
+            <a:r>
+              <a:rPr lang="ru-RU" sz="1600" b="1" dirty="0" smtClean="0">
+                <a:latin typeface="Arial" panose="020B0604020202020204" pitchFamily="34" charset="0"/>
+                <a:cs typeface="Arial" panose="020B0604020202020204" pitchFamily="34" charset="0"/>
+              </a:rPr>
+              <a:t>@</a:t>
+            </a:r>
+            <a:r>
+              <a:rPr lang="en-US" sz="1600" b="1" dirty="0" smtClean="0">
+                <a:latin typeface="Arial" panose="020B0604020202020204" pitchFamily="34" charset="0"/>
+                <a:cs typeface="Arial" panose="020B0604020202020204" pitchFamily="34" charset="0"/>
+              </a:rPr>
+              <a:t>Receive</a:t>
+            </a:r>
+            <a:r>
+              <a:rPr lang="en-US" sz="1600" dirty="0" smtClean="0">
+                <a:latin typeface="Arial" panose="020B0604020202020204" pitchFamily="34" charset="0"/>
+                <a:cs typeface="Arial" panose="020B0604020202020204" pitchFamily="34" charset="0"/>
+              </a:rPr>
+              <a:t> </a:t>
+            </a:r>
+            <a:r>
+              <a:rPr lang="ru-RU" sz="1600" dirty="0" err="1" smtClean="0">
+                <a:latin typeface="Arial" panose="020B0604020202020204" pitchFamily="34" charset="0"/>
+                <a:cs typeface="Arial" panose="020B0604020202020204" pitchFamily="34" charset="0"/>
+              </a:rPr>
+              <a:t>response</a:t>
+            </a:r>
+            <a:r>
+              <a:rPr lang="ru-RU" sz="1600" dirty="0" smtClean="0">
+                <a:latin typeface="Arial" panose="020B0604020202020204" pitchFamily="34" charset="0"/>
+                <a:cs typeface="Arial" panose="020B0604020202020204" pitchFamily="34" charset="0"/>
+              </a:rPr>
+              <a:t> 62 </a:t>
+            </a:r>
+            <a:r>
+              <a:rPr lang="ru-RU" sz="1600" dirty="0">
+                <a:latin typeface="Arial" panose="020B0604020202020204" pitchFamily="34" charset="0"/>
+                <a:cs typeface="Arial" panose="020B0604020202020204" pitchFamily="34" charset="0"/>
+              </a:rPr>
+              <a:t>F1 01 00 01 </a:t>
+            </a:r>
+            <a:r>
+              <a:rPr lang="ru-RU" sz="1600" dirty="0" smtClean="0">
+                <a:latin typeface="Arial" panose="020B0604020202020204" pitchFamily="34" charset="0"/>
+                <a:cs typeface="Arial" panose="020B0604020202020204" pitchFamily="34" charset="0"/>
+              </a:rPr>
+              <a:t>A5</a:t>
+            </a:r>
+            <a:endParaRPr lang="ru-RU" sz="1600" dirty="0">
+              <a:latin typeface="Arial" panose="020B0604020202020204" pitchFamily="34" charset="0"/>
+              <a:cs typeface="Arial" panose="020B0604020202020204" pitchFamily="34" charset="0"/>
+            </a:endParaRPr>
+          </a:p>
+          <a:p>
+            <a:pPr marL="0" indent="0">
+              <a:buNone/>
+            </a:pPr>
+            <a:r>
+              <a:rPr lang="ru-RU" sz="1600" dirty="0">
+                <a:latin typeface="Arial" panose="020B0604020202020204" pitchFamily="34" charset="0"/>
+                <a:cs typeface="Arial" panose="020B0604020202020204" pitchFamily="34" charset="0"/>
+              </a:rPr>
+              <a:t>]</a:t>
+            </a:r>
+          </a:p>
+          <a:p>
+            <a:pPr marL="0" indent="0">
+              <a:buNone/>
+            </a:pPr>
+            <a:r>
+              <a:rPr lang="ru-RU" sz="1600" b="1" dirty="0">
+                <a:latin typeface="Arial" panose="020B0604020202020204" pitchFamily="34" charset="0"/>
+                <a:cs typeface="Arial" panose="020B0604020202020204" pitchFamily="34" charset="0"/>
+              </a:rPr>
+              <a:t>@</a:t>
+            </a:r>
+            <a:r>
+              <a:rPr lang="ru-RU" sz="1600" b="1" dirty="0" err="1">
+                <a:latin typeface="Arial" panose="020B0604020202020204" pitchFamily="34" charset="0"/>
+                <a:cs typeface="Arial" panose="020B0604020202020204" pitchFamily="34" charset="0"/>
+              </a:rPr>
+              <a:t>Set</a:t>
+            </a:r>
+            <a:r>
+              <a:rPr lang="ru-RU" sz="1600" dirty="0">
+                <a:latin typeface="Arial" panose="020B0604020202020204" pitchFamily="34" charset="0"/>
+                <a:cs typeface="Arial" panose="020B0604020202020204" pitchFamily="34" charset="0"/>
+              </a:rPr>
+              <a:t> </a:t>
+            </a:r>
+            <a:r>
+              <a:rPr lang="ru-RU" sz="1600" dirty="0" err="1">
+                <a:latin typeface="Arial" panose="020B0604020202020204" pitchFamily="34" charset="0"/>
+                <a:cs typeface="Arial" panose="020B0604020202020204" pitchFamily="34" charset="0"/>
+              </a:rPr>
+              <a:t>ignition</a:t>
+            </a:r>
+            <a:r>
+              <a:rPr lang="ru-RU" sz="1600" dirty="0">
+                <a:latin typeface="Arial" panose="020B0604020202020204" pitchFamily="34" charset="0"/>
+                <a:cs typeface="Arial" panose="020B0604020202020204" pitchFamily="34" charset="0"/>
+              </a:rPr>
+              <a:t> </a:t>
+            </a:r>
+            <a:r>
+              <a:rPr lang="ru-RU" sz="1600" dirty="0" err="1">
+                <a:latin typeface="Arial" panose="020B0604020202020204" pitchFamily="34" charset="0"/>
+                <a:cs typeface="Arial" panose="020B0604020202020204" pitchFamily="34" charset="0"/>
+              </a:rPr>
+              <a:t>off</a:t>
+            </a:r>
+            <a:endParaRPr lang="ru-RU" sz="1600" dirty="0">
+              <a:latin typeface="Arial" panose="020B0604020202020204" pitchFamily="34" charset="0"/>
+              <a:cs typeface="Arial" panose="020B0604020202020204" pitchFamily="34" charset="0"/>
+            </a:endParaRPr>
+          </a:p>
+        </p:txBody>
+      </p:sp>
+    </p:spTree>
+    <p:extLst>
+      <p:ext uri="{BB962C8B-B14F-4D97-AF65-F5344CB8AC3E}">
+        <p14:creationId xmlns:p14="http://schemas.microsoft.com/office/powerpoint/2010/main" val="1232499641"/>
+      </p:ext>
+    </p:extLst>
+  </p:cSld>
+  <p:clrMapOvr>
+    <a:masterClrMapping/>
+  </p:clrMapOvr>
+  <p:timing>
+    <p:tnLst>
+      <p:par>
+        <p:cTn id="1" dur="indefinite" restart="never" nodeType="tmRoot"/>
+      </p:par>
+    </p:tnLst>
+  </p:timing>
+</p:sld>
+</file>
+
+<file path=ppt/slides/slide8.xml><?xml version="1.0" encoding="utf-8"?>
+<p:sld xmlns:a="http://schemas.openxmlformats.org/drawingml/2006/main" xmlns:r="http://schemas.openxmlformats.org/officeDocument/2006/relationships" xmlns:p="http://schemas.openxmlformats.org/presentationml/2006/main">
+  <p:cSld>
+    <p:spTree>
+      <p:nvGrpSpPr>
+        <p:cNvPr id="1" name=""/>
+        <p:cNvGrpSpPr/>
+        <p:nvPr/>
+      </p:nvGrpSpPr>
+      <p:grpSpPr>
+        <a:xfrm>
+          <a:off x="0" y="0"/>
+          <a:ext cx="0" cy="0"/>
+          <a:chOff x="0" y="0"/>
+          <a:chExt cx="0" cy="0"/>
+        </a:xfrm>
+      </p:grpSpPr>
+      <p:sp>
+        <p:nvSpPr>
+          <p:cNvPr id="2" name="Title 1"/>
+          <p:cNvSpPr>
+            <a:spLocks noGrp="1"/>
+          </p:cNvSpPr>
+          <p:nvPr>
+            <p:ph type="title"/>
+          </p:nvPr>
+        </p:nvSpPr>
+        <p:spPr/>
+        <p:txBody>
+          <a:bodyPr>
+            <a:normAutofit/>
+          </a:bodyPr>
+          <a:lstStyle/>
+          <a:p>
+            <a:r>
+              <a:rPr lang="ru-RU" dirty="0" smtClean="0"/>
+              <a:t>Разработка языка</a:t>
+            </a:r>
+            <a:endParaRPr lang="ru-RU" dirty="0"/>
+          </a:p>
+        </p:txBody>
+      </p:sp>
+      <p:sp>
+        <p:nvSpPr>
+          <p:cNvPr id="4" name="Slide Number Placeholder 3"/>
+          <p:cNvSpPr>
+            <a:spLocks noGrp="1"/>
+          </p:cNvSpPr>
+          <p:nvPr>
+            <p:ph type="sldNum" sz="quarter" idx="12"/>
+          </p:nvPr>
+        </p:nvSpPr>
+        <p:spPr/>
+        <p:txBody>
+          <a:bodyPr/>
+          <a:lstStyle/>
+          <a:p>
+            <a:fld id="{D1A40677-FD44-493F-9950-230061FFD32D}" type="slidenum">
+              <a:rPr lang="ru-RU" i="1" smtClean="0"/>
+              <a:t>8</a:t>
+            </a:fld>
+            <a:endParaRPr lang="ru-RU" i="1"/>
+          </a:p>
+        </p:txBody>
+      </p:sp>
+      <p:sp>
+        <p:nvSpPr>
+          <p:cNvPr id="6" name="Прямоугольник 5"/>
+          <p:cNvSpPr/>
+          <p:nvPr/>
+        </p:nvSpPr>
+        <p:spPr>
+          <a:xfrm>
+            <a:off x="-274320" y="6199632"/>
+            <a:ext cx="11928348" cy="923330"/>
+          </a:xfrm>
+          <a:prstGeom prst="rect">
+            <a:avLst/>
+          </a:prstGeom>
+        </p:spPr>
+        <p:txBody>
+          <a:bodyPr wrap="square">
+            <a:spAutoFit/>
+          </a:bodyPr>
+          <a:lstStyle/>
+          <a:p>
+            <a:r>
+              <a:rPr lang="ru-RU" dirty="0"/>
+              <a:t/>
+            </a:r>
+            <a:br>
+              <a:rPr lang="ru-RU" dirty="0"/>
+            </a:br>
+            <a:endParaRPr lang="ru-RU" dirty="0"/>
+          </a:p>
+          <a:p>
+            <a:endParaRPr lang="ru-RU" dirty="0"/>
+          </a:p>
+        </p:txBody>
+      </p:sp>
+      <p:sp>
+        <p:nvSpPr>
+          <p:cNvPr id="8" name="Объект 7"/>
+          <p:cNvSpPr>
+            <a:spLocks noGrp="1"/>
+          </p:cNvSpPr>
+          <p:nvPr>
+            <p:ph idx="1"/>
+          </p:nvPr>
+        </p:nvSpPr>
+        <p:spPr>
+          <a:xfrm>
+            <a:off x="1069848" y="1848930"/>
+            <a:ext cx="6452386" cy="4516501"/>
+          </a:xfrm>
+          <a:solidFill>
+            <a:schemeClr val="bg1">
+              <a:lumMod val="95000"/>
+            </a:schemeClr>
+          </a:solidFill>
+          <a:ln>
+            <a:solidFill>
+              <a:schemeClr val="tx1"/>
+            </a:solidFill>
+          </a:ln>
+        </p:spPr>
+        <p:txBody>
+          <a:bodyPr>
+            <a:noAutofit/>
+          </a:bodyPr>
+          <a:lstStyle/>
+          <a:p>
+            <a:pPr marL="0" indent="0">
+              <a:buNone/>
+            </a:pPr>
+            <a:r>
+              <a:rPr lang="ru-RU" sz="1600" b="1" dirty="0">
+                <a:latin typeface="Arial" panose="020B0604020202020204" pitchFamily="34" charset="0"/>
+                <a:cs typeface="Arial" panose="020B0604020202020204" pitchFamily="34" charset="0"/>
+              </a:rPr>
+              <a:t>@</a:t>
+            </a:r>
+            <a:r>
+              <a:rPr lang="ru-RU" sz="1600" b="1" dirty="0" err="1">
+                <a:latin typeface="Arial" panose="020B0604020202020204" pitchFamily="34" charset="0"/>
+                <a:cs typeface="Arial" panose="020B0604020202020204" pitchFamily="34" charset="0"/>
+              </a:rPr>
+              <a:t>TestCase</a:t>
+            </a:r>
+            <a:r>
+              <a:rPr lang="ru-RU" sz="1600" dirty="0">
+                <a:latin typeface="Arial" panose="020B0604020202020204" pitchFamily="34" charset="0"/>
+                <a:cs typeface="Arial" panose="020B0604020202020204" pitchFamily="34" charset="0"/>
+              </a:rPr>
+              <a:t> </a:t>
+            </a:r>
+            <a:r>
+              <a:rPr lang="ru-RU" sz="1600" dirty="0" err="1">
+                <a:latin typeface="Arial" panose="020B0604020202020204" pitchFamily="34" charset="0"/>
+                <a:cs typeface="Arial" panose="020B0604020202020204" pitchFamily="34" charset="0"/>
+              </a:rPr>
+              <a:t>test</a:t>
+            </a:r>
+            <a:r>
+              <a:rPr lang="ru-RU" sz="1600" dirty="0">
+                <a:latin typeface="Arial" panose="020B0604020202020204" pitchFamily="34" charset="0"/>
+                <a:cs typeface="Arial" panose="020B0604020202020204" pitchFamily="34" charset="0"/>
+              </a:rPr>
+              <a:t> NVRAM </a:t>
+            </a:r>
+            <a:r>
+              <a:rPr lang="ru-RU" sz="1600" dirty="0" err="1" smtClean="0">
+                <a:latin typeface="Arial" panose="020B0604020202020204" pitchFamily="34" charset="0"/>
+                <a:cs typeface="Arial" panose="020B0604020202020204" pitchFamily="34" charset="0"/>
+              </a:rPr>
+              <a:t>functionality</a:t>
+            </a:r>
+            <a:r>
+              <a:rPr lang="ru-RU" sz="1600" dirty="0" smtClean="0">
+                <a:latin typeface="Arial" panose="020B0604020202020204" pitchFamily="34" charset="0"/>
+                <a:cs typeface="Arial" panose="020B0604020202020204" pitchFamily="34" charset="0"/>
+              </a:rPr>
+              <a:t> </a:t>
+            </a:r>
+            <a:r>
+              <a:rPr lang="ru-RU" sz="1600" dirty="0" err="1">
+                <a:latin typeface="Arial" panose="020B0604020202020204" pitchFamily="34" charset="0"/>
+                <a:cs typeface="Arial" panose="020B0604020202020204" pitchFamily="34" charset="0"/>
+              </a:rPr>
+              <a:t>of</a:t>
+            </a:r>
+            <a:r>
+              <a:rPr lang="ru-RU" sz="1600" dirty="0">
+                <a:latin typeface="Arial" panose="020B0604020202020204" pitchFamily="34" charset="0"/>
+                <a:cs typeface="Arial" panose="020B0604020202020204" pitchFamily="34" charset="0"/>
+              </a:rPr>
+              <a:t> </a:t>
+            </a:r>
+            <a:r>
+              <a:rPr lang="ru-RU" sz="1600" dirty="0" err="1" smtClean="0">
+                <a:latin typeface="Arial" panose="020B0604020202020204" pitchFamily="34" charset="0"/>
+                <a:cs typeface="Arial" panose="020B0604020202020204" pitchFamily="34" charset="0"/>
+              </a:rPr>
+              <a:t>did</a:t>
+            </a:r>
+            <a:r>
+              <a:rPr lang="ru-RU" sz="1600" dirty="0" smtClean="0">
+                <a:latin typeface="Arial" panose="020B0604020202020204" pitchFamily="34" charset="0"/>
+                <a:cs typeface="Arial" panose="020B0604020202020204" pitchFamily="34" charset="0"/>
+              </a:rPr>
+              <a:t> </a:t>
+            </a:r>
+            <a:r>
+              <a:rPr lang="ru-RU" sz="1600" dirty="0">
+                <a:latin typeface="Arial" panose="020B0604020202020204" pitchFamily="34" charset="0"/>
+                <a:cs typeface="Arial" panose="020B0604020202020204" pitchFamily="34" charset="0"/>
+              </a:rPr>
+              <a:t>0xF101</a:t>
+            </a:r>
+            <a:r>
+              <a:rPr lang="en-US" sz="1600" dirty="0">
+                <a:latin typeface="Arial" panose="020B0604020202020204" pitchFamily="34" charset="0"/>
+                <a:cs typeface="Arial" panose="020B0604020202020204" pitchFamily="34" charset="0"/>
+              </a:rPr>
+              <a:t> </a:t>
+            </a:r>
+            <a:r>
+              <a:rPr lang="ru-RU" sz="1600" dirty="0">
+                <a:latin typeface="Arial" panose="020B0604020202020204" pitchFamily="34" charset="0"/>
+                <a:cs typeface="Arial" panose="020B0604020202020204" pitchFamily="34" charset="0"/>
+              </a:rPr>
+              <a:t>(Req_NVRAM1</a:t>
+            </a:r>
+            <a:r>
+              <a:rPr lang="ru-RU" sz="1600" dirty="0" smtClean="0">
+                <a:latin typeface="Arial" panose="020B0604020202020204" pitchFamily="34" charset="0"/>
+                <a:cs typeface="Arial" panose="020B0604020202020204" pitchFamily="34" charset="0"/>
+              </a:rPr>
+              <a:t>)</a:t>
+            </a:r>
+            <a:endParaRPr lang="ru-RU" sz="1600" dirty="0">
+              <a:latin typeface="Arial" panose="020B0604020202020204" pitchFamily="34" charset="0"/>
+              <a:cs typeface="Arial" panose="020B0604020202020204" pitchFamily="34" charset="0"/>
+            </a:endParaRPr>
+          </a:p>
+          <a:p>
+            <a:pPr marL="0" indent="0">
+              <a:buNone/>
+            </a:pPr>
+            <a:r>
+              <a:rPr lang="ru-RU" sz="1600" b="1" dirty="0">
+                <a:latin typeface="Arial" panose="020B0604020202020204" pitchFamily="34" charset="0"/>
+                <a:cs typeface="Arial" panose="020B0604020202020204" pitchFamily="34" charset="0"/>
+              </a:rPr>
+              <a:t>@</a:t>
+            </a:r>
+            <a:r>
+              <a:rPr lang="ru-RU" sz="1600" b="1" dirty="0" err="1">
+                <a:latin typeface="Arial" panose="020B0604020202020204" pitchFamily="34" charset="0"/>
+                <a:cs typeface="Arial" panose="020B0604020202020204" pitchFamily="34" charset="0"/>
+              </a:rPr>
+              <a:t>Set</a:t>
+            </a:r>
+            <a:r>
+              <a:rPr lang="ru-RU" sz="1600" dirty="0">
+                <a:latin typeface="Arial" panose="020B0604020202020204" pitchFamily="34" charset="0"/>
+                <a:cs typeface="Arial" panose="020B0604020202020204" pitchFamily="34" charset="0"/>
+              </a:rPr>
+              <a:t> </a:t>
+            </a:r>
+            <a:r>
+              <a:rPr lang="ru-RU" sz="1600" dirty="0" err="1">
+                <a:latin typeface="Arial" panose="020B0604020202020204" pitchFamily="34" charset="0"/>
+                <a:cs typeface="Arial" panose="020B0604020202020204" pitchFamily="34" charset="0"/>
+              </a:rPr>
+              <a:t>ignition</a:t>
+            </a:r>
+            <a:r>
+              <a:rPr lang="ru-RU" sz="1600" dirty="0">
+                <a:latin typeface="Arial" panose="020B0604020202020204" pitchFamily="34" charset="0"/>
+                <a:cs typeface="Arial" panose="020B0604020202020204" pitchFamily="34" charset="0"/>
+              </a:rPr>
+              <a:t> </a:t>
+            </a:r>
+            <a:r>
+              <a:rPr lang="ru-RU" sz="1600" dirty="0" err="1">
+                <a:latin typeface="Arial" panose="020B0604020202020204" pitchFamily="34" charset="0"/>
+                <a:cs typeface="Arial" panose="020B0604020202020204" pitchFamily="34" charset="0"/>
+              </a:rPr>
+              <a:t>on</a:t>
+            </a:r>
+            <a:endParaRPr lang="ru-RU" sz="1600" dirty="0">
+              <a:latin typeface="Arial" panose="020B0604020202020204" pitchFamily="34" charset="0"/>
+              <a:cs typeface="Arial" panose="020B0604020202020204" pitchFamily="34" charset="0"/>
+            </a:endParaRPr>
+          </a:p>
+          <a:p>
+            <a:pPr marL="0" indent="0">
+              <a:buNone/>
+            </a:pPr>
+            <a:r>
+              <a:rPr lang="ru-RU" sz="1600" b="1" dirty="0">
+                <a:solidFill>
+                  <a:srgbClr val="FF0000"/>
+                </a:solidFill>
+                <a:latin typeface="Arial" panose="020B0604020202020204" pitchFamily="34" charset="0"/>
+                <a:cs typeface="Arial" panose="020B0604020202020204" pitchFamily="34" charset="0"/>
+              </a:rPr>
+              <a:t>@</a:t>
+            </a:r>
+            <a:r>
+              <a:rPr lang="ru-RU" sz="1600" b="1" dirty="0" err="1">
+                <a:solidFill>
+                  <a:srgbClr val="FF0000"/>
+                </a:solidFill>
+                <a:latin typeface="Arial" panose="020B0604020202020204" pitchFamily="34" charset="0"/>
+                <a:cs typeface="Arial" panose="020B0604020202020204" pitchFamily="34" charset="0"/>
+              </a:rPr>
+              <a:t>Send</a:t>
+            </a:r>
+            <a:r>
+              <a:rPr lang="ru-RU" sz="1600" dirty="0">
+                <a:solidFill>
+                  <a:srgbClr val="FF0000"/>
+                </a:solidFill>
+                <a:latin typeface="Arial" panose="020B0604020202020204" pitchFamily="34" charset="0"/>
+                <a:cs typeface="Arial" panose="020B0604020202020204" pitchFamily="34" charset="0"/>
+              </a:rPr>
+              <a:t> </a:t>
+            </a:r>
+            <a:r>
+              <a:rPr lang="ru-RU" sz="1600" dirty="0" err="1">
+                <a:solidFill>
+                  <a:srgbClr val="FF0000"/>
+                </a:solidFill>
+                <a:latin typeface="Arial" panose="020B0604020202020204" pitchFamily="34" charset="0"/>
+                <a:cs typeface="Arial" panose="020B0604020202020204" pitchFamily="34" charset="0"/>
+              </a:rPr>
+              <a:t>request</a:t>
+            </a:r>
+            <a:r>
+              <a:rPr lang="ru-RU" sz="1600" dirty="0">
+                <a:solidFill>
+                  <a:srgbClr val="FF0000"/>
+                </a:solidFill>
+                <a:latin typeface="Arial" panose="020B0604020202020204" pitchFamily="34" charset="0"/>
+                <a:cs typeface="Arial" panose="020B0604020202020204" pitchFamily="34" charset="0"/>
+              </a:rPr>
+              <a:t> </a:t>
+            </a:r>
+            <a:r>
+              <a:rPr lang="ru-RU" sz="1600" dirty="0" smtClean="0">
+                <a:solidFill>
+                  <a:srgbClr val="FF0000"/>
+                </a:solidFill>
+                <a:latin typeface="Arial" panose="020B0604020202020204" pitchFamily="34" charset="0"/>
+                <a:cs typeface="Arial" panose="020B0604020202020204" pitchFamily="34" charset="0"/>
+              </a:rPr>
+              <a:t>[2E </a:t>
+            </a:r>
+            <a:r>
+              <a:rPr lang="ru-RU" sz="1600" dirty="0">
+                <a:solidFill>
+                  <a:srgbClr val="FF0000"/>
+                </a:solidFill>
+                <a:latin typeface="Arial" panose="020B0604020202020204" pitchFamily="34" charset="0"/>
+                <a:cs typeface="Arial" panose="020B0604020202020204" pitchFamily="34" charset="0"/>
+              </a:rPr>
+              <a:t>F1 01 00 01 </a:t>
+            </a:r>
+            <a:r>
+              <a:rPr lang="ru-RU" sz="1600" dirty="0" smtClean="0">
+                <a:solidFill>
+                  <a:srgbClr val="FF0000"/>
+                </a:solidFill>
+                <a:latin typeface="Arial" panose="020B0604020202020204" pitchFamily="34" charset="0"/>
+                <a:cs typeface="Arial" panose="020B0604020202020204" pitchFamily="34" charset="0"/>
+              </a:rPr>
+              <a:t>A5]</a:t>
+            </a:r>
+            <a:endParaRPr lang="ru-RU" sz="1600" dirty="0">
+              <a:solidFill>
+                <a:srgbClr val="FF0000"/>
+              </a:solidFill>
+              <a:latin typeface="Arial" panose="020B0604020202020204" pitchFamily="34" charset="0"/>
+              <a:cs typeface="Arial" panose="020B0604020202020204" pitchFamily="34" charset="0"/>
+            </a:endParaRPr>
+          </a:p>
+          <a:p>
+            <a:pPr marL="0" indent="0">
+              <a:buNone/>
+            </a:pPr>
+            <a:r>
+              <a:rPr lang="ru-RU" sz="1600" b="1" dirty="0" smtClean="0">
+                <a:solidFill>
+                  <a:srgbClr val="00B050"/>
+                </a:solidFill>
+                <a:latin typeface="Arial" panose="020B0604020202020204" pitchFamily="34" charset="0"/>
+                <a:cs typeface="Arial" panose="020B0604020202020204" pitchFamily="34" charset="0"/>
+              </a:rPr>
+              <a:t>@</a:t>
+            </a:r>
+            <a:r>
+              <a:rPr lang="en-US" sz="1600" b="1" dirty="0" smtClean="0">
+                <a:solidFill>
+                  <a:srgbClr val="00B050"/>
+                </a:solidFill>
+                <a:latin typeface="Arial" panose="020B0604020202020204" pitchFamily="34" charset="0"/>
+                <a:cs typeface="Arial" panose="020B0604020202020204" pitchFamily="34" charset="0"/>
+              </a:rPr>
+              <a:t>Receive </a:t>
+            </a:r>
+            <a:r>
+              <a:rPr lang="ru-RU" sz="1600" dirty="0" err="1" smtClean="0">
+                <a:solidFill>
+                  <a:srgbClr val="00B050"/>
+                </a:solidFill>
+                <a:latin typeface="Arial" panose="020B0604020202020204" pitchFamily="34" charset="0"/>
+                <a:cs typeface="Arial" panose="020B0604020202020204" pitchFamily="34" charset="0"/>
+              </a:rPr>
+              <a:t>response</a:t>
+            </a:r>
+            <a:r>
+              <a:rPr lang="ru-RU" sz="1600" dirty="0" smtClean="0">
+                <a:solidFill>
+                  <a:srgbClr val="00B050"/>
+                </a:solidFill>
+                <a:latin typeface="Arial" panose="020B0604020202020204" pitchFamily="34" charset="0"/>
+                <a:cs typeface="Arial" panose="020B0604020202020204" pitchFamily="34" charset="0"/>
+              </a:rPr>
+              <a:t> [6E </a:t>
+            </a:r>
+            <a:r>
+              <a:rPr lang="ru-RU" sz="1600" dirty="0">
+                <a:solidFill>
+                  <a:srgbClr val="00B050"/>
+                </a:solidFill>
+                <a:latin typeface="Arial" panose="020B0604020202020204" pitchFamily="34" charset="0"/>
+                <a:cs typeface="Arial" panose="020B0604020202020204" pitchFamily="34" charset="0"/>
+              </a:rPr>
+              <a:t>F1 </a:t>
+            </a:r>
+            <a:r>
+              <a:rPr lang="ru-RU" sz="1600" dirty="0" smtClean="0">
+                <a:solidFill>
+                  <a:srgbClr val="00B050"/>
+                </a:solidFill>
+                <a:latin typeface="Arial" panose="020B0604020202020204" pitchFamily="34" charset="0"/>
+                <a:cs typeface="Arial" panose="020B0604020202020204" pitchFamily="34" charset="0"/>
+              </a:rPr>
+              <a:t>01]</a:t>
+            </a:r>
+            <a:endParaRPr lang="ru-RU" sz="1600" dirty="0">
+              <a:solidFill>
+                <a:srgbClr val="00B050"/>
+              </a:solidFill>
+              <a:latin typeface="Arial" panose="020B0604020202020204" pitchFamily="34" charset="0"/>
+              <a:cs typeface="Arial" panose="020B0604020202020204" pitchFamily="34" charset="0"/>
+            </a:endParaRPr>
+          </a:p>
+          <a:p>
+            <a:pPr marL="0" indent="0">
+              <a:buNone/>
+            </a:pPr>
+            <a:r>
+              <a:rPr lang="ru-RU" sz="1600" b="1" dirty="0">
+                <a:latin typeface="Arial" panose="020B0604020202020204" pitchFamily="34" charset="0"/>
+                <a:cs typeface="Arial" panose="020B0604020202020204" pitchFamily="34" charset="0"/>
+              </a:rPr>
+              <a:t>@</a:t>
+            </a:r>
+            <a:r>
+              <a:rPr lang="ru-RU" sz="1600" b="1" dirty="0" err="1">
+                <a:latin typeface="Arial" panose="020B0604020202020204" pitchFamily="34" charset="0"/>
+                <a:cs typeface="Arial" panose="020B0604020202020204" pitchFamily="34" charset="0"/>
+              </a:rPr>
+              <a:t>Set</a:t>
+            </a:r>
+            <a:r>
+              <a:rPr lang="ru-RU" sz="1600" dirty="0">
+                <a:latin typeface="Arial" panose="020B0604020202020204" pitchFamily="34" charset="0"/>
+                <a:cs typeface="Arial" panose="020B0604020202020204" pitchFamily="34" charset="0"/>
+              </a:rPr>
+              <a:t> </a:t>
+            </a:r>
+            <a:r>
+              <a:rPr lang="ru-RU" sz="1600" dirty="0" err="1">
+                <a:latin typeface="Arial" panose="020B0604020202020204" pitchFamily="34" charset="0"/>
+                <a:cs typeface="Arial" panose="020B0604020202020204" pitchFamily="34" charset="0"/>
+              </a:rPr>
+              <a:t>ignition</a:t>
+            </a:r>
+            <a:r>
+              <a:rPr lang="ru-RU" sz="1600" dirty="0">
+                <a:latin typeface="Arial" panose="020B0604020202020204" pitchFamily="34" charset="0"/>
+                <a:cs typeface="Arial" panose="020B0604020202020204" pitchFamily="34" charset="0"/>
+              </a:rPr>
+              <a:t> </a:t>
+            </a:r>
+            <a:r>
+              <a:rPr lang="ru-RU" sz="1600" dirty="0" err="1" smtClean="0">
+                <a:latin typeface="Arial" panose="020B0604020202020204" pitchFamily="34" charset="0"/>
+                <a:cs typeface="Arial" panose="020B0604020202020204" pitchFamily="34" charset="0"/>
+              </a:rPr>
+              <a:t>off</a:t>
+            </a:r>
+            <a:endParaRPr lang="ru-RU" sz="1600" dirty="0">
+              <a:latin typeface="Arial" panose="020B0604020202020204" pitchFamily="34" charset="0"/>
+              <a:cs typeface="Arial" panose="020B0604020202020204" pitchFamily="34" charset="0"/>
+            </a:endParaRPr>
+          </a:p>
+          <a:p>
+            <a:pPr marL="0" indent="0">
+              <a:buNone/>
+            </a:pPr>
+            <a:r>
+              <a:rPr lang="ru-RU" sz="1600" b="1" dirty="0">
+                <a:latin typeface="Arial" panose="020B0604020202020204" pitchFamily="34" charset="0"/>
+                <a:cs typeface="Arial" panose="020B0604020202020204" pitchFamily="34" charset="0"/>
+              </a:rPr>
+              <a:t>@</a:t>
+            </a:r>
+            <a:r>
+              <a:rPr lang="ru-RU" sz="1600" b="1" dirty="0" err="1">
+                <a:latin typeface="Arial" panose="020B0604020202020204" pitchFamily="34" charset="0"/>
+                <a:cs typeface="Arial" panose="020B0604020202020204" pitchFamily="34" charset="0"/>
+              </a:rPr>
+              <a:t>Set</a:t>
+            </a:r>
+            <a:r>
+              <a:rPr lang="ru-RU" sz="1600" dirty="0">
+                <a:latin typeface="Arial" panose="020B0604020202020204" pitchFamily="34" charset="0"/>
+                <a:cs typeface="Arial" panose="020B0604020202020204" pitchFamily="34" charset="0"/>
+              </a:rPr>
+              <a:t> </a:t>
+            </a:r>
+            <a:r>
+              <a:rPr lang="ru-RU" sz="1600" dirty="0" err="1">
+                <a:latin typeface="Arial" panose="020B0604020202020204" pitchFamily="34" charset="0"/>
+                <a:cs typeface="Arial" panose="020B0604020202020204" pitchFamily="34" charset="0"/>
+              </a:rPr>
+              <a:t>ignition</a:t>
+            </a:r>
+            <a:r>
+              <a:rPr lang="ru-RU" sz="1600" dirty="0">
+                <a:latin typeface="Arial" panose="020B0604020202020204" pitchFamily="34" charset="0"/>
+                <a:cs typeface="Arial" panose="020B0604020202020204" pitchFamily="34" charset="0"/>
+              </a:rPr>
+              <a:t> </a:t>
+            </a:r>
+            <a:r>
+              <a:rPr lang="ru-RU" sz="1600" dirty="0" err="1">
+                <a:latin typeface="Arial" panose="020B0604020202020204" pitchFamily="34" charset="0"/>
+                <a:cs typeface="Arial" panose="020B0604020202020204" pitchFamily="34" charset="0"/>
+              </a:rPr>
+              <a:t>on</a:t>
+            </a:r>
+            <a:endParaRPr lang="ru-RU" sz="1600" dirty="0">
+              <a:latin typeface="Arial" panose="020B0604020202020204" pitchFamily="34" charset="0"/>
+              <a:cs typeface="Arial" panose="020B0604020202020204" pitchFamily="34" charset="0"/>
+            </a:endParaRPr>
+          </a:p>
+          <a:p>
+            <a:pPr marL="0" indent="0">
+              <a:buNone/>
+            </a:pPr>
+            <a:r>
+              <a:rPr lang="ru-RU" sz="1600" b="1" dirty="0">
+                <a:latin typeface="Arial" panose="020B0604020202020204" pitchFamily="34" charset="0"/>
+                <a:cs typeface="Arial" panose="020B0604020202020204" pitchFamily="34" charset="0"/>
+              </a:rPr>
+              <a:t>@</a:t>
+            </a:r>
+            <a:r>
+              <a:rPr lang="ru-RU" sz="1600" b="1" dirty="0" err="1">
+                <a:latin typeface="Arial" panose="020B0604020202020204" pitchFamily="34" charset="0"/>
+                <a:cs typeface="Arial" panose="020B0604020202020204" pitchFamily="34" charset="0"/>
+              </a:rPr>
+              <a:t>Repeat</a:t>
+            </a:r>
+            <a:r>
+              <a:rPr lang="ru-RU" sz="1600" dirty="0">
+                <a:latin typeface="Arial" panose="020B0604020202020204" pitchFamily="34" charset="0"/>
+                <a:cs typeface="Arial" panose="020B0604020202020204" pitchFamily="34" charset="0"/>
+              </a:rPr>
+              <a:t>[2][</a:t>
+            </a:r>
+          </a:p>
+          <a:p>
+            <a:pPr marL="0" indent="0">
+              <a:buNone/>
+            </a:pPr>
+            <a:r>
+              <a:rPr lang="ru-RU" sz="1600" dirty="0">
+                <a:latin typeface="Arial" panose="020B0604020202020204" pitchFamily="34" charset="0"/>
+                <a:cs typeface="Arial" panose="020B0604020202020204" pitchFamily="34" charset="0"/>
+              </a:rPr>
+              <a:t>    </a:t>
+            </a:r>
+            <a:r>
+              <a:rPr lang="ru-RU" sz="1600" b="1" dirty="0">
+                <a:solidFill>
+                  <a:srgbClr val="FF0000"/>
+                </a:solidFill>
+                <a:latin typeface="Arial" panose="020B0604020202020204" pitchFamily="34" charset="0"/>
+                <a:cs typeface="Arial" panose="020B0604020202020204" pitchFamily="34" charset="0"/>
+              </a:rPr>
+              <a:t>@</a:t>
+            </a:r>
+            <a:r>
+              <a:rPr lang="ru-RU" sz="1600" b="1" dirty="0" err="1">
+                <a:solidFill>
+                  <a:srgbClr val="FF0000"/>
+                </a:solidFill>
+                <a:latin typeface="Arial" panose="020B0604020202020204" pitchFamily="34" charset="0"/>
+                <a:cs typeface="Arial" panose="020B0604020202020204" pitchFamily="34" charset="0"/>
+              </a:rPr>
+              <a:t>Send</a:t>
+            </a:r>
+            <a:r>
+              <a:rPr lang="ru-RU" sz="1600" dirty="0">
+                <a:solidFill>
+                  <a:srgbClr val="FF0000"/>
+                </a:solidFill>
+                <a:latin typeface="Arial" panose="020B0604020202020204" pitchFamily="34" charset="0"/>
+                <a:cs typeface="Arial" panose="020B0604020202020204" pitchFamily="34" charset="0"/>
+              </a:rPr>
+              <a:t> </a:t>
+            </a:r>
+            <a:r>
+              <a:rPr lang="ru-RU" sz="1600" dirty="0" err="1">
+                <a:solidFill>
+                  <a:srgbClr val="FF0000"/>
+                </a:solidFill>
+                <a:latin typeface="Arial" panose="020B0604020202020204" pitchFamily="34" charset="0"/>
+                <a:cs typeface="Arial" panose="020B0604020202020204" pitchFamily="34" charset="0"/>
+              </a:rPr>
+              <a:t>request</a:t>
+            </a:r>
+            <a:r>
+              <a:rPr lang="ru-RU" sz="1600" dirty="0">
+                <a:solidFill>
+                  <a:srgbClr val="FF0000"/>
+                </a:solidFill>
+                <a:latin typeface="Arial" panose="020B0604020202020204" pitchFamily="34" charset="0"/>
+                <a:cs typeface="Arial" panose="020B0604020202020204" pitchFamily="34" charset="0"/>
+              </a:rPr>
+              <a:t> [22 F1 01]</a:t>
+            </a:r>
+          </a:p>
+          <a:p>
+            <a:pPr marL="0" indent="0">
+              <a:buNone/>
+            </a:pPr>
+            <a:r>
+              <a:rPr lang="ru-RU" sz="1600" dirty="0">
+                <a:latin typeface="Arial" panose="020B0604020202020204" pitchFamily="34" charset="0"/>
+                <a:cs typeface="Arial" panose="020B0604020202020204" pitchFamily="34" charset="0"/>
+              </a:rPr>
+              <a:t>    </a:t>
+            </a:r>
+            <a:r>
+              <a:rPr lang="ru-RU" sz="1600" b="1" dirty="0">
+                <a:latin typeface="Arial" panose="020B0604020202020204" pitchFamily="34" charset="0"/>
+                <a:cs typeface="Arial" panose="020B0604020202020204" pitchFamily="34" charset="0"/>
+              </a:rPr>
+              <a:t>@</a:t>
+            </a:r>
+            <a:r>
+              <a:rPr lang="ru-RU" sz="1600" b="1" dirty="0" err="1">
+                <a:latin typeface="Arial" panose="020B0604020202020204" pitchFamily="34" charset="0"/>
+                <a:cs typeface="Arial" panose="020B0604020202020204" pitchFamily="34" charset="0"/>
+              </a:rPr>
+              <a:t>Pause</a:t>
+            </a:r>
+            <a:r>
+              <a:rPr lang="ru-RU" sz="1600" dirty="0">
+                <a:latin typeface="Arial" panose="020B0604020202020204" pitchFamily="34" charset="0"/>
+                <a:cs typeface="Arial" panose="020B0604020202020204" pitchFamily="34" charset="0"/>
+              </a:rPr>
+              <a:t> [100] </a:t>
+            </a:r>
+            <a:r>
+              <a:rPr lang="ru-RU" sz="1600" dirty="0" err="1">
+                <a:latin typeface="Arial" panose="020B0604020202020204" pitchFamily="34" charset="0"/>
+                <a:cs typeface="Arial" panose="020B0604020202020204" pitchFamily="34" charset="0"/>
+              </a:rPr>
+              <a:t>ms</a:t>
+            </a:r>
+            <a:endParaRPr lang="ru-RU" sz="1600" dirty="0">
+              <a:latin typeface="Arial" panose="020B0604020202020204" pitchFamily="34" charset="0"/>
+              <a:cs typeface="Arial" panose="020B0604020202020204" pitchFamily="34" charset="0"/>
+            </a:endParaRPr>
+          </a:p>
+          <a:p>
+            <a:pPr marL="0" indent="0">
+              <a:buNone/>
+            </a:pPr>
+            <a:r>
+              <a:rPr lang="ru-RU" sz="1600" dirty="0">
+                <a:latin typeface="Arial" panose="020B0604020202020204" pitchFamily="34" charset="0"/>
+                <a:cs typeface="Arial" panose="020B0604020202020204" pitchFamily="34" charset="0"/>
+              </a:rPr>
+              <a:t>    </a:t>
+            </a:r>
+            <a:r>
+              <a:rPr lang="ru-RU" sz="1600" b="1" dirty="0" smtClean="0">
+                <a:solidFill>
+                  <a:srgbClr val="00B050"/>
+                </a:solidFill>
+                <a:latin typeface="Arial" panose="020B0604020202020204" pitchFamily="34" charset="0"/>
+                <a:cs typeface="Arial" panose="020B0604020202020204" pitchFamily="34" charset="0"/>
+              </a:rPr>
+              <a:t>@</a:t>
+            </a:r>
+            <a:r>
+              <a:rPr lang="en-US" sz="1600" b="1" dirty="0" smtClean="0">
+                <a:solidFill>
+                  <a:srgbClr val="00B050"/>
+                </a:solidFill>
+                <a:latin typeface="Arial" panose="020B0604020202020204" pitchFamily="34" charset="0"/>
+                <a:cs typeface="Arial" panose="020B0604020202020204" pitchFamily="34" charset="0"/>
+              </a:rPr>
+              <a:t>Receive</a:t>
+            </a:r>
+            <a:r>
+              <a:rPr lang="en-US" sz="1600" dirty="0" smtClean="0">
+                <a:solidFill>
+                  <a:srgbClr val="00B050"/>
+                </a:solidFill>
+                <a:latin typeface="Arial" panose="020B0604020202020204" pitchFamily="34" charset="0"/>
+                <a:cs typeface="Arial" panose="020B0604020202020204" pitchFamily="34" charset="0"/>
+              </a:rPr>
+              <a:t> </a:t>
+            </a:r>
+            <a:r>
+              <a:rPr lang="ru-RU" sz="1600" dirty="0" err="1" smtClean="0">
+                <a:solidFill>
+                  <a:srgbClr val="00B050"/>
+                </a:solidFill>
+                <a:latin typeface="Arial" panose="020B0604020202020204" pitchFamily="34" charset="0"/>
+                <a:cs typeface="Arial" panose="020B0604020202020204" pitchFamily="34" charset="0"/>
+              </a:rPr>
+              <a:t>response</a:t>
+            </a:r>
+            <a:r>
+              <a:rPr lang="ru-RU" sz="1600" dirty="0" smtClean="0">
+                <a:solidFill>
+                  <a:srgbClr val="00B050"/>
+                </a:solidFill>
+                <a:latin typeface="Arial" panose="020B0604020202020204" pitchFamily="34" charset="0"/>
+                <a:cs typeface="Arial" panose="020B0604020202020204" pitchFamily="34" charset="0"/>
+              </a:rPr>
+              <a:t> </a:t>
+            </a:r>
+            <a:r>
+              <a:rPr lang="ru-RU" sz="1600" dirty="0">
+                <a:solidFill>
+                  <a:srgbClr val="00B050"/>
+                </a:solidFill>
+                <a:latin typeface="Arial" panose="020B0604020202020204" pitchFamily="34" charset="0"/>
+                <a:cs typeface="Arial" panose="020B0604020202020204" pitchFamily="34" charset="0"/>
+              </a:rPr>
+              <a:t>[62 F1 01 00 01 A5]</a:t>
+            </a:r>
+          </a:p>
+          <a:p>
+            <a:pPr marL="0" indent="0">
+              <a:buNone/>
+            </a:pPr>
+            <a:r>
+              <a:rPr lang="ru-RU" sz="1600" dirty="0">
+                <a:latin typeface="Arial" panose="020B0604020202020204" pitchFamily="34" charset="0"/>
+                <a:cs typeface="Arial" panose="020B0604020202020204" pitchFamily="34" charset="0"/>
+              </a:rPr>
+              <a:t>]</a:t>
+            </a:r>
+          </a:p>
+          <a:p>
+            <a:pPr marL="0" indent="0">
+              <a:buNone/>
+            </a:pPr>
+            <a:r>
+              <a:rPr lang="ru-RU" sz="1600" b="1" dirty="0">
+                <a:latin typeface="Arial" panose="020B0604020202020204" pitchFamily="34" charset="0"/>
+                <a:cs typeface="Arial" panose="020B0604020202020204" pitchFamily="34" charset="0"/>
+              </a:rPr>
+              <a:t>@</a:t>
+            </a:r>
+            <a:r>
+              <a:rPr lang="ru-RU" sz="1600" b="1" dirty="0" err="1">
+                <a:latin typeface="Arial" panose="020B0604020202020204" pitchFamily="34" charset="0"/>
+                <a:cs typeface="Arial" panose="020B0604020202020204" pitchFamily="34" charset="0"/>
+              </a:rPr>
+              <a:t>Set</a:t>
+            </a:r>
+            <a:r>
+              <a:rPr lang="ru-RU" sz="1600" dirty="0">
+                <a:latin typeface="Arial" panose="020B0604020202020204" pitchFamily="34" charset="0"/>
+                <a:cs typeface="Arial" panose="020B0604020202020204" pitchFamily="34" charset="0"/>
+              </a:rPr>
+              <a:t> </a:t>
+            </a:r>
+            <a:r>
+              <a:rPr lang="ru-RU" sz="1600" dirty="0" err="1">
+                <a:latin typeface="Arial" panose="020B0604020202020204" pitchFamily="34" charset="0"/>
+                <a:cs typeface="Arial" panose="020B0604020202020204" pitchFamily="34" charset="0"/>
+              </a:rPr>
+              <a:t>ignition</a:t>
+            </a:r>
+            <a:r>
+              <a:rPr lang="ru-RU" sz="1600" dirty="0">
+                <a:latin typeface="Arial" panose="020B0604020202020204" pitchFamily="34" charset="0"/>
+                <a:cs typeface="Arial" panose="020B0604020202020204" pitchFamily="34" charset="0"/>
+              </a:rPr>
+              <a:t> </a:t>
+            </a:r>
+            <a:r>
+              <a:rPr lang="ru-RU" sz="1600" dirty="0" err="1">
+                <a:latin typeface="Arial" panose="020B0604020202020204" pitchFamily="34" charset="0"/>
+                <a:cs typeface="Arial" panose="020B0604020202020204" pitchFamily="34" charset="0"/>
+              </a:rPr>
+              <a:t>off</a:t>
+            </a:r>
+            <a:endParaRPr lang="ru-RU" sz="1600" dirty="0">
+              <a:latin typeface="Arial" panose="020B0604020202020204" pitchFamily="34" charset="0"/>
+              <a:cs typeface="Arial" panose="020B0604020202020204" pitchFamily="34" charset="0"/>
+            </a:endParaRPr>
+          </a:p>
+        </p:txBody>
+      </p:sp>
+      <p:sp>
+        <p:nvSpPr>
+          <p:cNvPr id="3" name="Прямоугольник 2"/>
+          <p:cNvSpPr/>
+          <p:nvPr/>
+        </p:nvSpPr>
+        <p:spPr>
+          <a:xfrm>
+            <a:off x="7744111" y="2463588"/>
+            <a:ext cx="3909917" cy="1354217"/>
+          </a:xfrm>
+          <a:prstGeom prst="rect">
+            <a:avLst/>
+          </a:prstGeom>
+          <a:solidFill>
+            <a:schemeClr val="bg1"/>
+          </a:solidFill>
+          <a:ln>
+            <a:solidFill>
+              <a:schemeClr val="tx1">
+                <a:lumMod val="95000"/>
+                <a:lumOff val="5000"/>
+              </a:schemeClr>
+            </a:solidFill>
+          </a:ln>
+        </p:spPr>
+        <p:txBody>
+          <a:bodyPr wrap="none">
+            <a:spAutoFit/>
+          </a:bodyPr>
+          <a:lstStyle/>
+          <a:p>
+            <a:r>
+              <a:rPr lang="ru-RU" sz="1600" b="1" dirty="0">
+                <a:solidFill>
+                  <a:srgbClr val="FF0000"/>
+                </a:solidFill>
+                <a:latin typeface="Arial" panose="020B0604020202020204" pitchFamily="34" charset="0"/>
+                <a:cs typeface="Arial" panose="020B0604020202020204" pitchFamily="34" charset="0"/>
+              </a:rPr>
+              <a:t>@</a:t>
+            </a:r>
+            <a:r>
+              <a:rPr lang="ru-RU" sz="1600" b="1" dirty="0" err="1">
+                <a:solidFill>
+                  <a:srgbClr val="FF0000"/>
+                </a:solidFill>
+                <a:latin typeface="Arial" panose="020B0604020202020204" pitchFamily="34" charset="0"/>
+                <a:cs typeface="Arial" panose="020B0604020202020204" pitchFamily="34" charset="0"/>
+              </a:rPr>
+              <a:t>Send</a:t>
+            </a:r>
+            <a:r>
+              <a:rPr lang="ru-RU" sz="1600" dirty="0">
+                <a:solidFill>
+                  <a:srgbClr val="FF0000"/>
+                </a:solidFill>
+                <a:latin typeface="Arial" panose="020B0604020202020204" pitchFamily="34" charset="0"/>
+                <a:cs typeface="Arial" panose="020B0604020202020204" pitchFamily="34" charset="0"/>
+              </a:rPr>
+              <a:t> </a:t>
+            </a:r>
+            <a:r>
+              <a:rPr lang="ru-RU" sz="1600" dirty="0" err="1">
+                <a:solidFill>
+                  <a:srgbClr val="FF0000"/>
+                </a:solidFill>
+                <a:latin typeface="Arial" panose="020B0604020202020204" pitchFamily="34" charset="0"/>
+                <a:cs typeface="Arial" panose="020B0604020202020204" pitchFamily="34" charset="0"/>
+              </a:rPr>
+              <a:t>request</a:t>
+            </a:r>
+            <a:r>
+              <a:rPr lang="ru-RU" sz="1600" dirty="0">
+                <a:solidFill>
+                  <a:srgbClr val="FF0000"/>
+                </a:solidFill>
+                <a:latin typeface="Arial" panose="020B0604020202020204" pitchFamily="34" charset="0"/>
+                <a:cs typeface="Arial" panose="020B0604020202020204" pitchFamily="34" charset="0"/>
+              </a:rPr>
+              <a:t> </a:t>
+            </a:r>
+            <a:r>
+              <a:rPr lang="ru-RU" sz="1600" dirty="0" smtClean="0">
+                <a:solidFill>
+                  <a:srgbClr val="FF0000"/>
+                </a:solidFill>
+                <a:latin typeface="Arial" panose="020B0604020202020204" pitchFamily="34" charset="0"/>
+                <a:cs typeface="Arial" panose="020B0604020202020204" pitchFamily="34" charset="0"/>
+              </a:rPr>
+              <a:t>2E </a:t>
+            </a:r>
+            <a:r>
+              <a:rPr lang="ru-RU" sz="1600" dirty="0">
+                <a:solidFill>
+                  <a:srgbClr val="FF0000"/>
+                </a:solidFill>
+                <a:latin typeface="Arial" panose="020B0604020202020204" pitchFamily="34" charset="0"/>
+                <a:cs typeface="Arial" panose="020B0604020202020204" pitchFamily="34" charset="0"/>
+              </a:rPr>
+              <a:t>F1 01 00 01 </a:t>
+            </a:r>
+            <a:r>
+              <a:rPr lang="ru-RU" sz="1600" dirty="0" smtClean="0">
+                <a:solidFill>
+                  <a:srgbClr val="FF0000"/>
+                </a:solidFill>
+                <a:latin typeface="Arial" panose="020B0604020202020204" pitchFamily="34" charset="0"/>
+                <a:cs typeface="Arial" panose="020B0604020202020204" pitchFamily="34" charset="0"/>
+              </a:rPr>
+              <a:t>A5</a:t>
+            </a:r>
+          </a:p>
+          <a:p>
+            <a:r>
+              <a:rPr lang="ru-RU" sz="1600" b="1" dirty="0" smtClean="0">
+                <a:solidFill>
+                  <a:srgbClr val="FF0000"/>
+                </a:solidFill>
+                <a:latin typeface="Arial" panose="020B0604020202020204" pitchFamily="34" charset="0"/>
+                <a:cs typeface="Arial" panose="020B0604020202020204" pitchFamily="34" charset="0"/>
+              </a:rPr>
+              <a:t>@</a:t>
+            </a:r>
+            <a:r>
+              <a:rPr lang="ru-RU" sz="1600" b="1" dirty="0" err="1">
+                <a:solidFill>
+                  <a:srgbClr val="FF0000"/>
+                </a:solidFill>
+                <a:latin typeface="Arial" panose="020B0604020202020204" pitchFamily="34" charset="0"/>
+                <a:cs typeface="Arial" panose="020B0604020202020204" pitchFamily="34" charset="0"/>
+              </a:rPr>
+              <a:t>Send</a:t>
+            </a:r>
+            <a:r>
+              <a:rPr lang="ru-RU" sz="1600" dirty="0">
+                <a:solidFill>
+                  <a:srgbClr val="FF0000"/>
+                </a:solidFill>
+                <a:latin typeface="Arial" panose="020B0604020202020204" pitchFamily="34" charset="0"/>
+                <a:cs typeface="Arial" panose="020B0604020202020204" pitchFamily="34" charset="0"/>
+              </a:rPr>
+              <a:t> </a:t>
+            </a:r>
+            <a:r>
+              <a:rPr lang="ru-RU" sz="1600" dirty="0" err="1">
+                <a:solidFill>
+                  <a:srgbClr val="FF0000"/>
+                </a:solidFill>
+                <a:latin typeface="Arial" panose="020B0604020202020204" pitchFamily="34" charset="0"/>
+                <a:cs typeface="Arial" panose="020B0604020202020204" pitchFamily="34" charset="0"/>
+              </a:rPr>
+              <a:t>request</a:t>
+            </a:r>
+            <a:r>
+              <a:rPr lang="ru-RU" sz="1600" dirty="0">
+                <a:solidFill>
+                  <a:srgbClr val="FF0000"/>
+                </a:solidFill>
+                <a:latin typeface="Arial" panose="020B0604020202020204" pitchFamily="34" charset="0"/>
+                <a:cs typeface="Arial" panose="020B0604020202020204" pitchFamily="34" charset="0"/>
+              </a:rPr>
+              <a:t> </a:t>
+            </a:r>
+            <a:r>
+              <a:rPr lang="ru-RU" sz="1600" dirty="0" smtClean="0">
+                <a:solidFill>
+                  <a:srgbClr val="FF0000"/>
+                </a:solidFill>
+                <a:latin typeface="Arial" panose="020B0604020202020204" pitchFamily="34" charset="0"/>
+                <a:cs typeface="Arial" panose="020B0604020202020204" pitchFamily="34" charset="0"/>
+              </a:rPr>
+              <a:t>22 </a:t>
+            </a:r>
+            <a:r>
+              <a:rPr lang="ru-RU" sz="1600" dirty="0">
+                <a:solidFill>
+                  <a:srgbClr val="FF0000"/>
+                </a:solidFill>
+                <a:latin typeface="Arial" panose="020B0604020202020204" pitchFamily="34" charset="0"/>
+                <a:cs typeface="Arial" panose="020B0604020202020204" pitchFamily="34" charset="0"/>
+              </a:rPr>
+              <a:t>F1 </a:t>
+            </a:r>
+            <a:r>
+              <a:rPr lang="ru-RU" sz="1600" dirty="0" smtClean="0">
+                <a:solidFill>
+                  <a:srgbClr val="FF0000"/>
+                </a:solidFill>
+                <a:latin typeface="Arial" panose="020B0604020202020204" pitchFamily="34" charset="0"/>
+                <a:cs typeface="Arial" panose="020B0604020202020204" pitchFamily="34" charset="0"/>
+              </a:rPr>
+              <a:t>01</a:t>
+            </a:r>
+            <a:endParaRPr lang="ru-RU" sz="1600" dirty="0">
+              <a:solidFill>
+                <a:srgbClr val="FF0000"/>
+              </a:solidFill>
+              <a:latin typeface="Arial" panose="020B0604020202020204" pitchFamily="34" charset="0"/>
+              <a:cs typeface="Arial" panose="020B0604020202020204" pitchFamily="34" charset="0"/>
+            </a:endParaRPr>
+          </a:p>
+          <a:p>
+            <a:r>
+              <a:rPr lang="ru-RU" sz="1600" b="1" dirty="0">
+                <a:solidFill>
+                  <a:srgbClr val="00B050"/>
+                </a:solidFill>
+                <a:latin typeface="Arial" panose="020B0604020202020204" pitchFamily="34" charset="0"/>
+                <a:cs typeface="Arial" panose="020B0604020202020204" pitchFamily="34" charset="0"/>
+              </a:rPr>
+              <a:t>@</a:t>
+            </a:r>
+            <a:r>
+              <a:rPr lang="en-US" sz="1600" b="1" dirty="0">
+                <a:solidFill>
+                  <a:srgbClr val="00B050"/>
+                </a:solidFill>
+                <a:latin typeface="Arial" panose="020B0604020202020204" pitchFamily="34" charset="0"/>
+                <a:cs typeface="Arial" panose="020B0604020202020204" pitchFamily="34" charset="0"/>
+              </a:rPr>
+              <a:t>Receive </a:t>
+            </a:r>
+            <a:r>
+              <a:rPr lang="ru-RU" sz="1600" dirty="0" err="1">
+                <a:solidFill>
+                  <a:srgbClr val="00B050"/>
+                </a:solidFill>
+                <a:latin typeface="Arial" panose="020B0604020202020204" pitchFamily="34" charset="0"/>
+                <a:cs typeface="Arial" panose="020B0604020202020204" pitchFamily="34" charset="0"/>
+              </a:rPr>
+              <a:t>response</a:t>
+            </a:r>
+            <a:r>
+              <a:rPr lang="ru-RU" sz="1600" dirty="0">
+                <a:solidFill>
+                  <a:srgbClr val="00B050"/>
+                </a:solidFill>
+                <a:latin typeface="Arial" panose="020B0604020202020204" pitchFamily="34" charset="0"/>
+                <a:cs typeface="Arial" panose="020B0604020202020204" pitchFamily="34" charset="0"/>
+              </a:rPr>
+              <a:t> </a:t>
+            </a:r>
+            <a:r>
+              <a:rPr lang="ru-RU" sz="1600" dirty="0" smtClean="0">
+                <a:solidFill>
+                  <a:srgbClr val="00B050"/>
+                </a:solidFill>
+                <a:latin typeface="Arial" panose="020B0604020202020204" pitchFamily="34" charset="0"/>
+                <a:cs typeface="Arial" panose="020B0604020202020204" pitchFamily="34" charset="0"/>
+              </a:rPr>
+              <a:t>6E </a:t>
+            </a:r>
+            <a:r>
+              <a:rPr lang="ru-RU" sz="1600" dirty="0">
+                <a:solidFill>
+                  <a:srgbClr val="00B050"/>
+                </a:solidFill>
+                <a:latin typeface="Arial" panose="020B0604020202020204" pitchFamily="34" charset="0"/>
+                <a:cs typeface="Arial" panose="020B0604020202020204" pitchFamily="34" charset="0"/>
+              </a:rPr>
+              <a:t>F1 </a:t>
+            </a:r>
+            <a:r>
+              <a:rPr lang="ru-RU" sz="1600" dirty="0" smtClean="0">
+                <a:solidFill>
+                  <a:srgbClr val="00B050"/>
+                </a:solidFill>
+                <a:latin typeface="Arial" panose="020B0604020202020204" pitchFamily="34" charset="0"/>
+                <a:cs typeface="Arial" panose="020B0604020202020204" pitchFamily="34" charset="0"/>
+              </a:rPr>
+              <a:t>01</a:t>
+            </a:r>
+          </a:p>
+          <a:p>
+            <a:r>
+              <a:rPr lang="ru-RU" sz="1600" b="1" dirty="0" smtClean="0">
+                <a:solidFill>
+                  <a:srgbClr val="00B050"/>
+                </a:solidFill>
+                <a:latin typeface="Arial" panose="020B0604020202020204" pitchFamily="34" charset="0"/>
+                <a:cs typeface="Arial" panose="020B0604020202020204" pitchFamily="34" charset="0"/>
+              </a:rPr>
+              <a:t>@</a:t>
+            </a:r>
+            <a:r>
+              <a:rPr lang="en-US" sz="1600" b="1" dirty="0">
+                <a:solidFill>
+                  <a:srgbClr val="00B050"/>
+                </a:solidFill>
+                <a:latin typeface="Arial" panose="020B0604020202020204" pitchFamily="34" charset="0"/>
+                <a:cs typeface="Arial" panose="020B0604020202020204" pitchFamily="34" charset="0"/>
+              </a:rPr>
+              <a:t>Receive</a:t>
+            </a:r>
+            <a:r>
+              <a:rPr lang="en-US" sz="1600" dirty="0">
+                <a:solidFill>
+                  <a:srgbClr val="00B050"/>
+                </a:solidFill>
+                <a:latin typeface="Arial" panose="020B0604020202020204" pitchFamily="34" charset="0"/>
+                <a:cs typeface="Arial" panose="020B0604020202020204" pitchFamily="34" charset="0"/>
+              </a:rPr>
+              <a:t> </a:t>
+            </a:r>
+            <a:r>
+              <a:rPr lang="ru-RU" sz="1600" dirty="0" err="1">
+                <a:solidFill>
+                  <a:srgbClr val="00B050"/>
+                </a:solidFill>
+                <a:latin typeface="Arial" panose="020B0604020202020204" pitchFamily="34" charset="0"/>
+                <a:cs typeface="Arial" panose="020B0604020202020204" pitchFamily="34" charset="0"/>
+              </a:rPr>
+              <a:t>response</a:t>
+            </a:r>
+            <a:r>
+              <a:rPr lang="ru-RU" sz="1600" dirty="0">
+                <a:solidFill>
+                  <a:srgbClr val="00B050"/>
+                </a:solidFill>
+                <a:latin typeface="Arial" panose="020B0604020202020204" pitchFamily="34" charset="0"/>
+                <a:cs typeface="Arial" panose="020B0604020202020204" pitchFamily="34" charset="0"/>
+              </a:rPr>
+              <a:t> </a:t>
+            </a:r>
+            <a:r>
+              <a:rPr lang="ru-RU" sz="1600" dirty="0" smtClean="0">
+                <a:solidFill>
+                  <a:srgbClr val="00B050"/>
+                </a:solidFill>
+                <a:latin typeface="Arial" panose="020B0604020202020204" pitchFamily="34" charset="0"/>
+                <a:cs typeface="Arial" panose="020B0604020202020204" pitchFamily="34" charset="0"/>
+              </a:rPr>
+              <a:t>62 </a:t>
+            </a:r>
+            <a:r>
+              <a:rPr lang="ru-RU" sz="1600" dirty="0">
+                <a:solidFill>
+                  <a:srgbClr val="00B050"/>
+                </a:solidFill>
+                <a:latin typeface="Arial" panose="020B0604020202020204" pitchFamily="34" charset="0"/>
+                <a:cs typeface="Arial" panose="020B0604020202020204" pitchFamily="34" charset="0"/>
+              </a:rPr>
+              <a:t>F1 01 00 01 </a:t>
+            </a:r>
+            <a:r>
+              <a:rPr lang="ru-RU" sz="1600" dirty="0" smtClean="0">
+                <a:solidFill>
+                  <a:srgbClr val="00B050"/>
+                </a:solidFill>
+                <a:latin typeface="Arial" panose="020B0604020202020204" pitchFamily="34" charset="0"/>
+                <a:cs typeface="Arial" panose="020B0604020202020204" pitchFamily="34" charset="0"/>
+              </a:rPr>
+              <a:t>A5</a:t>
+            </a:r>
+            <a:endParaRPr lang="ru-RU" sz="1600" dirty="0">
+              <a:solidFill>
+                <a:srgbClr val="00B050"/>
+              </a:solidFill>
+              <a:latin typeface="Arial" panose="020B0604020202020204" pitchFamily="34" charset="0"/>
+              <a:cs typeface="Arial" panose="020B0604020202020204" pitchFamily="34" charset="0"/>
+            </a:endParaRPr>
+          </a:p>
+          <a:p>
+            <a:endParaRPr lang="ru-RU" dirty="0">
+              <a:solidFill>
+                <a:srgbClr val="FF0000"/>
+              </a:solidFill>
+              <a:latin typeface="Arial" panose="020B0604020202020204" pitchFamily="34" charset="0"/>
+              <a:cs typeface="Arial" panose="020B0604020202020204" pitchFamily="34" charset="0"/>
+            </a:endParaRPr>
+          </a:p>
+        </p:txBody>
+      </p:sp>
+      <p:cxnSp>
+        <p:nvCxnSpPr>
+          <p:cNvPr id="7" name="Соединительная линия уступом 6"/>
+          <p:cNvCxnSpPr>
+            <a:stCxn id="3" idx="2"/>
+          </p:cNvCxnSpPr>
+          <p:nvPr/>
+        </p:nvCxnSpPr>
+        <p:spPr>
+          <a:xfrm rot="5400000">
+            <a:off x="9411026" y="4105849"/>
+            <a:ext cx="576088" cy="1"/>
+          </a:xfrm>
+          <a:prstGeom prst="bentConnector3">
+            <a:avLst>
+              <a:gd name="adj1" fmla="val 50000"/>
+            </a:avLst>
+          </a:prstGeom>
+          <a:ln w="57150">
+            <a:solidFill>
+              <a:schemeClr val="accent1"/>
+            </a:solidFill>
+            <a:tailEnd type="triangle"/>
+          </a:ln>
+        </p:spPr>
+        <p:style>
+          <a:lnRef idx="2">
+            <a:schemeClr val="accent5"/>
+          </a:lnRef>
+          <a:fillRef idx="0">
+            <a:schemeClr val="accent5"/>
+          </a:fillRef>
+          <a:effectRef idx="1">
+            <a:schemeClr val="accent5"/>
+          </a:effectRef>
+          <a:fontRef idx="minor">
+            <a:schemeClr val="tx1"/>
+          </a:fontRef>
+        </p:style>
+      </p:cxnSp>
+      <p:sp>
+        <p:nvSpPr>
+          <p:cNvPr id="12" name="Прямоугольник 11"/>
+          <p:cNvSpPr/>
+          <p:nvPr/>
+        </p:nvSpPr>
+        <p:spPr>
+          <a:xfrm>
+            <a:off x="8382843" y="4393893"/>
+            <a:ext cx="2632452" cy="584775"/>
+          </a:xfrm>
+          <a:prstGeom prst="rect">
+            <a:avLst/>
+          </a:prstGeom>
+          <a:solidFill>
+            <a:schemeClr val="bg1"/>
+          </a:solidFill>
+          <a:ln>
+            <a:solidFill>
+              <a:schemeClr val="tx1">
+                <a:lumMod val="95000"/>
+                <a:lumOff val="5000"/>
+              </a:schemeClr>
+            </a:solidFill>
+          </a:ln>
+        </p:spPr>
+        <p:txBody>
+          <a:bodyPr wrap="none">
+            <a:spAutoFit/>
+          </a:bodyPr>
+          <a:lstStyle/>
+          <a:p>
+            <a:r>
+              <a:rPr lang="ru-RU" sz="1600" b="1" dirty="0">
+                <a:solidFill>
+                  <a:srgbClr val="FF0000"/>
+                </a:solidFill>
+                <a:latin typeface="Arial" panose="020B0604020202020204" pitchFamily="34" charset="0"/>
+                <a:cs typeface="Arial" panose="020B0604020202020204" pitchFamily="34" charset="0"/>
+              </a:rPr>
+              <a:t>@</a:t>
+            </a:r>
+            <a:r>
+              <a:rPr lang="ru-RU" sz="1600" b="1" dirty="0" err="1">
+                <a:solidFill>
+                  <a:srgbClr val="FF0000"/>
+                </a:solidFill>
+                <a:latin typeface="Arial" panose="020B0604020202020204" pitchFamily="34" charset="0"/>
+                <a:cs typeface="Arial" panose="020B0604020202020204" pitchFamily="34" charset="0"/>
+              </a:rPr>
+              <a:t>Send</a:t>
+            </a:r>
+            <a:r>
+              <a:rPr lang="ru-RU" sz="1600" dirty="0">
+                <a:solidFill>
+                  <a:srgbClr val="FF0000"/>
+                </a:solidFill>
+                <a:latin typeface="Arial" panose="020B0604020202020204" pitchFamily="34" charset="0"/>
+                <a:cs typeface="Arial" panose="020B0604020202020204" pitchFamily="34" charset="0"/>
+              </a:rPr>
+              <a:t> </a:t>
+            </a:r>
+            <a:r>
+              <a:rPr lang="ru-RU" sz="1600" dirty="0" err="1">
+                <a:solidFill>
+                  <a:srgbClr val="FF0000"/>
+                </a:solidFill>
+                <a:latin typeface="Arial" panose="020B0604020202020204" pitchFamily="34" charset="0"/>
+                <a:cs typeface="Arial" panose="020B0604020202020204" pitchFamily="34" charset="0"/>
+              </a:rPr>
+              <a:t>request</a:t>
+            </a:r>
+            <a:r>
+              <a:rPr lang="ru-RU" sz="1600" dirty="0">
+                <a:solidFill>
+                  <a:srgbClr val="FF0000"/>
+                </a:solidFill>
+                <a:latin typeface="Arial" panose="020B0604020202020204" pitchFamily="34" charset="0"/>
+                <a:cs typeface="Arial" panose="020B0604020202020204" pitchFamily="34" charset="0"/>
+              </a:rPr>
+              <a:t> </a:t>
+            </a:r>
+            <a:r>
+              <a:rPr lang="en-US" sz="1600" dirty="0" smtClean="0">
+                <a:solidFill>
+                  <a:srgbClr val="FF0000"/>
+                </a:solidFill>
+                <a:latin typeface="Arial" panose="020B0604020202020204" pitchFamily="34" charset="0"/>
+                <a:cs typeface="Arial" panose="020B0604020202020204" pitchFamily="34" charset="0"/>
+              </a:rPr>
+              <a:t>[data]</a:t>
+            </a:r>
+            <a:endParaRPr lang="ru-RU" sz="1600" dirty="0">
+              <a:solidFill>
+                <a:srgbClr val="FF0000"/>
+              </a:solidFill>
+              <a:latin typeface="Arial" panose="020B0604020202020204" pitchFamily="34" charset="0"/>
+              <a:cs typeface="Arial" panose="020B0604020202020204" pitchFamily="34" charset="0"/>
+            </a:endParaRPr>
+          </a:p>
+          <a:p>
+            <a:r>
+              <a:rPr lang="ru-RU" sz="1600" b="1" dirty="0">
+                <a:solidFill>
+                  <a:srgbClr val="00B050"/>
+                </a:solidFill>
+                <a:latin typeface="Arial" panose="020B0604020202020204" pitchFamily="34" charset="0"/>
+                <a:cs typeface="Arial" panose="020B0604020202020204" pitchFamily="34" charset="0"/>
+              </a:rPr>
+              <a:t>@</a:t>
+            </a:r>
+            <a:r>
+              <a:rPr lang="en-US" sz="1600" b="1" dirty="0">
+                <a:solidFill>
+                  <a:srgbClr val="00B050"/>
+                </a:solidFill>
+                <a:latin typeface="Arial" panose="020B0604020202020204" pitchFamily="34" charset="0"/>
+                <a:cs typeface="Arial" panose="020B0604020202020204" pitchFamily="34" charset="0"/>
+              </a:rPr>
+              <a:t>Receive </a:t>
+            </a:r>
+            <a:r>
+              <a:rPr lang="ru-RU" sz="1600" dirty="0" err="1">
+                <a:solidFill>
+                  <a:srgbClr val="00B050"/>
+                </a:solidFill>
+                <a:latin typeface="Arial" panose="020B0604020202020204" pitchFamily="34" charset="0"/>
+                <a:cs typeface="Arial" panose="020B0604020202020204" pitchFamily="34" charset="0"/>
+              </a:rPr>
+              <a:t>response</a:t>
+            </a:r>
+            <a:r>
+              <a:rPr lang="ru-RU" sz="1600" dirty="0">
+                <a:solidFill>
+                  <a:srgbClr val="00B050"/>
+                </a:solidFill>
+                <a:latin typeface="Arial" panose="020B0604020202020204" pitchFamily="34" charset="0"/>
+                <a:cs typeface="Arial" panose="020B0604020202020204" pitchFamily="34" charset="0"/>
+              </a:rPr>
+              <a:t> </a:t>
+            </a:r>
+            <a:r>
+              <a:rPr lang="en-US" sz="1600" dirty="0" smtClean="0">
+                <a:solidFill>
+                  <a:srgbClr val="00B050"/>
+                </a:solidFill>
+                <a:latin typeface="Arial" panose="020B0604020202020204" pitchFamily="34" charset="0"/>
+                <a:cs typeface="Arial" panose="020B0604020202020204" pitchFamily="34" charset="0"/>
+              </a:rPr>
+              <a:t>[data]</a:t>
+            </a:r>
+            <a:endParaRPr lang="ru-RU" dirty="0">
+              <a:solidFill>
+                <a:srgbClr val="FF0000"/>
+              </a:solidFill>
+              <a:latin typeface="Arial" panose="020B0604020202020204" pitchFamily="34" charset="0"/>
+              <a:cs typeface="Arial" panose="020B0604020202020204" pitchFamily="34" charset="0"/>
+            </a:endParaRPr>
+          </a:p>
+        </p:txBody>
+      </p:sp>
+    </p:spTree>
+    <p:extLst>
+      <p:ext uri="{BB962C8B-B14F-4D97-AF65-F5344CB8AC3E}">
+        <p14:creationId xmlns:p14="http://schemas.microsoft.com/office/powerpoint/2010/main" val="4051157436"/>
+      </p:ext>
+    </p:extLst>
+  </p:cSld>
+  <p:clrMapOvr>
+    <a:masterClrMapping/>
+  </p:clrMapOvr>
+  <p:timing>
+    <p:tnLst>
+      <p:par>
+        <p:cTn id="1" dur="indefinite" restart="never" nodeType="tmRoot"/>
+      </p:par>
+    </p:tnLst>
+  </p:timing>
+</p:sld>
+</file>
+
 <file path=ppt/slides/slide9.xml><?xml version="1.0" encoding="utf-8"?>
 <p:sld xmlns:a="http://schemas.openxmlformats.org/drawingml/2006/main" xmlns:r="http://schemas.openxmlformats.org/officeDocument/2006/relationships" xmlns:p="http://schemas.openxmlformats.org/presentationml/2006/main">
   <p:cSld>
@@ -8966,329 +12216,719 @@
             <p:ph idx="1"/>
           </p:nvPr>
         </p:nvSpPr>
-        <p:spPr/>
+        <p:spPr>
+          <a:xfrm>
+            <a:off x="1069848" y="1848930"/>
+            <a:ext cx="6452386" cy="4516501"/>
+          </a:xfrm>
+          <a:solidFill>
+            <a:schemeClr val="bg1">
+              <a:lumMod val="95000"/>
+            </a:schemeClr>
+          </a:solidFill>
+          <a:ln>
+            <a:solidFill>
+              <a:schemeClr val="tx1"/>
+            </a:solidFill>
+          </a:ln>
+        </p:spPr>
         <p:txBody>
           <a:bodyPr>
-            <a:normAutofit fontScale="62500" lnSpcReduction="20000"/>
+            <a:noAutofit/>
           </a:bodyPr>
           <a:lstStyle/>
           <a:p>
-            <a:r>
-              <a:rPr lang="ru-RU" b="1" dirty="0"/>
+            <a:pPr marL="0" indent="0">
+              <a:buNone/>
+            </a:pPr>
+            <a:r>
+              <a:rPr lang="ru-RU" sz="1600" b="1" dirty="0">
+                <a:latin typeface="Arial" panose="020B0604020202020204" pitchFamily="34" charset="0"/>
+                <a:cs typeface="Arial" panose="020B0604020202020204" pitchFamily="34" charset="0"/>
+              </a:rPr>
               <a:t>@</a:t>
             </a:r>
             <a:r>
-              <a:rPr lang="ru-RU" b="1" dirty="0" err="1"/>
+              <a:rPr lang="ru-RU" sz="1600" b="1" dirty="0" err="1">
+                <a:latin typeface="Arial" panose="020B0604020202020204" pitchFamily="34" charset="0"/>
+                <a:cs typeface="Arial" panose="020B0604020202020204" pitchFamily="34" charset="0"/>
+              </a:rPr>
               <a:t>TestCase</a:t>
             </a:r>
             <a:r>
-              <a:rPr lang="ru-RU" dirty="0"/>
+              <a:rPr lang="ru-RU" sz="1600" dirty="0">
+                <a:latin typeface="Arial" panose="020B0604020202020204" pitchFamily="34" charset="0"/>
+                <a:cs typeface="Arial" panose="020B0604020202020204" pitchFamily="34" charset="0"/>
+              </a:rPr>
               <a:t> </a:t>
             </a:r>
             <a:r>
-              <a:rPr lang="ru-RU" dirty="0" err="1"/>
+              <a:rPr lang="ru-RU" sz="1600" dirty="0" err="1">
+                <a:latin typeface="Arial" panose="020B0604020202020204" pitchFamily="34" charset="0"/>
+                <a:cs typeface="Arial" panose="020B0604020202020204" pitchFamily="34" charset="0"/>
+              </a:rPr>
               <a:t>test</a:t>
             </a:r>
             <a:r>
-              <a:rPr lang="ru-RU" dirty="0"/>
+              <a:rPr lang="ru-RU" sz="1600" dirty="0">
+                <a:latin typeface="Arial" panose="020B0604020202020204" pitchFamily="34" charset="0"/>
+                <a:cs typeface="Arial" panose="020B0604020202020204" pitchFamily="34" charset="0"/>
+              </a:rPr>
               <a:t> NVRAM </a:t>
             </a:r>
             <a:r>
-              <a:rPr lang="ru-RU" dirty="0" err="1"/>
-              <a:t>functionallity</a:t>
-            </a:r>
-            <a:r>
-              <a:rPr lang="ru-RU" dirty="0"/>
+              <a:rPr lang="ru-RU" sz="1600" dirty="0" err="1" smtClean="0">
+                <a:latin typeface="Arial" panose="020B0604020202020204" pitchFamily="34" charset="0"/>
+                <a:cs typeface="Arial" panose="020B0604020202020204" pitchFamily="34" charset="0"/>
+              </a:rPr>
+              <a:t>functionality</a:t>
+            </a:r>
+            <a:r>
+              <a:rPr lang="ru-RU" sz="1600" dirty="0" smtClean="0">
+                <a:latin typeface="Arial" panose="020B0604020202020204" pitchFamily="34" charset="0"/>
+                <a:cs typeface="Arial" panose="020B0604020202020204" pitchFamily="34" charset="0"/>
+              </a:rPr>
               <a:t> </a:t>
             </a:r>
             <a:r>
-              <a:rPr lang="ru-RU" dirty="0" err="1"/>
+              <a:rPr lang="ru-RU" sz="1600" dirty="0" err="1">
+                <a:latin typeface="Arial" panose="020B0604020202020204" pitchFamily="34" charset="0"/>
+                <a:cs typeface="Arial" panose="020B0604020202020204" pitchFamily="34" charset="0"/>
+              </a:rPr>
               <a:t>of</a:t>
             </a:r>
             <a:r>
-              <a:rPr lang="ru-RU" dirty="0"/>
+              <a:rPr lang="ru-RU" sz="1600" dirty="0">
+                <a:latin typeface="Arial" panose="020B0604020202020204" pitchFamily="34" charset="0"/>
+                <a:cs typeface="Arial" panose="020B0604020202020204" pitchFamily="34" charset="0"/>
+              </a:rPr>
               <a:t> </a:t>
             </a:r>
             <a:r>
-              <a:rPr lang="ru-RU" dirty="0" err="1" smtClean="0"/>
+              <a:rPr lang="ru-RU" sz="1600" dirty="0" err="1" smtClean="0">
+                <a:latin typeface="Arial" panose="020B0604020202020204" pitchFamily="34" charset="0"/>
+                <a:cs typeface="Arial" panose="020B0604020202020204" pitchFamily="34" charset="0"/>
+              </a:rPr>
               <a:t>did</a:t>
             </a:r>
             <a:r>
-              <a:rPr lang="ru-RU" dirty="0" smtClean="0"/>
+              <a:rPr lang="ru-RU" sz="1600" dirty="0" smtClean="0">
+                <a:latin typeface="Arial" panose="020B0604020202020204" pitchFamily="34" charset="0"/>
+                <a:cs typeface="Arial" panose="020B0604020202020204" pitchFamily="34" charset="0"/>
+              </a:rPr>
               <a:t> </a:t>
             </a:r>
             <a:r>
-              <a:rPr lang="ru-RU" dirty="0"/>
+              <a:rPr lang="ru-RU" sz="1600" dirty="0">
+                <a:latin typeface="Arial" panose="020B0604020202020204" pitchFamily="34" charset="0"/>
+                <a:cs typeface="Arial" panose="020B0604020202020204" pitchFamily="34" charset="0"/>
+              </a:rPr>
               <a:t>0xF101</a:t>
             </a:r>
             <a:r>
-              <a:rPr lang="en-US" dirty="0"/>
+              <a:rPr lang="en-US" sz="1600" dirty="0">
+                <a:latin typeface="Arial" panose="020B0604020202020204" pitchFamily="34" charset="0"/>
+                <a:cs typeface="Arial" panose="020B0604020202020204" pitchFamily="34" charset="0"/>
+              </a:rPr>
               <a:t> </a:t>
             </a:r>
             <a:r>
-              <a:rPr lang="ru-RU" dirty="0"/>
-              <a:t>(Req_NVRAM1)</a:t>
-            </a:r>
-          </a:p>
-          <a:p>
-            <a:endParaRPr lang="ru-RU" dirty="0"/>
-          </a:p>
-          <a:p>
-            <a:r>
-              <a:rPr lang="ru-RU" b="1" dirty="0"/>
+              <a:rPr lang="ru-RU" sz="1600" dirty="0">
+                <a:latin typeface="Arial" panose="020B0604020202020204" pitchFamily="34" charset="0"/>
+                <a:cs typeface="Arial" panose="020B0604020202020204" pitchFamily="34" charset="0"/>
+              </a:rPr>
+              <a:t>(Req_NVRAM1</a:t>
+            </a:r>
+            <a:r>
+              <a:rPr lang="ru-RU" sz="1600" dirty="0" smtClean="0">
+                <a:latin typeface="Arial" panose="020B0604020202020204" pitchFamily="34" charset="0"/>
+                <a:cs typeface="Arial" panose="020B0604020202020204" pitchFamily="34" charset="0"/>
+              </a:rPr>
+              <a:t>)</a:t>
+            </a:r>
+            <a:endParaRPr lang="ru-RU" sz="1600" dirty="0">
+              <a:latin typeface="Arial" panose="020B0604020202020204" pitchFamily="34" charset="0"/>
+              <a:cs typeface="Arial" panose="020B0604020202020204" pitchFamily="34" charset="0"/>
+            </a:endParaRPr>
+          </a:p>
+          <a:p>
+            <a:pPr marL="0" indent="0">
+              <a:buNone/>
+            </a:pPr>
+            <a:r>
+              <a:rPr lang="ru-RU" sz="1600" b="1" dirty="0">
+                <a:latin typeface="Arial" panose="020B0604020202020204" pitchFamily="34" charset="0"/>
+                <a:cs typeface="Arial" panose="020B0604020202020204" pitchFamily="34" charset="0"/>
+              </a:rPr>
               <a:t>@</a:t>
             </a:r>
             <a:r>
-              <a:rPr lang="ru-RU" b="1" dirty="0" err="1"/>
+              <a:rPr lang="ru-RU" sz="1600" b="1" dirty="0" err="1">
+                <a:latin typeface="Arial" panose="020B0604020202020204" pitchFamily="34" charset="0"/>
+                <a:cs typeface="Arial" panose="020B0604020202020204" pitchFamily="34" charset="0"/>
+              </a:rPr>
               <a:t>Set</a:t>
             </a:r>
             <a:r>
-              <a:rPr lang="ru-RU" dirty="0"/>
+              <a:rPr lang="ru-RU" sz="1600" dirty="0">
+                <a:latin typeface="Arial" panose="020B0604020202020204" pitchFamily="34" charset="0"/>
+                <a:cs typeface="Arial" panose="020B0604020202020204" pitchFamily="34" charset="0"/>
+              </a:rPr>
               <a:t> </a:t>
             </a:r>
             <a:r>
-              <a:rPr lang="ru-RU" dirty="0" err="1"/>
+              <a:rPr lang="ru-RU" sz="1600" dirty="0" err="1">
+                <a:latin typeface="Arial" panose="020B0604020202020204" pitchFamily="34" charset="0"/>
+                <a:cs typeface="Arial" panose="020B0604020202020204" pitchFamily="34" charset="0"/>
+              </a:rPr>
               <a:t>ignition</a:t>
             </a:r>
             <a:r>
-              <a:rPr lang="ru-RU" dirty="0"/>
+              <a:rPr lang="ru-RU" sz="1600" dirty="0">
+                <a:latin typeface="Arial" panose="020B0604020202020204" pitchFamily="34" charset="0"/>
+                <a:cs typeface="Arial" panose="020B0604020202020204" pitchFamily="34" charset="0"/>
+              </a:rPr>
               <a:t> </a:t>
             </a:r>
             <a:r>
-              <a:rPr lang="ru-RU" dirty="0" err="1"/>
+              <a:rPr lang="ru-RU" sz="1600" dirty="0" err="1">
+                <a:latin typeface="Arial" panose="020B0604020202020204" pitchFamily="34" charset="0"/>
+                <a:cs typeface="Arial" panose="020B0604020202020204" pitchFamily="34" charset="0"/>
+              </a:rPr>
               <a:t>on</a:t>
             </a:r>
-            <a:endParaRPr lang="ru-RU" dirty="0"/>
-          </a:p>
-          <a:p>
-            <a:r>
-              <a:rPr lang="ru-RU" b="1" dirty="0"/>
+            <a:endParaRPr lang="ru-RU" sz="1600" dirty="0">
+              <a:latin typeface="Arial" panose="020B0604020202020204" pitchFamily="34" charset="0"/>
+              <a:cs typeface="Arial" panose="020B0604020202020204" pitchFamily="34" charset="0"/>
+            </a:endParaRPr>
+          </a:p>
+          <a:p>
+            <a:pPr marL="0" indent="0">
+              <a:buNone/>
+            </a:pPr>
+            <a:r>
+              <a:rPr lang="ru-RU" sz="1600" b="1" dirty="0">
+                <a:latin typeface="Arial" panose="020B0604020202020204" pitchFamily="34" charset="0"/>
+                <a:cs typeface="Arial" panose="020B0604020202020204" pitchFamily="34" charset="0"/>
+              </a:rPr>
               <a:t>@</a:t>
             </a:r>
             <a:r>
-              <a:rPr lang="ru-RU" b="1" dirty="0" err="1"/>
+              <a:rPr lang="ru-RU" sz="1600" b="1" dirty="0" err="1">
+                <a:latin typeface="Arial" panose="020B0604020202020204" pitchFamily="34" charset="0"/>
+                <a:cs typeface="Arial" panose="020B0604020202020204" pitchFamily="34" charset="0"/>
+              </a:rPr>
               <a:t>Send</a:t>
             </a:r>
             <a:r>
-              <a:rPr lang="ru-RU" dirty="0"/>
+              <a:rPr lang="ru-RU" sz="1600" dirty="0">
+                <a:latin typeface="Arial" panose="020B0604020202020204" pitchFamily="34" charset="0"/>
+                <a:cs typeface="Arial" panose="020B0604020202020204" pitchFamily="34" charset="0"/>
+              </a:rPr>
               <a:t> </a:t>
             </a:r>
             <a:r>
-              <a:rPr lang="ru-RU" dirty="0" err="1"/>
+              <a:rPr lang="ru-RU" sz="1600" dirty="0" err="1">
+                <a:latin typeface="Arial" panose="020B0604020202020204" pitchFamily="34" charset="0"/>
+                <a:cs typeface="Arial" panose="020B0604020202020204" pitchFamily="34" charset="0"/>
+              </a:rPr>
               <a:t>request</a:t>
             </a:r>
             <a:r>
-              <a:rPr lang="ru-RU" dirty="0"/>
-              <a:t> [2E F1 01 00 01 A5]</a:t>
-            </a:r>
-          </a:p>
-          <a:p>
-            <a:r>
-              <a:rPr lang="ru-RU" b="1" dirty="0"/>
+              <a:rPr lang="ru-RU" sz="1600" dirty="0">
+                <a:latin typeface="Arial" panose="020B0604020202020204" pitchFamily="34" charset="0"/>
+                <a:cs typeface="Arial" panose="020B0604020202020204" pitchFamily="34" charset="0"/>
+              </a:rPr>
+              <a:t> </a:t>
+            </a:r>
+            <a:r>
+              <a:rPr lang="ru-RU" sz="1600" dirty="0" smtClean="0">
+                <a:latin typeface="Arial" panose="020B0604020202020204" pitchFamily="34" charset="0"/>
+                <a:cs typeface="Arial" panose="020B0604020202020204" pitchFamily="34" charset="0"/>
+              </a:rPr>
+              <a:t>[2E </a:t>
+            </a:r>
+            <a:r>
+              <a:rPr lang="ru-RU" sz="1600" dirty="0">
+                <a:latin typeface="Arial" panose="020B0604020202020204" pitchFamily="34" charset="0"/>
+                <a:cs typeface="Arial" panose="020B0604020202020204" pitchFamily="34" charset="0"/>
+              </a:rPr>
+              <a:t>F1 01 00 01 </a:t>
+            </a:r>
+            <a:r>
+              <a:rPr lang="ru-RU" sz="1600" dirty="0" smtClean="0">
+                <a:latin typeface="Arial" panose="020B0604020202020204" pitchFamily="34" charset="0"/>
+                <a:cs typeface="Arial" panose="020B0604020202020204" pitchFamily="34" charset="0"/>
+              </a:rPr>
+              <a:t>A5]</a:t>
+            </a:r>
+            <a:endParaRPr lang="ru-RU" sz="1600" dirty="0">
+              <a:latin typeface="Arial" panose="020B0604020202020204" pitchFamily="34" charset="0"/>
+              <a:cs typeface="Arial" panose="020B0604020202020204" pitchFamily="34" charset="0"/>
+            </a:endParaRPr>
+          </a:p>
+          <a:p>
+            <a:pPr marL="0" indent="0">
+              <a:buNone/>
+            </a:pPr>
+            <a:r>
+              <a:rPr lang="ru-RU" sz="1600" b="1" dirty="0" smtClean="0">
+                <a:latin typeface="Arial" panose="020B0604020202020204" pitchFamily="34" charset="0"/>
+                <a:cs typeface="Arial" panose="020B0604020202020204" pitchFamily="34" charset="0"/>
+              </a:rPr>
               <a:t>@</a:t>
             </a:r>
             <a:r>
-              <a:rPr lang="ru-RU" b="1" dirty="0" err="1"/>
-              <a:t>Recieve</a:t>
-            </a:r>
-            <a:r>
-              <a:rPr lang="ru-RU" dirty="0"/>
+              <a:rPr lang="en-US" sz="1600" b="1" dirty="0" smtClean="0">
+                <a:latin typeface="Arial" panose="020B0604020202020204" pitchFamily="34" charset="0"/>
+                <a:cs typeface="Arial" panose="020B0604020202020204" pitchFamily="34" charset="0"/>
+              </a:rPr>
+              <a:t>Receive </a:t>
+            </a:r>
+            <a:r>
+              <a:rPr lang="ru-RU" sz="1600" dirty="0" err="1" smtClean="0">
+                <a:latin typeface="Arial" panose="020B0604020202020204" pitchFamily="34" charset="0"/>
+                <a:cs typeface="Arial" panose="020B0604020202020204" pitchFamily="34" charset="0"/>
+              </a:rPr>
+              <a:t>response</a:t>
+            </a:r>
+            <a:r>
+              <a:rPr lang="ru-RU" sz="1600" dirty="0" smtClean="0">
+                <a:latin typeface="Arial" panose="020B0604020202020204" pitchFamily="34" charset="0"/>
+                <a:cs typeface="Arial" panose="020B0604020202020204" pitchFamily="34" charset="0"/>
+              </a:rPr>
+              <a:t> [6E </a:t>
+            </a:r>
+            <a:r>
+              <a:rPr lang="ru-RU" sz="1600" dirty="0">
+                <a:latin typeface="Arial" panose="020B0604020202020204" pitchFamily="34" charset="0"/>
+                <a:cs typeface="Arial" panose="020B0604020202020204" pitchFamily="34" charset="0"/>
+              </a:rPr>
+              <a:t>F1 </a:t>
+            </a:r>
+            <a:r>
+              <a:rPr lang="ru-RU" sz="1600" dirty="0" smtClean="0">
+                <a:latin typeface="Arial" panose="020B0604020202020204" pitchFamily="34" charset="0"/>
+                <a:cs typeface="Arial" panose="020B0604020202020204" pitchFamily="34" charset="0"/>
+              </a:rPr>
+              <a:t>01]</a:t>
+            </a:r>
+            <a:endParaRPr lang="ru-RU" sz="1600" dirty="0">
+              <a:latin typeface="Arial" panose="020B0604020202020204" pitchFamily="34" charset="0"/>
+              <a:cs typeface="Arial" panose="020B0604020202020204" pitchFamily="34" charset="0"/>
+            </a:endParaRPr>
+          </a:p>
+          <a:p>
+            <a:pPr marL="0" indent="0">
+              <a:buNone/>
+            </a:pPr>
+            <a:r>
+              <a:rPr lang="ru-RU" sz="1600" b="1" dirty="0">
+                <a:latin typeface="Arial" panose="020B0604020202020204" pitchFamily="34" charset="0"/>
+                <a:cs typeface="Arial" panose="020B0604020202020204" pitchFamily="34" charset="0"/>
+              </a:rPr>
+              <a:t>@</a:t>
+            </a:r>
+            <a:r>
+              <a:rPr lang="ru-RU" sz="1600" b="1" dirty="0" err="1">
+                <a:latin typeface="Arial" panose="020B0604020202020204" pitchFamily="34" charset="0"/>
+                <a:cs typeface="Arial" panose="020B0604020202020204" pitchFamily="34" charset="0"/>
+              </a:rPr>
+              <a:t>Set</a:t>
+            </a:r>
+            <a:r>
+              <a:rPr lang="ru-RU" sz="1600" dirty="0">
+                <a:latin typeface="Arial" panose="020B0604020202020204" pitchFamily="34" charset="0"/>
+                <a:cs typeface="Arial" panose="020B0604020202020204" pitchFamily="34" charset="0"/>
+              </a:rPr>
               <a:t> </a:t>
             </a:r>
             <a:r>
-              <a:rPr lang="ru-RU" dirty="0" err="1"/>
+              <a:rPr lang="ru-RU" sz="1600" dirty="0" err="1">
+                <a:latin typeface="Arial" panose="020B0604020202020204" pitchFamily="34" charset="0"/>
+                <a:cs typeface="Arial" panose="020B0604020202020204" pitchFamily="34" charset="0"/>
+              </a:rPr>
+              <a:t>ignition</a:t>
+            </a:r>
+            <a:r>
+              <a:rPr lang="ru-RU" sz="1600" dirty="0">
+                <a:latin typeface="Arial" panose="020B0604020202020204" pitchFamily="34" charset="0"/>
+                <a:cs typeface="Arial" panose="020B0604020202020204" pitchFamily="34" charset="0"/>
+              </a:rPr>
+              <a:t> </a:t>
+            </a:r>
+            <a:r>
+              <a:rPr lang="ru-RU" sz="1600" dirty="0" err="1" smtClean="0">
+                <a:latin typeface="Arial" panose="020B0604020202020204" pitchFamily="34" charset="0"/>
+                <a:cs typeface="Arial" panose="020B0604020202020204" pitchFamily="34" charset="0"/>
+              </a:rPr>
+              <a:t>off</a:t>
+            </a:r>
+            <a:endParaRPr lang="ru-RU" sz="1600" dirty="0">
+              <a:latin typeface="Arial" panose="020B0604020202020204" pitchFamily="34" charset="0"/>
+              <a:cs typeface="Arial" panose="020B0604020202020204" pitchFamily="34" charset="0"/>
+            </a:endParaRPr>
+          </a:p>
+          <a:p>
+            <a:pPr marL="0" indent="0">
+              <a:buNone/>
+            </a:pPr>
+            <a:r>
+              <a:rPr lang="ru-RU" sz="1600" b="1" dirty="0">
+                <a:latin typeface="Arial" panose="020B0604020202020204" pitchFamily="34" charset="0"/>
+                <a:cs typeface="Arial" panose="020B0604020202020204" pitchFamily="34" charset="0"/>
+              </a:rPr>
+              <a:t>@</a:t>
+            </a:r>
+            <a:r>
+              <a:rPr lang="ru-RU" sz="1600" b="1" dirty="0" err="1">
+                <a:latin typeface="Arial" panose="020B0604020202020204" pitchFamily="34" charset="0"/>
+                <a:cs typeface="Arial" panose="020B0604020202020204" pitchFamily="34" charset="0"/>
+              </a:rPr>
+              <a:t>Set</a:t>
+            </a:r>
+            <a:r>
+              <a:rPr lang="ru-RU" sz="1600" dirty="0">
+                <a:latin typeface="Arial" panose="020B0604020202020204" pitchFamily="34" charset="0"/>
+                <a:cs typeface="Arial" panose="020B0604020202020204" pitchFamily="34" charset="0"/>
+              </a:rPr>
+              <a:t> </a:t>
+            </a:r>
+            <a:r>
+              <a:rPr lang="ru-RU" sz="1600" dirty="0" err="1">
+                <a:latin typeface="Arial" panose="020B0604020202020204" pitchFamily="34" charset="0"/>
+                <a:cs typeface="Arial" panose="020B0604020202020204" pitchFamily="34" charset="0"/>
+              </a:rPr>
+              <a:t>ignition</a:t>
+            </a:r>
+            <a:r>
+              <a:rPr lang="ru-RU" sz="1600" dirty="0">
+                <a:latin typeface="Arial" panose="020B0604020202020204" pitchFamily="34" charset="0"/>
+                <a:cs typeface="Arial" panose="020B0604020202020204" pitchFamily="34" charset="0"/>
+              </a:rPr>
+              <a:t> </a:t>
+            </a:r>
+            <a:r>
+              <a:rPr lang="ru-RU" sz="1600" dirty="0" err="1">
+                <a:latin typeface="Arial" panose="020B0604020202020204" pitchFamily="34" charset="0"/>
+                <a:cs typeface="Arial" panose="020B0604020202020204" pitchFamily="34" charset="0"/>
+              </a:rPr>
+              <a:t>on</a:t>
+            </a:r>
+            <a:endParaRPr lang="ru-RU" sz="1600" dirty="0">
+              <a:latin typeface="Arial" panose="020B0604020202020204" pitchFamily="34" charset="0"/>
+              <a:cs typeface="Arial" panose="020B0604020202020204" pitchFamily="34" charset="0"/>
+            </a:endParaRPr>
+          </a:p>
+          <a:p>
+            <a:pPr marL="0" indent="0">
+              <a:buNone/>
+            </a:pPr>
+            <a:r>
+              <a:rPr lang="ru-RU" sz="1600" b="1" dirty="0">
+                <a:solidFill>
+                  <a:srgbClr val="FF0000"/>
+                </a:solidFill>
+                <a:latin typeface="Arial" panose="020B0604020202020204" pitchFamily="34" charset="0"/>
+                <a:cs typeface="Arial" panose="020B0604020202020204" pitchFamily="34" charset="0"/>
+              </a:rPr>
+              <a:t>@</a:t>
+            </a:r>
+            <a:r>
+              <a:rPr lang="ru-RU" sz="1600" b="1" dirty="0" err="1">
+                <a:solidFill>
+                  <a:srgbClr val="FF0000"/>
+                </a:solidFill>
+                <a:latin typeface="Arial" panose="020B0604020202020204" pitchFamily="34" charset="0"/>
+                <a:cs typeface="Arial" panose="020B0604020202020204" pitchFamily="34" charset="0"/>
+              </a:rPr>
+              <a:t>Repeat</a:t>
+            </a:r>
+            <a:r>
+              <a:rPr lang="ru-RU" sz="1600" dirty="0">
+                <a:solidFill>
+                  <a:srgbClr val="FF0000"/>
+                </a:solidFill>
+                <a:latin typeface="Arial" panose="020B0604020202020204" pitchFamily="34" charset="0"/>
+                <a:cs typeface="Arial" panose="020B0604020202020204" pitchFamily="34" charset="0"/>
+              </a:rPr>
+              <a:t>[2][</a:t>
+            </a:r>
+          </a:p>
+          <a:p>
+            <a:pPr marL="0" indent="0">
+              <a:buNone/>
+            </a:pPr>
+            <a:r>
+              <a:rPr lang="ru-RU" sz="1600" dirty="0">
+                <a:solidFill>
+                  <a:srgbClr val="FF0000"/>
+                </a:solidFill>
+                <a:latin typeface="Arial" panose="020B0604020202020204" pitchFamily="34" charset="0"/>
+                <a:cs typeface="Arial" panose="020B0604020202020204" pitchFamily="34" charset="0"/>
+              </a:rPr>
+              <a:t>    </a:t>
+            </a:r>
+            <a:r>
+              <a:rPr lang="ru-RU" sz="1600" b="1" dirty="0">
+                <a:solidFill>
+                  <a:srgbClr val="FF0000"/>
+                </a:solidFill>
+                <a:latin typeface="Arial" panose="020B0604020202020204" pitchFamily="34" charset="0"/>
+                <a:cs typeface="Arial" panose="020B0604020202020204" pitchFamily="34" charset="0"/>
+              </a:rPr>
+              <a:t>@</a:t>
+            </a:r>
+            <a:r>
+              <a:rPr lang="ru-RU" sz="1600" b="1" dirty="0" err="1">
+                <a:solidFill>
+                  <a:srgbClr val="FF0000"/>
+                </a:solidFill>
+                <a:latin typeface="Arial" panose="020B0604020202020204" pitchFamily="34" charset="0"/>
+                <a:cs typeface="Arial" panose="020B0604020202020204" pitchFamily="34" charset="0"/>
+              </a:rPr>
+              <a:t>Send</a:t>
+            </a:r>
+            <a:r>
+              <a:rPr lang="ru-RU" sz="1600" dirty="0">
+                <a:solidFill>
+                  <a:srgbClr val="FF0000"/>
+                </a:solidFill>
+                <a:latin typeface="Arial" panose="020B0604020202020204" pitchFamily="34" charset="0"/>
+                <a:cs typeface="Arial" panose="020B0604020202020204" pitchFamily="34" charset="0"/>
+              </a:rPr>
+              <a:t> </a:t>
+            </a:r>
+            <a:r>
+              <a:rPr lang="ru-RU" sz="1600" dirty="0" err="1">
+                <a:solidFill>
+                  <a:srgbClr val="FF0000"/>
+                </a:solidFill>
+                <a:latin typeface="Arial" panose="020B0604020202020204" pitchFamily="34" charset="0"/>
+                <a:cs typeface="Arial" panose="020B0604020202020204" pitchFamily="34" charset="0"/>
+              </a:rPr>
+              <a:t>request</a:t>
+            </a:r>
+            <a:r>
+              <a:rPr lang="ru-RU" sz="1600" dirty="0">
+                <a:solidFill>
+                  <a:srgbClr val="FF0000"/>
+                </a:solidFill>
+                <a:latin typeface="Arial" panose="020B0604020202020204" pitchFamily="34" charset="0"/>
+                <a:cs typeface="Arial" panose="020B0604020202020204" pitchFamily="34" charset="0"/>
+              </a:rPr>
+              <a:t> [22 F1 01]</a:t>
+            </a:r>
+          </a:p>
+          <a:p>
+            <a:pPr marL="0" indent="0">
+              <a:buNone/>
+            </a:pPr>
+            <a:r>
+              <a:rPr lang="ru-RU" sz="1600" dirty="0">
+                <a:solidFill>
+                  <a:srgbClr val="FF0000"/>
+                </a:solidFill>
+                <a:latin typeface="Arial" panose="020B0604020202020204" pitchFamily="34" charset="0"/>
+                <a:cs typeface="Arial" panose="020B0604020202020204" pitchFamily="34" charset="0"/>
+              </a:rPr>
+              <a:t>    </a:t>
+            </a:r>
+            <a:r>
+              <a:rPr lang="ru-RU" sz="1600" b="1" dirty="0">
+                <a:solidFill>
+                  <a:srgbClr val="FF0000"/>
+                </a:solidFill>
+                <a:latin typeface="Arial" panose="020B0604020202020204" pitchFamily="34" charset="0"/>
+                <a:cs typeface="Arial" panose="020B0604020202020204" pitchFamily="34" charset="0"/>
+              </a:rPr>
+              <a:t>@</a:t>
+            </a:r>
+            <a:r>
+              <a:rPr lang="ru-RU" sz="1600" b="1" dirty="0" err="1">
+                <a:solidFill>
+                  <a:srgbClr val="FF0000"/>
+                </a:solidFill>
+                <a:latin typeface="Arial" panose="020B0604020202020204" pitchFamily="34" charset="0"/>
+                <a:cs typeface="Arial" panose="020B0604020202020204" pitchFamily="34" charset="0"/>
+              </a:rPr>
+              <a:t>Pause</a:t>
+            </a:r>
+            <a:r>
+              <a:rPr lang="ru-RU" sz="1600" dirty="0">
+                <a:solidFill>
+                  <a:srgbClr val="FF0000"/>
+                </a:solidFill>
+                <a:latin typeface="Arial" panose="020B0604020202020204" pitchFamily="34" charset="0"/>
+                <a:cs typeface="Arial" panose="020B0604020202020204" pitchFamily="34" charset="0"/>
+              </a:rPr>
+              <a:t> [100] </a:t>
+            </a:r>
+            <a:r>
+              <a:rPr lang="ru-RU" sz="1600" dirty="0" err="1">
+                <a:solidFill>
+                  <a:srgbClr val="FF0000"/>
+                </a:solidFill>
+                <a:latin typeface="Arial" panose="020B0604020202020204" pitchFamily="34" charset="0"/>
+                <a:cs typeface="Arial" panose="020B0604020202020204" pitchFamily="34" charset="0"/>
+              </a:rPr>
+              <a:t>ms</a:t>
+            </a:r>
+            <a:endParaRPr lang="ru-RU" sz="1600" dirty="0">
+              <a:solidFill>
+                <a:srgbClr val="FF0000"/>
+              </a:solidFill>
+              <a:latin typeface="Arial" panose="020B0604020202020204" pitchFamily="34" charset="0"/>
+              <a:cs typeface="Arial" panose="020B0604020202020204" pitchFamily="34" charset="0"/>
+            </a:endParaRPr>
+          </a:p>
+          <a:p>
+            <a:pPr marL="0" indent="0">
+              <a:buNone/>
+            </a:pPr>
+            <a:r>
+              <a:rPr lang="ru-RU" sz="1600" dirty="0">
+                <a:solidFill>
+                  <a:srgbClr val="FF0000"/>
+                </a:solidFill>
+                <a:latin typeface="Arial" panose="020B0604020202020204" pitchFamily="34" charset="0"/>
+                <a:cs typeface="Arial" panose="020B0604020202020204" pitchFamily="34" charset="0"/>
+              </a:rPr>
+              <a:t>    </a:t>
+            </a:r>
+            <a:r>
+              <a:rPr lang="ru-RU" sz="1600" b="1" dirty="0" smtClean="0">
+                <a:solidFill>
+                  <a:srgbClr val="FF0000"/>
+                </a:solidFill>
+                <a:latin typeface="Arial" panose="020B0604020202020204" pitchFamily="34" charset="0"/>
+                <a:cs typeface="Arial" panose="020B0604020202020204" pitchFamily="34" charset="0"/>
+              </a:rPr>
+              <a:t>@</a:t>
+            </a:r>
+            <a:r>
+              <a:rPr lang="en-US" sz="1600" b="1" dirty="0" smtClean="0">
+                <a:solidFill>
+                  <a:srgbClr val="FF0000"/>
+                </a:solidFill>
+                <a:latin typeface="Arial" panose="020B0604020202020204" pitchFamily="34" charset="0"/>
+                <a:cs typeface="Arial" panose="020B0604020202020204" pitchFamily="34" charset="0"/>
+              </a:rPr>
+              <a:t>Receive</a:t>
+            </a:r>
+            <a:r>
+              <a:rPr lang="en-US" sz="1600" dirty="0" smtClean="0">
+                <a:solidFill>
+                  <a:srgbClr val="FF0000"/>
+                </a:solidFill>
+                <a:latin typeface="Arial" panose="020B0604020202020204" pitchFamily="34" charset="0"/>
+                <a:cs typeface="Arial" panose="020B0604020202020204" pitchFamily="34" charset="0"/>
+              </a:rPr>
+              <a:t> </a:t>
+            </a:r>
+            <a:r>
+              <a:rPr lang="ru-RU" sz="1600" dirty="0" err="1" smtClean="0">
+                <a:solidFill>
+                  <a:srgbClr val="FF0000"/>
+                </a:solidFill>
+                <a:latin typeface="Arial" panose="020B0604020202020204" pitchFamily="34" charset="0"/>
+                <a:cs typeface="Arial" panose="020B0604020202020204" pitchFamily="34" charset="0"/>
+              </a:rPr>
               <a:t>response</a:t>
             </a:r>
             <a:r>
-              <a:rPr lang="ru-RU" dirty="0"/>
-              <a:t> [6E F1 01]</a:t>
-            </a:r>
-          </a:p>
-          <a:p>
-            <a:r>
-              <a:rPr lang="ru-RU" b="1" dirty="0"/>
+              <a:rPr lang="ru-RU" sz="1600" dirty="0" smtClean="0">
+                <a:solidFill>
+                  <a:srgbClr val="FF0000"/>
+                </a:solidFill>
+                <a:latin typeface="Arial" panose="020B0604020202020204" pitchFamily="34" charset="0"/>
+                <a:cs typeface="Arial" panose="020B0604020202020204" pitchFamily="34" charset="0"/>
+              </a:rPr>
+              <a:t> </a:t>
+            </a:r>
+            <a:r>
+              <a:rPr lang="ru-RU" sz="1600" dirty="0">
+                <a:solidFill>
+                  <a:srgbClr val="FF0000"/>
+                </a:solidFill>
+                <a:latin typeface="Arial" panose="020B0604020202020204" pitchFamily="34" charset="0"/>
+                <a:cs typeface="Arial" panose="020B0604020202020204" pitchFamily="34" charset="0"/>
+              </a:rPr>
+              <a:t>[62 F1 01 00 01 A5]</a:t>
+            </a:r>
+          </a:p>
+          <a:p>
+            <a:pPr marL="0" indent="0">
+              <a:buNone/>
+            </a:pPr>
+            <a:r>
+              <a:rPr lang="ru-RU" sz="1600" dirty="0">
+                <a:solidFill>
+                  <a:srgbClr val="FF0000"/>
+                </a:solidFill>
+                <a:latin typeface="Arial" panose="020B0604020202020204" pitchFamily="34" charset="0"/>
+                <a:cs typeface="Arial" panose="020B0604020202020204" pitchFamily="34" charset="0"/>
+              </a:rPr>
+              <a:t>]</a:t>
+            </a:r>
+          </a:p>
+          <a:p>
+            <a:pPr marL="0" indent="0">
+              <a:buNone/>
+            </a:pPr>
+            <a:r>
+              <a:rPr lang="ru-RU" sz="1600" b="1" dirty="0">
+                <a:latin typeface="Arial" panose="020B0604020202020204" pitchFamily="34" charset="0"/>
+                <a:cs typeface="Arial" panose="020B0604020202020204" pitchFamily="34" charset="0"/>
+              </a:rPr>
               <a:t>@</a:t>
             </a:r>
             <a:r>
-              <a:rPr lang="ru-RU" b="1" dirty="0" err="1"/>
+              <a:rPr lang="ru-RU" sz="1600" b="1" dirty="0" err="1">
+                <a:latin typeface="Arial" panose="020B0604020202020204" pitchFamily="34" charset="0"/>
+                <a:cs typeface="Arial" panose="020B0604020202020204" pitchFamily="34" charset="0"/>
+              </a:rPr>
               <a:t>Set</a:t>
             </a:r>
             <a:r>
-              <a:rPr lang="ru-RU" dirty="0"/>
+              <a:rPr lang="ru-RU" sz="1600" dirty="0">
+                <a:latin typeface="Arial" panose="020B0604020202020204" pitchFamily="34" charset="0"/>
+                <a:cs typeface="Arial" panose="020B0604020202020204" pitchFamily="34" charset="0"/>
+              </a:rPr>
               <a:t> </a:t>
             </a:r>
             <a:r>
-              <a:rPr lang="ru-RU" dirty="0" err="1"/>
+              <a:rPr lang="ru-RU" sz="1600" dirty="0" err="1">
+                <a:latin typeface="Arial" panose="020B0604020202020204" pitchFamily="34" charset="0"/>
+                <a:cs typeface="Arial" panose="020B0604020202020204" pitchFamily="34" charset="0"/>
+              </a:rPr>
               <a:t>ignition</a:t>
             </a:r>
             <a:r>
-              <a:rPr lang="ru-RU" dirty="0"/>
+              <a:rPr lang="ru-RU" sz="1600" dirty="0">
+                <a:latin typeface="Arial" panose="020B0604020202020204" pitchFamily="34" charset="0"/>
+                <a:cs typeface="Arial" panose="020B0604020202020204" pitchFamily="34" charset="0"/>
+              </a:rPr>
               <a:t> </a:t>
             </a:r>
             <a:r>
-              <a:rPr lang="ru-RU" dirty="0" err="1"/>
+              <a:rPr lang="ru-RU" sz="1600" dirty="0" err="1">
+                <a:latin typeface="Arial" panose="020B0604020202020204" pitchFamily="34" charset="0"/>
+                <a:cs typeface="Arial" panose="020B0604020202020204" pitchFamily="34" charset="0"/>
+              </a:rPr>
               <a:t>off</a:t>
             </a:r>
-            <a:endParaRPr lang="ru-RU" dirty="0"/>
-          </a:p>
-          <a:p>
-            <a:endParaRPr lang="ru-RU" dirty="0"/>
-          </a:p>
-          <a:p>
-            <a:r>
-              <a:rPr lang="ru-RU" b="1" dirty="0"/>
-              <a:t>@</a:t>
-            </a:r>
-            <a:r>
-              <a:rPr lang="ru-RU" b="1" dirty="0" err="1"/>
-              <a:t>Set</a:t>
-            </a:r>
-            <a:r>
-              <a:rPr lang="ru-RU" dirty="0"/>
-              <a:t> </a:t>
-            </a:r>
-            <a:r>
-              <a:rPr lang="ru-RU" dirty="0" err="1"/>
-              <a:t>ignition</a:t>
-            </a:r>
-            <a:r>
-              <a:rPr lang="ru-RU" dirty="0"/>
-              <a:t> </a:t>
-            </a:r>
-            <a:r>
-              <a:rPr lang="ru-RU" dirty="0" err="1"/>
-              <a:t>on</a:t>
-            </a:r>
-            <a:endParaRPr lang="ru-RU" dirty="0"/>
-          </a:p>
-          <a:p>
-            <a:r>
-              <a:rPr lang="ru-RU" b="1" dirty="0"/>
-              <a:t>@</a:t>
-            </a:r>
-            <a:r>
-              <a:rPr lang="ru-RU" b="1" dirty="0" err="1"/>
-              <a:t>Repeat</a:t>
-            </a:r>
-            <a:r>
-              <a:rPr lang="ru-RU" dirty="0"/>
-              <a:t>[2][</a:t>
-            </a:r>
-          </a:p>
-          <a:p>
-            <a:r>
-              <a:rPr lang="ru-RU" dirty="0"/>
-              <a:t>    </a:t>
-            </a:r>
-            <a:r>
-              <a:rPr lang="ru-RU" b="1" dirty="0"/>
-              <a:t>@</a:t>
-            </a:r>
-            <a:r>
-              <a:rPr lang="ru-RU" dirty="0" err="1"/>
-              <a:t>Send</a:t>
-            </a:r>
-            <a:r>
-              <a:rPr lang="ru-RU" dirty="0"/>
-              <a:t> </a:t>
-            </a:r>
-            <a:r>
-              <a:rPr lang="ru-RU" dirty="0" err="1"/>
-              <a:t>request</a:t>
-            </a:r>
-            <a:r>
-              <a:rPr lang="ru-RU" dirty="0"/>
-              <a:t> [22 F1 01]</a:t>
-            </a:r>
-          </a:p>
-          <a:p>
-            <a:r>
-              <a:rPr lang="ru-RU" dirty="0"/>
-              <a:t>    </a:t>
-            </a:r>
-            <a:r>
-              <a:rPr lang="ru-RU" b="1" dirty="0"/>
-              <a:t>@</a:t>
-            </a:r>
-            <a:r>
-              <a:rPr lang="ru-RU" dirty="0" err="1"/>
-              <a:t>Pause</a:t>
-            </a:r>
-            <a:r>
-              <a:rPr lang="ru-RU" dirty="0"/>
-              <a:t> [100] </a:t>
-            </a:r>
-            <a:r>
-              <a:rPr lang="ru-RU" dirty="0" err="1"/>
-              <a:t>ms</a:t>
-            </a:r>
-            <a:endParaRPr lang="ru-RU" dirty="0"/>
-          </a:p>
-          <a:p>
-            <a:r>
-              <a:rPr lang="ru-RU" dirty="0"/>
-              <a:t>    </a:t>
-            </a:r>
-            <a:r>
-              <a:rPr lang="ru-RU" b="1" dirty="0"/>
-              <a:t>@</a:t>
-            </a:r>
-            <a:r>
-              <a:rPr lang="ru-RU" dirty="0" err="1"/>
-              <a:t>Recieve</a:t>
-            </a:r>
-            <a:r>
-              <a:rPr lang="ru-RU" dirty="0"/>
-              <a:t> </a:t>
-            </a:r>
-            <a:r>
-              <a:rPr lang="ru-RU" dirty="0" err="1"/>
-              <a:t>response</a:t>
-            </a:r>
-            <a:r>
-              <a:rPr lang="ru-RU" dirty="0"/>
-              <a:t> [62 F1 01 00 01 A5]</a:t>
-            </a:r>
-          </a:p>
-          <a:p>
-            <a:r>
-              <a:rPr lang="ru-RU" dirty="0"/>
-              <a:t>]</a:t>
-            </a:r>
-          </a:p>
-          <a:p>
-            <a:r>
-              <a:rPr lang="ru-RU" b="1" dirty="0"/>
-              <a:t>@</a:t>
-            </a:r>
-            <a:r>
-              <a:rPr lang="ru-RU" b="1" dirty="0" err="1"/>
-              <a:t>Set</a:t>
-            </a:r>
-            <a:r>
-              <a:rPr lang="ru-RU" dirty="0"/>
-              <a:t> </a:t>
-            </a:r>
-            <a:r>
-              <a:rPr lang="ru-RU" dirty="0" err="1"/>
-              <a:t>ignition</a:t>
-            </a:r>
-            <a:r>
-              <a:rPr lang="ru-RU" dirty="0"/>
-              <a:t> </a:t>
-            </a:r>
-            <a:r>
-              <a:rPr lang="ru-RU" dirty="0" err="1"/>
-              <a:t>off</a:t>
-            </a:r>
-            <a:endParaRPr lang="ru-RU" dirty="0"/>
+            <a:endParaRPr lang="ru-RU" sz="1600" dirty="0">
+              <a:latin typeface="Arial" panose="020B0604020202020204" pitchFamily="34" charset="0"/>
+              <a:cs typeface="Arial" panose="020B0604020202020204" pitchFamily="34" charset="0"/>
+            </a:endParaRPr>
           </a:p>
         </p:txBody>
       </p:sp>
     </p:spTree>
     <p:extLst>
       <p:ext uri="{BB962C8B-B14F-4D97-AF65-F5344CB8AC3E}">
-        <p14:creationId xmlns:p14="http://schemas.microsoft.com/office/powerpoint/2010/main" val="1232499641"/>
+        <p14:creationId xmlns:p14="http://schemas.microsoft.com/office/powerpoint/2010/main" val="3003893992"/>
       </p:ext>
     </p:extLst>
   </p:cSld>
